--- a/slides/Durable_Functions.pptx
+++ b/slides/Durable_Functions.pptx
@@ -9,9 +9,11 @@
     <p:sldId id="259" r:id="rId3"/>
     <p:sldId id="260" r:id="rId4"/>
     <p:sldId id="265" r:id="rId5"/>
-    <p:sldId id="264" r:id="rId6"/>
-    <p:sldId id="266" r:id="rId7"/>
-    <p:sldId id="261" r:id="rId8"/>
+    <p:sldId id="268" r:id="rId6"/>
+    <p:sldId id="264" r:id="rId7"/>
+    <p:sldId id="266" r:id="rId8"/>
+    <p:sldId id="261" r:id="rId9"/>
+    <p:sldId id="267" r:id="rId10"/>
   </p:sldIdLst>
   <p:sldSz cx="12192000" cy="6858000"/>
   <p:notesSz cx="6858000" cy="9144000"/>
@@ -6775,7 +6777,7 @@
           <p:cNvPr id="3" name="Textplatzhalter 2">
             <a:extLst>
               <a:ext uri="{FF2B5EF4-FFF2-40B4-BE49-F238E27FC236}">
-                <a16:creationId xmlns:a16="http://schemas.microsoft.com/office/drawing/2014/main" id="{57625549-4941-4E12-AA37-2C694939FB57}"/>
+                <a16:creationId xmlns:a16="http://schemas.microsoft.com/office/drawing/2014/main" id="{AB1E0705-CB19-4279-9F72-D5CA72B5A7E6}"/>
               </a:ext>
             </a:extLst>
           </p:cNvPr>
@@ -6788,25 +6790,23 @@
         </p:nvSpPr>
         <p:spPr/>
         <p:txBody>
-          <a:bodyPr>
-            <a:normAutofit/>
-          </a:bodyPr>
-          <a:lstStyle/>
-          <a:p>
-            <a:r>
-              <a:rPr lang="en-US" sz="2400" dirty="0"/>
-              <a:t>Azure Functions</a:t>
-            </a:r>
-            <a:endParaRPr lang="de-DE" sz="2400" dirty="0"/>
-          </a:p>
-        </p:txBody>
-      </p:sp>
-      <p:sp>
-        <p:nvSpPr>
-          <p:cNvPr id="25" name="Textfeld 24">
-            <a:extLst>
-              <a:ext uri="{FF2B5EF4-FFF2-40B4-BE49-F238E27FC236}">
-                <a16:creationId xmlns:a16="http://schemas.microsoft.com/office/drawing/2014/main" id="{BFE2375B-1562-4961-9873-23936DB1493A}"/>
+          <a:bodyPr/>
+          <a:lstStyle/>
+          <a:p>
+            <a:r>
+              <a:rPr lang="en-US" dirty="0"/>
+              <a:t>What is Azure Functions?</a:t>
+            </a:r>
+            <a:endParaRPr lang="de-DE" dirty="0"/>
+          </a:p>
+        </p:txBody>
+      </p:sp>
+      <p:sp>
+        <p:nvSpPr>
+          <p:cNvPr id="4" name="Textfeld 3">
+            <a:extLst>
+              <a:ext uri="{FF2B5EF4-FFF2-40B4-BE49-F238E27FC236}">
+                <a16:creationId xmlns:a16="http://schemas.microsoft.com/office/drawing/2014/main" id="{2326CB9F-40A6-4135-AFD8-E0E32AEF33A4}"/>
               </a:ext>
             </a:extLst>
           </p:cNvPr>
@@ -6815,8 +6815,8 @@
         </p:nvSpPr>
         <p:spPr>
           <a:xfrm>
-            <a:off x="3783495" y="2980155"/>
-            <a:ext cx="5368777" cy="369332"/>
+            <a:off x="4982814" y="3766784"/>
+            <a:ext cx="2040835" cy="1477328"/>
           </a:xfrm>
           <a:prstGeom prst="rect">
             <a:avLst/>
@@ -6824,55 +6824,340 @@
           <a:noFill/>
         </p:spPr>
         <p:txBody>
-          <a:bodyPr wrap="none" rtlCol="0">
+          <a:bodyPr wrap="square" rtlCol="0">
             <a:spAutoFit/>
           </a:bodyPr>
           <a:lstStyle/>
           <a:p>
-            <a:r>
-              <a:rPr lang="en-US" dirty="0"/>
-              <a:t>@Thomas: Kannst du </a:t>
-            </a:r>
-            <a:r>
-              <a:rPr lang="en-US" dirty="0" err="1"/>
-              <a:t>dir</a:t>
-            </a:r>
-            <a:r>
-              <a:rPr lang="en-US" dirty="0"/>
-              <a:t> das </a:t>
-            </a:r>
-            <a:r>
-              <a:rPr lang="en-US" dirty="0" err="1"/>
-              <a:t>hier</a:t>
-            </a:r>
-            <a:r>
-              <a:rPr lang="en-US" dirty="0"/>
-              <a:t> </a:t>
-            </a:r>
-            <a:r>
-              <a:rPr lang="en-US" dirty="0" err="1"/>
-              <a:t>zurecht</a:t>
-            </a:r>
-            <a:r>
-              <a:rPr lang="en-US" dirty="0"/>
-              <a:t> </a:t>
-            </a:r>
-            <a:r>
-              <a:rPr lang="en-US" dirty="0" err="1"/>
-              <a:t>bauen</a:t>
-            </a:r>
-            <a:r>
-              <a:rPr lang="en-US" dirty="0"/>
-              <a:t>?</a:t>
-            </a:r>
-            <a:endParaRPr lang="de-DE" dirty="0"/>
-          </a:p>
-        </p:txBody>
-      </p:sp>
+            <a:pPr algn="ctr"/>
+            <a:r>
+              <a:rPr lang="en-US" b="1" dirty="0">
+                <a:solidFill>
+                  <a:srgbClr val="5A536D"/>
+                </a:solidFill>
+              </a:rPr>
+              <a:t>Languages</a:t>
+            </a:r>
+            <a:br>
+              <a:rPr lang="en-US" b="1" dirty="0">
+                <a:solidFill>
+                  <a:srgbClr val="5A536D"/>
+                </a:solidFill>
+              </a:rPr>
+            </a:br>
+            <a:br>
+              <a:rPr lang="en-US" dirty="0">
+                <a:solidFill>
+                  <a:srgbClr val="083232"/>
+                </a:solidFill>
+              </a:rPr>
+            </a:br>
+            <a:r>
+              <a:rPr lang="en-US" dirty="0">
+                <a:solidFill>
+                  <a:srgbClr val="083232"/>
+                </a:solidFill>
+              </a:rPr>
+              <a:t>C#, F#</a:t>
+            </a:r>
+          </a:p>
+          <a:p>
+            <a:pPr algn="ctr"/>
+            <a:r>
+              <a:rPr lang="en-US" dirty="0">
+                <a:solidFill>
+                  <a:srgbClr val="083232"/>
+                </a:solidFill>
+              </a:rPr>
+              <a:t>JavaScript</a:t>
+            </a:r>
+          </a:p>
+          <a:p>
+            <a:pPr algn="ctr"/>
+            <a:r>
+              <a:rPr lang="en-US" dirty="0">
+                <a:solidFill>
+                  <a:srgbClr val="083232"/>
+                </a:solidFill>
+              </a:rPr>
+              <a:t>Java</a:t>
+            </a:r>
+          </a:p>
+        </p:txBody>
+      </p:sp>
+      <p:sp>
+        <p:nvSpPr>
+          <p:cNvPr id="5" name="Textfeld 4">
+            <a:extLst>
+              <a:ext uri="{FF2B5EF4-FFF2-40B4-BE49-F238E27FC236}">
+                <a16:creationId xmlns:a16="http://schemas.microsoft.com/office/drawing/2014/main" id="{223D8E3B-5689-4398-A6DA-CDBC2374C4C6}"/>
+              </a:ext>
+            </a:extLst>
+          </p:cNvPr>
+          <p:cNvSpPr txBox="1"/>
+          <p:nvPr/>
+        </p:nvSpPr>
+        <p:spPr>
+          <a:xfrm>
+            <a:off x="1322585" y="3766784"/>
+            <a:ext cx="2040835" cy="1477328"/>
+          </a:xfrm>
+          <a:prstGeom prst="rect">
+            <a:avLst/>
+          </a:prstGeom>
+          <a:noFill/>
+        </p:spPr>
+        <p:txBody>
+          <a:bodyPr wrap="square" rtlCol="0">
+            <a:spAutoFit/>
+          </a:bodyPr>
+          <a:lstStyle/>
+          <a:p>
+            <a:pPr algn="ctr"/>
+            <a:r>
+              <a:rPr lang="en-US" b="1" dirty="0">
+                <a:solidFill>
+                  <a:srgbClr val="5A536D"/>
+                </a:solidFill>
+              </a:rPr>
+              <a:t>Triggers</a:t>
+            </a:r>
+            <a:br>
+              <a:rPr lang="en-US" b="1" dirty="0">
+                <a:solidFill>
+                  <a:srgbClr val="5A536D"/>
+                </a:solidFill>
+              </a:rPr>
+            </a:br>
+            <a:endParaRPr lang="en-US" b="1" dirty="0">
+              <a:solidFill>
+                <a:srgbClr val="5A536D"/>
+              </a:solidFill>
+            </a:endParaRPr>
+          </a:p>
+          <a:p>
+            <a:pPr algn="ctr"/>
+            <a:r>
+              <a:rPr lang="en-US" dirty="0">
+                <a:solidFill>
+                  <a:srgbClr val="083232"/>
+                </a:solidFill>
+              </a:rPr>
+              <a:t>Timer</a:t>
+            </a:r>
+          </a:p>
+          <a:p>
+            <a:pPr algn="ctr"/>
+            <a:r>
+              <a:rPr lang="en-US" dirty="0">
+                <a:solidFill>
+                  <a:srgbClr val="083232"/>
+                </a:solidFill>
+              </a:rPr>
+              <a:t>Queue Message</a:t>
+            </a:r>
+          </a:p>
+          <a:p>
+            <a:pPr algn="ctr"/>
+            <a:r>
+              <a:rPr lang="en-US" dirty="0">
+                <a:solidFill>
+                  <a:srgbClr val="083232"/>
+                </a:solidFill>
+              </a:rPr>
+              <a:t>HTTP Trigger</a:t>
+            </a:r>
+            <a:endParaRPr lang="de-DE" dirty="0">
+              <a:solidFill>
+                <a:srgbClr val="5A536D"/>
+              </a:solidFill>
+            </a:endParaRPr>
+          </a:p>
+        </p:txBody>
+      </p:sp>
+      <p:sp>
+        <p:nvSpPr>
+          <p:cNvPr id="6" name="Textfeld 5">
+            <a:extLst>
+              <a:ext uri="{FF2B5EF4-FFF2-40B4-BE49-F238E27FC236}">
+                <a16:creationId xmlns:a16="http://schemas.microsoft.com/office/drawing/2014/main" id="{A64A86A9-1F81-46F1-8861-33DE870B38E1}"/>
+              </a:ext>
+            </a:extLst>
+          </p:cNvPr>
+          <p:cNvSpPr txBox="1"/>
+          <p:nvPr/>
+        </p:nvSpPr>
+        <p:spPr>
+          <a:xfrm>
+            <a:off x="8542620" y="3766784"/>
+            <a:ext cx="2040835" cy="1477328"/>
+          </a:xfrm>
+          <a:prstGeom prst="rect">
+            <a:avLst/>
+          </a:prstGeom>
+          <a:noFill/>
+        </p:spPr>
+        <p:txBody>
+          <a:bodyPr wrap="square" rtlCol="0">
+            <a:spAutoFit/>
+          </a:bodyPr>
+          <a:lstStyle/>
+          <a:p>
+            <a:pPr algn="ctr"/>
+            <a:r>
+              <a:rPr lang="en-US" b="1" dirty="0">
+                <a:solidFill>
+                  <a:srgbClr val="5A536D"/>
+                </a:solidFill>
+              </a:rPr>
+              <a:t>Bindings</a:t>
+            </a:r>
+            <a:br>
+              <a:rPr lang="en-US" b="1" dirty="0">
+                <a:solidFill>
+                  <a:srgbClr val="083232"/>
+                </a:solidFill>
+              </a:rPr>
+            </a:br>
+            <a:br>
+              <a:rPr lang="en-US" b="1" dirty="0">
+                <a:solidFill>
+                  <a:srgbClr val="083232"/>
+                </a:solidFill>
+              </a:rPr>
+            </a:br>
+            <a:r>
+              <a:rPr lang="en-US" dirty="0">
+                <a:solidFill>
+                  <a:srgbClr val="083232"/>
+                </a:solidFill>
+              </a:rPr>
+              <a:t>Blob Storage</a:t>
+            </a:r>
+          </a:p>
+          <a:p>
+            <a:pPr algn="ctr"/>
+            <a:r>
+              <a:rPr lang="en-US" dirty="0" err="1">
+                <a:solidFill>
+                  <a:srgbClr val="083232"/>
+                </a:solidFill>
+              </a:rPr>
+              <a:t>CosmosDb</a:t>
+            </a:r>
+            <a:endParaRPr lang="en-US" dirty="0">
+              <a:solidFill>
+                <a:srgbClr val="083232"/>
+              </a:solidFill>
+            </a:endParaRPr>
+          </a:p>
+          <a:p>
+            <a:pPr algn="ctr"/>
+            <a:r>
+              <a:rPr lang="en-US" dirty="0">
+                <a:solidFill>
+                  <a:srgbClr val="083232"/>
+                </a:solidFill>
+              </a:rPr>
+              <a:t>SendGrid</a:t>
+            </a:r>
+          </a:p>
+        </p:txBody>
+      </p:sp>
+      <p:pic>
+        <p:nvPicPr>
+          <p:cNvPr id="7" name="Grafik 6">
+            <a:extLst>
+              <a:ext uri="{FF2B5EF4-FFF2-40B4-BE49-F238E27FC236}">
+                <a16:creationId xmlns:a16="http://schemas.microsoft.com/office/drawing/2014/main" id="{F35E6E80-FA94-40F0-8D98-05B129A726FD}"/>
+              </a:ext>
+            </a:extLst>
+          </p:cNvPr>
+          <p:cNvPicPr>
+            <a:picLocks noChangeAspect="1"/>
+          </p:cNvPicPr>
+          <p:nvPr/>
+        </p:nvPicPr>
+        <p:blipFill>
+          <a:blip r:embed="rId2"/>
+          <a:stretch>
+            <a:fillRect/>
+          </a:stretch>
+        </p:blipFill>
+        <p:spPr>
+          <a:xfrm>
+            <a:off x="5252069" y="2074447"/>
+            <a:ext cx="1502323" cy="1354553"/>
+          </a:xfrm>
+          <a:prstGeom prst="rect">
+            <a:avLst/>
+          </a:prstGeom>
+        </p:spPr>
+      </p:pic>
+      <p:pic>
+        <p:nvPicPr>
+          <p:cNvPr id="8" name="Grafik 7">
+            <a:extLst>
+              <a:ext uri="{FF2B5EF4-FFF2-40B4-BE49-F238E27FC236}">
+                <a16:creationId xmlns:a16="http://schemas.microsoft.com/office/drawing/2014/main" id="{501B21C2-7368-495C-94CB-DCD2922579EF}"/>
+              </a:ext>
+            </a:extLst>
+          </p:cNvPr>
+          <p:cNvPicPr>
+            <a:picLocks noChangeAspect="1"/>
+          </p:cNvPicPr>
+          <p:nvPr/>
+        </p:nvPicPr>
+        <p:blipFill>
+          <a:blip r:embed="rId3"/>
+          <a:stretch>
+            <a:fillRect/>
+          </a:stretch>
+        </p:blipFill>
+        <p:spPr>
+          <a:xfrm>
+            <a:off x="1679389" y="2039961"/>
+            <a:ext cx="1327226" cy="1423524"/>
+          </a:xfrm>
+          <a:prstGeom prst="rect">
+            <a:avLst/>
+          </a:prstGeom>
+        </p:spPr>
+      </p:pic>
+      <p:pic>
+        <p:nvPicPr>
+          <p:cNvPr id="9" name="Grafik 8">
+            <a:extLst>
+              <a:ext uri="{FF2B5EF4-FFF2-40B4-BE49-F238E27FC236}">
+                <a16:creationId xmlns:a16="http://schemas.microsoft.com/office/drawing/2014/main" id="{0918ACA3-D9E4-4DBD-9E77-5657FC1AF559}"/>
+              </a:ext>
+            </a:extLst>
+          </p:cNvPr>
+          <p:cNvPicPr>
+            <a:picLocks noChangeAspect="1"/>
+          </p:cNvPicPr>
+          <p:nvPr/>
+        </p:nvPicPr>
+        <p:blipFill>
+          <a:blip r:embed="rId4"/>
+          <a:stretch>
+            <a:fillRect/>
+          </a:stretch>
+        </p:blipFill>
+        <p:spPr>
+          <a:xfrm>
+            <a:off x="8858465" y="2013059"/>
+            <a:ext cx="1409143" cy="1477328"/>
+          </a:xfrm>
+          <a:prstGeom prst="rect">
+            <a:avLst/>
+          </a:prstGeom>
+        </p:spPr>
+      </p:pic>
     </p:spTree>
     <p:extLst>
       <p:ext uri="{BB962C8B-B14F-4D97-AF65-F5344CB8AC3E}">
-        <p14:creationId xmlns:p14="http://schemas.microsoft.com/office/powerpoint/2010/main" val="2697839071"/>
+        <p14:creationId xmlns:p14="http://schemas.microsoft.com/office/powerpoint/2010/main" val="3447879989"/>
       </p:ext>
     </p:extLst>
   </p:cSld>
@@ -6924,7 +7209,7 @@
           <a:p>
             <a:r>
               <a:rPr lang="en-US" sz="2400" dirty="0"/>
-              <a:t>Demos Azure Functions</a:t>
+              <a:t>Azure Functions</a:t>
             </a:r>
             <a:endParaRPr lang="de-DE" sz="2400" dirty="0"/>
           </a:p>
@@ -6932,10 +7217,10 @@
       </p:sp>
       <p:sp>
         <p:nvSpPr>
-          <p:cNvPr id="4" name="Textfeld 3">
-            <a:extLst>
-              <a:ext uri="{FF2B5EF4-FFF2-40B4-BE49-F238E27FC236}">
-                <a16:creationId xmlns:a16="http://schemas.microsoft.com/office/drawing/2014/main" id="{D0AD0E3B-E029-4C47-A02E-4FD8F2F1CA2A}"/>
+          <p:cNvPr id="25" name="Textfeld 24">
+            <a:extLst>
+              <a:ext uri="{FF2B5EF4-FFF2-40B4-BE49-F238E27FC236}">
+                <a16:creationId xmlns:a16="http://schemas.microsoft.com/office/drawing/2014/main" id="{BFE2375B-1562-4961-9873-23936DB1493A}"/>
               </a:ext>
             </a:extLst>
           </p:cNvPr>
@@ -7001,7 +7286,7 @@
     </p:spTree>
     <p:extLst>
       <p:ext uri="{BB962C8B-B14F-4D97-AF65-F5344CB8AC3E}">
-        <p14:creationId xmlns:p14="http://schemas.microsoft.com/office/powerpoint/2010/main" val="3645647145"/>
+        <p14:creationId xmlns:p14="http://schemas.microsoft.com/office/powerpoint/2010/main" val="2697839071"/>
       </p:ext>
     </p:extLst>
   </p:cSld>
@@ -7033,7 +7318,7 @@
           <p:cNvPr id="3" name="Textplatzhalter 2">
             <a:extLst>
               <a:ext uri="{FF2B5EF4-FFF2-40B4-BE49-F238E27FC236}">
-                <a16:creationId xmlns:a16="http://schemas.microsoft.com/office/drawing/2014/main" id="{FAFEEEED-CDAD-46CC-946F-1878FDBB939C}"/>
+                <a16:creationId xmlns:a16="http://schemas.microsoft.com/office/drawing/2014/main" id="{57625549-4941-4E12-AA37-2C694939FB57}"/>
               </a:ext>
             </a:extLst>
           </p:cNvPr>
@@ -7053,7 +7338,7 @@
           <a:p>
             <a:r>
               <a:rPr lang="en-US" sz="2400" dirty="0"/>
-              <a:t>Azure Durable Functions</a:t>
+              <a:t>Demos Azure Functions</a:t>
             </a:r>
             <a:endParaRPr lang="de-DE" sz="2400" dirty="0"/>
           </a:p>
@@ -7061,10 +7346,10 @@
       </p:sp>
       <p:sp>
         <p:nvSpPr>
-          <p:cNvPr id="6" name="Textfeld 5">
-            <a:extLst>
-              <a:ext uri="{FF2B5EF4-FFF2-40B4-BE49-F238E27FC236}">
-                <a16:creationId xmlns:a16="http://schemas.microsoft.com/office/drawing/2014/main" id="{319D27F4-2089-49D3-A7CA-AE2AE1B2FD38}"/>
+          <p:cNvPr id="4" name="Textfeld 3">
+            <a:extLst>
+              <a:ext uri="{FF2B5EF4-FFF2-40B4-BE49-F238E27FC236}">
+                <a16:creationId xmlns:a16="http://schemas.microsoft.com/office/drawing/2014/main" id="{D0AD0E3B-E029-4C47-A02E-4FD8F2F1CA2A}"/>
               </a:ext>
             </a:extLst>
           </p:cNvPr>
@@ -7074,7 +7359,7 @@
         <p:spPr>
           <a:xfrm>
             <a:off x="3783495" y="2980155"/>
-            <a:ext cx="2496196" cy="369332"/>
+            <a:ext cx="5368777" cy="369332"/>
           </a:xfrm>
           <a:prstGeom prst="rect">
             <a:avLst/>
@@ -7089,11 +7374,19 @@
           <a:p>
             <a:r>
               <a:rPr lang="en-US" dirty="0"/>
-              <a:t>[</a:t>
+              <a:t>@Thomas: Kannst du </a:t>
             </a:r>
             <a:r>
               <a:rPr lang="en-US" dirty="0" err="1"/>
-              <a:t>Hier</a:t>
+              <a:t>dir</a:t>
+            </a:r>
+            <a:r>
+              <a:rPr lang="en-US" dirty="0"/>
+              <a:t> das </a:t>
+            </a:r>
+            <a:r>
+              <a:rPr lang="en-US" dirty="0" err="1"/>
+              <a:t>hier</a:t>
             </a:r>
             <a:r>
               <a:rPr lang="en-US" dirty="0"/>
@@ -7101,20 +7394,327 @@
             </a:r>
             <a:r>
               <a:rPr lang="en-US" dirty="0" err="1"/>
-              <a:t>mach</a:t>
+              <a:t>zurecht</a:t>
             </a:r>
             <a:r>
               <a:rPr lang="en-US" dirty="0"/>
-              <a:t> ich </a:t>
-            </a:r>
-            <a:r>
-              <a:rPr lang="en-US"/>
-              <a:t>weiter]</a:t>
+              <a:t> </a:t>
+            </a:r>
+            <a:r>
+              <a:rPr lang="en-US" dirty="0" err="1"/>
+              <a:t>bauen</a:t>
+            </a:r>
+            <a:r>
+              <a:rPr lang="en-US" dirty="0"/>
+              <a:t>?</a:t>
             </a:r>
             <a:endParaRPr lang="de-DE" dirty="0"/>
           </a:p>
         </p:txBody>
       </p:sp>
+    </p:spTree>
+    <p:extLst>
+      <p:ext uri="{BB962C8B-B14F-4D97-AF65-F5344CB8AC3E}">
+        <p14:creationId xmlns:p14="http://schemas.microsoft.com/office/powerpoint/2010/main" val="3645647145"/>
+      </p:ext>
+    </p:extLst>
+  </p:cSld>
+  <p:clrMapOvr>
+    <a:masterClrMapping/>
+  </p:clrMapOvr>
+</p:sld>
+</file>
+
+<file path=ppt/slides/slide8.xml><?xml version="1.0" encoding="utf-8"?>
+<p:sld xmlns:a="http://schemas.openxmlformats.org/drawingml/2006/main" xmlns:r="http://schemas.openxmlformats.org/officeDocument/2006/relationships" xmlns:p="http://schemas.openxmlformats.org/presentationml/2006/main">
+  <p:cSld>
+    <p:spTree>
+      <p:nvGrpSpPr>
+        <p:cNvPr id="1" name=""/>
+        <p:cNvGrpSpPr/>
+        <p:nvPr/>
+      </p:nvGrpSpPr>
+      <p:grpSpPr>
+        <a:xfrm>
+          <a:off x="0" y="0"/>
+          <a:ext cx="0" cy="0"/>
+          <a:chOff x="0" y="0"/>
+          <a:chExt cx="0" cy="0"/>
+        </a:xfrm>
+      </p:grpSpPr>
+      <p:sp>
+        <p:nvSpPr>
+          <p:cNvPr id="3" name="Textplatzhalter 2">
+            <a:extLst>
+              <a:ext uri="{FF2B5EF4-FFF2-40B4-BE49-F238E27FC236}">
+                <a16:creationId xmlns:a16="http://schemas.microsoft.com/office/drawing/2014/main" id="{FAFEEEED-CDAD-46CC-946F-1878FDBB939C}"/>
+              </a:ext>
+            </a:extLst>
+          </p:cNvPr>
+          <p:cNvSpPr>
+            <a:spLocks noGrp="1"/>
+          </p:cNvSpPr>
+          <p:nvPr>
+            <p:ph type="body" sz="quarter" idx="13"/>
+          </p:nvPr>
+        </p:nvSpPr>
+        <p:spPr/>
+        <p:txBody>
+          <a:bodyPr>
+            <a:normAutofit/>
+          </a:bodyPr>
+          <a:lstStyle/>
+          <a:p>
+            <a:r>
+              <a:rPr lang="en-US" sz="2400" dirty="0"/>
+              <a:t>What are Durable Functions?</a:t>
+            </a:r>
+            <a:endParaRPr lang="de-DE" sz="2400" dirty="0"/>
+          </a:p>
+        </p:txBody>
+      </p:sp>
+      <p:sp>
+        <p:nvSpPr>
+          <p:cNvPr id="6" name="Textfeld 5">
+            <a:extLst>
+              <a:ext uri="{FF2B5EF4-FFF2-40B4-BE49-F238E27FC236}">
+                <a16:creationId xmlns:a16="http://schemas.microsoft.com/office/drawing/2014/main" id="{319D27F4-2089-49D3-A7CA-AE2AE1B2FD38}"/>
+              </a:ext>
+            </a:extLst>
+          </p:cNvPr>
+          <p:cNvSpPr txBox="1"/>
+          <p:nvPr/>
+        </p:nvSpPr>
+        <p:spPr>
+          <a:xfrm>
+            <a:off x="4982814" y="3766784"/>
+            <a:ext cx="2040835" cy="1200329"/>
+          </a:xfrm>
+          <a:prstGeom prst="rect">
+            <a:avLst/>
+          </a:prstGeom>
+          <a:noFill/>
+        </p:spPr>
+        <p:txBody>
+          <a:bodyPr wrap="square" rtlCol="0">
+            <a:spAutoFit/>
+          </a:bodyPr>
+          <a:lstStyle/>
+          <a:p>
+            <a:pPr algn="ctr"/>
+            <a:r>
+              <a:rPr lang="en-US" dirty="0">
+                <a:solidFill>
+                  <a:srgbClr val="083232"/>
+                </a:solidFill>
+              </a:rPr>
+              <a:t>Write “stateful” functions in a “</a:t>
+            </a:r>
+            <a:r>
+              <a:rPr lang="en-US" dirty="0">
+                <a:solidFill>
+                  <a:srgbClr val="5A536D"/>
+                </a:solidFill>
+              </a:rPr>
+              <a:t>serverless</a:t>
+            </a:r>
+            <a:r>
+              <a:rPr lang="en-US" dirty="0">
+                <a:solidFill>
+                  <a:srgbClr val="083232"/>
+                </a:solidFill>
+              </a:rPr>
+              <a:t>” environment</a:t>
+            </a:r>
+          </a:p>
+        </p:txBody>
+      </p:sp>
+      <p:sp>
+        <p:nvSpPr>
+          <p:cNvPr id="8" name="Textfeld 7">
+            <a:extLst>
+              <a:ext uri="{FF2B5EF4-FFF2-40B4-BE49-F238E27FC236}">
+                <a16:creationId xmlns:a16="http://schemas.microsoft.com/office/drawing/2014/main" id="{2AE5DD49-A884-4026-B173-256B4C69CD3C}"/>
+              </a:ext>
+            </a:extLst>
+          </p:cNvPr>
+          <p:cNvSpPr txBox="1"/>
+          <p:nvPr/>
+        </p:nvSpPr>
+        <p:spPr>
+          <a:xfrm>
+            <a:off x="1322585" y="3766784"/>
+            <a:ext cx="2040835" cy="646331"/>
+          </a:xfrm>
+          <a:prstGeom prst="rect">
+            <a:avLst/>
+          </a:prstGeom>
+          <a:noFill/>
+        </p:spPr>
+        <p:txBody>
+          <a:bodyPr wrap="square" rtlCol="0">
+            <a:spAutoFit/>
+          </a:bodyPr>
+          <a:lstStyle/>
+          <a:p>
+            <a:pPr algn="ctr"/>
+            <a:r>
+              <a:rPr lang="en-US" dirty="0">
+                <a:solidFill>
+                  <a:srgbClr val="083232"/>
+                </a:solidFill>
+              </a:rPr>
+              <a:t>An extension to </a:t>
+            </a:r>
+          </a:p>
+          <a:p>
+            <a:pPr algn="ctr"/>
+            <a:r>
+              <a:rPr lang="en-US" dirty="0">
+                <a:solidFill>
+                  <a:srgbClr val="5A536D"/>
+                </a:solidFill>
+              </a:rPr>
+              <a:t>Azure Functions</a:t>
+            </a:r>
+            <a:endParaRPr lang="de-DE" dirty="0">
+              <a:solidFill>
+                <a:srgbClr val="5A536D"/>
+              </a:solidFill>
+            </a:endParaRPr>
+          </a:p>
+        </p:txBody>
+      </p:sp>
+      <p:sp>
+        <p:nvSpPr>
+          <p:cNvPr id="9" name="Textfeld 8">
+            <a:extLst>
+              <a:ext uri="{FF2B5EF4-FFF2-40B4-BE49-F238E27FC236}">
+                <a16:creationId xmlns:a16="http://schemas.microsoft.com/office/drawing/2014/main" id="{9AC3AD73-C97D-47AD-A77D-28564B966E6A}"/>
+              </a:ext>
+            </a:extLst>
+          </p:cNvPr>
+          <p:cNvSpPr txBox="1"/>
+          <p:nvPr/>
+        </p:nvSpPr>
+        <p:spPr>
+          <a:xfrm>
+            <a:off x="8542620" y="3766784"/>
+            <a:ext cx="2040835" cy="646331"/>
+          </a:xfrm>
+          <a:prstGeom prst="rect">
+            <a:avLst/>
+          </a:prstGeom>
+          <a:noFill/>
+        </p:spPr>
+        <p:txBody>
+          <a:bodyPr wrap="square" rtlCol="0">
+            <a:spAutoFit/>
+          </a:bodyPr>
+          <a:lstStyle/>
+          <a:p>
+            <a:pPr algn="ctr"/>
+            <a:r>
+              <a:rPr lang="en-US" dirty="0">
+                <a:solidFill>
+                  <a:srgbClr val="083232"/>
+                </a:solidFill>
+              </a:rPr>
+              <a:t>Define workflows in code</a:t>
+            </a:r>
+          </a:p>
+        </p:txBody>
+      </p:sp>
+      <p:pic>
+        <p:nvPicPr>
+          <p:cNvPr id="10" name="Grafik 9">
+            <a:extLst>
+              <a:ext uri="{FF2B5EF4-FFF2-40B4-BE49-F238E27FC236}">
+                <a16:creationId xmlns:a16="http://schemas.microsoft.com/office/drawing/2014/main" id="{F5D7840C-286A-4EAC-A46B-D416765C7B19}"/>
+              </a:ext>
+            </a:extLst>
+          </p:cNvPr>
+          <p:cNvPicPr>
+            <a:picLocks noChangeAspect="1"/>
+          </p:cNvPicPr>
+          <p:nvPr/>
+        </p:nvPicPr>
+        <p:blipFill>
+          <a:blip r:embed="rId2"/>
+          <a:stretch>
+            <a:fillRect/>
+          </a:stretch>
+        </p:blipFill>
+        <p:spPr>
+          <a:xfrm>
+            <a:off x="1425564" y="2145188"/>
+            <a:ext cx="1821624" cy="1283812"/>
+          </a:xfrm>
+          <a:prstGeom prst="rect">
+            <a:avLst/>
+          </a:prstGeom>
+        </p:spPr>
+      </p:pic>
+      <p:pic>
+        <p:nvPicPr>
+          <p:cNvPr id="11" name="Grafik 10">
+            <a:extLst>
+              <a:ext uri="{FF2B5EF4-FFF2-40B4-BE49-F238E27FC236}">
+                <a16:creationId xmlns:a16="http://schemas.microsoft.com/office/drawing/2014/main" id="{07B6C5A7-D2A3-4AEE-852D-67BE21D02D8E}"/>
+              </a:ext>
+            </a:extLst>
+          </p:cNvPr>
+          <p:cNvPicPr>
+            <a:picLocks noChangeAspect="1"/>
+          </p:cNvPicPr>
+          <p:nvPr/>
+        </p:nvPicPr>
+        <p:blipFill>
+          <a:blip r:embed="rId3"/>
+          <a:stretch>
+            <a:fillRect/>
+          </a:stretch>
+        </p:blipFill>
+        <p:spPr>
+          <a:xfrm>
+            <a:off x="5245445" y="2074447"/>
+            <a:ext cx="1502323" cy="1354553"/>
+          </a:xfrm>
+          <a:prstGeom prst="rect">
+            <a:avLst/>
+          </a:prstGeom>
+        </p:spPr>
+      </p:pic>
+      <p:pic>
+        <p:nvPicPr>
+          <p:cNvPr id="12" name="Grafik 11">
+            <a:extLst>
+              <a:ext uri="{FF2B5EF4-FFF2-40B4-BE49-F238E27FC236}">
+                <a16:creationId xmlns:a16="http://schemas.microsoft.com/office/drawing/2014/main" id="{BC97A0A7-C671-45FC-BED1-F412D3F12FD9}"/>
+              </a:ext>
+            </a:extLst>
+          </p:cNvPr>
+          <p:cNvPicPr>
+            <a:picLocks noChangeAspect="1"/>
+          </p:cNvPicPr>
+          <p:nvPr/>
+        </p:nvPicPr>
+        <p:blipFill>
+          <a:blip r:embed="rId4"/>
+          <a:stretch>
+            <a:fillRect/>
+          </a:stretch>
+        </p:blipFill>
+        <p:spPr>
+          <a:xfrm>
+            <a:off x="8805251" y="2068200"/>
+            <a:ext cx="1502323" cy="1360800"/>
+          </a:xfrm>
+          <a:prstGeom prst="rect">
+            <a:avLst/>
+          </a:prstGeom>
+        </p:spPr>
+      </p:pic>
     </p:spTree>
     <p:extLst>
       <p:ext uri="{BB962C8B-B14F-4D97-AF65-F5344CB8AC3E}">
@@ -7125,6 +7725,635 @@
   <p:clrMapOvr>
     <a:masterClrMapping/>
   </p:clrMapOvr>
+</p:sld>
+</file>
+
+<file path=ppt/slides/slide9.xml><?xml version="1.0" encoding="utf-8"?>
+<p:sld xmlns:a="http://schemas.openxmlformats.org/drawingml/2006/main" xmlns:r="http://schemas.openxmlformats.org/officeDocument/2006/relationships" xmlns:p="http://schemas.openxmlformats.org/presentationml/2006/main">
+  <p:cSld>
+    <p:spTree>
+      <p:nvGrpSpPr>
+        <p:cNvPr id="1" name=""/>
+        <p:cNvGrpSpPr/>
+        <p:nvPr/>
+      </p:nvGrpSpPr>
+      <p:grpSpPr>
+        <a:xfrm>
+          <a:off x="0" y="0"/>
+          <a:ext cx="0" cy="0"/>
+          <a:chOff x="0" y="0"/>
+          <a:chExt cx="0" cy="0"/>
+        </a:xfrm>
+      </p:grpSpPr>
+      <p:sp>
+        <p:nvSpPr>
+          <p:cNvPr id="3" name="Textplatzhalter 2">
+            <a:extLst>
+              <a:ext uri="{FF2B5EF4-FFF2-40B4-BE49-F238E27FC236}">
+                <a16:creationId xmlns:a16="http://schemas.microsoft.com/office/drawing/2014/main" id="{FAFEEEED-CDAD-46CC-946F-1878FDBB939C}"/>
+              </a:ext>
+            </a:extLst>
+          </p:cNvPr>
+          <p:cNvSpPr>
+            <a:spLocks noGrp="1"/>
+          </p:cNvSpPr>
+          <p:nvPr>
+            <p:ph type="body" sz="quarter" idx="13"/>
+          </p:nvPr>
+        </p:nvSpPr>
+        <p:spPr/>
+        <p:txBody>
+          <a:bodyPr>
+            <a:normAutofit/>
+          </a:bodyPr>
+          <a:lstStyle/>
+          <a:p>
+            <a:r>
+              <a:rPr lang="en-US" sz="2400" dirty="0"/>
+              <a:t>Durable Functions or Logic Apps?</a:t>
+            </a:r>
+            <a:endParaRPr lang="de-DE" sz="2400" dirty="0"/>
+          </a:p>
+        </p:txBody>
+      </p:sp>
+      <p:pic>
+        <p:nvPicPr>
+          <p:cNvPr id="4" name="Grafik 3">
+            <a:extLst>
+              <a:ext uri="{FF2B5EF4-FFF2-40B4-BE49-F238E27FC236}">
+                <a16:creationId xmlns:a16="http://schemas.microsoft.com/office/drawing/2014/main" id="{1FF7E328-4759-4076-92B6-5239BE2FB849}"/>
+              </a:ext>
+            </a:extLst>
+          </p:cNvPr>
+          <p:cNvPicPr>
+            <a:picLocks noChangeAspect="1"/>
+          </p:cNvPicPr>
+          <p:nvPr/>
+        </p:nvPicPr>
+        <p:blipFill>
+          <a:blip r:embed="rId2">
+            <a:extLst>
+              <a:ext uri="{96DAC541-7B7A-43D3-8B79-37D633B846F1}">
+                <asvg:svgBlip xmlns:asvg="http://schemas.microsoft.com/office/drawing/2016/SVG/main" r:embed="rId3"/>
+              </a:ext>
+            </a:extLst>
+          </a:blip>
+          <a:stretch>
+            <a:fillRect/>
+          </a:stretch>
+        </p:blipFill>
+        <p:spPr>
+          <a:xfrm>
+            <a:off x="3733803" y="1407941"/>
+            <a:ext cx="941143" cy="941143"/>
+          </a:xfrm>
+          <a:prstGeom prst="rect">
+            <a:avLst/>
+          </a:prstGeom>
+        </p:spPr>
+      </p:pic>
+      <p:sp>
+        <p:nvSpPr>
+          <p:cNvPr id="5" name="Textfeld 4">
+            <a:extLst>
+              <a:ext uri="{FF2B5EF4-FFF2-40B4-BE49-F238E27FC236}">
+                <a16:creationId xmlns:a16="http://schemas.microsoft.com/office/drawing/2014/main" id="{FA68255B-EC52-444C-907C-E57690B433E0}"/>
+              </a:ext>
+            </a:extLst>
+          </p:cNvPr>
+          <p:cNvSpPr txBox="1"/>
+          <p:nvPr/>
+        </p:nvSpPr>
+        <p:spPr>
+          <a:xfrm>
+            <a:off x="3490406" y="2429959"/>
+            <a:ext cx="1427935" cy="400110"/>
+          </a:xfrm>
+          <a:prstGeom prst="rect">
+            <a:avLst/>
+          </a:prstGeom>
+          <a:noFill/>
+        </p:spPr>
+        <p:txBody>
+          <a:bodyPr wrap="square" rtlCol="0">
+            <a:spAutoFit/>
+          </a:bodyPr>
+          <a:lstStyle/>
+          <a:p>
+            <a:pPr algn="ctr"/>
+            <a:r>
+              <a:rPr lang="en-US" sz="2000" b="1" dirty="0"/>
+              <a:t>Functions</a:t>
+            </a:r>
+            <a:endParaRPr lang="de-DE" sz="2000" b="1" dirty="0"/>
+          </a:p>
+        </p:txBody>
+      </p:sp>
+      <p:pic>
+        <p:nvPicPr>
+          <p:cNvPr id="7" name="Grafik 6">
+            <a:extLst>
+              <a:ext uri="{FF2B5EF4-FFF2-40B4-BE49-F238E27FC236}">
+                <a16:creationId xmlns:a16="http://schemas.microsoft.com/office/drawing/2014/main" id="{2622374D-99DE-48A8-8B25-51B2D14E6AF6}"/>
+              </a:ext>
+            </a:extLst>
+          </p:cNvPr>
+          <p:cNvPicPr>
+            <a:picLocks noChangeAspect="1"/>
+          </p:cNvPicPr>
+          <p:nvPr/>
+        </p:nvPicPr>
+        <p:blipFill>
+          <a:blip r:embed="rId4">
+            <a:extLst>
+              <a:ext uri="{96DAC541-7B7A-43D3-8B79-37D633B846F1}">
+                <asvg:svgBlip xmlns:asvg="http://schemas.microsoft.com/office/drawing/2016/SVG/main" r:embed="rId5"/>
+              </a:ext>
+            </a:extLst>
+          </a:blip>
+          <a:stretch>
+            <a:fillRect/>
+          </a:stretch>
+        </p:blipFill>
+        <p:spPr>
+          <a:xfrm>
+            <a:off x="7258531" y="1348561"/>
+            <a:ext cx="1027459" cy="1027459"/>
+          </a:xfrm>
+          <a:prstGeom prst="rect">
+            <a:avLst/>
+          </a:prstGeom>
+        </p:spPr>
+      </p:pic>
+      <p:sp>
+        <p:nvSpPr>
+          <p:cNvPr id="8" name="Textfeld 7">
+            <a:extLst>
+              <a:ext uri="{FF2B5EF4-FFF2-40B4-BE49-F238E27FC236}">
+                <a16:creationId xmlns:a16="http://schemas.microsoft.com/office/drawing/2014/main" id="{4D52E358-F77A-4CF7-B3E6-44E918DE3753}"/>
+              </a:ext>
+            </a:extLst>
+          </p:cNvPr>
+          <p:cNvSpPr txBox="1"/>
+          <p:nvPr/>
+        </p:nvSpPr>
+        <p:spPr>
+          <a:xfrm>
+            <a:off x="6998651" y="2429959"/>
+            <a:ext cx="1547218" cy="400110"/>
+          </a:xfrm>
+          <a:prstGeom prst="rect">
+            <a:avLst/>
+          </a:prstGeom>
+          <a:noFill/>
+        </p:spPr>
+        <p:txBody>
+          <a:bodyPr wrap="none" rtlCol="0">
+            <a:spAutoFit/>
+          </a:bodyPr>
+          <a:lstStyle/>
+          <a:p>
+            <a:r>
+              <a:rPr lang="en-US" sz="2000" b="1" dirty="0"/>
+              <a:t>Logic Apps</a:t>
+            </a:r>
+            <a:endParaRPr lang="de-DE" sz="2000" b="1" dirty="0"/>
+          </a:p>
+        </p:txBody>
+      </p:sp>
+      <p:sp>
+        <p:nvSpPr>
+          <p:cNvPr id="9" name="Rechteck: abgerundete Ecken 8">
+            <a:extLst>
+              <a:ext uri="{FF2B5EF4-FFF2-40B4-BE49-F238E27FC236}">
+                <a16:creationId xmlns:a16="http://schemas.microsoft.com/office/drawing/2014/main" id="{984E12F7-8F42-49AF-A915-AB7A57F96779}"/>
+              </a:ext>
+            </a:extLst>
+          </p:cNvPr>
+          <p:cNvSpPr/>
+          <p:nvPr/>
+        </p:nvSpPr>
+        <p:spPr>
+          <a:xfrm>
+            <a:off x="2647124" y="3185308"/>
+            <a:ext cx="6646370" cy="530087"/>
+          </a:xfrm>
+          <a:prstGeom prst="roundRect">
+            <a:avLst>
+              <a:gd name="adj" fmla="val 11667"/>
+            </a:avLst>
+          </a:prstGeom>
+          <a:solidFill>
+            <a:srgbClr val="3F3658">
+              <a:alpha val="75000"/>
+            </a:srgbClr>
+          </a:solidFill>
+          <a:ln>
+            <a:solidFill>
+              <a:srgbClr val="FFD36F"/>
+            </a:solidFill>
+          </a:ln>
+          <a:effectLst>
+            <a:outerShdw blurRad="50800" dist="38100" dir="5400000" algn="t" rotWithShape="0">
+              <a:prstClr val="black">
+                <a:alpha val="40000"/>
+              </a:prstClr>
+            </a:outerShdw>
+          </a:effectLst>
+        </p:spPr>
+        <p:style>
+          <a:lnRef idx="2">
+            <a:schemeClr val="accent1">
+              <a:shade val="50000"/>
+            </a:schemeClr>
+          </a:lnRef>
+          <a:fillRef idx="1">
+            <a:schemeClr val="accent1"/>
+          </a:fillRef>
+          <a:effectRef idx="0">
+            <a:schemeClr val="accent1"/>
+          </a:effectRef>
+          <a:fontRef idx="minor">
+            <a:schemeClr val="lt1"/>
+          </a:fontRef>
+        </p:style>
+        <p:txBody>
+          <a:bodyPr rtlCol="0" anchor="ctr"/>
+          <a:lstStyle/>
+          <a:p>
+            <a:pPr algn="ctr"/>
+            <a:r>
+              <a:rPr lang="en-US" dirty="0">
+                <a:solidFill>
+                  <a:schemeClr val="bg1"/>
+                </a:solidFill>
+              </a:rPr>
+              <a:t>Both allows implementing advanced patterns</a:t>
+            </a:r>
+            <a:endParaRPr lang="de-DE" dirty="0">
+              <a:solidFill>
+                <a:schemeClr val="bg1"/>
+              </a:solidFill>
+            </a:endParaRPr>
+          </a:p>
+        </p:txBody>
+      </p:sp>
+      <p:sp>
+        <p:nvSpPr>
+          <p:cNvPr id="10" name="Rechteck: abgerundete Ecken 9">
+            <a:extLst>
+              <a:ext uri="{FF2B5EF4-FFF2-40B4-BE49-F238E27FC236}">
+                <a16:creationId xmlns:a16="http://schemas.microsoft.com/office/drawing/2014/main" id="{C88BD0AE-7D04-40C0-9C38-C89D4FE5532F}"/>
+              </a:ext>
+            </a:extLst>
+          </p:cNvPr>
+          <p:cNvSpPr/>
+          <p:nvPr/>
+        </p:nvSpPr>
+        <p:spPr>
+          <a:xfrm>
+            <a:off x="2647124" y="4019605"/>
+            <a:ext cx="3077815" cy="1324094"/>
+          </a:xfrm>
+          <a:prstGeom prst="roundRect">
+            <a:avLst>
+              <a:gd name="adj" fmla="val 7162"/>
+            </a:avLst>
+          </a:prstGeom>
+          <a:solidFill>
+            <a:srgbClr val="3F3658">
+              <a:alpha val="75000"/>
+            </a:srgbClr>
+          </a:solidFill>
+          <a:ln>
+            <a:solidFill>
+              <a:srgbClr val="FFD36F"/>
+            </a:solidFill>
+          </a:ln>
+          <a:effectLst>
+            <a:outerShdw blurRad="50800" dist="38100" dir="5400000" algn="t" rotWithShape="0">
+              <a:prstClr val="black">
+                <a:alpha val="40000"/>
+              </a:prstClr>
+            </a:outerShdw>
+          </a:effectLst>
+        </p:spPr>
+        <p:style>
+          <a:lnRef idx="2">
+            <a:schemeClr val="accent1">
+              <a:shade val="50000"/>
+            </a:schemeClr>
+          </a:lnRef>
+          <a:fillRef idx="1">
+            <a:schemeClr val="accent1"/>
+          </a:fillRef>
+          <a:effectRef idx="0">
+            <a:schemeClr val="accent1"/>
+          </a:effectRef>
+          <a:fontRef idx="minor">
+            <a:schemeClr val="lt1"/>
+          </a:fontRef>
+        </p:style>
+        <p:txBody>
+          <a:bodyPr rtlCol="0" anchor="ctr"/>
+          <a:lstStyle/>
+          <a:p>
+            <a:pPr marL="285750" indent="-285750">
+              <a:buFont typeface="Wingdings" panose="05000000000000000000" pitchFamily="2" charset="2"/>
+              <a:buChar char="§"/>
+            </a:pPr>
+            <a:r>
+              <a:rPr lang="en-US" dirty="0">
+                <a:solidFill>
+                  <a:schemeClr val="bg1"/>
+                </a:solidFill>
+              </a:rPr>
+              <a:t>C#, F# and JavaScript</a:t>
+            </a:r>
+          </a:p>
+          <a:p>
+            <a:pPr marL="285750" indent="-285750">
+              <a:buFont typeface="Wingdings" panose="05000000000000000000" pitchFamily="2" charset="2"/>
+              <a:buChar char="§"/>
+            </a:pPr>
+            <a:r>
+              <a:rPr lang="en-US" dirty="0">
+                <a:solidFill>
+                  <a:schemeClr val="bg1"/>
+                </a:solidFill>
+              </a:rPr>
+              <a:t>Bindings</a:t>
+            </a:r>
+            <a:endParaRPr lang="de-DE" dirty="0">
+              <a:solidFill>
+                <a:schemeClr val="bg1"/>
+              </a:solidFill>
+            </a:endParaRPr>
+          </a:p>
+        </p:txBody>
+      </p:sp>
+      <p:sp>
+        <p:nvSpPr>
+          <p:cNvPr id="13" name="Rechteck: abgerundete Ecken 12">
+            <a:extLst>
+              <a:ext uri="{FF2B5EF4-FFF2-40B4-BE49-F238E27FC236}">
+                <a16:creationId xmlns:a16="http://schemas.microsoft.com/office/drawing/2014/main" id="{FF8CC212-465B-41A0-B1F6-FA91420EEFA3}"/>
+              </a:ext>
+            </a:extLst>
+          </p:cNvPr>
+          <p:cNvSpPr/>
+          <p:nvPr/>
+        </p:nvSpPr>
+        <p:spPr>
+          <a:xfrm>
+            <a:off x="6215679" y="4019605"/>
+            <a:ext cx="3077815" cy="1324094"/>
+          </a:xfrm>
+          <a:prstGeom prst="roundRect">
+            <a:avLst>
+              <a:gd name="adj" fmla="val 7162"/>
+            </a:avLst>
+          </a:prstGeom>
+          <a:solidFill>
+            <a:srgbClr val="5A536D"/>
+          </a:solidFill>
+          <a:ln>
+            <a:solidFill>
+              <a:srgbClr val="FFD36F"/>
+            </a:solidFill>
+          </a:ln>
+          <a:effectLst>
+            <a:outerShdw blurRad="50800" dist="38100" dir="5400000" algn="t" rotWithShape="0">
+              <a:prstClr val="black">
+                <a:alpha val="40000"/>
+              </a:prstClr>
+            </a:outerShdw>
+          </a:effectLst>
+        </p:spPr>
+        <p:style>
+          <a:lnRef idx="2">
+            <a:schemeClr val="accent1">
+              <a:shade val="50000"/>
+            </a:schemeClr>
+          </a:lnRef>
+          <a:fillRef idx="1">
+            <a:schemeClr val="accent1"/>
+          </a:fillRef>
+          <a:effectRef idx="0">
+            <a:schemeClr val="accent1"/>
+          </a:effectRef>
+          <a:fontRef idx="minor">
+            <a:schemeClr val="lt1"/>
+          </a:fontRef>
+        </p:style>
+        <p:txBody>
+          <a:bodyPr rtlCol="0" anchor="ctr"/>
+          <a:lstStyle/>
+          <a:p>
+            <a:pPr marL="285750" indent="-285750">
+              <a:buFont typeface="Wingdings" panose="05000000000000000000" pitchFamily="2" charset="2"/>
+              <a:buChar char="§"/>
+            </a:pPr>
+            <a:r>
+              <a:rPr lang="en-US" dirty="0">
+                <a:solidFill>
+                  <a:schemeClr val="bg1"/>
+                </a:solidFill>
+              </a:rPr>
+              <a:t>Visual Designer and WDL</a:t>
+            </a:r>
+          </a:p>
+          <a:p>
+            <a:pPr marL="285750" indent="-285750">
+              <a:buFont typeface="Wingdings" panose="05000000000000000000" pitchFamily="2" charset="2"/>
+              <a:buChar char="§"/>
+            </a:pPr>
+            <a:r>
+              <a:rPr lang="en-US" dirty="0">
+                <a:solidFill>
+                  <a:schemeClr val="bg1"/>
+                </a:solidFill>
+              </a:rPr>
+              <a:t>200+ Connectors</a:t>
+            </a:r>
+            <a:endParaRPr lang="de-DE" dirty="0">
+              <a:solidFill>
+                <a:schemeClr val="bg1"/>
+              </a:solidFill>
+            </a:endParaRPr>
+          </a:p>
+        </p:txBody>
+      </p:sp>
+      <p:pic>
+        <p:nvPicPr>
+          <p:cNvPr id="15" name="Grafik 14">
+            <a:extLst>
+              <a:ext uri="{FF2B5EF4-FFF2-40B4-BE49-F238E27FC236}">
+                <a16:creationId xmlns:a16="http://schemas.microsoft.com/office/drawing/2014/main" id="{EA0CC5EC-14E9-476D-888C-32764EC31367}"/>
+              </a:ext>
+            </a:extLst>
+          </p:cNvPr>
+          <p:cNvPicPr>
+            <a:picLocks noChangeAspect="1"/>
+          </p:cNvPicPr>
+          <p:nvPr/>
+        </p:nvPicPr>
+        <p:blipFill>
+          <a:blip r:embed="rId6">
+            <a:extLst>
+              <a:ext uri="{28A0092B-C50C-407E-A947-70E740481C1C}">
+                <a14:useLocalDpi xmlns:a14="http://schemas.microsoft.com/office/drawing/2010/main" val="0"/>
+              </a:ext>
+            </a:extLst>
+          </a:blip>
+          <a:stretch>
+            <a:fillRect/>
+          </a:stretch>
+        </p:blipFill>
+        <p:spPr>
+          <a:xfrm>
+            <a:off x="5524667" y="1538888"/>
+            <a:ext cx="679247" cy="679247"/>
+          </a:xfrm>
+          <a:prstGeom prst="rect">
+            <a:avLst/>
+          </a:prstGeom>
+        </p:spPr>
+      </p:pic>
+    </p:spTree>
+    <p:extLst>
+      <p:ext uri="{BB962C8B-B14F-4D97-AF65-F5344CB8AC3E}">
+        <p14:creationId xmlns:p14="http://schemas.microsoft.com/office/powerpoint/2010/main" val="727514719"/>
+      </p:ext>
+    </p:extLst>
+  </p:cSld>
+  <p:clrMapOvr>
+    <a:masterClrMapping/>
+  </p:clrMapOvr>
+  <p:timing>
+    <p:tnLst>
+      <p:par>
+        <p:cTn id="1" dur="indefinite" restart="never" nodeType="tmRoot">
+          <p:childTnLst>
+            <p:seq concurrent="1" nextAc="seek">
+              <p:cTn id="2" dur="indefinite" nodeType="mainSeq">
+                <p:childTnLst>
+                  <p:par>
+                    <p:cTn id="3" fill="hold">
+                      <p:stCondLst>
+                        <p:cond delay="indefinite"/>
+                      </p:stCondLst>
+                      <p:childTnLst>
+                        <p:par>
+                          <p:cTn id="4" fill="hold">
+                            <p:stCondLst>
+                              <p:cond delay="0"/>
+                            </p:stCondLst>
+                            <p:childTnLst>
+                              <p:par>
+                                <p:cTn id="5" presetID="1" presetClass="entr" presetSubtype="0" fill="hold" grpId="0" nodeType="clickEffect">
+                                  <p:stCondLst>
+                                    <p:cond delay="0"/>
+                                  </p:stCondLst>
+                                  <p:childTnLst>
+                                    <p:set>
+                                      <p:cBhvr>
+                                        <p:cTn id="6" dur="1" fill="hold">
+                                          <p:stCondLst>
+                                            <p:cond delay="0"/>
+                                          </p:stCondLst>
+                                        </p:cTn>
+                                        <p:tgtEl>
+                                          <p:spTgt spid="10"/>
+                                        </p:tgtEl>
+                                        <p:attrNameLst>
+                                          <p:attrName>style.visibility</p:attrName>
+                                        </p:attrNameLst>
+                                      </p:cBhvr>
+                                      <p:to>
+                                        <p:strVal val="visible"/>
+                                      </p:to>
+                                    </p:set>
+                                  </p:childTnLst>
+                                </p:cTn>
+                              </p:par>
+                            </p:childTnLst>
+                          </p:cTn>
+                        </p:par>
+                      </p:childTnLst>
+                    </p:cTn>
+                  </p:par>
+                  <p:par>
+                    <p:cTn id="7" fill="hold">
+                      <p:stCondLst>
+                        <p:cond delay="indefinite"/>
+                      </p:stCondLst>
+                      <p:childTnLst>
+                        <p:par>
+                          <p:cTn id="8" fill="hold">
+                            <p:stCondLst>
+                              <p:cond delay="0"/>
+                            </p:stCondLst>
+                            <p:childTnLst>
+                              <p:par>
+                                <p:cTn id="9" presetID="1" presetClass="entr" presetSubtype="0" fill="hold" grpId="0" nodeType="clickEffect">
+                                  <p:stCondLst>
+                                    <p:cond delay="0"/>
+                                  </p:stCondLst>
+                                  <p:childTnLst>
+                                    <p:set>
+                                      <p:cBhvr>
+                                        <p:cTn id="10" dur="1" fill="hold">
+                                          <p:stCondLst>
+                                            <p:cond delay="0"/>
+                                          </p:stCondLst>
+                                        </p:cTn>
+                                        <p:tgtEl>
+                                          <p:spTgt spid="13"/>
+                                        </p:tgtEl>
+                                        <p:attrNameLst>
+                                          <p:attrName>style.visibility</p:attrName>
+                                        </p:attrNameLst>
+                                      </p:cBhvr>
+                                      <p:to>
+                                        <p:strVal val="visible"/>
+                                      </p:to>
+                                    </p:set>
+                                  </p:childTnLst>
+                                </p:cTn>
+                              </p:par>
+                            </p:childTnLst>
+                          </p:cTn>
+                        </p:par>
+                      </p:childTnLst>
+                    </p:cTn>
+                  </p:par>
+                </p:childTnLst>
+              </p:cTn>
+              <p:prevCondLst>
+                <p:cond evt="onPrev" delay="0">
+                  <p:tgtEl>
+                    <p:sldTgt/>
+                  </p:tgtEl>
+                </p:cond>
+              </p:prevCondLst>
+              <p:nextCondLst>
+                <p:cond evt="onNext" delay="0">
+                  <p:tgtEl>
+                    <p:sldTgt/>
+                  </p:tgtEl>
+                </p:cond>
+              </p:nextCondLst>
+            </p:seq>
+          </p:childTnLst>
+        </p:cTn>
+      </p:par>
+    </p:tnLst>
+    <p:bldLst>
+      <p:bldP spid="10" grpId="0" animBg="1"/>
+      <p:bldP spid="13" grpId="0" animBg="1"/>
+    </p:bldLst>
+  </p:timing>
 </p:sld>
 </file>
 

--- a/slides/Durable_Functions.pptx
+++ b/slides/Durable_Functions.pptx
@@ -8,12 +8,13 @@
     <p:sldId id="258" r:id="rId2"/>
     <p:sldId id="259" r:id="rId3"/>
     <p:sldId id="260" r:id="rId4"/>
-    <p:sldId id="265" r:id="rId5"/>
-    <p:sldId id="268" r:id="rId6"/>
-    <p:sldId id="264" r:id="rId7"/>
-    <p:sldId id="266" r:id="rId8"/>
-    <p:sldId id="261" r:id="rId9"/>
-    <p:sldId id="267" r:id="rId10"/>
+    <p:sldId id="269" r:id="rId5"/>
+    <p:sldId id="265" r:id="rId6"/>
+    <p:sldId id="268" r:id="rId7"/>
+    <p:sldId id="264" r:id="rId8"/>
+    <p:sldId id="266" r:id="rId9"/>
+    <p:sldId id="261" r:id="rId10"/>
+    <p:sldId id="267" r:id="rId11"/>
   </p:sldIdLst>
   <p:sldSz cx="12192000" cy="6858000"/>
   <p:notesSz cx="6858000" cy="9144000"/>
@@ -3810,6 +3811,635 @@
   <p:clrMapOvr>
     <a:masterClrMapping/>
   </p:clrMapOvr>
+</p:sld>
+</file>
+
+<file path=ppt/slides/slide10.xml><?xml version="1.0" encoding="utf-8"?>
+<p:sld xmlns:a="http://schemas.openxmlformats.org/drawingml/2006/main" xmlns:r="http://schemas.openxmlformats.org/officeDocument/2006/relationships" xmlns:p="http://schemas.openxmlformats.org/presentationml/2006/main">
+  <p:cSld>
+    <p:spTree>
+      <p:nvGrpSpPr>
+        <p:cNvPr id="1" name=""/>
+        <p:cNvGrpSpPr/>
+        <p:nvPr/>
+      </p:nvGrpSpPr>
+      <p:grpSpPr>
+        <a:xfrm>
+          <a:off x="0" y="0"/>
+          <a:ext cx="0" cy="0"/>
+          <a:chOff x="0" y="0"/>
+          <a:chExt cx="0" cy="0"/>
+        </a:xfrm>
+      </p:grpSpPr>
+      <p:sp>
+        <p:nvSpPr>
+          <p:cNvPr id="3" name="Textplatzhalter 2">
+            <a:extLst>
+              <a:ext uri="{FF2B5EF4-FFF2-40B4-BE49-F238E27FC236}">
+                <a16:creationId xmlns:a16="http://schemas.microsoft.com/office/drawing/2014/main" id="{FAFEEEED-CDAD-46CC-946F-1878FDBB939C}"/>
+              </a:ext>
+            </a:extLst>
+          </p:cNvPr>
+          <p:cNvSpPr>
+            <a:spLocks noGrp="1"/>
+          </p:cNvSpPr>
+          <p:nvPr>
+            <p:ph type="body" sz="quarter" idx="13"/>
+          </p:nvPr>
+        </p:nvSpPr>
+        <p:spPr/>
+        <p:txBody>
+          <a:bodyPr>
+            <a:normAutofit/>
+          </a:bodyPr>
+          <a:lstStyle/>
+          <a:p>
+            <a:r>
+              <a:rPr lang="en-US" sz="2400" dirty="0"/>
+              <a:t>Durable Functions or Logic Apps?</a:t>
+            </a:r>
+            <a:endParaRPr lang="de-DE" sz="2400" dirty="0"/>
+          </a:p>
+        </p:txBody>
+      </p:sp>
+      <p:pic>
+        <p:nvPicPr>
+          <p:cNvPr id="4" name="Grafik 3">
+            <a:extLst>
+              <a:ext uri="{FF2B5EF4-FFF2-40B4-BE49-F238E27FC236}">
+                <a16:creationId xmlns:a16="http://schemas.microsoft.com/office/drawing/2014/main" id="{1FF7E328-4759-4076-92B6-5239BE2FB849}"/>
+              </a:ext>
+            </a:extLst>
+          </p:cNvPr>
+          <p:cNvPicPr>
+            <a:picLocks noChangeAspect="1"/>
+          </p:cNvPicPr>
+          <p:nvPr/>
+        </p:nvPicPr>
+        <p:blipFill>
+          <a:blip r:embed="rId2">
+            <a:extLst>
+              <a:ext uri="{96DAC541-7B7A-43D3-8B79-37D633B846F1}">
+                <asvg:svgBlip xmlns:asvg="http://schemas.microsoft.com/office/drawing/2016/SVG/main" r:embed="rId3"/>
+              </a:ext>
+            </a:extLst>
+          </a:blip>
+          <a:stretch>
+            <a:fillRect/>
+          </a:stretch>
+        </p:blipFill>
+        <p:spPr>
+          <a:xfrm>
+            <a:off x="3733803" y="1407941"/>
+            <a:ext cx="941143" cy="941143"/>
+          </a:xfrm>
+          <a:prstGeom prst="rect">
+            <a:avLst/>
+          </a:prstGeom>
+        </p:spPr>
+      </p:pic>
+      <p:sp>
+        <p:nvSpPr>
+          <p:cNvPr id="5" name="Textfeld 4">
+            <a:extLst>
+              <a:ext uri="{FF2B5EF4-FFF2-40B4-BE49-F238E27FC236}">
+                <a16:creationId xmlns:a16="http://schemas.microsoft.com/office/drawing/2014/main" id="{FA68255B-EC52-444C-907C-E57690B433E0}"/>
+              </a:ext>
+            </a:extLst>
+          </p:cNvPr>
+          <p:cNvSpPr txBox="1"/>
+          <p:nvPr/>
+        </p:nvSpPr>
+        <p:spPr>
+          <a:xfrm>
+            <a:off x="3490406" y="2429959"/>
+            <a:ext cx="1427935" cy="400110"/>
+          </a:xfrm>
+          <a:prstGeom prst="rect">
+            <a:avLst/>
+          </a:prstGeom>
+          <a:noFill/>
+        </p:spPr>
+        <p:txBody>
+          <a:bodyPr wrap="square" rtlCol="0">
+            <a:spAutoFit/>
+          </a:bodyPr>
+          <a:lstStyle/>
+          <a:p>
+            <a:pPr algn="ctr"/>
+            <a:r>
+              <a:rPr lang="en-US" sz="2000" b="1" dirty="0"/>
+              <a:t>Functions</a:t>
+            </a:r>
+            <a:endParaRPr lang="de-DE" sz="2000" b="1" dirty="0"/>
+          </a:p>
+        </p:txBody>
+      </p:sp>
+      <p:pic>
+        <p:nvPicPr>
+          <p:cNvPr id="7" name="Grafik 6">
+            <a:extLst>
+              <a:ext uri="{FF2B5EF4-FFF2-40B4-BE49-F238E27FC236}">
+                <a16:creationId xmlns:a16="http://schemas.microsoft.com/office/drawing/2014/main" id="{2622374D-99DE-48A8-8B25-51B2D14E6AF6}"/>
+              </a:ext>
+            </a:extLst>
+          </p:cNvPr>
+          <p:cNvPicPr>
+            <a:picLocks noChangeAspect="1"/>
+          </p:cNvPicPr>
+          <p:nvPr/>
+        </p:nvPicPr>
+        <p:blipFill>
+          <a:blip r:embed="rId4">
+            <a:extLst>
+              <a:ext uri="{96DAC541-7B7A-43D3-8B79-37D633B846F1}">
+                <asvg:svgBlip xmlns:asvg="http://schemas.microsoft.com/office/drawing/2016/SVG/main" r:embed="rId5"/>
+              </a:ext>
+            </a:extLst>
+          </a:blip>
+          <a:stretch>
+            <a:fillRect/>
+          </a:stretch>
+        </p:blipFill>
+        <p:spPr>
+          <a:xfrm>
+            <a:off x="7258531" y="1348561"/>
+            <a:ext cx="1027459" cy="1027459"/>
+          </a:xfrm>
+          <a:prstGeom prst="rect">
+            <a:avLst/>
+          </a:prstGeom>
+        </p:spPr>
+      </p:pic>
+      <p:sp>
+        <p:nvSpPr>
+          <p:cNvPr id="8" name="Textfeld 7">
+            <a:extLst>
+              <a:ext uri="{FF2B5EF4-FFF2-40B4-BE49-F238E27FC236}">
+                <a16:creationId xmlns:a16="http://schemas.microsoft.com/office/drawing/2014/main" id="{4D52E358-F77A-4CF7-B3E6-44E918DE3753}"/>
+              </a:ext>
+            </a:extLst>
+          </p:cNvPr>
+          <p:cNvSpPr txBox="1"/>
+          <p:nvPr/>
+        </p:nvSpPr>
+        <p:spPr>
+          <a:xfrm>
+            <a:off x="6998651" y="2429959"/>
+            <a:ext cx="1547218" cy="400110"/>
+          </a:xfrm>
+          <a:prstGeom prst="rect">
+            <a:avLst/>
+          </a:prstGeom>
+          <a:noFill/>
+        </p:spPr>
+        <p:txBody>
+          <a:bodyPr wrap="none" rtlCol="0">
+            <a:spAutoFit/>
+          </a:bodyPr>
+          <a:lstStyle/>
+          <a:p>
+            <a:r>
+              <a:rPr lang="en-US" sz="2000" b="1" dirty="0"/>
+              <a:t>Logic Apps</a:t>
+            </a:r>
+            <a:endParaRPr lang="de-DE" sz="2000" b="1" dirty="0"/>
+          </a:p>
+        </p:txBody>
+      </p:sp>
+      <p:sp>
+        <p:nvSpPr>
+          <p:cNvPr id="9" name="Rechteck: abgerundete Ecken 8">
+            <a:extLst>
+              <a:ext uri="{FF2B5EF4-FFF2-40B4-BE49-F238E27FC236}">
+                <a16:creationId xmlns:a16="http://schemas.microsoft.com/office/drawing/2014/main" id="{984E12F7-8F42-49AF-A915-AB7A57F96779}"/>
+              </a:ext>
+            </a:extLst>
+          </p:cNvPr>
+          <p:cNvSpPr/>
+          <p:nvPr/>
+        </p:nvSpPr>
+        <p:spPr>
+          <a:xfrm>
+            <a:off x="2647124" y="3185308"/>
+            <a:ext cx="6646370" cy="530087"/>
+          </a:xfrm>
+          <a:prstGeom prst="roundRect">
+            <a:avLst>
+              <a:gd name="adj" fmla="val 11667"/>
+            </a:avLst>
+          </a:prstGeom>
+          <a:solidFill>
+            <a:srgbClr val="3F3658">
+              <a:alpha val="75000"/>
+            </a:srgbClr>
+          </a:solidFill>
+          <a:ln>
+            <a:solidFill>
+              <a:srgbClr val="FFD36F"/>
+            </a:solidFill>
+          </a:ln>
+          <a:effectLst>
+            <a:outerShdw blurRad="50800" dist="38100" dir="5400000" algn="t" rotWithShape="0">
+              <a:prstClr val="black">
+                <a:alpha val="40000"/>
+              </a:prstClr>
+            </a:outerShdw>
+          </a:effectLst>
+        </p:spPr>
+        <p:style>
+          <a:lnRef idx="2">
+            <a:schemeClr val="accent1">
+              <a:shade val="50000"/>
+            </a:schemeClr>
+          </a:lnRef>
+          <a:fillRef idx="1">
+            <a:schemeClr val="accent1"/>
+          </a:fillRef>
+          <a:effectRef idx="0">
+            <a:schemeClr val="accent1"/>
+          </a:effectRef>
+          <a:fontRef idx="minor">
+            <a:schemeClr val="lt1"/>
+          </a:fontRef>
+        </p:style>
+        <p:txBody>
+          <a:bodyPr rtlCol="0" anchor="ctr"/>
+          <a:lstStyle/>
+          <a:p>
+            <a:pPr algn="ctr"/>
+            <a:r>
+              <a:rPr lang="en-US" dirty="0">
+                <a:solidFill>
+                  <a:schemeClr val="bg1"/>
+                </a:solidFill>
+              </a:rPr>
+              <a:t>Both allows implementing advanced patterns</a:t>
+            </a:r>
+            <a:endParaRPr lang="de-DE" dirty="0">
+              <a:solidFill>
+                <a:schemeClr val="bg1"/>
+              </a:solidFill>
+            </a:endParaRPr>
+          </a:p>
+        </p:txBody>
+      </p:sp>
+      <p:sp>
+        <p:nvSpPr>
+          <p:cNvPr id="10" name="Rechteck: abgerundete Ecken 9">
+            <a:extLst>
+              <a:ext uri="{FF2B5EF4-FFF2-40B4-BE49-F238E27FC236}">
+                <a16:creationId xmlns:a16="http://schemas.microsoft.com/office/drawing/2014/main" id="{C88BD0AE-7D04-40C0-9C38-C89D4FE5532F}"/>
+              </a:ext>
+            </a:extLst>
+          </p:cNvPr>
+          <p:cNvSpPr/>
+          <p:nvPr/>
+        </p:nvSpPr>
+        <p:spPr>
+          <a:xfrm>
+            <a:off x="2647124" y="4019605"/>
+            <a:ext cx="3077815" cy="1324094"/>
+          </a:xfrm>
+          <a:prstGeom prst="roundRect">
+            <a:avLst>
+              <a:gd name="adj" fmla="val 7162"/>
+            </a:avLst>
+          </a:prstGeom>
+          <a:solidFill>
+            <a:srgbClr val="3F3658">
+              <a:alpha val="75000"/>
+            </a:srgbClr>
+          </a:solidFill>
+          <a:ln>
+            <a:solidFill>
+              <a:srgbClr val="FFD36F"/>
+            </a:solidFill>
+          </a:ln>
+          <a:effectLst>
+            <a:outerShdw blurRad="50800" dist="38100" dir="5400000" algn="t" rotWithShape="0">
+              <a:prstClr val="black">
+                <a:alpha val="40000"/>
+              </a:prstClr>
+            </a:outerShdw>
+          </a:effectLst>
+        </p:spPr>
+        <p:style>
+          <a:lnRef idx="2">
+            <a:schemeClr val="accent1">
+              <a:shade val="50000"/>
+            </a:schemeClr>
+          </a:lnRef>
+          <a:fillRef idx="1">
+            <a:schemeClr val="accent1"/>
+          </a:fillRef>
+          <a:effectRef idx="0">
+            <a:schemeClr val="accent1"/>
+          </a:effectRef>
+          <a:fontRef idx="minor">
+            <a:schemeClr val="lt1"/>
+          </a:fontRef>
+        </p:style>
+        <p:txBody>
+          <a:bodyPr rtlCol="0" anchor="ctr"/>
+          <a:lstStyle/>
+          <a:p>
+            <a:pPr marL="285750" indent="-285750">
+              <a:buFont typeface="Wingdings" panose="05000000000000000000" pitchFamily="2" charset="2"/>
+              <a:buChar char="§"/>
+            </a:pPr>
+            <a:r>
+              <a:rPr lang="en-US" dirty="0">
+                <a:solidFill>
+                  <a:schemeClr val="bg1"/>
+                </a:solidFill>
+              </a:rPr>
+              <a:t>C#, F# and JavaScript</a:t>
+            </a:r>
+          </a:p>
+          <a:p>
+            <a:pPr marL="285750" indent="-285750">
+              <a:buFont typeface="Wingdings" panose="05000000000000000000" pitchFamily="2" charset="2"/>
+              <a:buChar char="§"/>
+            </a:pPr>
+            <a:r>
+              <a:rPr lang="en-US" dirty="0">
+                <a:solidFill>
+                  <a:schemeClr val="bg1"/>
+                </a:solidFill>
+              </a:rPr>
+              <a:t>Bindings</a:t>
+            </a:r>
+            <a:endParaRPr lang="de-DE" dirty="0">
+              <a:solidFill>
+                <a:schemeClr val="bg1"/>
+              </a:solidFill>
+            </a:endParaRPr>
+          </a:p>
+        </p:txBody>
+      </p:sp>
+      <p:sp>
+        <p:nvSpPr>
+          <p:cNvPr id="13" name="Rechteck: abgerundete Ecken 12">
+            <a:extLst>
+              <a:ext uri="{FF2B5EF4-FFF2-40B4-BE49-F238E27FC236}">
+                <a16:creationId xmlns:a16="http://schemas.microsoft.com/office/drawing/2014/main" id="{FF8CC212-465B-41A0-B1F6-FA91420EEFA3}"/>
+              </a:ext>
+            </a:extLst>
+          </p:cNvPr>
+          <p:cNvSpPr/>
+          <p:nvPr/>
+        </p:nvSpPr>
+        <p:spPr>
+          <a:xfrm>
+            <a:off x="6215679" y="4019605"/>
+            <a:ext cx="3077815" cy="1324094"/>
+          </a:xfrm>
+          <a:prstGeom prst="roundRect">
+            <a:avLst>
+              <a:gd name="adj" fmla="val 7162"/>
+            </a:avLst>
+          </a:prstGeom>
+          <a:solidFill>
+            <a:srgbClr val="5A536D"/>
+          </a:solidFill>
+          <a:ln>
+            <a:solidFill>
+              <a:srgbClr val="FFD36F"/>
+            </a:solidFill>
+          </a:ln>
+          <a:effectLst>
+            <a:outerShdw blurRad="50800" dist="38100" dir="5400000" algn="t" rotWithShape="0">
+              <a:prstClr val="black">
+                <a:alpha val="40000"/>
+              </a:prstClr>
+            </a:outerShdw>
+          </a:effectLst>
+        </p:spPr>
+        <p:style>
+          <a:lnRef idx="2">
+            <a:schemeClr val="accent1">
+              <a:shade val="50000"/>
+            </a:schemeClr>
+          </a:lnRef>
+          <a:fillRef idx="1">
+            <a:schemeClr val="accent1"/>
+          </a:fillRef>
+          <a:effectRef idx="0">
+            <a:schemeClr val="accent1"/>
+          </a:effectRef>
+          <a:fontRef idx="minor">
+            <a:schemeClr val="lt1"/>
+          </a:fontRef>
+        </p:style>
+        <p:txBody>
+          <a:bodyPr rtlCol="0" anchor="ctr"/>
+          <a:lstStyle/>
+          <a:p>
+            <a:pPr marL="285750" indent="-285750">
+              <a:buFont typeface="Wingdings" panose="05000000000000000000" pitchFamily="2" charset="2"/>
+              <a:buChar char="§"/>
+            </a:pPr>
+            <a:r>
+              <a:rPr lang="en-US" dirty="0">
+                <a:solidFill>
+                  <a:schemeClr val="bg1"/>
+                </a:solidFill>
+              </a:rPr>
+              <a:t>Visual Designer and WDL</a:t>
+            </a:r>
+          </a:p>
+          <a:p>
+            <a:pPr marL="285750" indent="-285750">
+              <a:buFont typeface="Wingdings" panose="05000000000000000000" pitchFamily="2" charset="2"/>
+              <a:buChar char="§"/>
+            </a:pPr>
+            <a:r>
+              <a:rPr lang="en-US" dirty="0">
+                <a:solidFill>
+                  <a:schemeClr val="bg1"/>
+                </a:solidFill>
+              </a:rPr>
+              <a:t>200+ Connectors</a:t>
+            </a:r>
+            <a:endParaRPr lang="de-DE" dirty="0">
+              <a:solidFill>
+                <a:schemeClr val="bg1"/>
+              </a:solidFill>
+            </a:endParaRPr>
+          </a:p>
+        </p:txBody>
+      </p:sp>
+      <p:pic>
+        <p:nvPicPr>
+          <p:cNvPr id="15" name="Grafik 14">
+            <a:extLst>
+              <a:ext uri="{FF2B5EF4-FFF2-40B4-BE49-F238E27FC236}">
+                <a16:creationId xmlns:a16="http://schemas.microsoft.com/office/drawing/2014/main" id="{EA0CC5EC-14E9-476D-888C-32764EC31367}"/>
+              </a:ext>
+            </a:extLst>
+          </p:cNvPr>
+          <p:cNvPicPr>
+            <a:picLocks noChangeAspect="1"/>
+          </p:cNvPicPr>
+          <p:nvPr/>
+        </p:nvPicPr>
+        <p:blipFill>
+          <a:blip r:embed="rId6">
+            <a:extLst>
+              <a:ext uri="{28A0092B-C50C-407E-A947-70E740481C1C}">
+                <a14:useLocalDpi xmlns:a14="http://schemas.microsoft.com/office/drawing/2010/main" val="0"/>
+              </a:ext>
+            </a:extLst>
+          </a:blip>
+          <a:stretch>
+            <a:fillRect/>
+          </a:stretch>
+        </p:blipFill>
+        <p:spPr>
+          <a:xfrm>
+            <a:off x="5524667" y="1538888"/>
+            <a:ext cx="679247" cy="679247"/>
+          </a:xfrm>
+          <a:prstGeom prst="rect">
+            <a:avLst/>
+          </a:prstGeom>
+        </p:spPr>
+      </p:pic>
+    </p:spTree>
+    <p:extLst>
+      <p:ext uri="{BB962C8B-B14F-4D97-AF65-F5344CB8AC3E}">
+        <p14:creationId xmlns:p14="http://schemas.microsoft.com/office/powerpoint/2010/main" val="727514719"/>
+      </p:ext>
+    </p:extLst>
+  </p:cSld>
+  <p:clrMapOvr>
+    <a:masterClrMapping/>
+  </p:clrMapOvr>
+  <p:timing>
+    <p:tnLst>
+      <p:par>
+        <p:cTn id="1" dur="indefinite" restart="never" nodeType="tmRoot">
+          <p:childTnLst>
+            <p:seq concurrent="1" nextAc="seek">
+              <p:cTn id="2" dur="indefinite" nodeType="mainSeq">
+                <p:childTnLst>
+                  <p:par>
+                    <p:cTn id="3" fill="hold">
+                      <p:stCondLst>
+                        <p:cond delay="indefinite"/>
+                      </p:stCondLst>
+                      <p:childTnLst>
+                        <p:par>
+                          <p:cTn id="4" fill="hold">
+                            <p:stCondLst>
+                              <p:cond delay="0"/>
+                            </p:stCondLst>
+                            <p:childTnLst>
+                              <p:par>
+                                <p:cTn id="5" presetID="1" presetClass="entr" presetSubtype="0" fill="hold" grpId="0" nodeType="clickEffect">
+                                  <p:stCondLst>
+                                    <p:cond delay="0"/>
+                                  </p:stCondLst>
+                                  <p:childTnLst>
+                                    <p:set>
+                                      <p:cBhvr>
+                                        <p:cTn id="6" dur="1" fill="hold">
+                                          <p:stCondLst>
+                                            <p:cond delay="0"/>
+                                          </p:stCondLst>
+                                        </p:cTn>
+                                        <p:tgtEl>
+                                          <p:spTgt spid="10"/>
+                                        </p:tgtEl>
+                                        <p:attrNameLst>
+                                          <p:attrName>style.visibility</p:attrName>
+                                        </p:attrNameLst>
+                                      </p:cBhvr>
+                                      <p:to>
+                                        <p:strVal val="visible"/>
+                                      </p:to>
+                                    </p:set>
+                                  </p:childTnLst>
+                                </p:cTn>
+                              </p:par>
+                            </p:childTnLst>
+                          </p:cTn>
+                        </p:par>
+                      </p:childTnLst>
+                    </p:cTn>
+                  </p:par>
+                  <p:par>
+                    <p:cTn id="7" fill="hold">
+                      <p:stCondLst>
+                        <p:cond delay="indefinite"/>
+                      </p:stCondLst>
+                      <p:childTnLst>
+                        <p:par>
+                          <p:cTn id="8" fill="hold">
+                            <p:stCondLst>
+                              <p:cond delay="0"/>
+                            </p:stCondLst>
+                            <p:childTnLst>
+                              <p:par>
+                                <p:cTn id="9" presetID="1" presetClass="entr" presetSubtype="0" fill="hold" grpId="0" nodeType="clickEffect">
+                                  <p:stCondLst>
+                                    <p:cond delay="0"/>
+                                  </p:stCondLst>
+                                  <p:childTnLst>
+                                    <p:set>
+                                      <p:cBhvr>
+                                        <p:cTn id="10" dur="1" fill="hold">
+                                          <p:stCondLst>
+                                            <p:cond delay="0"/>
+                                          </p:stCondLst>
+                                        </p:cTn>
+                                        <p:tgtEl>
+                                          <p:spTgt spid="13"/>
+                                        </p:tgtEl>
+                                        <p:attrNameLst>
+                                          <p:attrName>style.visibility</p:attrName>
+                                        </p:attrNameLst>
+                                      </p:cBhvr>
+                                      <p:to>
+                                        <p:strVal val="visible"/>
+                                      </p:to>
+                                    </p:set>
+                                  </p:childTnLst>
+                                </p:cTn>
+                              </p:par>
+                            </p:childTnLst>
+                          </p:cTn>
+                        </p:par>
+                      </p:childTnLst>
+                    </p:cTn>
+                  </p:par>
+                </p:childTnLst>
+              </p:cTn>
+              <p:prevCondLst>
+                <p:cond evt="onPrev" delay="0">
+                  <p:tgtEl>
+                    <p:sldTgt/>
+                  </p:tgtEl>
+                </p:cond>
+              </p:prevCondLst>
+              <p:nextCondLst>
+                <p:cond evt="onNext" delay="0">
+                  <p:tgtEl>
+                    <p:sldTgt/>
+                  </p:tgtEl>
+                </p:cond>
+              </p:nextCondLst>
+            </p:seq>
+          </p:childTnLst>
+        </p:cTn>
+      </p:par>
+    </p:tnLst>
+    <p:bldLst>
+      <p:bldP spid="10" grpId="0" animBg="1"/>
+      <p:bldP spid="13" grpId="0" animBg="1"/>
+    </p:bldLst>
+  </p:timing>
 </p:sld>
 </file>
 
@@ -5876,6 +6506,292 @@
           <a:p>
             <a:r>
               <a:rPr lang="en-US" sz="2400" dirty="0"/>
+              <a:t>What is Serverless?</a:t>
+            </a:r>
+            <a:endParaRPr lang="de-DE" sz="2400" dirty="0"/>
+          </a:p>
+        </p:txBody>
+      </p:sp>
+      <p:sp>
+        <p:nvSpPr>
+          <p:cNvPr id="22" name="Textfeld 21">
+            <a:extLst>
+              <a:ext uri="{FF2B5EF4-FFF2-40B4-BE49-F238E27FC236}">
+                <a16:creationId xmlns:a16="http://schemas.microsoft.com/office/drawing/2014/main" id="{4B019DA7-C8ED-46E5-A52F-A97A2B518617}"/>
+              </a:ext>
+            </a:extLst>
+          </p:cNvPr>
+          <p:cNvSpPr txBox="1"/>
+          <p:nvPr/>
+        </p:nvSpPr>
+        <p:spPr>
+          <a:xfrm>
+            <a:off x="5042450" y="3766784"/>
+            <a:ext cx="2107099" cy="369332"/>
+          </a:xfrm>
+          <a:prstGeom prst="rect">
+            <a:avLst/>
+          </a:prstGeom>
+          <a:noFill/>
+        </p:spPr>
+        <p:txBody>
+          <a:bodyPr wrap="square" rtlCol="0">
+            <a:spAutoFit/>
+          </a:bodyPr>
+          <a:lstStyle/>
+          <a:p>
+            <a:pPr algn="ctr"/>
+            <a:r>
+              <a:rPr lang="en-US" dirty="0">
+                <a:solidFill>
+                  <a:srgbClr val="083232"/>
+                </a:solidFill>
+              </a:rPr>
+              <a:t>Automatic scaling</a:t>
+            </a:r>
+            <a:endParaRPr lang="de-DE" dirty="0">
+              <a:solidFill>
+                <a:srgbClr val="083232"/>
+              </a:solidFill>
+            </a:endParaRPr>
+          </a:p>
+        </p:txBody>
+      </p:sp>
+      <p:sp>
+        <p:nvSpPr>
+          <p:cNvPr id="24" name="Textfeld 23">
+            <a:extLst>
+              <a:ext uri="{FF2B5EF4-FFF2-40B4-BE49-F238E27FC236}">
+                <a16:creationId xmlns:a16="http://schemas.microsoft.com/office/drawing/2014/main" id="{EAB62E43-8793-4393-BD78-2B2D724370F7}"/>
+              </a:ext>
+            </a:extLst>
+          </p:cNvPr>
+          <p:cNvSpPr txBox="1"/>
+          <p:nvPr/>
+        </p:nvSpPr>
+        <p:spPr>
+          <a:xfrm>
+            <a:off x="1322585" y="3766784"/>
+            <a:ext cx="2040835" cy="1200329"/>
+          </a:xfrm>
+          <a:prstGeom prst="rect">
+            <a:avLst/>
+          </a:prstGeom>
+          <a:noFill/>
+        </p:spPr>
+        <p:txBody>
+          <a:bodyPr wrap="square" rtlCol="0">
+            <a:spAutoFit/>
+          </a:bodyPr>
+          <a:lstStyle/>
+          <a:p>
+            <a:pPr algn="ctr"/>
+            <a:r>
+              <a:rPr lang="en-US" dirty="0">
+                <a:solidFill>
+                  <a:srgbClr val="083232"/>
+                </a:solidFill>
+              </a:rPr>
+              <a:t>Deploy without having to worry about infrastructure</a:t>
+            </a:r>
+            <a:endParaRPr lang="de-DE" dirty="0">
+              <a:solidFill>
+                <a:srgbClr val="083232"/>
+              </a:solidFill>
+            </a:endParaRPr>
+          </a:p>
+        </p:txBody>
+      </p:sp>
+      <p:sp>
+        <p:nvSpPr>
+          <p:cNvPr id="27" name="Textfeld 26">
+            <a:extLst>
+              <a:ext uri="{FF2B5EF4-FFF2-40B4-BE49-F238E27FC236}">
+                <a16:creationId xmlns:a16="http://schemas.microsoft.com/office/drawing/2014/main" id="{410BD73F-6C2C-4ED1-B378-BCF497189803}"/>
+              </a:ext>
+            </a:extLst>
+          </p:cNvPr>
+          <p:cNvSpPr txBox="1"/>
+          <p:nvPr/>
+        </p:nvSpPr>
+        <p:spPr>
+          <a:xfrm>
+            <a:off x="8321441" y="3766784"/>
+            <a:ext cx="2483189" cy="646331"/>
+          </a:xfrm>
+          <a:prstGeom prst="rect">
+            <a:avLst/>
+          </a:prstGeom>
+          <a:noFill/>
+        </p:spPr>
+        <p:txBody>
+          <a:bodyPr wrap="square" rtlCol="0">
+            <a:spAutoFit/>
+          </a:bodyPr>
+          <a:lstStyle/>
+          <a:p>
+            <a:pPr algn="ctr"/>
+            <a:r>
+              <a:rPr lang="en-US" dirty="0">
+                <a:solidFill>
+                  <a:srgbClr val="083232"/>
+                </a:solidFill>
+              </a:rPr>
+              <a:t>Consumption-based pricing model</a:t>
+            </a:r>
+            <a:endParaRPr lang="de-DE" dirty="0">
+              <a:solidFill>
+                <a:srgbClr val="083232"/>
+              </a:solidFill>
+            </a:endParaRPr>
+          </a:p>
+        </p:txBody>
+      </p:sp>
+      <p:pic>
+        <p:nvPicPr>
+          <p:cNvPr id="2" name="Grafik 1">
+            <a:extLst>
+              <a:ext uri="{FF2B5EF4-FFF2-40B4-BE49-F238E27FC236}">
+                <a16:creationId xmlns:a16="http://schemas.microsoft.com/office/drawing/2014/main" id="{7D3AD1E0-FD78-4FC9-94C1-627AB0E8B5D2}"/>
+              </a:ext>
+            </a:extLst>
+          </p:cNvPr>
+          <p:cNvPicPr>
+            <a:picLocks noChangeAspect="1"/>
+          </p:cNvPicPr>
+          <p:nvPr/>
+        </p:nvPicPr>
+        <p:blipFill>
+          <a:blip r:embed="rId2"/>
+          <a:stretch>
+            <a:fillRect/>
+          </a:stretch>
+        </p:blipFill>
+        <p:spPr>
+          <a:xfrm>
+            <a:off x="1895368" y="2020669"/>
+            <a:ext cx="1438168" cy="1409548"/>
+          </a:xfrm>
+          <a:prstGeom prst="rect">
+            <a:avLst/>
+          </a:prstGeom>
+        </p:spPr>
+      </p:pic>
+      <p:pic>
+        <p:nvPicPr>
+          <p:cNvPr id="4" name="Grafik 3">
+            <a:extLst>
+              <a:ext uri="{FF2B5EF4-FFF2-40B4-BE49-F238E27FC236}">
+                <a16:creationId xmlns:a16="http://schemas.microsoft.com/office/drawing/2014/main" id="{299C8AE8-B12F-46AA-81CC-05E9FA4C7740}"/>
+              </a:ext>
+            </a:extLst>
+          </p:cNvPr>
+          <p:cNvPicPr>
+            <a:picLocks noChangeAspect="1"/>
+          </p:cNvPicPr>
+          <p:nvPr/>
+        </p:nvPicPr>
+        <p:blipFill>
+          <a:blip r:embed="rId3"/>
+          <a:stretch>
+            <a:fillRect/>
+          </a:stretch>
+        </p:blipFill>
+        <p:spPr>
+          <a:xfrm>
+            <a:off x="5220148" y="2058127"/>
+            <a:ext cx="1751705" cy="1334632"/>
+          </a:xfrm>
+          <a:prstGeom prst="rect">
+            <a:avLst/>
+          </a:prstGeom>
+        </p:spPr>
+      </p:pic>
+      <p:pic>
+        <p:nvPicPr>
+          <p:cNvPr id="6" name="Grafik 5">
+            <a:extLst>
+              <a:ext uri="{FF2B5EF4-FFF2-40B4-BE49-F238E27FC236}">
+                <a16:creationId xmlns:a16="http://schemas.microsoft.com/office/drawing/2014/main" id="{DF92808E-3E94-44CA-AB93-E0920EDE16F9}"/>
+              </a:ext>
+            </a:extLst>
+          </p:cNvPr>
+          <p:cNvPicPr>
+            <a:picLocks noChangeAspect="1"/>
+          </p:cNvPicPr>
+          <p:nvPr/>
+        </p:nvPicPr>
+        <p:blipFill>
+          <a:blip r:embed="rId4"/>
+          <a:stretch>
+            <a:fillRect/>
+          </a:stretch>
+        </p:blipFill>
+        <p:spPr>
+          <a:xfrm>
+            <a:off x="8659061" y="2162675"/>
+            <a:ext cx="1807948" cy="1125536"/>
+          </a:xfrm>
+          <a:prstGeom prst="rect">
+            <a:avLst/>
+          </a:prstGeom>
+        </p:spPr>
+      </p:pic>
+    </p:spTree>
+    <p:extLst>
+      <p:ext uri="{BB962C8B-B14F-4D97-AF65-F5344CB8AC3E}">
+        <p14:creationId xmlns:p14="http://schemas.microsoft.com/office/powerpoint/2010/main" val="3886615247"/>
+      </p:ext>
+    </p:extLst>
+  </p:cSld>
+  <p:clrMapOvr>
+    <a:masterClrMapping/>
+  </p:clrMapOvr>
+</p:sld>
+</file>
+
+<file path=ppt/slides/slide5.xml><?xml version="1.0" encoding="utf-8"?>
+<p:sld xmlns:a="http://schemas.openxmlformats.org/drawingml/2006/main" xmlns:r="http://schemas.openxmlformats.org/officeDocument/2006/relationships" xmlns:p="http://schemas.openxmlformats.org/presentationml/2006/main">
+  <p:cSld>
+    <p:spTree>
+      <p:nvGrpSpPr>
+        <p:cNvPr id="1" name=""/>
+        <p:cNvGrpSpPr/>
+        <p:nvPr/>
+      </p:nvGrpSpPr>
+      <p:grpSpPr>
+        <a:xfrm>
+          <a:off x="0" y="0"/>
+          <a:ext cx="0" cy="0"/>
+          <a:chOff x="0" y="0"/>
+          <a:chExt cx="0" cy="0"/>
+        </a:xfrm>
+      </p:grpSpPr>
+      <p:sp>
+        <p:nvSpPr>
+          <p:cNvPr id="3" name="Textplatzhalter 2">
+            <a:extLst>
+              <a:ext uri="{FF2B5EF4-FFF2-40B4-BE49-F238E27FC236}">
+                <a16:creationId xmlns:a16="http://schemas.microsoft.com/office/drawing/2014/main" id="{36243E89-6FC5-42E0-9009-C6E6F235E6AE}"/>
+              </a:ext>
+            </a:extLst>
+          </p:cNvPr>
+          <p:cNvSpPr>
+            <a:spLocks noGrp="1"/>
+          </p:cNvSpPr>
+          <p:nvPr>
+            <p:ph type="body" sz="quarter" idx="13"/>
+          </p:nvPr>
+        </p:nvSpPr>
+        <p:spPr/>
+        <p:txBody>
+          <a:bodyPr>
+            <a:normAutofit/>
+          </a:bodyPr>
+          <a:lstStyle/>
+          <a:p>
+            <a:r>
+              <a:rPr lang="en-US" sz="2400" dirty="0"/>
               <a:t>Serverless Components in Azure</a:t>
             </a:r>
             <a:endParaRPr lang="de-DE" sz="2400" dirty="0"/>
@@ -6755,418 +7671,6 @@
 </p:sld>
 </file>
 
-<file path=ppt/slides/slide5.xml><?xml version="1.0" encoding="utf-8"?>
-<p:sld xmlns:a="http://schemas.openxmlformats.org/drawingml/2006/main" xmlns:r="http://schemas.openxmlformats.org/officeDocument/2006/relationships" xmlns:p="http://schemas.openxmlformats.org/presentationml/2006/main">
-  <p:cSld>
-    <p:spTree>
-      <p:nvGrpSpPr>
-        <p:cNvPr id="1" name=""/>
-        <p:cNvGrpSpPr/>
-        <p:nvPr/>
-      </p:nvGrpSpPr>
-      <p:grpSpPr>
-        <a:xfrm>
-          <a:off x="0" y="0"/>
-          <a:ext cx="0" cy="0"/>
-          <a:chOff x="0" y="0"/>
-          <a:chExt cx="0" cy="0"/>
-        </a:xfrm>
-      </p:grpSpPr>
-      <p:sp>
-        <p:nvSpPr>
-          <p:cNvPr id="3" name="Textplatzhalter 2">
-            <a:extLst>
-              <a:ext uri="{FF2B5EF4-FFF2-40B4-BE49-F238E27FC236}">
-                <a16:creationId xmlns:a16="http://schemas.microsoft.com/office/drawing/2014/main" id="{AB1E0705-CB19-4279-9F72-D5CA72B5A7E6}"/>
-              </a:ext>
-            </a:extLst>
-          </p:cNvPr>
-          <p:cNvSpPr>
-            <a:spLocks noGrp="1"/>
-          </p:cNvSpPr>
-          <p:nvPr>
-            <p:ph type="body" sz="quarter" idx="13"/>
-          </p:nvPr>
-        </p:nvSpPr>
-        <p:spPr/>
-        <p:txBody>
-          <a:bodyPr/>
-          <a:lstStyle/>
-          <a:p>
-            <a:r>
-              <a:rPr lang="en-US" dirty="0"/>
-              <a:t>What is Azure Functions?</a:t>
-            </a:r>
-            <a:endParaRPr lang="de-DE" dirty="0"/>
-          </a:p>
-        </p:txBody>
-      </p:sp>
-      <p:sp>
-        <p:nvSpPr>
-          <p:cNvPr id="4" name="Textfeld 3">
-            <a:extLst>
-              <a:ext uri="{FF2B5EF4-FFF2-40B4-BE49-F238E27FC236}">
-                <a16:creationId xmlns:a16="http://schemas.microsoft.com/office/drawing/2014/main" id="{2326CB9F-40A6-4135-AFD8-E0E32AEF33A4}"/>
-              </a:ext>
-            </a:extLst>
-          </p:cNvPr>
-          <p:cNvSpPr txBox="1"/>
-          <p:nvPr/>
-        </p:nvSpPr>
-        <p:spPr>
-          <a:xfrm>
-            <a:off x="4982814" y="3766784"/>
-            <a:ext cx="2040835" cy="1477328"/>
-          </a:xfrm>
-          <a:prstGeom prst="rect">
-            <a:avLst/>
-          </a:prstGeom>
-          <a:noFill/>
-        </p:spPr>
-        <p:txBody>
-          <a:bodyPr wrap="square" rtlCol="0">
-            <a:spAutoFit/>
-          </a:bodyPr>
-          <a:lstStyle/>
-          <a:p>
-            <a:pPr algn="ctr"/>
-            <a:r>
-              <a:rPr lang="en-US" b="1" dirty="0">
-                <a:solidFill>
-                  <a:srgbClr val="5A536D"/>
-                </a:solidFill>
-              </a:rPr>
-              <a:t>Languages</a:t>
-            </a:r>
-            <a:br>
-              <a:rPr lang="en-US" b="1" dirty="0">
-                <a:solidFill>
-                  <a:srgbClr val="5A536D"/>
-                </a:solidFill>
-              </a:rPr>
-            </a:br>
-            <a:br>
-              <a:rPr lang="en-US" dirty="0">
-                <a:solidFill>
-                  <a:srgbClr val="083232"/>
-                </a:solidFill>
-              </a:rPr>
-            </a:br>
-            <a:r>
-              <a:rPr lang="en-US" dirty="0">
-                <a:solidFill>
-                  <a:srgbClr val="083232"/>
-                </a:solidFill>
-              </a:rPr>
-              <a:t>C#, F#</a:t>
-            </a:r>
-          </a:p>
-          <a:p>
-            <a:pPr algn="ctr"/>
-            <a:r>
-              <a:rPr lang="en-US" dirty="0">
-                <a:solidFill>
-                  <a:srgbClr val="083232"/>
-                </a:solidFill>
-              </a:rPr>
-              <a:t>JavaScript</a:t>
-            </a:r>
-          </a:p>
-          <a:p>
-            <a:pPr algn="ctr"/>
-            <a:r>
-              <a:rPr lang="en-US" dirty="0">
-                <a:solidFill>
-                  <a:srgbClr val="083232"/>
-                </a:solidFill>
-              </a:rPr>
-              <a:t>Java</a:t>
-            </a:r>
-          </a:p>
-        </p:txBody>
-      </p:sp>
-      <p:sp>
-        <p:nvSpPr>
-          <p:cNvPr id="5" name="Textfeld 4">
-            <a:extLst>
-              <a:ext uri="{FF2B5EF4-FFF2-40B4-BE49-F238E27FC236}">
-                <a16:creationId xmlns:a16="http://schemas.microsoft.com/office/drawing/2014/main" id="{223D8E3B-5689-4398-A6DA-CDBC2374C4C6}"/>
-              </a:ext>
-            </a:extLst>
-          </p:cNvPr>
-          <p:cNvSpPr txBox="1"/>
-          <p:nvPr/>
-        </p:nvSpPr>
-        <p:spPr>
-          <a:xfrm>
-            <a:off x="1322585" y="3766784"/>
-            <a:ext cx="2040835" cy="1477328"/>
-          </a:xfrm>
-          <a:prstGeom prst="rect">
-            <a:avLst/>
-          </a:prstGeom>
-          <a:noFill/>
-        </p:spPr>
-        <p:txBody>
-          <a:bodyPr wrap="square" rtlCol="0">
-            <a:spAutoFit/>
-          </a:bodyPr>
-          <a:lstStyle/>
-          <a:p>
-            <a:pPr algn="ctr"/>
-            <a:r>
-              <a:rPr lang="en-US" b="1" dirty="0">
-                <a:solidFill>
-                  <a:srgbClr val="5A536D"/>
-                </a:solidFill>
-              </a:rPr>
-              <a:t>Triggers</a:t>
-            </a:r>
-            <a:br>
-              <a:rPr lang="en-US" b="1" dirty="0">
-                <a:solidFill>
-                  <a:srgbClr val="5A536D"/>
-                </a:solidFill>
-              </a:rPr>
-            </a:br>
-            <a:endParaRPr lang="en-US" b="1" dirty="0">
-              <a:solidFill>
-                <a:srgbClr val="5A536D"/>
-              </a:solidFill>
-            </a:endParaRPr>
-          </a:p>
-          <a:p>
-            <a:pPr algn="ctr"/>
-            <a:r>
-              <a:rPr lang="en-US" dirty="0">
-                <a:solidFill>
-                  <a:srgbClr val="083232"/>
-                </a:solidFill>
-              </a:rPr>
-              <a:t>Timer</a:t>
-            </a:r>
-          </a:p>
-          <a:p>
-            <a:pPr algn="ctr"/>
-            <a:r>
-              <a:rPr lang="en-US" dirty="0">
-                <a:solidFill>
-                  <a:srgbClr val="083232"/>
-                </a:solidFill>
-              </a:rPr>
-              <a:t>Queue Message</a:t>
-            </a:r>
-          </a:p>
-          <a:p>
-            <a:pPr algn="ctr"/>
-            <a:r>
-              <a:rPr lang="en-US" dirty="0">
-                <a:solidFill>
-                  <a:srgbClr val="083232"/>
-                </a:solidFill>
-              </a:rPr>
-              <a:t>HTTP Trigger</a:t>
-            </a:r>
-            <a:endParaRPr lang="de-DE" dirty="0">
-              <a:solidFill>
-                <a:srgbClr val="5A536D"/>
-              </a:solidFill>
-            </a:endParaRPr>
-          </a:p>
-        </p:txBody>
-      </p:sp>
-      <p:sp>
-        <p:nvSpPr>
-          <p:cNvPr id="6" name="Textfeld 5">
-            <a:extLst>
-              <a:ext uri="{FF2B5EF4-FFF2-40B4-BE49-F238E27FC236}">
-                <a16:creationId xmlns:a16="http://schemas.microsoft.com/office/drawing/2014/main" id="{A64A86A9-1F81-46F1-8861-33DE870B38E1}"/>
-              </a:ext>
-            </a:extLst>
-          </p:cNvPr>
-          <p:cNvSpPr txBox="1"/>
-          <p:nvPr/>
-        </p:nvSpPr>
-        <p:spPr>
-          <a:xfrm>
-            <a:off x="8542620" y="3766784"/>
-            <a:ext cx="2040835" cy="1477328"/>
-          </a:xfrm>
-          <a:prstGeom prst="rect">
-            <a:avLst/>
-          </a:prstGeom>
-          <a:noFill/>
-        </p:spPr>
-        <p:txBody>
-          <a:bodyPr wrap="square" rtlCol="0">
-            <a:spAutoFit/>
-          </a:bodyPr>
-          <a:lstStyle/>
-          <a:p>
-            <a:pPr algn="ctr"/>
-            <a:r>
-              <a:rPr lang="en-US" b="1" dirty="0">
-                <a:solidFill>
-                  <a:srgbClr val="5A536D"/>
-                </a:solidFill>
-              </a:rPr>
-              <a:t>Bindings</a:t>
-            </a:r>
-            <a:br>
-              <a:rPr lang="en-US" b="1" dirty="0">
-                <a:solidFill>
-                  <a:srgbClr val="083232"/>
-                </a:solidFill>
-              </a:rPr>
-            </a:br>
-            <a:br>
-              <a:rPr lang="en-US" b="1" dirty="0">
-                <a:solidFill>
-                  <a:srgbClr val="083232"/>
-                </a:solidFill>
-              </a:rPr>
-            </a:br>
-            <a:r>
-              <a:rPr lang="en-US" dirty="0">
-                <a:solidFill>
-                  <a:srgbClr val="083232"/>
-                </a:solidFill>
-              </a:rPr>
-              <a:t>Blob Storage</a:t>
-            </a:r>
-          </a:p>
-          <a:p>
-            <a:pPr algn="ctr"/>
-            <a:r>
-              <a:rPr lang="en-US" dirty="0" err="1">
-                <a:solidFill>
-                  <a:srgbClr val="083232"/>
-                </a:solidFill>
-              </a:rPr>
-              <a:t>CosmosDb</a:t>
-            </a:r>
-            <a:endParaRPr lang="en-US" dirty="0">
-              <a:solidFill>
-                <a:srgbClr val="083232"/>
-              </a:solidFill>
-            </a:endParaRPr>
-          </a:p>
-          <a:p>
-            <a:pPr algn="ctr"/>
-            <a:r>
-              <a:rPr lang="en-US" dirty="0">
-                <a:solidFill>
-                  <a:srgbClr val="083232"/>
-                </a:solidFill>
-              </a:rPr>
-              <a:t>SendGrid</a:t>
-            </a:r>
-          </a:p>
-        </p:txBody>
-      </p:sp>
-      <p:pic>
-        <p:nvPicPr>
-          <p:cNvPr id="7" name="Grafik 6">
-            <a:extLst>
-              <a:ext uri="{FF2B5EF4-FFF2-40B4-BE49-F238E27FC236}">
-                <a16:creationId xmlns:a16="http://schemas.microsoft.com/office/drawing/2014/main" id="{F35E6E80-FA94-40F0-8D98-05B129A726FD}"/>
-              </a:ext>
-            </a:extLst>
-          </p:cNvPr>
-          <p:cNvPicPr>
-            <a:picLocks noChangeAspect="1"/>
-          </p:cNvPicPr>
-          <p:nvPr/>
-        </p:nvPicPr>
-        <p:blipFill>
-          <a:blip r:embed="rId2"/>
-          <a:stretch>
-            <a:fillRect/>
-          </a:stretch>
-        </p:blipFill>
-        <p:spPr>
-          <a:xfrm>
-            <a:off x="5252069" y="2074447"/>
-            <a:ext cx="1502323" cy="1354553"/>
-          </a:xfrm>
-          <a:prstGeom prst="rect">
-            <a:avLst/>
-          </a:prstGeom>
-        </p:spPr>
-      </p:pic>
-      <p:pic>
-        <p:nvPicPr>
-          <p:cNvPr id="8" name="Grafik 7">
-            <a:extLst>
-              <a:ext uri="{FF2B5EF4-FFF2-40B4-BE49-F238E27FC236}">
-                <a16:creationId xmlns:a16="http://schemas.microsoft.com/office/drawing/2014/main" id="{501B21C2-7368-495C-94CB-DCD2922579EF}"/>
-              </a:ext>
-            </a:extLst>
-          </p:cNvPr>
-          <p:cNvPicPr>
-            <a:picLocks noChangeAspect="1"/>
-          </p:cNvPicPr>
-          <p:nvPr/>
-        </p:nvPicPr>
-        <p:blipFill>
-          <a:blip r:embed="rId3"/>
-          <a:stretch>
-            <a:fillRect/>
-          </a:stretch>
-        </p:blipFill>
-        <p:spPr>
-          <a:xfrm>
-            <a:off x="1679389" y="2039961"/>
-            <a:ext cx="1327226" cy="1423524"/>
-          </a:xfrm>
-          <a:prstGeom prst="rect">
-            <a:avLst/>
-          </a:prstGeom>
-        </p:spPr>
-      </p:pic>
-      <p:pic>
-        <p:nvPicPr>
-          <p:cNvPr id="9" name="Grafik 8">
-            <a:extLst>
-              <a:ext uri="{FF2B5EF4-FFF2-40B4-BE49-F238E27FC236}">
-                <a16:creationId xmlns:a16="http://schemas.microsoft.com/office/drawing/2014/main" id="{0918ACA3-D9E4-4DBD-9E77-5657FC1AF559}"/>
-              </a:ext>
-            </a:extLst>
-          </p:cNvPr>
-          <p:cNvPicPr>
-            <a:picLocks noChangeAspect="1"/>
-          </p:cNvPicPr>
-          <p:nvPr/>
-        </p:nvPicPr>
-        <p:blipFill>
-          <a:blip r:embed="rId4"/>
-          <a:stretch>
-            <a:fillRect/>
-          </a:stretch>
-        </p:blipFill>
-        <p:spPr>
-          <a:xfrm>
-            <a:off x="8858465" y="2013059"/>
-            <a:ext cx="1409143" cy="1477328"/>
-          </a:xfrm>
-          <a:prstGeom prst="rect">
-            <a:avLst/>
-          </a:prstGeom>
-        </p:spPr>
-      </p:pic>
-    </p:spTree>
-    <p:extLst>
-      <p:ext uri="{BB962C8B-B14F-4D97-AF65-F5344CB8AC3E}">
-        <p14:creationId xmlns:p14="http://schemas.microsoft.com/office/powerpoint/2010/main" val="3447879989"/>
-      </p:ext>
-    </p:extLst>
-  </p:cSld>
-  <p:clrMapOvr>
-    <a:masterClrMapping/>
-  </p:clrMapOvr>
-</p:sld>
-</file>
-
 <file path=ppt/slides/slide6.xml><?xml version="1.0" encoding="utf-8"?>
 <p:sld xmlns:a="http://schemas.openxmlformats.org/drawingml/2006/main" xmlns:r="http://schemas.openxmlformats.org/officeDocument/2006/relationships" xmlns:p="http://schemas.openxmlformats.org/presentationml/2006/main">
   <p:cSld>
@@ -7189,7 +7693,7 @@
           <p:cNvPr id="3" name="Textplatzhalter 2">
             <a:extLst>
               <a:ext uri="{FF2B5EF4-FFF2-40B4-BE49-F238E27FC236}">
-                <a16:creationId xmlns:a16="http://schemas.microsoft.com/office/drawing/2014/main" id="{57625549-4941-4E12-AA37-2C694939FB57}"/>
+                <a16:creationId xmlns:a16="http://schemas.microsoft.com/office/drawing/2014/main" id="{AB1E0705-CB19-4279-9F72-D5CA72B5A7E6}"/>
               </a:ext>
             </a:extLst>
           </p:cNvPr>
@@ -7202,25 +7706,23 @@
         </p:nvSpPr>
         <p:spPr/>
         <p:txBody>
-          <a:bodyPr>
-            <a:normAutofit/>
-          </a:bodyPr>
-          <a:lstStyle/>
-          <a:p>
-            <a:r>
-              <a:rPr lang="en-US" sz="2400" dirty="0"/>
-              <a:t>Azure Functions</a:t>
-            </a:r>
-            <a:endParaRPr lang="de-DE" sz="2400" dirty="0"/>
-          </a:p>
-        </p:txBody>
-      </p:sp>
-      <p:sp>
-        <p:nvSpPr>
-          <p:cNvPr id="25" name="Textfeld 24">
-            <a:extLst>
-              <a:ext uri="{FF2B5EF4-FFF2-40B4-BE49-F238E27FC236}">
-                <a16:creationId xmlns:a16="http://schemas.microsoft.com/office/drawing/2014/main" id="{BFE2375B-1562-4961-9873-23936DB1493A}"/>
+          <a:bodyPr/>
+          <a:lstStyle/>
+          <a:p>
+            <a:r>
+              <a:rPr lang="en-US" dirty="0"/>
+              <a:t>What is Azure Functions?</a:t>
+            </a:r>
+            <a:endParaRPr lang="de-DE" dirty="0"/>
+          </a:p>
+        </p:txBody>
+      </p:sp>
+      <p:sp>
+        <p:nvSpPr>
+          <p:cNvPr id="4" name="Textfeld 3">
+            <a:extLst>
+              <a:ext uri="{FF2B5EF4-FFF2-40B4-BE49-F238E27FC236}">
+                <a16:creationId xmlns:a16="http://schemas.microsoft.com/office/drawing/2014/main" id="{2326CB9F-40A6-4135-AFD8-E0E32AEF33A4}"/>
               </a:ext>
             </a:extLst>
           </p:cNvPr>
@@ -7229,8 +7731,8 @@
         </p:nvSpPr>
         <p:spPr>
           <a:xfrm>
-            <a:off x="3783495" y="2980155"/>
-            <a:ext cx="5368777" cy="369332"/>
+            <a:off x="4982814" y="3766784"/>
+            <a:ext cx="2040835" cy="1477328"/>
           </a:xfrm>
           <a:prstGeom prst="rect">
             <a:avLst/>
@@ -7238,55 +7740,340 @@
           <a:noFill/>
         </p:spPr>
         <p:txBody>
-          <a:bodyPr wrap="none" rtlCol="0">
+          <a:bodyPr wrap="square" rtlCol="0">
             <a:spAutoFit/>
           </a:bodyPr>
           <a:lstStyle/>
           <a:p>
-            <a:r>
-              <a:rPr lang="en-US" dirty="0"/>
-              <a:t>@Thomas: Kannst du </a:t>
-            </a:r>
-            <a:r>
-              <a:rPr lang="en-US" dirty="0" err="1"/>
-              <a:t>dir</a:t>
-            </a:r>
-            <a:r>
-              <a:rPr lang="en-US" dirty="0"/>
-              <a:t> das </a:t>
-            </a:r>
-            <a:r>
-              <a:rPr lang="en-US" dirty="0" err="1"/>
-              <a:t>hier</a:t>
-            </a:r>
-            <a:r>
-              <a:rPr lang="en-US" dirty="0"/>
-              <a:t> </a:t>
-            </a:r>
-            <a:r>
-              <a:rPr lang="en-US" dirty="0" err="1"/>
-              <a:t>zurecht</a:t>
-            </a:r>
-            <a:r>
-              <a:rPr lang="en-US" dirty="0"/>
-              <a:t> </a:t>
-            </a:r>
-            <a:r>
-              <a:rPr lang="en-US" dirty="0" err="1"/>
-              <a:t>bauen</a:t>
-            </a:r>
-            <a:r>
-              <a:rPr lang="en-US" dirty="0"/>
-              <a:t>?</a:t>
-            </a:r>
-            <a:endParaRPr lang="de-DE" dirty="0"/>
-          </a:p>
-        </p:txBody>
-      </p:sp>
+            <a:pPr algn="ctr"/>
+            <a:r>
+              <a:rPr lang="en-US" b="1" dirty="0">
+                <a:solidFill>
+                  <a:srgbClr val="5A536D"/>
+                </a:solidFill>
+              </a:rPr>
+              <a:t>Languages</a:t>
+            </a:r>
+            <a:br>
+              <a:rPr lang="en-US" b="1" dirty="0">
+                <a:solidFill>
+                  <a:srgbClr val="5A536D"/>
+                </a:solidFill>
+              </a:rPr>
+            </a:br>
+            <a:br>
+              <a:rPr lang="en-US" dirty="0">
+                <a:solidFill>
+                  <a:srgbClr val="083232"/>
+                </a:solidFill>
+              </a:rPr>
+            </a:br>
+            <a:r>
+              <a:rPr lang="en-US" dirty="0">
+                <a:solidFill>
+                  <a:srgbClr val="083232"/>
+                </a:solidFill>
+              </a:rPr>
+              <a:t>C#, F#</a:t>
+            </a:r>
+          </a:p>
+          <a:p>
+            <a:pPr algn="ctr"/>
+            <a:r>
+              <a:rPr lang="en-US" dirty="0">
+                <a:solidFill>
+                  <a:srgbClr val="083232"/>
+                </a:solidFill>
+              </a:rPr>
+              <a:t>JavaScript</a:t>
+            </a:r>
+          </a:p>
+          <a:p>
+            <a:pPr algn="ctr"/>
+            <a:r>
+              <a:rPr lang="en-US" dirty="0">
+                <a:solidFill>
+                  <a:srgbClr val="083232"/>
+                </a:solidFill>
+              </a:rPr>
+              <a:t>Java</a:t>
+            </a:r>
+          </a:p>
+        </p:txBody>
+      </p:sp>
+      <p:sp>
+        <p:nvSpPr>
+          <p:cNvPr id="5" name="Textfeld 4">
+            <a:extLst>
+              <a:ext uri="{FF2B5EF4-FFF2-40B4-BE49-F238E27FC236}">
+                <a16:creationId xmlns:a16="http://schemas.microsoft.com/office/drawing/2014/main" id="{223D8E3B-5689-4398-A6DA-CDBC2374C4C6}"/>
+              </a:ext>
+            </a:extLst>
+          </p:cNvPr>
+          <p:cNvSpPr txBox="1"/>
+          <p:nvPr/>
+        </p:nvSpPr>
+        <p:spPr>
+          <a:xfrm>
+            <a:off x="1322585" y="3766784"/>
+            <a:ext cx="2040835" cy="1477328"/>
+          </a:xfrm>
+          <a:prstGeom prst="rect">
+            <a:avLst/>
+          </a:prstGeom>
+          <a:noFill/>
+        </p:spPr>
+        <p:txBody>
+          <a:bodyPr wrap="square" rtlCol="0">
+            <a:spAutoFit/>
+          </a:bodyPr>
+          <a:lstStyle/>
+          <a:p>
+            <a:pPr algn="ctr"/>
+            <a:r>
+              <a:rPr lang="en-US" b="1" dirty="0">
+                <a:solidFill>
+                  <a:srgbClr val="5A536D"/>
+                </a:solidFill>
+              </a:rPr>
+              <a:t>Triggers</a:t>
+            </a:r>
+            <a:br>
+              <a:rPr lang="en-US" b="1" dirty="0">
+                <a:solidFill>
+                  <a:srgbClr val="5A536D"/>
+                </a:solidFill>
+              </a:rPr>
+            </a:br>
+            <a:endParaRPr lang="en-US" b="1" dirty="0">
+              <a:solidFill>
+                <a:srgbClr val="5A536D"/>
+              </a:solidFill>
+            </a:endParaRPr>
+          </a:p>
+          <a:p>
+            <a:pPr algn="ctr"/>
+            <a:r>
+              <a:rPr lang="en-US" dirty="0">
+                <a:solidFill>
+                  <a:srgbClr val="083232"/>
+                </a:solidFill>
+              </a:rPr>
+              <a:t>Timer</a:t>
+            </a:r>
+          </a:p>
+          <a:p>
+            <a:pPr algn="ctr"/>
+            <a:r>
+              <a:rPr lang="en-US" dirty="0">
+                <a:solidFill>
+                  <a:srgbClr val="083232"/>
+                </a:solidFill>
+              </a:rPr>
+              <a:t>Queue Message</a:t>
+            </a:r>
+          </a:p>
+          <a:p>
+            <a:pPr algn="ctr"/>
+            <a:r>
+              <a:rPr lang="en-US" dirty="0">
+                <a:solidFill>
+                  <a:srgbClr val="083232"/>
+                </a:solidFill>
+              </a:rPr>
+              <a:t>HTTP Trigger</a:t>
+            </a:r>
+            <a:endParaRPr lang="de-DE" dirty="0">
+              <a:solidFill>
+                <a:srgbClr val="5A536D"/>
+              </a:solidFill>
+            </a:endParaRPr>
+          </a:p>
+        </p:txBody>
+      </p:sp>
+      <p:sp>
+        <p:nvSpPr>
+          <p:cNvPr id="6" name="Textfeld 5">
+            <a:extLst>
+              <a:ext uri="{FF2B5EF4-FFF2-40B4-BE49-F238E27FC236}">
+                <a16:creationId xmlns:a16="http://schemas.microsoft.com/office/drawing/2014/main" id="{A64A86A9-1F81-46F1-8861-33DE870B38E1}"/>
+              </a:ext>
+            </a:extLst>
+          </p:cNvPr>
+          <p:cNvSpPr txBox="1"/>
+          <p:nvPr/>
+        </p:nvSpPr>
+        <p:spPr>
+          <a:xfrm>
+            <a:off x="8542620" y="3766784"/>
+            <a:ext cx="2040835" cy="1477328"/>
+          </a:xfrm>
+          <a:prstGeom prst="rect">
+            <a:avLst/>
+          </a:prstGeom>
+          <a:noFill/>
+        </p:spPr>
+        <p:txBody>
+          <a:bodyPr wrap="square" rtlCol="0">
+            <a:spAutoFit/>
+          </a:bodyPr>
+          <a:lstStyle/>
+          <a:p>
+            <a:pPr algn="ctr"/>
+            <a:r>
+              <a:rPr lang="en-US" b="1" dirty="0">
+                <a:solidFill>
+                  <a:srgbClr val="5A536D"/>
+                </a:solidFill>
+              </a:rPr>
+              <a:t>Bindings</a:t>
+            </a:r>
+            <a:br>
+              <a:rPr lang="en-US" b="1" dirty="0">
+                <a:solidFill>
+                  <a:srgbClr val="083232"/>
+                </a:solidFill>
+              </a:rPr>
+            </a:br>
+            <a:br>
+              <a:rPr lang="en-US" b="1" dirty="0">
+                <a:solidFill>
+                  <a:srgbClr val="083232"/>
+                </a:solidFill>
+              </a:rPr>
+            </a:br>
+            <a:r>
+              <a:rPr lang="en-US" dirty="0">
+                <a:solidFill>
+                  <a:srgbClr val="083232"/>
+                </a:solidFill>
+              </a:rPr>
+              <a:t>Blob Storage</a:t>
+            </a:r>
+          </a:p>
+          <a:p>
+            <a:pPr algn="ctr"/>
+            <a:r>
+              <a:rPr lang="en-US" dirty="0" err="1">
+                <a:solidFill>
+                  <a:srgbClr val="083232"/>
+                </a:solidFill>
+              </a:rPr>
+              <a:t>CosmosDb</a:t>
+            </a:r>
+            <a:endParaRPr lang="en-US" dirty="0">
+              <a:solidFill>
+                <a:srgbClr val="083232"/>
+              </a:solidFill>
+            </a:endParaRPr>
+          </a:p>
+          <a:p>
+            <a:pPr algn="ctr"/>
+            <a:r>
+              <a:rPr lang="en-US" dirty="0">
+                <a:solidFill>
+                  <a:srgbClr val="083232"/>
+                </a:solidFill>
+              </a:rPr>
+              <a:t>SendGrid</a:t>
+            </a:r>
+          </a:p>
+        </p:txBody>
+      </p:sp>
+      <p:pic>
+        <p:nvPicPr>
+          <p:cNvPr id="7" name="Grafik 6">
+            <a:extLst>
+              <a:ext uri="{FF2B5EF4-FFF2-40B4-BE49-F238E27FC236}">
+                <a16:creationId xmlns:a16="http://schemas.microsoft.com/office/drawing/2014/main" id="{F35E6E80-FA94-40F0-8D98-05B129A726FD}"/>
+              </a:ext>
+            </a:extLst>
+          </p:cNvPr>
+          <p:cNvPicPr>
+            <a:picLocks noChangeAspect="1"/>
+          </p:cNvPicPr>
+          <p:nvPr/>
+        </p:nvPicPr>
+        <p:blipFill>
+          <a:blip r:embed="rId2"/>
+          <a:stretch>
+            <a:fillRect/>
+          </a:stretch>
+        </p:blipFill>
+        <p:spPr>
+          <a:xfrm>
+            <a:off x="5252069" y="2074447"/>
+            <a:ext cx="1502323" cy="1354553"/>
+          </a:xfrm>
+          <a:prstGeom prst="rect">
+            <a:avLst/>
+          </a:prstGeom>
+        </p:spPr>
+      </p:pic>
+      <p:pic>
+        <p:nvPicPr>
+          <p:cNvPr id="8" name="Grafik 7">
+            <a:extLst>
+              <a:ext uri="{FF2B5EF4-FFF2-40B4-BE49-F238E27FC236}">
+                <a16:creationId xmlns:a16="http://schemas.microsoft.com/office/drawing/2014/main" id="{501B21C2-7368-495C-94CB-DCD2922579EF}"/>
+              </a:ext>
+            </a:extLst>
+          </p:cNvPr>
+          <p:cNvPicPr>
+            <a:picLocks noChangeAspect="1"/>
+          </p:cNvPicPr>
+          <p:nvPr/>
+        </p:nvPicPr>
+        <p:blipFill>
+          <a:blip r:embed="rId3"/>
+          <a:stretch>
+            <a:fillRect/>
+          </a:stretch>
+        </p:blipFill>
+        <p:spPr>
+          <a:xfrm>
+            <a:off x="1679389" y="2039961"/>
+            <a:ext cx="1327226" cy="1423524"/>
+          </a:xfrm>
+          <a:prstGeom prst="rect">
+            <a:avLst/>
+          </a:prstGeom>
+        </p:spPr>
+      </p:pic>
+      <p:pic>
+        <p:nvPicPr>
+          <p:cNvPr id="9" name="Grafik 8">
+            <a:extLst>
+              <a:ext uri="{FF2B5EF4-FFF2-40B4-BE49-F238E27FC236}">
+                <a16:creationId xmlns:a16="http://schemas.microsoft.com/office/drawing/2014/main" id="{0918ACA3-D9E4-4DBD-9E77-5657FC1AF559}"/>
+              </a:ext>
+            </a:extLst>
+          </p:cNvPr>
+          <p:cNvPicPr>
+            <a:picLocks noChangeAspect="1"/>
+          </p:cNvPicPr>
+          <p:nvPr/>
+        </p:nvPicPr>
+        <p:blipFill>
+          <a:blip r:embed="rId4"/>
+          <a:stretch>
+            <a:fillRect/>
+          </a:stretch>
+        </p:blipFill>
+        <p:spPr>
+          <a:xfrm>
+            <a:off x="8858465" y="2013059"/>
+            <a:ext cx="1409143" cy="1477328"/>
+          </a:xfrm>
+          <a:prstGeom prst="rect">
+            <a:avLst/>
+          </a:prstGeom>
+        </p:spPr>
+      </p:pic>
     </p:spTree>
     <p:extLst>
       <p:ext uri="{BB962C8B-B14F-4D97-AF65-F5344CB8AC3E}">
-        <p14:creationId xmlns:p14="http://schemas.microsoft.com/office/powerpoint/2010/main" val="2697839071"/>
+        <p14:creationId xmlns:p14="http://schemas.microsoft.com/office/powerpoint/2010/main" val="3447879989"/>
       </p:ext>
     </p:extLst>
   </p:cSld>
@@ -7338,7 +8125,7 @@
           <a:p>
             <a:r>
               <a:rPr lang="en-US" sz="2400" dirty="0"/>
-              <a:t>Demos Azure Functions</a:t>
+              <a:t>Azure Functions</a:t>
             </a:r>
             <a:endParaRPr lang="de-DE" sz="2400" dirty="0"/>
           </a:p>
@@ -7346,10 +8133,10 @@
       </p:sp>
       <p:sp>
         <p:nvSpPr>
-          <p:cNvPr id="4" name="Textfeld 3">
-            <a:extLst>
-              <a:ext uri="{FF2B5EF4-FFF2-40B4-BE49-F238E27FC236}">
-                <a16:creationId xmlns:a16="http://schemas.microsoft.com/office/drawing/2014/main" id="{D0AD0E3B-E029-4C47-A02E-4FD8F2F1CA2A}"/>
+          <p:cNvPr id="25" name="Textfeld 24">
+            <a:extLst>
+              <a:ext uri="{FF2B5EF4-FFF2-40B4-BE49-F238E27FC236}">
+                <a16:creationId xmlns:a16="http://schemas.microsoft.com/office/drawing/2014/main" id="{BFE2375B-1562-4961-9873-23936DB1493A}"/>
               </a:ext>
             </a:extLst>
           </p:cNvPr>
@@ -7415,7 +8202,7 @@
     </p:spTree>
     <p:extLst>
       <p:ext uri="{BB962C8B-B14F-4D97-AF65-F5344CB8AC3E}">
-        <p14:creationId xmlns:p14="http://schemas.microsoft.com/office/powerpoint/2010/main" val="3645647145"/>
+        <p14:creationId xmlns:p14="http://schemas.microsoft.com/office/powerpoint/2010/main" val="2697839071"/>
       </p:ext>
     </p:extLst>
   </p:cSld>
@@ -7447,7 +8234,7 @@
           <p:cNvPr id="3" name="Textplatzhalter 2">
             <a:extLst>
               <a:ext uri="{FF2B5EF4-FFF2-40B4-BE49-F238E27FC236}">
-                <a16:creationId xmlns:a16="http://schemas.microsoft.com/office/drawing/2014/main" id="{FAFEEEED-CDAD-46CC-946F-1878FDBB939C}"/>
+                <a16:creationId xmlns:a16="http://schemas.microsoft.com/office/drawing/2014/main" id="{57625549-4941-4E12-AA37-2C694939FB57}"/>
               </a:ext>
             </a:extLst>
           </p:cNvPr>
@@ -7467,7 +8254,7 @@
           <a:p>
             <a:r>
               <a:rPr lang="en-US" sz="2400" dirty="0"/>
-              <a:t>What are Durable Functions?</a:t>
+              <a:t>Demos Azure Functions</a:t>
             </a:r>
             <a:endParaRPr lang="de-DE" sz="2400" dirty="0"/>
           </a:p>
@@ -7475,10 +8262,10 @@
       </p:sp>
       <p:sp>
         <p:nvSpPr>
-          <p:cNvPr id="6" name="Textfeld 5">
-            <a:extLst>
-              <a:ext uri="{FF2B5EF4-FFF2-40B4-BE49-F238E27FC236}">
-                <a16:creationId xmlns:a16="http://schemas.microsoft.com/office/drawing/2014/main" id="{319D27F4-2089-49D3-A7CA-AE2AE1B2FD38}"/>
+          <p:cNvPr id="4" name="Textfeld 3">
+            <a:extLst>
+              <a:ext uri="{FF2B5EF4-FFF2-40B4-BE49-F238E27FC236}">
+                <a16:creationId xmlns:a16="http://schemas.microsoft.com/office/drawing/2014/main" id="{D0AD0E3B-E029-4C47-A02E-4FD8F2F1CA2A}"/>
               </a:ext>
             </a:extLst>
           </p:cNvPr>
@@ -7487,8 +8274,8 @@
         </p:nvSpPr>
         <p:spPr>
           <a:xfrm>
-            <a:off x="4982814" y="3766784"/>
-            <a:ext cx="2040835" cy="1200329"/>
+            <a:off x="3783495" y="2980155"/>
+            <a:ext cx="5368777" cy="369332"/>
           </a:xfrm>
           <a:prstGeom prst="rect">
             <a:avLst/>
@@ -7496,229 +8283,55 @@
           <a:noFill/>
         </p:spPr>
         <p:txBody>
-          <a:bodyPr wrap="square" rtlCol="0">
+          <a:bodyPr wrap="none" rtlCol="0">
             <a:spAutoFit/>
           </a:bodyPr>
           <a:lstStyle/>
           <a:p>
-            <a:pPr algn="ctr"/>
-            <a:r>
-              <a:rPr lang="en-US" dirty="0">
-                <a:solidFill>
-                  <a:srgbClr val="083232"/>
-                </a:solidFill>
-              </a:rPr>
-              <a:t>Write “stateful” functions in a “</a:t>
-            </a:r>
-            <a:r>
-              <a:rPr lang="en-US" dirty="0">
-                <a:solidFill>
-                  <a:srgbClr val="5A536D"/>
-                </a:solidFill>
-              </a:rPr>
-              <a:t>serverless</a:t>
-            </a:r>
-            <a:r>
-              <a:rPr lang="en-US" dirty="0">
-                <a:solidFill>
-                  <a:srgbClr val="083232"/>
-                </a:solidFill>
-              </a:rPr>
-              <a:t>” environment</a:t>
-            </a:r>
-          </a:p>
-        </p:txBody>
-      </p:sp>
-      <p:sp>
-        <p:nvSpPr>
-          <p:cNvPr id="8" name="Textfeld 7">
-            <a:extLst>
-              <a:ext uri="{FF2B5EF4-FFF2-40B4-BE49-F238E27FC236}">
-                <a16:creationId xmlns:a16="http://schemas.microsoft.com/office/drawing/2014/main" id="{2AE5DD49-A884-4026-B173-256B4C69CD3C}"/>
-              </a:ext>
-            </a:extLst>
-          </p:cNvPr>
-          <p:cNvSpPr txBox="1"/>
-          <p:nvPr/>
-        </p:nvSpPr>
-        <p:spPr>
-          <a:xfrm>
-            <a:off x="1322585" y="3766784"/>
-            <a:ext cx="2040835" cy="646331"/>
-          </a:xfrm>
-          <a:prstGeom prst="rect">
-            <a:avLst/>
-          </a:prstGeom>
-          <a:noFill/>
-        </p:spPr>
-        <p:txBody>
-          <a:bodyPr wrap="square" rtlCol="0">
-            <a:spAutoFit/>
-          </a:bodyPr>
-          <a:lstStyle/>
-          <a:p>
-            <a:pPr algn="ctr"/>
-            <a:r>
-              <a:rPr lang="en-US" dirty="0">
-                <a:solidFill>
-                  <a:srgbClr val="083232"/>
-                </a:solidFill>
-              </a:rPr>
-              <a:t>An extension to </a:t>
-            </a:r>
-          </a:p>
-          <a:p>
-            <a:pPr algn="ctr"/>
-            <a:r>
-              <a:rPr lang="en-US" dirty="0">
-                <a:solidFill>
-                  <a:srgbClr val="5A536D"/>
-                </a:solidFill>
-              </a:rPr>
-              <a:t>Azure Functions</a:t>
-            </a:r>
-            <a:endParaRPr lang="de-DE" dirty="0">
-              <a:solidFill>
-                <a:srgbClr val="5A536D"/>
-              </a:solidFill>
-            </a:endParaRPr>
-          </a:p>
-        </p:txBody>
-      </p:sp>
-      <p:sp>
-        <p:nvSpPr>
-          <p:cNvPr id="9" name="Textfeld 8">
-            <a:extLst>
-              <a:ext uri="{FF2B5EF4-FFF2-40B4-BE49-F238E27FC236}">
-                <a16:creationId xmlns:a16="http://schemas.microsoft.com/office/drawing/2014/main" id="{9AC3AD73-C97D-47AD-A77D-28564B966E6A}"/>
-              </a:ext>
-            </a:extLst>
-          </p:cNvPr>
-          <p:cNvSpPr txBox="1"/>
-          <p:nvPr/>
-        </p:nvSpPr>
-        <p:spPr>
-          <a:xfrm>
-            <a:off x="8542620" y="3766784"/>
-            <a:ext cx="2040835" cy="646331"/>
-          </a:xfrm>
-          <a:prstGeom prst="rect">
-            <a:avLst/>
-          </a:prstGeom>
-          <a:noFill/>
-        </p:spPr>
-        <p:txBody>
-          <a:bodyPr wrap="square" rtlCol="0">
-            <a:spAutoFit/>
-          </a:bodyPr>
-          <a:lstStyle/>
-          <a:p>
-            <a:pPr algn="ctr"/>
-            <a:r>
-              <a:rPr lang="en-US" dirty="0">
-                <a:solidFill>
-                  <a:srgbClr val="083232"/>
-                </a:solidFill>
-              </a:rPr>
-              <a:t>Define workflows in code</a:t>
-            </a:r>
-          </a:p>
-        </p:txBody>
-      </p:sp>
-      <p:pic>
-        <p:nvPicPr>
-          <p:cNvPr id="10" name="Grafik 9">
-            <a:extLst>
-              <a:ext uri="{FF2B5EF4-FFF2-40B4-BE49-F238E27FC236}">
-                <a16:creationId xmlns:a16="http://schemas.microsoft.com/office/drawing/2014/main" id="{F5D7840C-286A-4EAC-A46B-D416765C7B19}"/>
-              </a:ext>
-            </a:extLst>
-          </p:cNvPr>
-          <p:cNvPicPr>
-            <a:picLocks noChangeAspect="1"/>
-          </p:cNvPicPr>
-          <p:nvPr/>
-        </p:nvPicPr>
-        <p:blipFill>
-          <a:blip r:embed="rId2"/>
-          <a:stretch>
-            <a:fillRect/>
-          </a:stretch>
-        </p:blipFill>
-        <p:spPr>
-          <a:xfrm>
-            <a:off x="1425564" y="2145188"/>
-            <a:ext cx="1821624" cy="1283812"/>
-          </a:xfrm>
-          <a:prstGeom prst="rect">
-            <a:avLst/>
-          </a:prstGeom>
-        </p:spPr>
-      </p:pic>
-      <p:pic>
-        <p:nvPicPr>
-          <p:cNvPr id="11" name="Grafik 10">
-            <a:extLst>
-              <a:ext uri="{FF2B5EF4-FFF2-40B4-BE49-F238E27FC236}">
-                <a16:creationId xmlns:a16="http://schemas.microsoft.com/office/drawing/2014/main" id="{07B6C5A7-D2A3-4AEE-852D-67BE21D02D8E}"/>
-              </a:ext>
-            </a:extLst>
-          </p:cNvPr>
-          <p:cNvPicPr>
-            <a:picLocks noChangeAspect="1"/>
-          </p:cNvPicPr>
-          <p:nvPr/>
-        </p:nvPicPr>
-        <p:blipFill>
-          <a:blip r:embed="rId3"/>
-          <a:stretch>
-            <a:fillRect/>
-          </a:stretch>
-        </p:blipFill>
-        <p:spPr>
-          <a:xfrm>
-            <a:off x="5245445" y="2074447"/>
-            <a:ext cx="1502323" cy="1354553"/>
-          </a:xfrm>
-          <a:prstGeom prst="rect">
-            <a:avLst/>
-          </a:prstGeom>
-        </p:spPr>
-      </p:pic>
-      <p:pic>
-        <p:nvPicPr>
-          <p:cNvPr id="12" name="Grafik 11">
-            <a:extLst>
-              <a:ext uri="{FF2B5EF4-FFF2-40B4-BE49-F238E27FC236}">
-                <a16:creationId xmlns:a16="http://schemas.microsoft.com/office/drawing/2014/main" id="{BC97A0A7-C671-45FC-BED1-F412D3F12FD9}"/>
-              </a:ext>
-            </a:extLst>
-          </p:cNvPr>
-          <p:cNvPicPr>
-            <a:picLocks noChangeAspect="1"/>
-          </p:cNvPicPr>
-          <p:nvPr/>
-        </p:nvPicPr>
-        <p:blipFill>
-          <a:blip r:embed="rId4"/>
-          <a:stretch>
-            <a:fillRect/>
-          </a:stretch>
-        </p:blipFill>
-        <p:spPr>
-          <a:xfrm>
-            <a:off x="8805251" y="2068200"/>
-            <a:ext cx="1502323" cy="1360800"/>
-          </a:xfrm>
-          <a:prstGeom prst="rect">
-            <a:avLst/>
-          </a:prstGeom>
-        </p:spPr>
-      </p:pic>
+            <a:r>
+              <a:rPr lang="en-US" dirty="0"/>
+              <a:t>@Thomas: Kannst du </a:t>
+            </a:r>
+            <a:r>
+              <a:rPr lang="en-US" dirty="0" err="1"/>
+              <a:t>dir</a:t>
+            </a:r>
+            <a:r>
+              <a:rPr lang="en-US" dirty="0"/>
+              <a:t> das </a:t>
+            </a:r>
+            <a:r>
+              <a:rPr lang="en-US" dirty="0" err="1"/>
+              <a:t>hier</a:t>
+            </a:r>
+            <a:r>
+              <a:rPr lang="en-US" dirty="0"/>
+              <a:t> </a:t>
+            </a:r>
+            <a:r>
+              <a:rPr lang="en-US" dirty="0" err="1"/>
+              <a:t>zurecht</a:t>
+            </a:r>
+            <a:r>
+              <a:rPr lang="en-US" dirty="0"/>
+              <a:t> </a:t>
+            </a:r>
+            <a:r>
+              <a:rPr lang="en-US" dirty="0" err="1"/>
+              <a:t>bauen</a:t>
+            </a:r>
+            <a:r>
+              <a:rPr lang="en-US" dirty="0"/>
+              <a:t>?</a:t>
+            </a:r>
+            <a:endParaRPr lang="de-DE" dirty="0"/>
+          </a:p>
+        </p:txBody>
+      </p:sp>
     </p:spTree>
     <p:extLst>
       <p:ext uri="{BB962C8B-B14F-4D97-AF65-F5344CB8AC3E}">
-        <p14:creationId xmlns:p14="http://schemas.microsoft.com/office/powerpoint/2010/main" val="2149780848"/>
+        <p14:creationId xmlns:p14="http://schemas.microsoft.com/office/powerpoint/2010/main" val="3645647145"/>
       </p:ext>
     </p:extLst>
   </p:cSld>
@@ -7770,18 +8383,170 @@
           <a:p>
             <a:r>
               <a:rPr lang="en-US" sz="2400" dirty="0"/>
-              <a:t>Durable Functions or Logic Apps?</a:t>
+              <a:t>What are Durable Functions?</a:t>
             </a:r>
             <a:endParaRPr lang="de-DE" sz="2400" dirty="0"/>
+          </a:p>
+        </p:txBody>
+      </p:sp>
+      <p:sp>
+        <p:nvSpPr>
+          <p:cNvPr id="6" name="Textfeld 5">
+            <a:extLst>
+              <a:ext uri="{FF2B5EF4-FFF2-40B4-BE49-F238E27FC236}">
+                <a16:creationId xmlns:a16="http://schemas.microsoft.com/office/drawing/2014/main" id="{319D27F4-2089-49D3-A7CA-AE2AE1B2FD38}"/>
+              </a:ext>
+            </a:extLst>
+          </p:cNvPr>
+          <p:cNvSpPr txBox="1"/>
+          <p:nvPr/>
+        </p:nvSpPr>
+        <p:spPr>
+          <a:xfrm>
+            <a:off x="4982814" y="3766784"/>
+            <a:ext cx="2040835" cy="1200329"/>
+          </a:xfrm>
+          <a:prstGeom prst="rect">
+            <a:avLst/>
+          </a:prstGeom>
+          <a:noFill/>
+        </p:spPr>
+        <p:txBody>
+          <a:bodyPr wrap="square" rtlCol="0">
+            <a:spAutoFit/>
+          </a:bodyPr>
+          <a:lstStyle/>
+          <a:p>
+            <a:pPr algn="ctr"/>
+            <a:r>
+              <a:rPr lang="en-US" dirty="0">
+                <a:solidFill>
+                  <a:srgbClr val="083232"/>
+                </a:solidFill>
+              </a:rPr>
+              <a:t>Write “stateful” functions in a “</a:t>
+            </a:r>
+            <a:r>
+              <a:rPr lang="en-US" dirty="0">
+                <a:solidFill>
+                  <a:srgbClr val="5A536D"/>
+                </a:solidFill>
+              </a:rPr>
+              <a:t>serverless</a:t>
+            </a:r>
+            <a:r>
+              <a:rPr lang="en-US" dirty="0">
+                <a:solidFill>
+                  <a:srgbClr val="083232"/>
+                </a:solidFill>
+              </a:rPr>
+              <a:t>” environment</a:t>
+            </a:r>
+          </a:p>
+        </p:txBody>
+      </p:sp>
+      <p:sp>
+        <p:nvSpPr>
+          <p:cNvPr id="8" name="Textfeld 7">
+            <a:extLst>
+              <a:ext uri="{FF2B5EF4-FFF2-40B4-BE49-F238E27FC236}">
+                <a16:creationId xmlns:a16="http://schemas.microsoft.com/office/drawing/2014/main" id="{2AE5DD49-A884-4026-B173-256B4C69CD3C}"/>
+              </a:ext>
+            </a:extLst>
+          </p:cNvPr>
+          <p:cNvSpPr txBox="1"/>
+          <p:nvPr/>
+        </p:nvSpPr>
+        <p:spPr>
+          <a:xfrm>
+            <a:off x="1322585" y="3766784"/>
+            <a:ext cx="2040835" cy="646331"/>
+          </a:xfrm>
+          <a:prstGeom prst="rect">
+            <a:avLst/>
+          </a:prstGeom>
+          <a:noFill/>
+        </p:spPr>
+        <p:txBody>
+          <a:bodyPr wrap="square" rtlCol="0">
+            <a:spAutoFit/>
+          </a:bodyPr>
+          <a:lstStyle/>
+          <a:p>
+            <a:pPr algn="ctr"/>
+            <a:r>
+              <a:rPr lang="en-US" dirty="0">
+                <a:solidFill>
+                  <a:srgbClr val="083232"/>
+                </a:solidFill>
+              </a:rPr>
+              <a:t>An extension to </a:t>
+            </a:r>
+          </a:p>
+          <a:p>
+            <a:pPr algn="ctr"/>
+            <a:r>
+              <a:rPr lang="en-US" dirty="0">
+                <a:solidFill>
+                  <a:srgbClr val="5A536D"/>
+                </a:solidFill>
+              </a:rPr>
+              <a:t>Azure Functions</a:t>
+            </a:r>
+            <a:endParaRPr lang="de-DE" dirty="0">
+              <a:solidFill>
+                <a:srgbClr val="5A536D"/>
+              </a:solidFill>
+            </a:endParaRPr>
+          </a:p>
+        </p:txBody>
+      </p:sp>
+      <p:sp>
+        <p:nvSpPr>
+          <p:cNvPr id="9" name="Textfeld 8">
+            <a:extLst>
+              <a:ext uri="{FF2B5EF4-FFF2-40B4-BE49-F238E27FC236}">
+                <a16:creationId xmlns:a16="http://schemas.microsoft.com/office/drawing/2014/main" id="{9AC3AD73-C97D-47AD-A77D-28564B966E6A}"/>
+              </a:ext>
+            </a:extLst>
+          </p:cNvPr>
+          <p:cNvSpPr txBox="1"/>
+          <p:nvPr/>
+        </p:nvSpPr>
+        <p:spPr>
+          <a:xfrm>
+            <a:off x="8542620" y="3766784"/>
+            <a:ext cx="2040835" cy="646331"/>
+          </a:xfrm>
+          <a:prstGeom prst="rect">
+            <a:avLst/>
+          </a:prstGeom>
+          <a:noFill/>
+        </p:spPr>
+        <p:txBody>
+          <a:bodyPr wrap="square" rtlCol="0">
+            <a:spAutoFit/>
+          </a:bodyPr>
+          <a:lstStyle/>
+          <a:p>
+            <a:pPr algn="ctr"/>
+            <a:r>
+              <a:rPr lang="en-US" dirty="0">
+                <a:solidFill>
+                  <a:srgbClr val="083232"/>
+                </a:solidFill>
+              </a:rPr>
+              <a:t>Define workflows in code</a:t>
+            </a:r>
           </a:p>
         </p:txBody>
       </p:sp>
       <p:pic>
         <p:nvPicPr>
-          <p:cNvPr id="4" name="Grafik 3">
-            <a:extLst>
-              <a:ext uri="{FF2B5EF4-FFF2-40B4-BE49-F238E27FC236}">
-                <a16:creationId xmlns:a16="http://schemas.microsoft.com/office/drawing/2014/main" id="{1FF7E328-4759-4076-92B6-5239BE2FB849}"/>
+          <p:cNvPr id="10" name="Grafik 9">
+            <a:extLst>
+              <a:ext uri="{FF2B5EF4-FFF2-40B4-BE49-F238E27FC236}">
+                <a16:creationId xmlns:a16="http://schemas.microsoft.com/office/drawing/2014/main" id="{F5D7840C-286A-4EAC-A46B-D416765C7B19}"/>
               </a:ext>
             </a:extLst>
           </p:cNvPr>
@@ -7791,70 +8556,27 @@
           <p:nvPr/>
         </p:nvPicPr>
         <p:blipFill>
-          <a:blip r:embed="rId2">
-            <a:extLst>
-              <a:ext uri="{96DAC541-7B7A-43D3-8B79-37D633B846F1}">
-                <asvg:svgBlip xmlns:asvg="http://schemas.microsoft.com/office/drawing/2016/SVG/main" r:embed="rId3"/>
-              </a:ext>
-            </a:extLst>
-          </a:blip>
+          <a:blip r:embed="rId2"/>
           <a:stretch>
             <a:fillRect/>
           </a:stretch>
         </p:blipFill>
         <p:spPr>
           <a:xfrm>
-            <a:off x="3733803" y="1407941"/>
-            <a:ext cx="941143" cy="941143"/>
+            <a:off x="1425564" y="2145188"/>
+            <a:ext cx="1821624" cy="1283812"/>
           </a:xfrm>
           <a:prstGeom prst="rect">
             <a:avLst/>
           </a:prstGeom>
         </p:spPr>
       </p:pic>
-      <p:sp>
-        <p:nvSpPr>
-          <p:cNvPr id="5" name="Textfeld 4">
-            <a:extLst>
-              <a:ext uri="{FF2B5EF4-FFF2-40B4-BE49-F238E27FC236}">
-                <a16:creationId xmlns:a16="http://schemas.microsoft.com/office/drawing/2014/main" id="{FA68255B-EC52-444C-907C-E57690B433E0}"/>
-              </a:ext>
-            </a:extLst>
-          </p:cNvPr>
-          <p:cNvSpPr txBox="1"/>
-          <p:nvPr/>
-        </p:nvSpPr>
-        <p:spPr>
-          <a:xfrm>
-            <a:off x="3490406" y="2429959"/>
-            <a:ext cx="1427935" cy="400110"/>
-          </a:xfrm>
-          <a:prstGeom prst="rect">
-            <a:avLst/>
-          </a:prstGeom>
-          <a:noFill/>
-        </p:spPr>
-        <p:txBody>
-          <a:bodyPr wrap="square" rtlCol="0">
-            <a:spAutoFit/>
-          </a:bodyPr>
-          <a:lstStyle/>
-          <a:p>
-            <a:pPr algn="ctr"/>
-            <a:r>
-              <a:rPr lang="en-US" sz="2000" b="1" dirty="0"/>
-              <a:t>Functions</a:t>
-            </a:r>
-            <a:endParaRPr lang="de-DE" sz="2000" b="1" dirty="0"/>
-          </a:p>
-        </p:txBody>
-      </p:sp>
       <p:pic>
         <p:nvPicPr>
-          <p:cNvPr id="7" name="Grafik 6">
-            <a:extLst>
-              <a:ext uri="{FF2B5EF4-FFF2-40B4-BE49-F238E27FC236}">
-                <a16:creationId xmlns:a16="http://schemas.microsoft.com/office/drawing/2014/main" id="{2622374D-99DE-48A8-8B25-51B2D14E6AF6}"/>
+          <p:cNvPr id="11" name="Grafik 10">
+            <a:extLst>
+              <a:ext uri="{FF2B5EF4-FFF2-40B4-BE49-F238E27FC236}">
+                <a16:creationId xmlns:a16="http://schemas.microsoft.com/office/drawing/2014/main" id="{07B6C5A7-D2A3-4AEE-852D-67BE21D02D8E}"/>
               </a:ext>
             </a:extLst>
           </p:cNvPr>
@@ -7864,332 +8586,27 @@
           <p:nvPr/>
         </p:nvPicPr>
         <p:blipFill>
-          <a:blip r:embed="rId4">
-            <a:extLst>
-              <a:ext uri="{96DAC541-7B7A-43D3-8B79-37D633B846F1}">
-                <asvg:svgBlip xmlns:asvg="http://schemas.microsoft.com/office/drawing/2016/SVG/main" r:embed="rId5"/>
-              </a:ext>
-            </a:extLst>
-          </a:blip>
+          <a:blip r:embed="rId3"/>
           <a:stretch>
             <a:fillRect/>
           </a:stretch>
         </p:blipFill>
         <p:spPr>
           <a:xfrm>
-            <a:off x="7258531" y="1348561"/>
-            <a:ext cx="1027459" cy="1027459"/>
+            <a:off x="5245445" y="2074447"/>
+            <a:ext cx="1502323" cy="1354553"/>
           </a:xfrm>
           <a:prstGeom prst="rect">
             <a:avLst/>
           </a:prstGeom>
         </p:spPr>
       </p:pic>
-      <p:sp>
-        <p:nvSpPr>
-          <p:cNvPr id="8" name="Textfeld 7">
-            <a:extLst>
-              <a:ext uri="{FF2B5EF4-FFF2-40B4-BE49-F238E27FC236}">
-                <a16:creationId xmlns:a16="http://schemas.microsoft.com/office/drawing/2014/main" id="{4D52E358-F77A-4CF7-B3E6-44E918DE3753}"/>
-              </a:ext>
-            </a:extLst>
-          </p:cNvPr>
-          <p:cNvSpPr txBox="1"/>
-          <p:nvPr/>
-        </p:nvSpPr>
-        <p:spPr>
-          <a:xfrm>
-            <a:off x="6998651" y="2429959"/>
-            <a:ext cx="1547218" cy="400110"/>
-          </a:xfrm>
-          <a:prstGeom prst="rect">
-            <a:avLst/>
-          </a:prstGeom>
-          <a:noFill/>
-        </p:spPr>
-        <p:txBody>
-          <a:bodyPr wrap="none" rtlCol="0">
-            <a:spAutoFit/>
-          </a:bodyPr>
-          <a:lstStyle/>
-          <a:p>
-            <a:r>
-              <a:rPr lang="en-US" sz="2000" b="1" dirty="0"/>
-              <a:t>Logic Apps</a:t>
-            </a:r>
-            <a:endParaRPr lang="de-DE" sz="2000" b="1" dirty="0"/>
-          </a:p>
-        </p:txBody>
-      </p:sp>
-      <p:sp>
-        <p:nvSpPr>
-          <p:cNvPr id="9" name="Rechteck: abgerundete Ecken 8">
-            <a:extLst>
-              <a:ext uri="{FF2B5EF4-FFF2-40B4-BE49-F238E27FC236}">
-                <a16:creationId xmlns:a16="http://schemas.microsoft.com/office/drawing/2014/main" id="{984E12F7-8F42-49AF-A915-AB7A57F96779}"/>
-              </a:ext>
-            </a:extLst>
-          </p:cNvPr>
-          <p:cNvSpPr/>
-          <p:nvPr/>
-        </p:nvSpPr>
-        <p:spPr>
-          <a:xfrm>
-            <a:off x="2647124" y="3185308"/>
-            <a:ext cx="6646370" cy="530087"/>
-          </a:xfrm>
-          <a:prstGeom prst="roundRect">
-            <a:avLst>
-              <a:gd name="adj" fmla="val 11667"/>
-            </a:avLst>
-          </a:prstGeom>
-          <a:solidFill>
-            <a:srgbClr val="3F3658">
-              <a:alpha val="75000"/>
-            </a:srgbClr>
-          </a:solidFill>
-          <a:ln>
-            <a:solidFill>
-              <a:srgbClr val="FFD36F"/>
-            </a:solidFill>
-          </a:ln>
-          <a:effectLst>
-            <a:outerShdw blurRad="50800" dist="38100" dir="5400000" algn="t" rotWithShape="0">
-              <a:prstClr val="black">
-                <a:alpha val="40000"/>
-              </a:prstClr>
-            </a:outerShdw>
-          </a:effectLst>
-        </p:spPr>
-        <p:style>
-          <a:lnRef idx="2">
-            <a:schemeClr val="accent1">
-              <a:shade val="50000"/>
-            </a:schemeClr>
-          </a:lnRef>
-          <a:fillRef idx="1">
-            <a:schemeClr val="accent1"/>
-          </a:fillRef>
-          <a:effectRef idx="0">
-            <a:schemeClr val="accent1"/>
-          </a:effectRef>
-          <a:fontRef idx="minor">
-            <a:schemeClr val="lt1"/>
-          </a:fontRef>
-        </p:style>
-        <p:txBody>
-          <a:bodyPr rtlCol="0" anchor="ctr"/>
-          <a:lstStyle/>
-          <a:p>
-            <a:pPr algn="ctr"/>
-            <a:r>
-              <a:rPr lang="en-US" dirty="0">
-                <a:solidFill>
-                  <a:schemeClr val="bg1"/>
-                </a:solidFill>
-              </a:rPr>
-              <a:t>Both allows implementing advanced patterns</a:t>
-            </a:r>
-            <a:endParaRPr lang="de-DE" dirty="0">
-              <a:solidFill>
-                <a:schemeClr val="bg1"/>
-              </a:solidFill>
-            </a:endParaRPr>
-          </a:p>
-        </p:txBody>
-      </p:sp>
-      <p:sp>
-        <p:nvSpPr>
-          <p:cNvPr id="10" name="Rechteck: abgerundete Ecken 9">
-            <a:extLst>
-              <a:ext uri="{FF2B5EF4-FFF2-40B4-BE49-F238E27FC236}">
-                <a16:creationId xmlns:a16="http://schemas.microsoft.com/office/drawing/2014/main" id="{C88BD0AE-7D04-40C0-9C38-C89D4FE5532F}"/>
-              </a:ext>
-            </a:extLst>
-          </p:cNvPr>
-          <p:cNvSpPr/>
-          <p:nvPr/>
-        </p:nvSpPr>
-        <p:spPr>
-          <a:xfrm>
-            <a:off x="2647124" y="4019605"/>
-            <a:ext cx="3077815" cy="1324094"/>
-          </a:xfrm>
-          <a:prstGeom prst="roundRect">
-            <a:avLst>
-              <a:gd name="adj" fmla="val 7162"/>
-            </a:avLst>
-          </a:prstGeom>
-          <a:solidFill>
-            <a:srgbClr val="3F3658">
-              <a:alpha val="75000"/>
-            </a:srgbClr>
-          </a:solidFill>
-          <a:ln>
-            <a:solidFill>
-              <a:srgbClr val="FFD36F"/>
-            </a:solidFill>
-          </a:ln>
-          <a:effectLst>
-            <a:outerShdw blurRad="50800" dist="38100" dir="5400000" algn="t" rotWithShape="0">
-              <a:prstClr val="black">
-                <a:alpha val="40000"/>
-              </a:prstClr>
-            </a:outerShdw>
-          </a:effectLst>
-        </p:spPr>
-        <p:style>
-          <a:lnRef idx="2">
-            <a:schemeClr val="accent1">
-              <a:shade val="50000"/>
-            </a:schemeClr>
-          </a:lnRef>
-          <a:fillRef idx="1">
-            <a:schemeClr val="accent1"/>
-          </a:fillRef>
-          <a:effectRef idx="0">
-            <a:schemeClr val="accent1"/>
-          </a:effectRef>
-          <a:fontRef idx="minor">
-            <a:schemeClr val="lt1"/>
-          </a:fontRef>
-        </p:style>
-        <p:txBody>
-          <a:bodyPr rtlCol="0" anchor="ctr"/>
-          <a:lstStyle/>
-          <a:p>
-            <a:pPr marL="285750" indent="-285750">
-              <a:buFont typeface="Wingdings" panose="05000000000000000000" pitchFamily="2" charset="2"/>
-              <a:buChar char="§"/>
-            </a:pPr>
-            <a:r>
-              <a:rPr lang="en-US" dirty="0">
-                <a:solidFill>
-                  <a:schemeClr val="bg1"/>
-                </a:solidFill>
-              </a:rPr>
-              <a:t>C#, F# and JavaScript</a:t>
-            </a:r>
-          </a:p>
-          <a:p>
-            <a:pPr marL="285750" indent="-285750">
-              <a:buFont typeface="Wingdings" panose="05000000000000000000" pitchFamily="2" charset="2"/>
-              <a:buChar char="§"/>
-            </a:pPr>
-            <a:r>
-              <a:rPr lang="en-US" dirty="0">
-                <a:solidFill>
-                  <a:schemeClr val="bg1"/>
-                </a:solidFill>
-              </a:rPr>
-              <a:t>Bindings</a:t>
-            </a:r>
-            <a:endParaRPr lang="de-DE" dirty="0">
-              <a:solidFill>
-                <a:schemeClr val="bg1"/>
-              </a:solidFill>
-            </a:endParaRPr>
-          </a:p>
-        </p:txBody>
-      </p:sp>
-      <p:sp>
-        <p:nvSpPr>
-          <p:cNvPr id="13" name="Rechteck: abgerundete Ecken 12">
-            <a:extLst>
-              <a:ext uri="{FF2B5EF4-FFF2-40B4-BE49-F238E27FC236}">
-                <a16:creationId xmlns:a16="http://schemas.microsoft.com/office/drawing/2014/main" id="{FF8CC212-465B-41A0-B1F6-FA91420EEFA3}"/>
-              </a:ext>
-            </a:extLst>
-          </p:cNvPr>
-          <p:cNvSpPr/>
-          <p:nvPr/>
-        </p:nvSpPr>
-        <p:spPr>
-          <a:xfrm>
-            <a:off x="6215679" y="4019605"/>
-            <a:ext cx="3077815" cy="1324094"/>
-          </a:xfrm>
-          <a:prstGeom prst="roundRect">
-            <a:avLst>
-              <a:gd name="adj" fmla="val 7162"/>
-            </a:avLst>
-          </a:prstGeom>
-          <a:solidFill>
-            <a:srgbClr val="5A536D"/>
-          </a:solidFill>
-          <a:ln>
-            <a:solidFill>
-              <a:srgbClr val="FFD36F"/>
-            </a:solidFill>
-          </a:ln>
-          <a:effectLst>
-            <a:outerShdw blurRad="50800" dist="38100" dir="5400000" algn="t" rotWithShape="0">
-              <a:prstClr val="black">
-                <a:alpha val="40000"/>
-              </a:prstClr>
-            </a:outerShdw>
-          </a:effectLst>
-        </p:spPr>
-        <p:style>
-          <a:lnRef idx="2">
-            <a:schemeClr val="accent1">
-              <a:shade val="50000"/>
-            </a:schemeClr>
-          </a:lnRef>
-          <a:fillRef idx="1">
-            <a:schemeClr val="accent1"/>
-          </a:fillRef>
-          <a:effectRef idx="0">
-            <a:schemeClr val="accent1"/>
-          </a:effectRef>
-          <a:fontRef idx="minor">
-            <a:schemeClr val="lt1"/>
-          </a:fontRef>
-        </p:style>
-        <p:txBody>
-          <a:bodyPr rtlCol="0" anchor="ctr"/>
-          <a:lstStyle/>
-          <a:p>
-            <a:pPr marL="285750" indent="-285750">
-              <a:buFont typeface="Wingdings" panose="05000000000000000000" pitchFamily="2" charset="2"/>
-              <a:buChar char="§"/>
-            </a:pPr>
-            <a:r>
-              <a:rPr lang="en-US" dirty="0">
-                <a:solidFill>
-                  <a:schemeClr val="bg1"/>
-                </a:solidFill>
-              </a:rPr>
-              <a:t>Visual Designer and WDL</a:t>
-            </a:r>
-          </a:p>
-          <a:p>
-            <a:pPr marL="285750" indent="-285750">
-              <a:buFont typeface="Wingdings" panose="05000000000000000000" pitchFamily="2" charset="2"/>
-              <a:buChar char="§"/>
-            </a:pPr>
-            <a:r>
-              <a:rPr lang="en-US" dirty="0">
-                <a:solidFill>
-                  <a:schemeClr val="bg1"/>
-                </a:solidFill>
-              </a:rPr>
-              <a:t>200+ Connectors</a:t>
-            </a:r>
-            <a:endParaRPr lang="de-DE" dirty="0">
-              <a:solidFill>
-                <a:schemeClr val="bg1"/>
-              </a:solidFill>
-            </a:endParaRPr>
-          </a:p>
-        </p:txBody>
-      </p:sp>
       <p:pic>
         <p:nvPicPr>
-          <p:cNvPr id="15" name="Grafik 14">
-            <a:extLst>
-              <a:ext uri="{FF2B5EF4-FFF2-40B4-BE49-F238E27FC236}">
-                <a16:creationId xmlns:a16="http://schemas.microsoft.com/office/drawing/2014/main" id="{EA0CC5EC-14E9-476D-888C-32764EC31367}"/>
+          <p:cNvPr id="12" name="Grafik 11">
+            <a:extLst>
+              <a:ext uri="{FF2B5EF4-FFF2-40B4-BE49-F238E27FC236}">
+                <a16:creationId xmlns:a16="http://schemas.microsoft.com/office/drawing/2014/main" id="{BC97A0A7-C671-45FC-BED1-F412D3F12FD9}"/>
               </a:ext>
             </a:extLst>
           </p:cNvPr>
@@ -8199,21 +8616,15 @@
           <p:nvPr/>
         </p:nvPicPr>
         <p:blipFill>
-          <a:blip r:embed="rId6">
-            <a:extLst>
-              <a:ext uri="{28A0092B-C50C-407E-A947-70E740481C1C}">
-                <a14:useLocalDpi xmlns:a14="http://schemas.microsoft.com/office/drawing/2010/main" val="0"/>
-              </a:ext>
-            </a:extLst>
-          </a:blip>
+          <a:blip r:embed="rId4"/>
           <a:stretch>
             <a:fillRect/>
           </a:stretch>
         </p:blipFill>
         <p:spPr>
           <a:xfrm>
-            <a:off x="5524667" y="1538888"/>
-            <a:ext cx="679247" cy="679247"/>
+            <a:off x="8805251" y="2068200"/>
+            <a:ext cx="1502323" cy="1360800"/>
           </a:xfrm>
           <a:prstGeom prst="rect">
             <a:avLst/>
@@ -8223,137 +8634,13 @@
     </p:spTree>
     <p:extLst>
       <p:ext uri="{BB962C8B-B14F-4D97-AF65-F5344CB8AC3E}">
-        <p14:creationId xmlns:p14="http://schemas.microsoft.com/office/powerpoint/2010/main" val="727514719"/>
+        <p14:creationId xmlns:p14="http://schemas.microsoft.com/office/powerpoint/2010/main" val="2149780848"/>
       </p:ext>
     </p:extLst>
   </p:cSld>
   <p:clrMapOvr>
     <a:masterClrMapping/>
   </p:clrMapOvr>
-  <p:timing>
-    <p:tnLst>
-      <p:par>
-        <p:cTn id="1" dur="indefinite" restart="never" nodeType="tmRoot">
-          <p:childTnLst>
-            <p:seq concurrent="1" nextAc="seek">
-              <p:cTn id="2" dur="indefinite" nodeType="mainSeq">
-                <p:childTnLst>
-                  <p:par>
-                    <p:cTn id="3" fill="hold">
-                      <p:stCondLst>
-                        <p:cond delay="indefinite"/>
-                      </p:stCondLst>
-                      <p:childTnLst>
-                        <p:par>
-                          <p:cTn id="4" fill="hold">
-                            <p:stCondLst>
-                              <p:cond delay="0"/>
-                            </p:stCondLst>
-                            <p:childTnLst>
-                              <p:par>
-                                <p:cTn id="5" presetID="1" presetClass="entr" presetSubtype="0" fill="hold" grpId="0" nodeType="clickEffect">
-                                  <p:stCondLst>
-                                    <p:cond delay="0"/>
-                                  </p:stCondLst>
-                                  <p:childTnLst>
-                                    <p:set>
-                                      <p:cBhvr>
-                                        <p:cTn id="6" dur="1" fill="hold">
-                                          <p:stCondLst>
-                                            <p:cond delay="0"/>
-                                          </p:stCondLst>
-                                        </p:cTn>
-                                        <p:tgtEl>
-                                          <p:spTgt spid="10"/>
-                                        </p:tgtEl>
-                                        <p:attrNameLst>
-                                          <p:attrName>style.visibility</p:attrName>
-                                        </p:attrNameLst>
-                                      </p:cBhvr>
-                                      <p:to>
-                                        <p:strVal val="visible"/>
-                                      </p:to>
-                                    </p:set>
-                                  </p:childTnLst>
-                                </p:cTn>
-                              </p:par>
-                            </p:childTnLst>
-                          </p:cTn>
-                        </p:par>
-                      </p:childTnLst>
-                    </p:cTn>
-                  </p:par>
-                  <p:par>
-                    <p:cTn id="7" fill="hold">
-                      <p:stCondLst>
-                        <p:cond delay="indefinite"/>
-                      </p:stCondLst>
-                      <p:childTnLst>
-                        <p:par>
-                          <p:cTn id="8" fill="hold">
-                            <p:stCondLst>
-                              <p:cond delay="0"/>
-                            </p:stCondLst>
-                            <p:childTnLst>
-                              <p:par>
-                                <p:cTn id="9" presetID="1" presetClass="entr" presetSubtype="0" fill="hold" grpId="0" nodeType="clickEffect">
-                                  <p:stCondLst>
-                                    <p:cond delay="0"/>
-                                  </p:stCondLst>
-                                  <p:childTnLst>
-                                    <p:set>
-                                      <p:cBhvr>
-                                        <p:cTn id="10" dur="1" fill="hold">
-                                          <p:stCondLst>
-                                            <p:cond delay="0"/>
-                                          </p:stCondLst>
-                                        </p:cTn>
-                                        <p:tgtEl>
-                                          <p:spTgt spid="13"/>
-                                        </p:tgtEl>
-                                        <p:attrNameLst>
-                                          <p:attrName>style.visibility</p:attrName>
-                                        </p:attrNameLst>
-                                      </p:cBhvr>
-                                      <p:to>
-                                        <p:strVal val="visible"/>
-                                      </p:to>
-                                    </p:set>
-                                  </p:childTnLst>
-                                </p:cTn>
-                              </p:par>
-                            </p:childTnLst>
-                          </p:cTn>
-                        </p:par>
-                      </p:childTnLst>
-                    </p:cTn>
-                  </p:par>
-                </p:childTnLst>
-              </p:cTn>
-              <p:prevCondLst>
-                <p:cond evt="onPrev" delay="0">
-                  <p:tgtEl>
-                    <p:sldTgt/>
-                  </p:tgtEl>
-                </p:cond>
-              </p:prevCondLst>
-              <p:nextCondLst>
-                <p:cond evt="onNext" delay="0">
-                  <p:tgtEl>
-                    <p:sldTgt/>
-                  </p:tgtEl>
-                </p:cond>
-              </p:nextCondLst>
-            </p:seq>
-          </p:childTnLst>
-        </p:cTn>
-      </p:par>
-    </p:tnLst>
-    <p:bldLst>
-      <p:bldP spid="10" grpId="0" animBg="1"/>
-      <p:bldP spid="13" grpId="0" animBg="1"/>
-    </p:bldLst>
-  </p:timing>
 </p:sld>
 </file>
 

--- a/slides/Durable_Functions.pptx
+++ b/slides/Durable_Functions.pptx
@@ -14,7 +14,11 @@
     <p:sldId id="264" r:id="rId8"/>
     <p:sldId id="266" r:id="rId9"/>
     <p:sldId id="261" r:id="rId10"/>
-    <p:sldId id="267" r:id="rId11"/>
+    <p:sldId id="270" r:id="rId11"/>
+    <p:sldId id="271" r:id="rId12"/>
+    <p:sldId id="272" r:id="rId13"/>
+    <p:sldId id="273" r:id="rId14"/>
+    <p:sldId id="267" r:id="rId15"/>
   </p:sldIdLst>
   <p:sldSz cx="12192000" cy="6858000"/>
   <p:notesSz cx="6858000" cy="9144000"/>
@@ -3692,7 +3696,7 @@
           <a:prstGeom prst="line">
             <a:avLst/>
           </a:prstGeom>
-          <a:ln w="44450" cap="rnd">
+          <a:ln w="25400" cap="rnd">
             <a:solidFill>
               <a:srgbClr val="3F3658"/>
             </a:solidFill>
@@ -3815,6 +3819,1197 @@
 </file>
 
 <file path=ppt/slides/slide10.xml><?xml version="1.0" encoding="utf-8"?>
+<p:sld xmlns:a="http://schemas.openxmlformats.org/drawingml/2006/main" xmlns:r="http://schemas.openxmlformats.org/officeDocument/2006/relationships" xmlns:p="http://schemas.openxmlformats.org/presentationml/2006/main">
+  <p:cSld>
+    <p:spTree>
+      <p:nvGrpSpPr>
+        <p:cNvPr id="1" name=""/>
+        <p:cNvGrpSpPr/>
+        <p:nvPr/>
+      </p:nvGrpSpPr>
+      <p:grpSpPr>
+        <a:xfrm>
+          <a:off x="0" y="0"/>
+          <a:ext cx="0" cy="0"/>
+          <a:chOff x="0" y="0"/>
+          <a:chExt cx="0" cy="0"/>
+        </a:xfrm>
+      </p:grpSpPr>
+      <p:sp>
+        <p:nvSpPr>
+          <p:cNvPr id="3" name="Textplatzhalter 2">
+            <a:extLst>
+              <a:ext uri="{FF2B5EF4-FFF2-40B4-BE49-F238E27FC236}">
+                <a16:creationId xmlns:a16="http://schemas.microsoft.com/office/drawing/2014/main" id="{57625549-4941-4E12-AA37-2C694939FB57}"/>
+              </a:ext>
+            </a:extLst>
+          </p:cNvPr>
+          <p:cNvSpPr>
+            <a:spLocks noGrp="1"/>
+          </p:cNvSpPr>
+          <p:nvPr>
+            <p:ph type="body" sz="quarter" idx="13"/>
+          </p:nvPr>
+        </p:nvSpPr>
+        <p:spPr/>
+        <p:txBody>
+          <a:bodyPr>
+            <a:normAutofit/>
+          </a:bodyPr>
+          <a:lstStyle/>
+          <a:p>
+            <a:r>
+              <a:rPr lang="en-US" sz="2400" dirty="0"/>
+              <a:t>Durable Functions Basics</a:t>
+            </a:r>
+            <a:endParaRPr lang="de-DE" sz="2400" dirty="0"/>
+          </a:p>
+        </p:txBody>
+      </p:sp>
+      <p:pic>
+        <p:nvPicPr>
+          <p:cNvPr id="5" name="Grafik 4">
+            <a:extLst>
+              <a:ext uri="{FF2B5EF4-FFF2-40B4-BE49-F238E27FC236}">
+                <a16:creationId xmlns:a16="http://schemas.microsoft.com/office/drawing/2014/main" id="{305578A5-B054-4D6A-9E9B-425D70C98A7C}"/>
+              </a:ext>
+            </a:extLst>
+          </p:cNvPr>
+          <p:cNvPicPr>
+            <a:picLocks noChangeAspect="1"/>
+          </p:cNvPicPr>
+          <p:nvPr/>
+        </p:nvPicPr>
+        <p:blipFill>
+          <a:blip r:embed="rId2">
+            <a:extLst>
+              <a:ext uri="{28A0092B-C50C-407E-A947-70E740481C1C}">
+                <a14:useLocalDpi xmlns:a14="http://schemas.microsoft.com/office/drawing/2010/main" val="0"/>
+              </a:ext>
+            </a:extLst>
+          </a:blip>
+          <a:stretch>
+            <a:fillRect/>
+          </a:stretch>
+        </p:blipFill>
+        <p:spPr>
+          <a:xfrm>
+            <a:off x="987286" y="2604052"/>
+            <a:ext cx="1649896" cy="1649896"/>
+          </a:xfrm>
+          <a:prstGeom prst="rect">
+            <a:avLst/>
+          </a:prstGeom>
+        </p:spPr>
+      </p:pic>
+      <p:cxnSp>
+        <p:nvCxnSpPr>
+          <p:cNvPr id="6" name="Gerader Verbinder 5">
+            <a:extLst>
+              <a:ext uri="{FF2B5EF4-FFF2-40B4-BE49-F238E27FC236}">
+                <a16:creationId xmlns:a16="http://schemas.microsoft.com/office/drawing/2014/main" id="{B230473C-6B74-4169-8062-6A758FE1F4AC}"/>
+              </a:ext>
+            </a:extLst>
+          </p:cNvPr>
+          <p:cNvCxnSpPr>
+            <a:cxnSpLocks/>
+          </p:cNvCxnSpPr>
+          <p:nvPr/>
+        </p:nvCxnSpPr>
+        <p:spPr>
+          <a:xfrm>
+            <a:off x="3343788" y="1278517"/>
+            <a:ext cx="0" cy="4214509"/>
+          </a:xfrm>
+          <a:prstGeom prst="line">
+            <a:avLst/>
+          </a:prstGeom>
+          <a:ln w="25400" cap="rnd">
+            <a:solidFill>
+              <a:srgbClr val="3F3658"/>
+            </a:solidFill>
+          </a:ln>
+        </p:spPr>
+        <p:style>
+          <a:lnRef idx="1">
+            <a:schemeClr val="accent1"/>
+          </a:lnRef>
+          <a:fillRef idx="0">
+            <a:schemeClr val="accent1"/>
+          </a:fillRef>
+          <a:effectRef idx="0">
+            <a:schemeClr val="accent1"/>
+          </a:effectRef>
+          <a:fontRef idx="minor">
+            <a:schemeClr val="tx1"/>
+          </a:fontRef>
+        </p:style>
+      </p:cxnSp>
+      <p:sp>
+        <p:nvSpPr>
+          <p:cNvPr id="9" name="Textfeld 8">
+            <a:extLst>
+              <a:ext uri="{FF2B5EF4-FFF2-40B4-BE49-F238E27FC236}">
+                <a16:creationId xmlns:a16="http://schemas.microsoft.com/office/drawing/2014/main" id="{2868B512-7AD0-41BB-B2FA-6D895090D1D0}"/>
+              </a:ext>
+            </a:extLst>
+          </p:cNvPr>
+          <p:cNvSpPr txBox="1"/>
+          <p:nvPr/>
+        </p:nvSpPr>
+        <p:spPr>
+          <a:xfrm>
+            <a:off x="3882895" y="1722782"/>
+            <a:ext cx="5562741" cy="1231106"/>
+          </a:xfrm>
+          <a:prstGeom prst="rect">
+            <a:avLst/>
+          </a:prstGeom>
+          <a:noFill/>
+        </p:spPr>
+        <p:txBody>
+          <a:bodyPr wrap="none" rtlCol="0">
+            <a:spAutoFit/>
+          </a:bodyPr>
+          <a:lstStyle/>
+          <a:p>
+            <a:r>
+              <a:rPr lang="en-US" sz="2000" b="1" dirty="0">
+                <a:solidFill>
+                  <a:srgbClr val="5A536D"/>
+                </a:solidFill>
+              </a:rPr>
+              <a:t>Define Workflows in code</a:t>
+            </a:r>
+          </a:p>
+          <a:p>
+            <a:pPr marL="800100" lvl="1" indent="-342900">
+              <a:buFont typeface="Symbol" panose="05050102010706020507" pitchFamily="18" charset="2"/>
+              <a:buChar char="-"/>
+            </a:pPr>
+            <a:r>
+              <a:rPr lang="en-US" dirty="0">
+                <a:solidFill>
+                  <a:srgbClr val="083232"/>
+                </a:solidFill>
+              </a:rPr>
+              <a:t>Parallel executions</a:t>
+            </a:r>
+          </a:p>
+          <a:p>
+            <a:pPr marL="800100" lvl="1" indent="-342900">
+              <a:buFont typeface="Symbol" panose="05050102010706020507" pitchFamily="18" charset="2"/>
+              <a:buChar char="-"/>
+            </a:pPr>
+            <a:r>
+              <a:rPr lang="en-US" dirty="0">
+                <a:solidFill>
+                  <a:srgbClr val="083232"/>
+                </a:solidFill>
+              </a:rPr>
+              <a:t>Error handling</a:t>
+            </a:r>
+          </a:p>
+          <a:p>
+            <a:pPr marL="800100" lvl="1" indent="-342900">
+              <a:buFont typeface="Symbol" panose="05050102010706020507" pitchFamily="18" charset="2"/>
+              <a:buChar char="-"/>
+            </a:pPr>
+            <a:r>
+              <a:rPr lang="en-US" dirty="0">
+                <a:solidFill>
+                  <a:srgbClr val="083232"/>
+                </a:solidFill>
+              </a:rPr>
+              <a:t>Easily understood “Orchestrator Function”</a:t>
+            </a:r>
+            <a:endParaRPr lang="de-DE" dirty="0">
+              <a:solidFill>
+                <a:srgbClr val="083232"/>
+              </a:solidFill>
+            </a:endParaRPr>
+          </a:p>
+        </p:txBody>
+      </p:sp>
+      <p:sp>
+        <p:nvSpPr>
+          <p:cNvPr id="10" name="Textfeld 9">
+            <a:extLst>
+              <a:ext uri="{FF2B5EF4-FFF2-40B4-BE49-F238E27FC236}">
+                <a16:creationId xmlns:a16="http://schemas.microsoft.com/office/drawing/2014/main" id="{B54D208F-B792-4062-8274-CDD4A7B0716D}"/>
+              </a:ext>
+            </a:extLst>
+          </p:cNvPr>
+          <p:cNvSpPr txBox="1"/>
+          <p:nvPr/>
+        </p:nvSpPr>
+        <p:spPr>
+          <a:xfrm>
+            <a:off x="3882894" y="3045359"/>
+            <a:ext cx="4426212" cy="954107"/>
+          </a:xfrm>
+          <a:prstGeom prst="rect">
+            <a:avLst/>
+          </a:prstGeom>
+          <a:noFill/>
+        </p:spPr>
+        <p:txBody>
+          <a:bodyPr wrap="none" rtlCol="0">
+            <a:spAutoFit/>
+          </a:bodyPr>
+          <a:lstStyle/>
+          <a:p>
+            <a:r>
+              <a:rPr lang="en-US" sz="2000" b="1" dirty="0">
+                <a:solidFill>
+                  <a:srgbClr val="5A536D"/>
+                </a:solidFill>
+              </a:rPr>
+              <a:t>Supports many Workflow patterns</a:t>
+            </a:r>
+          </a:p>
+          <a:p>
+            <a:pPr marL="800100" lvl="1" indent="-342900">
+              <a:buFont typeface="Symbol" panose="05050102010706020507" pitchFamily="18" charset="2"/>
+              <a:buChar char="-"/>
+            </a:pPr>
+            <a:r>
+              <a:rPr lang="en-US" dirty="0">
+                <a:solidFill>
+                  <a:srgbClr val="083232"/>
+                </a:solidFill>
+              </a:rPr>
+              <a:t>Human interactions</a:t>
+            </a:r>
+          </a:p>
+          <a:p>
+            <a:pPr marL="800100" lvl="1" indent="-342900">
+              <a:buFont typeface="Symbol" panose="05050102010706020507" pitchFamily="18" charset="2"/>
+              <a:buChar char="-"/>
+            </a:pPr>
+            <a:r>
+              <a:rPr lang="en-US" dirty="0">
+                <a:solidFill>
+                  <a:srgbClr val="083232"/>
+                </a:solidFill>
+              </a:rPr>
+              <a:t>Fan-out/Fan-in</a:t>
+            </a:r>
+            <a:endParaRPr lang="de-DE" dirty="0">
+              <a:solidFill>
+                <a:srgbClr val="083232"/>
+              </a:solidFill>
+            </a:endParaRPr>
+          </a:p>
+        </p:txBody>
+      </p:sp>
+      <p:sp>
+        <p:nvSpPr>
+          <p:cNvPr id="11" name="Textfeld 10">
+            <a:extLst>
+              <a:ext uri="{FF2B5EF4-FFF2-40B4-BE49-F238E27FC236}">
+                <a16:creationId xmlns:a16="http://schemas.microsoft.com/office/drawing/2014/main" id="{3E5A03BE-0C45-4EB4-9834-4C930E7D3B60}"/>
+              </a:ext>
+            </a:extLst>
+          </p:cNvPr>
+          <p:cNvSpPr txBox="1"/>
+          <p:nvPr/>
+        </p:nvSpPr>
+        <p:spPr>
+          <a:xfrm>
+            <a:off x="3882894" y="4090937"/>
+            <a:ext cx="5782352" cy="954107"/>
+          </a:xfrm>
+          <a:prstGeom prst="rect">
+            <a:avLst/>
+          </a:prstGeom>
+          <a:noFill/>
+        </p:spPr>
+        <p:txBody>
+          <a:bodyPr wrap="none" rtlCol="0">
+            <a:spAutoFit/>
+          </a:bodyPr>
+          <a:lstStyle/>
+          <a:p>
+            <a:r>
+              <a:rPr lang="en-US" sz="2000" b="1" dirty="0">
+                <a:solidFill>
+                  <a:srgbClr val="5A536D"/>
+                </a:solidFill>
+              </a:rPr>
+              <a:t>Solves the state problem</a:t>
+            </a:r>
+          </a:p>
+          <a:p>
+            <a:pPr marL="800100" lvl="1" indent="-342900">
+              <a:buFont typeface="Symbol" panose="05050102010706020507" pitchFamily="18" charset="2"/>
+              <a:buChar char="-"/>
+            </a:pPr>
+            <a:r>
+              <a:rPr lang="en-US" dirty="0">
+                <a:solidFill>
+                  <a:srgbClr val="083232"/>
+                </a:solidFill>
+              </a:rPr>
+              <a:t>Tracks the workflow progress</a:t>
+            </a:r>
+          </a:p>
+          <a:p>
+            <a:pPr marL="800100" lvl="1" indent="-342900">
+              <a:buFont typeface="Symbol" panose="05050102010706020507" pitchFamily="18" charset="2"/>
+              <a:buChar char="-"/>
+            </a:pPr>
+            <a:r>
+              <a:rPr lang="en-US" dirty="0">
+                <a:solidFill>
+                  <a:srgbClr val="083232"/>
+                </a:solidFill>
+              </a:rPr>
+              <a:t>Much better in Azure Durable Functions 2.0 </a:t>
+            </a:r>
+            <a:endParaRPr lang="de-DE" dirty="0">
+              <a:solidFill>
+                <a:srgbClr val="083232"/>
+              </a:solidFill>
+            </a:endParaRPr>
+          </a:p>
+        </p:txBody>
+      </p:sp>
+      <p:pic>
+        <p:nvPicPr>
+          <p:cNvPr id="15" name="Grafik 14">
+            <a:extLst>
+              <a:ext uri="{FF2B5EF4-FFF2-40B4-BE49-F238E27FC236}">
+                <a16:creationId xmlns:a16="http://schemas.microsoft.com/office/drawing/2014/main" id="{EF01A897-C21A-4E6D-985D-61F7BE664A30}"/>
+              </a:ext>
+            </a:extLst>
+          </p:cNvPr>
+          <p:cNvPicPr>
+            <a:picLocks noChangeAspect="1"/>
+          </p:cNvPicPr>
+          <p:nvPr/>
+        </p:nvPicPr>
+        <p:blipFill>
+          <a:blip r:embed="rId3">
+            <a:extLst>
+              <a:ext uri="{28A0092B-C50C-407E-A947-70E740481C1C}">
+                <a14:useLocalDpi xmlns:a14="http://schemas.microsoft.com/office/drawing/2010/main" val="0"/>
+              </a:ext>
+            </a:extLst>
+          </a:blip>
+          <a:stretch>
+            <a:fillRect/>
+          </a:stretch>
+        </p:blipFill>
+        <p:spPr>
+          <a:xfrm>
+            <a:off x="9445636" y="4704522"/>
+            <a:ext cx="284922" cy="284922"/>
+          </a:xfrm>
+          <a:prstGeom prst="rect">
+            <a:avLst/>
+          </a:prstGeom>
+        </p:spPr>
+      </p:pic>
+    </p:spTree>
+    <p:extLst>
+      <p:ext uri="{BB962C8B-B14F-4D97-AF65-F5344CB8AC3E}">
+        <p14:creationId xmlns:p14="http://schemas.microsoft.com/office/powerpoint/2010/main" val="3175202962"/>
+      </p:ext>
+    </p:extLst>
+  </p:cSld>
+  <p:clrMapOvr>
+    <a:masterClrMapping/>
+  </p:clrMapOvr>
+  <p:timing>
+    <p:tnLst>
+      <p:par>
+        <p:cTn id="1" dur="indefinite" restart="never" nodeType="tmRoot">
+          <p:childTnLst>
+            <p:seq concurrent="1" nextAc="seek">
+              <p:cTn id="2" dur="indefinite" nodeType="mainSeq">
+                <p:childTnLst>
+                  <p:par>
+                    <p:cTn id="3" fill="hold">
+                      <p:stCondLst>
+                        <p:cond delay="indefinite"/>
+                      </p:stCondLst>
+                      <p:childTnLst>
+                        <p:par>
+                          <p:cTn id="4" fill="hold">
+                            <p:stCondLst>
+                              <p:cond delay="0"/>
+                            </p:stCondLst>
+                            <p:childTnLst>
+                              <p:par>
+                                <p:cTn id="5" presetID="1" presetClass="entr" presetSubtype="0" fill="hold" grpId="0" nodeType="clickEffect">
+                                  <p:stCondLst>
+                                    <p:cond delay="0"/>
+                                  </p:stCondLst>
+                                  <p:childTnLst>
+                                    <p:set>
+                                      <p:cBhvr>
+                                        <p:cTn id="6" dur="1" fill="hold">
+                                          <p:stCondLst>
+                                            <p:cond delay="0"/>
+                                          </p:stCondLst>
+                                        </p:cTn>
+                                        <p:tgtEl>
+                                          <p:spTgt spid="10"/>
+                                        </p:tgtEl>
+                                        <p:attrNameLst>
+                                          <p:attrName>style.visibility</p:attrName>
+                                        </p:attrNameLst>
+                                      </p:cBhvr>
+                                      <p:to>
+                                        <p:strVal val="visible"/>
+                                      </p:to>
+                                    </p:set>
+                                  </p:childTnLst>
+                                </p:cTn>
+                              </p:par>
+                            </p:childTnLst>
+                          </p:cTn>
+                        </p:par>
+                      </p:childTnLst>
+                    </p:cTn>
+                  </p:par>
+                  <p:par>
+                    <p:cTn id="7" fill="hold">
+                      <p:stCondLst>
+                        <p:cond delay="indefinite"/>
+                      </p:stCondLst>
+                      <p:childTnLst>
+                        <p:par>
+                          <p:cTn id="8" fill="hold">
+                            <p:stCondLst>
+                              <p:cond delay="0"/>
+                            </p:stCondLst>
+                            <p:childTnLst>
+                              <p:par>
+                                <p:cTn id="9" presetID="1" presetClass="entr" presetSubtype="0" fill="hold" grpId="0" nodeType="clickEffect">
+                                  <p:stCondLst>
+                                    <p:cond delay="0"/>
+                                  </p:stCondLst>
+                                  <p:childTnLst>
+                                    <p:set>
+                                      <p:cBhvr>
+                                        <p:cTn id="10" dur="1" fill="hold">
+                                          <p:stCondLst>
+                                            <p:cond delay="0"/>
+                                          </p:stCondLst>
+                                        </p:cTn>
+                                        <p:tgtEl>
+                                          <p:spTgt spid="11"/>
+                                        </p:tgtEl>
+                                        <p:attrNameLst>
+                                          <p:attrName>style.visibility</p:attrName>
+                                        </p:attrNameLst>
+                                      </p:cBhvr>
+                                      <p:to>
+                                        <p:strVal val="visible"/>
+                                      </p:to>
+                                    </p:set>
+                                  </p:childTnLst>
+                                </p:cTn>
+                              </p:par>
+                              <p:par>
+                                <p:cTn id="11" presetID="1" presetClass="entr" presetSubtype="0" fill="hold" nodeType="withEffect">
+                                  <p:stCondLst>
+                                    <p:cond delay="0"/>
+                                  </p:stCondLst>
+                                  <p:childTnLst>
+                                    <p:set>
+                                      <p:cBhvr>
+                                        <p:cTn id="12" dur="1" fill="hold">
+                                          <p:stCondLst>
+                                            <p:cond delay="0"/>
+                                          </p:stCondLst>
+                                        </p:cTn>
+                                        <p:tgtEl>
+                                          <p:spTgt spid="15"/>
+                                        </p:tgtEl>
+                                        <p:attrNameLst>
+                                          <p:attrName>style.visibility</p:attrName>
+                                        </p:attrNameLst>
+                                      </p:cBhvr>
+                                      <p:to>
+                                        <p:strVal val="visible"/>
+                                      </p:to>
+                                    </p:set>
+                                  </p:childTnLst>
+                                </p:cTn>
+                              </p:par>
+                            </p:childTnLst>
+                          </p:cTn>
+                        </p:par>
+                      </p:childTnLst>
+                    </p:cTn>
+                  </p:par>
+                </p:childTnLst>
+              </p:cTn>
+              <p:prevCondLst>
+                <p:cond evt="onPrev" delay="0">
+                  <p:tgtEl>
+                    <p:sldTgt/>
+                  </p:tgtEl>
+                </p:cond>
+              </p:prevCondLst>
+              <p:nextCondLst>
+                <p:cond evt="onNext" delay="0">
+                  <p:tgtEl>
+                    <p:sldTgt/>
+                  </p:tgtEl>
+                </p:cond>
+              </p:nextCondLst>
+            </p:seq>
+          </p:childTnLst>
+        </p:cTn>
+      </p:par>
+    </p:tnLst>
+    <p:bldLst>
+      <p:bldP spid="10" grpId="0"/>
+      <p:bldP spid="11" grpId="0"/>
+    </p:bldLst>
+  </p:timing>
+</p:sld>
+</file>
+
+<file path=ppt/slides/slide11.xml><?xml version="1.0" encoding="utf-8"?>
+<p:sld xmlns:a="http://schemas.openxmlformats.org/drawingml/2006/main" xmlns:r="http://schemas.openxmlformats.org/officeDocument/2006/relationships" xmlns:p="http://schemas.openxmlformats.org/presentationml/2006/main">
+  <p:cSld>
+    <p:spTree>
+      <p:nvGrpSpPr>
+        <p:cNvPr id="1" name=""/>
+        <p:cNvGrpSpPr/>
+        <p:nvPr/>
+      </p:nvGrpSpPr>
+      <p:grpSpPr>
+        <a:xfrm>
+          <a:off x="0" y="0"/>
+          <a:ext cx="0" cy="0"/>
+          <a:chOff x="0" y="0"/>
+          <a:chExt cx="0" cy="0"/>
+        </a:xfrm>
+      </p:grpSpPr>
+      <p:sp>
+        <p:nvSpPr>
+          <p:cNvPr id="3" name="Textplatzhalter 2">
+            <a:extLst>
+              <a:ext uri="{FF2B5EF4-FFF2-40B4-BE49-F238E27FC236}">
+                <a16:creationId xmlns:a16="http://schemas.microsoft.com/office/drawing/2014/main" id="{57625549-4941-4E12-AA37-2C694939FB57}"/>
+              </a:ext>
+            </a:extLst>
+          </p:cNvPr>
+          <p:cNvSpPr>
+            <a:spLocks noGrp="1"/>
+          </p:cNvSpPr>
+          <p:nvPr>
+            <p:ph type="body" sz="quarter" idx="13"/>
+          </p:nvPr>
+        </p:nvSpPr>
+        <p:spPr/>
+        <p:txBody>
+          <a:bodyPr>
+            <a:normAutofit/>
+          </a:bodyPr>
+          <a:lstStyle/>
+          <a:p>
+            <a:r>
+              <a:rPr lang="en-US" sz="2400" dirty="0"/>
+              <a:t>Azure Functions</a:t>
+            </a:r>
+            <a:endParaRPr lang="de-DE" sz="2400" dirty="0"/>
+          </a:p>
+        </p:txBody>
+      </p:sp>
+      <p:sp>
+        <p:nvSpPr>
+          <p:cNvPr id="25" name="Textfeld 24">
+            <a:extLst>
+              <a:ext uri="{FF2B5EF4-FFF2-40B4-BE49-F238E27FC236}">
+                <a16:creationId xmlns:a16="http://schemas.microsoft.com/office/drawing/2014/main" id="{BFE2375B-1562-4961-9873-23936DB1493A}"/>
+              </a:ext>
+            </a:extLst>
+          </p:cNvPr>
+          <p:cNvSpPr txBox="1"/>
+          <p:nvPr/>
+        </p:nvSpPr>
+        <p:spPr>
+          <a:xfrm>
+            <a:off x="3783495" y="2980155"/>
+            <a:ext cx="5368777" cy="369332"/>
+          </a:xfrm>
+          <a:prstGeom prst="rect">
+            <a:avLst/>
+          </a:prstGeom>
+          <a:noFill/>
+        </p:spPr>
+        <p:txBody>
+          <a:bodyPr wrap="none" rtlCol="0">
+            <a:spAutoFit/>
+          </a:bodyPr>
+          <a:lstStyle/>
+          <a:p>
+            <a:r>
+              <a:rPr lang="en-US" dirty="0"/>
+              <a:t>@Thomas: Kannst du </a:t>
+            </a:r>
+            <a:r>
+              <a:rPr lang="en-US" dirty="0" err="1"/>
+              <a:t>dir</a:t>
+            </a:r>
+            <a:r>
+              <a:rPr lang="en-US" dirty="0"/>
+              <a:t> das </a:t>
+            </a:r>
+            <a:r>
+              <a:rPr lang="en-US" dirty="0" err="1"/>
+              <a:t>hier</a:t>
+            </a:r>
+            <a:r>
+              <a:rPr lang="en-US" dirty="0"/>
+              <a:t> </a:t>
+            </a:r>
+            <a:r>
+              <a:rPr lang="en-US" dirty="0" err="1"/>
+              <a:t>zurecht</a:t>
+            </a:r>
+            <a:r>
+              <a:rPr lang="en-US" dirty="0"/>
+              <a:t> </a:t>
+            </a:r>
+            <a:r>
+              <a:rPr lang="en-US" dirty="0" err="1"/>
+              <a:t>bauen</a:t>
+            </a:r>
+            <a:r>
+              <a:rPr lang="en-US" dirty="0"/>
+              <a:t>?</a:t>
+            </a:r>
+            <a:endParaRPr lang="de-DE" dirty="0"/>
+          </a:p>
+        </p:txBody>
+      </p:sp>
+    </p:spTree>
+    <p:extLst>
+      <p:ext uri="{BB962C8B-B14F-4D97-AF65-F5344CB8AC3E}">
+        <p14:creationId xmlns:p14="http://schemas.microsoft.com/office/powerpoint/2010/main" val="1612099657"/>
+      </p:ext>
+    </p:extLst>
+  </p:cSld>
+  <p:clrMapOvr>
+    <a:masterClrMapping/>
+  </p:clrMapOvr>
+</p:sld>
+</file>
+
+<file path=ppt/slides/slide12.xml><?xml version="1.0" encoding="utf-8"?>
+<p:sld xmlns:a="http://schemas.openxmlformats.org/drawingml/2006/main" xmlns:r="http://schemas.openxmlformats.org/officeDocument/2006/relationships" xmlns:p="http://schemas.openxmlformats.org/presentationml/2006/main">
+  <p:cSld>
+    <p:spTree>
+      <p:nvGrpSpPr>
+        <p:cNvPr id="1" name=""/>
+        <p:cNvGrpSpPr/>
+        <p:nvPr/>
+      </p:nvGrpSpPr>
+      <p:grpSpPr>
+        <a:xfrm>
+          <a:off x="0" y="0"/>
+          <a:ext cx="0" cy="0"/>
+          <a:chOff x="0" y="0"/>
+          <a:chExt cx="0" cy="0"/>
+        </a:xfrm>
+      </p:grpSpPr>
+      <p:sp>
+        <p:nvSpPr>
+          <p:cNvPr id="3" name="Textplatzhalter 2">
+            <a:extLst>
+              <a:ext uri="{FF2B5EF4-FFF2-40B4-BE49-F238E27FC236}">
+                <a16:creationId xmlns:a16="http://schemas.microsoft.com/office/drawing/2014/main" id="{57625549-4941-4E12-AA37-2C694939FB57}"/>
+              </a:ext>
+            </a:extLst>
+          </p:cNvPr>
+          <p:cNvSpPr>
+            <a:spLocks noGrp="1"/>
+          </p:cNvSpPr>
+          <p:nvPr>
+            <p:ph type="body" sz="quarter" idx="13"/>
+          </p:nvPr>
+        </p:nvSpPr>
+        <p:spPr/>
+        <p:txBody>
+          <a:bodyPr>
+            <a:normAutofit/>
+          </a:bodyPr>
+          <a:lstStyle/>
+          <a:p>
+            <a:r>
+              <a:rPr lang="en-US" sz="2400" dirty="0"/>
+              <a:t>Benefits of Durable Functions</a:t>
+            </a:r>
+            <a:endParaRPr lang="de-DE" sz="2400" dirty="0"/>
+          </a:p>
+        </p:txBody>
+      </p:sp>
+      <p:pic>
+        <p:nvPicPr>
+          <p:cNvPr id="4" name="Grafik 3">
+            <a:extLst>
+              <a:ext uri="{FF2B5EF4-FFF2-40B4-BE49-F238E27FC236}">
+                <a16:creationId xmlns:a16="http://schemas.microsoft.com/office/drawing/2014/main" id="{F688EBDA-04D3-4F87-8C8E-763AB5547EA2}"/>
+              </a:ext>
+            </a:extLst>
+          </p:cNvPr>
+          <p:cNvPicPr>
+            <a:picLocks noChangeAspect="1"/>
+          </p:cNvPicPr>
+          <p:nvPr/>
+        </p:nvPicPr>
+        <p:blipFill>
+          <a:blip r:embed="rId2">
+            <a:extLst>
+              <a:ext uri="{28A0092B-C50C-407E-A947-70E740481C1C}">
+                <a14:useLocalDpi xmlns:a14="http://schemas.microsoft.com/office/drawing/2010/main" val="0"/>
+              </a:ext>
+            </a:extLst>
+          </a:blip>
+          <a:stretch>
+            <a:fillRect/>
+          </a:stretch>
+        </p:blipFill>
+        <p:spPr>
+          <a:xfrm>
+            <a:off x="838201" y="2476500"/>
+            <a:ext cx="1905000" cy="1905000"/>
+          </a:xfrm>
+          <a:prstGeom prst="rect">
+            <a:avLst/>
+          </a:prstGeom>
+        </p:spPr>
+      </p:pic>
+      <p:cxnSp>
+        <p:nvCxnSpPr>
+          <p:cNvPr id="6" name="Gerader Verbinder 5">
+            <a:extLst>
+              <a:ext uri="{FF2B5EF4-FFF2-40B4-BE49-F238E27FC236}">
+                <a16:creationId xmlns:a16="http://schemas.microsoft.com/office/drawing/2014/main" id="{7EFA8ABD-5F72-4B46-BE3A-27B92D0D2871}"/>
+              </a:ext>
+            </a:extLst>
+          </p:cNvPr>
+          <p:cNvCxnSpPr>
+            <a:cxnSpLocks/>
+          </p:cNvCxnSpPr>
+          <p:nvPr/>
+        </p:nvCxnSpPr>
+        <p:spPr>
+          <a:xfrm>
+            <a:off x="3343788" y="1278517"/>
+            <a:ext cx="0" cy="4585570"/>
+          </a:xfrm>
+          <a:prstGeom prst="line">
+            <a:avLst/>
+          </a:prstGeom>
+          <a:ln w="25400" cap="rnd">
+            <a:solidFill>
+              <a:srgbClr val="3F3658"/>
+            </a:solidFill>
+          </a:ln>
+        </p:spPr>
+        <p:style>
+          <a:lnRef idx="1">
+            <a:schemeClr val="accent1"/>
+          </a:lnRef>
+          <a:fillRef idx="0">
+            <a:schemeClr val="accent1"/>
+          </a:fillRef>
+          <a:effectRef idx="0">
+            <a:schemeClr val="accent1"/>
+          </a:effectRef>
+          <a:fontRef idx="minor">
+            <a:schemeClr val="tx1"/>
+          </a:fontRef>
+        </p:style>
+      </p:cxnSp>
+      <p:sp>
+        <p:nvSpPr>
+          <p:cNvPr id="7" name="Textfeld 6">
+            <a:extLst>
+              <a:ext uri="{FF2B5EF4-FFF2-40B4-BE49-F238E27FC236}">
+                <a16:creationId xmlns:a16="http://schemas.microsoft.com/office/drawing/2014/main" id="{3E5CCA95-BF7A-46E4-9279-89F179D25AE6}"/>
+              </a:ext>
+            </a:extLst>
+          </p:cNvPr>
+          <p:cNvSpPr txBox="1"/>
+          <p:nvPr/>
+        </p:nvSpPr>
+        <p:spPr>
+          <a:xfrm>
+            <a:off x="3882895" y="1481499"/>
+            <a:ext cx="5306261" cy="3808543"/>
+          </a:xfrm>
+          <a:prstGeom prst="rect">
+            <a:avLst/>
+          </a:prstGeom>
+          <a:noFill/>
+        </p:spPr>
+        <p:txBody>
+          <a:bodyPr wrap="none" rtlCol="0">
+            <a:spAutoFit/>
+          </a:bodyPr>
+          <a:lstStyle/>
+          <a:p>
+            <a:pPr marL="342900" indent="-342900">
+              <a:lnSpc>
+                <a:spcPct val="250000"/>
+              </a:lnSpc>
+              <a:buFont typeface="+mj-lt"/>
+              <a:buAutoNum type="arabicPeriod"/>
+            </a:pPr>
+            <a:r>
+              <a:rPr lang="en-US" sz="2000" dirty="0">
+                <a:solidFill>
+                  <a:srgbClr val="5A536D"/>
+                </a:solidFill>
+              </a:rPr>
+              <a:t>Define workflows in code</a:t>
+            </a:r>
+          </a:p>
+          <a:p>
+            <a:pPr marL="342900" indent="-342900">
+              <a:lnSpc>
+                <a:spcPct val="250000"/>
+              </a:lnSpc>
+              <a:buFont typeface="+mj-lt"/>
+              <a:buAutoNum type="arabicPeriod"/>
+            </a:pPr>
+            <a:r>
+              <a:rPr lang="en-US" sz="2000" dirty="0">
+                <a:solidFill>
+                  <a:srgbClr val="5A536D"/>
+                </a:solidFill>
+              </a:rPr>
+              <a:t>Easy to implement complex workflows</a:t>
+            </a:r>
+          </a:p>
+          <a:p>
+            <a:pPr marL="342900" indent="-342900">
+              <a:lnSpc>
+                <a:spcPct val="250000"/>
+              </a:lnSpc>
+              <a:buFont typeface="+mj-lt"/>
+              <a:buAutoNum type="arabicPeriod"/>
+            </a:pPr>
+            <a:r>
+              <a:rPr lang="en-US" sz="2000" dirty="0">
+                <a:solidFill>
+                  <a:srgbClr val="5A536D"/>
+                </a:solidFill>
+              </a:rPr>
+              <a:t>Consolidate exception handling</a:t>
+            </a:r>
+          </a:p>
+          <a:p>
+            <a:pPr marL="342900" indent="-342900">
+              <a:lnSpc>
+                <a:spcPct val="250000"/>
+              </a:lnSpc>
+              <a:buFont typeface="+mj-lt"/>
+              <a:buAutoNum type="arabicPeriod"/>
+            </a:pPr>
+            <a:r>
+              <a:rPr lang="en-US" sz="2000" dirty="0">
+                <a:solidFill>
+                  <a:srgbClr val="5A536D"/>
+                </a:solidFill>
+              </a:rPr>
+              <a:t>Check on progress or cancel workflow</a:t>
+            </a:r>
+          </a:p>
+          <a:p>
+            <a:pPr marL="342900" indent="-342900">
+              <a:lnSpc>
+                <a:spcPct val="250000"/>
+              </a:lnSpc>
+              <a:buFont typeface="+mj-lt"/>
+              <a:buAutoNum type="arabicPeriod"/>
+            </a:pPr>
+            <a:r>
+              <a:rPr lang="en-US" sz="2000" dirty="0">
+                <a:solidFill>
+                  <a:srgbClr val="5A536D"/>
+                </a:solidFill>
+              </a:rPr>
+              <a:t>Manage state for you</a:t>
+            </a:r>
+          </a:p>
+        </p:txBody>
+      </p:sp>
+    </p:spTree>
+    <p:extLst>
+      <p:ext uri="{BB962C8B-B14F-4D97-AF65-F5344CB8AC3E}">
+        <p14:creationId xmlns:p14="http://schemas.microsoft.com/office/powerpoint/2010/main" val="2003423784"/>
+      </p:ext>
+    </p:extLst>
+  </p:cSld>
+  <p:clrMapOvr>
+    <a:masterClrMapping/>
+  </p:clrMapOvr>
+</p:sld>
+</file>
+
+<file path=ppt/slides/slide13.xml><?xml version="1.0" encoding="utf-8"?>
+<p:sld xmlns:a="http://schemas.openxmlformats.org/drawingml/2006/main" xmlns:r="http://schemas.openxmlformats.org/officeDocument/2006/relationships" xmlns:p="http://schemas.openxmlformats.org/presentationml/2006/main">
+  <p:cSld>
+    <p:spTree>
+      <p:nvGrpSpPr>
+        <p:cNvPr id="1" name=""/>
+        <p:cNvGrpSpPr/>
+        <p:nvPr/>
+      </p:nvGrpSpPr>
+      <p:grpSpPr>
+        <a:xfrm>
+          <a:off x="0" y="0"/>
+          <a:ext cx="0" cy="0"/>
+          <a:chOff x="0" y="0"/>
+          <a:chExt cx="0" cy="0"/>
+        </a:xfrm>
+      </p:grpSpPr>
+      <p:sp>
+        <p:nvSpPr>
+          <p:cNvPr id="3" name="Textplatzhalter 2">
+            <a:extLst>
+              <a:ext uri="{FF2B5EF4-FFF2-40B4-BE49-F238E27FC236}">
+                <a16:creationId xmlns:a16="http://schemas.microsoft.com/office/drawing/2014/main" id="{57625549-4941-4E12-AA37-2C694939FB57}"/>
+              </a:ext>
+            </a:extLst>
+          </p:cNvPr>
+          <p:cNvSpPr>
+            <a:spLocks noGrp="1"/>
+          </p:cNvSpPr>
+          <p:nvPr>
+            <p:ph type="body" sz="quarter" idx="13"/>
+          </p:nvPr>
+        </p:nvSpPr>
+        <p:spPr/>
+        <p:txBody>
+          <a:bodyPr>
+            <a:normAutofit/>
+          </a:bodyPr>
+          <a:lstStyle/>
+          <a:p>
+            <a:r>
+              <a:rPr lang="en-US" sz="2400" dirty="0"/>
+              <a:t>Pains of Durable Functions</a:t>
+            </a:r>
+            <a:endParaRPr lang="de-DE" sz="2400" dirty="0"/>
+          </a:p>
+        </p:txBody>
+      </p:sp>
+      <p:cxnSp>
+        <p:nvCxnSpPr>
+          <p:cNvPr id="6" name="Gerader Verbinder 5">
+            <a:extLst>
+              <a:ext uri="{FF2B5EF4-FFF2-40B4-BE49-F238E27FC236}">
+                <a16:creationId xmlns:a16="http://schemas.microsoft.com/office/drawing/2014/main" id="{7EFA8ABD-5F72-4B46-BE3A-27B92D0D2871}"/>
+              </a:ext>
+            </a:extLst>
+          </p:cNvPr>
+          <p:cNvCxnSpPr>
+            <a:cxnSpLocks/>
+          </p:cNvCxnSpPr>
+          <p:nvPr/>
+        </p:nvCxnSpPr>
+        <p:spPr>
+          <a:xfrm>
+            <a:off x="3343788" y="1278517"/>
+            <a:ext cx="0" cy="4585570"/>
+          </a:xfrm>
+          <a:prstGeom prst="line">
+            <a:avLst/>
+          </a:prstGeom>
+          <a:ln w="25400" cap="rnd">
+            <a:solidFill>
+              <a:srgbClr val="3F3658"/>
+            </a:solidFill>
+          </a:ln>
+        </p:spPr>
+        <p:style>
+          <a:lnRef idx="1">
+            <a:schemeClr val="accent1"/>
+          </a:lnRef>
+          <a:fillRef idx="0">
+            <a:schemeClr val="accent1"/>
+          </a:fillRef>
+          <a:effectRef idx="0">
+            <a:schemeClr val="accent1"/>
+          </a:effectRef>
+          <a:fontRef idx="minor">
+            <a:schemeClr val="tx1"/>
+          </a:fontRef>
+        </p:style>
+      </p:cxnSp>
+      <p:sp>
+        <p:nvSpPr>
+          <p:cNvPr id="7" name="Textfeld 6">
+            <a:extLst>
+              <a:ext uri="{FF2B5EF4-FFF2-40B4-BE49-F238E27FC236}">
+                <a16:creationId xmlns:a16="http://schemas.microsoft.com/office/drawing/2014/main" id="{3E5CCA95-BF7A-46E4-9279-89F179D25AE6}"/>
+              </a:ext>
+            </a:extLst>
+          </p:cNvPr>
+          <p:cNvSpPr txBox="1"/>
+          <p:nvPr/>
+        </p:nvSpPr>
+        <p:spPr>
+          <a:xfrm>
+            <a:off x="3882895" y="1667030"/>
+            <a:ext cx="7553671" cy="3808543"/>
+          </a:xfrm>
+          <a:prstGeom prst="rect">
+            <a:avLst/>
+          </a:prstGeom>
+          <a:noFill/>
+        </p:spPr>
+        <p:txBody>
+          <a:bodyPr wrap="none" rtlCol="0">
+            <a:spAutoFit/>
+          </a:bodyPr>
+          <a:lstStyle/>
+          <a:p>
+            <a:pPr marL="342900" indent="-342900">
+              <a:lnSpc>
+                <a:spcPct val="250000"/>
+              </a:lnSpc>
+              <a:buFont typeface="+mj-lt"/>
+              <a:buAutoNum type="arabicPeriod"/>
+            </a:pPr>
+            <a:r>
+              <a:rPr lang="en-US" sz="2000" dirty="0">
+                <a:solidFill>
+                  <a:srgbClr val="5A536D"/>
+                </a:solidFill>
+              </a:rPr>
+              <a:t>Deployment with breaking changes</a:t>
+            </a:r>
+          </a:p>
+          <a:p>
+            <a:pPr marL="342900" indent="-342900">
+              <a:lnSpc>
+                <a:spcPct val="250000"/>
+              </a:lnSpc>
+              <a:buFont typeface="+mj-lt"/>
+              <a:buAutoNum type="arabicPeriod"/>
+            </a:pPr>
+            <a:r>
+              <a:rPr lang="en-US" sz="2000" dirty="0">
+                <a:solidFill>
+                  <a:srgbClr val="5A536D"/>
+                </a:solidFill>
+              </a:rPr>
+              <a:t>Versioning</a:t>
+            </a:r>
+          </a:p>
+          <a:p>
+            <a:pPr marL="342900" indent="-342900">
+              <a:lnSpc>
+                <a:spcPct val="250000"/>
+              </a:lnSpc>
+              <a:buFont typeface="+mj-lt"/>
+              <a:buAutoNum type="arabicPeriod"/>
+            </a:pPr>
+            <a:r>
+              <a:rPr lang="en-US" sz="2000" dirty="0">
+                <a:solidFill>
+                  <a:srgbClr val="5A536D"/>
+                </a:solidFill>
+              </a:rPr>
+              <a:t>Monitoring of the entire workflow or individual components</a:t>
+            </a:r>
+          </a:p>
+          <a:p>
+            <a:pPr marL="342900" indent="-342900">
+              <a:lnSpc>
+                <a:spcPct val="250000"/>
+              </a:lnSpc>
+              <a:buFont typeface="+mj-lt"/>
+              <a:buAutoNum type="arabicPeriod"/>
+            </a:pPr>
+            <a:r>
+              <a:rPr lang="en-US" sz="2000" dirty="0">
+                <a:solidFill>
+                  <a:srgbClr val="5A536D"/>
+                </a:solidFill>
+              </a:rPr>
+              <a:t>Keep Alive</a:t>
+            </a:r>
+          </a:p>
+          <a:p>
+            <a:pPr marL="342900" indent="-342900">
+              <a:lnSpc>
+                <a:spcPct val="250000"/>
+              </a:lnSpc>
+              <a:buFont typeface="+mj-lt"/>
+              <a:buAutoNum type="arabicPeriod"/>
+            </a:pPr>
+            <a:endParaRPr lang="en-US" sz="2000" dirty="0">
+              <a:solidFill>
+                <a:srgbClr val="5A536D"/>
+              </a:solidFill>
+            </a:endParaRPr>
+          </a:p>
+        </p:txBody>
+      </p:sp>
+      <p:pic>
+        <p:nvPicPr>
+          <p:cNvPr id="5" name="Grafik 4">
+            <a:extLst>
+              <a:ext uri="{FF2B5EF4-FFF2-40B4-BE49-F238E27FC236}">
+                <a16:creationId xmlns:a16="http://schemas.microsoft.com/office/drawing/2014/main" id="{D5CC8111-EBAC-4C1F-B935-528581FD210E}"/>
+              </a:ext>
+            </a:extLst>
+          </p:cNvPr>
+          <p:cNvPicPr>
+            <a:picLocks noChangeAspect="1"/>
+          </p:cNvPicPr>
+          <p:nvPr/>
+        </p:nvPicPr>
+        <p:blipFill>
+          <a:blip r:embed="rId2">
+            <a:extLst>
+              <a:ext uri="{28A0092B-C50C-407E-A947-70E740481C1C}">
+                <a14:useLocalDpi xmlns:a14="http://schemas.microsoft.com/office/drawing/2010/main" val="0"/>
+              </a:ext>
+            </a:extLst>
+          </a:blip>
+          <a:stretch>
+            <a:fillRect/>
+          </a:stretch>
+        </p:blipFill>
+        <p:spPr>
+          <a:xfrm>
+            <a:off x="838201" y="2433270"/>
+            <a:ext cx="1905000" cy="1905000"/>
+          </a:xfrm>
+          <a:prstGeom prst="rect">
+            <a:avLst/>
+          </a:prstGeom>
+        </p:spPr>
+      </p:pic>
+    </p:spTree>
+    <p:extLst>
+      <p:ext uri="{BB962C8B-B14F-4D97-AF65-F5344CB8AC3E}">
+        <p14:creationId xmlns:p14="http://schemas.microsoft.com/office/powerpoint/2010/main" val="3153771318"/>
+      </p:ext>
+    </p:extLst>
+  </p:cSld>
+  <p:clrMapOvr>
+    <a:masterClrMapping/>
+  </p:clrMapOvr>
+</p:sld>
+</file>
+
+<file path=ppt/slides/slide14.xml><?xml version="1.0" encoding="utf-8"?>
 <p:sld xmlns:a="http://schemas.openxmlformats.org/drawingml/2006/main" xmlns:r="http://schemas.openxmlformats.org/officeDocument/2006/relationships" xmlns:p="http://schemas.openxmlformats.org/presentationml/2006/main">
   <p:cSld>
     <p:spTree>

--- a/slides/Durable_Functions.pptx
+++ b/slides/Durable_Functions.pptx
@@ -4417,18 +4417,135 @@
           <a:p>
             <a:r>
               <a:rPr lang="en-US" sz="2400" dirty="0"/>
-              <a:t>Azure Functions</a:t>
+              <a:t>How Durable Functions work</a:t>
             </a:r>
             <a:endParaRPr lang="de-DE" sz="2400" dirty="0"/>
           </a:p>
         </p:txBody>
       </p:sp>
-      <p:sp>
-        <p:nvSpPr>
-          <p:cNvPr id="25" name="Textfeld 24">
-            <a:extLst>
-              <a:ext uri="{FF2B5EF4-FFF2-40B4-BE49-F238E27FC236}">
-                <a16:creationId xmlns:a16="http://schemas.microsoft.com/office/drawing/2014/main" id="{BFE2375B-1562-4961-9873-23936DB1493A}"/>
+      <p:pic>
+        <p:nvPicPr>
+          <p:cNvPr id="4" name="Grafik 3">
+            <a:extLst>
+              <a:ext uri="{FF2B5EF4-FFF2-40B4-BE49-F238E27FC236}">
+                <a16:creationId xmlns:a16="http://schemas.microsoft.com/office/drawing/2014/main" id="{E374222B-04BB-4FBA-ACD8-A633F76AFA97}"/>
+              </a:ext>
+            </a:extLst>
+          </p:cNvPr>
+          <p:cNvPicPr>
+            <a:picLocks noChangeAspect="1"/>
+          </p:cNvPicPr>
+          <p:nvPr/>
+        </p:nvPicPr>
+        <p:blipFill>
+          <a:blip r:embed="rId2">
+            <a:extLst>
+              <a:ext uri="{96DAC541-7B7A-43D3-8B79-37D633B846F1}">
+                <asvg:svgBlip xmlns:asvg="http://schemas.microsoft.com/office/drawing/2016/SVG/main" r:embed="rId3"/>
+              </a:ext>
+            </a:extLst>
+          </a:blip>
+          <a:stretch>
+            <a:fillRect/>
+          </a:stretch>
+        </p:blipFill>
+        <p:spPr>
+          <a:xfrm>
+            <a:off x="2242933" y="2895598"/>
+            <a:ext cx="798287" cy="798287"/>
+          </a:xfrm>
+          <a:prstGeom prst="rect">
+            <a:avLst/>
+          </a:prstGeom>
+        </p:spPr>
+      </p:pic>
+      <p:pic>
+        <p:nvPicPr>
+          <p:cNvPr id="5" name="Grafik 4">
+            <a:extLst>
+              <a:ext uri="{FF2B5EF4-FFF2-40B4-BE49-F238E27FC236}">
+                <a16:creationId xmlns:a16="http://schemas.microsoft.com/office/drawing/2014/main" id="{6348FD8E-8C26-4A95-A913-D67E35110F8B}"/>
+              </a:ext>
+            </a:extLst>
+          </p:cNvPr>
+          <p:cNvPicPr>
+            <a:picLocks noChangeAspect="1"/>
+          </p:cNvPicPr>
+          <p:nvPr/>
+        </p:nvPicPr>
+        <p:blipFill>
+          <a:blip r:embed="rId2">
+            <a:extLst>
+              <a:ext uri="{96DAC541-7B7A-43D3-8B79-37D633B846F1}">
+                <asvg:svgBlip xmlns:asvg="http://schemas.microsoft.com/office/drawing/2016/SVG/main" r:embed="rId3"/>
+              </a:ext>
+            </a:extLst>
+          </a:blip>
+          <a:stretch>
+            <a:fillRect/>
+          </a:stretch>
+        </p:blipFill>
+        <p:spPr>
+          <a:xfrm>
+            <a:off x="4982972" y="2895598"/>
+            <a:ext cx="798287" cy="798287"/>
+          </a:xfrm>
+          <a:prstGeom prst="rect">
+            <a:avLst/>
+          </a:prstGeom>
+        </p:spPr>
+      </p:pic>
+      <p:cxnSp>
+        <p:nvCxnSpPr>
+          <p:cNvPr id="6" name="Gerade Verbindung mit Pfeil 5">
+            <a:extLst>
+              <a:ext uri="{FF2B5EF4-FFF2-40B4-BE49-F238E27FC236}">
+                <a16:creationId xmlns:a16="http://schemas.microsoft.com/office/drawing/2014/main" id="{6D6C227D-ED98-43EF-A43C-46B5C1ABEFB1}"/>
+              </a:ext>
+            </a:extLst>
+          </p:cNvPr>
+          <p:cNvCxnSpPr>
+            <a:cxnSpLocks/>
+          </p:cNvCxnSpPr>
+          <p:nvPr/>
+        </p:nvCxnSpPr>
+        <p:spPr>
+          <a:xfrm>
+            <a:off x="3154018" y="3294740"/>
+            <a:ext cx="1716156" cy="1"/>
+          </a:xfrm>
+          <a:prstGeom prst="straightConnector1">
+            <a:avLst/>
+          </a:prstGeom>
+          <a:ln w="31750">
+            <a:solidFill>
+              <a:srgbClr val="FFC000"/>
+            </a:solidFill>
+            <a:prstDash val="dash"/>
+            <a:tailEnd type="triangle"/>
+          </a:ln>
+        </p:spPr>
+        <p:style>
+          <a:lnRef idx="1">
+            <a:schemeClr val="accent1"/>
+          </a:lnRef>
+          <a:fillRef idx="0">
+            <a:schemeClr val="accent1"/>
+          </a:fillRef>
+          <a:effectRef idx="0">
+            <a:schemeClr val="accent1"/>
+          </a:effectRef>
+          <a:fontRef idx="minor">
+            <a:schemeClr val="tx1"/>
+          </a:fontRef>
+        </p:style>
+      </p:cxnSp>
+      <p:sp>
+        <p:nvSpPr>
+          <p:cNvPr id="8" name="Textfeld 7">
+            <a:extLst>
+              <a:ext uri="{FF2B5EF4-FFF2-40B4-BE49-F238E27FC236}">
+                <a16:creationId xmlns:a16="http://schemas.microsoft.com/office/drawing/2014/main" id="{A6C3F332-3797-4DA3-89A4-114B10D01922}"/>
               </a:ext>
             </a:extLst>
           </p:cNvPr>
@@ -4437,8 +4554,8 @@
         </p:nvSpPr>
         <p:spPr>
           <a:xfrm>
-            <a:off x="3783495" y="2980155"/>
-            <a:ext cx="5368777" cy="369332"/>
+            <a:off x="3296177" y="2603210"/>
+            <a:ext cx="1471878" cy="584775"/>
           </a:xfrm>
           <a:prstGeom prst="rect">
             <a:avLst/>
@@ -4451,43 +4568,498 @@
           </a:bodyPr>
           <a:lstStyle/>
           <a:p>
-            <a:r>
-              <a:rPr lang="en-US" dirty="0"/>
-              <a:t>@Thomas: Kannst du </a:t>
-            </a:r>
-            <a:r>
-              <a:rPr lang="en-US" dirty="0" err="1"/>
-              <a:t>dir</a:t>
-            </a:r>
-            <a:r>
-              <a:rPr lang="en-US" dirty="0"/>
-              <a:t> das </a:t>
-            </a:r>
-            <a:r>
-              <a:rPr lang="en-US" dirty="0" err="1"/>
-              <a:t>hier</a:t>
-            </a:r>
-            <a:r>
-              <a:rPr lang="en-US" dirty="0"/>
-              <a:t> </a:t>
-            </a:r>
-            <a:r>
-              <a:rPr lang="en-US" dirty="0" err="1"/>
-              <a:t>zurecht</a:t>
-            </a:r>
-            <a:r>
-              <a:rPr lang="en-US" dirty="0"/>
-              <a:t> </a:t>
-            </a:r>
-            <a:r>
-              <a:rPr lang="en-US" dirty="0" err="1"/>
-              <a:t>bauen</a:t>
-            </a:r>
-            <a:r>
-              <a:rPr lang="en-US" dirty="0"/>
-              <a:t>?</a:t>
-            </a:r>
-            <a:endParaRPr lang="de-DE" dirty="0"/>
+            <a:pPr algn="ctr"/>
+            <a:r>
+              <a:rPr lang="en-US" sz="1600" dirty="0">
+                <a:solidFill>
+                  <a:srgbClr val="5A536D"/>
+                </a:solidFill>
+              </a:rPr>
+              <a:t>Orchestration</a:t>
+            </a:r>
+            <a:br>
+              <a:rPr lang="en-US" sz="1600" dirty="0">
+                <a:solidFill>
+                  <a:srgbClr val="5A536D"/>
+                </a:solidFill>
+              </a:rPr>
+            </a:br>
+            <a:r>
+              <a:rPr lang="en-US" sz="1600" dirty="0">
+                <a:solidFill>
+                  <a:srgbClr val="5A536D"/>
+                </a:solidFill>
+              </a:rPr>
+              <a:t>Client</a:t>
+            </a:r>
+            <a:endParaRPr lang="de-DE" sz="1600" dirty="0">
+              <a:solidFill>
+                <a:srgbClr val="5A536D"/>
+              </a:solidFill>
+            </a:endParaRPr>
+          </a:p>
+        </p:txBody>
+      </p:sp>
+      <p:pic>
+        <p:nvPicPr>
+          <p:cNvPr id="10" name="Grafik 9">
+            <a:extLst>
+              <a:ext uri="{FF2B5EF4-FFF2-40B4-BE49-F238E27FC236}">
+                <a16:creationId xmlns:a16="http://schemas.microsoft.com/office/drawing/2014/main" id="{DC393A85-021A-4DC0-AE64-3C47897A69C7}"/>
+              </a:ext>
+            </a:extLst>
+          </p:cNvPr>
+          <p:cNvPicPr>
+            <a:picLocks noChangeAspect="1"/>
+          </p:cNvPicPr>
+          <p:nvPr/>
+        </p:nvPicPr>
+        <p:blipFill>
+          <a:blip r:embed="rId2">
+            <a:extLst>
+              <a:ext uri="{96DAC541-7B7A-43D3-8B79-37D633B846F1}">
+                <asvg:svgBlip xmlns:asvg="http://schemas.microsoft.com/office/drawing/2016/SVG/main" r:embed="rId3"/>
+              </a:ext>
+            </a:extLst>
+          </a:blip>
+          <a:stretch>
+            <a:fillRect/>
+          </a:stretch>
+        </p:blipFill>
+        <p:spPr>
+          <a:xfrm>
+            <a:off x="8749600" y="2028604"/>
+            <a:ext cx="798287" cy="798287"/>
+          </a:xfrm>
+          <a:prstGeom prst="rect">
+            <a:avLst/>
+          </a:prstGeom>
+        </p:spPr>
+      </p:pic>
+      <p:pic>
+        <p:nvPicPr>
+          <p:cNvPr id="11" name="Grafik 10">
+            <a:extLst>
+              <a:ext uri="{FF2B5EF4-FFF2-40B4-BE49-F238E27FC236}">
+                <a16:creationId xmlns:a16="http://schemas.microsoft.com/office/drawing/2014/main" id="{9F004AE7-7D76-40E1-AD9F-AE9D5088551E}"/>
+              </a:ext>
+            </a:extLst>
+          </p:cNvPr>
+          <p:cNvPicPr>
+            <a:picLocks noChangeAspect="1"/>
+          </p:cNvPicPr>
+          <p:nvPr/>
+        </p:nvPicPr>
+        <p:blipFill>
+          <a:blip r:embed="rId2">
+            <a:extLst>
+              <a:ext uri="{96DAC541-7B7A-43D3-8B79-37D633B846F1}">
+                <asvg:svgBlip xmlns:asvg="http://schemas.microsoft.com/office/drawing/2016/SVG/main" r:embed="rId3"/>
+              </a:ext>
+            </a:extLst>
+          </a:blip>
+          <a:stretch>
+            <a:fillRect/>
+          </a:stretch>
+        </p:blipFill>
+        <p:spPr>
+          <a:xfrm>
+            <a:off x="8749601" y="2895598"/>
+            <a:ext cx="798287" cy="798287"/>
+          </a:xfrm>
+          <a:prstGeom prst="rect">
+            <a:avLst/>
+          </a:prstGeom>
+        </p:spPr>
+      </p:pic>
+      <p:pic>
+        <p:nvPicPr>
+          <p:cNvPr id="12" name="Grafik 11">
+            <a:extLst>
+              <a:ext uri="{FF2B5EF4-FFF2-40B4-BE49-F238E27FC236}">
+                <a16:creationId xmlns:a16="http://schemas.microsoft.com/office/drawing/2014/main" id="{91416C95-4D21-4214-943C-CE7581A9BEEC}"/>
+              </a:ext>
+            </a:extLst>
+          </p:cNvPr>
+          <p:cNvPicPr>
+            <a:picLocks noChangeAspect="1"/>
+          </p:cNvPicPr>
+          <p:nvPr/>
+        </p:nvPicPr>
+        <p:blipFill>
+          <a:blip r:embed="rId2">
+            <a:extLst>
+              <a:ext uri="{96DAC541-7B7A-43D3-8B79-37D633B846F1}">
+                <asvg:svgBlip xmlns:asvg="http://schemas.microsoft.com/office/drawing/2016/SVG/main" r:embed="rId3"/>
+              </a:ext>
+            </a:extLst>
+          </a:blip>
+          <a:stretch>
+            <a:fillRect/>
+          </a:stretch>
+        </p:blipFill>
+        <p:spPr>
+          <a:xfrm>
+            <a:off x="8747866" y="3762592"/>
+            <a:ext cx="798287" cy="798287"/>
+          </a:xfrm>
+          <a:prstGeom prst="rect">
+            <a:avLst/>
+          </a:prstGeom>
+        </p:spPr>
+      </p:pic>
+      <p:cxnSp>
+        <p:nvCxnSpPr>
+          <p:cNvPr id="14" name="Gerade Verbindung mit Pfeil 13">
+            <a:extLst>
+              <a:ext uri="{FF2B5EF4-FFF2-40B4-BE49-F238E27FC236}">
+                <a16:creationId xmlns:a16="http://schemas.microsoft.com/office/drawing/2014/main" id="{A1F014BB-3988-4829-9F04-46B908348145}"/>
+              </a:ext>
+            </a:extLst>
+          </p:cNvPr>
+          <p:cNvCxnSpPr>
+            <a:cxnSpLocks/>
+          </p:cNvCxnSpPr>
+          <p:nvPr/>
+        </p:nvCxnSpPr>
+        <p:spPr>
+          <a:xfrm flipV="1">
+            <a:off x="6036216" y="2427747"/>
+            <a:ext cx="2571071" cy="708123"/>
+          </a:xfrm>
+          <a:prstGeom prst="straightConnector1">
+            <a:avLst/>
+          </a:prstGeom>
+          <a:ln w="31750">
+            <a:solidFill>
+              <a:srgbClr val="FFC000"/>
+            </a:solidFill>
+            <a:prstDash val="dash"/>
+            <a:tailEnd type="triangle"/>
+          </a:ln>
+        </p:spPr>
+        <p:style>
+          <a:lnRef idx="1">
+            <a:schemeClr val="accent1"/>
+          </a:lnRef>
+          <a:fillRef idx="0">
+            <a:schemeClr val="accent1"/>
+          </a:fillRef>
+          <a:effectRef idx="0">
+            <a:schemeClr val="accent1"/>
+          </a:effectRef>
+          <a:fontRef idx="minor">
+            <a:schemeClr val="tx1"/>
+          </a:fontRef>
+        </p:style>
+      </p:cxnSp>
+      <p:cxnSp>
+        <p:nvCxnSpPr>
+          <p:cNvPr id="15" name="Gerade Verbindung mit Pfeil 14">
+            <a:extLst>
+              <a:ext uri="{FF2B5EF4-FFF2-40B4-BE49-F238E27FC236}">
+                <a16:creationId xmlns:a16="http://schemas.microsoft.com/office/drawing/2014/main" id="{0231F3DE-A385-49A8-A187-705BCC6758EC}"/>
+              </a:ext>
+            </a:extLst>
+          </p:cNvPr>
+          <p:cNvCxnSpPr>
+            <a:cxnSpLocks/>
+          </p:cNvCxnSpPr>
+          <p:nvPr/>
+        </p:nvCxnSpPr>
+        <p:spPr>
+          <a:xfrm>
+            <a:off x="6036216" y="3294740"/>
+            <a:ext cx="2571071" cy="0"/>
+          </a:xfrm>
+          <a:prstGeom prst="straightConnector1">
+            <a:avLst/>
+          </a:prstGeom>
+          <a:ln w="31750">
+            <a:solidFill>
+              <a:srgbClr val="FFC000"/>
+            </a:solidFill>
+            <a:prstDash val="dash"/>
+            <a:tailEnd type="triangle"/>
+          </a:ln>
+        </p:spPr>
+        <p:style>
+          <a:lnRef idx="1">
+            <a:schemeClr val="accent1"/>
+          </a:lnRef>
+          <a:fillRef idx="0">
+            <a:schemeClr val="accent1"/>
+          </a:fillRef>
+          <a:effectRef idx="0">
+            <a:schemeClr val="accent1"/>
+          </a:effectRef>
+          <a:fontRef idx="minor">
+            <a:schemeClr val="tx1"/>
+          </a:fontRef>
+        </p:style>
+      </p:cxnSp>
+      <p:cxnSp>
+        <p:nvCxnSpPr>
+          <p:cNvPr id="16" name="Gerade Verbindung mit Pfeil 15">
+            <a:extLst>
+              <a:ext uri="{FF2B5EF4-FFF2-40B4-BE49-F238E27FC236}">
+                <a16:creationId xmlns:a16="http://schemas.microsoft.com/office/drawing/2014/main" id="{51459F41-8C92-42BF-973C-B9C5C21A8ABF}"/>
+              </a:ext>
+            </a:extLst>
+          </p:cNvPr>
+          <p:cNvCxnSpPr>
+            <a:cxnSpLocks/>
+          </p:cNvCxnSpPr>
+          <p:nvPr/>
+        </p:nvCxnSpPr>
+        <p:spPr>
+          <a:xfrm>
+            <a:off x="6036216" y="3453609"/>
+            <a:ext cx="2571071" cy="661190"/>
+          </a:xfrm>
+          <a:prstGeom prst="straightConnector1">
+            <a:avLst/>
+          </a:prstGeom>
+          <a:ln w="31750">
+            <a:solidFill>
+              <a:srgbClr val="FFC000"/>
+            </a:solidFill>
+            <a:prstDash val="dash"/>
+            <a:tailEnd type="triangle"/>
+          </a:ln>
+        </p:spPr>
+        <p:style>
+          <a:lnRef idx="1">
+            <a:schemeClr val="accent1"/>
+          </a:lnRef>
+          <a:fillRef idx="0">
+            <a:schemeClr val="accent1"/>
+          </a:fillRef>
+          <a:effectRef idx="0">
+            <a:schemeClr val="accent1"/>
+          </a:effectRef>
+          <a:fontRef idx="minor">
+            <a:schemeClr val="tx1"/>
+          </a:fontRef>
+        </p:style>
+      </p:cxnSp>
+      <p:sp>
+        <p:nvSpPr>
+          <p:cNvPr id="21" name="Textfeld 20">
+            <a:extLst>
+              <a:ext uri="{FF2B5EF4-FFF2-40B4-BE49-F238E27FC236}">
+                <a16:creationId xmlns:a16="http://schemas.microsoft.com/office/drawing/2014/main" id="{65EDD617-D29D-433A-A1CA-046613F85663}"/>
+              </a:ext>
+            </a:extLst>
+          </p:cNvPr>
+          <p:cNvSpPr txBox="1"/>
+          <p:nvPr/>
+        </p:nvSpPr>
+        <p:spPr>
+          <a:xfrm>
+            <a:off x="1790723" y="3761961"/>
+            <a:ext cx="1702709" cy="584775"/>
+          </a:xfrm>
+          <a:prstGeom prst="rect">
+            <a:avLst/>
+          </a:prstGeom>
+          <a:noFill/>
+        </p:spPr>
+        <p:txBody>
+          <a:bodyPr wrap="none" rtlCol="0">
+            <a:spAutoFit/>
+          </a:bodyPr>
+          <a:lstStyle/>
+          <a:p>
+            <a:pPr algn="ctr"/>
+            <a:r>
+              <a:rPr lang="en-US" sz="1600" dirty="0"/>
+              <a:t>HTTP Triggered</a:t>
+            </a:r>
+            <a:br>
+              <a:rPr lang="en-US" sz="1600" dirty="0"/>
+            </a:br>
+            <a:r>
+              <a:rPr lang="en-US" sz="1600" dirty="0"/>
+              <a:t>Azure Function</a:t>
+            </a:r>
+            <a:endParaRPr lang="de-DE" sz="1600" dirty="0"/>
+          </a:p>
+        </p:txBody>
+      </p:sp>
+      <p:sp>
+        <p:nvSpPr>
+          <p:cNvPr id="23" name="Textfeld 22">
+            <a:extLst>
+              <a:ext uri="{FF2B5EF4-FFF2-40B4-BE49-F238E27FC236}">
+                <a16:creationId xmlns:a16="http://schemas.microsoft.com/office/drawing/2014/main" id="{66200B9A-B89F-4470-A363-EC1FDDA51997}"/>
+              </a:ext>
+            </a:extLst>
+          </p:cNvPr>
+          <p:cNvSpPr txBox="1"/>
+          <p:nvPr/>
+        </p:nvSpPr>
+        <p:spPr>
+          <a:xfrm>
+            <a:off x="9660238" y="2928488"/>
+            <a:ext cx="1175322" cy="584775"/>
+          </a:xfrm>
+          <a:prstGeom prst="rect">
+            <a:avLst/>
+          </a:prstGeom>
+          <a:noFill/>
+        </p:spPr>
+        <p:txBody>
+          <a:bodyPr wrap="none" rtlCol="0">
+            <a:spAutoFit/>
+          </a:bodyPr>
+          <a:lstStyle/>
+          <a:p>
+            <a:pPr algn="ctr"/>
+            <a:r>
+              <a:rPr lang="en-US" sz="1600" dirty="0"/>
+              <a:t>Activity</a:t>
+            </a:r>
+            <a:br>
+              <a:rPr lang="en-US" sz="1600" dirty="0"/>
+            </a:br>
+            <a:r>
+              <a:rPr lang="en-US" sz="1600" dirty="0"/>
+              <a:t>Function 2</a:t>
+            </a:r>
+            <a:endParaRPr lang="de-DE" sz="1600" dirty="0"/>
+          </a:p>
+        </p:txBody>
+      </p:sp>
+      <p:sp>
+        <p:nvSpPr>
+          <p:cNvPr id="24" name="Textfeld 23">
+            <a:extLst>
+              <a:ext uri="{FF2B5EF4-FFF2-40B4-BE49-F238E27FC236}">
+                <a16:creationId xmlns:a16="http://schemas.microsoft.com/office/drawing/2014/main" id="{926DF448-4639-4FE2-A53F-246C13E9F1CB}"/>
+              </a:ext>
+            </a:extLst>
+          </p:cNvPr>
+          <p:cNvSpPr txBox="1"/>
+          <p:nvPr/>
+        </p:nvSpPr>
+        <p:spPr>
+          <a:xfrm>
+            <a:off x="9660238" y="3822411"/>
+            <a:ext cx="1175322" cy="584775"/>
+          </a:xfrm>
+          <a:prstGeom prst="rect">
+            <a:avLst/>
+          </a:prstGeom>
+          <a:noFill/>
+        </p:spPr>
+        <p:txBody>
+          <a:bodyPr wrap="none" rtlCol="0">
+            <a:spAutoFit/>
+          </a:bodyPr>
+          <a:lstStyle/>
+          <a:p>
+            <a:pPr algn="ctr"/>
+            <a:r>
+              <a:rPr lang="en-US" sz="1600" dirty="0"/>
+              <a:t>Activity</a:t>
+            </a:r>
+            <a:br>
+              <a:rPr lang="en-US" sz="1600" dirty="0"/>
+            </a:br>
+            <a:r>
+              <a:rPr lang="en-US" sz="1600" dirty="0"/>
+              <a:t>Function 2</a:t>
+            </a:r>
+            <a:endParaRPr lang="de-DE" sz="1600" dirty="0"/>
+          </a:p>
+        </p:txBody>
+      </p:sp>
+      <p:sp>
+        <p:nvSpPr>
+          <p:cNvPr id="26" name="Textfeld 25">
+            <a:extLst>
+              <a:ext uri="{FF2B5EF4-FFF2-40B4-BE49-F238E27FC236}">
+                <a16:creationId xmlns:a16="http://schemas.microsoft.com/office/drawing/2014/main" id="{C2F4A6A6-61DD-44B2-9182-41C6B1A78AD1}"/>
+              </a:ext>
+            </a:extLst>
+          </p:cNvPr>
+          <p:cNvSpPr txBox="1"/>
+          <p:nvPr/>
+        </p:nvSpPr>
+        <p:spPr>
+          <a:xfrm>
+            <a:off x="4692665" y="3761962"/>
+            <a:ext cx="1378904" cy="584775"/>
+          </a:xfrm>
+          <a:prstGeom prst="rect">
+            <a:avLst/>
+          </a:prstGeom>
+          <a:noFill/>
+        </p:spPr>
+        <p:txBody>
+          <a:bodyPr wrap="none" rtlCol="0">
+            <a:spAutoFit/>
+          </a:bodyPr>
+          <a:lstStyle/>
+          <a:p>
+            <a:pPr algn="ctr"/>
+            <a:r>
+              <a:rPr lang="en-US" sz="1600" dirty="0"/>
+              <a:t>Orchestrator</a:t>
+            </a:r>
+            <a:br>
+              <a:rPr lang="en-US" sz="1600" dirty="0"/>
+            </a:br>
+            <a:r>
+              <a:rPr lang="en-US" sz="1600" dirty="0"/>
+              <a:t>Function</a:t>
+            </a:r>
+            <a:endParaRPr lang="de-DE" sz="1600" dirty="0"/>
+          </a:p>
+        </p:txBody>
+      </p:sp>
+      <p:sp>
+        <p:nvSpPr>
+          <p:cNvPr id="27" name="Textfeld 26">
+            <a:extLst>
+              <a:ext uri="{FF2B5EF4-FFF2-40B4-BE49-F238E27FC236}">
+                <a16:creationId xmlns:a16="http://schemas.microsoft.com/office/drawing/2014/main" id="{134E0794-58E6-4892-BEE5-1B65354D496D}"/>
+              </a:ext>
+            </a:extLst>
+          </p:cNvPr>
+          <p:cNvSpPr txBox="1"/>
+          <p:nvPr/>
+        </p:nvSpPr>
+        <p:spPr>
+          <a:xfrm>
+            <a:off x="9660238" y="2135359"/>
+            <a:ext cx="1156086" cy="584775"/>
+          </a:xfrm>
+          <a:prstGeom prst="rect">
+            <a:avLst/>
+          </a:prstGeom>
+          <a:noFill/>
+        </p:spPr>
+        <p:txBody>
+          <a:bodyPr wrap="none" rtlCol="0">
+            <a:spAutoFit/>
+          </a:bodyPr>
+          <a:lstStyle/>
+          <a:p>
+            <a:pPr algn="ctr"/>
+            <a:r>
+              <a:rPr lang="en-US" sz="1600" dirty="0"/>
+              <a:t>Activity</a:t>
+            </a:r>
+            <a:br>
+              <a:rPr lang="en-US" sz="1600" dirty="0"/>
+            </a:br>
+            <a:r>
+              <a:rPr lang="en-US" sz="1600" dirty="0"/>
+              <a:t>Function 1</a:t>
+            </a:r>
+            <a:endParaRPr lang="de-DE" sz="1600" dirty="0"/>
           </a:p>
         </p:txBody>
       </p:sp>
@@ -4501,6 +5073,534 @@
   <p:clrMapOvr>
     <a:masterClrMapping/>
   </p:clrMapOvr>
+  <p:timing>
+    <p:tnLst>
+      <p:par>
+        <p:cTn id="1" dur="indefinite" restart="never" nodeType="tmRoot">
+          <p:childTnLst>
+            <p:seq concurrent="1" nextAc="seek">
+              <p:cTn id="2" dur="indefinite" nodeType="mainSeq">
+                <p:childTnLst>
+                  <p:par>
+                    <p:cTn id="3" fill="hold">
+                      <p:stCondLst>
+                        <p:cond delay="indefinite"/>
+                      </p:stCondLst>
+                      <p:childTnLst>
+                        <p:par>
+                          <p:cTn id="4" fill="hold">
+                            <p:stCondLst>
+                              <p:cond delay="0"/>
+                            </p:stCondLst>
+                            <p:childTnLst>
+                              <p:par>
+                                <p:cTn id="5" presetID="22" presetClass="entr" presetSubtype="4" fill="hold" nodeType="clickEffect">
+                                  <p:stCondLst>
+                                    <p:cond delay="0"/>
+                                  </p:stCondLst>
+                                  <p:childTnLst>
+                                    <p:set>
+                                      <p:cBhvr>
+                                        <p:cTn id="6" dur="1" fill="hold">
+                                          <p:stCondLst>
+                                            <p:cond delay="0"/>
+                                          </p:stCondLst>
+                                        </p:cTn>
+                                        <p:tgtEl>
+                                          <p:spTgt spid="6"/>
+                                        </p:tgtEl>
+                                        <p:attrNameLst>
+                                          <p:attrName>style.visibility</p:attrName>
+                                        </p:attrNameLst>
+                                      </p:cBhvr>
+                                      <p:to>
+                                        <p:strVal val="visible"/>
+                                      </p:to>
+                                    </p:set>
+                                    <p:animEffect transition="in" filter="wipe(down)">
+                                      <p:cBhvr>
+                                        <p:cTn id="7" dur="500"/>
+                                        <p:tgtEl>
+                                          <p:spTgt spid="6"/>
+                                        </p:tgtEl>
+                                      </p:cBhvr>
+                                    </p:animEffect>
+                                  </p:childTnLst>
+                                </p:cTn>
+                              </p:par>
+                              <p:par>
+                                <p:cTn id="8" presetID="22" presetClass="entr" presetSubtype="4" fill="hold" grpId="0" nodeType="withEffect">
+                                  <p:stCondLst>
+                                    <p:cond delay="0"/>
+                                  </p:stCondLst>
+                                  <p:childTnLst>
+                                    <p:set>
+                                      <p:cBhvr>
+                                        <p:cTn id="9" dur="1" fill="hold">
+                                          <p:stCondLst>
+                                            <p:cond delay="0"/>
+                                          </p:stCondLst>
+                                        </p:cTn>
+                                        <p:tgtEl>
+                                          <p:spTgt spid="8"/>
+                                        </p:tgtEl>
+                                        <p:attrNameLst>
+                                          <p:attrName>style.visibility</p:attrName>
+                                        </p:attrNameLst>
+                                      </p:cBhvr>
+                                      <p:to>
+                                        <p:strVal val="visible"/>
+                                      </p:to>
+                                    </p:set>
+                                    <p:animEffect transition="in" filter="wipe(down)">
+                                      <p:cBhvr>
+                                        <p:cTn id="10" dur="500"/>
+                                        <p:tgtEl>
+                                          <p:spTgt spid="8"/>
+                                        </p:tgtEl>
+                                      </p:cBhvr>
+                                    </p:animEffect>
+                                  </p:childTnLst>
+                                </p:cTn>
+                              </p:par>
+                              <p:par>
+                                <p:cTn id="11" presetID="22" presetClass="entr" presetSubtype="4" fill="hold" grpId="0" nodeType="withEffect">
+                                  <p:stCondLst>
+                                    <p:cond delay="0"/>
+                                  </p:stCondLst>
+                                  <p:childTnLst>
+                                    <p:set>
+                                      <p:cBhvr>
+                                        <p:cTn id="12" dur="1" fill="hold">
+                                          <p:stCondLst>
+                                            <p:cond delay="0"/>
+                                          </p:stCondLst>
+                                        </p:cTn>
+                                        <p:tgtEl>
+                                          <p:spTgt spid="26"/>
+                                        </p:tgtEl>
+                                        <p:attrNameLst>
+                                          <p:attrName>style.visibility</p:attrName>
+                                        </p:attrNameLst>
+                                      </p:cBhvr>
+                                      <p:to>
+                                        <p:strVal val="visible"/>
+                                      </p:to>
+                                    </p:set>
+                                    <p:animEffect transition="in" filter="wipe(down)">
+                                      <p:cBhvr>
+                                        <p:cTn id="13" dur="500"/>
+                                        <p:tgtEl>
+                                          <p:spTgt spid="26"/>
+                                        </p:tgtEl>
+                                      </p:cBhvr>
+                                    </p:animEffect>
+                                  </p:childTnLst>
+                                </p:cTn>
+                              </p:par>
+                              <p:par>
+                                <p:cTn id="14" presetID="22" presetClass="entr" presetSubtype="4" fill="hold" nodeType="withEffect">
+                                  <p:stCondLst>
+                                    <p:cond delay="0"/>
+                                  </p:stCondLst>
+                                  <p:childTnLst>
+                                    <p:set>
+                                      <p:cBhvr>
+                                        <p:cTn id="15" dur="1" fill="hold">
+                                          <p:stCondLst>
+                                            <p:cond delay="0"/>
+                                          </p:stCondLst>
+                                        </p:cTn>
+                                        <p:tgtEl>
+                                          <p:spTgt spid="5"/>
+                                        </p:tgtEl>
+                                        <p:attrNameLst>
+                                          <p:attrName>style.visibility</p:attrName>
+                                        </p:attrNameLst>
+                                      </p:cBhvr>
+                                      <p:to>
+                                        <p:strVal val="visible"/>
+                                      </p:to>
+                                    </p:set>
+                                    <p:animEffect transition="in" filter="wipe(down)">
+                                      <p:cBhvr>
+                                        <p:cTn id="16" dur="500"/>
+                                        <p:tgtEl>
+                                          <p:spTgt spid="5"/>
+                                        </p:tgtEl>
+                                      </p:cBhvr>
+                                    </p:animEffect>
+                                  </p:childTnLst>
+                                </p:cTn>
+                              </p:par>
+                            </p:childTnLst>
+                          </p:cTn>
+                        </p:par>
+                      </p:childTnLst>
+                    </p:cTn>
+                  </p:par>
+                  <p:par>
+                    <p:cTn id="17" fill="hold">
+                      <p:stCondLst>
+                        <p:cond delay="indefinite"/>
+                      </p:stCondLst>
+                      <p:childTnLst>
+                        <p:par>
+                          <p:cTn id="18" fill="hold">
+                            <p:stCondLst>
+                              <p:cond delay="0"/>
+                            </p:stCondLst>
+                            <p:childTnLst>
+                              <p:par>
+                                <p:cTn id="19" presetID="22" presetClass="entr" presetSubtype="4" fill="hold" nodeType="clickEffect">
+                                  <p:stCondLst>
+                                    <p:cond delay="0"/>
+                                  </p:stCondLst>
+                                  <p:childTnLst>
+                                    <p:set>
+                                      <p:cBhvr>
+                                        <p:cTn id="20" dur="1" fill="hold">
+                                          <p:stCondLst>
+                                            <p:cond delay="0"/>
+                                          </p:stCondLst>
+                                        </p:cTn>
+                                        <p:tgtEl>
+                                          <p:spTgt spid="16"/>
+                                        </p:tgtEl>
+                                        <p:attrNameLst>
+                                          <p:attrName>style.visibility</p:attrName>
+                                        </p:attrNameLst>
+                                      </p:cBhvr>
+                                      <p:to>
+                                        <p:strVal val="visible"/>
+                                      </p:to>
+                                    </p:set>
+                                    <p:animEffect transition="in" filter="wipe(down)">
+                                      <p:cBhvr>
+                                        <p:cTn id="21" dur="500"/>
+                                        <p:tgtEl>
+                                          <p:spTgt spid="16"/>
+                                        </p:tgtEl>
+                                      </p:cBhvr>
+                                    </p:animEffect>
+                                  </p:childTnLst>
+                                </p:cTn>
+                              </p:par>
+                              <p:par>
+                                <p:cTn id="22" presetID="22" presetClass="entr" presetSubtype="4" fill="hold" nodeType="withEffect">
+                                  <p:stCondLst>
+                                    <p:cond delay="0"/>
+                                  </p:stCondLst>
+                                  <p:childTnLst>
+                                    <p:set>
+                                      <p:cBhvr>
+                                        <p:cTn id="23" dur="1" fill="hold">
+                                          <p:stCondLst>
+                                            <p:cond delay="0"/>
+                                          </p:stCondLst>
+                                        </p:cTn>
+                                        <p:tgtEl>
+                                          <p:spTgt spid="12"/>
+                                        </p:tgtEl>
+                                        <p:attrNameLst>
+                                          <p:attrName>style.visibility</p:attrName>
+                                        </p:attrNameLst>
+                                      </p:cBhvr>
+                                      <p:to>
+                                        <p:strVal val="visible"/>
+                                      </p:to>
+                                    </p:set>
+                                    <p:animEffect transition="in" filter="wipe(down)">
+                                      <p:cBhvr>
+                                        <p:cTn id="24" dur="500"/>
+                                        <p:tgtEl>
+                                          <p:spTgt spid="12"/>
+                                        </p:tgtEl>
+                                      </p:cBhvr>
+                                    </p:animEffect>
+                                  </p:childTnLst>
+                                </p:cTn>
+                              </p:par>
+                              <p:par>
+                                <p:cTn id="25" presetID="22" presetClass="entr" presetSubtype="4" fill="hold" grpId="0" nodeType="withEffect">
+                                  <p:stCondLst>
+                                    <p:cond delay="0"/>
+                                  </p:stCondLst>
+                                  <p:childTnLst>
+                                    <p:set>
+                                      <p:cBhvr>
+                                        <p:cTn id="26" dur="1" fill="hold">
+                                          <p:stCondLst>
+                                            <p:cond delay="0"/>
+                                          </p:stCondLst>
+                                        </p:cTn>
+                                        <p:tgtEl>
+                                          <p:spTgt spid="24"/>
+                                        </p:tgtEl>
+                                        <p:attrNameLst>
+                                          <p:attrName>style.visibility</p:attrName>
+                                        </p:attrNameLst>
+                                      </p:cBhvr>
+                                      <p:to>
+                                        <p:strVal val="visible"/>
+                                      </p:to>
+                                    </p:set>
+                                    <p:animEffect transition="in" filter="wipe(down)">
+                                      <p:cBhvr>
+                                        <p:cTn id="27" dur="500"/>
+                                        <p:tgtEl>
+                                          <p:spTgt spid="24"/>
+                                        </p:tgtEl>
+                                      </p:cBhvr>
+                                    </p:animEffect>
+                                  </p:childTnLst>
+                                </p:cTn>
+                              </p:par>
+                              <p:par>
+                                <p:cTn id="28" presetID="22" presetClass="entr" presetSubtype="4" fill="hold" grpId="0" nodeType="withEffect">
+                                  <p:stCondLst>
+                                    <p:cond delay="0"/>
+                                  </p:stCondLst>
+                                  <p:childTnLst>
+                                    <p:set>
+                                      <p:cBhvr>
+                                        <p:cTn id="29" dur="1" fill="hold">
+                                          <p:stCondLst>
+                                            <p:cond delay="0"/>
+                                          </p:stCondLst>
+                                        </p:cTn>
+                                        <p:tgtEl>
+                                          <p:spTgt spid="23"/>
+                                        </p:tgtEl>
+                                        <p:attrNameLst>
+                                          <p:attrName>style.visibility</p:attrName>
+                                        </p:attrNameLst>
+                                      </p:cBhvr>
+                                      <p:to>
+                                        <p:strVal val="visible"/>
+                                      </p:to>
+                                    </p:set>
+                                    <p:animEffect transition="in" filter="wipe(down)">
+                                      <p:cBhvr>
+                                        <p:cTn id="30" dur="500"/>
+                                        <p:tgtEl>
+                                          <p:spTgt spid="23"/>
+                                        </p:tgtEl>
+                                      </p:cBhvr>
+                                    </p:animEffect>
+                                  </p:childTnLst>
+                                </p:cTn>
+                              </p:par>
+                              <p:par>
+                                <p:cTn id="31" presetID="22" presetClass="entr" presetSubtype="4" fill="hold" nodeType="withEffect">
+                                  <p:stCondLst>
+                                    <p:cond delay="0"/>
+                                  </p:stCondLst>
+                                  <p:childTnLst>
+                                    <p:set>
+                                      <p:cBhvr>
+                                        <p:cTn id="32" dur="1" fill="hold">
+                                          <p:stCondLst>
+                                            <p:cond delay="0"/>
+                                          </p:stCondLst>
+                                        </p:cTn>
+                                        <p:tgtEl>
+                                          <p:spTgt spid="11"/>
+                                        </p:tgtEl>
+                                        <p:attrNameLst>
+                                          <p:attrName>style.visibility</p:attrName>
+                                        </p:attrNameLst>
+                                      </p:cBhvr>
+                                      <p:to>
+                                        <p:strVal val="visible"/>
+                                      </p:to>
+                                    </p:set>
+                                    <p:animEffect transition="in" filter="wipe(down)">
+                                      <p:cBhvr>
+                                        <p:cTn id="33" dur="500"/>
+                                        <p:tgtEl>
+                                          <p:spTgt spid="11"/>
+                                        </p:tgtEl>
+                                      </p:cBhvr>
+                                    </p:animEffect>
+                                  </p:childTnLst>
+                                </p:cTn>
+                              </p:par>
+                              <p:par>
+                                <p:cTn id="34" presetID="22" presetClass="entr" presetSubtype="4" fill="hold" nodeType="withEffect">
+                                  <p:stCondLst>
+                                    <p:cond delay="0"/>
+                                  </p:stCondLst>
+                                  <p:childTnLst>
+                                    <p:set>
+                                      <p:cBhvr>
+                                        <p:cTn id="35" dur="1" fill="hold">
+                                          <p:stCondLst>
+                                            <p:cond delay="0"/>
+                                          </p:stCondLst>
+                                        </p:cTn>
+                                        <p:tgtEl>
+                                          <p:spTgt spid="15"/>
+                                        </p:tgtEl>
+                                        <p:attrNameLst>
+                                          <p:attrName>style.visibility</p:attrName>
+                                        </p:attrNameLst>
+                                      </p:cBhvr>
+                                      <p:to>
+                                        <p:strVal val="visible"/>
+                                      </p:to>
+                                    </p:set>
+                                    <p:animEffect transition="in" filter="wipe(down)">
+                                      <p:cBhvr>
+                                        <p:cTn id="36" dur="500"/>
+                                        <p:tgtEl>
+                                          <p:spTgt spid="15"/>
+                                        </p:tgtEl>
+                                      </p:cBhvr>
+                                    </p:animEffect>
+                                  </p:childTnLst>
+                                </p:cTn>
+                              </p:par>
+                              <p:par>
+                                <p:cTn id="37" presetID="22" presetClass="entr" presetSubtype="4" fill="hold" nodeType="withEffect">
+                                  <p:stCondLst>
+                                    <p:cond delay="0"/>
+                                  </p:stCondLst>
+                                  <p:childTnLst>
+                                    <p:set>
+                                      <p:cBhvr>
+                                        <p:cTn id="38" dur="1" fill="hold">
+                                          <p:stCondLst>
+                                            <p:cond delay="0"/>
+                                          </p:stCondLst>
+                                        </p:cTn>
+                                        <p:tgtEl>
+                                          <p:spTgt spid="14"/>
+                                        </p:tgtEl>
+                                        <p:attrNameLst>
+                                          <p:attrName>style.visibility</p:attrName>
+                                        </p:attrNameLst>
+                                      </p:cBhvr>
+                                      <p:to>
+                                        <p:strVal val="visible"/>
+                                      </p:to>
+                                    </p:set>
+                                    <p:animEffect transition="in" filter="wipe(down)">
+                                      <p:cBhvr>
+                                        <p:cTn id="39" dur="500"/>
+                                        <p:tgtEl>
+                                          <p:spTgt spid="14"/>
+                                        </p:tgtEl>
+                                      </p:cBhvr>
+                                    </p:animEffect>
+                                  </p:childTnLst>
+                                </p:cTn>
+                              </p:par>
+                              <p:par>
+                                <p:cTn id="40" presetID="22" presetClass="entr" presetSubtype="4" fill="hold" nodeType="withEffect">
+                                  <p:stCondLst>
+                                    <p:cond delay="0"/>
+                                  </p:stCondLst>
+                                  <p:childTnLst>
+                                    <p:set>
+                                      <p:cBhvr>
+                                        <p:cTn id="41" dur="1" fill="hold">
+                                          <p:stCondLst>
+                                            <p:cond delay="0"/>
+                                          </p:stCondLst>
+                                        </p:cTn>
+                                        <p:tgtEl>
+                                          <p:spTgt spid="10"/>
+                                        </p:tgtEl>
+                                        <p:attrNameLst>
+                                          <p:attrName>style.visibility</p:attrName>
+                                        </p:attrNameLst>
+                                      </p:cBhvr>
+                                      <p:to>
+                                        <p:strVal val="visible"/>
+                                      </p:to>
+                                    </p:set>
+                                    <p:animEffect transition="in" filter="wipe(down)">
+                                      <p:cBhvr>
+                                        <p:cTn id="42" dur="500"/>
+                                        <p:tgtEl>
+                                          <p:spTgt spid="10"/>
+                                        </p:tgtEl>
+                                      </p:cBhvr>
+                                    </p:animEffect>
+                                  </p:childTnLst>
+                                </p:cTn>
+                              </p:par>
+                              <p:par>
+                                <p:cTn id="43" presetID="22" presetClass="entr" presetSubtype="4" fill="hold" grpId="0" nodeType="withEffect">
+                                  <p:stCondLst>
+                                    <p:cond delay="0"/>
+                                  </p:stCondLst>
+                                  <p:childTnLst>
+                                    <p:set>
+                                      <p:cBhvr>
+                                        <p:cTn id="44" dur="1" fill="hold">
+                                          <p:stCondLst>
+                                            <p:cond delay="0"/>
+                                          </p:stCondLst>
+                                        </p:cTn>
+                                        <p:tgtEl>
+                                          <p:spTgt spid="27"/>
+                                        </p:tgtEl>
+                                        <p:attrNameLst>
+                                          <p:attrName>style.visibility</p:attrName>
+                                        </p:attrNameLst>
+                                      </p:cBhvr>
+                                      <p:to>
+                                        <p:strVal val="visible"/>
+                                      </p:to>
+                                    </p:set>
+                                    <p:animEffect transition="in" filter="wipe(down)">
+                                      <p:cBhvr>
+                                        <p:cTn id="45" dur="500"/>
+                                        <p:tgtEl>
+                                          <p:spTgt spid="27"/>
+                                        </p:tgtEl>
+                                      </p:cBhvr>
+                                    </p:animEffect>
+                                  </p:childTnLst>
+                                </p:cTn>
+                              </p:par>
+                            </p:childTnLst>
+                          </p:cTn>
+                        </p:par>
+                      </p:childTnLst>
+                    </p:cTn>
+                  </p:par>
+                </p:childTnLst>
+              </p:cTn>
+              <p:prevCondLst>
+                <p:cond evt="onPrev" delay="0">
+                  <p:tgtEl>
+                    <p:sldTgt/>
+                  </p:tgtEl>
+                </p:cond>
+              </p:prevCondLst>
+              <p:nextCondLst>
+                <p:cond evt="onNext" delay="0">
+                  <p:tgtEl>
+                    <p:sldTgt/>
+                  </p:tgtEl>
+                </p:cond>
+              </p:nextCondLst>
+            </p:seq>
+          </p:childTnLst>
+        </p:cTn>
+      </p:par>
+    </p:tnLst>
+    <p:bldLst>
+      <p:bldP spid="8" grpId="0"/>
+      <p:bldP spid="23" grpId="0"/>
+      <p:bldP spid="24" grpId="0"/>
+      <p:bldP spid="26" grpId="0"/>
+      <p:bldP spid="27" grpId="0"/>
+    </p:bldLst>
+  </p:timing>
 </p:sld>
 </file>
 

--- a/slides/Durable_Functions.pptx
+++ b/slides/Durable_Functions.pptx
@@ -16,9 +16,13 @@
     <p:sldId id="261" r:id="rId10"/>
     <p:sldId id="270" r:id="rId11"/>
     <p:sldId id="271" r:id="rId12"/>
-    <p:sldId id="272" r:id="rId13"/>
-    <p:sldId id="273" r:id="rId14"/>
-    <p:sldId id="267" r:id="rId15"/>
+    <p:sldId id="276" r:id="rId13"/>
+    <p:sldId id="277" r:id="rId14"/>
+    <p:sldId id="274" r:id="rId15"/>
+    <p:sldId id="275" r:id="rId16"/>
+    <p:sldId id="272" r:id="rId17"/>
+    <p:sldId id="273" r:id="rId18"/>
+    <p:sldId id="267" r:id="rId19"/>
   </p:sldIdLst>
   <p:sldSz cx="12192000" cy="6858000"/>
   <p:notesSz cx="6858000" cy="9144000"/>
@@ -3866,42 +3870,6 @@
           </a:p>
         </p:txBody>
       </p:sp>
-      <p:pic>
-        <p:nvPicPr>
-          <p:cNvPr id="5" name="Grafik 4">
-            <a:extLst>
-              <a:ext uri="{FF2B5EF4-FFF2-40B4-BE49-F238E27FC236}">
-                <a16:creationId xmlns:a16="http://schemas.microsoft.com/office/drawing/2014/main" id="{305578A5-B054-4D6A-9E9B-425D70C98A7C}"/>
-              </a:ext>
-            </a:extLst>
-          </p:cNvPr>
-          <p:cNvPicPr>
-            <a:picLocks noChangeAspect="1"/>
-          </p:cNvPicPr>
-          <p:nvPr/>
-        </p:nvPicPr>
-        <p:blipFill>
-          <a:blip r:embed="rId2">
-            <a:extLst>
-              <a:ext uri="{28A0092B-C50C-407E-A947-70E740481C1C}">
-                <a14:useLocalDpi xmlns:a14="http://schemas.microsoft.com/office/drawing/2010/main" val="0"/>
-              </a:ext>
-            </a:extLst>
-          </a:blip>
-          <a:stretch>
-            <a:fillRect/>
-          </a:stretch>
-        </p:blipFill>
-        <p:spPr>
-          <a:xfrm>
-            <a:off x="987286" y="2604052"/>
-            <a:ext cx="1649896" cy="1649896"/>
-          </a:xfrm>
-          <a:prstGeom prst="rect">
-            <a:avLst/>
-          </a:prstGeom>
-        </p:spPr>
-      </p:pic>
       <p:cxnSp>
         <p:nvCxnSpPr>
           <p:cNvPr id="6" name="Gerader Verbinder 5">
@@ -4190,7 +4158,7 @@
           <p:nvPr/>
         </p:nvPicPr>
         <p:blipFill>
-          <a:blip r:embed="rId3">
+          <a:blip r:embed="rId2">
             <a:extLst>
               <a:ext uri="{28A0092B-C50C-407E-A947-70E740481C1C}">
                 <a14:useLocalDpi xmlns:a14="http://schemas.microsoft.com/office/drawing/2010/main" val="0"/>
@@ -4205,6 +4173,42 @@
           <a:xfrm>
             <a:off x="9445636" y="4704522"/>
             <a:ext cx="284922" cy="284922"/>
+          </a:xfrm>
+          <a:prstGeom prst="rect">
+            <a:avLst/>
+          </a:prstGeom>
+        </p:spPr>
+      </p:pic>
+      <p:pic>
+        <p:nvPicPr>
+          <p:cNvPr id="17" name="Grafik 16">
+            <a:extLst>
+              <a:ext uri="{FF2B5EF4-FFF2-40B4-BE49-F238E27FC236}">
+                <a16:creationId xmlns:a16="http://schemas.microsoft.com/office/drawing/2014/main" id="{06486CBE-692D-45C0-A9B2-8F3986ECD70C}"/>
+              </a:ext>
+            </a:extLst>
+          </p:cNvPr>
+          <p:cNvPicPr>
+            <a:picLocks noChangeAspect="1"/>
+          </p:cNvPicPr>
+          <p:nvPr/>
+        </p:nvPicPr>
+        <p:blipFill>
+          <a:blip r:embed="rId3">
+            <a:extLst>
+              <a:ext uri="{28A0092B-C50C-407E-A947-70E740481C1C}">
+                <a14:useLocalDpi xmlns:a14="http://schemas.microsoft.com/office/drawing/2010/main" val="0"/>
+              </a:ext>
+            </a:extLst>
+          </a:blip>
+          <a:stretch>
+            <a:fillRect/>
+          </a:stretch>
+        </p:blipFill>
+        <p:spPr>
+          <a:xfrm>
+            <a:off x="841364" y="2433271"/>
+            <a:ext cx="1905000" cy="1905000"/>
           </a:xfrm>
           <a:prstGeom prst="rect">
             <a:avLst/>
@@ -5646,7 +5650,7 @@
           <a:p>
             <a:r>
               <a:rPr lang="en-US" sz="2400" dirty="0"/>
-              <a:t>Benefits of Durable Functions</a:t>
+              <a:t>Chaining with Durable Functions</a:t>
             </a:r>
             <a:endParaRPr lang="de-DE" sz="2400" dirty="0"/>
           </a:p>
@@ -5654,10 +5658,10 @@
       </p:sp>
       <p:pic>
         <p:nvPicPr>
-          <p:cNvPr id="4" name="Grafik 3">
-            <a:extLst>
-              <a:ext uri="{FF2B5EF4-FFF2-40B4-BE49-F238E27FC236}">
-                <a16:creationId xmlns:a16="http://schemas.microsoft.com/office/drawing/2014/main" id="{F688EBDA-04D3-4F87-8C8E-763AB5547EA2}"/>
+          <p:cNvPr id="10" name="Grafik 9">
+            <a:extLst>
+              <a:ext uri="{FF2B5EF4-FFF2-40B4-BE49-F238E27FC236}">
+                <a16:creationId xmlns:a16="http://schemas.microsoft.com/office/drawing/2014/main" id="{DC393A85-021A-4DC0-AE64-3C47897A69C7}"/>
               </a:ext>
             </a:extLst>
           </p:cNvPr>
@@ -5669,8 +5673,8 @@
         <p:blipFill>
           <a:blip r:embed="rId2">
             <a:extLst>
-              <a:ext uri="{28A0092B-C50C-407E-A947-70E740481C1C}">
-                <a14:useLocalDpi xmlns:a14="http://schemas.microsoft.com/office/drawing/2010/main" val="0"/>
+              <a:ext uri="{96DAC541-7B7A-43D3-8B79-37D633B846F1}">
+                <asvg:svgBlip xmlns:asvg="http://schemas.microsoft.com/office/drawing/2016/SVG/main" r:embed="rId3"/>
               </a:ext>
             </a:extLst>
           </a:blip>
@@ -5680,20 +5684,92 @@
         </p:blipFill>
         <p:spPr>
           <a:xfrm>
-            <a:off x="838201" y="2476500"/>
-            <a:ext cx="1905000" cy="1905000"/>
+            <a:off x="8365288" y="2180163"/>
+            <a:ext cx="798287" cy="798287"/>
           </a:xfrm>
           <a:prstGeom prst="rect">
             <a:avLst/>
           </a:prstGeom>
         </p:spPr>
       </p:pic>
+      <p:pic>
+        <p:nvPicPr>
+          <p:cNvPr id="11" name="Grafik 10">
+            <a:extLst>
+              <a:ext uri="{FF2B5EF4-FFF2-40B4-BE49-F238E27FC236}">
+                <a16:creationId xmlns:a16="http://schemas.microsoft.com/office/drawing/2014/main" id="{9F004AE7-7D76-40E1-AD9F-AE9D5088551E}"/>
+              </a:ext>
+            </a:extLst>
+          </p:cNvPr>
+          <p:cNvPicPr>
+            <a:picLocks noChangeAspect="1"/>
+          </p:cNvPicPr>
+          <p:nvPr/>
+        </p:nvPicPr>
+        <p:blipFill>
+          <a:blip r:embed="rId2">
+            <a:extLst>
+              <a:ext uri="{96DAC541-7B7A-43D3-8B79-37D633B846F1}">
+                <asvg:svgBlip xmlns:asvg="http://schemas.microsoft.com/office/drawing/2016/SVG/main" r:embed="rId3"/>
+              </a:ext>
+            </a:extLst>
+          </a:blip>
+          <a:stretch>
+            <a:fillRect/>
+          </a:stretch>
+        </p:blipFill>
+        <p:spPr>
+          <a:xfrm>
+            <a:off x="8365288" y="3299001"/>
+            <a:ext cx="798287" cy="798287"/>
+          </a:xfrm>
+          <a:prstGeom prst="rect">
+            <a:avLst/>
+          </a:prstGeom>
+        </p:spPr>
+      </p:pic>
+      <p:pic>
+        <p:nvPicPr>
+          <p:cNvPr id="12" name="Grafik 11">
+            <a:extLst>
+              <a:ext uri="{FF2B5EF4-FFF2-40B4-BE49-F238E27FC236}">
+                <a16:creationId xmlns:a16="http://schemas.microsoft.com/office/drawing/2014/main" id="{91416C95-4D21-4214-943C-CE7581A9BEEC}"/>
+              </a:ext>
+            </a:extLst>
+          </p:cNvPr>
+          <p:cNvPicPr>
+            <a:picLocks noChangeAspect="1"/>
+          </p:cNvPicPr>
+          <p:nvPr/>
+        </p:nvPicPr>
+        <p:blipFill>
+          <a:blip r:embed="rId2">
+            <a:extLst>
+              <a:ext uri="{96DAC541-7B7A-43D3-8B79-37D633B846F1}">
+                <asvg:svgBlip xmlns:asvg="http://schemas.microsoft.com/office/drawing/2016/SVG/main" r:embed="rId3"/>
+              </a:ext>
+            </a:extLst>
+          </a:blip>
+          <a:stretch>
+            <a:fillRect/>
+          </a:stretch>
+        </p:blipFill>
+        <p:spPr>
+          <a:xfrm>
+            <a:off x="8365288" y="4368303"/>
+            <a:ext cx="798287" cy="798287"/>
+          </a:xfrm>
+          <a:prstGeom prst="rect">
+            <a:avLst/>
+          </a:prstGeom>
+        </p:spPr>
+      </p:pic>
       <p:cxnSp>
         <p:nvCxnSpPr>
-          <p:cNvPr id="6" name="Gerader Verbinder 5">
-            <a:extLst>
-              <a:ext uri="{FF2B5EF4-FFF2-40B4-BE49-F238E27FC236}">
-                <a16:creationId xmlns:a16="http://schemas.microsoft.com/office/drawing/2014/main" id="{7EFA8ABD-5F72-4B46-BE3A-27B92D0D2871}"/>
+          <p:cNvPr id="14" name="Gerade Verbindung mit Pfeil 13">
+            <a:extLst>
+              <a:ext uri="{FF2B5EF4-FFF2-40B4-BE49-F238E27FC236}">
+                <a16:creationId xmlns:a16="http://schemas.microsoft.com/office/drawing/2014/main" id="{A1F014BB-3988-4829-9F04-46B908348145}"/>
               </a:ext>
             </a:extLst>
           </p:cNvPr>
@@ -5703,17 +5779,19 @@
           <p:nvPr/>
         </p:nvCxnSpPr>
         <p:spPr>
-          <a:xfrm>
-            <a:off x="3343788" y="1278517"/>
-            <a:ext cx="0" cy="4585570"/>
-          </a:xfrm>
-          <a:prstGeom prst="line">
+          <a:xfrm flipV="1">
+            <a:off x="6539275" y="2579307"/>
+            <a:ext cx="1683699" cy="462067"/>
+          </a:xfrm>
+          <a:prstGeom prst="straightConnector1">
             <a:avLst/>
           </a:prstGeom>
-          <a:ln w="25400" cap="rnd">
+          <a:ln w="31750">
             <a:solidFill>
-              <a:srgbClr val="3F3658"/>
+              <a:srgbClr val="FFC000"/>
             </a:solidFill>
+            <a:prstDash val="dash"/>
+            <a:tailEnd type="triangle"/>
           </a:ln>
         </p:spPr>
         <p:style>
@@ -5731,12 +5809,102 @@
           </a:fontRef>
         </p:style>
       </p:cxnSp>
-      <p:sp>
-        <p:nvSpPr>
-          <p:cNvPr id="7" name="Textfeld 6">
-            <a:extLst>
-              <a:ext uri="{FF2B5EF4-FFF2-40B4-BE49-F238E27FC236}">
-                <a16:creationId xmlns:a16="http://schemas.microsoft.com/office/drawing/2014/main" id="{3E5CCA95-BF7A-46E4-9279-89F179D25AE6}"/>
+      <p:cxnSp>
+        <p:nvCxnSpPr>
+          <p:cNvPr id="15" name="Gerade Verbindung mit Pfeil 14">
+            <a:extLst>
+              <a:ext uri="{FF2B5EF4-FFF2-40B4-BE49-F238E27FC236}">
+                <a16:creationId xmlns:a16="http://schemas.microsoft.com/office/drawing/2014/main" id="{0231F3DE-A385-49A8-A187-705BCC6758EC}"/>
+              </a:ext>
+            </a:extLst>
+          </p:cNvPr>
+          <p:cNvCxnSpPr>
+            <a:cxnSpLocks/>
+          </p:cNvCxnSpPr>
+          <p:nvPr/>
+        </p:nvCxnSpPr>
+        <p:spPr>
+          <a:xfrm>
+            <a:off x="6539275" y="3679053"/>
+            <a:ext cx="1683699" cy="0"/>
+          </a:xfrm>
+          <a:prstGeom prst="straightConnector1">
+            <a:avLst/>
+          </a:prstGeom>
+          <a:ln w="31750">
+            <a:solidFill>
+              <a:srgbClr val="FFC000"/>
+            </a:solidFill>
+            <a:prstDash val="dash"/>
+            <a:tailEnd type="triangle"/>
+          </a:ln>
+        </p:spPr>
+        <p:style>
+          <a:lnRef idx="1">
+            <a:schemeClr val="accent1"/>
+          </a:lnRef>
+          <a:fillRef idx="0">
+            <a:schemeClr val="accent1"/>
+          </a:fillRef>
+          <a:effectRef idx="0">
+            <a:schemeClr val="accent1"/>
+          </a:effectRef>
+          <a:fontRef idx="minor">
+            <a:schemeClr val="tx1"/>
+          </a:fontRef>
+        </p:style>
+      </p:cxnSp>
+      <p:cxnSp>
+        <p:nvCxnSpPr>
+          <p:cNvPr id="16" name="Gerade Verbindung mit Pfeil 15">
+            <a:extLst>
+              <a:ext uri="{FF2B5EF4-FFF2-40B4-BE49-F238E27FC236}">
+                <a16:creationId xmlns:a16="http://schemas.microsoft.com/office/drawing/2014/main" id="{51459F41-8C92-42BF-973C-B9C5C21A8ABF}"/>
+              </a:ext>
+            </a:extLst>
+          </p:cNvPr>
+          <p:cNvCxnSpPr>
+            <a:cxnSpLocks/>
+          </p:cNvCxnSpPr>
+          <p:nvPr/>
+        </p:nvCxnSpPr>
+        <p:spPr>
+          <a:xfrm>
+            <a:off x="6539275" y="4316733"/>
+            <a:ext cx="1683699" cy="404347"/>
+          </a:xfrm>
+          <a:prstGeom prst="straightConnector1">
+            <a:avLst/>
+          </a:prstGeom>
+          <a:ln w="31750">
+            <a:solidFill>
+              <a:srgbClr val="FFC000"/>
+            </a:solidFill>
+            <a:prstDash val="dash"/>
+            <a:tailEnd type="triangle"/>
+          </a:ln>
+        </p:spPr>
+        <p:style>
+          <a:lnRef idx="1">
+            <a:schemeClr val="accent1"/>
+          </a:lnRef>
+          <a:fillRef idx="0">
+            <a:schemeClr val="accent1"/>
+          </a:fillRef>
+          <a:effectRef idx="0">
+            <a:schemeClr val="accent1"/>
+          </a:effectRef>
+          <a:fontRef idx="minor">
+            <a:schemeClr val="tx1"/>
+          </a:fontRef>
+        </p:style>
+      </p:cxnSp>
+      <p:sp>
+        <p:nvSpPr>
+          <p:cNvPr id="21" name="Textfeld 20">
+            <a:extLst>
+              <a:ext uri="{FF2B5EF4-FFF2-40B4-BE49-F238E27FC236}">
+                <a16:creationId xmlns:a16="http://schemas.microsoft.com/office/drawing/2014/main" id="{65EDD617-D29D-433A-A1CA-046613F85663}"/>
               </a:ext>
             </a:extLst>
           </p:cNvPr>
@@ -5745,8 +5913,8 @@
         </p:nvSpPr>
         <p:spPr>
           <a:xfrm>
-            <a:off x="3882895" y="1481499"/>
-            <a:ext cx="5306261" cy="3808543"/>
+            <a:off x="3397450" y="1753588"/>
+            <a:ext cx="2451652" cy="338554"/>
           </a:xfrm>
           <a:prstGeom prst="rect">
             <a:avLst/>
@@ -5754,107 +5922,838 @@
           <a:noFill/>
         </p:spPr>
         <p:txBody>
+          <a:bodyPr wrap="square" rtlCol="0">
+            <a:spAutoFit/>
+          </a:bodyPr>
+          <a:lstStyle/>
+          <a:p>
+            <a:pPr algn="ctr"/>
+            <a:r>
+              <a:rPr lang="en-US" sz="1600" b="1" dirty="0"/>
+              <a:t>Orchestrator Function</a:t>
+            </a:r>
+            <a:endParaRPr lang="de-DE" sz="1600" b="1" dirty="0"/>
+          </a:p>
+        </p:txBody>
+      </p:sp>
+      <p:sp>
+        <p:nvSpPr>
+          <p:cNvPr id="23" name="Textfeld 22">
+            <a:extLst>
+              <a:ext uri="{FF2B5EF4-FFF2-40B4-BE49-F238E27FC236}">
+                <a16:creationId xmlns:a16="http://schemas.microsoft.com/office/drawing/2014/main" id="{66200B9A-B89F-4470-A363-EC1FDDA51997}"/>
+              </a:ext>
+            </a:extLst>
+          </p:cNvPr>
+          <p:cNvSpPr txBox="1"/>
+          <p:nvPr/>
+        </p:nvSpPr>
+        <p:spPr>
+          <a:xfrm>
+            <a:off x="9275925" y="3331891"/>
+            <a:ext cx="1175322" cy="584775"/>
+          </a:xfrm>
+          <a:prstGeom prst="rect">
+            <a:avLst/>
+          </a:prstGeom>
+          <a:noFill/>
+        </p:spPr>
+        <p:txBody>
           <a:bodyPr wrap="none" rtlCol="0">
             <a:spAutoFit/>
           </a:bodyPr>
           <a:lstStyle/>
           <a:p>
-            <a:pPr marL="342900" indent="-342900">
-              <a:lnSpc>
-                <a:spcPct val="250000"/>
-              </a:lnSpc>
-              <a:buFont typeface="+mj-lt"/>
-              <a:buAutoNum type="arabicPeriod"/>
-            </a:pPr>
-            <a:r>
-              <a:rPr lang="en-US" sz="2000" dirty="0">
+            <a:pPr algn="ctr"/>
+            <a:r>
+              <a:rPr lang="en-US" sz="1600" dirty="0"/>
+              <a:t>Activity</a:t>
+            </a:r>
+            <a:br>
+              <a:rPr lang="en-US" sz="1600" dirty="0"/>
+            </a:br>
+            <a:r>
+              <a:rPr lang="en-US" sz="1600" dirty="0"/>
+              <a:t>Function 2</a:t>
+            </a:r>
+            <a:endParaRPr lang="de-DE" sz="1600" dirty="0"/>
+          </a:p>
+        </p:txBody>
+      </p:sp>
+      <p:sp>
+        <p:nvSpPr>
+          <p:cNvPr id="24" name="Textfeld 23">
+            <a:extLst>
+              <a:ext uri="{FF2B5EF4-FFF2-40B4-BE49-F238E27FC236}">
+                <a16:creationId xmlns:a16="http://schemas.microsoft.com/office/drawing/2014/main" id="{926DF448-4639-4FE2-A53F-246C13E9F1CB}"/>
+              </a:ext>
+            </a:extLst>
+          </p:cNvPr>
+          <p:cNvSpPr txBox="1"/>
+          <p:nvPr/>
+        </p:nvSpPr>
+        <p:spPr>
+          <a:xfrm>
+            <a:off x="9277660" y="4428122"/>
+            <a:ext cx="1175322" cy="584775"/>
+          </a:xfrm>
+          <a:prstGeom prst="rect">
+            <a:avLst/>
+          </a:prstGeom>
+          <a:noFill/>
+        </p:spPr>
+        <p:txBody>
+          <a:bodyPr wrap="none" rtlCol="0">
+            <a:spAutoFit/>
+          </a:bodyPr>
+          <a:lstStyle/>
+          <a:p>
+            <a:pPr algn="ctr"/>
+            <a:r>
+              <a:rPr lang="en-US" sz="1600" dirty="0"/>
+              <a:t>Activity</a:t>
+            </a:r>
+            <a:br>
+              <a:rPr lang="en-US" sz="1600" dirty="0"/>
+            </a:br>
+            <a:r>
+              <a:rPr lang="en-US" sz="1600" dirty="0"/>
+              <a:t>Function 2</a:t>
+            </a:r>
+            <a:endParaRPr lang="de-DE" sz="1600" dirty="0"/>
+          </a:p>
+        </p:txBody>
+      </p:sp>
+      <p:sp>
+        <p:nvSpPr>
+          <p:cNvPr id="27" name="Textfeld 26">
+            <a:extLst>
+              <a:ext uri="{FF2B5EF4-FFF2-40B4-BE49-F238E27FC236}">
+                <a16:creationId xmlns:a16="http://schemas.microsoft.com/office/drawing/2014/main" id="{134E0794-58E6-4892-BEE5-1B65354D496D}"/>
+              </a:ext>
+            </a:extLst>
+          </p:cNvPr>
+          <p:cNvSpPr txBox="1"/>
+          <p:nvPr/>
+        </p:nvSpPr>
+        <p:spPr>
+          <a:xfrm>
+            <a:off x="9275926" y="2286918"/>
+            <a:ext cx="1156086" cy="584775"/>
+          </a:xfrm>
+          <a:prstGeom prst="rect">
+            <a:avLst/>
+          </a:prstGeom>
+          <a:noFill/>
+        </p:spPr>
+        <p:txBody>
+          <a:bodyPr wrap="none" rtlCol="0">
+            <a:spAutoFit/>
+          </a:bodyPr>
+          <a:lstStyle/>
+          <a:p>
+            <a:pPr algn="ctr"/>
+            <a:r>
+              <a:rPr lang="en-US" sz="1600" dirty="0"/>
+              <a:t>Activity</a:t>
+            </a:r>
+            <a:br>
+              <a:rPr lang="en-US" sz="1600" dirty="0"/>
+            </a:br>
+            <a:r>
+              <a:rPr lang="en-US" sz="1600" dirty="0"/>
+              <a:t>Function 1</a:t>
+            </a:r>
+            <a:endParaRPr lang="de-DE" sz="1600" dirty="0"/>
+          </a:p>
+        </p:txBody>
+      </p:sp>
+      <p:pic>
+        <p:nvPicPr>
+          <p:cNvPr id="18" name="Grafik 17">
+            <a:extLst>
+              <a:ext uri="{FF2B5EF4-FFF2-40B4-BE49-F238E27FC236}">
+                <a16:creationId xmlns:a16="http://schemas.microsoft.com/office/drawing/2014/main" id="{9812AA5F-982C-43ED-90ED-784868E4B7EC}"/>
+              </a:ext>
+            </a:extLst>
+          </p:cNvPr>
+          <p:cNvPicPr>
+            <a:picLocks noChangeAspect="1"/>
+          </p:cNvPicPr>
+          <p:nvPr/>
+        </p:nvPicPr>
+        <p:blipFill>
+          <a:blip r:embed="rId2">
+            <a:extLst>
+              <a:ext uri="{96DAC541-7B7A-43D3-8B79-37D633B846F1}">
+                <asvg:svgBlip xmlns:asvg="http://schemas.microsoft.com/office/drawing/2016/SVG/main" r:embed="rId3"/>
+              </a:ext>
+            </a:extLst>
+          </a:blip>
+          <a:stretch>
+            <a:fillRect/>
+          </a:stretch>
+        </p:blipFill>
+        <p:spPr>
+          <a:xfrm>
+            <a:off x="2546097" y="1558074"/>
+            <a:ext cx="798287" cy="798287"/>
+          </a:xfrm>
+          <a:prstGeom prst="rect">
+            <a:avLst/>
+          </a:prstGeom>
+        </p:spPr>
+      </p:pic>
+      <p:sp>
+        <p:nvSpPr>
+          <p:cNvPr id="2" name="Textfeld 1">
+            <a:extLst>
+              <a:ext uri="{FF2B5EF4-FFF2-40B4-BE49-F238E27FC236}">
+                <a16:creationId xmlns:a16="http://schemas.microsoft.com/office/drawing/2014/main" id="{DABB8786-27B2-462D-AF42-135BD188DED5}"/>
+              </a:ext>
+            </a:extLst>
+          </p:cNvPr>
+          <p:cNvSpPr txBox="1"/>
+          <p:nvPr/>
+        </p:nvSpPr>
+        <p:spPr>
+          <a:xfrm>
+            <a:off x="2131050" y="2474311"/>
+            <a:ext cx="4265911" cy="2246769"/>
+          </a:xfrm>
+          <a:prstGeom prst="rect">
+            <a:avLst/>
+          </a:prstGeom>
+          <a:noFill/>
+          <a:ln>
+            <a:solidFill>
+              <a:schemeClr val="tx1"/>
+            </a:solidFill>
+          </a:ln>
+        </p:spPr>
+        <p:txBody>
+          <a:bodyPr wrap="none" rtlCol="0">
+            <a:spAutoFit/>
+          </a:bodyPr>
+          <a:lstStyle/>
+          <a:p>
+            <a:endParaRPr lang="en-US" sz="1400" dirty="0">
+              <a:latin typeface="Hasklig Medium" panose="020B0509030403020204" pitchFamily="49" charset="0"/>
+              <a:ea typeface="Hasklig Medium" panose="020B0509030403020204" pitchFamily="49" charset="0"/>
+            </a:endParaRPr>
+          </a:p>
+          <a:p>
+            <a:r>
+              <a:rPr lang="en-US" sz="1400" dirty="0">
                 <a:solidFill>
-                  <a:srgbClr val="5A536D"/>
+                  <a:schemeClr val="accent6">
+                    <a:lumMod val="75000"/>
+                  </a:schemeClr>
                 </a:solidFill>
+                <a:latin typeface="Hasklig Medium" panose="020B0509030403020204" pitchFamily="49" charset="0"/>
+                <a:ea typeface="Hasklig Medium" panose="020B0509030403020204" pitchFamily="49" charset="0"/>
               </a:rPr>
-              <a:t>Define workflows in code</a:t>
-            </a:r>
-          </a:p>
-          <a:p>
-            <a:pPr marL="342900" indent="-342900">
-              <a:lnSpc>
-                <a:spcPct val="250000"/>
-              </a:lnSpc>
-              <a:buFont typeface="+mj-lt"/>
-              <a:buAutoNum type="arabicPeriod"/>
-            </a:pPr>
-            <a:r>
-              <a:rPr lang="en-US" sz="2000" dirty="0">
+              <a:t>// call the first activity </a:t>
+            </a:r>
+            <a:br>
+              <a:rPr lang="en-US" sz="1400" dirty="0">
+                <a:latin typeface="Hasklig Medium" panose="020B0509030403020204" pitchFamily="49" charset="0"/>
+                <a:ea typeface="Hasklig Medium" panose="020B0509030403020204" pitchFamily="49" charset="0"/>
+              </a:rPr>
+            </a:br>
+            <a:r>
+              <a:rPr lang="en-US" sz="1400" dirty="0">
                 <a:solidFill>
-                  <a:srgbClr val="5A536D"/>
+                  <a:schemeClr val="accent5">
+                    <a:lumMod val="50000"/>
+                  </a:schemeClr>
                 </a:solidFill>
+                <a:latin typeface="Hasklig Medium" panose="020B0509030403020204" pitchFamily="49" charset="0"/>
+                <a:ea typeface="Hasklig Medium" panose="020B0509030403020204" pitchFamily="49" charset="0"/>
               </a:rPr>
-              <a:t>Easy to implement complex workflows</a:t>
-            </a:r>
-          </a:p>
-          <a:p>
-            <a:pPr marL="342900" indent="-342900">
-              <a:lnSpc>
-                <a:spcPct val="250000"/>
-              </a:lnSpc>
-              <a:buFont typeface="+mj-lt"/>
-              <a:buAutoNum type="arabicPeriod"/>
-            </a:pPr>
-            <a:r>
-              <a:rPr lang="en-US" sz="2000" dirty="0">
+              <a:t>await</a:t>
+            </a:r>
+            <a:r>
+              <a:rPr lang="en-US" sz="1400" dirty="0">
+                <a:latin typeface="Hasklig Medium" panose="020B0509030403020204" pitchFamily="49" charset="0"/>
+                <a:ea typeface="Hasklig Medium" panose="020B0509030403020204" pitchFamily="49" charset="0"/>
+              </a:rPr>
+              <a:t> </a:t>
+            </a:r>
+            <a:r>
+              <a:rPr lang="en-US" sz="1400" dirty="0" err="1">
+                <a:latin typeface="Hasklig Medium" panose="020B0509030403020204" pitchFamily="49" charset="0"/>
+                <a:ea typeface="Hasklig Medium" panose="020B0509030403020204" pitchFamily="49" charset="0"/>
+              </a:rPr>
+              <a:t>CallActivityAsync</a:t>
+            </a:r>
+            <a:r>
+              <a:rPr lang="en-US" sz="1400" dirty="0">
+                <a:latin typeface="Hasklig Medium" panose="020B0509030403020204" pitchFamily="49" charset="0"/>
+                <a:ea typeface="Hasklig Medium" panose="020B0509030403020204" pitchFamily="49" charset="0"/>
+              </a:rPr>
+              <a:t>(</a:t>
+            </a:r>
+            <a:r>
+              <a:rPr lang="en-US" sz="1400" dirty="0">
                 <a:solidFill>
-                  <a:srgbClr val="5A536D"/>
+                  <a:srgbClr val="C00000"/>
                 </a:solidFill>
+                <a:latin typeface="Hasklig Medium" panose="020B0509030403020204" pitchFamily="49" charset="0"/>
+                <a:ea typeface="Hasklig Medium" panose="020B0509030403020204" pitchFamily="49" charset="0"/>
               </a:rPr>
-              <a:t>Consolidate exception handling</a:t>
-            </a:r>
-          </a:p>
-          <a:p>
-            <a:pPr marL="342900" indent="-342900">
-              <a:lnSpc>
-                <a:spcPct val="250000"/>
-              </a:lnSpc>
-              <a:buFont typeface="+mj-lt"/>
-              <a:buAutoNum type="arabicPeriod"/>
-            </a:pPr>
-            <a:r>
-              <a:rPr lang="en-US" sz="2000" dirty="0">
+              <a:t>"Activity1"</a:t>
+            </a:r>
+            <a:r>
+              <a:rPr lang="en-US" sz="1400" dirty="0">
+                <a:latin typeface="Hasklig Medium" panose="020B0509030403020204" pitchFamily="49" charset="0"/>
+                <a:ea typeface="Hasklig Medium" panose="020B0509030403020204" pitchFamily="49" charset="0"/>
+              </a:rPr>
+              <a:t>); </a:t>
+            </a:r>
+            <a:br>
+              <a:rPr lang="en-US" sz="1400" dirty="0">
+                <a:latin typeface="Hasklig Medium" panose="020B0509030403020204" pitchFamily="49" charset="0"/>
+                <a:ea typeface="Hasklig Medium" panose="020B0509030403020204" pitchFamily="49" charset="0"/>
+              </a:rPr>
+            </a:br>
+            <a:br>
+              <a:rPr lang="en-US" sz="1400" dirty="0">
+                <a:latin typeface="Hasklig Medium" panose="020B0509030403020204" pitchFamily="49" charset="0"/>
+                <a:ea typeface="Hasklig Medium" panose="020B0509030403020204" pitchFamily="49" charset="0"/>
+              </a:rPr>
+            </a:br>
+            <a:r>
+              <a:rPr lang="en-US" sz="1400" dirty="0">
                 <a:solidFill>
-                  <a:srgbClr val="5A536D"/>
+                  <a:schemeClr val="accent6">
+                    <a:lumMod val="75000"/>
+                  </a:schemeClr>
                 </a:solidFill>
+                <a:latin typeface="Hasklig Medium" panose="020B0509030403020204" pitchFamily="49" charset="0"/>
+                <a:ea typeface="Hasklig Medium" panose="020B0509030403020204" pitchFamily="49" charset="0"/>
               </a:rPr>
-              <a:t>Check on progress or cancel workflow</a:t>
-            </a:r>
-          </a:p>
-          <a:p>
-            <a:pPr marL="342900" indent="-342900">
-              <a:lnSpc>
-                <a:spcPct val="250000"/>
-              </a:lnSpc>
-              <a:buFont typeface="+mj-lt"/>
-              <a:buAutoNum type="arabicPeriod"/>
-            </a:pPr>
-            <a:r>
-              <a:rPr lang="en-US" sz="2000" dirty="0">
+              <a:t>// call the second activity </a:t>
+            </a:r>
+            <a:br>
+              <a:rPr lang="en-US" sz="1400" dirty="0">
+                <a:latin typeface="Hasklig Medium" panose="020B0509030403020204" pitchFamily="49" charset="0"/>
+                <a:ea typeface="Hasklig Medium" panose="020B0509030403020204" pitchFamily="49" charset="0"/>
+              </a:rPr>
+            </a:br>
+            <a:r>
+              <a:rPr lang="en-US" sz="1400" dirty="0">
                 <a:solidFill>
-                  <a:srgbClr val="5A536D"/>
+                  <a:schemeClr val="accent5">
+                    <a:lumMod val="50000"/>
+                  </a:schemeClr>
                 </a:solidFill>
+                <a:latin typeface="Hasklig Medium" panose="020B0509030403020204" pitchFamily="49" charset="0"/>
+                <a:ea typeface="Hasklig Medium" panose="020B0509030403020204" pitchFamily="49" charset="0"/>
               </a:rPr>
-              <a:t>Manage state for you</a:t>
-            </a:r>
+              <a:t>await</a:t>
+            </a:r>
+            <a:r>
+              <a:rPr lang="en-US" sz="1400" dirty="0">
+                <a:latin typeface="Hasklig Medium" panose="020B0509030403020204" pitchFamily="49" charset="0"/>
+                <a:ea typeface="Hasklig Medium" panose="020B0509030403020204" pitchFamily="49" charset="0"/>
+              </a:rPr>
+              <a:t> </a:t>
+            </a:r>
+            <a:r>
+              <a:rPr lang="en-US" sz="1400" dirty="0" err="1">
+                <a:latin typeface="Hasklig Medium" panose="020B0509030403020204" pitchFamily="49" charset="0"/>
+                <a:ea typeface="Hasklig Medium" panose="020B0509030403020204" pitchFamily="49" charset="0"/>
+              </a:rPr>
+              <a:t>CallActivityAsync</a:t>
+            </a:r>
+            <a:r>
+              <a:rPr lang="en-US" sz="1400" dirty="0">
+                <a:latin typeface="Hasklig Medium" panose="020B0509030403020204" pitchFamily="49" charset="0"/>
+                <a:ea typeface="Hasklig Medium" panose="020B0509030403020204" pitchFamily="49" charset="0"/>
+              </a:rPr>
+              <a:t>(</a:t>
+            </a:r>
+            <a:r>
+              <a:rPr lang="en-US" sz="1400" dirty="0">
+                <a:solidFill>
+                  <a:srgbClr val="C00000"/>
+                </a:solidFill>
+                <a:latin typeface="Hasklig Medium" panose="020B0509030403020204" pitchFamily="49" charset="0"/>
+                <a:ea typeface="Hasklig Medium" panose="020B0509030403020204" pitchFamily="49" charset="0"/>
+              </a:rPr>
+              <a:t>"Activity2"</a:t>
+            </a:r>
+            <a:r>
+              <a:rPr lang="en-US" sz="1400" dirty="0">
+                <a:latin typeface="Hasklig Medium" panose="020B0509030403020204" pitchFamily="49" charset="0"/>
+                <a:ea typeface="Hasklig Medium" panose="020B0509030403020204" pitchFamily="49" charset="0"/>
+              </a:rPr>
+              <a:t>); </a:t>
+            </a:r>
+            <a:br>
+              <a:rPr lang="en-US" sz="1400" dirty="0">
+                <a:latin typeface="Hasklig Medium" panose="020B0509030403020204" pitchFamily="49" charset="0"/>
+                <a:ea typeface="Hasklig Medium" panose="020B0509030403020204" pitchFamily="49" charset="0"/>
+              </a:rPr>
+            </a:br>
+            <a:br>
+              <a:rPr lang="en-US" sz="1400" dirty="0">
+                <a:latin typeface="Hasklig Medium" panose="020B0509030403020204" pitchFamily="49" charset="0"/>
+                <a:ea typeface="Hasklig Medium" panose="020B0509030403020204" pitchFamily="49" charset="0"/>
+              </a:rPr>
+            </a:br>
+            <a:r>
+              <a:rPr lang="en-US" sz="1400" dirty="0">
+                <a:solidFill>
+                  <a:schemeClr val="accent6">
+                    <a:lumMod val="75000"/>
+                  </a:schemeClr>
+                </a:solidFill>
+                <a:latin typeface="Hasklig Medium" panose="020B0509030403020204" pitchFamily="49" charset="0"/>
+                <a:ea typeface="Hasklig Medium" panose="020B0509030403020204" pitchFamily="49" charset="0"/>
+              </a:rPr>
+              <a:t>// call the third activity </a:t>
+            </a:r>
+          </a:p>
+          <a:p>
+            <a:r>
+              <a:rPr lang="en-US" sz="1400" dirty="0">
+                <a:solidFill>
+                  <a:schemeClr val="accent5">
+                    <a:lumMod val="50000"/>
+                  </a:schemeClr>
+                </a:solidFill>
+                <a:latin typeface="Hasklig Medium" panose="020B0509030403020204" pitchFamily="49" charset="0"/>
+                <a:ea typeface="Hasklig Medium" panose="020B0509030403020204" pitchFamily="49" charset="0"/>
+              </a:rPr>
+              <a:t>await</a:t>
+            </a:r>
+            <a:r>
+              <a:rPr lang="en-US" sz="1400" dirty="0">
+                <a:latin typeface="Hasklig Medium" panose="020B0509030403020204" pitchFamily="49" charset="0"/>
+                <a:ea typeface="Hasklig Medium" panose="020B0509030403020204" pitchFamily="49" charset="0"/>
+              </a:rPr>
+              <a:t> </a:t>
+            </a:r>
+            <a:r>
+              <a:rPr lang="en-US" sz="1400" dirty="0" err="1">
+                <a:latin typeface="Hasklig Medium" panose="020B0509030403020204" pitchFamily="49" charset="0"/>
+                <a:ea typeface="Hasklig Medium" panose="020B0509030403020204" pitchFamily="49" charset="0"/>
+              </a:rPr>
+              <a:t>CallActivityAsync</a:t>
+            </a:r>
+            <a:r>
+              <a:rPr lang="en-US" sz="1400" dirty="0">
+                <a:latin typeface="Hasklig Medium" panose="020B0509030403020204" pitchFamily="49" charset="0"/>
+                <a:ea typeface="Hasklig Medium" panose="020B0509030403020204" pitchFamily="49" charset="0"/>
+              </a:rPr>
+              <a:t>(</a:t>
+            </a:r>
+            <a:r>
+              <a:rPr lang="en-US" sz="1400" dirty="0">
+                <a:solidFill>
+                  <a:srgbClr val="C00000"/>
+                </a:solidFill>
+                <a:latin typeface="Hasklig Medium" panose="020B0509030403020204" pitchFamily="49" charset="0"/>
+                <a:ea typeface="Hasklig Medium" panose="020B0509030403020204" pitchFamily="49" charset="0"/>
+              </a:rPr>
+              <a:t>"Activity3"</a:t>
+            </a:r>
+            <a:r>
+              <a:rPr lang="en-US" sz="1400" dirty="0">
+                <a:latin typeface="Hasklig Medium" panose="020B0509030403020204" pitchFamily="49" charset="0"/>
+                <a:ea typeface="Hasklig Medium" panose="020B0509030403020204" pitchFamily="49" charset="0"/>
+              </a:rPr>
+              <a:t>);</a:t>
+            </a:r>
+          </a:p>
+          <a:p>
+            <a:endParaRPr lang="de-DE" sz="1400" dirty="0">
+              <a:latin typeface="Hasklig Medium" panose="020B0509030403020204" pitchFamily="49" charset="0"/>
+              <a:ea typeface="Hasklig Medium" panose="020B0509030403020204" pitchFamily="49" charset="0"/>
+            </a:endParaRPr>
           </a:p>
         </p:txBody>
       </p:sp>
     </p:spTree>
     <p:extLst>
       <p:ext uri="{BB962C8B-B14F-4D97-AF65-F5344CB8AC3E}">
-        <p14:creationId xmlns:p14="http://schemas.microsoft.com/office/powerpoint/2010/main" val="2003423784"/>
+        <p14:creationId xmlns:p14="http://schemas.microsoft.com/office/powerpoint/2010/main" val="3464234131"/>
       </p:ext>
     </p:extLst>
   </p:cSld>
   <p:clrMapOvr>
     <a:masterClrMapping/>
   </p:clrMapOvr>
+  <p:timing>
+    <p:tnLst>
+      <p:par>
+        <p:cTn id="1" dur="indefinite" restart="never" nodeType="tmRoot">
+          <p:childTnLst>
+            <p:seq concurrent="1" nextAc="seek">
+              <p:cTn id="2" dur="indefinite" nodeType="mainSeq">
+                <p:childTnLst>
+                  <p:par>
+                    <p:cTn id="3" fill="hold">
+                      <p:stCondLst>
+                        <p:cond delay="indefinite"/>
+                      </p:stCondLst>
+                      <p:childTnLst>
+                        <p:par>
+                          <p:cTn id="4" fill="hold">
+                            <p:stCondLst>
+                              <p:cond delay="0"/>
+                            </p:stCondLst>
+                            <p:childTnLst>
+                              <p:par>
+                                <p:cTn id="5" presetID="22" presetClass="entr" presetSubtype="4" fill="hold" nodeType="clickEffect">
+                                  <p:stCondLst>
+                                    <p:cond delay="0"/>
+                                  </p:stCondLst>
+                                  <p:childTnLst>
+                                    <p:set>
+                                      <p:cBhvr>
+                                        <p:cTn id="6" dur="1" fill="hold">
+                                          <p:stCondLst>
+                                            <p:cond delay="0"/>
+                                          </p:stCondLst>
+                                        </p:cTn>
+                                        <p:tgtEl>
+                                          <p:spTgt spid="16"/>
+                                        </p:tgtEl>
+                                        <p:attrNameLst>
+                                          <p:attrName>style.visibility</p:attrName>
+                                        </p:attrNameLst>
+                                      </p:cBhvr>
+                                      <p:to>
+                                        <p:strVal val="visible"/>
+                                      </p:to>
+                                    </p:set>
+                                    <p:animEffect transition="in" filter="wipe(down)">
+                                      <p:cBhvr>
+                                        <p:cTn id="7" dur="500"/>
+                                        <p:tgtEl>
+                                          <p:spTgt spid="16"/>
+                                        </p:tgtEl>
+                                      </p:cBhvr>
+                                    </p:animEffect>
+                                  </p:childTnLst>
+                                </p:cTn>
+                              </p:par>
+                              <p:par>
+                                <p:cTn id="8" presetID="22" presetClass="entr" presetSubtype="4" fill="hold" nodeType="withEffect">
+                                  <p:stCondLst>
+                                    <p:cond delay="0"/>
+                                  </p:stCondLst>
+                                  <p:childTnLst>
+                                    <p:set>
+                                      <p:cBhvr>
+                                        <p:cTn id="9" dur="1" fill="hold">
+                                          <p:stCondLst>
+                                            <p:cond delay="0"/>
+                                          </p:stCondLst>
+                                        </p:cTn>
+                                        <p:tgtEl>
+                                          <p:spTgt spid="12"/>
+                                        </p:tgtEl>
+                                        <p:attrNameLst>
+                                          <p:attrName>style.visibility</p:attrName>
+                                        </p:attrNameLst>
+                                      </p:cBhvr>
+                                      <p:to>
+                                        <p:strVal val="visible"/>
+                                      </p:to>
+                                    </p:set>
+                                    <p:animEffect transition="in" filter="wipe(down)">
+                                      <p:cBhvr>
+                                        <p:cTn id="10" dur="500"/>
+                                        <p:tgtEl>
+                                          <p:spTgt spid="12"/>
+                                        </p:tgtEl>
+                                      </p:cBhvr>
+                                    </p:animEffect>
+                                  </p:childTnLst>
+                                </p:cTn>
+                              </p:par>
+                              <p:par>
+                                <p:cTn id="11" presetID="22" presetClass="entr" presetSubtype="4" fill="hold" grpId="0" nodeType="withEffect">
+                                  <p:stCondLst>
+                                    <p:cond delay="0"/>
+                                  </p:stCondLst>
+                                  <p:childTnLst>
+                                    <p:set>
+                                      <p:cBhvr>
+                                        <p:cTn id="12" dur="1" fill="hold">
+                                          <p:stCondLst>
+                                            <p:cond delay="0"/>
+                                          </p:stCondLst>
+                                        </p:cTn>
+                                        <p:tgtEl>
+                                          <p:spTgt spid="24"/>
+                                        </p:tgtEl>
+                                        <p:attrNameLst>
+                                          <p:attrName>style.visibility</p:attrName>
+                                        </p:attrNameLst>
+                                      </p:cBhvr>
+                                      <p:to>
+                                        <p:strVal val="visible"/>
+                                      </p:to>
+                                    </p:set>
+                                    <p:animEffect transition="in" filter="wipe(down)">
+                                      <p:cBhvr>
+                                        <p:cTn id="13" dur="500"/>
+                                        <p:tgtEl>
+                                          <p:spTgt spid="24"/>
+                                        </p:tgtEl>
+                                      </p:cBhvr>
+                                    </p:animEffect>
+                                  </p:childTnLst>
+                                </p:cTn>
+                              </p:par>
+                              <p:par>
+                                <p:cTn id="14" presetID="22" presetClass="entr" presetSubtype="4" fill="hold" grpId="0" nodeType="withEffect">
+                                  <p:stCondLst>
+                                    <p:cond delay="0"/>
+                                  </p:stCondLst>
+                                  <p:childTnLst>
+                                    <p:set>
+                                      <p:cBhvr>
+                                        <p:cTn id="15" dur="1" fill="hold">
+                                          <p:stCondLst>
+                                            <p:cond delay="0"/>
+                                          </p:stCondLst>
+                                        </p:cTn>
+                                        <p:tgtEl>
+                                          <p:spTgt spid="23"/>
+                                        </p:tgtEl>
+                                        <p:attrNameLst>
+                                          <p:attrName>style.visibility</p:attrName>
+                                        </p:attrNameLst>
+                                      </p:cBhvr>
+                                      <p:to>
+                                        <p:strVal val="visible"/>
+                                      </p:to>
+                                    </p:set>
+                                    <p:animEffect transition="in" filter="wipe(down)">
+                                      <p:cBhvr>
+                                        <p:cTn id="16" dur="500"/>
+                                        <p:tgtEl>
+                                          <p:spTgt spid="23"/>
+                                        </p:tgtEl>
+                                      </p:cBhvr>
+                                    </p:animEffect>
+                                  </p:childTnLst>
+                                </p:cTn>
+                              </p:par>
+                              <p:par>
+                                <p:cTn id="17" presetID="22" presetClass="entr" presetSubtype="4" fill="hold" nodeType="withEffect">
+                                  <p:stCondLst>
+                                    <p:cond delay="0"/>
+                                  </p:stCondLst>
+                                  <p:childTnLst>
+                                    <p:set>
+                                      <p:cBhvr>
+                                        <p:cTn id="18" dur="1" fill="hold">
+                                          <p:stCondLst>
+                                            <p:cond delay="0"/>
+                                          </p:stCondLst>
+                                        </p:cTn>
+                                        <p:tgtEl>
+                                          <p:spTgt spid="11"/>
+                                        </p:tgtEl>
+                                        <p:attrNameLst>
+                                          <p:attrName>style.visibility</p:attrName>
+                                        </p:attrNameLst>
+                                      </p:cBhvr>
+                                      <p:to>
+                                        <p:strVal val="visible"/>
+                                      </p:to>
+                                    </p:set>
+                                    <p:animEffect transition="in" filter="wipe(down)">
+                                      <p:cBhvr>
+                                        <p:cTn id="19" dur="500"/>
+                                        <p:tgtEl>
+                                          <p:spTgt spid="11"/>
+                                        </p:tgtEl>
+                                      </p:cBhvr>
+                                    </p:animEffect>
+                                  </p:childTnLst>
+                                </p:cTn>
+                              </p:par>
+                              <p:par>
+                                <p:cTn id="20" presetID="22" presetClass="entr" presetSubtype="4" fill="hold" nodeType="withEffect">
+                                  <p:stCondLst>
+                                    <p:cond delay="0"/>
+                                  </p:stCondLst>
+                                  <p:childTnLst>
+                                    <p:set>
+                                      <p:cBhvr>
+                                        <p:cTn id="21" dur="1" fill="hold">
+                                          <p:stCondLst>
+                                            <p:cond delay="0"/>
+                                          </p:stCondLst>
+                                        </p:cTn>
+                                        <p:tgtEl>
+                                          <p:spTgt spid="15"/>
+                                        </p:tgtEl>
+                                        <p:attrNameLst>
+                                          <p:attrName>style.visibility</p:attrName>
+                                        </p:attrNameLst>
+                                      </p:cBhvr>
+                                      <p:to>
+                                        <p:strVal val="visible"/>
+                                      </p:to>
+                                    </p:set>
+                                    <p:animEffect transition="in" filter="wipe(down)">
+                                      <p:cBhvr>
+                                        <p:cTn id="22" dur="500"/>
+                                        <p:tgtEl>
+                                          <p:spTgt spid="15"/>
+                                        </p:tgtEl>
+                                      </p:cBhvr>
+                                    </p:animEffect>
+                                  </p:childTnLst>
+                                </p:cTn>
+                              </p:par>
+                              <p:par>
+                                <p:cTn id="23" presetID="22" presetClass="entr" presetSubtype="4" fill="hold" nodeType="withEffect">
+                                  <p:stCondLst>
+                                    <p:cond delay="0"/>
+                                  </p:stCondLst>
+                                  <p:childTnLst>
+                                    <p:set>
+                                      <p:cBhvr>
+                                        <p:cTn id="24" dur="1" fill="hold">
+                                          <p:stCondLst>
+                                            <p:cond delay="0"/>
+                                          </p:stCondLst>
+                                        </p:cTn>
+                                        <p:tgtEl>
+                                          <p:spTgt spid="14"/>
+                                        </p:tgtEl>
+                                        <p:attrNameLst>
+                                          <p:attrName>style.visibility</p:attrName>
+                                        </p:attrNameLst>
+                                      </p:cBhvr>
+                                      <p:to>
+                                        <p:strVal val="visible"/>
+                                      </p:to>
+                                    </p:set>
+                                    <p:animEffect transition="in" filter="wipe(down)">
+                                      <p:cBhvr>
+                                        <p:cTn id="25" dur="500"/>
+                                        <p:tgtEl>
+                                          <p:spTgt spid="14"/>
+                                        </p:tgtEl>
+                                      </p:cBhvr>
+                                    </p:animEffect>
+                                  </p:childTnLst>
+                                </p:cTn>
+                              </p:par>
+                              <p:par>
+                                <p:cTn id="26" presetID="22" presetClass="entr" presetSubtype="4" fill="hold" nodeType="withEffect">
+                                  <p:stCondLst>
+                                    <p:cond delay="0"/>
+                                  </p:stCondLst>
+                                  <p:childTnLst>
+                                    <p:set>
+                                      <p:cBhvr>
+                                        <p:cTn id="27" dur="1" fill="hold">
+                                          <p:stCondLst>
+                                            <p:cond delay="0"/>
+                                          </p:stCondLst>
+                                        </p:cTn>
+                                        <p:tgtEl>
+                                          <p:spTgt spid="10"/>
+                                        </p:tgtEl>
+                                        <p:attrNameLst>
+                                          <p:attrName>style.visibility</p:attrName>
+                                        </p:attrNameLst>
+                                      </p:cBhvr>
+                                      <p:to>
+                                        <p:strVal val="visible"/>
+                                      </p:to>
+                                    </p:set>
+                                    <p:animEffect transition="in" filter="wipe(down)">
+                                      <p:cBhvr>
+                                        <p:cTn id="28" dur="500"/>
+                                        <p:tgtEl>
+                                          <p:spTgt spid="10"/>
+                                        </p:tgtEl>
+                                      </p:cBhvr>
+                                    </p:animEffect>
+                                  </p:childTnLst>
+                                </p:cTn>
+                              </p:par>
+                              <p:par>
+                                <p:cTn id="29" presetID="22" presetClass="entr" presetSubtype="4" fill="hold" grpId="0" nodeType="withEffect">
+                                  <p:stCondLst>
+                                    <p:cond delay="0"/>
+                                  </p:stCondLst>
+                                  <p:childTnLst>
+                                    <p:set>
+                                      <p:cBhvr>
+                                        <p:cTn id="30" dur="1" fill="hold">
+                                          <p:stCondLst>
+                                            <p:cond delay="0"/>
+                                          </p:stCondLst>
+                                        </p:cTn>
+                                        <p:tgtEl>
+                                          <p:spTgt spid="27"/>
+                                        </p:tgtEl>
+                                        <p:attrNameLst>
+                                          <p:attrName>style.visibility</p:attrName>
+                                        </p:attrNameLst>
+                                      </p:cBhvr>
+                                      <p:to>
+                                        <p:strVal val="visible"/>
+                                      </p:to>
+                                    </p:set>
+                                    <p:animEffect transition="in" filter="wipe(down)">
+                                      <p:cBhvr>
+                                        <p:cTn id="31" dur="500"/>
+                                        <p:tgtEl>
+                                          <p:spTgt spid="27"/>
+                                        </p:tgtEl>
+                                      </p:cBhvr>
+                                    </p:animEffect>
+                                  </p:childTnLst>
+                                </p:cTn>
+                              </p:par>
+                            </p:childTnLst>
+                          </p:cTn>
+                        </p:par>
+                      </p:childTnLst>
+                    </p:cTn>
+                  </p:par>
+                </p:childTnLst>
+              </p:cTn>
+              <p:prevCondLst>
+                <p:cond evt="onPrev" delay="0">
+                  <p:tgtEl>
+                    <p:sldTgt/>
+                  </p:tgtEl>
+                </p:cond>
+              </p:prevCondLst>
+              <p:nextCondLst>
+                <p:cond evt="onNext" delay="0">
+                  <p:tgtEl>
+                    <p:sldTgt/>
+                  </p:tgtEl>
+                </p:cond>
+              </p:nextCondLst>
+            </p:seq>
+          </p:childTnLst>
+        </p:cTn>
+      </p:par>
+    </p:tnLst>
+    <p:bldLst>
+      <p:bldP spid="23" grpId="0"/>
+      <p:bldP spid="24" grpId="0"/>
+      <p:bldP spid="27" grpId="0"/>
+    </p:bldLst>
+  </p:timing>
 </p:sld>
 </file>
 
@@ -5900,7 +6799,7 @@
           <a:p>
             <a:r>
               <a:rPr lang="en-US" sz="2400" dirty="0"/>
-              <a:t>Pains of Durable Functions</a:t>
+              <a:t>Orchestrator Function Rules</a:t>
             </a:r>
             <a:endParaRPr lang="de-DE" sz="2400" dirty="0"/>
           </a:p>
@@ -5963,6 +6862,1072 @@
         </p:nvSpPr>
         <p:spPr>
           <a:xfrm>
+            <a:off x="3882895" y="1678476"/>
+            <a:ext cx="5673348" cy="3785652"/>
+          </a:xfrm>
+          <a:prstGeom prst="rect">
+            <a:avLst/>
+          </a:prstGeom>
+          <a:noFill/>
+        </p:spPr>
+        <p:txBody>
+          <a:bodyPr wrap="none" rtlCol="0">
+            <a:spAutoFit/>
+          </a:bodyPr>
+          <a:lstStyle/>
+          <a:p>
+            <a:r>
+              <a:rPr lang="en-US" sz="2000" b="1" dirty="0">
+                <a:solidFill>
+                  <a:srgbClr val="5A536D"/>
+                </a:solidFill>
+              </a:rPr>
+              <a:t>Durable Functions uses Azure Storage</a:t>
+            </a:r>
+          </a:p>
+          <a:p>
+            <a:endParaRPr lang="en-US" sz="2000" b="1" dirty="0">
+              <a:solidFill>
+                <a:srgbClr val="5A536D"/>
+              </a:solidFill>
+            </a:endParaRPr>
+          </a:p>
+          <a:p>
+            <a:r>
+              <a:rPr lang="en-US" sz="2000" b="1" dirty="0">
+                <a:solidFill>
+                  <a:srgbClr val="5A536D"/>
+                </a:solidFill>
+              </a:rPr>
+              <a:t>Storage Queues</a:t>
+            </a:r>
+          </a:p>
+          <a:p>
+            <a:pPr marL="800100" lvl="1" indent="-342900">
+              <a:buFont typeface="Symbol" panose="05050102010706020507" pitchFamily="18" charset="2"/>
+              <a:buChar char="-"/>
+            </a:pPr>
+            <a:r>
+              <a:rPr lang="en-US" sz="2000" dirty="0">
+                <a:solidFill>
+                  <a:srgbClr val="5A536D"/>
+                </a:solidFill>
+              </a:rPr>
+              <a:t>Messages to trigger the next function</a:t>
+            </a:r>
+          </a:p>
+          <a:p>
+            <a:endParaRPr lang="en-US" sz="2000" b="1" dirty="0">
+              <a:solidFill>
+                <a:srgbClr val="5A536D"/>
+              </a:solidFill>
+            </a:endParaRPr>
+          </a:p>
+          <a:p>
+            <a:r>
+              <a:rPr lang="en-US" sz="2000" b="1" dirty="0">
+                <a:solidFill>
+                  <a:srgbClr val="5A536D"/>
+                </a:solidFill>
+              </a:rPr>
+              <a:t>Storage Tables</a:t>
+            </a:r>
+          </a:p>
+          <a:p>
+            <a:pPr marL="800100" lvl="1" indent="-342900">
+              <a:buFont typeface="Symbol" panose="05050102010706020507" pitchFamily="18" charset="2"/>
+              <a:buChar char="-"/>
+            </a:pPr>
+            <a:r>
+              <a:rPr lang="en-US" sz="2000" dirty="0">
+                <a:solidFill>
+                  <a:srgbClr val="5A536D"/>
+                </a:solidFill>
+              </a:rPr>
+              <a:t>Store state of orchestrations</a:t>
+            </a:r>
+          </a:p>
+          <a:p>
+            <a:pPr marL="800100" lvl="1" indent="-342900">
+              <a:buFont typeface="Symbol" panose="05050102010706020507" pitchFamily="18" charset="2"/>
+              <a:buChar char="-"/>
+            </a:pPr>
+            <a:endParaRPr lang="en-US" sz="2000" dirty="0">
+              <a:solidFill>
+                <a:srgbClr val="5A536D"/>
+              </a:solidFill>
+            </a:endParaRPr>
+          </a:p>
+          <a:p>
+            <a:r>
+              <a:rPr lang="en-US" sz="2000" b="1" dirty="0">
+                <a:solidFill>
+                  <a:srgbClr val="5A536D"/>
+                </a:solidFill>
+              </a:rPr>
+              <a:t>Task Hub</a:t>
+            </a:r>
+          </a:p>
+          <a:p>
+            <a:pPr marL="800100" lvl="1" indent="-342900">
+              <a:buFont typeface="Symbol" panose="05050102010706020507" pitchFamily="18" charset="2"/>
+              <a:buChar char="-"/>
+            </a:pPr>
+            <a:r>
+              <a:rPr lang="en-US" sz="2000" dirty="0">
+                <a:solidFill>
+                  <a:srgbClr val="5A536D"/>
+                </a:solidFill>
+              </a:rPr>
+              <a:t>The storage used by Durable Functions</a:t>
+            </a:r>
+          </a:p>
+          <a:p>
+            <a:pPr marL="800100" lvl="1" indent="-342900">
+              <a:buFont typeface="Symbol" panose="05050102010706020507" pitchFamily="18" charset="2"/>
+              <a:buChar char="-"/>
+            </a:pPr>
+            <a:r>
+              <a:rPr lang="en-US" sz="2000" dirty="0">
+                <a:solidFill>
+                  <a:srgbClr val="5A536D"/>
+                </a:solidFill>
+              </a:rPr>
+              <a:t>You can use multiple task hubs</a:t>
+            </a:r>
+          </a:p>
+          <a:p>
+            <a:pPr marL="800100" lvl="1" indent="-342900">
+              <a:buFont typeface="Symbol" panose="05050102010706020507" pitchFamily="18" charset="2"/>
+              <a:buChar char="-"/>
+            </a:pPr>
+            <a:r>
+              <a:rPr lang="en-US" sz="2000" dirty="0">
+                <a:solidFill>
+                  <a:srgbClr val="5A536D"/>
+                </a:solidFill>
+              </a:rPr>
+              <a:t>They can share a storage account</a:t>
+            </a:r>
+          </a:p>
+        </p:txBody>
+      </p:sp>
+      <p:pic>
+        <p:nvPicPr>
+          <p:cNvPr id="4" name="Grafik 3">
+            <a:extLst>
+              <a:ext uri="{FF2B5EF4-FFF2-40B4-BE49-F238E27FC236}">
+                <a16:creationId xmlns:a16="http://schemas.microsoft.com/office/drawing/2014/main" id="{86E391B0-3209-4765-AF2B-2E10169E2F85}"/>
+              </a:ext>
+            </a:extLst>
+          </p:cNvPr>
+          <p:cNvPicPr>
+            <a:picLocks noChangeAspect="1"/>
+          </p:cNvPicPr>
+          <p:nvPr/>
+        </p:nvPicPr>
+        <p:blipFill>
+          <a:blip r:embed="rId2">
+            <a:extLst>
+              <a:ext uri="{28A0092B-C50C-407E-A947-70E740481C1C}">
+                <a14:useLocalDpi xmlns:a14="http://schemas.microsoft.com/office/drawing/2010/main" val="0"/>
+              </a:ext>
+            </a:extLst>
+          </a:blip>
+          <a:stretch>
+            <a:fillRect/>
+          </a:stretch>
+        </p:blipFill>
+        <p:spPr>
+          <a:xfrm>
+            <a:off x="838201" y="2476500"/>
+            <a:ext cx="1905000" cy="1905000"/>
+          </a:xfrm>
+          <a:prstGeom prst="rect">
+            <a:avLst/>
+          </a:prstGeom>
+        </p:spPr>
+      </p:pic>
+    </p:spTree>
+    <p:extLst>
+      <p:ext uri="{BB962C8B-B14F-4D97-AF65-F5344CB8AC3E}">
+        <p14:creationId xmlns:p14="http://schemas.microsoft.com/office/powerpoint/2010/main" val="1646258538"/>
+      </p:ext>
+    </p:extLst>
+  </p:cSld>
+  <p:clrMapOvr>
+    <a:masterClrMapping/>
+  </p:clrMapOvr>
+</p:sld>
+</file>
+
+<file path=ppt/slides/slide14.xml><?xml version="1.0" encoding="utf-8"?>
+<p:sld xmlns:a="http://schemas.openxmlformats.org/drawingml/2006/main" xmlns:r="http://schemas.openxmlformats.org/officeDocument/2006/relationships" xmlns:p="http://schemas.openxmlformats.org/presentationml/2006/main">
+  <p:cSld>
+    <p:spTree>
+      <p:nvGrpSpPr>
+        <p:cNvPr id="1" name=""/>
+        <p:cNvGrpSpPr/>
+        <p:nvPr/>
+      </p:nvGrpSpPr>
+      <p:grpSpPr>
+        <a:xfrm>
+          <a:off x="0" y="0"/>
+          <a:ext cx="0" cy="0"/>
+          <a:chOff x="0" y="0"/>
+          <a:chExt cx="0" cy="0"/>
+        </a:xfrm>
+      </p:grpSpPr>
+      <p:sp>
+        <p:nvSpPr>
+          <p:cNvPr id="3" name="Textplatzhalter 2">
+            <a:extLst>
+              <a:ext uri="{FF2B5EF4-FFF2-40B4-BE49-F238E27FC236}">
+                <a16:creationId xmlns:a16="http://schemas.microsoft.com/office/drawing/2014/main" id="{57625549-4941-4E12-AA37-2C694939FB57}"/>
+              </a:ext>
+            </a:extLst>
+          </p:cNvPr>
+          <p:cNvSpPr>
+            <a:spLocks noGrp="1"/>
+          </p:cNvSpPr>
+          <p:nvPr>
+            <p:ph type="body" sz="quarter" idx="13"/>
+          </p:nvPr>
+        </p:nvSpPr>
+        <p:spPr/>
+        <p:txBody>
+          <a:bodyPr>
+            <a:normAutofit/>
+          </a:bodyPr>
+          <a:lstStyle/>
+          <a:p>
+            <a:r>
+              <a:rPr lang="en-US" sz="2400" dirty="0"/>
+              <a:t>Durable Functions State Storage</a:t>
+            </a:r>
+            <a:endParaRPr lang="de-DE" sz="2400" dirty="0"/>
+          </a:p>
+        </p:txBody>
+      </p:sp>
+      <p:cxnSp>
+        <p:nvCxnSpPr>
+          <p:cNvPr id="6" name="Gerader Verbinder 5">
+            <a:extLst>
+              <a:ext uri="{FF2B5EF4-FFF2-40B4-BE49-F238E27FC236}">
+                <a16:creationId xmlns:a16="http://schemas.microsoft.com/office/drawing/2014/main" id="{7EFA8ABD-5F72-4B46-BE3A-27B92D0D2871}"/>
+              </a:ext>
+            </a:extLst>
+          </p:cNvPr>
+          <p:cNvCxnSpPr>
+            <a:cxnSpLocks/>
+          </p:cNvCxnSpPr>
+          <p:nvPr/>
+        </p:nvCxnSpPr>
+        <p:spPr>
+          <a:xfrm>
+            <a:off x="3343788" y="1278517"/>
+            <a:ext cx="0" cy="4585570"/>
+          </a:xfrm>
+          <a:prstGeom prst="line">
+            <a:avLst/>
+          </a:prstGeom>
+          <a:ln w="25400" cap="rnd">
+            <a:solidFill>
+              <a:srgbClr val="3F3658"/>
+            </a:solidFill>
+          </a:ln>
+        </p:spPr>
+        <p:style>
+          <a:lnRef idx="1">
+            <a:schemeClr val="accent1"/>
+          </a:lnRef>
+          <a:fillRef idx="0">
+            <a:schemeClr val="accent1"/>
+          </a:fillRef>
+          <a:effectRef idx="0">
+            <a:schemeClr val="accent1"/>
+          </a:effectRef>
+          <a:fontRef idx="minor">
+            <a:schemeClr val="tx1"/>
+          </a:fontRef>
+        </p:style>
+      </p:cxnSp>
+      <p:sp>
+        <p:nvSpPr>
+          <p:cNvPr id="7" name="Textfeld 6">
+            <a:extLst>
+              <a:ext uri="{FF2B5EF4-FFF2-40B4-BE49-F238E27FC236}">
+                <a16:creationId xmlns:a16="http://schemas.microsoft.com/office/drawing/2014/main" id="{3E5CCA95-BF7A-46E4-9279-89F179D25AE6}"/>
+              </a:ext>
+            </a:extLst>
+          </p:cNvPr>
+          <p:cNvSpPr txBox="1"/>
+          <p:nvPr/>
+        </p:nvSpPr>
+        <p:spPr>
+          <a:xfrm>
+            <a:off x="3882895" y="1678476"/>
+            <a:ext cx="5673348" cy="3785652"/>
+          </a:xfrm>
+          <a:prstGeom prst="rect">
+            <a:avLst/>
+          </a:prstGeom>
+          <a:noFill/>
+        </p:spPr>
+        <p:txBody>
+          <a:bodyPr wrap="none" rtlCol="0">
+            <a:spAutoFit/>
+          </a:bodyPr>
+          <a:lstStyle/>
+          <a:p>
+            <a:r>
+              <a:rPr lang="en-US" sz="2000" b="1" dirty="0">
+                <a:solidFill>
+                  <a:srgbClr val="5A536D"/>
+                </a:solidFill>
+              </a:rPr>
+              <a:t>Durable Functions uses Azure Storage</a:t>
+            </a:r>
+          </a:p>
+          <a:p>
+            <a:endParaRPr lang="en-US" sz="2000" b="1" dirty="0">
+              <a:solidFill>
+                <a:srgbClr val="5A536D"/>
+              </a:solidFill>
+            </a:endParaRPr>
+          </a:p>
+          <a:p>
+            <a:r>
+              <a:rPr lang="en-US" sz="2000" b="1" dirty="0">
+                <a:solidFill>
+                  <a:srgbClr val="5A536D"/>
+                </a:solidFill>
+              </a:rPr>
+              <a:t>Storage Queues</a:t>
+            </a:r>
+          </a:p>
+          <a:p>
+            <a:pPr marL="800100" lvl="1" indent="-342900">
+              <a:buFont typeface="Symbol" panose="05050102010706020507" pitchFamily="18" charset="2"/>
+              <a:buChar char="-"/>
+            </a:pPr>
+            <a:r>
+              <a:rPr lang="en-US" sz="2000" dirty="0">
+                <a:solidFill>
+                  <a:srgbClr val="5A536D"/>
+                </a:solidFill>
+              </a:rPr>
+              <a:t>Messages to trigger the next function</a:t>
+            </a:r>
+          </a:p>
+          <a:p>
+            <a:endParaRPr lang="en-US" sz="2000" b="1" dirty="0">
+              <a:solidFill>
+                <a:srgbClr val="5A536D"/>
+              </a:solidFill>
+            </a:endParaRPr>
+          </a:p>
+          <a:p>
+            <a:r>
+              <a:rPr lang="en-US" sz="2000" b="1" dirty="0">
+                <a:solidFill>
+                  <a:srgbClr val="5A536D"/>
+                </a:solidFill>
+              </a:rPr>
+              <a:t>Storage Tables</a:t>
+            </a:r>
+          </a:p>
+          <a:p>
+            <a:pPr marL="800100" lvl="1" indent="-342900">
+              <a:buFont typeface="Symbol" panose="05050102010706020507" pitchFamily="18" charset="2"/>
+              <a:buChar char="-"/>
+            </a:pPr>
+            <a:r>
+              <a:rPr lang="en-US" sz="2000" dirty="0">
+                <a:solidFill>
+                  <a:srgbClr val="5A536D"/>
+                </a:solidFill>
+              </a:rPr>
+              <a:t>Store state of orchestrations</a:t>
+            </a:r>
+          </a:p>
+          <a:p>
+            <a:pPr marL="800100" lvl="1" indent="-342900">
+              <a:buFont typeface="Symbol" panose="05050102010706020507" pitchFamily="18" charset="2"/>
+              <a:buChar char="-"/>
+            </a:pPr>
+            <a:endParaRPr lang="en-US" sz="2000" dirty="0">
+              <a:solidFill>
+                <a:srgbClr val="5A536D"/>
+              </a:solidFill>
+            </a:endParaRPr>
+          </a:p>
+          <a:p>
+            <a:r>
+              <a:rPr lang="en-US" sz="2000" b="1" dirty="0">
+                <a:solidFill>
+                  <a:srgbClr val="5A536D"/>
+                </a:solidFill>
+              </a:rPr>
+              <a:t>Task Hub</a:t>
+            </a:r>
+          </a:p>
+          <a:p>
+            <a:pPr marL="800100" lvl="1" indent="-342900">
+              <a:buFont typeface="Symbol" panose="05050102010706020507" pitchFamily="18" charset="2"/>
+              <a:buChar char="-"/>
+            </a:pPr>
+            <a:r>
+              <a:rPr lang="en-US" sz="2000" dirty="0">
+                <a:solidFill>
+                  <a:srgbClr val="5A536D"/>
+                </a:solidFill>
+              </a:rPr>
+              <a:t>The storage used by Durable Functions</a:t>
+            </a:r>
+          </a:p>
+          <a:p>
+            <a:pPr marL="800100" lvl="1" indent="-342900">
+              <a:buFont typeface="Symbol" panose="05050102010706020507" pitchFamily="18" charset="2"/>
+              <a:buChar char="-"/>
+            </a:pPr>
+            <a:r>
+              <a:rPr lang="en-US" sz="2000" dirty="0">
+                <a:solidFill>
+                  <a:srgbClr val="5A536D"/>
+                </a:solidFill>
+              </a:rPr>
+              <a:t>You can use multiple task hubs</a:t>
+            </a:r>
+          </a:p>
+          <a:p>
+            <a:pPr marL="800100" lvl="1" indent="-342900">
+              <a:buFont typeface="Symbol" panose="05050102010706020507" pitchFamily="18" charset="2"/>
+              <a:buChar char="-"/>
+            </a:pPr>
+            <a:r>
+              <a:rPr lang="en-US" sz="2000" dirty="0">
+                <a:solidFill>
+                  <a:srgbClr val="5A536D"/>
+                </a:solidFill>
+              </a:rPr>
+              <a:t>They can share a storage account</a:t>
+            </a:r>
+          </a:p>
+        </p:txBody>
+      </p:sp>
+      <p:pic>
+        <p:nvPicPr>
+          <p:cNvPr id="9" name="Grafik 8">
+            <a:extLst>
+              <a:ext uri="{FF2B5EF4-FFF2-40B4-BE49-F238E27FC236}">
+                <a16:creationId xmlns:a16="http://schemas.microsoft.com/office/drawing/2014/main" id="{EBC0C6E5-A148-40A3-B8F2-DE5286CA8540}"/>
+              </a:ext>
+            </a:extLst>
+          </p:cNvPr>
+          <p:cNvPicPr>
+            <a:picLocks noChangeAspect="1"/>
+          </p:cNvPicPr>
+          <p:nvPr/>
+        </p:nvPicPr>
+        <p:blipFill>
+          <a:blip r:embed="rId2">
+            <a:extLst>
+              <a:ext uri="{28A0092B-C50C-407E-A947-70E740481C1C}">
+                <a14:useLocalDpi xmlns:a14="http://schemas.microsoft.com/office/drawing/2010/main" val="0"/>
+              </a:ext>
+            </a:extLst>
+          </a:blip>
+          <a:stretch>
+            <a:fillRect/>
+          </a:stretch>
+        </p:blipFill>
+        <p:spPr>
+          <a:xfrm>
+            <a:off x="838201" y="2476500"/>
+            <a:ext cx="1905000" cy="1905000"/>
+          </a:xfrm>
+          <a:prstGeom prst="rect">
+            <a:avLst/>
+          </a:prstGeom>
+        </p:spPr>
+      </p:pic>
+    </p:spTree>
+    <p:extLst>
+      <p:ext uri="{BB962C8B-B14F-4D97-AF65-F5344CB8AC3E}">
+        <p14:creationId xmlns:p14="http://schemas.microsoft.com/office/powerpoint/2010/main" val="127222616"/>
+      </p:ext>
+    </p:extLst>
+  </p:cSld>
+  <p:clrMapOvr>
+    <a:masterClrMapping/>
+  </p:clrMapOvr>
+</p:sld>
+</file>
+
+<file path=ppt/slides/slide15.xml><?xml version="1.0" encoding="utf-8"?>
+<p:sld xmlns:a="http://schemas.openxmlformats.org/drawingml/2006/main" xmlns:r="http://schemas.openxmlformats.org/officeDocument/2006/relationships" xmlns:p="http://schemas.openxmlformats.org/presentationml/2006/main">
+  <p:cSld>
+    <p:spTree>
+      <p:nvGrpSpPr>
+        <p:cNvPr id="1" name=""/>
+        <p:cNvGrpSpPr/>
+        <p:nvPr/>
+      </p:nvGrpSpPr>
+      <p:grpSpPr>
+        <a:xfrm>
+          <a:off x="0" y="0"/>
+          <a:ext cx="0" cy="0"/>
+          <a:chOff x="0" y="0"/>
+          <a:chExt cx="0" cy="0"/>
+        </a:xfrm>
+      </p:grpSpPr>
+      <p:sp>
+        <p:nvSpPr>
+          <p:cNvPr id="3" name="Textplatzhalter 2">
+            <a:extLst>
+              <a:ext uri="{FF2B5EF4-FFF2-40B4-BE49-F238E27FC236}">
+                <a16:creationId xmlns:a16="http://schemas.microsoft.com/office/drawing/2014/main" id="{57625549-4941-4E12-AA37-2C694939FB57}"/>
+              </a:ext>
+            </a:extLst>
+          </p:cNvPr>
+          <p:cNvSpPr>
+            <a:spLocks noGrp="1"/>
+          </p:cNvSpPr>
+          <p:nvPr>
+            <p:ph type="body" sz="quarter" idx="13"/>
+          </p:nvPr>
+        </p:nvSpPr>
+        <p:spPr/>
+        <p:txBody>
+          <a:bodyPr>
+            <a:normAutofit/>
+          </a:bodyPr>
+          <a:lstStyle/>
+          <a:p>
+            <a:r>
+              <a:rPr lang="en-US" sz="2400" dirty="0"/>
+              <a:t>Demo: Simple Durable Functions Workflow</a:t>
+            </a:r>
+            <a:endParaRPr lang="de-DE" sz="2400" dirty="0"/>
+          </a:p>
+        </p:txBody>
+      </p:sp>
+      <p:cxnSp>
+        <p:nvCxnSpPr>
+          <p:cNvPr id="6" name="Gerader Verbinder 5">
+            <a:extLst>
+              <a:ext uri="{FF2B5EF4-FFF2-40B4-BE49-F238E27FC236}">
+                <a16:creationId xmlns:a16="http://schemas.microsoft.com/office/drawing/2014/main" id="{7EFA8ABD-5F72-4B46-BE3A-27B92D0D2871}"/>
+              </a:ext>
+            </a:extLst>
+          </p:cNvPr>
+          <p:cNvCxnSpPr>
+            <a:cxnSpLocks/>
+          </p:cNvCxnSpPr>
+          <p:nvPr/>
+        </p:nvCxnSpPr>
+        <p:spPr>
+          <a:xfrm>
+            <a:off x="3343788" y="1278517"/>
+            <a:ext cx="0" cy="4585570"/>
+          </a:xfrm>
+          <a:prstGeom prst="line">
+            <a:avLst/>
+          </a:prstGeom>
+          <a:ln w="25400" cap="rnd">
+            <a:solidFill>
+              <a:srgbClr val="3F3658"/>
+            </a:solidFill>
+          </a:ln>
+        </p:spPr>
+        <p:style>
+          <a:lnRef idx="1">
+            <a:schemeClr val="accent1"/>
+          </a:lnRef>
+          <a:fillRef idx="0">
+            <a:schemeClr val="accent1"/>
+          </a:fillRef>
+          <a:effectRef idx="0">
+            <a:schemeClr val="accent1"/>
+          </a:effectRef>
+          <a:fontRef idx="minor">
+            <a:schemeClr val="tx1"/>
+          </a:fontRef>
+        </p:style>
+      </p:cxnSp>
+      <p:sp>
+        <p:nvSpPr>
+          <p:cNvPr id="13" name="Textfeld 12">
+            <a:extLst>
+              <a:ext uri="{FF2B5EF4-FFF2-40B4-BE49-F238E27FC236}">
+                <a16:creationId xmlns:a16="http://schemas.microsoft.com/office/drawing/2014/main" id="{2F81F2AB-E65C-4B76-B7B9-679464B9904D}"/>
+              </a:ext>
+            </a:extLst>
+          </p:cNvPr>
+          <p:cNvSpPr txBox="1"/>
+          <p:nvPr/>
+        </p:nvSpPr>
+        <p:spPr>
+          <a:xfrm>
+            <a:off x="3876269" y="2678889"/>
+            <a:ext cx="5493812" cy="1500219"/>
+          </a:xfrm>
+          <a:prstGeom prst="rect">
+            <a:avLst/>
+          </a:prstGeom>
+          <a:noFill/>
+        </p:spPr>
+        <p:txBody>
+          <a:bodyPr wrap="none" rtlCol="0">
+            <a:spAutoFit/>
+          </a:bodyPr>
+          <a:lstStyle/>
+          <a:p>
+            <a:pPr>
+              <a:lnSpc>
+                <a:spcPct val="250000"/>
+              </a:lnSpc>
+            </a:pPr>
+            <a:r>
+              <a:rPr lang="en-US" sz="2000" b="1" dirty="0">
+                <a:solidFill>
+                  <a:srgbClr val="5A536D"/>
+                </a:solidFill>
+              </a:rPr>
+              <a:t>How to create a Durable Function Project</a:t>
+            </a:r>
+          </a:p>
+          <a:p>
+            <a:pPr>
+              <a:lnSpc>
+                <a:spcPct val="250000"/>
+              </a:lnSpc>
+            </a:pPr>
+            <a:r>
+              <a:rPr lang="en-US" sz="2000" b="1" dirty="0">
+                <a:solidFill>
+                  <a:srgbClr val="5A536D"/>
+                </a:solidFill>
+              </a:rPr>
+              <a:t>Approval Workflow with Durable Functions</a:t>
+            </a:r>
+            <a:endParaRPr lang="en-US" sz="2000" dirty="0">
+              <a:solidFill>
+                <a:srgbClr val="5A536D"/>
+              </a:solidFill>
+            </a:endParaRPr>
+          </a:p>
+        </p:txBody>
+      </p:sp>
+      <p:pic>
+        <p:nvPicPr>
+          <p:cNvPr id="15" name="Grafik 14">
+            <a:extLst>
+              <a:ext uri="{FF2B5EF4-FFF2-40B4-BE49-F238E27FC236}">
+                <a16:creationId xmlns:a16="http://schemas.microsoft.com/office/drawing/2014/main" id="{75C66F34-CCD3-4F4B-97B6-673D0AF7DCCE}"/>
+              </a:ext>
+            </a:extLst>
+          </p:cNvPr>
+          <p:cNvPicPr>
+            <a:picLocks noChangeAspect="1"/>
+          </p:cNvPicPr>
+          <p:nvPr/>
+        </p:nvPicPr>
+        <p:blipFill>
+          <a:blip r:embed="rId2">
+            <a:extLst>
+              <a:ext uri="{28A0092B-C50C-407E-A947-70E740481C1C}">
+                <a14:useLocalDpi xmlns:a14="http://schemas.microsoft.com/office/drawing/2010/main" val="0"/>
+              </a:ext>
+            </a:extLst>
+          </a:blip>
+          <a:stretch>
+            <a:fillRect/>
+          </a:stretch>
+        </p:blipFill>
+        <p:spPr>
+          <a:xfrm>
+            <a:off x="838201" y="2476498"/>
+            <a:ext cx="1905000" cy="1905000"/>
+          </a:xfrm>
+          <a:prstGeom prst="rect">
+            <a:avLst/>
+          </a:prstGeom>
+        </p:spPr>
+      </p:pic>
+    </p:spTree>
+    <p:extLst>
+      <p:ext uri="{BB962C8B-B14F-4D97-AF65-F5344CB8AC3E}">
+        <p14:creationId xmlns:p14="http://schemas.microsoft.com/office/powerpoint/2010/main" val="3728500141"/>
+      </p:ext>
+    </p:extLst>
+  </p:cSld>
+  <p:clrMapOvr>
+    <a:masterClrMapping/>
+  </p:clrMapOvr>
+</p:sld>
+</file>
+
+<file path=ppt/slides/slide16.xml><?xml version="1.0" encoding="utf-8"?>
+<p:sld xmlns:a="http://schemas.openxmlformats.org/drawingml/2006/main" xmlns:r="http://schemas.openxmlformats.org/officeDocument/2006/relationships" xmlns:p="http://schemas.openxmlformats.org/presentationml/2006/main">
+  <p:cSld>
+    <p:spTree>
+      <p:nvGrpSpPr>
+        <p:cNvPr id="1" name=""/>
+        <p:cNvGrpSpPr/>
+        <p:nvPr/>
+      </p:nvGrpSpPr>
+      <p:grpSpPr>
+        <a:xfrm>
+          <a:off x="0" y="0"/>
+          <a:ext cx="0" cy="0"/>
+          <a:chOff x="0" y="0"/>
+          <a:chExt cx="0" cy="0"/>
+        </a:xfrm>
+      </p:grpSpPr>
+      <p:sp>
+        <p:nvSpPr>
+          <p:cNvPr id="3" name="Textplatzhalter 2">
+            <a:extLst>
+              <a:ext uri="{FF2B5EF4-FFF2-40B4-BE49-F238E27FC236}">
+                <a16:creationId xmlns:a16="http://schemas.microsoft.com/office/drawing/2014/main" id="{57625549-4941-4E12-AA37-2C694939FB57}"/>
+              </a:ext>
+            </a:extLst>
+          </p:cNvPr>
+          <p:cNvSpPr>
+            <a:spLocks noGrp="1"/>
+          </p:cNvSpPr>
+          <p:nvPr>
+            <p:ph type="body" sz="quarter" idx="13"/>
+          </p:nvPr>
+        </p:nvSpPr>
+        <p:spPr/>
+        <p:txBody>
+          <a:bodyPr>
+            <a:normAutofit/>
+          </a:bodyPr>
+          <a:lstStyle/>
+          <a:p>
+            <a:r>
+              <a:rPr lang="en-US" sz="2400" dirty="0"/>
+              <a:t>Benefits of Durable Functions</a:t>
+            </a:r>
+            <a:endParaRPr lang="de-DE" sz="2400" dirty="0"/>
+          </a:p>
+        </p:txBody>
+      </p:sp>
+      <p:pic>
+        <p:nvPicPr>
+          <p:cNvPr id="4" name="Grafik 3">
+            <a:extLst>
+              <a:ext uri="{FF2B5EF4-FFF2-40B4-BE49-F238E27FC236}">
+                <a16:creationId xmlns:a16="http://schemas.microsoft.com/office/drawing/2014/main" id="{F688EBDA-04D3-4F87-8C8E-763AB5547EA2}"/>
+              </a:ext>
+            </a:extLst>
+          </p:cNvPr>
+          <p:cNvPicPr>
+            <a:picLocks noChangeAspect="1"/>
+          </p:cNvPicPr>
+          <p:nvPr/>
+        </p:nvPicPr>
+        <p:blipFill>
+          <a:blip r:embed="rId2">
+            <a:extLst>
+              <a:ext uri="{28A0092B-C50C-407E-A947-70E740481C1C}">
+                <a14:useLocalDpi xmlns:a14="http://schemas.microsoft.com/office/drawing/2010/main" val="0"/>
+              </a:ext>
+            </a:extLst>
+          </a:blip>
+          <a:stretch>
+            <a:fillRect/>
+          </a:stretch>
+        </p:blipFill>
+        <p:spPr>
+          <a:xfrm>
+            <a:off x="838201" y="2476500"/>
+            <a:ext cx="1905000" cy="1905000"/>
+          </a:xfrm>
+          <a:prstGeom prst="rect">
+            <a:avLst/>
+          </a:prstGeom>
+        </p:spPr>
+      </p:pic>
+      <p:cxnSp>
+        <p:nvCxnSpPr>
+          <p:cNvPr id="6" name="Gerader Verbinder 5">
+            <a:extLst>
+              <a:ext uri="{FF2B5EF4-FFF2-40B4-BE49-F238E27FC236}">
+                <a16:creationId xmlns:a16="http://schemas.microsoft.com/office/drawing/2014/main" id="{7EFA8ABD-5F72-4B46-BE3A-27B92D0D2871}"/>
+              </a:ext>
+            </a:extLst>
+          </p:cNvPr>
+          <p:cNvCxnSpPr>
+            <a:cxnSpLocks/>
+          </p:cNvCxnSpPr>
+          <p:nvPr/>
+        </p:nvCxnSpPr>
+        <p:spPr>
+          <a:xfrm>
+            <a:off x="3343788" y="1278517"/>
+            <a:ext cx="0" cy="4585570"/>
+          </a:xfrm>
+          <a:prstGeom prst="line">
+            <a:avLst/>
+          </a:prstGeom>
+          <a:ln w="25400" cap="rnd">
+            <a:solidFill>
+              <a:srgbClr val="3F3658"/>
+            </a:solidFill>
+          </a:ln>
+        </p:spPr>
+        <p:style>
+          <a:lnRef idx="1">
+            <a:schemeClr val="accent1"/>
+          </a:lnRef>
+          <a:fillRef idx="0">
+            <a:schemeClr val="accent1"/>
+          </a:fillRef>
+          <a:effectRef idx="0">
+            <a:schemeClr val="accent1"/>
+          </a:effectRef>
+          <a:fontRef idx="minor">
+            <a:schemeClr val="tx1"/>
+          </a:fontRef>
+        </p:style>
+      </p:cxnSp>
+      <p:sp>
+        <p:nvSpPr>
+          <p:cNvPr id="7" name="Textfeld 6">
+            <a:extLst>
+              <a:ext uri="{FF2B5EF4-FFF2-40B4-BE49-F238E27FC236}">
+                <a16:creationId xmlns:a16="http://schemas.microsoft.com/office/drawing/2014/main" id="{3E5CCA95-BF7A-46E4-9279-89F179D25AE6}"/>
+              </a:ext>
+            </a:extLst>
+          </p:cNvPr>
+          <p:cNvSpPr txBox="1"/>
+          <p:nvPr/>
+        </p:nvSpPr>
+        <p:spPr>
+          <a:xfrm>
+            <a:off x="3882895" y="1481499"/>
+            <a:ext cx="5306261" cy="3808543"/>
+          </a:xfrm>
+          <a:prstGeom prst="rect">
+            <a:avLst/>
+          </a:prstGeom>
+          <a:noFill/>
+        </p:spPr>
+        <p:txBody>
+          <a:bodyPr wrap="none" rtlCol="0">
+            <a:spAutoFit/>
+          </a:bodyPr>
+          <a:lstStyle/>
+          <a:p>
+            <a:pPr marL="342900" indent="-342900">
+              <a:lnSpc>
+                <a:spcPct val="250000"/>
+              </a:lnSpc>
+              <a:buFont typeface="+mj-lt"/>
+              <a:buAutoNum type="arabicPeriod"/>
+            </a:pPr>
+            <a:r>
+              <a:rPr lang="en-US" sz="2000" dirty="0">
+                <a:solidFill>
+                  <a:srgbClr val="5A536D"/>
+                </a:solidFill>
+              </a:rPr>
+              <a:t>Define workflows in code</a:t>
+            </a:r>
+          </a:p>
+          <a:p>
+            <a:pPr marL="342900" indent="-342900">
+              <a:lnSpc>
+                <a:spcPct val="250000"/>
+              </a:lnSpc>
+              <a:buFont typeface="+mj-lt"/>
+              <a:buAutoNum type="arabicPeriod"/>
+            </a:pPr>
+            <a:r>
+              <a:rPr lang="en-US" sz="2000" dirty="0">
+                <a:solidFill>
+                  <a:srgbClr val="5A536D"/>
+                </a:solidFill>
+              </a:rPr>
+              <a:t>Easy to implement complex workflows</a:t>
+            </a:r>
+          </a:p>
+          <a:p>
+            <a:pPr marL="342900" indent="-342900">
+              <a:lnSpc>
+                <a:spcPct val="250000"/>
+              </a:lnSpc>
+              <a:buFont typeface="+mj-lt"/>
+              <a:buAutoNum type="arabicPeriod"/>
+            </a:pPr>
+            <a:r>
+              <a:rPr lang="en-US" sz="2000" dirty="0">
+                <a:solidFill>
+                  <a:srgbClr val="5A536D"/>
+                </a:solidFill>
+              </a:rPr>
+              <a:t>Consolidate exception handling</a:t>
+            </a:r>
+          </a:p>
+          <a:p>
+            <a:pPr marL="342900" indent="-342900">
+              <a:lnSpc>
+                <a:spcPct val="250000"/>
+              </a:lnSpc>
+              <a:buFont typeface="+mj-lt"/>
+              <a:buAutoNum type="arabicPeriod"/>
+            </a:pPr>
+            <a:r>
+              <a:rPr lang="en-US" sz="2000" dirty="0">
+                <a:solidFill>
+                  <a:srgbClr val="5A536D"/>
+                </a:solidFill>
+              </a:rPr>
+              <a:t>Check on progress or cancel workflow</a:t>
+            </a:r>
+          </a:p>
+          <a:p>
+            <a:pPr marL="342900" indent="-342900">
+              <a:lnSpc>
+                <a:spcPct val="250000"/>
+              </a:lnSpc>
+              <a:buFont typeface="+mj-lt"/>
+              <a:buAutoNum type="arabicPeriod"/>
+            </a:pPr>
+            <a:r>
+              <a:rPr lang="en-US" sz="2000" dirty="0">
+                <a:solidFill>
+                  <a:srgbClr val="5A536D"/>
+                </a:solidFill>
+              </a:rPr>
+              <a:t>Manage state for you</a:t>
+            </a:r>
+          </a:p>
+        </p:txBody>
+      </p:sp>
+    </p:spTree>
+    <p:extLst>
+      <p:ext uri="{BB962C8B-B14F-4D97-AF65-F5344CB8AC3E}">
+        <p14:creationId xmlns:p14="http://schemas.microsoft.com/office/powerpoint/2010/main" val="2003423784"/>
+      </p:ext>
+    </p:extLst>
+  </p:cSld>
+  <p:clrMapOvr>
+    <a:masterClrMapping/>
+  </p:clrMapOvr>
+</p:sld>
+</file>
+
+<file path=ppt/slides/slide17.xml><?xml version="1.0" encoding="utf-8"?>
+<p:sld xmlns:a="http://schemas.openxmlformats.org/drawingml/2006/main" xmlns:r="http://schemas.openxmlformats.org/officeDocument/2006/relationships" xmlns:p="http://schemas.openxmlformats.org/presentationml/2006/main">
+  <p:cSld>
+    <p:spTree>
+      <p:nvGrpSpPr>
+        <p:cNvPr id="1" name=""/>
+        <p:cNvGrpSpPr/>
+        <p:nvPr/>
+      </p:nvGrpSpPr>
+      <p:grpSpPr>
+        <a:xfrm>
+          <a:off x="0" y="0"/>
+          <a:ext cx="0" cy="0"/>
+          <a:chOff x="0" y="0"/>
+          <a:chExt cx="0" cy="0"/>
+        </a:xfrm>
+      </p:grpSpPr>
+      <p:sp>
+        <p:nvSpPr>
+          <p:cNvPr id="3" name="Textplatzhalter 2">
+            <a:extLst>
+              <a:ext uri="{FF2B5EF4-FFF2-40B4-BE49-F238E27FC236}">
+                <a16:creationId xmlns:a16="http://schemas.microsoft.com/office/drawing/2014/main" id="{57625549-4941-4E12-AA37-2C694939FB57}"/>
+              </a:ext>
+            </a:extLst>
+          </p:cNvPr>
+          <p:cNvSpPr>
+            <a:spLocks noGrp="1"/>
+          </p:cNvSpPr>
+          <p:nvPr>
+            <p:ph type="body" sz="quarter" idx="13"/>
+          </p:nvPr>
+        </p:nvSpPr>
+        <p:spPr/>
+        <p:txBody>
+          <a:bodyPr>
+            <a:normAutofit/>
+          </a:bodyPr>
+          <a:lstStyle/>
+          <a:p>
+            <a:r>
+              <a:rPr lang="en-US" sz="2400" dirty="0"/>
+              <a:t>Pains of Durable Functions</a:t>
+            </a:r>
+            <a:endParaRPr lang="de-DE" sz="2400" dirty="0"/>
+          </a:p>
+        </p:txBody>
+      </p:sp>
+      <p:cxnSp>
+        <p:nvCxnSpPr>
+          <p:cNvPr id="6" name="Gerader Verbinder 5">
+            <a:extLst>
+              <a:ext uri="{FF2B5EF4-FFF2-40B4-BE49-F238E27FC236}">
+                <a16:creationId xmlns:a16="http://schemas.microsoft.com/office/drawing/2014/main" id="{7EFA8ABD-5F72-4B46-BE3A-27B92D0D2871}"/>
+              </a:ext>
+            </a:extLst>
+          </p:cNvPr>
+          <p:cNvCxnSpPr>
+            <a:cxnSpLocks/>
+          </p:cNvCxnSpPr>
+          <p:nvPr/>
+        </p:nvCxnSpPr>
+        <p:spPr>
+          <a:xfrm>
+            <a:off x="3343788" y="1278517"/>
+            <a:ext cx="0" cy="4585570"/>
+          </a:xfrm>
+          <a:prstGeom prst="line">
+            <a:avLst/>
+          </a:prstGeom>
+          <a:ln w="25400" cap="rnd">
+            <a:solidFill>
+              <a:srgbClr val="3F3658"/>
+            </a:solidFill>
+          </a:ln>
+        </p:spPr>
+        <p:style>
+          <a:lnRef idx="1">
+            <a:schemeClr val="accent1"/>
+          </a:lnRef>
+          <a:fillRef idx="0">
+            <a:schemeClr val="accent1"/>
+          </a:fillRef>
+          <a:effectRef idx="0">
+            <a:schemeClr val="accent1"/>
+          </a:effectRef>
+          <a:fontRef idx="minor">
+            <a:schemeClr val="tx1"/>
+          </a:fontRef>
+        </p:style>
+      </p:cxnSp>
+      <p:sp>
+        <p:nvSpPr>
+          <p:cNvPr id="7" name="Textfeld 6">
+            <a:extLst>
+              <a:ext uri="{FF2B5EF4-FFF2-40B4-BE49-F238E27FC236}">
+                <a16:creationId xmlns:a16="http://schemas.microsoft.com/office/drawing/2014/main" id="{3E5CCA95-BF7A-46E4-9279-89F179D25AE6}"/>
+              </a:ext>
+            </a:extLst>
+          </p:cNvPr>
+          <p:cNvSpPr txBox="1"/>
+          <p:nvPr/>
+        </p:nvSpPr>
+        <p:spPr>
+          <a:xfrm>
             <a:off x="3882895" y="1667030"/>
             <a:ext cx="7553671" cy="3808543"/>
           </a:xfrm>
@@ -6109,7 +8074,7 @@
 </p:sld>
 </file>
 
-<file path=ppt/slides/slide14.xml><?xml version="1.0" encoding="utf-8"?>
+<file path=ppt/slides/slide18.xml><?xml version="1.0" encoding="utf-8"?>
 <p:sld xmlns:a="http://schemas.openxmlformats.org/drawingml/2006/main" xmlns:r="http://schemas.openxmlformats.org/officeDocument/2006/relationships" xmlns:p="http://schemas.openxmlformats.org/presentationml/2006/main">
   <p:cSld>
     <p:spTree>

--- a/slides/Durable_Functions.pptx
+++ b/slides/Durable_Functions.pptx
@@ -4225,157 +4225,6 @@
   <p:clrMapOvr>
     <a:masterClrMapping/>
   </p:clrMapOvr>
-  <p:timing>
-    <p:tnLst>
-      <p:par>
-        <p:cTn id="1" dur="indefinite" restart="never" nodeType="tmRoot">
-          <p:childTnLst>
-            <p:seq concurrent="1" nextAc="seek">
-              <p:cTn id="2" dur="indefinite" nodeType="mainSeq">
-                <p:childTnLst>
-                  <p:par>
-                    <p:cTn id="3" fill="hold">
-                      <p:stCondLst>
-                        <p:cond delay="indefinite"/>
-                      </p:stCondLst>
-                      <p:childTnLst>
-                        <p:par>
-                          <p:cTn id="4" fill="hold">
-                            <p:stCondLst>
-                              <p:cond delay="0"/>
-                            </p:stCondLst>
-                            <p:childTnLst>
-                              <p:par>
-                                <p:cTn id="5" presetID="1" presetClass="entr" presetSubtype="0" fill="hold" grpId="0" nodeType="clickEffect">
-                                  <p:stCondLst>
-                                    <p:cond delay="0"/>
-                                  </p:stCondLst>
-                                  <p:childTnLst>
-                                    <p:set>
-                                      <p:cBhvr>
-                                        <p:cTn id="6" dur="1" fill="hold">
-                                          <p:stCondLst>
-                                            <p:cond delay="0"/>
-                                          </p:stCondLst>
-                                        </p:cTn>
-                                        <p:tgtEl>
-                                          <p:spTgt spid="10"/>
-                                        </p:tgtEl>
-                                        <p:attrNameLst>
-                                          <p:attrName>style.visibility</p:attrName>
-                                        </p:attrNameLst>
-                                      </p:cBhvr>
-                                      <p:to>
-                                        <p:strVal val="visible"/>
-                                      </p:to>
-                                    </p:set>
-                                  </p:childTnLst>
-                                </p:cTn>
-                              </p:par>
-                            </p:childTnLst>
-                          </p:cTn>
-                        </p:par>
-                      </p:childTnLst>
-                    </p:cTn>
-                  </p:par>
-                  <p:par>
-                    <p:cTn id="7" fill="hold">
-                      <p:stCondLst>
-                        <p:cond delay="indefinite"/>
-                      </p:stCondLst>
-                      <p:childTnLst>
-                        <p:par>
-                          <p:cTn id="8" fill="hold">
-                            <p:stCondLst>
-                              <p:cond delay="0"/>
-                            </p:stCondLst>
-                            <p:childTnLst>
-                              <p:par>
-                                <p:cTn id="9" presetID="1" presetClass="entr" presetSubtype="0" fill="hold" grpId="0" nodeType="clickEffect">
-                                  <p:stCondLst>
-                                    <p:cond delay="0"/>
-                                  </p:stCondLst>
-                                  <p:childTnLst>
-                                    <p:set>
-                                      <p:cBhvr>
-                                        <p:cTn id="10" dur="1" fill="hold">
-                                          <p:stCondLst>
-                                            <p:cond delay="0"/>
-                                          </p:stCondLst>
-                                        </p:cTn>
-                                        <p:tgtEl>
-                                          <p:spTgt spid="11"/>
-                                        </p:tgtEl>
-                                        <p:attrNameLst>
-                                          <p:attrName>style.visibility</p:attrName>
-                                        </p:attrNameLst>
-                                      </p:cBhvr>
-                                      <p:to>
-                                        <p:strVal val="visible"/>
-                                      </p:to>
-                                    </p:set>
-                                  </p:childTnLst>
-                                </p:cTn>
-                              </p:par>
-                              <p:par>
-                                <p:cTn id="11" presetID="1" presetClass="entr" presetSubtype="0" fill="hold" nodeType="withEffect">
-                                  <p:stCondLst>
-                                    <p:cond delay="0"/>
-                                  </p:stCondLst>
-                                  <p:childTnLst>
-                                    <p:set>
-                                      <p:cBhvr>
-                                        <p:cTn id="12" dur="1" fill="hold">
-                                          <p:stCondLst>
-                                            <p:cond delay="0"/>
-                                          </p:stCondLst>
-                                        </p:cTn>
-                                        <p:tgtEl>
-                                          <p:spTgt spid="15"/>
-                                        </p:tgtEl>
-                                        <p:attrNameLst>
-                                          <p:attrName>style.visibility</p:attrName>
-                                        </p:attrNameLst>
-                                      </p:cBhvr>
-                                      <p:to>
-                                        <p:strVal val="visible"/>
-                                      </p:to>
-                                    </p:set>
-                                  </p:childTnLst>
-                                </p:cTn>
-                              </p:par>
-                            </p:childTnLst>
-                          </p:cTn>
-                        </p:par>
-                      </p:childTnLst>
-                    </p:cTn>
-                  </p:par>
-                </p:childTnLst>
-              </p:cTn>
-              <p:prevCondLst>
-                <p:cond evt="onPrev" delay="0">
-                  <p:tgtEl>
-                    <p:sldTgt/>
-                  </p:tgtEl>
-                </p:cond>
-              </p:prevCondLst>
-              <p:nextCondLst>
-                <p:cond evt="onNext" delay="0">
-                  <p:tgtEl>
-                    <p:sldTgt/>
-                  </p:tgtEl>
-                </p:cond>
-              </p:nextCondLst>
-            </p:seq>
-          </p:childTnLst>
-        </p:cTn>
-      </p:par>
-    </p:tnLst>
-    <p:bldLst>
-      <p:bldP spid="10" grpId="0"/>
-      <p:bldP spid="11" grpId="0"/>
-    </p:bldLst>
-  </p:timing>
 </p:sld>
 </file>
 
@@ -6386,374 +6235,6 @@
   <p:clrMapOvr>
     <a:masterClrMapping/>
   </p:clrMapOvr>
-  <p:timing>
-    <p:tnLst>
-      <p:par>
-        <p:cTn id="1" dur="indefinite" restart="never" nodeType="tmRoot">
-          <p:childTnLst>
-            <p:seq concurrent="1" nextAc="seek">
-              <p:cTn id="2" dur="indefinite" nodeType="mainSeq">
-                <p:childTnLst>
-                  <p:par>
-                    <p:cTn id="3" fill="hold">
-                      <p:stCondLst>
-                        <p:cond delay="indefinite"/>
-                      </p:stCondLst>
-                      <p:childTnLst>
-                        <p:par>
-                          <p:cTn id="4" fill="hold">
-                            <p:stCondLst>
-                              <p:cond delay="0"/>
-                            </p:stCondLst>
-                            <p:childTnLst>
-                              <p:par>
-                                <p:cTn id="5" presetID="22" presetClass="entr" presetSubtype="4" fill="hold" nodeType="clickEffect">
-                                  <p:stCondLst>
-                                    <p:cond delay="0"/>
-                                  </p:stCondLst>
-                                  <p:childTnLst>
-                                    <p:set>
-                                      <p:cBhvr>
-                                        <p:cTn id="6" dur="1" fill="hold">
-                                          <p:stCondLst>
-                                            <p:cond delay="0"/>
-                                          </p:stCondLst>
-                                        </p:cTn>
-                                        <p:tgtEl>
-                                          <p:spTgt spid="16"/>
-                                        </p:tgtEl>
-                                        <p:attrNameLst>
-                                          <p:attrName>style.visibility</p:attrName>
-                                        </p:attrNameLst>
-                                      </p:cBhvr>
-                                      <p:to>
-                                        <p:strVal val="visible"/>
-                                      </p:to>
-                                    </p:set>
-                                    <p:animEffect transition="in" filter="wipe(down)">
-                                      <p:cBhvr>
-                                        <p:cTn id="7" dur="500"/>
-                                        <p:tgtEl>
-                                          <p:spTgt spid="16"/>
-                                        </p:tgtEl>
-                                      </p:cBhvr>
-                                    </p:animEffect>
-                                  </p:childTnLst>
-                                </p:cTn>
-                              </p:par>
-                              <p:par>
-                                <p:cTn id="8" presetID="22" presetClass="entr" presetSubtype="4" fill="hold" nodeType="withEffect">
-                                  <p:stCondLst>
-                                    <p:cond delay="0"/>
-                                  </p:stCondLst>
-                                  <p:childTnLst>
-                                    <p:set>
-                                      <p:cBhvr>
-                                        <p:cTn id="9" dur="1" fill="hold">
-                                          <p:stCondLst>
-                                            <p:cond delay="0"/>
-                                          </p:stCondLst>
-                                        </p:cTn>
-                                        <p:tgtEl>
-                                          <p:spTgt spid="12"/>
-                                        </p:tgtEl>
-                                        <p:attrNameLst>
-                                          <p:attrName>style.visibility</p:attrName>
-                                        </p:attrNameLst>
-                                      </p:cBhvr>
-                                      <p:to>
-                                        <p:strVal val="visible"/>
-                                      </p:to>
-                                    </p:set>
-                                    <p:animEffect transition="in" filter="wipe(down)">
-                                      <p:cBhvr>
-                                        <p:cTn id="10" dur="500"/>
-                                        <p:tgtEl>
-                                          <p:spTgt spid="12"/>
-                                        </p:tgtEl>
-                                      </p:cBhvr>
-                                    </p:animEffect>
-                                  </p:childTnLst>
-                                </p:cTn>
-                              </p:par>
-                              <p:par>
-                                <p:cTn id="11" presetID="22" presetClass="entr" presetSubtype="4" fill="hold" grpId="0" nodeType="withEffect">
-                                  <p:stCondLst>
-                                    <p:cond delay="0"/>
-                                  </p:stCondLst>
-                                  <p:childTnLst>
-                                    <p:set>
-                                      <p:cBhvr>
-                                        <p:cTn id="12" dur="1" fill="hold">
-                                          <p:stCondLst>
-                                            <p:cond delay="0"/>
-                                          </p:stCondLst>
-                                        </p:cTn>
-                                        <p:tgtEl>
-                                          <p:spTgt spid="24"/>
-                                        </p:tgtEl>
-                                        <p:attrNameLst>
-                                          <p:attrName>style.visibility</p:attrName>
-                                        </p:attrNameLst>
-                                      </p:cBhvr>
-                                      <p:to>
-                                        <p:strVal val="visible"/>
-                                      </p:to>
-                                    </p:set>
-                                    <p:animEffect transition="in" filter="wipe(down)">
-                                      <p:cBhvr>
-                                        <p:cTn id="13" dur="500"/>
-                                        <p:tgtEl>
-                                          <p:spTgt spid="24"/>
-                                        </p:tgtEl>
-                                      </p:cBhvr>
-                                    </p:animEffect>
-                                  </p:childTnLst>
-                                </p:cTn>
-                              </p:par>
-                              <p:par>
-                                <p:cTn id="14" presetID="22" presetClass="entr" presetSubtype="4" fill="hold" grpId="0" nodeType="withEffect">
-                                  <p:stCondLst>
-                                    <p:cond delay="0"/>
-                                  </p:stCondLst>
-                                  <p:childTnLst>
-                                    <p:set>
-                                      <p:cBhvr>
-                                        <p:cTn id="15" dur="1" fill="hold">
-                                          <p:stCondLst>
-                                            <p:cond delay="0"/>
-                                          </p:stCondLst>
-                                        </p:cTn>
-                                        <p:tgtEl>
-                                          <p:spTgt spid="23"/>
-                                        </p:tgtEl>
-                                        <p:attrNameLst>
-                                          <p:attrName>style.visibility</p:attrName>
-                                        </p:attrNameLst>
-                                      </p:cBhvr>
-                                      <p:to>
-                                        <p:strVal val="visible"/>
-                                      </p:to>
-                                    </p:set>
-                                    <p:animEffect transition="in" filter="wipe(down)">
-                                      <p:cBhvr>
-                                        <p:cTn id="16" dur="500"/>
-                                        <p:tgtEl>
-                                          <p:spTgt spid="23"/>
-                                        </p:tgtEl>
-                                      </p:cBhvr>
-                                    </p:animEffect>
-                                  </p:childTnLst>
-                                </p:cTn>
-                              </p:par>
-                              <p:par>
-                                <p:cTn id="17" presetID="22" presetClass="entr" presetSubtype="4" fill="hold" nodeType="withEffect">
-                                  <p:stCondLst>
-                                    <p:cond delay="0"/>
-                                  </p:stCondLst>
-                                  <p:childTnLst>
-                                    <p:set>
-                                      <p:cBhvr>
-                                        <p:cTn id="18" dur="1" fill="hold">
-                                          <p:stCondLst>
-                                            <p:cond delay="0"/>
-                                          </p:stCondLst>
-                                        </p:cTn>
-                                        <p:tgtEl>
-                                          <p:spTgt spid="11"/>
-                                        </p:tgtEl>
-                                        <p:attrNameLst>
-                                          <p:attrName>style.visibility</p:attrName>
-                                        </p:attrNameLst>
-                                      </p:cBhvr>
-                                      <p:to>
-                                        <p:strVal val="visible"/>
-                                      </p:to>
-                                    </p:set>
-                                    <p:animEffect transition="in" filter="wipe(down)">
-                                      <p:cBhvr>
-                                        <p:cTn id="19" dur="500"/>
-                                        <p:tgtEl>
-                                          <p:spTgt spid="11"/>
-                                        </p:tgtEl>
-                                      </p:cBhvr>
-                                    </p:animEffect>
-                                  </p:childTnLst>
-                                </p:cTn>
-                              </p:par>
-                              <p:par>
-                                <p:cTn id="20" presetID="22" presetClass="entr" presetSubtype="4" fill="hold" nodeType="withEffect">
-                                  <p:stCondLst>
-                                    <p:cond delay="0"/>
-                                  </p:stCondLst>
-                                  <p:childTnLst>
-                                    <p:set>
-                                      <p:cBhvr>
-                                        <p:cTn id="21" dur="1" fill="hold">
-                                          <p:stCondLst>
-                                            <p:cond delay="0"/>
-                                          </p:stCondLst>
-                                        </p:cTn>
-                                        <p:tgtEl>
-                                          <p:spTgt spid="15"/>
-                                        </p:tgtEl>
-                                        <p:attrNameLst>
-                                          <p:attrName>style.visibility</p:attrName>
-                                        </p:attrNameLst>
-                                      </p:cBhvr>
-                                      <p:to>
-                                        <p:strVal val="visible"/>
-                                      </p:to>
-                                    </p:set>
-                                    <p:animEffect transition="in" filter="wipe(down)">
-                                      <p:cBhvr>
-                                        <p:cTn id="22" dur="500"/>
-                                        <p:tgtEl>
-                                          <p:spTgt spid="15"/>
-                                        </p:tgtEl>
-                                      </p:cBhvr>
-                                    </p:animEffect>
-                                  </p:childTnLst>
-                                </p:cTn>
-                              </p:par>
-                              <p:par>
-                                <p:cTn id="23" presetID="22" presetClass="entr" presetSubtype="4" fill="hold" nodeType="withEffect">
-                                  <p:stCondLst>
-                                    <p:cond delay="0"/>
-                                  </p:stCondLst>
-                                  <p:childTnLst>
-                                    <p:set>
-                                      <p:cBhvr>
-                                        <p:cTn id="24" dur="1" fill="hold">
-                                          <p:stCondLst>
-                                            <p:cond delay="0"/>
-                                          </p:stCondLst>
-                                        </p:cTn>
-                                        <p:tgtEl>
-                                          <p:spTgt spid="14"/>
-                                        </p:tgtEl>
-                                        <p:attrNameLst>
-                                          <p:attrName>style.visibility</p:attrName>
-                                        </p:attrNameLst>
-                                      </p:cBhvr>
-                                      <p:to>
-                                        <p:strVal val="visible"/>
-                                      </p:to>
-                                    </p:set>
-                                    <p:animEffect transition="in" filter="wipe(down)">
-                                      <p:cBhvr>
-                                        <p:cTn id="25" dur="500"/>
-                                        <p:tgtEl>
-                                          <p:spTgt spid="14"/>
-                                        </p:tgtEl>
-                                      </p:cBhvr>
-                                    </p:animEffect>
-                                  </p:childTnLst>
-                                </p:cTn>
-                              </p:par>
-                              <p:par>
-                                <p:cTn id="26" presetID="22" presetClass="entr" presetSubtype="4" fill="hold" nodeType="withEffect">
-                                  <p:stCondLst>
-                                    <p:cond delay="0"/>
-                                  </p:stCondLst>
-                                  <p:childTnLst>
-                                    <p:set>
-                                      <p:cBhvr>
-                                        <p:cTn id="27" dur="1" fill="hold">
-                                          <p:stCondLst>
-                                            <p:cond delay="0"/>
-                                          </p:stCondLst>
-                                        </p:cTn>
-                                        <p:tgtEl>
-                                          <p:spTgt spid="10"/>
-                                        </p:tgtEl>
-                                        <p:attrNameLst>
-                                          <p:attrName>style.visibility</p:attrName>
-                                        </p:attrNameLst>
-                                      </p:cBhvr>
-                                      <p:to>
-                                        <p:strVal val="visible"/>
-                                      </p:to>
-                                    </p:set>
-                                    <p:animEffect transition="in" filter="wipe(down)">
-                                      <p:cBhvr>
-                                        <p:cTn id="28" dur="500"/>
-                                        <p:tgtEl>
-                                          <p:spTgt spid="10"/>
-                                        </p:tgtEl>
-                                      </p:cBhvr>
-                                    </p:animEffect>
-                                  </p:childTnLst>
-                                </p:cTn>
-                              </p:par>
-                              <p:par>
-                                <p:cTn id="29" presetID="22" presetClass="entr" presetSubtype="4" fill="hold" grpId="0" nodeType="withEffect">
-                                  <p:stCondLst>
-                                    <p:cond delay="0"/>
-                                  </p:stCondLst>
-                                  <p:childTnLst>
-                                    <p:set>
-                                      <p:cBhvr>
-                                        <p:cTn id="30" dur="1" fill="hold">
-                                          <p:stCondLst>
-                                            <p:cond delay="0"/>
-                                          </p:stCondLst>
-                                        </p:cTn>
-                                        <p:tgtEl>
-                                          <p:spTgt spid="27"/>
-                                        </p:tgtEl>
-                                        <p:attrNameLst>
-                                          <p:attrName>style.visibility</p:attrName>
-                                        </p:attrNameLst>
-                                      </p:cBhvr>
-                                      <p:to>
-                                        <p:strVal val="visible"/>
-                                      </p:to>
-                                    </p:set>
-                                    <p:animEffect transition="in" filter="wipe(down)">
-                                      <p:cBhvr>
-                                        <p:cTn id="31" dur="500"/>
-                                        <p:tgtEl>
-                                          <p:spTgt spid="27"/>
-                                        </p:tgtEl>
-                                      </p:cBhvr>
-                                    </p:animEffect>
-                                  </p:childTnLst>
-                                </p:cTn>
-                              </p:par>
-                            </p:childTnLst>
-                          </p:cTn>
-                        </p:par>
-                      </p:childTnLst>
-                    </p:cTn>
-                  </p:par>
-                </p:childTnLst>
-              </p:cTn>
-              <p:prevCondLst>
-                <p:cond evt="onPrev" delay="0">
-                  <p:tgtEl>
-                    <p:sldTgt/>
-                  </p:tgtEl>
-                </p:cond>
-              </p:prevCondLst>
-              <p:nextCondLst>
-                <p:cond evt="onNext" delay="0">
-                  <p:tgtEl>
-                    <p:sldTgt/>
-                  </p:tgtEl>
-                </p:cond>
-              </p:nextCondLst>
-            </p:seq>
-          </p:childTnLst>
-        </p:cTn>
-      </p:par>
-    </p:tnLst>
-    <p:bldLst>
-      <p:bldP spid="23" grpId="0"/>
-      <p:bldP spid="24" grpId="0"/>
-      <p:bldP spid="27" grpId="0"/>
-    </p:bldLst>
-  </p:timing>
 </p:sld>
 </file>
 
@@ -10909,10 +10390,10 @@
       </p:sp>
       <p:pic>
         <p:nvPicPr>
-          <p:cNvPr id="2" name="Grafik 1">
-            <a:extLst>
-              <a:ext uri="{FF2B5EF4-FFF2-40B4-BE49-F238E27FC236}">
-                <a16:creationId xmlns:a16="http://schemas.microsoft.com/office/drawing/2014/main" id="{7D3AD1E0-FD78-4FC9-94C1-627AB0E8B5D2}"/>
+          <p:cNvPr id="15" name="Grafik 14">
+            <a:extLst>
+              <a:ext uri="{FF2B5EF4-FFF2-40B4-BE49-F238E27FC236}">
+                <a16:creationId xmlns:a16="http://schemas.microsoft.com/office/drawing/2014/main" id="{A75D132E-93ED-4B76-927E-4B3A515FF912}"/>
               </a:ext>
             </a:extLst>
           </p:cNvPr>
@@ -10922,15 +10403,21 @@
           <p:nvPr/>
         </p:nvPicPr>
         <p:blipFill>
-          <a:blip r:embed="rId2"/>
+          <a:blip r:embed="rId2">
+            <a:extLst>
+              <a:ext uri="{28A0092B-C50C-407E-A947-70E740481C1C}">
+                <a14:useLocalDpi xmlns:a14="http://schemas.microsoft.com/office/drawing/2010/main" val="0"/>
+              </a:ext>
+            </a:extLst>
+          </a:blip>
           <a:stretch>
             <a:fillRect/>
           </a:stretch>
         </p:blipFill>
         <p:spPr>
           <a:xfrm>
-            <a:off x="1895368" y="2020669"/>
-            <a:ext cx="1438168" cy="1409548"/>
+            <a:off x="4734341" y="1640421"/>
+            <a:ext cx="1905000" cy="1905000"/>
           </a:xfrm>
           <a:prstGeom prst="rect">
             <a:avLst/>
@@ -10939,10 +10426,10 @@
       </p:pic>
       <p:pic>
         <p:nvPicPr>
-          <p:cNvPr id="4" name="Grafik 3">
-            <a:extLst>
-              <a:ext uri="{FF2B5EF4-FFF2-40B4-BE49-F238E27FC236}">
-                <a16:creationId xmlns:a16="http://schemas.microsoft.com/office/drawing/2014/main" id="{299C8AE8-B12F-46AA-81CC-05E9FA4C7740}"/>
+          <p:cNvPr id="19" name="Grafik 18">
+            <a:extLst>
+              <a:ext uri="{FF2B5EF4-FFF2-40B4-BE49-F238E27FC236}">
+                <a16:creationId xmlns:a16="http://schemas.microsoft.com/office/drawing/2014/main" id="{5BCFC8D7-87EB-446B-9BC4-9230E43B8A00}"/>
               </a:ext>
             </a:extLst>
           </p:cNvPr>
@@ -10952,15 +10439,21 @@
           <p:nvPr/>
         </p:nvPicPr>
         <p:blipFill>
-          <a:blip r:embed="rId3"/>
+          <a:blip r:embed="rId3">
+            <a:extLst>
+              <a:ext uri="{28A0092B-C50C-407E-A947-70E740481C1C}">
+                <a14:useLocalDpi xmlns:a14="http://schemas.microsoft.com/office/drawing/2010/main" val="0"/>
+              </a:ext>
+            </a:extLst>
+          </a:blip>
           <a:stretch>
             <a:fillRect/>
           </a:stretch>
         </p:blipFill>
         <p:spPr>
           <a:xfrm>
-            <a:off x="5220148" y="2058127"/>
-            <a:ext cx="1751705" cy="1334632"/>
+            <a:off x="1390502" y="1640421"/>
+            <a:ext cx="1905000" cy="1905000"/>
           </a:xfrm>
           <a:prstGeom prst="rect">
             <a:avLst/>
@@ -10969,10 +10462,10 @@
       </p:pic>
       <p:pic>
         <p:nvPicPr>
-          <p:cNvPr id="6" name="Grafik 5">
-            <a:extLst>
-              <a:ext uri="{FF2B5EF4-FFF2-40B4-BE49-F238E27FC236}">
-                <a16:creationId xmlns:a16="http://schemas.microsoft.com/office/drawing/2014/main" id="{DF92808E-3E94-44CA-AB93-E0920EDE16F9}"/>
+          <p:cNvPr id="36" name="Grafik 35">
+            <a:extLst>
+              <a:ext uri="{FF2B5EF4-FFF2-40B4-BE49-F238E27FC236}">
+                <a16:creationId xmlns:a16="http://schemas.microsoft.com/office/drawing/2014/main" id="{6943FDC3-4639-4275-A396-FD1B88933FC3}"/>
               </a:ext>
             </a:extLst>
           </p:cNvPr>
@@ -10982,15 +10475,57 @@
           <p:nvPr/>
         </p:nvPicPr>
         <p:blipFill>
-          <a:blip r:embed="rId4"/>
+          <a:blip r:embed="rId4">
+            <a:extLst>
+              <a:ext uri="{28A0092B-C50C-407E-A947-70E740481C1C}">
+                <a14:useLocalDpi xmlns:a14="http://schemas.microsoft.com/office/drawing/2010/main" val="0"/>
+              </a:ext>
+            </a:extLst>
+          </a:blip>
           <a:stretch>
             <a:fillRect/>
           </a:stretch>
         </p:blipFill>
         <p:spPr>
           <a:xfrm>
-            <a:off x="8659061" y="2162675"/>
-            <a:ext cx="1807948" cy="1125536"/>
+            <a:off x="8668579" y="1772943"/>
+            <a:ext cx="1905000" cy="1905000"/>
+          </a:xfrm>
+          <a:prstGeom prst="rect">
+            <a:avLst/>
+          </a:prstGeom>
+        </p:spPr>
+      </p:pic>
+      <p:pic>
+        <p:nvPicPr>
+          <p:cNvPr id="37" name="Grafik 36">
+            <a:extLst>
+              <a:ext uri="{FF2B5EF4-FFF2-40B4-BE49-F238E27FC236}">
+                <a16:creationId xmlns:a16="http://schemas.microsoft.com/office/drawing/2014/main" id="{A8692FE0-99AD-4C97-A871-3CF1F48EB580}"/>
+              </a:ext>
+            </a:extLst>
+          </p:cNvPr>
+          <p:cNvPicPr>
+            <a:picLocks noChangeAspect="1"/>
+          </p:cNvPicPr>
+          <p:nvPr/>
+        </p:nvPicPr>
+        <p:blipFill>
+          <a:blip r:embed="rId2">
+            <a:extLst>
+              <a:ext uri="{28A0092B-C50C-407E-A947-70E740481C1C}">
+                <a14:useLocalDpi xmlns:a14="http://schemas.microsoft.com/office/drawing/2010/main" val="0"/>
+              </a:ext>
+            </a:extLst>
+          </a:blip>
+          <a:stretch>
+            <a:fillRect/>
+          </a:stretch>
+        </p:blipFill>
+        <p:spPr>
+          <a:xfrm>
+            <a:off x="5585791" y="1930899"/>
+            <a:ext cx="1905000" cy="1905000"/>
           </a:xfrm>
           <a:prstGeom prst="rect">
             <a:avLst/>
@@ -12242,10 +11777,10 @@
       </p:sp>
       <p:pic>
         <p:nvPicPr>
-          <p:cNvPr id="7" name="Grafik 6">
-            <a:extLst>
-              <a:ext uri="{FF2B5EF4-FFF2-40B4-BE49-F238E27FC236}">
-                <a16:creationId xmlns:a16="http://schemas.microsoft.com/office/drawing/2014/main" id="{F35E6E80-FA94-40F0-8D98-05B129A726FD}"/>
+          <p:cNvPr id="10" name="Grafik 9">
+            <a:extLst>
+              <a:ext uri="{FF2B5EF4-FFF2-40B4-BE49-F238E27FC236}">
+                <a16:creationId xmlns:a16="http://schemas.microsoft.com/office/drawing/2014/main" id="{17B68A4D-61C7-420B-BF33-247F642E661A}"/>
               </a:ext>
             </a:extLst>
           </p:cNvPr>
@@ -12255,15 +11790,21 @@
           <p:nvPr/>
         </p:nvPicPr>
         <p:blipFill>
-          <a:blip r:embed="rId2"/>
+          <a:blip r:embed="rId2">
+            <a:extLst>
+              <a:ext uri="{28A0092B-C50C-407E-A947-70E740481C1C}">
+                <a14:useLocalDpi xmlns:a14="http://schemas.microsoft.com/office/drawing/2010/main" val="0"/>
+              </a:ext>
+            </a:extLst>
+          </a:blip>
           <a:stretch>
             <a:fillRect/>
           </a:stretch>
         </p:blipFill>
         <p:spPr>
           <a:xfrm>
-            <a:off x="5252069" y="2074447"/>
-            <a:ext cx="1502323" cy="1354553"/>
+            <a:off x="5046815" y="1861784"/>
+            <a:ext cx="1905000" cy="1905000"/>
           </a:xfrm>
           <a:prstGeom prst="rect">
             <a:avLst/>
@@ -12272,10 +11813,10 @@
       </p:pic>
       <p:pic>
         <p:nvPicPr>
-          <p:cNvPr id="8" name="Grafik 7">
-            <a:extLst>
-              <a:ext uri="{FF2B5EF4-FFF2-40B4-BE49-F238E27FC236}">
-                <a16:creationId xmlns:a16="http://schemas.microsoft.com/office/drawing/2014/main" id="{501B21C2-7368-495C-94CB-DCD2922579EF}"/>
+          <p:cNvPr id="13" name="Grafik 12">
+            <a:extLst>
+              <a:ext uri="{FF2B5EF4-FFF2-40B4-BE49-F238E27FC236}">
+                <a16:creationId xmlns:a16="http://schemas.microsoft.com/office/drawing/2014/main" id="{22B85951-3E5A-44EB-854C-5E73591B2E5E}"/>
               </a:ext>
             </a:extLst>
           </p:cNvPr>
@@ -12285,15 +11826,21 @@
           <p:nvPr/>
         </p:nvPicPr>
         <p:blipFill>
-          <a:blip r:embed="rId3"/>
+          <a:blip r:embed="rId3">
+            <a:extLst>
+              <a:ext uri="{28A0092B-C50C-407E-A947-70E740481C1C}">
+                <a14:useLocalDpi xmlns:a14="http://schemas.microsoft.com/office/drawing/2010/main" val="0"/>
+              </a:ext>
+            </a:extLst>
+          </a:blip>
           <a:stretch>
             <a:fillRect/>
           </a:stretch>
         </p:blipFill>
         <p:spPr>
           <a:xfrm>
-            <a:off x="1679389" y="2039961"/>
-            <a:ext cx="1327226" cy="1423524"/>
+            <a:off x="8678455" y="1861784"/>
+            <a:ext cx="1905000" cy="1905000"/>
           </a:xfrm>
           <a:prstGeom prst="rect">
             <a:avLst/>
@@ -12302,10 +11849,10 @@
       </p:pic>
       <p:pic>
         <p:nvPicPr>
-          <p:cNvPr id="9" name="Grafik 8">
-            <a:extLst>
-              <a:ext uri="{FF2B5EF4-FFF2-40B4-BE49-F238E27FC236}">
-                <a16:creationId xmlns:a16="http://schemas.microsoft.com/office/drawing/2014/main" id="{0918ACA3-D9E4-4DBD-9E77-5657FC1AF559}"/>
+          <p:cNvPr id="15" name="Grafik 14">
+            <a:extLst>
+              <a:ext uri="{FF2B5EF4-FFF2-40B4-BE49-F238E27FC236}">
+                <a16:creationId xmlns:a16="http://schemas.microsoft.com/office/drawing/2014/main" id="{0E86C759-0D0B-4976-82CA-4A6A05C12FD5}"/>
               </a:ext>
             </a:extLst>
           </p:cNvPr>
@@ -12315,15 +11862,21 @@
           <p:nvPr/>
         </p:nvPicPr>
         <p:blipFill>
-          <a:blip r:embed="rId4"/>
+          <a:blip r:embed="rId4">
+            <a:extLst>
+              <a:ext uri="{28A0092B-C50C-407E-A947-70E740481C1C}">
+                <a14:useLocalDpi xmlns:a14="http://schemas.microsoft.com/office/drawing/2010/main" val="0"/>
+              </a:ext>
+            </a:extLst>
+          </a:blip>
           <a:stretch>
             <a:fillRect/>
           </a:stretch>
         </p:blipFill>
         <p:spPr>
           <a:xfrm>
-            <a:off x="8858465" y="2013059"/>
-            <a:ext cx="1409143" cy="1477328"/>
+            <a:off x="1390502" y="1861784"/>
+            <a:ext cx="1905000" cy="1905000"/>
           </a:xfrm>
           <a:prstGeom prst="rect">
             <a:avLst/>
@@ -12803,10 +12356,10 @@
       </p:sp>
       <p:pic>
         <p:nvPicPr>
-          <p:cNvPr id="10" name="Grafik 9">
-            <a:extLst>
-              <a:ext uri="{FF2B5EF4-FFF2-40B4-BE49-F238E27FC236}">
-                <a16:creationId xmlns:a16="http://schemas.microsoft.com/office/drawing/2014/main" id="{F5D7840C-286A-4EAC-A46B-D416765C7B19}"/>
+          <p:cNvPr id="14" name="Grafik 13">
+            <a:extLst>
+              <a:ext uri="{FF2B5EF4-FFF2-40B4-BE49-F238E27FC236}">
+                <a16:creationId xmlns:a16="http://schemas.microsoft.com/office/drawing/2014/main" id="{9307CF39-F736-40B9-B600-2BE3732C784E}"/>
               </a:ext>
             </a:extLst>
           </p:cNvPr>
@@ -12816,15 +12369,21 @@
           <p:nvPr/>
         </p:nvPicPr>
         <p:blipFill>
-          <a:blip r:embed="rId2"/>
+          <a:blip r:embed="rId2">
+            <a:extLst>
+              <a:ext uri="{28A0092B-C50C-407E-A947-70E740481C1C}">
+                <a14:useLocalDpi xmlns:a14="http://schemas.microsoft.com/office/drawing/2010/main" val="0"/>
+              </a:ext>
+            </a:extLst>
+          </a:blip>
           <a:stretch>
             <a:fillRect/>
           </a:stretch>
         </p:blipFill>
         <p:spPr>
           <a:xfrm>
-            <a:off x="1425564" y="2145188"/>
-            <a:ext cx="1821624" cy="1283812"/>
+            <a:off x="1365829" y="1861784"/>
+            <a:ext cx="1905000" cy="1905000"/>
           </a:xfrm>
           <a:prstGeom prst="rect">
             <a:avLst/>
@@ -12833,10 +12392,10 @@
       </p:pic>
       <p:pic>
         <p:nvPicPr>
-          <p:cNvPr id="11" name="Grafik 10">
-            <a:extLst>
-              <a:ext uri="{FF2B5EF4-FFF2-40B4-BE49-F238E27FC236}">
-                <a16:creationId xmlns:a16="http://schemas.microsoft.com/office/drawing/2014/main" id="{07B6C5A7-D2A3-4AEE-852D-67BE21D02D8E}"/>
+          <p:cNvPr id="16" name="Grafik 15">
+            <a:extLst>
+              <a:ext uri="{FF2B5EF4-FFF2-40B4-BE49-F238E27FC236}">
+                <a16:creationId xmlns:a16="http://schemas.microsoft.com/office/drawing/2014/main" id="{CE39393D-4893-4964-8184-CA42A6867B77}"/>
               </a:ext>
             </a:extLst>
           </p:cNvPr>
@@ -12846,15 +12405,21 @@
           <p:nvPr/>
         </p:nvPicPr>
         <p:blipFill>
-          <a:blip r:embed="rId3"/>
+          <a:blip r:embed="rId3">
+            <a:extLst>
+              <a:ext uri="{28A0092B-C50C-407E-A947-70E740481C1C}">
+                <a14:useLocalDpi xmlns:a14="http://schemas.microsoft.com/office/drawing/2010/main" val="0"/>
+              </a:ext>
+            </a:extLst>
+          </a:blip>
           <a:stretch>
             <a:fillRect/>
           </a:stretch>
         </p:blipFill>
         <p:spPr>
           <a:xfrm>
-            <a:off x="5245445" y="2074447"/>
-            <a:ext cx="1502323" cy="1354553"/>
+            <a:off x="5046815" y="1861784"/>
+            <a:ext cx="1905000" cy="1905000"/>
           </a:xfrm>
           <a:prstGeom prst="rect">
             <a:avLst/>
@@ -12863,10 +12428,10 @@
       </p:pic>
       <p:pic>
         <p:nvPicPr>
-          <p:cNvPr id="12" name="Grafik 11">
-            <a:extLst>
-              <a:ext uri="{FF2B5EF4-FFF2-40B4-BE49-F238E27FC236}">
-                <a16:creationId xmlns:a16="http://schemas.microsoft.com/office/drawing/2014/main" id="{BC97A0A7-C671-45FC-BED1-F412D3F12FD9}"/>
+          <p:cNvPr id="18" name="Grafik 17">
+            <a:extLst>
+              <a:ext uri="{FF2B5EF4-FFF2-40B4-BE49-F238E27FC236}">
+                <a16:creationId xmlns:a16="http://schemas.microsoft.com/office/drawing/2014/main" id="{EABBD10D-9A8B-4757-863C-C4F0D98CF4E4}"/>
               </a:ext>
             </a:extLst>
           </p:cNvPr>
@@ -12876,15 +12441,21 @@
           <p:nvPr/>
         </p:nvPicPr>
         <p:blipFill>
-          <a:blip r:embed="rId4"/>
+          <a:blip r:embed="rId4">
+            <a:extLst>
+              <a:ext uri="{28A0092B-C50C-407E-A947-70E740481C1C}">
+                <a14:useLocalDpi xmlns:a14="http://schemas.microsoft.com/office/drawing/2010/main" val="0"/>
+              </a:ext>
+            </a:extLst>
+          </a:blip>
           <a:stretch>
             <a:fillRect/>
           </a:stretch>
         </p:blipFill>
         <p:spPr>
           <a:xfrm>
-            <a:off x="8805251" y="2068200"/>
-            <a:ext cx="1502323" cy="1360800"/>
+            <a:off x="8635210" y="1861784"/>
+            <a:ext cx="1905000" cy="1905000"/>
           </a:xfrm>
           <a:prstGeom prst="rect">
             <a:avLst/>

--- a/slides/Durable_Functions.pptx
+++ b/slides/Durable_Functions.pptx
@@ -17,12 +17,16 @@
     <p:sldId id="270" r:id="rId11"/>
     <p:sldId id="271" r:id="rId12"/>
     <p:sldId id="276" r:id="rId13"/>
-    <p:sldId id="277" r:id="rId14"/>
-    <p:sldId id="274" r:id="rId15"/>
+    <p:sldId id="280" r:id="rId14"/>
+    <p:sldId id="281" r:id="rId15"/>
     <p:sldId id="275" r:id="rId16"/>
-    <p:sldId id="272" r:id="rId17"/>
-    <p:sldId id="273" r:id="rId18"/>
-    <p:sldId id="267" r:id="rId19"/>
+    <p:sldId id="279" r:id="rId17"/>
+    <p:sldId id="274" r:id="rId18"/>
+    <p:sldId id="277" r:id="rId19"/>
+    <p:sldId id="278" r:id="rId20"/>
+    <p:sldId id="282" r:id="rId21"/>
+    <p:sldId id="272" r:id="rId22"/>
+    <p:sldId id="273" r:id="rId23"/>
   </p:sldIdLst>
   <p:sldSz cx="12192000" cy="6858000"/>
   <p:notesSz cx="6858000" cy="9144000"/>
@@ -6280,18 +6284,98 @@
           <a:p>
             <a:r>
               <a:rPr lang="en-US" sz="2400" dirty="0"/>
-              <a:t>Orchestrator Function Rules</a:t>
+              <a:t>Waiting for External Events</a:t>
             </a:r>
             <a:endParaRPr lang="de-DE" sz="2400" dirty="0"/>
+          </a:p>
+        </p:txBody>
+      </p:sp>
+      <p:pic>
+        <p:nvPicPr>
+          <p:cNvPr id="4" name="Grafik 3">
+            <a:extLst>
+              <a:ext uri="{FF2B5EF4-FFF2-40B4-BE49-F238E27FC236}">
+                <a16:creationId xmlns:a16="http://schemas.microsoft.com/office/drawing/2014/main" id="{E374222B-04BB-4FBA-ACD8-A633F76AFA97}"/>
+              </a:ext>
+            </a:extLst>
+          </p:cNvPr>
+          <p:cNvPicPr>
+            <a:picLocks noChangeAspect="1"/>
+          </p:cNvPicPr>
+          <p:nvPr/>
+        </p:nvPicPr>
+        <p:blipFill>
+          <a:blip r:embed="rId2">
+            <a:extLst>
+              <a:ext uri="{96DAC541-7B7A-43D3-8B79-37D633B846F1}">
+                <asvg:svgBlip xmlns:asvg="http://schemas.microsoft.com/office/drawing/2016/SVG/main" r:embed="rId3"/>
+              </a:ext>
+            </a:extLst>
+          </a:blip>
+          <a:stretch>
+            <a:fillRect/>
+          </a:stretch>
+        </p:blipFill>
+        <p:spPr>
+          <a:xfrm>
+            <a:off x="1238634" y="2949691"/>
+            <a:ext cx="798287" cy="798287"/>
+          </a:xfrm>
+          <a:prstGeom prst="rect">
+            <a:avLst/>
+          </a:prstGeom>
+        </p:spPr>
+      </p:pic>
+      <p:sp>
+        <p:nvSpPr>
+          <p:cNvPr id="21" name="Textfeld 20">
+            <a:extLst>
+              <a:ext uri="{FF2B5EF4-FFF2-40B4-BE49-F238E27FC236}">
+                <a16:creationId xmlns:a16="http://schemas.microsoft.com/office/drawing/2014/main" id="{65EDD617-D29D-433A-A1CA-046613F85663}"/>
+              </a:ext>
+            </a:extLst>
+          </p:cNvPr>
+          <p:cNvSpPr txBox="1"/>
+          <p:nvPr/>
+        </p:nvSpPr>
+        <p:spPr>
+          <a:xfrm>
+            <a:off x="622114" y="3799904"/>
+            <a:ext cx="2031325" cy="584775"/>
+          </a:xfrm>
+          <a:prstGeom prst="rect">
+            <a:avLst/>
+          </a:prstGeom>
+          <a:noFill/>
+        </p:spPr>
+        <p:txBody>
+          <a:bodyPr wrap="none" rtlCol="0">
+            <a:spAutoFit/>
+          </a:bodyPr>
+          <a:lstStyle/>
+          <a:p>
+            <a:pPr algn="ctr"/>
+            <a:r>
+              <a:rPr lang="en-US" sz="1600" dirty="0"/>
+              <a:t>Start </a:t>
+            </a:r>
+          </a:p>
+          <a:p>
+            <a:pPr algn="ctr"/>
+            <a:r>
+              <a:rPr lang="en-US" sz="1600" dirty="0"/>
+              <a:t>Approval Workflow</a:t>
+            </a:r>
+            <a:endParaRPr lang="de-DE" sz="1600" dirty="0"/>
           </a:p>
         </p:txBody>
       </p:sp>
       <p:cxnSp>
         <p:nvCxnSpPr>
-          <p:cNvPr id="6" name="Gerader Verbinder 5">
-            <a:extLst>
-              <a:ext uri="{FF2B5EF4-FFF2-40B4-BE49-F238E27FC236}">
-                <a16:creationId xmlns:a16="http://schemas.microsoft.com/office/drawing/2014/main" id="{7EFA8ABD-5F72-4B46-BE3A-27B92D0D2871}"/>
+          <p:cNvPr id="23" name="Gerade Verbindung mit Pfeil 22">
+            <a:extLst>
+              <a:ext uri="{FF2B5EF4-FFF2-40B4-BE49-F238E27FC236}">
+                <a16:creationId xmlns:a16="http://schemas.microsoft.com/office/drawing/2014/main" id="{725A582C-5BE6-4BC8-A5D0-5DADA5BDCE37}"/>
               </a:ext>
             </a:extLst>
           </p:cNvPr>
@@ -6302,16 +6386,179 @@
         </p:nvCxnSpPr>
         <p:spPr>
           <a:xfrm>
-            <a:off x="3343788" y="1278517"/>
-            <a:ext cx="0" cy="4585570"/>
-          </a:xfrm>
-          <a:prstGeom prst="line">
+            <a:off x="2211535" y="3348834"/>
+            <a:ext cx="1532204" cy="0"/>
+          </a:xfrm>
+          <a:prstGeom prst="straightConnector1">
             <a:avLst/>
           </a:prstGeom>
-          <a:ln w="25400" cap="rnd">
+          <a:ln w="31750">
             <a:solidFill>
-              <a:srgbClr val="3F3658"/>
+              <a:srgbClr val="FFC000"/>
             </a:solidFill>
+            <a:prstDash val="dash"/>
+            <a:tailEnd type="triangle"/>
+          </a:ln>
+        </p:spPr>
+        <p:style>
+          <a:lnRef idx="1">
+            <a:schemeClr val="accent1"/>
+          </a:lnRef>
+          <a:fillRef idx="0">
+            <a:schemeClr val="accent1"/>
+          </a:fillRef>
+          <a:effectRef idx="0">
+            <a:schemeClr val="accent1"/>
+          </a:effectRef>
+          <a:fontRef idx="minor">
+            <a:schemeClr val="tx1"/>
+          </a:fontRef>
+        </p:style>
+      </p:cxnSp>
+      <p:pic>
+        <p:nvPicPr>
+          <p:cNvPr id="24" name="Grafik 23">
+            <a:extLst>
+              <a:ext uri="{FF2B5EF4-FFF2-40B4-BE49-F238E27FC236}">
+                <a16:creationId xmlns:a16="http://schemas.microsoft.com/office/drawing/2014/main" id="{F0ABBAF9-EAFC-4A5B-8536-A78DFAD65543}"/>
+              </a:ext>
+            </a:extLst>
+          </p:cNvPr>
+          <p:cNvPicPr>
+            <a:picLocks noChangeAspect="1"/>
+          </p:cNvPicPr>
+          <p:nvPr/>
+        </p:nvPicPr>
+        <p:blipFill>
+          <a:blip r:embed="rId2">
+            <a:extLst>
+              <a:ext uri="{96DAC541-7B7A-43D3-8B79-37D633B846F1}">
+                <asvg:svgBlip xmlns:asvg="http://schemas.microsoft.com/office/drawing/2016/SVG/main" r:embed="rId3"/>
+              </a:ext>
+            </a:extLst>
+          </a:blip>
+          <a:stretch>
+            <a:fillRect/>
+          </a:stretch>
+        </p:blipFill>
+        <p:spPr>
+          <a:xfrm>
+            <a:off x="3875817" y="2949690"/>
+            <a:ext cx="798287" cy="798287"/>
+          </a:xfrm>
+          <a:prstGeom prst="rect">
+            <a:avLst/>
+          </a:prstGeom>
+        </p:spPr>
+      </p:pic>
+      <p:sp>
+        <p:nvSpPr>
+          <p:cNvPr id="25" name="Textfeld 24">
+            <a:extLst>
+              <a:ext uri="{FF2B5EF4-FFF2-40B4-BE49-F238E27FC236}">
+                <a16:creationId xmlns:a16="http://schemas.microsoft.com/office/drawing/2014/main" id="{C848B73D-311B-4019-BAD2-A410D7C34266}"/>
+              </a:ext>
+            </a:extLst>
+          </p:cNvPr>
+          <p:cNvSpPr txBox="1"/>
+          <p:nvPr/>
+        </p:nvSpPr>
+        <p:spPr>
+          <a:xfrm>
+            <a:off x="3616771" y="3799903"/>
+            <a:ext cx="1316386" cy="584775"/>
+          </a:xfrm>
+          <a:prstGeom prst="rect">
+            <a:avLst/>
+          </a:prstGeom>
+          <a:noFill/>
+        </p:spPr>
+        <p:txBody>
+          <a:bodyPr wrap="none" rtlCol="0">
+            <a:spAutoFit/>
+          </a:bodyPr>
+          <a:lstStyle/>
+          <a:p>
+            <a:pPr algn="ctr"/>
+            <a:r>
+              <a:rPr lang="en-US" sz="1600" dirty="0"/>
+              <a:t>Send mail </a:t>
+            </a:r>
+          </a:p>
+          <a:p>
+            <a:pPr algn="ctr"/>
+            <a:r>
+              <a:rPr lang="en-US" sz="1600" dirty="0"/>
+              <a:t>to Approver</a:t>
+            </a:r>
+            <a:endParaRPr lang="de-DE" sz="1600" dirty="0"/>
+          </a:p>
+        </p:txBody>
+      </p:sp>
+      <p:pic>
+        <p:nvPicPr>
+          <p:cNvPr id="9" name="Grafik 8">
+            <a:extLst>
+              <a:ext uri="{FF2B5EF4-FFF2-40B4-BE49-F238E27FC236}">
+                <a16:creationId xmlns:a16="http://schemas.microsoft.com/office/drawing/2014/main" id="{919EB3CA-3A04-4697-BB26-85D2A9AC4708}"/>
+              </a:ext>
+            </a:extLst>
+          </p:cNvPr>
+          <p:cNvPicPr>
+            <a:picLocks noChangeAspect="1"/>
+          </p:cNvPicPr>
+          <p:nvPr/>
+        </p:nvPicPr>
+        <p:blipFill>
+          <a:blip r:embed="rId4">
+            <a:extLst>
+              <a:ext uri="{28A0092B-C50C-407E-A947-70E740481C1C}">
+                <a14:useLocalDpi xmlns:a14="http://schemas.microsoft.com/office/drawing/2010/main" val="0"/>
+              </a:ext>
+            </a:extLst>
+          </a:blip>
+          <a:stretch>
+            <a:fillRect/>
+          </a:stretch>
+        </p:blipFill>
+        <p:spPr>
+          <a:xfrm>
+            <a:off x="6246710" y="2810958"/>
+            <a:ext cx="1012135" cy="1012135"/>
+          </a:xfrm>
+          <a:prstGeom prst="rect">
+            <a:avLst/>
+          </a:prstGeom>
+        </p:spPr>
+      </p:pic>
+      <p:cxnSp>
+        <p:nvCxnSpPr>
+          <p:cNvPr id="30" name="Gerade Verbindung mit Pfeil 29">
+            <a:extLst>
+              <a:ext uri="{FF2B5EF4-FFF2-40B4-BE49-F238E27FC236}">
+                <a16:creationId xmlns:a16="http://schemas.microsoft.com/office/drawing/2014/main" id="{59D3172A-FDD7-4E14-BF28-35ECF642565C}"/>
+              </a:ext>
+            </a:extLst>
+          </p:cNvPr>
+          <p:cNvCxnSpPr>
+            <a:cxnSpLocks/>
+          </p:cNvCxnSpPr>
+          <p:nvPr/>
+        </p:nvCxnSpPr>
+        <p:spPr>
+          <a:xfrm>
+            <a:off x="4808961" y="3348833"/>
+            <a:ext cx="1532204" cy="0"/>
+          </a:xfrm>
+          <a:prstGeom prst="straightConnector1">
+            <a:avLst/>
+          </a:prstGeom>
+          <a:ln w="31750">
+            <a:solidFill>
+              <a:srgbClr val="FFC000"/>
+            </a:solidFill>
+            <a:prstDash val="dash"/>
+            <a:tailEnd type="triangle"/>
           </a:ln>
         </p:spPr>
         <p:style>
@@ -6331,10 +6578,10 @@
       </p:cxnSp>
       <p:sp>
         <p:nvSpPr>
-          <p:cNvPr id="7" name="Textfeld 6">
-            <a:extLst>
-              <a:ext uri="{FF2B5EF4-FFF2-40B4-BE49-F238E27FC236}">
-                <a16:creationId xmlns:a16="http://schemas.microsoft.com/office/drawing/2014/main" id="{3E5CCA95-BF7A-46E4-9279-89F179D25AE6}"/>
+          <p:cNvPr id="33" name="Textfeld 32">
+            <a:extLst>
+              <a:ext uri="{FF2B5EF4-FFF2-40B4-BE49-F238E27FC236}">
+                <a16:creationId xmlns:a16="http://schemas.microsoft.com/office/drawing/2014/main" id="{09B0385C-9C7F-4172-B797-4E59F1071D71}"/>
               </a:ext>
             </a:extLst>
           </p:cNvPr>
@@ -6343,8 +6590,8 @@
         </p:nvSpPr>
         <p:spPr>
           <a:xfrm>
-            <a:off x="3882895" y="1678476"/>
-            <a:ext cx="5673348" cy="3785652"/>
+            <a:off x="5790013" y="3799903"/>
+            <a:ext cx="1925527" cy="584775"/>
           </a:xfrm>
           <a:prstGeom prst="rect">
             <a:avLst/>
@@ -6357,148 +6604,73 @@
           </a:bodyPr>
           <a:lstStyle/>
           <a:p>
-            <a:r>
-              <a:rPr lang="en-US" sz="2000" b="1" dirty="0">
-                <a:solidFill>
-                  <a:srgbClr val="5A536D"/>
-                </a:solidFill>
-              </a:rPr>
-              <a:t>Durable Functions uses Azure Storage</a:t>
-            </a:r>
-          </a:p>
-          <a:p>
-            <a:endParaRPr lang="en-US" sz="2000" b="1" dirty="0">
-              <a:solidFill>
-                <a:srgbClr val="5A536D"/>
-              </a:solidFill>
-            </a:endParaRPr>
-          </a:p>
-          <a:p>
-            <a:r>
-              <a:rPr lang="en-US" sz="2000" b="1" dirty="0">
-                <a:solidFill>
-                  <a:srgbClr val="5A536D"/>
-                </a:solidFill>
-              </a:rPr>
-              <a:t>Storage Queues</a:t>
-            </a:r>
-          </a:p>
-          <a:p>
-            <a:pPr marL="800100" lvl="1" indent="-342900">
-              <a:buFont typeface="Symbol" panose="05050102010706020507" pitchFamily="18" charset="2"/>
-              <a:buChar char="-"/>
-            </a:pPr>
-            <a:r>
-              <a:rPr lang="en-US" sz="2000" dirty="0">
-                <a:solidFill>
-                  <a:srgbClr val="5A536D"/>
-                </a:solidFill>
-              </a:rPr>
-              <a:t>Messages to trigger the next function</a:t>
-            </a:r>
-          </a:p>
-          <a:p>
-            <a:endParaRPr lang="en-US" sz="2000" b="1" dirty="0">
-              <a:solidFill>
-                <a:srgbClr val="5A536D"/>
-              </a:solidFill>
-            </a:endParaRPr>
-          </a:p>
-          <a:p>
-            <a:r>
-              <a:rPr lang="en-US" sz="2000" b="1" dirty="0">
-                <a:solidFill>
-                  <a:srgbClr val="5A536D"/>
-                </a:solidFill>
-              </a:rPr>
-              <a:t>Storage Tables</a:t>
-            </a:r>
-          </a:p>
-          <a:p>
-            <a:pPr marL="800100" lvl="1" indent="-342900">
-              <a:buFont typeface="Symbol" panose="05050102010706020507" pitchFamily="18" charset="2"/>
-              <a:buChar char="-"/>
-            </a:pPr>
-            <a:r>
-              <a:rPr lang="en-US" sz="2000" dirty="0">
-                <a:solidFill>
-                  <a:srgbClr val="5A536D"/>
-                </a:solidFill>
-              </a:rPr>
-              <a:t>Store state of orchestrations</a:t>
-            </a:r>
-          </a:p>
-          <a:p>
-            <a:pPr marL="800100" lvl="1" indent="-342900">
-              <a:buFont typeface="Symbol" panose="05050102010706020507" pitchFamily="18" charset="2"/>
-              <a:buChar char="-"/>
-            </a:pPr>
-            <a:endParaRPr lang="en-US" sz="2000" dirty="0">
-              <a:solidFill>
-                <a:srgbClr val="5A536D"/>
-              </a:solidFill>
-            </a:endParaRPr>
-          </a:p>
-          <a:p>
-            <a:r>
-              <a:rPr lang="en-US" sz="2000" b="1" dirty="0">
-                <a:solidFill>
-                  <a:srgbClr val="5A536D"/>
-                </a:solidFill>
-              </a:rPr>
-              <a:t>Task Hub</a:t>
-            </a:r>
-          </a:p>
-          <a:p>
-            <a:pPr marL="800100" lvl="1" indent="-342900">
-              <a:buFont typeface="Symbol" panose="05050102010706020507" pitchFamily="18" charset="2"/>
-              <a:buChar char="-"/>
-            </a:pPr>
-            <a:r>
-              <a:rPr lang="en-US" sz="2000" dirty="0">
-                <a:solidFill>
-                  <a:srgbClr val="5A536D"/>
-                </a:solidFill>
-              </a:rPr>
-              <a:t>The storage used by Durable Functions</a:t>
-            </a:r>
-          </a:p>
-          <a:p>
-            <a:pPr marL="800100" lvl="1" indent="-342900">
-              <a:buFont typeface="Symbol" panose="05050102010706020507" pitchFamily="18" charset="2"/>
-              <a:buChar char="-"/>
-            </a:pPr>
-            <a:r>
-              <a:rPr lang="en-US" sz="2000" dirty="0">
-                <a:solidFill>
-                  <a:srgbClr val="5A536D"/>
-                </a:solidFill>
-              </a:rPr>
-              <a:t>You can use multiple task hubs</a:t>
-            </a:r>
-          </a:p>
-          <a:p>
-            <a:pPr marL="800100" lvl="1" indent="-342900">
-              <a:buFont typeface="Symbol" panose="05050102010706020507" pitchFamily="18" charset="2"/>
-              <a:buChar char="-"/>
-            </a:pPr>
-            <a:r>
-              <a:rPr lang="en-US" sz="2000" dirty="0">
-                <a:solidFill>
-                  <a:srgbClr val="5A536D"/>
-                </a:solidFill>
-              </a:rPr>
-              <a:t>They can share a storage account</a:t>
-            </a:r>
+            <a:pPr algn="ctr"/>
+            <a:r>
+              <a:rPr lang="en-US" sz="1600" dirty="0"/>
+              <a:t>Wait for response </a:t>
+            </a:r>
+          </a:p>
+          <a:p>
+            <a:pPr algn="ctr"/>
+            <a:r>
+              <a:rPr lang="en-US" sz="1600" dirty="0"/>
+              <a:t>from Approver</a:t>
+            </a:r>
+            <a:endParaRPr lang="de-DE" sz="1600" dirty="0"/>
           </a:p>
         </p:txBody>
       </p:sp>
+      <p:cxnSp>
+        <p:nvCxnSpPr>
+          <p:cNvPr id="35" name="Gerade Verbindung mit Pfeil 34">
+            <a:extLst>
+              <a:ext uri="{FF2B5EF4-FFF2-40B4-BE49-F238E27FC236}">
+                <a16:creationId xmlns:a16="http://schemas.microsoft.com/office/drawing/2014/main" id="{51F7B4EA-68FA-4C23-99AC-5E66E89DBE2C}"/>
+              </a:ext>
+            </a:extLst>
+          </p:cNvPr>
+          <p:cNvCxnSpPr>
+            <a:cxnSpLocks/>
+          </p:cNvCxnSpPr>
+          <p:nvPr/>
+        </p:nvCxnSpPr>
+        <p:spPr>
+          <a:xfrm flipV="1">
+            <a:off x="7258845" y="2617304"/>
+            <a:ext cx="1964668" cy="632137"/>
+          </a:xfrm>
+          <a:prstGeom prst="straightConnector1">
+            <a:avLst/>
+          </a:prstGeom>
+          <a:ln w="31750">
+            <a:solidFill>
+              <a:srgbClr val="FFC000"/>
+            </a:solidFill>
+            <a:prstDash val="dash"/>
+            <a:tailEnd type="triangle"/>
+          </a:ln>
+        </p:spPr>
+        <p:style>
+          <a:lnRef idx="1">
+            <a:schemeClr val="accent1"/>
+          </a:lnRef>
+          <a:fillRef idx="0">
+            <a:schemeClr val="accent1"/>
+          </a:fillRef>
+          <a:effectRef idx="0">
+            <a:schemeClr val="accent1"/>
+          </a:effectRef>
+          <a:fontRef idx="minor">
+            <a:schemeClr val="tx1"/>
+          </a:fontRef>
+        </p:style>
+      </p:cxnSp>
       <p:pic>
         <p:nvPicPr>
-          <p:cNvPr id="4" name="Grafik 3">
-            <a:extLst>
-              <a:ext uri="{FF2B5EF4-FFF2-40B4-BE49-F238E27FC236}">
-                <a16:creationId xmlns:a16="http://schemas.microsoft.com/office/drawing/2014/main" id="{86E391B0-3209-4765-AF2B-2E10169E2F85}"/>
+          <p:cNvPr id="36" name="Grafik 35">
+            <a:extLst>
+              <a:ext uri="{FF2B5EF4-FFF2-40B4-BE49-F238E27FC236}">
+                <a16:creationId xmlns:a16="http://schemas.microsoft.com/office/drawing/2014/main" id="{C3A76FFD-0311-475D-AC7B-08D080F37247}"/>
               </a:ext>
             </a:extLst>
           </p:cNvPr>
@@ -6510,8 +6682,8 @@
         <p:blipFill>
           <a:blip r:embed="rId2">
             <a:extLst>
-              <a:ext uri="{28A0092B-C50C-407E-A947-70E740481C1C}">
-                <a14:useLocalDpi xmlns:a14="http://schemas.microsoft.com/office/drawing/2010/main" val="0"/>
+              <a:ext uri="{96DAC541-7B7A-43D3-8B79-37D633B846F1}">
+                <asvg:svgBlip xmlns:asvg="http://schemas.microsoft.com/office/drawing/2016/SVG/main" r:embed="rId3"/>
               </a:ext>
             </a:extLst>
           </a:blip>
@@ -6521,24 +6693,917 @@
         </p:blipFill>
         <p:spPr>
           <a:xfrm>
-            <a:off x="838201" y="2476500"/>
-            <a:ext cx="1905000" cy="1905000"/>
+            <a:off x="9509301" y="1913845"/>
+            <a:ext cx="798287" cy="798287"/>
           </a:xfrm>
           <a:prstGeom prst="rect">
             <a:avLst/>
           </a:prstGeom>
         </p:spPr>
       </p:pic>
+      <p:sp>
+        <p:nvSpPr>
+          <p:cNvPr id="37" name="Textfeld 36">
+            <a:extLst>
+              <a:ext uri="{FF2B5EF4-FFF2-40B4-BE49-F238E27FC236}">
+                <a16:creationId xmlns:a16="http://schemas.microsoft.com/office/drawing/2014/main" id="{63D4D4AA-A254-4E4A-A7B8-34BF86CD12C2}"/>
+              </a:ext>
+            </a:extLst>
+          </p:cNvPr>
+          <p:cNvSpPr txBox="1"/>
+          <p:nvPr/>
+        </p:nvSpPr>
+        <p:spPr>
+          <a:xfrm>
+            <a:off x="9038662" y="2764058"/>
+            <a:ext cx="1739580" cy="338554"/>
+          </a:xfrm>
+          <a:prstGeom prst="rect">
+            <a:avLst/>
+          </a:prstGeom>
+          <a:noFill/>
+        </p:spPr>
+        <p:txBody>
+          <a:bodyPr wrap="none" rtlCol="0">
+            <a:spAutoFit/>
+          </a:bodyPr>
+          <a:lstStyle/>
+          <a:p>
+            <a:pPr algn="ctr"/>
+            <a:r>
+              <a:rPr lang="en-US" sz="1600" dirty="0"/>
+              <a:t>Set to Approved</a:t>
+            </a:r>
+            <a:endParaRPr lang="de-DE" sz="1600" dirty="0"/>
+          </a:p>
+        </p:txBody>
+      </p:sp>
+      <p:cxnSp>
+        <p:nvCxnSpPr>
+          <p:cNvPr id="38" name="Gerade Verbindung mit Pfeil 37">
+            <a:extLst>
+              <a:ext uri="{FF2B5EF4-FFF2-40B4-BE49-F238E27FC236}">
+                <a16:creationId xmlns:a16="http://schemas.microsoft.com/office/drawing/2014/main" id="{EB5456F8-C557-4462-BBBB-49F69ADA97C9}"/>
+              </a:ext>
+            </a:extLst>
+          </p:cNvPr>
+          <p:cNvCxnSpPr>
+            <a:cxnSpLocks/>
+          </p:cNvCxnSpPr>
+          <p:nvPr/>
+        </p:nvCxnSpPr>
+        <p:spPr>
+          <a:xfrm>
+            <a:off x="7285041" y="3492096"/>
+            <a:ext cx="1938472" cy="649208"/>
+          </a:xfrm>
+          <a:prstGeom prst="straightConnector1">
+            <a:avLst/>
+          </a:prstGeom>
+          <a:ln w="31750">
+            <a:solidFill>
+              <a:srgbClr val="FFC000"/>
+            </a:solidFill>
+            <a:prstDash val="dash"/>
+            <a:tailEnd type="triangle"/>
+          </a:ln>
+        </p:spPr>
+        <p:style>
+          <a:lnRef idx="1">
+            <a:schemeClr val="accent1"/>
+          </a:lnRef>
+          <a:fillRef idx="0">
+            <a:schemeClr val="accent1"/>
+          </a:fillRef>
+          <a:effectRef idx="0">
+            <a:schemeClr val="accent1"/>
+          </a:effectRef>
+          <a:fontRef idx="minor">
+            <a:schemeClr val="tx1"/>
+          </a:fontRef>
+        </p:style>
+      </p:cxnSp>
+      <p:pic>
+        <p:nvPicPr>
+          <p:cNvPr id="39" name="Grafik 38">
+            <a:extLst>
+              <a:ext uri="{FF2B5EF4-FFF2-40B4-BE49-F238E27FC236}">
+                <a16:creationId xmlns:a16="http://schemas.microsoft.com/office/drawing/2014/main" id="{26CB98E3-EBC4-4187-ABA8-4917DD958C79}"/>
+              </a:ext>
+            </a:extLst>
+          </p:cNvPr>
+          <p:cNvPicPr>
+            <a:picLocks noChangeAspect="1"/>
+          </p:cNvPicPr>
+          <p:nvPr/>
+        </p:nvPicPr>
+        <p:blipFill>
+          <a:blip r:embed="rId2">
+            <a:extLst>
+              <a:ext uri="{96DAC541-7B7A-43D3-8B79-37D633B846F1}">
+                <asvg:svgBlip xmlns:asvg="http://schemas.microsoft.com/office/drawing/2016/SVG/main" r:embed="rId3"/>
+              </a:ext>
+            </a:extLst>
+          </a:blip>
+          <a:stretch>
+            <a:fillRect/>
+          </a:stretch>
+        </p:blipFill>
+        <p:spPr>
+          <a:xfrm>
+            <a:off x="9509301" y="3492096"/>
+            <a:ext cx="798287" cy="798287"/>
+          </a:xfrm>
+          <a:prstGeom prst="rect">
+            <a:avLst/>
+          </a:prstGeom>
+        </p:spPr>
+      </p:pic>
+      <p:sp>
+        <p:nvSpPr>
+          <p:cNvPr id="40" name="Textfeld 39">
+            <a:extLst>
+              <a:ext uri="{FF2B5EF4-FFF2-40B4-BE49-F238E27FC236}">
+                <a16:creationId xmlns:a16="http://schemas.microsoft.com/office/drawing/2014/main" id="{645190A0-A202-47D5-A5C2-42EB500AD7A7}"/>
+              </a:ext>
+            </a:extLst>
+          </p:cNvPr>
+          <p:cNvSpPr txBox="1"/>
+          <p:nvPr/>
+        </p:nvSpPr>
+        <p:spPr>
+          <a:xfrm>
+            <a:off x="9170111" y="4342309"/>
+            <a:ext cx="1476686" cy="338554"/>
+          </a:xfrm>
+          <a:prstGeom prst="rect">
+            <a:avLst/>
+          </a:prstGeom>
+          <a:noFill/>
+        </p:spPr>
+        <p:txBody>
+          <a:bodyPr wrap="none" rtlCol="0">
+            <a:spAutoFit/>
+          </a:bodyPr>
+          <a:lstStyle/>
+          <a:p>
+            <a:pPr algn="ctr"/>
+            <a:r>
+              <a:rPr lang="en-US" sz="1600" dirty="0"/>
+              <a:t>Set to Denied</a:t>
+            </a:r>
+            <a:endParaRPr lang="de-DE" sz="1600" dirty="0"/>
+          </a:p>
+        </p:txBody>
+      </p:sp>
     </p:spTree>
     <p:extLst>
       <p:ext uri="{BB962C8B-B14F-4D97-AF65-F5344CB8AC3E}">
-        <p14:creationId xmlns:p14="http://schemas.microsoft.com/office/powerpoint/2010/main" val="1646258538"/>
+        <p14:creationId xmlns:p14="http://schemas.microsoft.com/office/powerpoint/2010/main" val="2352470356"/>
       </p:ext>
     </p:extLst>
   </p:cSld>
   <p:clrMapOvr>
     <a:masterClrMapping/>
   </p:clrMapOvr>
+  <p:timing>
+    <p:tnLst>
+      <p:par>
+        <p:cTn id="1" dur="indefinite" restart="never" nodeType="tmRoot">
+          <p:childTnLst>
+            <p:seq concurrent="1" nextAc="seek">
+              <p:cTn id="2" dur="indefinite" nodeType="mainSeq">
+                <p:childTnLst>
+                  <p:par>
+                    <p:cTn id="3" fill="hold">
+                      <p:stCondLst>
+                        <p:cond delay="indefinite"/>
+                      </p:stCondLst>
+                      <p:childTnLst>
+                        <p:par>
+                          <p:cTn id="4" fill="hold">
+                            <p:stCondLst>
+                              <p:cond delay="0"/>
+                            </p:stCondLst>
+                            <p:childTnLst>
+                              <p:par>
+                                <p:cTn id="5" presetID="2" presetClass="entr" presetSubtype="4" fill="hold" nodeType="clickEffect">
+                                  <p:stCondLst>
+                                    <p:cond delay="0"/>
+                                  </p:stCondLst>
+                                  <p:childTnLst>
+                                    <p:set>
+                                      <p:cBhvr>
+                                        <p:cTn id="6" dur="1" fill="hold">
+                                          <p:stCondLst>
+                                            <p:cond delay="0"/>
+                                          </p:stCondLst>
+                                        </p:cTn>
+                                        <p:tgtEl>
+                                          <p:spTgt spid="23"/>
+                                        </p:tgtEl>
+                                        <p:attrNameLst>
+                                          <p:attrName>style.visibility</p:attrName>
+                                        </p:attrNameLst>
+                                      </p:cBhvr>
+                                      <p:to>
+                                        <p:strVal val="visible"/>
+                                      </p:to>
+                                    </p:set>
+                                    <p:anim calcmode="lin" valueType="num">
+                                      <p:cBhvr additive="base">
+                                        <p:cTn id="7" dur="500" fill="hold"/>
+                                        <p:tgtEl>
+                                          <p:spTgt spid="23"/>
+                                        </p:tgtEl>
+                                        <p:attrNameLst>
+                                          <p:attrName>ppt_x</p:attrName>
+                                        </p:attrNameLst>
+                                      </p:cBhvr>
+                                      <p:tavLst>
+                                        <p:tav tm="0">
+                                          <p:val>
+                                            <p:strVal val="#ppt_x"/>
+                                          </p:val>
+                                        </p:tav>
+                                        <p:tav tm="100000">
+                                          <p:val>
+                                            <p:strVal val="#ppt_x"/>
+                                          </p:val>
+                                        </p:tav>
+                                      </p:tavLst>
+                                    </p:anim>
+                                    <p:anim calcmode="lin" valueType="num">
+                                      <p:cBhvr additive="base">
+                                        <p:cTn id="8" dur="500" fill="hold"/>
+                                        <p:tgtEl>
+                                          <p:spTgt spid="23"/>
+                                        </p:tgtEl>
+                                        <p:attrNameLst>
+                                          <p:attrName>ppt_y</p:attrName>
+                                        </p:attrNameLst>
+                                      </p:cBhvr>
+                                      <p:tavLst>
+                                        <p:tav tm="0">
+                                          <p:val>
+                                            <p:strVal val="1+#ppt_h/2"/>
+                                          </p:val>
+                                        </p:tav>
+                                        <p:tav tm="100000">
+                                          <p:val>
+                                            <p:strVal val="#ppt_y"/>
+                                          </p:val>
+                                        </p:tav>
+                                      </p:tavLst>
+                                    </p:anim>
+                                  </p:childTnLst>
+                                </p:cTn>
+                              </p:par>
+                              <p:par>
+                                <p:cTn id="9" presetID="2" presetClass="entr" presetSubtype="4" fill="hold" nodeType="withEffect">
+                                  <p:stCondLst>
+                                    <p:cond delay="0"/>
+                                  </p:stCondLst>
+                                  <p:childTnLst>
+                                    <p:set>
+                                      <p:cBhvr>
+                                        <p:cTn id="10" dur="1" fill="hold">
+                                          <p:stCondLst>
+                                            <p:cond delay="0"/>
+                                          </p:stCondLst>
+                                        </p:cTn>
+                                        <p:tgtEl>
+                                          <p:spTgt spid="24"/>
+                                        </p:tgtEl>
+                                        <p:attrNameLst>
+                                          <p:attrName>style.visibility</p:attrName>
+                                        </p:attrNameLst>
+                                      </p:cBhvr>
+                                      <p:to>
+                                        <p:strVal val="visible"/>
+                                      </p:to>
+                                    </p:set>
+                                    <p:anim calcmode="lin" valueType="num">
+                                      <p:cBhvr additive="base">
+                                        <p:cTn id="11" dur="500" fill="hold"/>
+                                        <p:tgtEl>
+                                          <p:spTgt spid="24"/>
+                                        </p:tgtEl>
+                                        <p:attrNameLst>
+                                          <p:attrName>ppt_x</p:attrName>
+                                        </p:attrNameLst>
+                                      </p:cBhvr>
+                                      <p:tavLst>
+                                        <p:tav tm="0">
+                                          <p:val>
+                                            <p:strVal val="#ppt_x"/>
+                                          </p:val>
+                                        </p:tav>
+                                        <p:tav tm="100000">
+                                          <p:val>
+                                            <p:strVal val="#ppt_x"/>
+                                          </p:val>
+                                        </p:tav>
+                                      </p:tavLst>
+                                    </p:anim>
+                                    <p:anim calcmode="lin" valueType="num">
+                                      <p:cBhvr additive="base">
+                                        <p:cTn id="12" dur="500" fill="hold"/>
+                                        <p:tgtEl>
+                                          <p:spTgt spid="24"/>
+                                        </p:tgtEl>
+                                        <p:attrNameLst>
+                                          <p:attrName>ppt_y</p:attrName>
+                                        </p:attrNameLst>
+                                      </p:cBhvr>
+                                      <p:tavLst>
+                                        <p:tav tm="0">
+                                          <p:val>
+                                            <p:strVal val="1+#ppt_h/2"/>
+                                          </p:val>
+                                        </p:tav>
+                                        <p:tav tm="100000">
+                                          <p:val>
+                                            <p:strVal val="#ppt_y"/>
+                                          </p:val>
+                                        </p:tav>
+                                      </p:tavLst>
+                                    </p:anim>
+                                  </p:childTnLst>
+                                </p:cTn>
+                              </p:par>
+                              <p:par>
+                                <p:cTn id="13" presetID="2" presetClass="entr" presetSubtype="4" fill="hold" grpId="0" nodeType="withEffect">
+                                  <p:stCondLst>
+                                    <p:cond delay="0"/>
+                                  </p:stCondLst>
+                                  <p:childTnLst>
+                                    <p:set>
+                                      <p:cBhvr>
+                                        <p:cTn id="14" dur="1" fill="hold">
+                                          <p:stCondLst>
+                                            <p:cond delay="0"/>
+                                          </p:stCondLst>
+                                        </p:cTn>
+                                        <p:tgtEl>
+                                          <p:spTgt spid="25"/>
+                                        </p:tgtEl>
+                                        <p:attrNameLst>
+                                          <p:attrName>style.visibility</p:attrName>
+                                        </p:attrNameLst>
+                                      </p:cBhvr>
+                                      <p:to>
+                                        <p:strVal val="visible"/>
+                                      </p:to>
+                                    </p:set>
+                                    <p:anim calcmode="lin" valueType="num">
+                                      <p:cBhvr additive="base">
+                                        <p:cTn id="15" dur="500" fill="hold"/>
+                                        <p:tgtEl>
+                                          <p:spTgt spid="25"/>
+                                        </p:tgtEl>
+                                        <p:attrNameLst>
+                                          <p:attrName>ppt_x</p:attrName>
+                                        </p:attrNameLst>
+                                      </p:cBhvr>
+                                      <p:tavLst>
+                                        <p:tav tm="0">
+                                          <p:val>
+                                            <p:strVal val="#ppt_x"/>
+                                          </p:val>
+                                        </p:tav>
+                                        <p:tav tm="100000">
+                                          <p:val>
+                                            <p:strVal val="#ppt_x"/>
+                                          </p:val>
+                                        </p:tav>
+                                      </p:tavLst>
+                                    </p:anim>
+                                    <p:anim calcmode="lin" valueType="num">
+                                      <p:cBhvr additive="base">
+                                        <p:cTn id="16" dur="500" fill="hold"/>
+                                        <p:tgtEl>
+                                          <p:spTgt spid="25"/>
+                                        </p:tgtEl>
+                                        <p:attrNameLst>
+                                          <p:attrName>ppt_y</p:attrName>
+                                        </p:attrNameLst>
+                                      </p:cBhvr>
+                                      <p:tavLst>
+                                        <p:tav tm="0">
+                                          <p:val>
+                                            <p:strVal val="1+#ppt_h/2"/>
+                                          </p:val>
+                                        </p:tav>
+                                        <p:tav tm="100000">
+                                          <p:val>
+                                            <p:strVal val="#ppt_y"/>
+                                          </p:val>
+                                        </p:tav>
+                                      </p:tavLst>
+                                    </p:anim>
+                                  </p:childTnLst>
+                                </p:cTn>
+                              </p:par>
+                            </p:childTnLst>
+                          </p:cTn>
+                        </p:par>
+                      </p:childTnLst>
+                    </p:cTn>
+                  </p:par>
+                  <p:par>
+                    <p:cTn id="17" fill="hold">
+                      <p:stCondLst>
+                        <p:cond delay="indefinite"/>
+                      </p:stCondLst>
+                      <p:childTnLst>
+                        <p:par>
+                          <p:cTn id="18" fill="hold">
+                            <p:stCondLst>
+                              <p:cond delay="0"/>
+                            </p:stCondLst>
+                            <p:childTnLst>
+                              <p:par>
+                                <p:cTn id="19" presetID="2" presetClass="entr" presetSubtype="4" fill="hold" nodeType="clickEffect">
+                                  <p:stCondLst>
+                                    <p:cond delay="0"/>
+                                  </p:stCondLst>
+                                  <p:childTnLst>
+                                    <p:set>
+                                      <p:cBhvr>
+                                        <p:cTn id="20" dur="1" fill="hold">
+                                          <p:stCondLst>
+                                            <p:cond delay="0"/>
+                                          </p:stCondLst>
+                                        </p:cTn>
+                                        <p:tgtEl>
+                                          <p:spTgt spid="30"/>
+                                        </p:tgtEl>
+                                        <p:attrNameLst>
+                                          <p:attrName>style.visibility</p:attrName>
+                                        </p:attrNameLst>
+                                      </p:cBhvr>
+                                      <p:to>
+                                        <p:strVal val="visible"/>
+                                      </p:to>
+                                    </p:set>
+                                    <p:anim calcmode="lin" valueType="num">
+                                      <p:cBhvr additive="base">
+                                        <p:cTn id="21" dur="500" fill="hold"/>
+                                        <p:tgtEl>
+                                          <p:spTgt spid="30"/>
+                                        </p:tgtEl>
+                                        <p:attrNameLst>
+                                          <p:attrName>ppt_x</p:attrName>
+                                        </p:attrNameLst>
+                                      </p:cBhvr>
+                                      <p:tavLst>
+                                        <p:tav tm="0">
+                                          <p:val>
+                                            <p:strVal val="#ppt_x"/>
+                                          </p:val>
+                                        </p:tav>
+                                        <p:tav tm="100000">
+                                          <p:val>
+                                            <p:strVal val="#ppt_x"/>
+                                          </p:val>
+                                        </p:tav>
+                                      </p:tavLst>
+                                    </p:anim>
+                                    <p:anim calcmode="lin" valueType="num">
+                                      <p:cBhvr additive="base">
+                                        <p:cTn id="22" dur="500" fill="hold"/>
+                                        <p:tgtEl>
+                                          <p:spTgt spid="30"/>
+                                        </p:tgtEl>
+                                        <p:attrNameLst>
+                                          <p:attrName>ppt_y</p:attrName>
+                                        </p:attrNameLst>
+                                      </p:cBhvr>
+                                      <p:tavLst>
+                                        <p:tav tm="0">
+                                          <p:val>
+                                            <p:strVal val="1+#ppt_h/2"/>
+                                          </p:val>
+                                        </p:tav>
+                                        <p:tav tm="100000">
+                                          <p:val>
+                                            <p:strVal val="#ppt_y"/>
+                                          </p:val>
+                                        </p:tav>
+                                      </p:tavLst>
+                                    </p:anim>
+                                  </p:childTnLst>
+                                </p:cTn>
+                              </p:par>
+                              <p:par>
+                                <p:cTn id="23" presetID="2" presetClass="entr" presetSubtype="4" fill="hold" grpId="0" nodeType="withEffect">
+                                  <p:stCondLst>
+                                    <p:cond delay="0"/>
+                                  </p:stCondLst>
+                                  <p:childTnLst>
+                                    <p:set>
+                                      <p:cBhvr>
+                                        <p:cTn id="24" dur="1" fill="hold">
+                                          <p:stCondLst>
+                                            <p:cond delay="0"/>
+                                          </p:stCondLst>
+                                        </p:cTn>
+                                        <p:tgtEl>
+                                          <p:spTgt spid="33"/>
+                                        </p:tgtEl>
+                                        <p:attrNameLst>
+                                          <p:attrName>style.visibility</p:attrName>
+                                        </p:attrNameLst>
+                                      </p:cBhvr>
+                                      <p:to>
+                                        <p:strVal val="visible"/>
+                                      </p:to>
+                                    </p:set>
+                                    <p:anim calcmode="lin" valueType="num">
+                                      <p:cBhvr additive="base">
+                                        <p:cTn id="25" dur="500" fill="hold"/>
+                                        <p:tgtEl>
+                                          <p:spTgt spid="33"/>
+                                        </p:tgtEl>
+                                        <p:attrNameLst>
+                                          <p:attrName>ppt_x</p:attrName>
+                                        </p:attrNameLst>
+                                      </p:cBhvr>
+                                      <p:tavLst>
+                                        <p:tav tm="0">
+                                          <p:val>
+                                            <p:strVal val="#ppt_x"/>
+                                          </p:val>
+                                        </p:tav>
+                                        <p:tav tm="100000">
+                                          <p:val>
+                                            <p:strVal val="#ppt_x"/>
+                                          </p:val>
+                                        </p:tav>
+                                      </p:tavLst>
+                                    </p:anim>
+                                    <p:anim calcmode="lin" valueType="num">
+                                      <p:cBhvr additive="base">
+                                        <p:cTn id="26" dur="500" fill="hold"/>
+                                        <p:tgtEl>
+                                          <p:spTgt spid="33"/>
+                                        </p:tgtEl>
+                                        <p:attrNameLst>
+                                          <p:attrName>ppt_y</p:attrName>
+                                        </p:attrNameLst>
+                                      </p:cBhvr>
+                                      <p:tavLst>
+                                        <p:tav tm="0">
+                                          <p:val>
+                                            <p:strVal val="1+#ppt_h/2"/>
+                                          </p:val>
+                                        </p:tav>
+                                        <p:tav tm="100000">
+                                          <p:val>
+                                            <p:strVal val="#ppt_y"/>
+                                          </p:val>
+                                        </p:tav>
+                                      </p:tavLst>
+                                    </p:anim>
+                                  </p:childTnLst>
+                                </p:cTn>
+                              </p:par>
+                              <p:par>
+                                <p:cTn id="27" presetID="2" presetClass="entr" presetSubtype="4" fill="hold" nodeType="withEffect">
+                                  <p:stCondLst>
+                                    <p:cond delay="0"/>
+                                  </p:stCondLst>
+                                  <p:childTnLst>
+                                    <p:set>
+                                      <p:cBhvr>
+                                        <p:cTn id="28" dur="1" fill="hold">
+                                          <p:stCondLst>
+                                            <p:cond delay="0"/>
+                                          </p:stCondLst>
+                                        </p:cTn>
+                                        <p:tgtEl>
+                                          <p:spTgt spid="9"/>
+                                        </p:tgtEl>
+                                        <p:attrNameLst>
+                                          <p:attrName>style.visibility</p:attrName>
+                                        </p:attrNameLst>
+                                      </p:cBhvr>
+                                      <p:to>
+                                        <p:strVal val="visible"/>
+                                      </p:to>
+                                    </p:set>
+                                    <p:anim calcmode="lin" valueType="num">
+                                      <p:cBhvr additive="base">
+                                        <p:cTn id="29" dur="500" fill="hold"/>
+                                        <p:tgtEl>
+                                          <p:spTgt spid="9"/>
+                                        </p:tgtEl>
+                                        <p:attrNameLst>
+                                          <p:attrName>ppt_x</p:attrName>
+                                        </p:attrNameLst>
+                                      </p:cBhvr>
+                                      <p:tavLst>
+                                        <p:tav tm="0">
+                                          <p:val>
+                                            <p:strVal val="#ppt_x"/>
+                                          </p:val>
+                                        </p:tav>
+                                        <p:tav tm="100000">
+                                          <p:val>
+                                            <p:strVal val="#ppt_x"/>
+                                          </p:val>
+                                        </p:tav>
+                                      </p:tavLst>
+                                    </p:anim>
+                                    <p:anim calcmode="lin" valueType="num">
+                                      <p:cBhvr additive="base">
+                                        <p:cTn id="30" dur="500" fill="hold"/>
+                                        <p:tgtEl>
+                                          <p:spTgt spid="9"/>
+                                        </p:tgtEl>
+                                        <p:attrNameLst>
+                                          <p:attrName>ppt_y</p:attrName>
+                                        </p:attrNameLst>
+                                      </p:cBhvr>
+                                      <p:tavLst>
+                                        <p:tav tm="0">
+                                          <p:val>
+                                            <p:strVal val="1+#ppt_h/2"/>
+                                          </p:val>
+                                        </p:tav>
+                                        <p:tav tm="100000">
+                                          <p:val>
+                                            <p:strVal val="#ppt_y"/>
+                                          </p:val>
+                                        </p:tav>
+                                      </p:tavLst>
+                                    </p:anim>
+                                  </p:childTnLst>
+                                </p:cTn>
+                              </p:par>
+                            </p:childTnLst>
+                          </p:cTn>
+                        </p:par>
+                      </p:childTnLst>
+                    </p:cTn>
+                  </p:par>
+                  <p:par>
+                    <p:cTn id="31" fill="hold">
+                      <p:stCondLst>
+                        <p:cond delay="indefinite"/>
+                      </p:stCondLst>
+                      <p:childTnLst>
+                        <p:par>
+                          <p:cTn id="32" fill="hold">
+                            <p:stCondLst>
+                              <p:cond delay="0"/>
+                            </p:stCondLst>
+                            <p:childTnLst>
+                              <p:par>
+                                <p:cTn id="33" presetID="22" presetClass="entr" presetSubtype="4" fill="hold" nodeType="clickEffect">
+                                  <p:stCondLst>
+                                    <p:cond delay="0"/>
+                                  </p:stCondLst>
+                                  <p:childTnLst>
+                                    <p:set>
+                                      <p:cBhvr>
+                                        <p:cTn id="34" dur="1" fill="hold">
+                                          <p:stCondLst>
+                                            <p:cond delay="0"/>
+                                          </p:stCondLst>
+                                        </p:cTn>
+                                        <p:tgtEl>
+                                          <p:spTgt spid="35"/>
+                                        </p:tgtEl>
+                                        <p:attrNameLst>
+                                          <p:attrName>style.visibility</p:attrName>
+                                        </p:attrNameLst>
+                                      </p:cBhvr>
+                                      <p:to>
+                                        <p:strVal val="visible"/>
+                                      </p:to>
+                                    </p:set>
+                                    <p:animEffect transition="in" filter="wipe(down)">
+                                      <p:cBhvr>
+                                        <p:cTn id="35" dur="500"/>
+                                        <p:tgtEl>
+                                          <p:spTgt spid="35"/>
+                                        </p:tgtEl>
+                                      </p:cBhvr>
+                                    </p:animEffect>
+                                  </p:childTnLst>
+                                </p:cTn>
+                              </p:par>
+                              <p:par>
+                                <p:cTn id="36" presetID="22" presetClass="entr" presetSubtype="4" fill="hold" nodeType="withEffect">
+                                  <p:stCondLst>
+                                    <p:cond delay="0"/>
+                                  </p:stCondLst>
+                                  <p:childTnLst>
+                                    <p:set>
+                                      <p:cBhvr>
+                                        <p:cTn id="37" dur="1" fill="hold">
+                                          <p:stCondLst>
+                                            <p:cond delay="0"/>
+                                          </p:stCondLst>
+                                        </p:cTn>
+                                        <p:tgtEl>
+                                          <p:spTgt spid="38"/>
+                                        </p:tgtEl>
+                                        <p:attrNameLst>
+                                          <p:attrName>style.visibility</p:attrName>
+                                        </p:attrNameLst>
+                                      </p:cBhvr>
+                                      <p:to>
+                                        <p:strVal val="visible"/>
+                                      </p:to>
+                                    </p:set>
+                                    <p:animEffect transition="in" filter="wipe(down)">
+                                      <p:cBhvr>
+                                        <p:cTn id="38" dur="500"/>
+                                        <p:tgtEl>
+                                          <p:spTgt spid="38"/>
+                                        </p:tgtEl>
+                                      </p:cBhvr>
+                                    </p:animEffect>
+                                  </p:childTnLst>
+                                </p:cTn>
+                              </p:par>
+                              <p:par>
+                                <p:cTn id="39" presetID="22" presetClass="entr" presetSubtype="4" fill="hold" grpId="0" nodeType="withEffect">
+                                  <p:stCondLst>
+                                    <p:cond delay="0"/>
+                                  </p:stCondLst>
+                                  <p:childTnLst>
+                                    <p:set>
+                                      <p:cBhvr>
+                                        <p:cTn id="40" dur="1" fill="hold">
+                                          <p:stCondLst>
+                                            <p:cond delay="0"/>
+                                          </p:stCondLst>
+                                        </p:cTn>
+                                        <p:tgtEl>
+                                          <p:spTgt spid="40"/>
+                                        </p:tgtEl>
+                                        <p:attrNameLst>
+                                          <p:attrName>style.visibility</p:attrName>
+                                        </p:attrNameLst>
+                                      </p:cBhvr>
+                                      <p:to>
+                                        <p:strVal val="visible"/>
+                                      </p:to>
+                                    </p:set>
+                                    <p:animEffect transition="in" filter="wipe(down)">
+                                      <p:cBhvr>
+                                        <p:cTn id="41" dur="500"/>
+                                        <p:tgtEl>
+                                          <p:spTgt spid="40"/>
+                                        </p:tgtEl>
+                                      </p:cBhvr>
+                                    </p:animEffect>
+                                  </p:childTnLst>
+                                </p:cTn>
+                              </p:par>
+                              <p:par>
+                                <p:cTn id="42" presetID="22" presetClass="entr" presetSubtype="4" fill="hold" nodeType="withEffect">
+                                  <p:stCondLst>
+                                    <p:cond delay="0"/>
+                                  </p:stCondLst>
+                                  <p:childTnLst>
+                                    <p:set>
+                                      <p:cBhvr>
+                                        <p:cTn id="43" dur="1" fill="hold">
+                                          <p:stCondLst>
+                                            <p:cond delay="0"/>
+                                          </p:stCondLst>
+                                        </p:cTn>
+                                        <p:tgtEl>
+                                          <p:spTgt spid="39"/>
+                                        </p:tgtEl>
+                                        <p:attrNameLst>
+                                          <p:attrName>style.visibility</p:attrName>
+                                        </p:attrNameLst>
+                                      </p:cBhvr>
+                                      <p:to>
+                                        <p:strVal val="visible"/>
+                                      </p:to>
+                                    </p:set>
+                                    <p:animEffect transition="in" filter="wipe(down)">
+                                      <p:cBhvr>
+                                        <p:cTn id="44" dur="500"/>
+                                        <p:tgtEl>
+                                          <p:spTgt spid="39"/>
+                                        </p:tgtEl>
+                                      </p:cBhvr>
+                                    </p:animEffect>
+                                  </p:childTnLst>
+                                </p:cTn>
+                              </p:par>
+                              <p:par>
+                                <p:cTn id="45" presetID="22" presetClass="entr" presetSubtype="4" fill="hold" grpId="0" nodeType="withEffect">
+                                  <p:stCondLst>
+                                    <p:cond delay="0"/>
+                                  </p:stCondLst>
+                                  <p:childTnLst>
+                                    <p:set>
+                                      <p:cBhvr>
+                                        <p:cTn id="46" dur="1" fill="hold">
+                                          <p:stCondLst>
+                                            <p:cond delay="0"/>
+                                          </p:stCondLst>
+                                        </p:cTn>
+                                        <p:tgtEl>
+                                          <p:spTgt spid="37"/>
+                                        </p:tgtEl>
+                                        <p:attrNameLst>
+                                          <p:attrName>style.visibility</p:attrName>
+                                        </p:attrNameLst>
+                                      </p:cBhvr>
+                                      <p:to>
+                                        <p:strVal val="visible"/>
+                                      </p:to>
+                                    </p:set>
+                                    <p:animEffect transition="in" filter="wipe(down)">
+                                      <p:cBhvr>
+                                        <p:cTn id="47" dur="500"/>
+                                        <p:tgtEl>
+                                          <p:spTgt spid="37"/>
+                                        </p:tgtEl>
+                                      </p:cBhvr>
+                                    </p:animEffect>
+                                  </p:childTnLst>
+                                </p:cTn>
+                              </p:par>
+                              <p:par>
+                                <p:cTn id="48" presetID="22" presetClass="entr" presetSubtype="4" fill="hold" nodeType="withEffect">
+                                  <p:stCondLst>
+                                    <p:cond delay="0"/>
+                                  </p:stCondLst>
+                                  <p:childTnLst>
+                                    <p:set>
+                                      <p:cBhvr>
+                                        <p:cTn id="49" dur="1" fill="hold">
+                                          <p:stCondLst>
+                                            <p:cond delay="0"/>
+                                          </p:stCondLst>
+                                        </p:cTn>
+                                        <p:tgtEl>
+                                          <p:spTgt spid="36"/>
+                                        </p:tgtEl>
+                                        <p:attrNameLst>
+                                          <p:attrName>style.visibility</p:attrName>
+                                        </p:attrNameLst>
+                                      </p:cBhvr>
+                                      <p:to>
+                                        <p:strVal val="visible"/>
+                                      </p:to>
+                                    </p:set>
+                                    <p:animEffect transition="in" filter="wipe(down)">
+                                      <p:cBhvr>
+                                        <p:cTn id="50" dur="500"/>
+                                        <p:tgtEl>
+                                          <p:spTgt spid="36"/>
+                                        </p:tgtEl>
+                                      </p:cBhvr>
+                                    </p:animEffect>
+                                  </p:childTnLst>
+                                </p:cTn>
+                              </p:par>
+                            </p:childTnLst>
+                          </p:cTn>
+                        </p:par>
+                      </p:childTnLst>
+                    </p:cTn>
+                  </p:par>
+                </p:childTnLst>
+              </p:cTn>
+              <p:prevCondLst>
+                <p:cond evt="onPrev" delay="0">
+                  <p:tgtEl>
+                    <p:sldTgt/>
+                  </p:tgtEl>
+                </p:cond>
+              </p:prevCondLst>
+              <p:nextCondLst>
+                <p:cond evt="onNext" delay="0">
+                  <p:tgtEl>
+                    <p:sldTgt/>
+                  </p:tgtEl>
+                </p:cond>
+              </p:nextCondLst>
+            </p:seq>
+          </p:childTnLst>
+        </p:cTn>
+      </p:par>
+    </p:tnLst>
+    <p:bldLst>
+      <p:bldP spid="25" grpId="0"/>
+      <p:bldP spid="33" grpId="0"/>
+      <p:bldP spid="37" grpId="0"/>
+      <p:bldP spid="40" grpId="0"/>
+    </p:bldLst>
+  </p:timing>
 </p:sld>
 </file>
 
@@ -6584,7 +7649,7 @@
           <a:p>
             <a:r>
               <a:rPr lang="en-US" sz="2400" dirty="0"/>
-              <a:t>Durable Functions State Storage</a:t>
+              <a:t>Sending Events to Workflows</a:t>
             </a:r>
             <a:endParaRPr lang="de-DE" sz="2400" dirty="0"/>
           </a:p>
@@ -6595,7 +7660,7 @@
           <p:cNvPr id="6" name="Gerader Verbinder 5">
             <a:extLst>
               <a:ext uri="{FF2B5EF4-FFF2-40B4-BE49-F238E27FC236}">
-                <a16:creationId xmlns:a16="http://schemas.microsoft.com/office/drawing/2014/main" id="{7EFA8ABD-5F72-4B46-BE3A-27B92D0D2871}"/>
+                <a16:creationId xmlns:a16="http://schemas.microsoft.com/office/drawing/2014/main" id="{B230473C-6B74-4169-8062-6A758FE1F4AC}"/>
               </a:ext>
             </a:extLst>
           </p:cNvPr>
@@ -6607,7 +7672,7 @@
         <p:spPr>
           <a:xfrm>
             <a:off x="3343788" y="1278517"/>
-            <a:ext cx="0" cy="4585570"/>
+            <a:ext cx="0" cy="4214509"/>
           </a:xfrm>
           <a:prstGeom prst="line">
             <a:avLst/>
@@ -6635,10 +7700,10 @@
       </p:cxnSp>
       <p:sp>
         <p:nvSpPr>
-          <p:cNvPr id="7" name="Textfeld 6">
-            <a:extLst>
-              <a:ext uri="{FF2B5EF4-FFF2-40B4-BE49-F238E27FC236}">
-                <a16:creationId xmlns:a16="http://schemas.microsoft.com/office/drawing/2014/main" id="{3E5CCA95-BF7A-46E4-9279-89F179D25AE6}"/>
+          <p:cNvPr id="9" name="Textfeld 8">
+            <a:extLst>
+              <a:ext uri="{FF2B5EF4-FFF2-40B4-BE49-F238E27FC236}">
+                <a16:creationId xmlns:a16="http://schemas.microsoft.com/office/drawing/2014/main" id="{2868B512-7AD0-41BB-B2FA-6D895090D1D0}"/>
               </a:ext>
             </a:extLst>
           </p:cNvPr>
@@ -6647,8 +7712,8 @@
         </p:nvSpPr>
         <p:spPr>
           <a:xfrm>
-            <a:off x="3882895" y="1678476"/>
-            <a:ext cx="5673348" cy="3785652"/>
+            <a:off x="3882895" y="2077720"/>
+            <a:ext cx="5955476" cy="2616101"/>
           </a:xfrm>
           <a:prstGeom prst="rect">
             <a:avLst/>
@@ -6667,142 +7732,152 @@
                   <a:srgbClr val="5A536D"/>
                 </a:solidFill>
               </a:rPr>
-              <a:t>Durable Functions uses Azure Storage</a:t>
-            </a:r>
-          </a:p>
-          <a:p>
-            <a:endParaRPr lang="en-US" sz="2000" b="1" dirty="0">
-              <a:solidFill>
-                <a:srgbClr val="5A536D"/>
-              </a:solidFill>
-            </a:endParaRPr>
-          </a:p>
-          <a:p>
+              <a:t>Send using the ‘</a:t>
+            </a:r>
+            <a:r>
+              <a:rPr lang="en-US" sz="2000" b="1" dirty="0" err="1">
+                <a:solidFill>
+                  <a:srgbClr val="5A536D"/>
+                </a:solidFill>
+              </a:rPr>
+              <a:t>raiseEvent</a:t>
+            </a:r>
             <a:r>
               <a:rPr lang="en-US" sz="2000" b="1" dirty="0">
                 <a:solidFill>
                   <a:srgbClr val="5A536D"/>
                 </a:solidFill>
               </a:rPr>
-              <a:t>Storage Queues</a:t>
-            </a:r>
-          </a:p>
-          <a:p>
-            <a:pPr marL="800100" lvl="1" indent="-342900">
+              <a:t>’ API </a:t>
+            </a:r>
+          </a:p>
+          <a:p>
+            <a:pPr marL="742950" lvl="1" indent="-285750">
               <a:buFont typeface="Symbol" panose="05050102010706020507" pitchFamily="18" charset="2"/>
               <a:buChar char="-"/>
             </a:pPr>
             <a:r>
-              <a:rPr lang="en-US" sz="2000" dirty="0">
+              <a:rPr lang="en-US" dirty="0">
                 <a:solidFill>
-                  <a:srgbClr val="5A536D"/>
+                  <a:srgbClr val="083232"/>
                 </a:solidFill>
               </a:rPr>
-              <a:t>Messages to trigger the next function</a:t>
-            </a:r>
-          </a:p>
-          <a:p>
-            <a:endParaRPr lang="en-US" sz="2000" b="1" dirty="0">
-              <a:solidFill>
-                <a:srgbClr val="5A536D"/>
-              </a:solidFill>
-            </a:endParaRPr>
-          </a:p>
-          <a:p>
-            <a:r>
-              <a:rPr lang="en-US" sz="2000" b="1" dirty="0">
-                <a:solidFill>
-                  <a:srgbClr val="5A536D"/>
-                </a:solidFill>
-              </a:rPr>
-              <a:t>Storage Tables</a:t>
-            </a:r>
-          </a:p>
-          <a:p>
-            <a:pPr marL="800100" lvl="1" indent="-342900">
+              <a:t>This endpoint includes a secret key </a:t>
+            </a:r>
+          </a:p>
+          <a:p>
+            <a:pPr marL="742950" lvl="1" indent="-285750">
               <a:buFont typeface="Symbol" panose="05050102010706020507" pitchFamily="18" charset="2"/>
               <a:buChar char="-"/>
             </a:pPr>
             <a:r>
-              <a:rPr lang="en-US" sz="2000" dirty="0">
+              <a:rPr lang="en-US" dirty="0">
                 <a:solidFill>
-                  <a:srgbClr val="5A536D"/>
+                  <a:srgbClr val="083232"/>
                 </a:solidFill>
               </a:rPr>
-              <a:t>Store state of orchestrations</a:t>
-            </a:r>
-          </a:p>
-          <a:p>
-            <a:pPr marL="800100" lvl="1" indent="-342900">
+              <a:t>You need the </a:t>
+            </a:r>
+            <a:r>
+              <a:rPr lang="en-US" dirty="0" err="1">
+                <a:solidFill>
+                  <a:srgbClr val="083232"/>
+                </a:solidFill>
+              </a:rPr>
+              <a:t>instanceId</a:t>
+            </a:r>
+            <a:r>
+              <a:rPr lang="en-US" dirty="0">
+                <a:solidFill>
+                  <a:srgbClr val="083232"/>
+                </a:solidFill>
+              </a:rPr>
+              <a:t> from the workflow</a:t>
+            </a:r>
+          </a:p>
+          <a:p>
+            <a:pPr marL="742950" lvl="1" indent="-285750">
               <a:buFont typeface="Symbol" panose="05050102010706020507" pitchFamily="18" charset="2"/>
               <a:buChar char="-"/>
             </a:pPr>
-            <a:endParaRPr lang="en-US" sz="2000" dirty="0">
+            <a:endParaRPr lang="en-US" dirty="0">
               <a:solidFill>
-                <a:srgbClr val="5A536D"/>
+                <a:srgbClr val="083232"/>
               </a:solidFill>
             </a:endParaRPr>
           </a:p>
           <a:p>
             <a:r>
-              <a:rPr lang="en-US" sz="2000" b="1" dirty="0">
+              <a:rPr lang="en-US" b="1" dirty="0">
                 <a:solidFill>
-                  <a:srgbClr val="5A536D"/>
+                  <a:srgbClr val="083232"/>
                 </a:solidFill>
               </a:rPr>
-              <a:t>Task Hub</a:t>
-            </a:r>
-          </a:p>
-          <a:p>
-            <a:pPr marL="800100" lvl="1" indent="-342900">
+              <a:t>Human interaction triggers a regular Azure Function</a:t>
+            </a:r>
+          </a:p>
+          <a:p>
+            <a:pPr marL="742950" lvl="1" indent="-285750">
               <a:buFont typeface="Symbol" panose="05050102010706020507" pitchFamily="18" charset="2"/>
               <a:buChar char="-"/>
             </a:pPr>
             <a:r>
-              <a:rPr lang="en-US" sz="2000" dirty="0">
+              <a:rPr lang="en-US" dirty="0">
                 <a:solidFill>
-                  <a:srgbClr val="5A536D"/>
+                  <a:srgbClr val="083232"/>
                 </a:solidFill>
               </a:rPr>
-              <a:t>The storage used by Durable Functions</a:t>
-            </a:r>
-          </a:p>
-          <a:p>
-            <a:pPr marL="800100" lvl="1" indent="-342900">
+              <a:t>HTTP Trigger</a:t>
+            </a:r>
+          </a:p>
+          <a:p>
+            <a:pPr marL="742950" lvl="1" indent="-285750">
               <a:buFont typeface="Symbol" panose="05050102010706020507" pitchFamily="18" charset="2"/>
               <a:buChar char="-"/>
             </a:pPr>
             <a:r>
-              <a:rPr lang="en-US" sz="2000" dirty="0">
+              <a:rPr lang="en-US" dirty="0">
                 <a:solidFill>
-                  <a:srgbClr val="5A536D"/>
+                  <a:srgbClr val="083232"/>
                 </a:solidFill>
               </a:rPr>
-              <a:t>You can use multiple task hubs</a:t>
-            </a:r>
-          </a:p>
-          <a:p>
-            <a:pPr marL="800100" lvl="1" indent="-342900">
+              <a:t>Queue Trigger</a:t>
+            </a:r>
+          </a:p>
+          <a:p>
+            <a:pPr marL="742950" lvl="1" indent="-285750">
               <a:buFont typeface="Symbol" panose="05050102010706020507" pitchFamily="18" charset="2"/>
               <a:buChar char="-"/>
             </a:pPr>
-            <a:r>
-              <a:rPr lang="en-US" sz="2000" dirty="0">
+            <a:endParaRPr lang="en-US" dirty="0">
+              <a:solidFill>
+                <a:srgbClr val="083232"/>
+              </a:solidFill>
+            </a:endParaRPr>
+          </a:p>
+          <a:p>
+            <a:r>
+              <a:rPr lang="de-DE" b="1" dirty="0" err="1">
                 <a:solidFill>
-                  <a:srgbClr val="5A536D"/>
+                  <a:srgbClr val="083232"/>
                 </a:solidFill>
               </a:rPr>
-              <a:t>They can share a storage account</a:t>
-            </a:r>
+              <a:t>DurableOrchestrationClient.RaiseEventAsync</a:t>
+            </a:r>
+            <a:endParaRPr lang="de-DE" b="1" dirty="0">
+              <a:solidFill>
+                <a:srgbClr val="083232"/>
+              </a:solidFill>
+            </a:endParaRPr>
           </a:p>
         </p:txBody>
       </p:sp>
       <p:pic>
         <p:nvPicPr>
-          <p:cNvPr id="9" name="Grafik 8">
-            <a:extLst>
-              <a:ext uri="{FF2B5EF4-FFF2-40B4-BE49-F238E27FC236}">
-                <a16:creationId xmlns:a16="http://schemas.microsoft.com/office/drawing/2014/main" id="{EBC0C6E5-A148-40A3-B8F2-DE5286CA8540}"/>
+          <p:cNvPr id="15" name="Grafik 14">
+            <a:extLst>
+              <a:ext uri="{FF2B5EF4-FFF2-40B4-BE49-F238E27FC236}">
+                <a16:creationId xmlns:a16="http://schemas.microsoft.com/office/drawing/2014/main" id="{EF01A897-C21A-4E6D-985D-61F7BE664A30}"/>
               </a:ext>
             </a:extLst>
           </p:cNvPr>
@@ -6825,7 +7900,43 @@
         </p:blipFill>
         <p:spPr>
           <a:xfrm>
-            <a:off x="838201" y="2476500"/>
+            <a:off x="9445636" y="4704522"/>
+            <a:ext cx="284922" cy="284922"/>
+          </a:xfrm>
+          <a:prstGeom prst="rect">
+            <a:avLst/>
+          </a:prstGeom>
+        </p:spPr>
+      </p:pic>
+      <p:pic>
+        <p:nvPicPr>
+          <p:cNvPr id="4" name="Grafik 3">
+            <a:extLst>
+              <a:ext uri="{FF2B5EF4-FFF2-40B4-BE49-F238E27FC236}">
+                <a16:creationId xmlns:a16="http://schemas.microsoft.com/office/drawing/2014/main" id="{3B9BCA43-9070-4A66-8297-17562E56C857}"/>
+              </a:ext>
+            </a:extLst>
+          </p:cNvPr>
+          <p:cNvPicPr>
+            <a:picLocks noChangeAspect="1"/>
+          </p:cNvPicPr>
+          <p:nvPr/>
+        </p:nvPicPr>
+        <p:blipFill>
+          <a:blip r:embed="rId3">
+            <a:extLst>
+              <a:ext uri="{28A0092B-C50C-407E-A947-70E740481C1C}">
+                <a14:useLocalDpi xmlns:a14="http://schemas.microsoft.com/office/drawing/2010/main" val="0"/>
+              </a:ext>
+            </a:extLst>
+          </a:blip>
+          <a:stretch>
+            <a:fillRect/>
+          </a:stretch>
+        </p:blipFill>
+        <p:spPr>
+          <a:xfrm>
+            <a:off x="841364" y="2476500"/>
             <a:ext cx="1905000" cy="1905000"/>
           </a:xfrm>
           <a:prstGeom prst="rect">
@@ -6836,7 +7947,7 @@
     </p:spTree>
     <p:extLst>
       <p:ext uri="{BB962C8B-B14F-4D97-AF65-F5344CB8AC3E}">
-        <p14:creationId xmlns:p14="http://schemas.microsoft.com/office/powerpoint/2010/main" val="127222616"/>
+        <p14:creationId xmlns:p14="http://schemas.microsoft.com/office/powerpoint/2010/main" val="3715767111"/>
       </p:ext>
     </p:extLst>
   </p:cSld>
@@ -7092,7 +8203,7 @@
           <a:p>
             <a:r>
               <a:rPr lang="en-US" sz="2400" dirty="0"/>
-              <a:t>Benefits of Durable Functions</a:t>
+              <a:t>Fan-out Fan-In Pattern</a:t>
             </a:r>
             <a:endParaRPr lang="de-DE" sz="2400" dirty="0"/>
           </a:p>
@@ -7103,7 +8214,7 @@
           <p:cNvPr id="4" name="Grafik 3">
             <a:extLst>
               <a:ext uri="{FF2B5EF4-FFF2-40B4-BE49-F238E27FC236}">
-                <a16:creationId xmlns:a16="http://schemas.microsoft.com/office/drawing/2014/main" id="{F688EBDA-04D3-4F87-8C8E-763AB5547EA2}"/>
+                <a16:creationId xmlns:a16="http://schemas.microsoft.com/office/drawing/2014/main" id="{E374222B-04BB-4FBA-ACD8-A633F76AFA97}"/>
               </a:ext>
             </a:extLst>
           </p:cNvPr>
@@ -7115,8 +8226,8 @@
         <p:blipFill>
           <a:blip r:embed="rId2">
             <a:extLst>
-              <a:ext uri="{28A0092B-C50C-407E-A947-70E740481C1C}">
-                <a14:useLocalDpi xmlns:a14="http://schemas.microsoft.com/office/drawing/2010/main" val="0"/>
+              <a:ext uri="{96DAC541-7B7A-43D3-8B79-37D633B846F1}">
+                <asvg:svgBlip xmlns:asvg="http://schemas.microsoft.com/office/drawing/2016/SVG/main" r:embed="rId3"/>
               </a:ext>
             </a:extLst>
           </a:blip>
@@ -7126,20 +8237,92 @@
         </p:blipFill>
         <p:spPr>
           <a:xfrm>
-            <a:off x="838201" y="2476500"/>
-            <a:ext cx="1905000" cy="1905000"/>
+            <a:off x="2242933" y="2895598"/>
+            <a:ext cx="798287" cy="798287"/>
           </a:xfrm>
           <a:prstGeom prst="rect">
             <a:avLst/>
           </a:prstGeom>
         </p:spPr>
       </p:pic>
+      <p:pic>
+        <p:nvPicPr>
+          <p:cNvPr id="5" name="Grafik 4">
+            <a:extLst>
+              <a:ext uri="{FF2B5EF4-FFF2-40B4-BE49-F238E27FC236}">
+                <a16:creationId xmlns:a16="http://schemas.microsoft.com/office/drawing/2014/main" id="{6348FD8E-8C26-4A95-A913-D67E35110F8B}"/>
+              </a:ext>
+            </a:extLst>
+          </p:cNvPr>
+          <p:cNvPicPr>
+            <a:picLocks noChangeAspect="1"/>
+          </p:cNvPicPr>
+          <p:nvPr/>
+        </p:nvPicPr>
+        <p:blipFill>
+          <a:blip r:embed="rId2">
+            <a:extLst>
+              <a:ext uri="{96DAC541-7B7A-43D3-8B79-37D633B846F1}">
+                <asvg:svgBlip xmlns:asvg="http://schemas.microsoft.com/office/drawing/2016/SVG/main" r:embed="rId3"/>
+              </a:ext>
+            </a:extLst>
+          </a:blip>
+          <a:stretch>
+            <a:fillRect/>
+          </a:stretch>
+        </p:blipFill>
+        <p:spPr>
+          <a:xfrm>
+            <a:off x="5181753" y="1643308"/>
+            <a:ext cx="798287" cy="798287"/>
+          </a:xfrm>
+          <a:prstGeom prst="rect">
+            <a:avLst/>
+          </a:prstGeom>
+        </p:spPr>
+      </p:pic>
+      <p:pic>
+        <p:nvPicPr>
+          <p:cNvPr id="11" name="Grafik 10">
+            <a:extLst>
+              <a:ext uri="{FF2B5EF4-FFF2-40B4-BE49-F238E27FC236}">
+                <a16:creationId xmlns:a16="http://schemas.microsoft.com/office/drawing/2014/main" id="{9F004AE7-7D76-40E1-AD9F-AE9D5088551E}"/>
+              </a:ext>
+            </a:extLst>
+          </p:cNvPr>
+          <p:cNvPicPr>
+            <a:picLocks noChangeAspect="1"/>
+          </p:cNvPicPr>
+          <p:nvPr/>
+        </p:nvPicPr>
+        <p:blipFill>
+          <a:blip r:embed="rId2">
+            <a:extLst>
+              <a:ext uri="{96DAC541-7B7A-43D3-8B79-37D633B846F1}">
+                <asvg:svgBlip xmlns:asvg="http://schemas.microsoft.com/office/drawing/2016/SVG/main" r:embed="rId3"/>
+              </a:ext>
+            </a:extLst>
+          </a:blip>
+          <a:stretch>
+            <a:fillRect/>
+          </a:stretch>
+        </p:blipFill>
+        <p:spPr>
+          <a:xfrm>
+            <a:off x="10406123" y="3013291"/>
+            <a:ext cx="798287" cy="798287"/>
+          </a:xfrm>
+          <a:prstGeom prst="rect">
+            <a:avLst/>
+          </a:prstGeom>
+        </p:spPr>
+      </p:pic>
       <p:cxnSp>
         <p:nvCxnSpPr>
-          <p:cNvPr id="6" name="Gerader Verbinder 5">
-            <a:extLst>
-              <a:ext uri="{FF2B5EF4-FFF2-40B4-BE49-F238E27FC236}">
-                <a16:creationId xmlns:a16="http://schemas.microsoft.com/office/drawing/2014/main" id="{7EFA8ABD-5F72-4B46-BE3A-27B92D0D2871}"/>
+          <p:cNvPr id="14" name="Gerade Verbindung mit Pfeil 13">
+            <a:extLst>
+              <a:ext uri="{FF2B5EF4-FFF2-40B4-BE49-F238E27FC236}">
+                <a16:creationId xmlns:a16="http://schemas.microsoft.com/office/drawing/2014/main" id="{A1F014BB-3988-4829-9F04-46B908348145}"/>
               </a:ext>
             </a:extLst>
           </p:cNvPr>
@@ -7150,16 +8333,108 @@
         </p:nvCxnSpPr>
         <p:spPr>
           <a:xfrm>
-            <a:off x="3343788" y="1278517"/>
-            <a:ext cx="0" cy="4585570"/>
-          </a:xfrm>
-          <a:prstGeom prst="line">
+            <a:off x="6211962" y="1994452"/>
+            <a:ext cx="3409116" cy="1174007"/>
+          </a:xfrm>
+          <a:prstGeom prst="straightConnector1">
             <a:avLst/>
           </a:prstGeom>
-          <a:ln w="25400" cap="rnd">
+          <a:ln w="31750">
             <a:solidFill>
-              <a:srgbClr val="3F3658"/>
+              <a:srgbClr val="FFC000"/>
             </a:solidFill>
+            <a:prstDash val="dash"/>
+            <a:tailEnd type="triangle"/>
+          </a:ln>
+        </p:spPr>
+        <p:style>
+          <a:lnRef idx="1">
+            <a:schemeClr val="accent1"/>
+          </a:lnRef>
+          <a:fillRef idx="0">
+            <a:schemeClr val="accent1"/>
+          </a:fillRef>
+          <a:effectRef idx="0">
+            <a:schemeClr val="accent1"/>
+          </a:effectRef>
+          <a:fontRef idx="minor">
+            <a:schemeClr val="tx1"/>
+          </a:fontRef>
+        </p:style>
+      </p:cxnSp>
+      <p:cxnSp>
+        <p:nvCxnSpPr>
+          <p:cNvPr id="15" name="Gerade Verbindung mit Pfeil 14">
+            <a:extLst>
+              <a:ext uri="{FF2B5EF4-FFF2-40B4-BE49-F238E27FC236}">
+                <a16:creationId xmlns:a16="http://schemas.microsoft.com/office/drawing/2014/main" id="{0231F3DE-A385-49A8-A187-705BCC6758EC}"/>
+              </a:ext>
+            </a:extLst>
+          </p:cNvPr>
+          <p:cNvCxnSpPr>
+            <a:cxnSpLocks/>
+          </p:cNvCxnSpPr>
+          <p:nvPr/>
+        </p:nvCxnSpPr>
+        <p:spPr>
+          <a:xfrm>
+            <a:off x="6211962" y="3029856"/>
+            <a:ext cx="3409116" cy="448840"/>
+          </a:xfrm>
+          <a:prstGeom prst="straightConnector1">
+            <a:avLst/>
+          </a:prstGeom>
+          <a:ln w="31750">
+            <a:solidFill>
+              <a:srgbClr val="FFC000"/>
+            </a:solidFill>
+            <a:prstDash val="dash"/>
+            <a:tailEnd type="triangle"/>
+          </a:ln>
+        </p:spPr>
+        <p:style>
+          <a:lnRef idx="1">
+            <a:schemeClr val="accent1"/>
+          </a:lnRef>
+          <a:fillRef idx="0">
+            <a:schemeClr val="accent1"/>
+          </a:fillRef>
+          <a:effectRef idx="0">
+            <a:schemeClr val="accent1"/>
+          </a:effectRef>
+          <a:fontRef idx="minor">
+            <a:schemeClr val="tx1"/>
+          </a:fontRef>
+        </p:style>
+      </p:cxnSp>
+      <p:cxnSp>
+        <p:nvCxnSpPr>
+          <p:cNvPr id="16" name="Gerade Verbindung mit Pfeil 15">
+            <a:extLst>
+              <a:ext uri="{FF2B5EF4-FFF2-40B4-BE49-F238E27FC236}">
+                <a16:creationId xmlns:a16="http://schemas.microsoft.com/office/drawing/2014/main" id="{51459F41-8C92-42BF-973C-B9C5C21A8ABF}"/>
+              </a:ext>
+            </a:extLst>
+          </p:cNvPr>
+          <p:cNvCxnSpPr>
+            <a:cxnSpLocks/>
+          </p:cNvCxnSpPr>
+          <p:nvPr/>
+        </p:nvCxnSpPr>
+        <p:spPr>
+          <a:xfrm flipV="1">
+            <a:off x="6211961" y="3784022"/>
+            <a:ext cx="3409117" cy="233239"/>
+          </a:xfrm>
+          <a:prstGeom prst="straightConnector1">
+            <a:avLst/>
+          </a:prstGeom>
+          <a:ln w="31750">
+            <a:solidFill>
+              <a:srgbClr val="FFC000"/>
+            </a:solidFill>
+            <a:prstDash val="dash"/>
+            <a:tailEnd type="triangle"/>
           </a:ln>
         </p:spPr>
         <p:style>
@@ -7179,10 +8454,10 @@
       </p:cxnSp>
       <p:sp>
         <p:nvSpPr>
-          <p:cNvPr id="7" name="Textfeld 6">
-            <a:extLst>
-              <a:ext uri="{FF2B5EF4-FFF2-40B4-BE49-F238E27FC236}">
-                <a16:creationId xmlns:a16="http://schemas.microsoft.com/office/drawing/2014/main" id="{3E5CCA95-BF7A-46E4-9279-89F179D25AE6}"/>
+          <p:cNvPr id="21" name="Textfeld 20">
+            <a:extLst>
+              <a:ext uri="{FF2B5EF4-FFF2-40B4-BE49-F238E27FC236}">
+                <a16:creationId xmlns:a16="http://schemas.microsoft.com/office/drawing/2014/main" id="{65EDD617-D29D-433A-A1CA-046613F85663}"/>
               </a:ext>
             </a:extLst>
           </p:cNvPr>
@@ -7191,8 +8466,8 @@
         </p:nvSpPr>
         <p:spPr>
           <a:xfrm>
-            <a:off x="3882895" y="1481499"/>
-            <a:ext cx="5306261" cy="3808543"/>
+            <a:off x="1658625" y="2255026"/>
+            <a:ext cx="2016899" cy="584775"/>
           </a:xfrm>
           <a:prstGeom prst="rect">
             <a:avLst/>
@@ -7205,159 +8480,217 @@
           </a:bodyPr>
           <a:lstStyle/>
           <a:p>
-            <a:pPr marL="342900" indent="-342900">
-              <a:lnSpc>
-                <a:spcPct val="250000"/>
-              </a:lnSpc>
-              <a:buFont typeface="+mj-lt"/>
-              <a:buAutoNum type="arabicPeriod"/>
-            </a:pPr>
-            <a:r>
-              <a:rPr lang="en-US" sz="2000" dirty="0">
-                <a:solidFill>
-                  <a:srgbClr val="5A536D"/>
-                </a:solidFill>
-              </a:rPr>
-              <a:t>Define workflows in code</a:t>
-            </a:r>
-          </a:p>
-          <a:p>
-            <a:pPr marL="342900" indent="-342900">
-              <a:lnSpc>
-                <a:spcPct val="250000"/>
-              </a:lnSpc>
-              <a:buFont typeface="+mj-lt"/>
-              <a:buAutoNum type="arabicPeriod"/>
-            </a:pPr>
-            <a:r>
-              <a:rPr lang="en-US" sz="2000" dirty="0">
-                <a:solidFill>
-                  <a:srgbClr val="5A536D"/>
-                </a:solidFill>
-              </a:rPr>
-              <a:t>Easy to implement complex workflows</a:t>
-            </a:r>
-          </a:p>
-          <a:p>
-            <a:pPr marL="342900" indent="-342900">
-              <a:lnSpc>
-                <a:spcPct val="250000"/>
-              </a:lnSpc>
-              <a:buFont typeface="+mj-lt"/>
-              <a:buAutoNum type="arabicPeriod"/>
-            </a:pPr>
-            <a:r>
-              <a:rPr lang="en-US" sz="2000" dirty="0">
-                <a:solidFill>
-                  <a:srgbClr val="5A536D"/>
-                </a:solidFill>
-              </a:rPr>
-              <a:t>Consolidate exception handling</a:t>
-            </a:r>
-          </a:p>
-          <a:p>
-            <a:pPr marL="342900" indent="-342900">
-              <a:lnSpc>
-                <a:spcPct val="250000"/>
-              </a:lnSpc>
-              <a:buFont typeface="+mj-lt"/>
-              <a:buAutoNum type="arabicPeriod"/>
-            </a:pPr>
-            <a:r>
-              <a:rPr lang="en-US" sz="2000" dirty="0">
-                <a:solidFill>
-                  <a:srgbClr val="5A536D"/>
-                </a:solidFill>
-              </a:rPr>
-              <a:t>Check on progress or cancel workflow</a:t>
-            </a:r>
-          </a:p>
-          <a:p>
-            <a:pPr marL="342900" indent="-342900">
-              <a:lnSpc>
-                <a:spcPct val="250000"/>
-              </a:lnSpc>
-              <a:buFont typeface="+mj-lt"/>
-              <a:buAutoNum type="arabicPeriod"/>
-            </a:pPr>
-            <a:r>
-              <a:rPr lang="en-US" sz="2000" dirty="0">
-                <a:solidFill>
-                  <a:srgbClr val="5A536D"/>
-                </a:solidFill>
-              </a:rPr>
-              <a:t>Manage state for you</a:t>
-            </a:r>
+            <a:pPr algn="ctr"/>
+            <a:r>
+              <a:rPr lang="en-US" sz="1600" dirty="0"/>
+              <a:t>Provide Document </a:t>
+            </a:r>
+          </a:p>
+          <a:p>
+            <a:pPr algn="ctr"/>
+            <a:r>
+              <a:rPr lang="en-US" sz="1600" dirty="0"/>
+              <a:t>Metadata</a:t>
+            </a:r>
+            <a:endParaRPr lang="de-DE" sz="1600" dirty="0"/>
           </a:p>
         </p:txBody>
       </p:sp>
-    </p:spTree>
-    <p:extLst>
-      <p:ext uri="{BB962C8B-B14F-4D97-AF65-F5344CB8AC3E}">
-        <p14:creationId xmlns:p14="http://schemas.microsoft.com/office/powerpoint/2010/main" val="2003423784"/>
-      </p:ext>
-    </p:extLst>
-  </p:cSld>
-  <p:clrMapOvr>
-    <a:masterClrMapping/>
-  </p:clrMapOvr>
-</p:sld>
-</file>
-
-<file path=ppt/slides/slide17.xml><?xml version="1.0" encoding="utf-8"?>
-<p:sld xmlns:a="http://schemas.openxmlformats.org/drawingml/2006/main" xmlns:r="http://schemas.openxmlformats.org/officeDocument/2006/relationships" xmlns:p="http://schemas.openxmlformats.org/presentationml/2006/main">
-  <p:cSld>
-    <p:spTree>
-      <p:nvGrpSpPr>
-        <p:cNvPr id="1" name=""/>
-        <p:cNvGrpSpPr/>
-        <p:nvPr/>
-      </p:nvGrpSpPr>
-      <p:grpSpPr>
-        <a:xfrm>
-          <a:off x="0" y="0"/>
-          <a:ext cx="0" cy="0"/>
-          <a:chOff x="0" y="0"/>
-          <a:chExt cx="0" cy="0"/>
-        </a:xfrm>
-      </p:grpSpPr>
       <p:sp>
         <p:nvSpPr>
-          <p:cNvPr id="3" name="Textplatzhalter 2">
-            <a:extLst>
-              <a:ext uri="{FF2B5EF4-FFF2-40B4-BE49-F238E27FC236}">
-                <a16:creationId xmlns:a16="http://schemas.microsoft.com/office/drawing/2014/main" id="{57625549-4941-4E12-AA37-2C694939FB57}"/>
-              </a:ext>
-            </a:extLst>
-          </p:cNvPr>
-          <p:cNvSpPr>
-            <a:spLocks noGrp="1"/>
-          </p:cNvSpPr>
-          <p:nvPr>
-            <p:ph type="body" sz="quarter" idx="13"/>
-          </p:nvPr>
+          <p:cNvPr id="26" name="Textfeld 25">
+            <a:extLst>
+              <a:ext uri="{FF2B5EF4-FFF2-40B4-BE49-F238E27FC236}">
+                <a16:creationId xmlns:a16="http://schemas.microsoft.com/office/drawing/2014/main" id="{C2F4A6A6-61DD-44B2-9182-41C6B1A78AD1}"/>
+              </a:ext>
+            </a:extLst>
+          </p:cNvPr>
+          <p:cNvSpPr txBox="1"/>
+          <p:nvPr/>
         </p:nvSpPr>
-        <p:spPr/>
+        <p:spPr>
+          <a:xfrm>
+            <a:off x="4565242" y="1040335"/>
+            <a:ext cx="2031325" cy="338554"/>
+          </a:xfrm>
+          <a:prstGeom prst="rect">
+            <a:avLst/>
+          </a:prstGeom>
+          <a:noFill/>
+        </p:spPr>
         <p:txBody>
-          <a:bodyPr>
-            <a:normAutofit/>
+          <a:bodyPr wrap="none" rtlCol="0">
+            <a:spAutoFit/>
           </a:bodyPr>
           <a:lstStyle/>
           <a:p>
-            <a:r>
-              <a:rPr lang="en-US" sz="2400" dirty="0"/>
-              <a:t>Pains of Durable Functions</a:t>
-            </a:r>
-            <a:endParaRPr lang="de-DE" sz="2400" dirty="0"/>
+            <a:pPr algn="ctr"/>
+            <a:r>
+              <a:rPr lang="en-US" sz="1600" dirty="0"/>
+              <a:t>Request Document</a:t>
+            </a:r>
+            <a:endParaRPr lang="de-DE" sz="1600" dirty="0"/>
           </a:p>
         </p:txBody>
       </p:sp>
+      <p:sp>
+        <p:nvSpPr>
+          <p:cNvPr id="27" name="Textfeld 26">
+            <a:extLst>
+              <a:ext uri="{FF2B5EF4-FFF2-40B4-BE49-F238E27FC236}">
+                <a16:creationId xmlns:a16="http://schemas.microsoft.com/office/drawing/2014/main" id="{134E0794-58E6-4892-BEE5-1B65354D496D}"/>
+              </a:ext>
+            </a:extLst>
+          </p:cNvPr>
+          <p:cNvSpPr txBox="1"/>
+          <p:nvPr/>
+        </p:nvSpPr>
+        <p:spPr>
+          <a:xfrm>
+            <a:off x="10010817" y="2310823"/>
+            <a:ext cx="1588897" cy="584775"/>
+          </a:xfrm>
+          <a:prstGeom prst="rect">
+            <a:avLst/>
+          </a:prstGeom>
+          <a:noFill/>
+        </p:spPr>
+        <p:txBody>
+          <a:bodyPr wrap="none" rtlCol="0">
+            <a:spAutoFit/>
+          </a:bodyPr>
+          <a:lstStyle/>
+          <a:p>
+            <a:pPr algn="ctr"/>
+            <a:r>
+              <a:rPr lang="en-US" sz="1600" dirty="0"/>
+              <a:t>Send Message</a:t>
+            </a:r>
+          </a:p>
+          <a:p>
+            <a:pPr algn="ctr"/>
+            <a:r>
+              <a:rPr lang="en-US" sz="1600" dirty="0"/>
+              <a:t>To Customer</a:t>
+            </a:r>
+            <a:endParaRPr lang="de-DE" sz="1600" dirty="0"/>
+          </a:p>
+        </p:txBody>
+      </p:sp>
+      <p:pic>
+        <p:nvPicPr>
+          <p:cNvPr id="18" name="Grafik 17">
+            <a:extLst>
+              <a:ext uri="{FF2B5EF4-FFF2-40B4-BE49-F238E27FC236}">
+                <a16:creationId xmlns:a16="http://schemas.microsoft.com/office/drawing/2014/main" id="{3579CE3E-C85C-447B-A1D7-376BED6FF264}"/>
+              </a:ext>
+            </a:extLst>
+          </p:cNvPr>
+          <p:cNvPicPr>
+            <a:picLocks noChangeAspect="1"/>
+          </p:cNvPicPr>
+          <p:nvPr/>
+        </p:nvPicPr>
+        <p:blipFill>
+          <a:blip r:embed="rId2">
+            <a:extLst>
+              <a:ext uri="{96DAC541-7B7A-43D3-8B79-37D633B846F1}">
+                <asvg:svgBlip xmlns:asvg="http://schemas.microsoft.com/office/drawing/2016/SVG/main" r:embed="rId3"/>
+              </a:ext>
+            </a:extLst>
+          </a:blip>
+          <a:stretch>
+            <a:fillRect/>
+          </a:stretch>
+        </p:blipFill>
+        <p:spPr>
+          <a:xfrm>
+            <a:off x="5181753" y="2630713"/>
+            <a:ext cx="798287" cy="798287"/>
+          </a:xfrm>
+          <a:prstGeom prst="rect">
+            <a:avLst/>
+          </a:prstGeom>
+        </p:spPr>
+      </p:pic>
+      <p:pic>
+        <p:nvPicPr>
+          <p:cNvPr id="19" name="Grafik 18">
+            <a:extLst>
+              <a:ext uri="{FF2B5EF4-FFF2-40B4-BE49-F238E27FC236}">
+                <a16:creationId xmlns:a16="http://schemas.microsoft.com/office/drawing/2014/main" id="{4AA02687-E919-4501-B55D-03A04015E87D}"/>
+              </a:ext>
+            </a:extLst>
+          </p:cNvPr>
+          <p:cNvPicPr>
+            <a:picLocks noChangeAspect="1"/>
+          </p:cNvPicPr>
+          <p:nvPr/>
+        </p:nvPicPr>
+        <p:blipFill>
+          <a:blip r:embed="rId2">
+            <a:extLst>
+              <a:ext uri="{96DAC541-7B7A-43D3-8B79-37D633B846F1}">
+                <asvg:svgBlip xmlns:asvg="http://schemas.microsoft.com/office/drawing/2016/SVG/main" r:embed="rId3"/>
+              </a:ext>
+            </a:extLst>
+          </a:blip>
+          <a:stretch>
+            <a:fillRect/>
+          </a:stretch>
+        </p:blipFill>
+        <p:spPr>
+          <a:xfrm>
+            <a:off x="5181753" y="3618118"/>
+            <a:ext cx="798287" cy="798287"/>
+          </a:xfrm>
+          <a:prstGeom prst="rect">
+            <a:avLst/>
+          </a:prstGeom>
+        </p:spPr>
+      </p:pic>
+      <p:pic>
+        <p:nvPicPr>
+          <p:cNvPr id="20" name="Grafik 19">
+            <a:extLst>
+              <a:ext uri="{FF2B5EF4-FFF2-40B4-BE49-F238E27FC236}">
+                <a16:creationId xmlns:a16="http://schemas.microsoft.com/office/drawing/2014/main" id="{DF9E2D95-FEDF-4C35-B401-76D3B5B591B4}"/>
+              </a:ext>
+            </a:extLst>
+          </p:cNvPr>
+          <p:cNvPicPr>
+            <a:picLocks noChangeAspect="1"/>
+          </p:cNvPicPr>
+          <p:nvPr/>
+        </p:nvPicPr>
+        <p:blipFill>
+          <a:blip r:embed="rId2">
+            <a:extLst>
+              <a:ext uri="{96DAC541-7B7A-43D3-8B79-37D633B846F1}">
+                <asvg:svgBlip xmlns:asvg="http://schemas.microsoft.com/office/drawing/2016/SVG/main" r:embed="rId3"/>
+              </a:ext>
+            </a:extLst>
+          </a:blip>
+          <a:stretch>
+            <a:fillRect/>
+          </a:stretch>
+        </p:blipFill>
+        <p:spPr>
+          <a:xfrm>
+            <a:off x="5181752" y="4574727"/>
+            <a:ext cx="798287" cy="798287"/>
+          </a:xfrm>
+          <a:prstGeom prst="rect">
+            <a:avLst/>
+          </a:prstGeom>
+        </p:spPr>
+      </p:pic>
       <p:cxnSp>
         <p:nvCxnSpPr>
-          <p:cNvPr id="6" name="Gerader Verbinder 5">
-            <a:extLst>
-              <a:ext uri="{FF2B5EF4-FFF2-40B4-BE49-F238E27FC236}">
-                <a16:creationId xmlns:a16="http://schemas.microsoft.com/office/drawing/2014/main" id="{7EFA8ABD-5F72-4B46-BE3A-27B92D0D2871}"/>
+          <p:cNvPr id="22" name="Gerade Verbindung mit Pfeil 21">
+            <a:extLst>
+              <a:ext uri="{FF2B5EF4-FFF2-40B4-BE49-F238E27FC236}">
+                <a16:creationId xmlns:a16="http://schemas.microsoft.com/office/drawing/2014/main" id="{C995EA87-F443-4507-AFA0-EBEBCE1BA682}"/>
               </a:ext>
             </a:extLst>
           </p:cNvPr>
@@ -7367,17 +8700,19 @@
           <p:nvPr/>
         </p:nvCxnSpPr>
         <p:spPr>
-          <a:xfrm>
-            <a:off x="3343788" y="1278517"/>
-            <a:ext cx="0" cy="4585570"/>
-          </a:xfrm>
-          <a:prstGeom prst="line">
+          <a:xfrm flipV="1">
+            <a:off x="6211961" y="4017261"/>
+            <a:ext cx="3409117" cy="987404"/>
+          </a:xfrm>
+          <a:prstGeom prst="straightConnector1">
             <a:avLst/>
           </a:prstGeom>
-          <a:ln w="25400" cap="rnd">
+          <a:ln w="31750">
             <a:solidFill>
-              <a:srgbClr val="3F3658"/>
+              <a:srgbClr val="FFC000"/>
             </a:solidFill>
+            <a:prstDash val="dash"/>
+            <a:tailEnd type="triangle"/>
           </a:ln>
         </p:spPr>
         <p:style>
@@ -7395,662 +8730,190 @@
           </a:fontRef>
         </p:style>
       </p:cxnSp>
-      <p:sp>
-        <p:nvSpPr>
-          <p:cNvPr id="7" name="Textfeld 6">
-            <a:extLst>
-              <a:ext uri="{FF2B5EF4-FFF2-40B4-BE49-F238E27FC236}">
-                <a16:creationId xmlns:a16="http://schemas.microsoft.com/office/drawing/2014/main" id="{3E5CCA95-BF7A-46E4-9279-89F179D25AE6}"/>
-              </a:ext>
-            </a:extLst>
-          </p:cNvPr>
-          <p:cNvSpPr txBox="1"/>
+      <p:cxnSp>
+        <p:nvCxnSpPr>
+          <p:cNvPr id="28" name="Gerade Verbindung mit Pfeil 27">
+            <a:extLst>
+              <a:ext uri="{FF2B5EF4-FFF2-40B4-BE49-F238E27FC236}">
+                <a16:creationId xmlns:a16="http://schemas.microsoft.com/office/drawing/2014/main" id="{F9AF0195-6328-4328-B982-72C1AF7E71FC}"/>
+              </a:ext>
+            </a:extLst>
+          </p:cNvPr>
+          <p:cNvCxnSpPr>
+            <a:cxnSpLocks/>
+          </p:cNvCxnSpPr>
           <p:nvPr/>
-        </p:nvSpPr>
-        <p:spPr>
-          <a:xfrm>
-            <a:off x="3882895" y="1667030"/>
-            <a:ext cx="7553671" cy="3808543"/>
-          </a:xfrm>
-          <a:prstGeom prst="rect">
+        </p:nvCxnSpPr>
+        <p:spPr>
+          <a:xfrm flipV="1">
+            <a:off x="3263499" y="2042451"/>
+            <a:ext cx="1755614" cy="1082480"/>
+          </a:xfrm>
+          <a:prstGeom prst="straightConnector1">
             <a:avLst/>
           </a:prstGeom>
-          <a:noFill/>
-        </p:spPr>
-        <p:txBody>
-          <a:bodyPr wrap="none" rtlCol="0">
-            <a:spAutoFit/>
-          </a:bodyPr>
-          <a:lstStyle/>
-          <a:p>
-            <a:pPr marL="342900" indent="-342900">
-              <a:lnSpc>
-                <a:spcPct val="250000"/>
-              </a:lnSpc>
-              <a:buFont typeface="+mj-lt"/>
-              <a:buAutoNum type="arabicPeriod"/>
-            </a:pPr>
-            <a:r>
-              <a:rPr lang="en-US" sz="2000" dirty="0">
-                <a:solidFill>
-                  <a:srgbClr val="5A536D"/>
-                </a:solidFill>
-              </a:rPr>
-              <a:t>Deployment with breaking changes</a:t>
-            </a:r>
-          </a:p>
-          <a:p>
-            <a:pPr marL="342900" indent="-342900">
-              <a:lnSpc>
-                <a:spcPct val="250000"/>
-              </a:lnSpc>
-              <a:buFont typeface="+mj-lt"/>
-              <a:buAutoNum type="arabicPeriod"/>
-            </a:pPr>
-            <a:r>
-              <a:rPr lang="en-US" sz="2000" dirty="0">
-                <a:solidFill>
-                  <a:srgbClr val="5A536D"/>
-                </a:solidFill>
-              </a:rPr>
-              <a:t>Versioning</a:t>
-            </a:r>
-          </a:p>
-          <a:p>
-            <a:pPr marL="342900" indent="-342900">
-              <a:lnSpc>
-                <a:spcPct val="250000"/>
-              </a:lnSpc>
-              <a:buFont typeface="+mj-lt"/>
-              <a:buAutoNum type="arabicPeriod"/>
-            </a:pPr>
-            <a:r>
-              <a:rPr lang="en-US" sz="2000" dirty="0">
-                <a:solidFill>
-                  <a:srgbClr val="5A536D"/>
-                </a:solidFill>
-              </a:rPr>
-              <a:t>Monitoring of the entire workflow or individual components</a:t>
-            </a:r>
-          </a:p>
-          <a:p>
-            <a:pPr marL="342900" indent="-342900">
-              <a:lnSpc>
-                <a:spcPct val="250000"/>
-              </a:lnSpc>
-              <a:buFont typeface="+mj-lt"/>
-              <a:buAutoNum type="arabicPeriod"/>
-            </a:pPr>
-            <a:r>
-              <a:rPr lang="en-US" sz="2000" dirty="0">
-                <a:solidFill>
-                  <a:srgbClr val="5A536D"/>
-                </a:solidFill>
-              </a:rPr>
-              <a:t>Keep Alive</a:t>
-            </a:r>
-          </a:p>
-          <a:p>
-            <a:pPr marL="342900" indent="-342900">
-              <a:lnSpc>
-                <a:spcPct val="250000"/>
-              </a:lnSpc>
-              <a:buFont typeface="+mj-lt"/>
-              <a:buAutoNum type="arabicPeriod"/>
-            </a:pPr>
-            <a:endParaRPr lang="en-US" sz="2000" dirty="0">
-              <a:solidFill>
-                <a:srgbClr val="5A536D"/>
-              </a:solidFill>
-            </a:endParaRPr>
-          </a:p>
-        </p:txBody>
-      </p:sp>
-      <p:pic>
-        <p:nvPicPr>
-          <p:cNvPr id="5" name="Grafik 4">
-            <a:extLst>
-              <a:ext uri="{FF2B5EF4-FFF2-40B4-BE49-F238E27FC236}">
-                <a16:creationId xmlns:a16="http://schemas.microsoft.com/office/drawing/2014/main" id="{D5CC8111-EBAC-4C1F-B935-528581FD210E}"/>
-              </a:ext>
-            </a:extLst>
-          </p:cNvPr>
-          <p:cNvPicPr>
-            <a:picLocks noChangeAspect="1"/>
-          </p:cNvPicPr>
-          <p:nvPr/>
-        </p:nvPicPr>
-        <p:blipFill>
-          <a:blip r:embed="rId2">
-            <a:extLst>
-              <a:ext uri="{28A0092B-C50C-407E-A947-70E740481C1C}">
-                <a14:useLocalDpi xmlns:a14="http://schemas.microsoft.com/office/drawing/2010/main" val="0"/>
-              </a:ext>
-            </a:extLst>
-          </a:blip>
-          <a:stretch>
-            <a:fillRect/>
-          </a:stretch>
-        </p:blipFill>
-        <p:spPr>
-          <a:xfrm>
-            <a:off x="838201" y="2433270"/>
-            <a:ext cx="1905000" cy="1905000"/>
-          </a:xfrm>
-          <a:prstGeom prst="rect">
-            <a:avLst/>
-          </a:prstGeom>
-        </p:spPr>
-      </p:pic>
-    </p:spTree>
-    <p:extLst>
-      <p:ext uri="{BB962C8B-B14F-4D97-AF65-F5344CB8AC3E}">
-        <p14:creationId xmlns:p14="http://schemas.microsoft.com/office/powerpoint/2010/main" val="3153771318"/>
-      </p:ext>
-    </p:extLst>
-  </p:cSld>
-  <p:clrMapOvr>
-    <a:masterClrMapping/>
-  </p:clrMapOvr>
-</p:sld>
-</file>
-
-<file path=ppt/slides/slide18.xml><?xml version="1.0" encoding="utf-8"?>
-<p:sld xmlns:a="http://schemas.openxmlformats.org/drawingml/2006/main" xmlns:r="http://schemas.openxmlformats.org/officeDocument/2006/relationships" xmlns:p="http://schemas.openxmlformats.org/presentationml/2006/main">
-  <p:cSld>
-    <p:spTree>
-      <p:nvGrpSpPr>
-        <p:cNvPr id="1" name=""/>
-        <p:cNvGrpSpPr/>
-        <p:nvPr/>
-      </p:nvGrpSpPr>
-      <p:grpSpPr>
-        <a:xfrm>
-          <a:off x="0" y="0"/>
-          <a:ext cx="0" cy="0"/>
-          <a:chOff x="0" y="0"/>
-          <a:chExt cx="0" cy="0"/>
-        </a:xfrm>
-      </p:grpSpPr>
-      <p:sp>
-        <p:nvSpPr>
-          <p:cNvPr id="3" name="Textplatzhalter 2">
-            <a:extLst>
-              <a:ext uri="{FF2B5EF4-FFF2-40B4-BE49-F238E27FC236}">
-                <a16:creationId xmlns:a16="http://schemas.microsoft.com/office/drawing/2014/main" id="{FAFEEEED-CDAD-46CC-946F-1878FDBB939C}"/>
-              </a:ext>
-            </a:extLst>
-          </p:cNvPr>
-          <p:cNvSpPr>
-            <a:spLocks noGrp="1"/>
-          </p:cNvSpPr>
-          <p:nvPr>
-            <p:ph type="body" sz="quarter" idx="13"/>
-          </p:nvPr>
-        </p:nvSpPr>
-        <p:spPr/>
-        <p:txBody>
-          <a:bodyPr>
-            <a:normAutofit/>
-          </a:bodyPr>
-          <a:lstStyle/>
-          <a:p>
-            <a:r>
-              <a:rPr lang="en-US" sz="2400" dirty="0"/>
-              <a:t>Durable Functions or Logic Apps?</a:t>
-            </a:r>
-            <a:endParaRPr lang="de-DE" sz="2400" dirty="0"/>
-          </a:p>
-        </p:txBody>
-      </p:sp>
-      <p:pic>
-        <p:nvPicPr>
-          <p:cNvPr id="4" name="Grafik 3">
-            <a:extLst>
-              <a:ext uri="{FF2B5EF4-FFF2-40B4-BE49-F238E27FC236}">
-                <a16:creationId xmlns:a16="http://schemas.microsoft.com/office/drawing/2014/main" id="{1FF7E328-4759-4076-92B6-5239BE2FB849}"/>
-              </a:ext>
-            </a:extLst>
-          </p:cNvPr>
-          <p:cNvPicPr>
-            <a:picLocks noChangeAspect="1"/>
-          </p:cNvPicPr>
-          <p:nvPr/>
-        </p:nvPicPr>
-        <p:blipFill>
-          <a:blip r:embed="rId2">
-            <a:extLst>
-              <a:ext uri="{96DAC541-7B7A-43D3-8B79-37D633B846F1}">
-                <asvg:svgBlip xmlns:asvg="http://schemas.microsoft.com/office/drawing/2016/SVG/main" r:embed="rId3"/>
-              </a:ext>
-            </a:extLst>
-          </a:blip>
-          <a:stretch>
-            <a:fillRect/>
-          </a:stretch>
-        </p:blipFill>
-        <p:spPr>
-          <a:xfrm>
-            <a:off x="3733803" y="1407941"/>
-            <a:ext cx="941143" cy="941143"/>
-          </a:xfrm>
-          <a:prstGeom prst="rect">
-            <a:avLst/>
-          </a:prstGeom>
-        </p:spPr>
-      </p:pic>
-      <p:sp>
-        <p:nvSpPr>
-          <p:cNvPr id="5" name="Textfeld 4">
-            <a:extLst>
-              <a:ext uri="{FF2B5EF4-FFF2-40B4-BE49-F238E27FC236}">
-                <a16:creationId xmlns:a16="http://schemas.microsoft.com/office/drawing/2014/main" id="{FA68255B-EC52-444C-907C-E57690B433E0}"/>
-              </a:ext>
-            </a:extLst>
-          </p:cNvPr>
-          <p:cNvSpPr txBox="1"/>
-          <p:nvPr/>
-        </p:nvSpPr>
-        <p:spPr>
-          <a:xfrm>
-            <a:off x="3490406" y="2429959"/>
-            <a:ext cx="1427935" cy="400110"/>
-          </a:xfrm>
-          <a:prstGeom prst="rect">
-            <a:avLst/>
-          </a:prstGeom>
-          <a:noFill/>
-        </p:spPr>
-        <p:txBody>
-          <a:bodyPr wrap="square" rtlCol="0">
-            <a:spAutoFit/>
-          </a:bodyPr>
-          <a:lstStyle/>
-          <a:p>
-            <a:pPr algn="ctr"/>
-            <a:r>
-              <a:rPr lang="en-US" sz="2000" b="1" dirty="0"/>
-              <a:t>Functions</a:t>
-            </a:r>
-            <a:endParaRPr lang="de-DE" sz="2000" b="1" dirty="0"/>
-          </a:p>
-        </p:txBody>
-      </p:sp>
-      <p:pic>
-        <p:nvPicPr>
-          <p:cNvPr id="7" name="Grafik 6">
-            <a:extLst>
-              <a:ext uri="{FF2B5EF4-FFF2-40B4-BE49-F238E27FC236}">
-                <a16:creationId xmlns:a16="http://schemas.microsoft.com/office/drawing/2014/main" id="{2622374D-99DE-48A8-8B25-51B2D14E6AF6}"/>
-              </a:ext>
-            </a:extLst>
-          </p:cNvPr>
-          <p:cNvPicPr>
-            <a:picLocks noChangeAspect="1"/>
-          </p:cNvPicPr>
-          <p:nvPr/>
-        </p:nvPicPr>
-        <p:blipFill>
-          <a:blip r:embed="rId4">
-            <a:extLst>
-              <a:ext uri="{96DAC541-7B7A-43D3-8B79-37D633B846F1}">
-                <asvg:svgBlip xmlns:asvg="http://schemas.microsoft.com/office/drawing/2016/SVG/main" r:embed="rId5"/>
-              </a:ext>
-            </a:extLst>
-          </a:blip>
-          <a:stretch>
-            <a:fillRect/>
-          </a:stretch>
-        </p:blipFill>
-        <p:spPr>
-          <a:xfrm>
-            <a:off x="7258531" y="1348561"/>
-            <a:ext cx="1027459" cy="1027459"/>
-          </a:xfrm>
-          <a:prstGeom prst="rect">
-            <a:avLst/>
-          </a:prstGeom>
-        </p:spPr>
-      </p:pic>
-      <p:sp>
-        <p:nvSpPr>
-          <p:cNvPr id="8" name="Textfeld 7">
-            <a:extLst>
-              <a:ext uri="{FF2B5EF4-FFF2-40B4-BE49-F238E27FC236}">
-                <a16:creationId xmlns:a16="http://schemas.microsoft.com/office/drawing/2014/main" id="{4D52E358-F77A-4CF7-B3E6-44E918DE3753}"/>
-              </a:ext>
-            </a:extLst>
-          </p:cNvPr>
-          <p:cNvSpPr txBox="1"/>
-          <p:nvPr/>
-        </p:nvSpPr>
-        <p:spPr>
-          <a:xfrm>
-            <a:off x="6998651" y="2429959"/>
-            <a:ext cx="1547218" cy="400110"/>
-          </a:xfrm>
-          <a:prstGeom prst="rect">
-            <a:avLst/>
-          </a:prstGeom>
-          <a:noFill/>
-        </p:spPr>
-        <p:txBody>
-          <a:bodyPr wrap="none" rtlCol="0">
-            <a:spAutoFit/>
-          </a:bodyPr>
-          <a:lstStyle/>
-          <a:p>
-            <a:r>
-              <a:rPr lang="en-US" sz="2000" b="1" dirty="0"/>
-              <a:t>Logic Apps</a:t>
-            </a:r>
-            <a:endParaRPr lang="de-DE" sz="2000" b="1" dirty="0"/>
-          </a:p>
-        </p:txBody>
-      </p:sp>
-      <p:sp>
-        <p:nvSpPr>
-          <p:cNvPr id="9" name="Rechteck: abgerundete Ecken 8">
-            <a:extLst>
-              <a:ext uri="{FF2B5EF4-FFF2-40B4-BE49-F238E27FC236}">
-                <a16:creationId xmlns:a16="http://schemas.microsoft.com/office/drawing/2014/main" id="{984E12F7-8F42-49AF-A915-AB7A57F96779}"/>
-              </a:ext>
-            </a:extLst>
-          </p:cNvPr>
-          <p:cNvSpPr/>
-          <p:nvPr/>
-        </p:nvSpPr>
-        <p:spPr>
-          <a:xfrm>
-            <a:off x="2647124" y="3185308"/>
-            <a:ext cx="6646370" cy="530087"/>
-          </a:xfrm>
-          <a:prstGeom prst="roundRect">
-            <a:avLst>
-              <a:gd name="adj" fmla="val 11667"/>
-            </a:avLst>
-          </a:prstGeom>
-          <a:solidFill>
-            <a:srgbClr val="3F3658">
-              <a:alpha val="75000"/>
-            </a:srgbClr>
-          </a:solidFill>
-          <a:ln>
+          <a:ln w="31750">
             <a:solidFill>
-              <a:srgbClr val="FFD36F"/>
+              <a:srgbClr val="FFC000"/>
             </a:solidFill>
+            <a:prstDash val="dash"/>
+            <a:tailEnd type="triangle"/>
           </a:ln>
-          <a:effectLst>
-            <a:outerShdw blurRad="50800" dist="38100" dir="5400000" algn="t" rotWithShape="0">
-              <a:prstClr val="black">
-                <a:alpha val="40000"/>
-              </a:prstClr>
-            </a:outerShdw>
-          </a:effectLst>
         </p:spPr>
         <p:style>
-          <a:lnRef idx="2">
-            <a:schemeClr val="accent1">
-              <a:shade val="50000"/>
-            </a:schemeClr>
+          <a:lnRef idx="1">
+            <a:schemeClr val="accent1"/>
           </a:lnRef>
-          <a:fillRef idx="1">
+          <a:fillRef idx="0">
             <a:schemeClr val="accent1"/>
           </a:fillRef>
           <a:effectRef idx="0">
             <a:schemeClr val="accent1"/>
           </a:effectRef>
           <a:fontRef idx="minor">
-            <a:schemeClr val="lt1"/>
+            <a:schemeClr val="tx1"/>
           </a:fontRef>
         </p:style>
-        <p:txBody>
-          <a:bodyPr rtlCol="0" anchor="ctr"/>
-          <a:lstStyle/>
-          <a:p>
-            <a:pPr algn="ctr"/>
-            <a:r>
-              <a:rPr lang="en-US" dirty="0">
-                <a:solidFill>
-                  <a:schemeClr val="bg1"/>
-                </a:solidFill>
-              </a:rPr>
-              <a:t>Both allows implementing advanced patterns</a:t>
-            </a:r>
-            <a:endParaRPr lang="de-DE" dirty="0">
-              <a:solidFill>
-                <a:schemeClr val="bg1"/>
-              </a:solidFill>
-            </a:endParaRPr>
-          </a:p>
-        </p:txBody>
-      </p:sp>
-      <p:sp>
-        <p:nvSpPr>
-          <p:cNvPr id="10" name="Rechteck: abgerundete Ecken 9">
-            <a:extLst>
-              <a:ext uri="{FF2B5EF4-FFF2-40B4-BE49-F238E27FC236}">
-                <a16:creationId xmlns:a16="http://schemas.microsoft.com/office/drawing/2014/main" id="{C88BD0AE-7D04-40C0-9C38-C89D4FE5532F}"/>
-              </a:ext>
-            </a:extLst>
-          </p:cNvPr>
-          <p:cNvSpPr/>
+      </p:cxnSp>
+      <p:cxnSp>
+        <p:nvCxnSpPr>
+          <p:cNvPr id="29" name="Gerade Verbindung mit Pfeil 28">
+            <a:extLst>
+              <a:ext uri="{FF2B5EF4-FFF2-40B4-BE49-F238E27FC236}">
+                <a16:creationId xmlns:a16="http://schemas.microsoft.com/office/drawing/2014/main" id="{7E0752F5-4029-4B42-867E-6638834273F6}"/>
+              </a:ext>
+            </a:extLst>
+          </p:cNvPr>
+          <p:cNvCxnSpPr>
+            <a:cxnSpLocks/>
+          </p:cNvCxnSpPr>
           <p:nvPr/>
-        </p:nvSpPr>
-        <p:spPr>
-          <a:xfrm>
-            <a:off x="2647124" y="4019605"/>
-            <a:ext cx="3077815" cy="1324094"/>
-          </a:xfrm>
-          <a:prstGeom prst="roundRect">
-            <a:avLst>
-              <a:gd name="adj" fmla="val 7162"/>
-            </a:avLst>
+        </p:nvCxnSpPr>
+        <p:spPr>
+          <a:xfrm flipV="1">
+            <a:off x="3344819" y="3029856"/>
+            <a:ext cx="1737390" cy="264885"/>
+          </a:xfrm>
+          <a:prstGeom prst="straightConnector1">
+            <a:avLst/>
           </a:prstGeom>
-          <a:solidFill>
-            <a:srgbClr val="3F3658">
-              <a:alpha val="75000"/>
-            </a:srgbClr>
-          </a:solidFill>
-          <a:ln>
+          <a:ln w="31750">
             <a:solidFill>
-              <a:srgbClr val="FFD36F"/>
+              <a:srgbClr val="FFC000"/>
             </a:solidFill>
+            <a:prstDash val="dash"/>
+            <a:tailEnd type="triangle"/>
           </a:ln>
-          <a:effectLst>
-            <a:outerShdw blurRad="50800" dist="38100" dir="5400000" algn="t" rotWithShape="0">
-              <a:prstClr val="black">
-                <a:alpha val="40000"/>
-              </a:prstClr>
-            </a:outerShdw>
-          </a:effectLst>
         </p:spPr>
         <p:style>
-          <a:lnRef idx="2">
-            <a:schemeClr val="accent1">
-              <a:shade val="50000"/>
-            </a:schemeClr>
+          <a:lnRef idx="1">
+            <a:schemeClr val="accent1"/>
           </a:lnRef>
-          <a:fillRef idx="1">
+          <a:fillRef idx="0">
             <a:schemeClr val="accent1"/>
           </a:fillRef>
           <a:effectRef idx="0">
             <a:schemeClr val="accent1"/>
           </a:effectRef>
           <a:fontRef idx="minor">
-            <a:schemeClr val="lt1"/>
+            <a:schemeClr val="tx1"/>
           </a:fontRef>
         </p:style>
-        <p:txBody>
-          <a:bodyPr rtlCol="0" anchor="ctr"/>
-          <a:lstStyle/>
-          <a:p>
-            <a:pPr marL="285750" indent="-285750">
-              <a:buFont typeface="Wingdings" panose="05000000000000000000" pitchFamily="2" charset="2"/>
-              <a:buChar char="§"/>
-            </a:pPr>
-            <a:r>
-              <a:rPr lang="en-US" dirty="0">
-                <a:solidFill>
-                  <a:schemeClr val="bg1"/>
-                </a:solidFill>
-              </a:rPr>
-              <a:t>C#, F# and JavaScript</a:t>
-            </a:r>
-          </a:p>
-          <a:p>
-            <a:pPr marL="285750" indent="-285750">
-              <a:buFont typeface="Wingdings" panose="05000000000000000000" pitchFamily="2" charset="2"/>
-              <a:buChar char="§"/>
-            </a:pPr>
-            <a:r>
-              <a:rPr lang="en-US" dirty="0">
-                <a:solidFill>
-                  <a:schemeClr val="bg1"/>
-                </a:solidFill>
-              </a:rPr>
-              <a:t>Bindings</a:t>
-            </a:r>
-            <a:endParaRPr lang="de-DE" dirty="0">
-              <a:solidFill>
-                <a:schemeClr val="bg1"/>
-              </a:solidFill>
-            </a:endParaRPr>
-          </a:p>
-        </p:txBody>
-      </p:sp>
-      <p:sp>
-        <p:nvSpPr>
-          <p:cNvPr id="13" name="Rechteck: abgerundete Ecken 12">
-            <a:extLst>
-              <a:ext uri="{FF2B5EF4-FFF2-40B4-BE49-F238E27FC236}">
-                <a16:creationId xmlns:a16="http://schemas.microsoft.com/office/drawing/2014/main" id="{FF8CC212-465B-41A0-B1F6-FA91420EEFA3}"/>
-              </a:ext>
-            </a:extLst>
-          </p:cNvPr>
-          <p:cNvSpPr/>
+      </p:cxnSp>
+      <p:cxnSp>
+        <p:nvCxnSpPr>
+          <p:cNvPr id="31" name="Gerade Verbindung mit Pfeil 30">
+            <a:extLst>
+              <a:ext uri="{FF2B5EF4-FFF2-40B4-BE49-F238E27FC236}">
+                <a16:creationId xmlns:a16="http://schemas.microsoft.com/office/drawing/2014/main" id="{1310ADA9-FDCA-4937-AC09-E98C188EFBE9}"/>
+              </a:ext>
+            </a:extLst>
+          </p:cNvPr>
+          <p:cNvCxnSpPr>
+            <a:cxnSpLocks/>
+          </p:cNvCxnSpPr>
           <p:nvPr/>
-        </p:nvSpPr>
-        <p:spPr>
-          <a:xfrm>
-            <a:off x="6215679" y="4019605"/>
-            <a:ext cx="3077815" cy="1324094"/>
-          </a:xfrm>
-          <a:prstGeom prst="roundRect">
-            <a:avLst>
-              <a:gd name="adj" fmla="val 7162"/>
-            </a:avLst>
+        </p:nvCxnSpPr>
+        <p:spPr>
+          <a:xfrm>
+            <a:off x="3295047" y="3478696"/>
+            <a:ext cx="1787162" cy="538565"/>
+          </a:xfrm>
+          <a:prstGeom prst="straightConnector1">
+            <a:avLst/>
           </a:prstGeom>
-          <a:solidFill>
-            <a:srgbClr val="5A536D"/>
-          </a:solidFill>
-          <a:ln>
+          <a:ln w="31750">
             <a:solidFill>
-              <a:srgbClr val="FFD36F"/>
+              <a:srgbClr val="FFC000"/>
             </a:solidFill>
+            <a:prstDash val="dash"/>
+            <a:tailEnd type="triangle"/>
           </a:ln>
-          <a:effectLst>
-            <a:outerShdw blurRad="50800" dist="38100" dir="5400000" algn="t" rotWithShape="0">
-              <a:prstClr val="black">
-                <a:alpha val="40000"/>
-              </a:prstClr>
-            </a:outerShdw>
-          </a:effectLst>
         </p:spPr>
         <p:style>
-          <a:lnRef idx="2">
-            <a:schemeClr val="accent1">
-              <a:shade val="50000"/>
-            </a:schemeClr>
+          <a:lnRef idx="1">
+            <a:schemeClr val="accent1"/>
           </a:lnRef>
-          <a:fillRef idx="1">
+          <a:fillRef idx="0">
             <a:schemeClr val="accent1"/>
           </a:fillRef>
           <a:effectRef idx="0">
             <a:schemeClr val="accent1"/>
           </a:effectRef>
           <a:fontRef idx="minor">
-            <a:schemeClr val="lt1"/>
+            <a:schemeClr val="tx1"/>
           </a:fontRef>
         </p:style>
-        <p:txBody>
-          <a:bodyPr rtlCol="0" anchor="ctr"/>
-          <a:lstStyle/>
-          <a:p>
-            <a:pPr marL="285750" indent="-285750">
-              <a:buFont typeface="Wingdings" panose="05000000000000000000" pitchFamily="2" charset="2"/>
-              <a:buChar char="§"/>
-            </a:pPr>
-            <a:r>
-              <a:rPr lang="en-US" dirty="0">
-                <a:solidFill>
-                  <a:schemeClr val="bg1"/>
-                </a:solidFill>
-              </a:rPr>
-              <a:t>Visual Designer and WDL</a:t>
-            </a:r>
-          </a:p>
-          <a:p>
-            <a:pPr marL="285750" indent="-285750">
-              <a:buFont typeface="Wingdings" panose="05000000000000000000" pitchFamily="2" charset="2"/>
-              <a:buChar char="§"/>
-            </a:pPr>
-            <a:r>
-              <a:rPr lang="en-US" dirty="0">
-                <a:solidFill>
-                  <a:schemeClr val="bg1"/>
-                </a:solidFill>
-              </a:rPr>
-              <a:t>200+ Connectors</a:t>
-            </a:r>
-            <a:endParaRPr lang="de-DE" dirty="0">
-              <a:solidFill>
-                <a:schemeClr val="bg1"/>
-              </a:solidFill>
-            </a:endParaRPr>
-          </a:p>
-        </p:txBody>
-      </p:sp>
-      <p:pic>
-        <p:nvPicPr>
-          <p:cNvPr id="15" name="Grafik 14">
-            <a:extLst>
-              <a:ext uri="{FF2B5EF4-FFF2-40B4-BE49-F238E27FC236}">
-                <a16:creationId xmlns:a16="http://schemas.microsoft.com/office/drawing/2014/main" id="{EA0CC5EC-14E9-476D-888C-32764EC31367}"/>
-              </a:ext>
-            </a:extLst>
-          </p:cNvPr>
-          <p:cNvPicPr>
-            <a:picLocks noChangeAspect="1"/>
-          </p:cNvPicPr>
+      </p:cxnSp>
+      <p:cxnSp>
+        <p:nvCxnSpPr>
+          <p:cNvPr id="34" name="Gerade Verbindung mit Pfeil 33">
+            <a:extLst>
+              <a:ext uri="{FF2B5EF4-FFF2-40B4-BE49-F238E27FC236}">
+                <a16:creationId xmlns:a16="http://schemas.microsoft.com/office/drawing/2014/main" id="{5A122C80-7A60-49D6-8FB8-67774176EBB7}"/>
+              </a:ext>
+            </a:extLst>
+          </p:cNvPr>
+          <p:cNvCxnSpPr>
+            <a:cxnSpLocks/>
+          </p:cNvCxnSpPr>
           <p:nvPr/>
-        </p:nvPicPr>
-        <p:blipFill>
-          <a:blip r:embed="rId6">
-            <a:extLst>
-              <a:ext uri="{28A0092B-C50C-407E-A947-70E740481C1C}">
-                <a14:useLocalDpi xmlns:a14="http://schemas.microsoft.com/office/drawing/2010/main" val="0"/>
-              </a:ext>
-            </a:extLst>
-          </a:blip>
-          <a:stretch>
-            <a:fillRect/>
-          </a:stretch>
-        </p:blipFill>
-        <p:spPr>
-          <a:xfrm>
-            <a:off x="5524667" y="1538888"/>
-            <a:ext cx="679247" cy="679247"/>
-          </a:xfrm>
-          <a:prstGeom prst="rect">
+        </p:nvCxnSpPr>
+        <p:spPr>
+          <a:xfrm>
+            <a:off x="3238501" y="3693885"/>
+            <a:ext cx="1780612" cy="1222672"/>
+          </a:xfrm>
+          <a:prstGeom prst="straightConnector1">
             <a:avLst/>
           </a:prstGeom>
-        </p:spPr>
-      </p:pic>
+          <a:ln w="31750">
+            <a:solidFill>
+              <a:srgbClr val="FFC000"/>
+            </a:solidFill>
+            <a:prstDash val="dash"/>
+            <a:tailEnd type="triangle"/>
+          </a:ln>
+        </p:spPr>
+        <p:style>
+          <a:lnRef idx="1">
+            <a:schemeClr val="accent1"/>
+          </a:lnRef>
+          <a:fillRef idx="0">
+            <a:schemeClr val="accent1"/>
+          </a:fillRef>
+          <a:effectRef idx="0">
+            <a:schemeClr val="accent1"/>
+          </a:effectRef>
+          <a:fontRef idx="minor">
+            <a:schemeClr val="tx1"/>
+          </a:fontRef>
+        </p:style>
+      </p:cxnSp>
     </p:spTree>
     <p:extLst>
       <p:ext uri="{BB962C8B-B14F-4D97-AF65-F5344CB8AC3E}">
-        <p14:creationId xmlns:p14="http://schemas.microsoft.com/office/powerpoint/2010/main" val="727514719"/>
+        <p14:creationId xmlns:p14="http://schemas.microsoft.com/office/powerpoint/2010/main" val="2196914715"/>
       </p:ext>
     </p:extLst>
   </p:cSld>
@@ -8078,7 +8941,7 @@
                             </p:stCondLst>
                             <p:childTnLst>
                               <p:par>
-                                <p:cTn id="5" presetID="1" presetClass="entr" presetSubtype="0" fill="hold" grpId="0" nodeType="clickEffect">
+                                <p:cTn id="5" presetID="22" presetClass="entr" presetSubtype="4" fill="hold" nodeType="clickEffect">
                                   <p:stCondLst>
                                     <p:cond delay="0"/>
                                   </p:stCondLst>
@@ -8091,7 +8954,7 @@
                                           </p:stCondLst>
                                         </p:cTn>
                                         <p:tgtEl>
-                                          <p:spTgt spid="10"/>
+                                          <p:spTgt spid="34"/>
                                         </p:tgtEl>
                                         <p:attrNameLst>
                                           <p:attrName>style.visibility</p:attrName>
@@ -8101,6 +8964,294 @@
                                         <p:strVal val="visible"/>
                                       </p:to>
                                     </p:set>
+                                    <p:animEffect transition="in" filter="wipe(down)">
+                                      <p:cBhvr>
+                                        <p:cTn id="7" dur="500"/>
+                                        <p:tgtEl>
+                                          <p:spTgt spid="34"/>
+                                        </p:tgtEl>
+                                      </p:cBhvr>
+                                    </p:animEffect>
+                                  </p:childTnLst>
+                                </p:cTn>
+                              </p:par>
+                              <p:par>
+                                <p:cTn id="8" presetID="22" presetClass="entr" presetSubtype="4" fill="hold" nodeType="withEffect">
+                                  <p:stCondLst>
+                                    <p:cond delay="0"/>
+                                  </p:stCondLst>
+                                  <p:childTnLst>
+                                    <p:set>
+                                      <p:cBhvr>
+                                        <p:cTn id="9" dur="1" fill="hold">
+                                          <p:stCondLst>
+                                            <p:cond delay="0"/>
+                                          </p:stCondLst>
+                                        </p:cTn>
+                                        <p:tgtEl>
+                                          <p:spTgt spid="31"/>
+                                        </p:tgtEl>
+                                        <p:attrNameLst>
+                                          <p:attrName>style.visibility</p:attrName>
+                                        </p:attrNameLst>
+                                      </p:cBhvr>
+                                      <p:to>
+                                        <p:strVal val="visible"/>
+                                      </p:to>
+                                    </p:set>
+                                    <p:animEffect transition="in" filter="wipe(down)">
+                                      <p:cBhvr>
+                                        <p:cTn id="10" dur="500"/>
+                                        <p:tgtEl>
+                                          <p:spTgt spid="31"/>
+                                        </p:tgtEl>
+                                      </p:cBhvr>
+                                    </p:animEffect>
+                                  </p:childTnLst>
+                                </p:cTn>
+                              </p:par>
+                              <p:par>
+                                <p:cTn id="11" presetID="22" presetClass="entr" presetSubtype="4" fill="hold" nodeType="withEffect">
+                                  <p:stCondLst>
+                                    <p:cond delay="0"/>
+                                  </p:stCondLst>
+                                  <p:childTnLst>
+                                    <p:set>
+                                      <p:cBhvr>
+                                        <p:cTn id="12" dur="1" fill="hold">
+                                          <p:stCondLst>
+                                            <p:cond delay="0"/>
+                                          </p:stCondLst>
+                                        </p:cTn>
+                                        <p:tgtEl>
+                                          <p:spTgt spid="29"/>
+                                        </p:tgtEl>
+                                        <p:attrNameLst>
+                                          <p:attrName>style.visibility</p:attrName>
+                                        </p:attrNameLst>
+                                      </p:cBhvr>
+                                      <p:to>
+                                        <p:strVal val="visible"/>
+                                      </p:to>
+                                    </p:set>
+                                    <p:animEffect transition="in" filter="wipe(down)">
+                                      <p:cBhvr>
+                                        <p:cTn id="13" dur="500"/>
+                                        <p:tgtEl>
+                                          <p:spTgt spid="29"/>
+                                        </p:tgtEl>
+                                      </p:cBhvr>
+                                    </p:animEffect>
+                                  </p:childTnLst>
+                                </p:cTn>
+                              </p:par>
+                              <p:par>
+                                <p:cTn id="14" presetID="22" presetClass="entr" presetSubtype="4" fill="hold" nodeType="withEffect">
+                                  <p:stCondLst>
+                                    <p:cond delay="0"/>
+                                  </p:stCondLst>
+                                  <p:childTnLst>
+                                    <p:set>
+                                      <p:cBhvr>
+                                        <p:cTn id="15" dur="1" fill="hold">
+                                          <p:stCondLst>
+                                            <p:cond delay="0"/>
+                                          </p:stCondLst>
+                                        </p:cTn>
+                                        <p:tgtEl>
+                                          <p:spTgt spid="28"/>
+                                        </p:tgtEl>
+                                        <p:attrNameLst>
+                                          <p:attrName>style.visibility</p:attrName>
+                                        </p:attrNameLst>
+                                      </p:cBhvr>
+                                      <p:to>
+                                        <p:strVal val="visible"/>
+                                      </p:to>
+                                    </p:set>
+                                    <p:animEffect transition="in" filter="wipe(down)">
+                                      <p:cBhvr>
+                                        <p:cTn id="16" dur="500"/>
+                                        <p:tgtEl>
+                                          <p:spTgt spid="28"/>
+                                        </p:tgtEl>
+                                      </p:cBhvr>
+                                    </p:animEffect>
+                                  </p:childTnLst>
+                                </p:cTn>
+                              </p:par>
+                              <p:par>
+                                <p:cTn id="17" presetID="22" presetClass="entr" presetSubtype="4" fill="hold" grpId="0" nodeType="withEffect">
+                                  <p:stCondLst>
+                                    <p:cond delay="0"/>
+                                  </p:stCondLst>
+                                  <p:childTnLst>
+                                    <p:set>
+                                      <p:cBhvr>
+                                        <p:cTn id="18" dur="1" fill="hold">
+                                          <p:stCondLst>
+                                            <p:cond delay="0"/>
+                                          </p:stCondLst>
+                                        </p:cTn>
+                                        <p:tgtEl>
+                                          <p:spTgt spid="26"/>
+                                        </p:tgtEl>
+                                        <p:attrNameLst>
+                                          <p:attrName>style.visibility</p:attrName>
+                                        </p:attrNameLst>
+                                      </p:cBhvr>
+                                      <p:to>
+                                        <p:strVal val="visible"/>
+                                      </p:to>
+                                    </p:set>
+                                    <p:animEffect transition="in" filter="wipe(down)">
+                                      <p:cBhvr>
+                                        <p:cTn id="19" dur="500"/>
+                                        <p:tgtEl>
+                                          <p:spTgt spid="26"/>
+                                        </p:tgtEl>
+                                      </p:cBhvr>
+                                    </p:animEffect>
+                                  </p:childTnLst>
+                                </p:cTn>
+                              </p:par>
+                              <p:par>
+                                <p:cTn id="20" presetID="22" presetClass="entr" presetSubtype="4" fill="hold" nodeType="withEffect">
+                                  <p:stCondLst>
+                                    <p:cond delay="0"/>
+                                  </p:stCondLst>
+                                  <p:childTnLst>
+                                    <p:set>
+                                      <p:cBhvr>
+                                        <p:cTn id="21" dur="1" fill="hold">
+                                          <p:stCondLst>
+                                            <p:cond delay="0"/>
+                                          </p:stCondLst>
+                                        </p:cTn>
+                                        <p:tgtEl>
+                                          <p:spTgt spid="5"/>
+                                        </p:tgtEl>
+                                        <p:attrNameLst>
+                                          <p:attrName>style.visibility</p:attrName>
+                                        </p:attrNameLst>
+                                      </p:cBhvr>
+                                      <p:to>
+                                        <p:strVal val="visible"/>
+                                      </p:to>
+                                    </p:set>
+                                    <p:animEffect transition="in" filter="wipe(down)">
+                                      <p:cBhvr>
+                                        <p:cTn id="22" dur="500"/>
+                                        <p:tgtEl>
+                                          <p:spTgt spid="5"/>
+                                        </p:tgtEl>
+                                      </p:cBhvr>
+                                    </p:animEffect>
+                                  </p:childTnLst>
+                                </p:cTn>
+                              </p:par>
+                              <p:par>
+                                <p:cTn id="23" presetID="22" presetClass="entr" presetSubtype="4" fill="hold" nodeType="withEffect">
+                                  <p:stCondLst>
+                                    <p:cond delay="0"/>
+                                  </p:stCondLst>
+                                  <p:childTnLst>
+                                    <p:set>
+                                      <p:cBhvr>
+                                        <p:cTn id="24" dur="1" fill="hold">
+                                          <p:stCondLst>
+                                            <p:cond delay="0"/>
+                                          </p:stCondLst>
+                                        </p:cTn>
+                                        <p:tgtEl>
+                                          <p:spTgt spid="18"/>
+                                        </p:tgtEl>
+                                        <p:attrNameLst>
+                                          <p:attrName>style.visibility</p:attrName>
+                                        </p:attrNameLst>
+                                      </p:cBhvr>
+                                      <p:to>
+                                        <p:strVal val="visible"/>
+                                      </p:to>
+                                    </p:set>
+                                    <p:animEffect transition="in" filter="wipe(down)">
+                                      <p:cBhvr>
+                                        <p:cTn id="25" dur="500"/>
+                                        <p:tgtEl>
+                                          <p:spTgt spid="18"/>
+                                        </p:tgtEl>
+                                      </p:cBhvr>
+                                    </p:animEffect>
+                                  </p:childTnLst>
+                                </p:cTn>
+                              </p:par>
+                              <p:par>
+                                <p:cTn id="26" presetID="22" presetClass="entr" presetSubtype="4" fill="hold" nodeType="withEffect">
+                                  <p:stCondLst>
+                                    <p:cond delay="0"/>
+                                  </p:stCondLst>
+                                  <p:childTnLst>
+                                    <p:set>
+                                      <p:cBhvr>
+                                        <p:cTn id="27" dur="1" fill="hold">
+                                          <p:stCondLst>
+                                            <p:cond delay="0"/>
+                                          </p:stCondLst>
+                                        </p:cTn>
+                                        <p:tgtEl>
+                                          <p:spTgt spid="19"/>
+                                        </p:tgtEl>
+                                        <p:attrNameLst>
+                                          <p:attrName>style.visibility</p:attrName>
+                                        </p:attrNameLst>
+                                      </p:cBhvr>
+                                      <p:to>
+                                        <p:strVal val="visible"/>
+                                      </p:to>
+                                    </p:set>
+                                    <p:animEffect transition="in" filter="wipe(down)">
+                                      <p:cBhvr>
+                                        <p:cTn id="28" dur="500"/>
+                                        <p:tgtEl>
+                                          <p:spTgt spid="19"/>
+                                        </p:tgtEl>
+                                      </p:cBhvr>
+                                    </p:animEffect>
+                                  </p:childTnLst>
+                                </p:cTn>
+                              </p:par>
+                              <p:par>
+                                <p:cTn id="29" presetID="22" presetClass="entr" presetSubtype="4" fill="hold" nodeType="withEffect">
+                                  <p:stCondLst>
+                                    <p:cond delay="0"/>
+                                  </p:stCondLst>
+                                  <p:childTnLst>
+                                    <p:set>
+                                      <p:cBhvr>
+                                        <p:cTn id="30" dur="1" fill="hold">
+                                          <p:stCondLst>
+                                            <p:cond delay="0"/>
+                                          </p:stCondLst>
+                                        </p:cTn>
+                                        <p:tgtEl>
+                                          <p:spTgt spid="20"/>
+                                        </p:tgtEl>
+                                        <p:attrNameLst>
+                                          <p:attrName>style.visibility</p:attrName>
+                                        </p:attrNameLst>
+                                      </p:cBhvr>
+                                      <p:to>
+                                        <p:strVal val="visible"/>
+                                      </p:to>
+                                    </p:set>
+                                    <p:animEffect transition="in" filter="wipe(down)">
+                                      <p:cBhvr>
+                                        <p:cTn id="31" dur="500"/>
+                                        <p:tgtEl>
+                                          <p:spTgt spid="20"/>
+                                        </p:tgtEl>
+                                      </p:cBhvr>
+                                    </p:animEffect>
                                   </p:childTnLst>
                                 </p:cTn>
                               </p:par>
@@ -8111,32 +9262,32 @@
                     </p:cTn>
                   </p:par>
                   <p:par>
-                    <p:cTn id="7" fill="hold">
+                    <p:cTn id="32" fill="hold">
                       <p:stCondLst>
                         <p:cond delay="indefinite"/>
                       </p:stCondLst>
                       <p:childTnLst>
                         <p:par>
-                          <p:cTn id="8" fill="hold">
+                          <p:cTn id="33" fill="hold">
                             <p:stCondLst>
                               <p:cond delay="0"/>
                             </p:stCondLst>
                             <p:childTnLst>
                               <p:par>
-                                <p:cTn id="9" presetID="1" presetClass="entr" presetSubtype="0" fill="hold" grpId="0" nodeType="clickEffect">
+                                <p:cTn id="34" presetID="22" presetClass="entr" presetSubtype="4" fill="hold" nodeType="clickEffect">
                                   <p:stCondLst>
                                     <p:cond delay="0"/>
                                   </p:stCondLst>
                                   <p:childTnLst>
                                     <p:set>
                                       <p:cBhvr>
-                                        <p:cTn id="10" dur="1" fill="hold">
+                                        <p:cTn id="35" dur="1" fill="hold">
                                           <p:stCondLst>
                                             <p:cond delay="0"/>
                                           </p:stCondLst>
                                         </p:cTn>
                                         <p:tgtEl>
-                                          <p:spTgt spid="13"/>
+                                          <p:spTgt spid="22"/>
                                         </p:tgtEl>
                                         <p:attrNameLst>
                                           <p:attrName>style.visibility</p:attrName>
@@ -8146,6 +9297,189 @@
                                         <p:strVal val="visible"/>
                                       </p:to>
                                     </p:set>
+                                    <p:animEffect transition="in" filter="wipe(down)">
+                                      <p:cBhvr>
+                                        <p:cTn id="36" dur="500"/>
+                                        <p:tgtEl>
+                                          <p:spTgt spid="22"/>
+                                        </p:tgtEl>
+                                      </p:cBhvr>
+                                    </p:animEffect>
+                                  </p:childTnLst>
+                                </p:cTn>
+                              </p:par>
+                              <p:par>
+                                <p:cTn id="37" presetID="22" presetClass="entr" presetSubtype="4" fill="hold" nodeType="withEffect">
+                                  <p:stCondLst>
+                                    <p:cond delay="0"/>
+                                  </p:stCondLst>
+                                  <p:childTnLst>
+                                    <p:set>
+                                      <p:cBhvr>
+                                        <p:cTn id="38" dur="1" fill="hold">
+                                          <p:stCondLst>
+                                            <p:cond delay="0"/>
+                                          </p:stCondLst>
+                                        </p:cTn>
+                                        <p:tgtEl>
+                                          <p:spTgt spid="16"/>
+                                        </p:tgtEl>
+                                        <p:attrNameLst>
+                                          <p:attrName>style.visibility</p:attrName>
+                                        </p:attrNameLst>
+                                      </p:cBhvr>
+                                      <p:to>
+                                        <p:strVal val="visible"/>
+                                      </p:to>
+                                    </p:set>
+                                    <p:animEffect transition="in" filter="wipe(down)">
+                                      <p:cBhvr>
+                                        <p:cTn id="39" dur="500"/>
+                                        <p:tgtEl>
+                                          <p:spTgt spid="16"/>
+                                        </p:tgtEl>
+                                      </p:cBhvr>
+                                    </p:animEffect>
+                                  </p:childTnLst>
+                                </p:cTn>
+                              </p:par>
+                              <p:par>
+                                <p:cTn id="40" presetID="22" presetClass="entr" presetSubtype="4" fill="hold" nodeType="withEffect">
+                                  <p:stCondLst>
+                                    <p:cond delay="0"/>
+                                  </p:stCondLst>
+                                  <p:childTnLst>
+                                    <p:set>
+                                      <p:cBhvr>
+                                        <p:cTn id="41" dur="1" fill="hold">
+                                          <p:stCondLst>
+                                            <p:cond delay="0"/>
+                                          </p:stCondLst>
+                                        </p:cTn>
+                                        <p:tgtEl>
+                                          <p:spTgt spid="15"/>
+                                        </p:tgtEl>
+                                        <p:attrNameLst>
+                                          <p:attrName>style.visibility</p:attrName>
+                                        </p:attrNameLst>
+                                      </p:cBhvr>
+                                      <p:to>
+                                        <p:strVal val="visible"/>
+                                      </p:to>
+                                    </p:set>
+                                    <p:animEffect transition="in" filter="wipe(down)">
+                                      <p:cBhvr>
+                                        <p:cTn id="42" dur="500"/>
+                                        <p:tgtEl>
+                                          <p:spTgt spid="15"/>
+                                        </p:tgtEl>
+                                      </p:cBhvr>
+                                    </p:animEffect>
+                                  </p:childTnLst>
+                                </p:cTn>
+                              </p:par>
+                              <p:par>
+                                <p:cTn id="43" presetID="22" presetClass="entr" presetSubtype="4" fill="hold" nodeType="withEffect">
+                                  <p:stCondLst>
+                                    <p:cond delay="0"/>
+                                  </p:stCondLst>
+                                  <p:childTnLst>
+                                    <p:set>
+                                      <p:cBhvr>
+                                        <p:cTn id="44" dur="1" fill="hold">
+                                          <p:stCondLst>
+                                            <p:cond delay="0"/>
+                                          </p:stCondLst>
+                                        </p:cTn>
+                                        <p:tgtEl>
+                                          <p:spTgt spid="14"/>
+                                        </p:tgtEl>
+                                        <p:attrNameLst>
+                                          <p:attrName>style.visibility</p:attrName>
+                                        </p:attrNameLst>
+                                      </p:cBhvr>
+                                      <p:to>
+                                        <p:strVal val="visible"/>
+                                      </p:to>
+                                    </p:set>
+                                    <p:animEffect transition="in" filter="wipe(down)">
+                                      <p:cBhvr>
+                                        <p:cTn id="45" dur="500"/>
+                                        <p:tgtEl>
+                                          <p:spTgt spid="14"/>
+                                        </p:tgtEl>
+                                      </p:cBhvr>
+                                    </p:animEffect>
+                                  </p:childTnLst>
+                                </p:cTn>
+                              </p:par>
+                              <p:par>
+                                <p:cTn id="46" presetID="22" presetClass="entr" presetSubtype="4" fill="hold" nodeType="withEffect">
+                                  <p:stCondLst>
+                                    <p:cond delay="0"/>
+                                  </p:stCondLst>
+                                  <p:childTnLst>
+                                    <p:set>
+                                      <p:cBhvr>
+                                        <p:cTn id="47" dur="1" fill="hold">
+                                          <p:stCondLst>
+                                            <p:cond delay="0"/>
+                                          </p:stCondLst>
+                                        </p:cTn>
+                                        <p:tgtEl>
+                                          <p:spTgt spid="11"/>
+                                        </p:tgtEl>
+                                        <p:attrNameLst>
+                                          <p:attrName>style.visibility</p:attrName>
+                                        </p:attrNameLst>
+                                      </p:cBhvr>
+                                      <p:to>
+                                        <p:strVal val="visible"/>
+                                      </p:to>
+                                    </p:set>
+                                    <p:animEffect transition="in" filter="wipe(down)">
+                                      <p:cBhvr>
+                                        <p:cTn id="48" dur="500"/>
+                                        <p:tgtEl>
+                                          <p:spTgt spid="11"/>
+                                        </p:tgtEl>
+                                      </p:cBhvr>
+                                    </p:animEffect>
+                                  </p:childTnLst>
+                                </p:cTn>
+                              </p:par>
+                              <p:par>
+                                <p:cTn id="49" presetID="22" presetClass="entr" presetSubtype="4" fill="hold" grpId="0" nodeType="withEffect">
+                                  <p:stCondLst>
+                                    <p:cond delay="0"/>
+                                  </p:stCondLst>
+                                  <p:childTnLst>
+                                    <p:set>
+                                      <p:cBhvr>
+                                        <p:cTn id="50" dur="1" fill="hold">
+                                          <p:stCondLst>
+                                            <p:cond delay="0"/>
+                                          </p:stCondLst>
+                                        </p:cTn>
+                                        <p:tgtEl>
+                                          <p:spTgt spid="27"/>
+                                        </p:tgtEl>
+                                        <p:attrNameLst>
+                                          <p:attrName>style.visibility</p:attrName>
+                                        </p:attrNameLst>
+                                      </p:cBhvr>
+                                      <p:to>
+                                        <p:strVal val="visible"/>
+                                      </p:to>
+                                    </p:set>
+                                    <p:animEffect transition="in" filter="wipe(down)">
+                                      <p:cBhvr>
+                                        <p:cTn id="51" dur="500"/>
+                                        <p:tgtEl>
+                                          <p:spTgt spid="27"/>
+                                        </p:tgtEl>
+                                      </p:cBhvr>
+                                    </p:animEffect>
                                   </p:childTnLst>
                                 </p:cTn>
                               </p:par>
@@ -8177,10 +9511,1090 @@
       </p:par>
     </p:tnLst>
     <p:bldLst>
-      <p:bldP spid="10" grpId="0" animBg="1"/>
-      <p:bldP spid="13" grpId="0" animBg="1"/>
+      <p:bldP spid="26" grpId="0"/>
+      <p:bldP spid="27" grpId="0"/>
     </p:bldLst>
   </p:timing>
+</p:sld>
+</file>
+
+<file path=ppt/slides/slide17.xml><?xml version="1.0" encoding="utf-8"?>
+<p:sld xmlns:a="http://schemas.openxmlformats.org/drawingml/2006/main" xmlns:r="http://schemas.openxmlformats.org/officeDocument/2006/relationships" xmlns:p="http://schemas.openxmlformats.org/presentationml/2006/main">
+  <p:cSld>
+    <p:spTree>
+      <p:nvGrpSpPr>
+        <p:cNvPr id="1" name=""/>
+        <p:cNvGrpSpPr/>
+        <p:nvPr/>
+      </p:nvGrpSpPr>
+      <p:grpSpPr>
+        <a:xfrm>
+          <a:off x="0" y="0"/>
+          <a:ext cx="0" cy="0"/>
+          <a:chOff x="0" y="0"/>
+          <a:chExt cx="0" cy="0"/>
+        </a:xfrm>
+      </p:grpSpPr>
+      <p:sp>
+        <p:nvSpPr>
+          <p:cNvPr id="3" name="Textplatzhalter 2">
+            <a:extLst>
+              <a:ext uri="{FF2B5EF4-FFF2-40B4-BE49-F238E27FC236}">
+                <a16:creationId xmlns:a16="http://schemas.microsoft.com/office/drawing/2014/main" id="{57625549-4941-4E12-AA37-2C694939FB57}"/>
+              </a:ext>
+            </a:extLst>
+          </p:cNvPr>
+          <p:cNvSpPr>
+            <a:spLocks noGrp="1"/>
+          </p:cNvSpPr>
+          <p:nvPr>
+            <p:ph type="body" sz="quarter" idx="13"/>
+          </p:nvPr>
+        </p:nvSpPr>
+        <p:spPr/>
+        <p:txBody>
+          <a:bodyPr>
+            <a:normAutofit/>
+          </a:bodyPr>
+          <a:lstStyle/>
+          <a:p>
+            <a:r>
+              <a:rPr lang="en-US" sz="2400" dirty="0"/>
+              <a:t>Durable Functions State Storage</a:t>
+            </a:r>
+            <a:endParaRPr lang="de-DE" sz="2400" dirty="0"/>
+          </a:p>
+        </p:txBody>
+      </p:sp>
+      <p:cxnSp>
+        <p:nvCxnSpPr>
+          <p:cNvPr id="6" name="Gerader Verbinder 5">
+            <a:extLst>
+              <a:ext uri="{FF2B5EF4-FFF2-40B4-BE49-F238E27FC236}">
+                <a16:creationId xmlns:a16="http://schemas.microsoft.com/office/drawing/2014/main" id="{7EFA8ABD-5F72-4B46-BE3A-27B92D0D2871}"/>
+              </a:ext>
+            </a:extLst>
+          </p:cNvPr>
+          <p:cNvCxnSpPr>
+            <a:cxnSpLocks/>
+          </p:cNvCxnSpPr>
+          <p:nvPr/>
+        </p:nvCxnSpPr>
+        <p:spPr>
+          <a:xfrm>
+            <a:off x="3343788" y="1278517"/>
+            <a:ext cx="0" cy="4585570"/>
+          </a:xfrm>
+          <a:prstGeom prst="line">
+            <a:avLst/>
+          </a:prstGeom>
+          <a:ln w="25400" cap="rnd">
+            <a:solidFill>
+              <a:srgbClr val="3F3658"/>
+            </a:solidFill>
+          </a:ln>
+        </p:spPr>
+        <p:style>
+          <a:lnRef idx="1">
+            <a:schemeClr val="accent1"/>
+          </a:lnRef>
+          <a:fillRef idx="0">
+            <a:schemeClr val="accent1"/>
+          </a:fillRef>
+          <a:effectRef idx="0">
+            <a:schemeClr val="accent1"/>
+          </a:effectRef>
+          <a:fontRef idx="minor">
+            <a:schemeClr val="tx1"/>
+          </a:fontRef>
+        </p:style>
+      </p:cxnSp>
+      <p:sp>
+        <p:nvSpPr>
+          <p:cNvPr id="7" name="Textfeld 6">
+            <a:extLst>
+              <a:ext uri="{FF2B5EF4-FFF2-40B4-BE49-F238E27FC236}">
+                <a16:creationId xmlns:a16="http://schemas.microsoft.com/office/drawing/2014/main" id="{3E5CCA95-BF7A-46E4-9279-89F179D25AE6}"/>
+              </a:ext>
+            </a:extLst>
+          </p:cNvPr>
+          <p:cNvSpPr txBox="1"/>
+          <p:nvPr/>
+        </p:nvSpPr>
+        <p:spPr>
+          <a:xfrm>
+            <a:off x="3882895" y="1678476"/>
+            <a:ext cx="5673348" cy="3785652"/>
+          </a:xfrm>
+          <a:prstGeom prst="rect">
+            <a:avLst/>
+          </a:prstGeom>
+          <a:noFill/>
+        </p:spPr>
+        <p:txBody>
+          <a:bodyPr wrap="none" rtlCol="0">
+            <a:spAutoFit/>
+          </a:bodyPr>
+          <a:lstStyle/>
+          <a:p>
+            <a:r>
+              <a:rPr lang="en-US" sz="2000" b="1" dirty="0">
+                <a:solidFill>
+                  <a:srgbClr val="5A536D"/>
+                </a:solidFill>
+              </a:rPr>
+              <a:t>Durable Functions uses Azure Storage</a:t>
+            </a:r>
+          </a:p>
+          <a:p>
+            <a:endParaRPr lang="en-US" sz="2000" b="1" dirty="0">
+              <a:solidFill>
+                <a:srgbClr val="5A536D"/>
+              </a:solidFill>
+            </a:endParaRPr>
+          </a:p>
+          <a:p>
+            <a:r>
+              <a:rPr lang="en-US" sz="2000" b="1" dirty="0">
+                <a:solidFill>
+                  <a:srgbClr val="5A536D"/>
+                </a:solidFill>
+              </a:rPr>
+              <a:t>Storage Queues</a:t>
+            </a:r>
+          </a:p>
+          <a:p>
+            <a:pPr marL="800100" lvl="1" indent="-342900">
+              <a:buFont typeface="Symbol" panose="05050102010706020507" pitchFamily="18" charset="2"/>
+              <a:buChar char="-"/>
+            </a:pPr>
+            <a:r>
+              <a:rPr lang="en-US" sz="2000" dirty="0">
+                <a:solidFill>
+                  <a:srgbClr val="5A536D"/>
+                </a:solidFill>
+              </a:rPr>
+              <a:t>Messages to trigger the next function</a:t>
+            </a:r>
+          </a:p>
+          <a:p>
+            <a:endParaRPr lang="en-US" sz="2000" b="1" dirty="0">
+              <a:solidFill>
+                <a:srgbClr val="5A536D"/>
+              </a:solidFill>
+            </a:endParaRPr>
+          </a:p>
+          <a:p>
+            <a:r>
+              <a:rPr lang="en-US" sz="2000" b="1" dirty="0">
+                <a:solidFill>
+                  <a:srgbClr val="5A536D"/>
+                </a:solidFill>
+              </a:rPr>
+              <a:t>Storage Tables</a:t>
+            </a:r>
+          </a:p>
+          <a:p>
+            <a:pPr marL="800100" lvl="1" indent="-342900">
+              <a:buFont typeface="Symbol" panose="05050102010706020507" pitchFamily="18" charset="2"/>
+              <a:buChar char="-"/>
+            </a:pPr>
+            <a:r>
+              <a:rPr lang="en-US" sz="2000" dirty="0">
+                <a:solidFill>
+                  <a:srgbClr val="5A536D"/>
+                </a:solidFill>
+              </a:rPr>
+              <a:t>Store state of orchestrations</a:t>
+            </a:r>
+          </a:p>
+          <a:p>
+            <a:pPr marL="800100" lvl="1" indent="-342900">
+              <a:buFont typeface="Symbol" panose="05050102010706020507" pitchFamily="18" charset="2"/>
+              <a:buChar char="-"/>
+            </a:pPr>
+            <a:endParaRPr lang="en-US" sz="2000" dirty="0">
+              <a:solidFill>
+                <a:srgbClr val="5A536D"/>
+              </a:solidFill>
+            </a:endParaRPr>
+          </a:p>
+          <a:p>
+            <a:r>
+              <a:rPr lang="en-US" sz="2000" b="1" dirty="0">
+                <a:solidFill>
+                  <a:srgbClr val="5A536D"/>
+                </a:solidFill>
+              </a:rPr>
+              <a:t>Task Hub</a:t>
+            </a:r>
+          </a:p>
+          <a:p>
+            <a:pPr marL="800100" lvl="1" indent="-342900">
+              <a:buFont typeface="Symbol" panose="05050102010706020507" pitchFamily="18" charset="2"/>
+              <a:buChar char="-"/>
+            </a:pPr>
+            <a:r>
+              <a:rPr lang="en-US" sz="2000" dirty="0">
+                <a:solidFill>
+                  <a:srgbClr val="5A536D"/>
+                </a:solidFill>
+              </a:rPr>
+              <a:t>The storage used by Durable Functions</a:t>
+            </a:r>
+          </a:p>
+          <a:p>
+            <a:pPr marL="800100" lvl="1" indent="-342900">
+              <a:buFont typeface="Symbol" panose="05050102010706020507" pitchFamily="18" charset="2"/>
+              <a:buChar char="-"/>
+            </a:pPr>
+            <a:r>
+              <a:rPr lang="en-US" sz="2000" dirty="0">
+                <a:solidFill>
+                  <a:srgbClr val="5A536D"/>
+                </a:solidFill>
+              </a:rPr>
+              <a:t>You can use multiple task hubs</a:t>
+            </a:r>
+          </a:p>
+          <a:p>
+            <a:pPr marL="800100" lvl="1" indent="-342900">
+              <a:buFont typeface="Symbol" panose="05050102010706020507" pitchFamily="18" charset="2"/>
+              <a:buChar char="-"/>
+            </a:pPr>
+            <a:r>
+              <a:rPr lang="en-US" sz="2000" dirty="0">
+                <a:solidFill>
+                  <a:srgbClr val="5A536D"/>
+                </a:solidFill>
+              </a:rPr>
+              <a:t>They can share a storage account</a:t>
+            </a:r>
+          </a:p>
+        </p:txBody>
+      </p:sp>
+      <p:pic>
+        <p:nvPicPr>
+          <p:cNvPr id="9" name="Grafik 8">
+            <a:extLst>
+              <a:ext uri="{FF2B5EF4-FFF2-40B4-BE49-F238E27FC236}">
+                <a16:creationId xmlns:a16="http://schemas.microsoft.com/office/drawing/2014/main" id="{EBC0C6E5-A148-40A3-B8F2-DE5286CA8540}"/>
+              </a:ext>
+            </a:extLst>
+          </p:cNvPr>
+          <p:cNvPicPr>
+            <a:picLocks noChangeAspect="1"/>
+          </p:cNvPicPr>
+          <p:nvPr/>
+        </p:nvPicPr>
+        <p:blipFill>
+          <a:blip r:embed="rId2">
+            <a:extLst>
+              <a:ext uri="{28A0092B-C50C-407E-A947-70E740481C1C}">
+                <a14:useLocalDpi xmlns:a14="http://schemas.microsoft.com/office/drawing/2010/main" val="0"/>
+              </a:ext>
+            </a:extLst>
+          </a:blip>
+          <a:stretch>
+            <a:fillRect/>
+          </a:stretch>
+        </p:blipFill>
+        <p:spPr>
+          <a:xfrm>
+            <a:off x="838201" y="2476500"/>
+            <a:ext cx="1905000" cy="1905000"/>
+          </a:xfrm>
+          <a:prstGeom prst="rect">
+            <a:avLst/>
+          </a:prstGeom>
+        </p:spPr>
+      </p:pic>
+    </p:spTree>
+    <p:extLst>
+      <p:ext uri="{BB962C8B-B14F-4D97-AF65-F5344CB8AC3E}">
+        <p14:creationId xmlns:p14="http://schemas.microsoft.com/office/powerpoint/2010/main" val="127222616"/>
+      </p:ext>
+    </p:extLst>
+  </p:cSld>
+  <p:clrMapOvr>
+    <a:masterClrMapping/>
+  </p:clrMapOvr>
+</p:sld>
+</file>
+
+<file path=ppt/slides/slide18.xml><?xml version="1.0" encoding="utf-8"?>
+<p:sld xmlns:a="http://schemas.openxmlformats.org/drawingml/2006/main" xmlns:r="http://schemas.openxmlformats.org/officeDocument/2006/relationships" xmlns:p="http://schemas.openxmlformats.org/presentationml/2006/main">
+  <p:cSld>
+    <p:spTree>
+      <p:nvGrpSpPr>
+        <p:cNvPr id="1" name=""/>
+        <p:cNvGrpSpPr/>
+        <p:nvPr/>
+      </p:nvGrpSpPr>
+      <p:grpSpPr>
+        <a:xfrm>
+          <a:off x="0" y="0"/>
+          <a:ext cx="0" cy="0"/>
+          <a:chOff x="0" y="0"/>
+          <a:chExt cx="0" cy="0"/>
+        </a:xfrm>
+      </p:grpSpPr>
+      <p:sp>
+        <p:nvSpPr>
+          <p:cNvPr id="3" name="Textplatzhalter 2">
+            <a:extLst>
+              <a:ext uri="{FF2B5EF4-FFF2-40B4-BE49-F238E27FC236}">
+                <a16:creationId xmlns:a16="http://schemas.microsoft.com/office/drawing/2014/main" id="{57625549-4941-4E12-AA37-2C694939FB57}"/>
+              </a:ext>
+            </a:extLst>
+          </p:cNvPr>
+          <p:cNvSpPr>
+            <a:spLocks noGrp="1"/>
+          </p:cNvSpPr>
+          <p:nvPr>
+            <p:ph type="body" sz="quarter" idx="13"/>
+          </p:nvPr>
+        </p:nvSpPr>
+        <p:spPr/>
+        <p:txBody>
+          <a:bodyPr>
+            <a:normAutofit/>
+          </a:bodyPr>
+          <a:lstStyle/>
+          <a:p>
+            <a:r>
+              <a:rPr lang="en-US" sz="2400" dirty="0"/>
+              <a:t>Orchestrator Function Rules</a:t>
+            </a:r>
+            <a:endParaRPr lang="de-DE" sz="2400" dirty="0"/>
+          </a:p>
+        </p:txBody>
+      </p:sp>
+      <p:cxnSp>
+        <p:nvCxnSpPr>
+          <p:cNvPr id="6" name="Gerader Verbinder 5">
+            <a:extLst>
+              <a:ext uri="{FF2B5EF4-FFF2-40B4-BE49-F238E27FC236}">
+                <a16:creationId xmlns:a16="http://schemas.microsoft.com/office/drawing/2014/main" id="{7EFA8ABD-5F72-4B46-BE3A-27B92D0D2871}"/>
+              </a:ext>
+            </a:extLst>
+          </p:cNvPr>
+          <p:cNvCxnSpPr>
+            <a:cxnSpLocks/>
+          </p:cNvCxnSpPr>
+          <p:nvPr/>
+        </p:nvCxnSpPr>
+        <p:spPr>
+          <a:xfrm>
+            <a:off x="3343788" y="1278517"/>
+            <a:ext cx="0" cy="4585570"/>
+          </a:xfrm>
+          <a:prstGeom prst="line">
+            <a:avLst/>
+          </a:prstGeom>
+          <a:ln w="25400" cap="rnd">
+            <a:solidFill>
+              <a:srgbClr val="3F3658"/>
+            </a:solidFill>
+          </a:ln>
+        </p:spPr>
+        <p:style>
+          <a:lnRef idx="1">
+            <a:schemeClr val="accent1"/>
+          </a:lnRef>
+          <a:fillRef idx="0">
+            <a:schemeClr val="accent1"/>
+          </a:fillRef>
+          <a:effectRef idx="0">
+            <a:schemeClr val="accent1"/>
+          </a:effectRef>
+          <a:fontRef idx="minor">
+            <a:schemeClr val="tx1"/>
+          </a:fontRef>
+        </p:style>
+      </p:cxnSp>
+      <p:sp>
+        <p:nvSpPr>
+          <p:cNvPr id="7" name="Textfeld 6">
+            <a:extLst>
+              <a:ext uri="{FF2B5EF4-FFF2-40B4-BE49-F238E27FC236}">
+                <a16:creationId xmlns:a16="http://schemas.microsoft.com/office/drawing/2014/main" id="{3E5CCA95-BF7A-46E4-9279-89F179D25AE6}"/>
+              </a:ext>
+            </a:extLst>
+          </p:cNvPr>
+          <p:cNvSpPr txBox="1"/>
+          <p:nvPr/>
+        </p:nvSpPr>
+        <p:spPr>
+          <a:xfrm>
+            <a:off x="3882895" y="1690062"/>
+            <a:ext cx="6801862" cy="3477875"/>
+          </a:xfrm>
+          <a:prstGeom prst="rect">
+            <a:avLst/>
+          </a:prstGeom>
+          <a:noFill/>
+        </p:spPr>
+        <p:txBody>
+          <a:bodyPr wrap="none" rtlCol="0">
+            <a:spAutoFit/>
+          </a:bodyPr>
+          <a:lstStyle/>
+          <a:p>
+            <a:r>
+              <a:rPr lang="en-US" sz="2000" b="1" dirty="0">
+                <a:solidFill>
+                  <a:srgbClr val="5A536D"/>
+                </a:solidFill>
+              </a:rPr>
+              <a:t>The whole function will be “replayed</a:t>
+            </a:r>
+          </a:p>
+          <a:p>
+            <a:endParaRPr lang="en-US" sz="2000" dirty="0">
+              <a:solidFill>
+                <a:srgbClr val="5A536D"/>
+              </a:solidFill>
+            </a:endParaRPr>
+          </a:p>
+          <a:p>
+            <a:r>
+              <a:rPr lang="en-US" sz="2000" b="1" dirty="0">
+                <a:solidFill>
+                  <a:srgbClr val="5A536D"/>
+                </a:solidFill>
+              </a:rPr>
+              <a:t>Don´t</a:t>
+            </a:r>
+          </a:p>
+          <a:p>
+            <a:pPr marL="800100" lvl="1" indent="-342900">
+              <a:buFont typeface="Symbol" panose="05050102010706020507" pitchFamily="18" charset="2"/>
+              <a:buChar char="-"/>
+            </a:pPr>
+            <a:r>
+              <a:rPr lang="en-US" sz="2000" dirty="0">
+                <a:solidFill>
+                  <a:srgbClr val="5A536D"/>
+                </a:solidFill>
+              </a:rPr>
+              <a:t>No I/O to disk or network </a:t>
+            </a:r>
+          </a:p>
+          <a:p>
+            <a:pPr marL="800100" lvl="1" indent="-342900">
+              <a:buFont typeface="Symbol" panose="05050102010706020507" pitchFamily="18" charset="2"/>
+              <a:buChar char="-"/>
+            </a:pPr>
+            <a:r>
+              <a:rPr lang="en-US" sz="2000" dirty="0">
+                <a:solidFill>
+                  <a:srgbClr val="5A536D"/>
+                </a:solidFill>
+              </a:rPr>
+              <a:t>No </a:t>
+            </a:r>
+            <a:r>
+              <a:rPr lang="en-US" sz="2000" dirty="0" err="1">
+                <a:solidFill>
+                  <a:srgbClr val="5A536D"/>
+                </a:solidFill>
+              </a:rPr>
+              <a:t>Thread.Sleep</a:t>
+            </a:r>
+            <a:endParaRPr lang="en-US" sz="2000" dirty="0">
+              <a:solidFill>
+                <a:srgbClr val="5A536D"/>
+              </a:solidFill>
+            </a:endParaRPr>
+          </a:p>
+          <a:p>
+            <a:pPr marL="800100" lvl="1" indent="-342900">
+              <a:buFont typeface="Symbol" panose="05050102010706020507" pitchFamily="18" charset="2"/>
+              <a:buChar char="-"/>
+            </a:pPr>
+            <a:r>
+              <a:rPr lang="en-US" sz="2000" dirty="0">
+                <a:solidFill>
+                  <a:srgbClr val="5A536D"/>
+                </a:solidFill>
+              </a:rPr>
+              <a:t>Generate random numbers or </a:t>
+            </a:r>
+            <a:r>
+              <a:rPr lang="en-US" sz="2000" dirty="0" err="1">
+                <a:solidFill>
+                  <a:srgbClr val="5A536D"/>
+                </a:solidFill>
+              </a:rPr>
+              <a:t>Guids</a:t>
+            </a:r>
+            <a:r>
+              <a:rPr lang="en-US" sz="2000" dirty="0">
+                <a:solidFill>
+                  <a:srgbClr val="5A536D"/>
+                </a:solidFill>
+              </a:rPr>
+              <a:t> </a:t>
+            </a:r>
+          </a:p>
+          <a:p>
+            <a:pPr marL="800100" lvl="1" indent="-342900">
+              <a:buFont typeface="Symbol" panose="05050102010706020507" pitchFamily="18" charset="2"/>
+              <a:buChar char="-"/>
+            </a:pPr>
+            <a:r>
+              <a:rPr lang="en-US" sz="2000" dirty="0">
+                <a:solidFill>
+                  <a:srgbClr val="5A536D"/>
+                </a:solidFill>
+              </a:rPr>
+              <a:t>Access data stores </a:t>
+            </a:r>
+          </a:p>
+          <a:p>
+            <a:endParaRPr lang="en-US" sz="2000" b="1" dirty="0">
+              <a:solidFill>
+                <a:srgbClr val="5A536D"/>
+              </a:solidFill>
+            </a:endParaRPr>
+          </a:p>
+          <a:p>
+            <a:r>
+              <a:rPr lang="en-US" sz="2000" b="1" dirty="0">
+                <a:solidFill>
+                  <a:srgbClr val="5A536D"/>
+                </a:solidFill>
+              </a:rPr>
+              <a:t>Do not initiate async operations </a:t>
+            </a:r>
+          </a:p>
+          <a:p>
+            <a:pPr marL="914400" lvl="1" indent="-457200">
+              <a:buFont typeface="Symbol" panose="05050102010706020507" pitchFamily="18" charset="2"/>
+              <a:buChar char="-"/>
+            </a:pPr>
+            <a:r>
+              <a:rPr lang="en-US" sz="2000" dirty="0">
+                <a:solidFill>
+                  <a:srgbClr val="5A536D"/>
+                </a:solidFill>
+              </a:rPr>
+              <a:t>Except on </a:t>
+            </a:r>
+            <a:r>
+              <a:rPr lang="en-US" sz="2000" dirty="0" err="1">
+                <a:solidFill>
+                  <a:srgbClr val="5A536D"/>
+                </a:solidFill>
+              </a:rPr>
+              <a:t>DurableOrchestrationContext</a:t>
+            </a:r>
+            <a:r>
+              <a:rPr lang="en-US" sz="2000" dirty="0">
+                <a:solidFill>
+                  <a:srgbClr val="5A536D"/>
+                </a:solidFill>
+              </a:rPr>
+              <a:t> API</a:t>
+            </a:r>
+          </a:p>
+          <a:p>
+            <a:pPr marL="914400" lvl="1" indent="-457200">
+              <a:buFont typeface="Symbol" panose="05050102010706020507" pitchFamily="18" charset="2"/>
+              <a:buChar char="-"/>
+            </a:pPr>
+            <a:r>
+              <a:rPr lang="en-US" sz="2000" dirty="0">
+                <a:solidFill>
+                  <a:srgbClr val="5A536D"/>
+                </a:solidFill>
+              </a:rPr>
+              <a:t>No </a:t>
+            </a:r>
+            <a:r>
+              <a:rPr lang="en-US" sz="2000" dirty="0" err="1">
+                <a:solidFill>
+                  <a:srgbClr val="5A536D"/>
+                </a:solidFill>
+              </a:rPr>
+              <a:t>Task.Run</a:t>
+            </a:r>
+            <a:r>
+              <a:rPr lang="en-US" sz="2000" dirty="0">
+                <a:solidFill>
+                  <a:srgbClr val="5A536D"/>
+                </a:solidFill>
+              </a:rPr>
+              <a:t>, </a:t>
+            </a:r>
+            <a:r>
+              <a:rPr lang="en-US" sz="2000" dirty="0" err="1">
+                <a:solidFill>
+                  <a:srgbClr val="5A536D"/>
+                </a:solidFill>
+              </a:rPr>
+              <a:t>Task.Delay</a:t>
+            </a:r>
+            <a:r>
+              <a:rPr lang="en-US" sz="2000" dirty="0">
+                <a:solidFill>
+                  <a:srgbClr val="5A536D"/>
+                </a:solidFill>
+              </a:rPr>
+              <a:t>, </a:t>
+            </a:r>
+            <a:r>
+              <a:rPr lang="en-US" sz="2000" dirty="0" err="1">
+                <a:solidFill>
+                  <a:srgbClr val="5A536D"/>
+                </a:solidFill>
+              </a:rPr>
+              <a:t>HttpClient.SendAsync</a:t>
+            </a:r>
+            <a:r>
+              <a:rPr lang="en-US" sz="2000" dirty="0">
+                <a:solidFill>
+                  <a:srgbClr val="5A536D"/>
+                </a:solidFill>
+              </a:rPr>
+              <a:t> </a:t>
+            </a:r>
+          </a:p>
+        </p:txBody>
+      </p:sp>
+      <p:pic>
+        <p:nvPicPr>
+          <p:cNvPr id="4" name="Grafik 3">
+            <a:extLst>
+              <a:ext uri="{FF2B5EF4-FFF2-40B4-BE49-F238E27FC236}">
+                <a16:creationId xmlns:a16="http://schemas.microsoft.com/office/drawing/2014/main" id="{86E391B0-3209-4765-AF2B-2E10169E2F85}"/>
+              </a:ext>
+            </a:extLst>
+          </p:cNvPr>
+          <p:cNvPicPr>
+            <a:picLocks noChangeAspect="1"/>
+          </p:cNvPicPr>
+          <p:nvPr/>
+        </p:nvPicPr>
+        <p:blipFill>
+          <a:blip r:embed="rId2">
+            <a:extLst>
+              <a:ext uri="{28A0092B-C50C-407E-A947-70E740481C1C}">
+                <a14:useLocalDpi xmlns:a14="http://schemas.microsoft.com/office/drawing/2010/main" val="0"/>
+              </a:ext>
+            </a:extLst>
+          </a:blip>
+          <a:stretch>
+            <a:fillRect/>
+          </a:stretch>
+        </p:blipFill>
+        <p:spPr>
+          <a:xfrm>
+            <a:off x="838201" y="2476500"/>
+            <a:ext cx="1905000" cy="1905000"/>
+          </a:xfrm>
+          <a:prstGeom prst="rect">
+            <a:avLst/>
+          </a:prstGeom>
+        </p:spPr>
+      </p:pic>
+    </p:spTree>
+    <p:extLst>
+      <p:ext uri="{BB962C8B-B14F-4D97-AF65-F5344CB8AC3E}">
+        <p14:creationId xmlns:p14="http://schemas.microsoft.com/office/powerpoint/2010/main" val="1646258538"/>
+      </p:ext>
+    </p:extLst>
+  </p:cSld>
+  <p:clrMapOvr>
+    <a:masterClrMapping/>
+  </p:clrMapOvr>
+</p:sld>
+</file>
+
+<file path=ppt/slides/slide19.xml><?xml version="1.0" encoding="utf-8"?>
+<p:sld xmlns:a="http://schemas.openxmlformats.org/drawingml/2006/main" xmlns:r="http://schemas.openxmlformats.org/officeDocument/2006/relationships" xmlns:p="http://schemas.openxmlformats.org/presentationml/2006/main">
+  <p:cSld>
+    <p:spTree>
+      <p:nvGrpSpPr>
+        <p:cNvPr id="1" name=""/>
+        <p:cNvGrpSpPr/>
+        <p:nvPr/>
+      </p:nvGrpSpPr>
+      <p:grpSpPr>
+        <a:xfrm>
+          <a:off x="0" y="0"/>
+          <a:ext cx="0" cy="0"/>
+          <a:chOff x="0" y="0"/>
+          <a:chExt cx="0" cy="0"/>
+        </a:xfrm>
+      </p:grpSpPr>
+      <p:sp>
+        <p:nvSpPr>
+          <p:cNvPr id="3" name="Textplatzhalter 2">
+            <a:extLst>
+              <a:ext uri="{FF2B5EF4-FFF2-40B4-BE49-F238E27FC236}">
+                <a16:creationId xmlns:a16="http://schemas.microsoft.com/office/drawing/2014/main" id="{57625549-4941-4E12-AA37-2C694939FB57}"/>
+              </a:ext>
+            </a:extLst>
+          </p:cNvPr>
+          <p:cNvSpPr>
+            <a:spLocks noGrp="1"/>
+          </p:cNvSpPr>
+          <p:nvPr>
+            <p:ph type="body" sz="quarter" idx="13"/>
+          </p:nvPr>
+        </p:nvSpPr>
+        <p:spPr/>
+        <p:txBody>
+          <a:bodyPr>
+            <a:normAutofit/>
+          </a:bodyPr>
+          <a:lstStyle/>
+          <a:p>
+            <a:r>
+              <a:rPr lang="en-US" sz="2400" dirty="0"/>
+              <a:t>Logging in Orchestrator Functions</a:t>
+            </a:r>
+            <a:endParaRPr lang="de-DE" sz="2400" dirty="0"/>
+          </a:p>
+        </p:txBody>
+      </p:sp>
+      <p:cxnSp>
+        <p:nvCxnSpPr>
+          <p:cNvPr id="6" name="Gerader Verbinder 5">
+            <a:extLst>
+              <a:ext uri="{FF2B5EF4-FFF2-40B4-BE49-F238E27FC236}">
+                <a16:creationId xmlns:a16="http://schemas.microsoft.com/office/drawing/2014/main" id="{7EFA8ABD-5F72-4B46-BE3A-27B92D0D2871}"/>
+              </a:ext>
+            </a:extLst>
+          </p:cNvPr>
+          <p:cNvCxnSpPr>
+            <a:cxnSpLocks/>
+          </p:cNvCxnSpPr>
+          <p:nvPr/>
+        </p:nvCxnSpPr>
+        <p:spPr>
+          <a:xfrm>
+            <a:off x="3343788" y="1278517"/>
+            <a:ext cx="0" cy="4585570"/>
+          </a:xfrm>
+          <a:prstGeom prst="line">
+            <a:avLst/>
+          </a:prstGeom>
+          <a:ln w="25400" cap="rnd">
+            <a:solidFill>
+              <a:srgbClr val="3F3658"/>
+            </a:solidFill>
+          </a:ln>
+        </p:spPr>
+        <p:style>
+          <a:lnRef idx="1">
+            <a:schemeClr val="accent1"/>
+          </a:lnRef>
+          <a:fillRef idx="0">
+            <a:schemeClr val="accent1"/>
+          </a:fillRef>
+          <a:effectRef idx="0">
+            <a:schemeClr val="accent1"/>
+          </a:effectRef>
+          <a:fontRef idx="minor">
+            <a:schemeClr val="tx1"/>
+          </a:fontRef>
+        </p:style>
+      </p:cxnSp>
+      <p:sp>
+        <p:nvSpPr>
+          <p:cNvPr id="7" name="Textfeld 6">
+            <a:extLst>
+              <a:ext uri="{FF2B5EF4-FFF2-40B4-BE49-F238E27FC236}">
+                <a16:creationId xmlns:a16="http://schemas.microsoft.com/office/drawing/2014/main" id="{3E5CCA95-BF7A-46E4-9279-89F179D25AE6}"/>
+              </a:ext>
+            </a:extLst>
+          </p:cNvPr>
+          <p:cNvSpPr txBox="1"/>
+          <p:nvPr/>
+        </p:nvSpPr>
+        <p:spPr>
+          <a:xfrm>
+            <a:off x="3889521" y="2200271"/>
+            <a:ext cx="7212231" cy="1631216"/>
+          </a:xfrm>
+          <a:prstGeom prst="rect">
+            <a:avLst/>
+          </a:prstGeom>
+          <a:noFill/>
+        </p:spPr>
+        <p:txBody>
+          <a:bodyPr wrap="none" rtlCol="0">
+            <a:spAutoFit/>
+          </a:bodyPr>
+          <a:lstStyle/>
+          <a:p>
+            <a:r>
+              <a:rPr lang="en-US" sz="2000" b="1" dirty="0">
+                <a:solidFill>
+                  <a:srgbClr val="5A536D"/>
+                </a:solidFill>
+              </a:rPr>
+              <a:t>Use the built-in </a:t>
+            </a:r>
+            <a:r>
+              <a:rPr lang="en-US" sz="2000" b="1" dirty="0" err="1">
+                <a:solidFill>
+                  <a:srgbClr val="5A536D"/>
+                </a:solidFill>
+              </a:rPr>
+              <a:t>TraceWriter</a:t>
+            </a:r>
+            <a:endParaRPr lang="en-US" sz="2000" b="1" dirty="0">
+              <a:solidFill>
+                <a:srgbClr val="5A536D"/>
+              </a:solidFill>
+            </a:endParaRPr>
+          </a:p>
+          <a:p>
+            <a:endParaRPr lang="en-US" sz="2000" b="1" dirty="0">
+              <a:solidFill>
+                <a:srgbClr val="5A536D"/>
+              </a:solidFill>
+            </a:endParaRPr>
+          </a:p>
+          <a:p>
+            <a:r>
+              <a:rPr lang="en-US" sz="2000" b="1" dirty="0">
+                <a:solidFill>
+                  <a:srgbClr val="5A536D"/>
+                </a:solidFill>
+              </a:rPr>
+              <a:t>Log messages get written on every replay </a:t>
+            </a:r>
+          </a:p>
+          <a:p>
+            <a:pPr marL="800100" lvl="1" indent="-342900">
+              <a:buFont typeface="Symbol" panose="05050102010706020507" pitchFamily="18" charset="2"/>
+              <a:buChar char="-"/>
+            </a:pPr>
+            <a:r>
+              <a:rPr lang="en-US" sz="2000" dirty="0">
+                <a:solidFill>
+                  <a:srgbClr val="5A536D"/>
+                </a:solidFill>
+              </a:rPr>
+              <a:t>Avoid with </a:t>
+            </a:r>
+            <a:r>
+              <a:rPr lang="en-US" sz="2000" dirty="0" err="1">
+                <a:solidFill>
+                  <a:srgbClr val="5A536D"/>
+                </a:solidFill>
+              </a:rPr>
+              <a:t>DurableOrchestrationContext.IsReplaying</a:t>
+            </a:r>
+            <a:endParaRPr lang="en-US" sz="2000" dirty="0">
+              <a:solidFill>
+                <a:srgbClr val="5A536D"/>
+              </a:solidFill>
+            </a:endParaRPr>
+          </a:p>
+          <a:p>
+            <a:r>
+              <a:rPr lang="en-US" sz="2000" b="1" dirty="0">
+                <a:solidFill>
+                  <a:srgbClr val="5A536D"/>
+                </a:solidFill>
+              </a:rPr>
+              <a:t> </a:t>
+            </a:r>
+            <a:endParaRPr lang="en-US" sz="2000" dirty="0">
+              <a:solidFill>
+                <a:srgbClr val="5A536D"/>
+              </a:solidFill>
+            </a:endParaRPr>
+          </a:p>
+        </p:txBody>
+      </p:sp>
+      <p:pic>
+        <p:nvPicPr>
+          <p:cNvPr id="5" name="Grafik 4">
+            <a:extLst>
+              <a:ext uri="{FF2B5EF4-FFF2-40B4-BE49-F238E27FC236}">
+                <a16:creationId xmlns:a16="http://schemas.microsoft.com/office/drawing/2014/main" id="{51C67E5D-B8AF-4806-9783-D3C4C2643B56}"/>
+              </a:ext>
+            </a:extLst>
+          </p:cNvPr>
+          <p:cNvPicPr>
+            <a:picLocks noChangeAspect="1"/>
+          </p:cNvPicPr>
+          <p:nvPr/>
+        </p:nvPicPr>
+        <p:blipFill>
+          <a:blip r:embed="rId2">
+            <a:extLst>
+              <a:ext uri="{28A0092B-C50C-407E-A947-70E740481C1C}">
+                <a14:useLocalDpi xmlns:a14="http://schemas.microsoft.com/office/drawing/2010/main" val="0"/>
+              </a:ext>
+            </a:extLst>
+          </a:blip>
+          <a:stretch>
+            <a:fillRect/>
+          </a:stretch>
+        </p:blipFill>
+        <p:spPr>
+          <a:xfrm>
+            <a:off x="838201" y="2476499"/>
+            <a:ext cx="1905000" cy="1905000"/>
+          </a:xfrm>
+          <a:prstGeom prst="rect">
+            <a:avLst/>
+          </a:prstGeom>
+        </p:spPr>
+      </p:pic>
+      <p:sp>
+        <p:nvSpPr>
+          <p:cNvPr id="8" name="Textfeld 7">
+            <a:extLst>
+              <a:ext uri="{FF2B5EF4-FFF2-40B4-BE49-F238E27FC236}">
+                <a16:creationId xmlns:a16="http://schemas.microsoft.com/office/drawing/2014/main" id="{3B7FE4B7-5507-44D5-A733-CFB830DC778E}"/>
+              </a:ext>
+            </a:extLst>
+          </p:cNvPr>
+          <p:cNvSpPr txBox="1"/>
+          <p:nvPr/>
+        </p:nvSpPr>
+        <p:spPr>
+          <a:xfrm>
+            <a:off x="3889521" y="3580867"/>
+            <a:ext cx="3621504" cy="1169551"/>
+          </a:xfrm>
+          <a:prstGeom prst="rect">
+            <a:avLst/>
+          </a:prstGeom>
+          <a:noFill/>
+          <a:ln>
+            <a:noFill/>
+          </a:ln>
+        </p:spPr>
+        <p:txBody>
+          <a:bodyPr wrap="none" rtlCol="0">
+            <a:spAutoFit/>
+          </a:bodyPr>
+          <a:lstStyle/>
+          <a:p>
+            <a:endParaRPr lang="en-US" sz="1400" dirty="0">
+              <a:latin typeface="Hasklig Medium" panose="020B0509030403020204" pitchFamily="49" charset="0"/>
+              <a:ea typeface="Hasklig Medium" panose="020B0509030403020204" pitchFamily="49" charset="0"/>
+            </a:endParaRPr>
+          </a:p>
+          <a:p>
+            <a:r>
+              <a:rPr lang="en-US" sz="1400" dirty="0">
+                <a:solidFill>
+                  <a:schemeClr val="accent5">
+                    <a:lumMod val="50000"/>
+                  </a:schemeClr>
+                </a:solidFill>
+                <a:latin typeface="Hasklig Medium" panose="020B0509030403020204" pitchFamily="49" charset="0"/>
+                <a:ea typeface="Hasklig Medium" panose="020B0509030403020204" pitchFamily="49" charset="0"/>
+              </a:rPr>
+              <a:t>if</a:t>
+            </a:r>
+            <a:r>
+              <a:rPr lang="en-US" sz="1400" dirty="0">
+                <a:latin typeface="Hasklig Medium" panose="020B0509030403020204" pitchFamily="49" charset="0"/>
+                <a:ea typeface="Hasklig Medium" panose="020B0509030403020204" pitchFamily="49" charset="0"/>
+              </a:rPr>
+              <a:t> (!</a:t>
+            </a:r>
+            <a:r>
+              <a:rPr lang="en-US" sz="1400" dirty="0" err="1">
+                <a:latin typeface="Hasklig Medium" panose="020B0509030403020204" pitchFamily="49" charset="0"/>
+                <a:ea typeface="Hasklig Medium" panose="020B0509030403020204" pitchFamily="49" charset="0"/>
+              </a:rPr>
+              <a:t>ctx.IsReplaying</a:t>
+            </a:r>
+            <a:r>
+              <a:rPr lang="en-US" sz="1400" dirty="0">
+                <a:latin typeface="Hasklig Medium" panose="020B0509030403020204" pitchFamily="49" charset="0"/>
+                <a:ea typeface="Hasklig Medium" panose="020B0509030403020204" pitchFamily="49" charset="0"/>
+              </a:rPr>
+              <a:t>)</a:t>
+            </a:r>
+          </a:p>
+          <a:p>
+            <a:r>
+              <a:rPr lang="en-US" sz="1400" dirty="0">
+                <a:latin typeface="Hasklig Medium" panose="020B0509030403020204" pitchFamily="49" charset="0"/>
+                <a:ea typeface="Hasklig Medium" panose="020B0509030403020204" pitchFamily="49" charset="0"/>
+              </a:rPr>
+              <a:t>{</a:t>
+            </a:r>
+          </a:p>
+          <a:p>
+            <a:r>
+              <a:rPr lang="en-US" sz="1400" dirty="0">
+                <a:latin typeface="Hasklig Medium" panose="020B0509030403020204" pitchFamily="49" charset="0"/>
+                <a:ea typeface="Hasklig Medium" panose="020B0509030403020204" pitchFamily="49" charset="0"/>
+              </a:rPr>
+              <a:t>  </a:t>
+            </a:r>
+            <a:r>
+              <a:rPr lang="en-US" sz="1400" dirty="0" err="1">
+                <a:latin typeface="Hasklig Medium" panose="020B0509030403020204" pitchFamily="49" charset="0"/>
+                <a:ea typeface="Hasklig Medium" panose="020B0509030403020204" pitchFamily="49" charset="0"/>
+              </a:rPr>
+              <a:t>log.Info</a:t>
+            </a:r>
+            <a:r>
+              <a:rPr lang="en-US" sz="1400" dirty="0">
+                <a:latin typeface="Hasklig Medium" panose="020B0509030403020204" pitchFamily="49" charset="0"/>
+                <a:ea typeface="Hasklig Medium" panose="020B0509030403020204" pitchFamily="49" charset="0"/>
+              </a:rPr>
+              <a:t>(</a:t>
+            </a:r>
+            <a:r>
+              <a:rPr lang="en-US" sz="1400" dirty="0">
+                <a:solidFill>
+                  <a:srgbClr val="C00000"/>
+                </a:solidFill>
+                <a:latin typeface="Hasklig Medium" panose="020B0509030403020204" pitchFamily="49" charset="0"/>
+                <a:ea typeface="Hasklig Medium" panose="020B0509030403020204" pitchFamily="49" charset="0"/>
+              </a:rPr>
+              <a:t>“Your logging text"</a:t>
+            </a:r>
+            <a:r>
+              <a:rPr lang="en-US" sz="1400" dirty="0">
+                <a:latin typeface="Hasklig Medium" panose="020B0509030403020204" pitchFamily="49" charset="0"/>
+                <a:ea typeface="Hasklig Medium" panose="020B0509030403020204" pitchFamily="49" charset="0"/>
+              </a:rPr>
+              <a:t>);</a:t>
+            </a:r>
+          </a:p>
+          <a:p>
+            <a:r>
+              <a:rPr lang="en-US" sz="1400" dirty="0">
+                <a:latin typeface="Hasklig Medium" panose="020B0509030403020204" pitchFamily="49" charset="0"/>
+                <a:ea typeface="Hasklig Medium" panose="020B0509030403020204" pitchFamily="49" charset="0"/>
+              </a:rPr>
+              <a:t>} </a:t>
+            </a:r>
+            <a:endParaRPr lang="de-DE" sz="1400" dirty="0">
+              <a:latin typeface="Hasklig Medium" panose="020B0509030403020204" pitchFamily="49" charset="0"/>
+              <a:ea typeface="Hasklig Medium" panose="020B0509030403020204" pitchFamily="49" charset="0"/>
+            </a:endParaRPr>
+          </a:p>
+        </p:txBody>
+      </p:sp>
+    </p:spTree>
+    <p:extLst>
+      <p:ext uri="{BB962C8B-B14F-4D97-AF65-F5344CB8AC3E}">
+        <p14:creationId xmlns:p14="http://schemas.microsoft.com/office/powerpoint/2010/main" val="302443822"/>
+      </p:ext>
+    </p:extLst>
+  </p:cSld>
+  <p:clrMapOvr>
+    <a:masterClrMapping/>
+  </p:clrMapOvr>
 </p:sld>
 </file>
 
@@ -8296,6 +10710,833 @@
     <p:extLst>
       <p:ext uri="{BB962C8B-B14F-4D97-AF65-F5344CB8AC3E}">
         <p14:creationId xmlns:p14="http://schemas.microsoft.com/office/powerpoint/2010/main" val="1113986343"/>
+      </p:ext>
+    </p:extLst>
+  </p:cSld>
+  <p:clrMapOvr>
+    <a:masterClrMapping/>
+  </p:clrMapOvr>
+</p:sld>
+</file>
+
+<file path=ppt/slides/slide20.xml><?xml version="1.0" encoding="utf-8"?>
+<p:sld xmlns:a="http://schemas.openxmlformats.org/drawingml/2006/main" xmlns:r="http://schemas.openxmlformats.org/officeDocument/2006/relationships" xmlns:p="http://schemas.openxmlformats.org/presentationml/2006/main">
+  <p:cSld>
+    <p:spTree>
+      <p:nvGrpSpPr>
+        <p:cNvPr id="1" name=""/>
+        <p:cNvGrpSpPr/>
+        <p:nvPr/>
+      </p:nvGrpSpPr>
+      <p:grpSpPr>
+        <a:xfrm>
+          <a:off x="0" y="0"/>
+          <a:ext cx="0" cy="0"/>
+          <a:chOff x="0" y="0"/>
+          <a:chExt cx="0" cy="0"/>
+        </a:xfrm>
+      </p:grpSpPr>
+      <p:sp>
+        <p:nvSpPr>
+          <p:cNvPr id="3" name="Textplatzhalter 2">
+            <a:extLst>
+              <a:ext uri="{FF2B5EF4-FFF2-40B4-BE49-F238E27FC236}">
+                <a16:creationId xmlns:a16="http://schemas.microsoft.com/office/drawing/2014/main" id="{57625549-4941-4E12-AA37-2C694939FB57}"/>
+              </a:ext>
+            </a:extLst>
+          </p:cNvPr>
+          <p:cNvSpPr>
+            <a:spLocks noGrp="1"/>
+          </p:cNvSpPr>
+          <p:nvPr>
+            <p:ph type="body" sz="quarter" idx="13"/>
+          </p:nvPr>
+        </p:nvSpPr>
+        <p:spPr/>
+        <p:txBody>
+          <a:bodyPr>
+            <a:normAutofit/>
+          </a:bodyPr>
+          <a:lstStyle/>
+          <a:p>
+            <a:r>
+              <a:rPr lang="en-US" sz="2400" dirty="0"/>
+              <a:t>Monitoring Durable Functions</a:t>
+            </a:r>
+            <a:endParaRPr lang="de-DE" sz="2400" dirty="0"/>
+          </a:p>
+        </p:txBody>
+      </p:sp>
+      <p:cxnSp>
+        <p:nvCxnSpPr>
+          <p:cNvPr id="6" name="Gerader Verbinder 5">
+            <a:extLst>
+              <a:ext uri="{FF2B5EF4-FFF2-40B4-BE49-F238E27FC236}">
+                <a16:creationId xmlns:a16="http://schemas.microsoft.com/office/drawing/2014/main" id="{7EFA8ABD-5F72-4B46-BE3A-27B92D0D2871}"/>
+              </a:ext>
+            </a:extLst>
+          </p:cNvPr>
+          <p:cNvCxnSpPr>
+            <a:cxnSpLocks/>
+          </p:cNvCxnSpPr>
+          <p:nvPr/>
+        </p:nvCxnSpPr>
+        <p:spPr>
+          <a:xfrm>
+            <a:off x="3343788" y="1278517"/>
+            <a:ext cx="0" cy="4585570"/>
+          </a:xfrm>
+          <a:prstGeom prst="line">
+            <a:avLst/>
+          </a:prstGeom>
+          <a:ln w="25400" cap="rnd">
+            <a:solidFill>
+              <a:srgbClr val="3F3658"/>
+            </a:solidFill>
+          </a:ln>
+        </p:spPr>
+        <p:style>
+          <a:lnRef idx="1">
+            <a:schemeClr val="accent1"/>
+          </a:lnRef>
+          <a:fillRef idx="0">
+            <a:schemeClr val="accent1"/>
+          </a:fillRef>
+          <a:effectRef idx="0">
+            <a:schemeClr val="accent1"/>
+          </a:effectRef>
+          <a:fontRef idx="minor">
+            <a:schemeClr val="tx1"/>
+          </a:fontRef>
+        </p:style>
+      </p:cxnSp>
+      <p:sp>
+        <p:nvSpPr>
+          <p:cNvPr id="7" name="Textfeld 6">
+            <a:extLst>
+              <a:ext uri="{FF2B5EF4-FFF2-40B4-BE49-F238E27FC236}">
+                <a16:creationId xmlns:a16="http://schemas.microsoft.com/office/drawing/2014/main" id="{3E5CCA95-BF7A-46E4-9279-89F179D25AE6}"/>
+              </a:ext>
+            </a:extLst>
+          </p:cNvPr>
+          <p:cNvSpPr txBox="1"/>
+          <p:nvPr/>
+        </p:nvSpPr>
+        <p:spPr>
+          <a:xfrm>
+            <a:off x="3790130" y="1678476"/>
+            <a:ext cx="6763390" cy="3785652"/>
+          </a:xfrm>
+          <a:prstGeom prst="rect">
+            <a:avLst/>
+          </a:prstGeom>
+          <a:noFill/>
+        </p:spPr>
+        <p:txBody>
+          <a:bodyPr wrap="none" rtlCol="0">
+            <a:spAutoFit/>
+          </a:bodyPr>
+          <a:lstStyle/>
+          <a:p>
+            <a:r>
+              <a:rPr lang="en-US" sz="2000" b="1" dirty="0">
+                <a:solidFill>
+                  <a:srgbClr val="5A536D"/>
+                </a:solidFill>
+              </a:rPr>
+              <a:t>Log messages stored in Table Storage</a:t>
+            </a:r>
+          </a:p>
+          <a:p>
+            <a:pPr marL="800100" lvl="1" indent="-342900">
+              <a:buFont typeface="Symbol" panose="05050102010706020507" pitchFamily="18" charset="2"/>
+              <a:buChar char="-"/>
+            </a:pPr>
+            <a:r>
+              <a:rPr lang="en-US" sz="2000" dirty="0">
+                <a:solidFill>
+                  <a:srgbClr val="5A536D"/>
+                </a:solidFill>
+              </a:rPr>
+              <a:t>Invocation history and log output can be viewed </a:t>
+            </a:r>
+            <a:br>
+              <a:rPr lang="en-US" sz="2000" dirty="0">
+                <a:solidFill>
+                  <a:srgbClr val="5A536D"/>
+                </a:solidFill>
+              </a:rPr>
+            </a:br>
+            <a:r>
+              <a:rPr lang="en-US" sz="2000" dirty="0">
+                <a:solidFill>
+                  <a:srgbClr val="5A536D"/>
+                </a:solidFill>
+              </a:rPr>
+              <a:t>in the Azure Portal for each function</a:t>
+            </a:r>
+          </a:p>
+          <a:p>
+            <a:pPr marL="800100" lvl="1" indent="-342900">
+              <a:buFont typeface="Symbol" panose="05050102010706020507" pitchFamily="18" charset="2"/>
+              <a:buChar char="-"/>
+            </a:pPr>
+            <a:endParaRPr lang="en-US" sz="2000" dirty="0">
+              <a:solidFill>
+                <a:srgbClr val="5A536D"/>
+              </a:solidFill>
+            </a:endParaRPr>
+          </a:p>
+          <a:p>
+            <a:r>
+              <a:rPr lang="en-US" sz="2000" b="1" dirty="0">
+                <a:solidFill>
+                  <a:srgbClr val="5A536D"/>
+                </a:solidFill>
+              </a:rPr>
+              <a:t>Application Insights </a:t>
+            </a:r>
+          </a:p>
+          <a:p>
+            <a:pPr marL="800100" lvl="1" indent="-342900">
+              <a:buFont typeface="Symbol" panose="05050102010706020507" pitchFamily="18" charset="2"/>
+              <a:buChar char="-"/>
+            </a:pPr>
+            <a:r>
+              <a:rPr lang="en-US" sz="2000" dirty="0">
+                <a:solidFill>
+                  <a:srgbClr val="5A536D"/>
+                </a:solidFill>
+              </a:rPr>
+              <a:t>Create an instance of Application Insights </a:t>
+            </a:r>
+          </a:p>
+          <a:p>
+            <a:pPr marL="800100" lvl="1" indent="-342900">
+              <a:buFont typeface="Symbol" panose="05050102010706020507" pitchFamily="18" charset="2"/>
+              <a:buChar char="-"/>
+            </a:pPr>
+            <a:r>
+              <a:rPr lang="en-US" sz="2000" dirty="0">
+                <a:solidFill>
+                  <a:srgbClr val="5A536D"/>
+                </a:solidFill>
+              </a:rPr>
+              <a:t>Get the instrumentation key – </a:t>
+            </a:r>
+            <a:br>
+              <a:rPr lang="en-US" sz="2000" dirty="0">
+                <a:solidFill>
+                  <a:srgbClr val="5A536D"/>
+                </a:solidFill>
+              </a:rPr>
+            </a:br>
+            <a:r>
+              <a:rPr lang="en-US" sz="2000" dirty="0">
+                <a:solidFill>
+                  <a:srgbClr val="5A536D"/>
+                </a:solidFill>
+              </a:rPr>
+              <a:t>APPINSIGHTS_INSTRUMENTATIONKEY</a:t>
+            </a:r>
+          </a:p>
+          <a:p>
+            <a:pPr marL="800100" lvl="1" indent="-342900">
+              <a:buFont typeface="Symbol" panose="05050102010706020507" pitchFamily="18" charset="2"/>
+              <a:buChar char="-"/>
+            </a:pPr>
+            <a:endParaRPr lang="en-US" sz="2000" dirty="0">
+              <a:solidFill>
+                <a:srgbClr val="5A536D"/>
+              </a:solidFill>
+            </a:endParaRPr>
+          </a:p>
+          <a:p>
+            <a:r>
+              <a:rPr lang="en-US" sz="2000" b="1" dirty="0">
+                <a:solidFill>
+                  <a:srgbClr val="5A536D"/>
+                </a:solidFill>
+              </a:rPr>
+              <a:t>Custom Event Logging</a:t>
+            </a:r>
+          </a:p>
+          <a:p>
+            <a:pPr marL="800100" lvl="1" indent="-342900">
+              <a:buFont typeface="Symbol" panose="05050102010706020507" pitchFamily="18" charset="2"/>
+              <a:buChar char="-"/>
+            </a:pPr>
+            <a:r>
+              <a:rPr lang="en-US" sz="2000" dirty="0">
+                <a:solidFill>
+                  <a:srgbClr val="5A536D"/>
+                </a:solidFill>
+              </a:rPr>
+              <a:t>Log a event after each activity inside a </a:t>
+            </a:r>
+            <a:br>
+              <a:rPr lang="en-US" sz="2000" dirty="0">
+                <a:solidFill>
+                  <a:srgbClr val="5A536D"/>
+                </a:solidFill>
+              </a:rPr>
+            </a:br>
+            <a:r>
+              <a:rPr lang="en-US" sz="2000" dirty="0">
+                <a:solidFill>
+                  <a:srgbClr val="5A536D"/>
+                </a:solidFill>
+              </a:rPr>
+              <a:t>SQL Server or other database</a:t>
+            </a:r>
+          </a:p>
+        </p:txBody>
+      </p:sp>
+      <p:pic>
+        <p:nvPicPr>
+          <p:cNvPr id="4" name="Grafik 3">
+            <a:extLst>
+              <a:ext uri="{FF2B5EF4-FFF2-40B4-BE49-F238E27FC236}">
+                <a16:creationId xmlns:a16="http://schemas.microsoft.com/office/drawing/2014/main" id="{1BDD8FC1-B245-4BBF-A717-2519CBC3C906}"/>
+              </a:ext>
+            </a:extLst>
+          </p:cNvPr>
+          <p:cNvPicPr>
+            <a:picLocks noChangeAspect="1"/>
+          </p:cNvPicPr>
+          <p:nvPr/>
+        </p:nvPicPr>
+        <p:blipFill>
+          <a:blip r:embed="rId2">
+            <a:extLst>
+              <a:ext uri="{28A0092B-C50C-407E-A947-70E740481C1C}">
+                <a14:useLocalDpi xmlns:a14="http://schemas.microsoft.com/office/drawing/2010/main" val="0"/>
+              </a:ext>
+            </a:extLst>
+          </a:blip>
+          <a:stretch>
+            <a:fillRect/>
+          </a:stretch>
+        </p:blipFill>
+        <p:spPr>
+          <a:xfrm>
+            <a:off x="838201" y="2476500"/>
+            <a:ext cx="1905000" cy="1905000"/>
+          </a:xfrm>
+          <a:prstGeom prst="rect">
+            <a:avLst/>
+          </a:prstGeom>
+        </p:spPr>
+      </p:pic>
+    </p:spTree>
+    <p:extLst>
+      <p:ext uri="{BB962C8B-B14F-4D97-AF65-F5344CB8AC3E}">
+        <p14:creationId xmlns:p14="http://schemas.microsoft.com/office/powerpoint/2010/main" val="366352895"/>
+      </p:ext>
+    </p:extLst>
+  </p:cSld>
+  <p:clrMapOvr>
+    <a:masterClrMapping/>
+  </p:clrMapOvr>
+</p:sld>
+</file>
+
+<file path=ppt/slides/slide21.xml><?xml version="1.0" encoding="utf-8"?>
+<p:sld xmlns:a="http://schemas.openxmlformats.org/drawingml/2006/main" xmlns:r="http://schemas.openxmlformats.org/officeDocument/2006/relationships" xmlns:p="http://schemas.openxmlformats.org/presentationml/2006/main">
+  <p:cSld>
+    <p:spTree>
+      <p:nvGrpSpPr>
+        <p:cNvPr id="1" name=""/>
+        <p:cNvGrpSpPr/>
+        <p:nvPr/>
+      </p:nvGrpSpPr>
+      <p:grpSpPr>
+        <a:xfrm>
+          <a:off x="0" y="0"/>
+          <a:ext cx="0" cy="0"/>
+          <a:chOff x="0" y="0"/>
+          <a:chExt cx="0" cy="0"/>
+        </a:xfrm>
+      </p:grpSpPr>
+      <p:sp>
+        <p:nvSpPr>
+          <p:cNvPr id="3" name="Textplatzhalter 2">
+            <a:extLst>
+              <a:ext uri="{FF2B5EF4-FFF2-40B4-BE49-F238E27FC236}">
+                <a16:creationId xmlns:a16="http://schemas.microsoft.com/office/drawing/2014/main" id="{57625549-4941-4E12-AA37-2C694939FB57}"/>
+              </a:ext>
+            </a:extLst>
+          </p:cNvPr>
+          <p:cNvSpPr>
+            <a:spLocks noGrp="1"/>
+          </p:cNvSpPr>
+          <p:nvPr>
+            <p:ph type="body" sz="quarter" idx="13"/>
+          </p:nvPr>
+        </p:nvSpPr>
+        <p:spPr/>
+        <p:txBody>
+          <a:bodyPr>
+            <a:normAutofit/>
+          </a:bodyPr>
+          <a:lstStyle/>
+          <a:p>
+            <a:r>
+              <a:rPr lang="en-US" sz="2400" dirty="0"/>
+              <a:t>Benefits of Durable Functions</a:t>
+            </a:r>
+            <a:endParaRPr lang="de-DE" sz="2400" dirty="0"/>
+          </a:p>
+        </p:txBody>
+      </p:sp>
+      <p:pic>
+        <p:nvPicPr>
+          <p:cNvPr id="4" name="Grafik 3">
+            <a:extLst>
+              <a:ext uri="{FF2B5EF4-FFF2-40B4-BE49-F238E27FC236}">
+                <a16:creationId xmlns:a16="http://schemas.microsoft.com/office/drawing/2014/main" id="{F688EBDA-04D3-4F87-8C8E-763AB5547EA2}"/>
+              </a:ext>
+            </a:extLst>
+          </p:cNvPr>
+          <p:cNvPicPr>
+            <a:picLocks noChangeAspect="1"/>
+          </p:cNvPicPr>
+          <p:nvPr/>
+        </p:nvPicPr>
+        <p:blipFill>
+          <a:blip r:embed="rId2">
+            <a:extLst>
+              <a:ext uri="{28A0092B-C50C-407E-A947-70E740481C1C}">
+                <a14:useLocalDpi xmlns:a14="http://schemas.microsoft.com/office/drawing/2010/main" val="0"/>
+              </a:ext>
+            </a:extLst>
+          </a:blip>
+          <a:stretch>
+            <a:fillRect/>
+          </a:stretch>
+        </p:blipFill>
+        <p:spPr>
+          <a:xfrm>
+            <a:off x="838201" y="2476500"/>
+            <a:ext cx="1905000" cy="1905000"/>
+          </a:xfrm>
+          <a:prstGeom prst="rect">
+            <a:avLst/>
+          </a:prstGeom>
+        </p:spPr>
+      </p:pic>
+      <p:cxnSp>
+        <p:nvCxnSpPr>
+          <p:cNvPr id="6" name="Gerader Verbinder 5">
+            <a:extLst>
+              <a:ext uri="{FF2B5EF4-FFF2-40B4-BE49-F238E27FC236}">
+                <a16:creationId xmlns:a16="http://schemas.microsoft.com/office/drawing/2014/main" id="{7EFA8ABD-5F72-4B46-BE3A-27B92D0D2871}"/>
+              </a:ext>
+            </a:extLst>
+          </p:cNvPr>
+          <p:cNvCxnSpPr>
+            <a:cxnSpLocks/>
+          </p:cNvCxnSpPr>
+          <p:nvPr/>
+        </p:nvCxnSpPr>
+        <p:spPr>
+          <a:xfrm>
+            <a:off x="3343788" y="1278517"/>
+            <a:ext cx="0" cy="4585570"/>
+          </a:xfrm>
+          <a:prstGeom prst="line">
+            <a:avLst/>
+          </a:prstGeom>
+          <a:ln w="25400" cap="rnd">
+            <a:solidFill>
+              <a:srgbClr val="3F3658"/>
+            </a:solidFill>
+          </a:ln>
+        </p:spPr>
+        <p:style>
+          <a:lnRef idx="1">
+            <a:schemeClr val="accent1"/>
+          </a:lnRef>
+          <a:fillRef idx="0">
+            <a:schemeClr val="accent1"/>
+          </a:fillRef>
+          <a:effectRef idx="0">
+            <a:schemeClr val="accent1"/>
+          </a:effectRef>
+          <a:fontRef idx="minor">
+            <a:schemeClr val="tx1"/>
+          </a:fontRef>
+        </p:style>
+      </p:cxnSp>
+      <p:sp>
+        <p:nvSpPr>
+          <p:cNvPr id="7" name="Textfeld 6">
+            <a:extLst>
+              <a:ext uri="{FF2B5EF4-FFF2-40B4-BE49-F238E27FC236}">
+                <a16:creationId xmlns:a16="http://schemas.microsoft.com/office/drawing/2014/main" id="{3E5CCA95-BF7A-46E4-9279-89F179D25AE6}"/>
+              </a:ext>
+            </a:extLst>
+          </p:cNvPr>
+          <p:cNvSpPr txBox="1"/>
+          <p:nvPr/>
+        </p:nvSpPr>
+        <p:spPr>
+          <a:xfrm>
+            <a:off x="3882895" y="1481499"/>
+            <a:ext cx="5306261" cy="3808543"/>
+          </a:xfrm>
+          <a:prstGeom prst="rect">
+            <a:avLst/>
+          </a:prstGeom>
+          <a:noFill/>
+        </p:spPr>
+        <p:txBody>
+          <a:bodyPr wrap="none" rtlCol="0">
+            <a:spAutoFit/>
+          </a:bodyPr>
+          <a:lstStyle/>
+          <a:p>
+            <a:pPr marL="342900" indent="-342900">
+              <a:lnSpc>
+                <a:spcPct val="250000"/>
+              </a:lnSpc>
+              <a:buFont typeface="+mj-lt"/>
+              <a:buAutoNum type="arabicPeriod"/>
+            </a:pPr>
+            <a:r>
+              <a:rPr lang="en-US" sz="2000" dirty="0">
+                <a:solidFill>
+                  <a:srgbClr val="5A536D"/>
+                </a:solidFill>
+              </a:rPr>
+              <a:t>Define workflows in code</a:t>
+            </a:r>
+          </a:p>
+          <a:p>
+            <a:pPr marL="342900" indent="-342900">
+              <a:lnSpc>
+                <a:spcPct val="250000"/>
+              </a:lnSpc>
+              <a:buFont typeface="+mj-lt"/>
+              <a:buAutoNum type="arabicPeriod"/>
+            </a:pPr>
+            <a:r>
+              <a:rPr lang="en-US" sz="2000" dirty="0">
+                <a:solidFill>
+                  <a:srgbClr val="5A536D"/>
+                </a:solidFill>
+              </a:rPr>
+              <a:t>Easy to implement complex workflows</a:t>
+            </a:r>
+          </a:p>
+          <a:p>
+            <a:pPr marL="342900" indent="-342900">
+              <a:lnSpc>
+                <a:spcPct val="250000"/>
+              </a:lnSpc>
+              <a:buFont typeface="+mj-lt"/>
+              <a:buAutoNum type="arabicPeriod"/>
+            </a:pPr>
+            <a:r>
+              <a:rPr lang="en-US" sz="2000" dirty="0">
+                <a:solidFill>
+                  <a:srgbClr val="5A536D"/>
+                </a:solidFill>
+              </a:rPr>
+              <a:t>Consolidate exception handling</a:t>
+            </a:r>
+          </a:p>
+          <a:p>
+            <a:pPr marL="342900" indent="-342900">
+              <a:lnSpc>
+                <a:spcPct val="250000"/>
+              </a:lnSpc>
+              <a:buFont typeface="+mj-lt"/>
+              <a:buAutoNum type="arabicPeriod"/>
+            </a:pPr>
+            <a:r>
+              <a:rPr lang="en-US" sz="2000" dirty="0">
+                <a:solidFill>
+                  <a:srgbClr val="5A536D"/>
+                </a:solidFill>
+              </a:rPr>
+              <a:t>Check on progress or cancel workflow</a:t>
+            </a:r>
+          </a:p>
+          <a:p>
+            <a:pPr marL="342900" indent="-342900">
+              <a:lnSpc>
+                <a:spcPct val="250000"/>
+              </a:lnSpc>
+              <a:buFont typeface="+mj-lt"/>
+              <a:buAutoNum type="arabicPeriod"/>
+            </a:pPr>
+            <a:r>
+              <a:rPr lang="en-US" sz="2000" dirty="0">
+                <a:solidFill>
+                  <a:srgbClr val="5A536D"/>
+                </a:solidFill>
+              </a:rPr>
+              <a:t>Manage state for you</a:t>
+            </a:r>
+          </a:p>
+        </p:txBody>
+      </p:sp>
+    </p:spTree>
+    <p:extLst>
+      <p:ext uri="{BB962C8B-B14F-4D97-AF65-F5344CB8AC3E}">
+        <p14:creationId xmlns:p14="http://schemas.microsoft.com/office/powerpoint/2010/main" val="2003423784"/>
+      </p:ext>
+    </p:extLst>
+  </p:cSld>
+  <p:clrMapOvr>
+    <a:masterClrMapping/>
+  </p:clrMapOvr>
+</p:sld>
+</file>
+
+<file path=ppt/slides/slide22.xml><?xml version="1.0" encoding="utf-8"?>
+<p:sld xmlns:a="http://schemas.openxmlformats.org/drawingml/2006/main" xmlns:r="http://schemas.openxmlformats.org/officeDocument/2006/relationships" xmlns:p="http://schemas.openxmlformats.org/presentationml/2006/main">
+  <p:cSld>
+    <p:spTree>
+      <p:nvGrpSpPr>
+        <p:cNvPr id="1" name=""/>
+        <p:cNvGrpSpPr/>
+        <p:nvPr/>
+      </p:nvGrpSpPr>
+      <p:grpSpPr>
+        <a:xfrm>
+          <a:off x="0" y="0"/>
+          <a:ext cx="0" cy="0"/>
+          <a:chOff x="0" y="0"/>
+          <a:chExt cx="0" cy="0"/>
+        </a:xfrm>
+      </p:grpSpPr>
+      <p:sp>
+        <p:nvSpPr>
+          <p:cNvPr id="3" name="Textplatzhalter 2">
+            <a:extLst>
+              <a:ext uri="{FF2B5EF4-FFF2-40B4-BE49-F238E27FC236}">
+                <a16:creationId xmlns:a16="http://schemas.microsoft.com/office/drawing/2014/main" id="{57625549-4941-4E12-AA37-2C694939FB57}"/>
+              </a:ext>
+            </a:extLst>
+          </p:cNvPr>
+          <p:cNvSpPr>
+            <a:spLocks noGrp="1"/>
+          </p:cNvSpPr>
+          <p:nvPr>
+            <p:ph type="body" sz="quarter" idx="13"/>
+          </p:nvPr>
+        </p:nvSpPr>
+        <p:spPr/>
+        <p:txBody>
+          <a:bodyPr>
+            <a:normAutofit/>
+          </a:bodyPr>
+          <a:lstStyle/>
+          <a:p>
+            <a:r>
+              <a:rPr lang="en-US" sz="2400" dirty="0"/>
+              <a:t>Pains of Durable Functions</a:t>
+            </a:r>
+            <a:endParaRPr lang="de-DE" sz="2400" dirty="0"/>
+          </a:p>
+        </p:txBody>
+      </p:sp>
+      <p:cxnSp>
+        <p:nvCxnSpPr>
+          <p:cNvPr id="6" name="Gerader Verbinder 5">
+            <a:extLst>
+              <a:ext uri="{FF2B5EF4-FFF2-40B4-BE49-F238E27FC236}">
+                <a16:creationId xmlns:a16="http://schemas.microsoft.com/office/drawing/2014/main" id="{7EFA8ABD-5F72-4B46-BE3A-27B92D0D2871}"/>
+              </a:ext>
+            </a:extLst>
+          </p:cNvPr>
+          <p:cNvCxnSpPr>
+            <a:cxnSpLocks/>
+          </p:cNvCxnSpPr>
+          <p:nvPr/>
+        </p:nvCxnSpPr>
+        <p:spPr>
+          <a:xfrm>
+            <a:off x="3343788" y="1278517"/>
+            <a:ext cx="0" cy="4585570"/>
+          </a:xfrm>
+          <a:prstGeom prst="line">
+            <a:avLst/>
+          </a:prstGeom>
+          <a:ln w="25400" cap="rnd">
+            <a:solidFill>
+              <a:srgbClr val="3F3658"/>
+            </a:solidFill>
+          </a:ln>
+        </p:spPr>
+        <p:style>
+          <a:lnRef idx="1">
+            <a:schemeClr val="accent1"/>
+          </a:lnRef>
+          <a:fillRef idx="0">
+            <a:schemeClr val="accent1"/>
+          </a:fillRef>
+          <a:effectRef idx="0">
+            <a:schemeClr val="accent1"/>
+          </a:effectRef>
+          <a:fontRef idx="minor">
+            <a:schemeClr val="tx1"/>
+          </a:fontRef>
+        </p:style>
+      </p:cxnSp>
+      <p:sp>
+        <p:nvSpPr>
+          <p:cNvPr id="7" name="Textfeld 6">
+            <a:extLst>
+              <a:ext uri="{FF2B5EF4-FFF2-40B4-BE49-F238E27FC236}">
+                <a16:creationId xmlns:a16="http://schemas.microsoft.com/office/drawing/2014/main" id="{3E5CCA95-BF7A-46E4-9279-89F179D25AE6}"/>
+              </a:ext>
+            </a:extLst>
+          </p:cNvPr>
+          <p:cNvSpPr txBox="1"/>
+          <p:nvPr/>
+        </p:nvSpPr>
+        <p:spPr>
+          <a:xfrm>
+            <a:off x="3882895" y="1667030"/>
+            <a:ext cx="7553671" cy="3808543"/>
+          </a:xfrm>
+          <a:prstGeom prst="rect">
+            <a:avLst/>
+          </a:prstGeom>
+          <a:noFill/>
+        </p:spPr>
+        <p:txBody>
+          <a:bodyPr wrap="none" rtlCol="0">
+            <a:spAutoFit/>
+          </a:bodyPr>
+          <a:lstStyle/>
+          <a:p>
+            <a:pPr marL="342900" indent="-342900">
+              <a:lnSpc>
+                <a:spcPct val="250000"/>
+              </a:lnSpc>
+              <a:buFont typeface="+mj-lt"/>
+              <a:buAutoNum type="arabicPeriod"/>
+            </a:pPr>
+            <a:r>
+              <a:rPr lang="en-US" sz="2000" dirty="0">
+                <a:solidFill>
+                  <a:srgbClr val="5A536D"/>
+                </a:solidFill>
+              </a:rPr>
+              <a:t>Deployment with breaking changes</a:t>
+            </a:r>
+          </a:p>
+          <a:p>
+            <a:pPr marL="342900" indent="-342900">
+              <a:lnSpc>
+                <a:spcPct val="250000"/>
+              </a:lnSpc>
+              <a:buFont typeface="+mj-lt"/>
+              <a:buAutoNum type="arabicPeriod"/>
+            </a:pPr>
+            <a:r>
+              <a:rPr lang="en-US" sz="2000" dirty="0">
+                <a:solidFill>
+                  <a:srgbClr val="5A536D"/>
+                </a:solidFill>
+              </a:rPr>
+              <a:t>Versioning</a:t>
+            </a:r>
+          </a:p>
+          <a:p>
+            <a:pPr marL="342900" indent="-342900">
+              <a:lnSpc>
+                <a:spcPct val="250000"/>
+              </a:lnSpc>
+              <a:buFont typeface="+mj-lt"/>
+              <a:buAutoNum type="arabicPeriod"/>
+            </a:pPr>
+            <a:r>
+              <a:rPr lang="en-US" sz="2000" dirty="0">
+                <a:solidFill>
+                  <a:srgbClr val="5A536D"/>
+                </a:solidFill>
+              </a:rPr>
+              <a:t>Monitoring of the entire workflow or individual components</a:t>
+            </a:r>
+          </a:p>
+          <a:p>
+            <a:pPr marL="342900" indent="-342900">
+              <a:lnSpc>
+                <a:spcPct val="250000"/>
+              </a:lnSpc>
+              <a:buFont typeface="+mj-lt"/>
+              <a:buAutoNum type="arabicPeriod"/>
+            </a:pPr>
+            <a:r>
+              <a:rPr lang="en-US" sz="2000" dirty="0">
+                <a:solidFill>
+                  <a:srgbClr val="5A536D"/>
+                </a:solidFill>
+              </a:rPr>
+              <a:t>Keep Alive</a:t>
+            </a:r>
+          </a:p>
+          <a:p>
+            <a:pPr marL="342900" indent="-342900">
+              <a:lnSpc>
+                <a:spcPct val="250000"/>
+              </a:lnSpc>
+              <a:buFont typeface="+mj-lt"/>
+              <a:buAutoNum type="arabicPeriod"/>
+            </a:pPr>
+            <a:endParaRPr lang="en-US" sz="2000" dirty="0">
+              <a:solidFill>
+                <a:srgbClr val="5A536D"/>
+              </a:solidFill>
+            </a:endParaRPr>
+          </a:p>
+        </p:txBody>
+      </p:sp>
+      <p:pic>
+        <p:nvPicPr>
+          <p:cNvPr id="5" name="Grafik 4">
+            <a:extLst>
+              <a:ext uri="{FF2B5EF4-FFF2-40B4-BE49-F238E27FC236}">
+                <a16:creationId xmlns:a16="http://schemas.microsoft.com/office/drawing/2014/main" id="{D5CC8111-EBAC-4C1F-B935-528581FD210E}"/>
+              </a:ext>
+            </a:extLst>
+          </p:cNvPr>
+          <p:cNvPicPr>
+            <a:picLocks noChangeAspect="1"/>
+          </p:cNvPicPr>
+          <p:nvPr/>
+        </p:nvPicPr>
+        <p:blipFill>
+          <a:blip r:embed="rId2">
+            <a:extLst>
+              <a:ext uri="{28A0092B-C50C-407E-A947-70E740481C1C}">
+                <a14:useLocalDpi xmlns:a14="http://schemas.microsoft.com/office/drawing/2010/main" val="0"/>
+              </a:ext>
+            </a:extLst>
+          </a:blip>
+          <a:stretch>
+            <a:fillRect/>
+          </a:stretch>
+        </p:blipFill>
+        <p:spPr>
+          <a:xfrm>
+            <a:off x="838201" y="2433270"/>
+            <a:ext cx="1905000" cy="1905000"/>
+          </a:xfrm>
+          <a:prstGeom prst="rect">
+            <a:avLst/>
+          </a:prstGeom>
+        </p:spPr>
+      </p:pic>
+    </p:spTree>
+    <p:extLst>
+      <p:ext uri="{BB962C8B-B14F-4D97-AF65-F5344CB8AC3E}">
+        <p14:creationId xmlns:p14="http://schemas.microsoft.com/office/powerpoint/2010/main" val="3153771318"/>
       </p:ext>
     </p:extLst>
   </p:cSld>

--- a/slides/Durable_Functions.pptx
+++ b/slides/Durable_Functions.pptx
@@ -12,21 +12,24 @@
     <p:sldId id="265" r:id="rId6"/>
     <p:sldId id="268" r:id="rId7"/>
     <p:sldId id="264" r:id="rId8"/>
-    <p:sldId id="266" r:id="rId9"/>
-    <p:sldId id="261" r:id="rId10"/>
-    <p:sldId id="270" r:id="rId11"/>
-    <p:sldId id="271" r:id="rId12"/>
-    <p:sldId id="276" r:id="rId13"/>
-    <p:sldId id="280" r:id="rId14"/>
-    <p:sldId id="281" r:id="rId15"/>
-    <p:sldId id="275" r:id="rId16"/>
-    <p:sldId id="279" r:id="rId17"/>
-    <p:sldId id="274" r:id="rId18"/>
-    <p:sldId id="277" r:id="rId19"/>
-    <p:sldId id="278" r:id="rId20"/>
-    <p:sldId id="282" r:id="rId21"/>
-    <p:sldId id="272" r:id="rId22"/>
-    <p:sldId id="273" r:id="rId23"/>
+    <p:sldId id="283" r:id="rId9"/>
+    <p:sldId id="284" r:id="rId10"/>
+    <p:sldId id="266" r:id="rId11"/>
+    <p:sldId id="261" r:id="rId12"/>
+    <p:sldId id="270" r:id="rId13"/>
+    <p:sldId id="271" r:id="rId14"/>
+    <p:sldId id="276" r:id="rId15"/>
+    <p:sldId id="280" r:id="rId16"/>
+    <p:sldId id="281" r:id="rId17"/>
+    <p:sldId id="275" r:id="rId18"/>
+    <p:sldId id="279" r:id="rId19"/>
+    <p:sldId id="274" r:id="rId20"/>
+    <p:sldId id="277" r:id="rId21"/>
+    <p:sldId id="278" r:id="rId22"/>
+    <p:sldId id="282" r:id="rId23"/>
+    <p:sldId id="272" r:id="rId24"/>
+    <p:sldId id="273" r:id="rId25"/>
+    <p:sldId id="285" r:id="rId26"/>
   </p:sldIdLst>
   <p:sldSz cx="12192000" cy="6858000"/>
   <p:notesSz cx="6858000" cy="9144000"/>
@@ -3868,6 +3871,456 @@
           <a:p>
             <a:r>
               <a:rPr lang="en-US" sz="2400" dirty="0"/>
+              <a:t>Demos Azure Functions</a:t>
+            </a:r>
+            <a:endParaRPr lang="de-DE" sz="2400" dirty="0"/>
+          </a:p>
+        </p:txBody>
+      </p:sp>
+      <p:sp>
+        <p:nvSpPr>
+          <p:cNvPr id="4" name="Textfeld 3">
+            <a:extLst>
+              <a:ext uri="{FF2B5EF4-FFF2-40B4-BE49-F238E27FC236}">
+                <a16:creationId xmlns:a16="http://schemas.microsoft.com/office/drawing/2014/main" id="{D0AD0E3B-E029-4C47-A02E-4FD8F2F1CA2A}"/>
+              </a:ext>
+            </a:extLst>
+          </p:cNvPr>
+          <p:cNvSpPr txBox="1"/>
+          <p:nvPr/>
+        </p:nvSpPr>
+        <p:spPr>
+          <a:xfrm>
+            <a:off x="3783495" y="2980155"/>
+            <a:ext cx="5368777" cy="369332"/>
+          </a:xfrm>
+          <a:prstGeom prst="rect">
+            <a:avLst/>
+          </a:prstGeom>
+          <a:noFill/>
+        </p:spPr>
+        <p:txBody>
+          <a:bodyPr wrap="none" rtlCol="0">
+            <a:spAutoFit/>
+          </a:bodyPr>
+          <a:lstStyle/>
+          <a:p>
+            <a:r>
+              <a:rPr lang="en-US" dirty="0"/>
+              <a:t>@Thomas: Kannst du </a:t>
+            </a:r>
+            <a:r>
+              <a:rPr lang="en-US" dirty="0" err="1"/>
+              <a:t>dir</a:t>
+            </a:r>
+            <a:r>
+              <a:rPr lang="en-US" dirty="0"/>
+              <a:t> das </a:t>
+            </a:r>
+            <a:r>
+              <a:rPr lang="en-US" dirty="0" err="1"/>
+              <a:t>hier</a:t>
+            </a:r>
+            <a:r>
+              <a:rPr lang="en-US" dirty="0"/>
+              <a:t> </a:t>
+            </a:r>
+            <a:r>
+              <a:rPr lang="en-US" dirty="0" err="1"/>
+              <a:t>zurecht</a:t>
+            </a:r>
+            <a:r>
+              <a:rPr lang="en-US" dirty="0"/>
+              <a:t> </a:t>
+            </a:r>
+            <a:r>
+              <a:rPr lang="en-US" dirty="0" err="1"/>
+              <a:t>bauen</a:t>
+            </a:r>
+            <a:r>
+              <a:rPr lang="en-US" dirty="0"/>
+              <a:t>?</a:t>
+            </a:r>
+            <a:endParaRPr lang="de-DE" dirty="0"/>
+          </a:p>
+        </p:txBody>
+      </p:sp>
+    </p:spTree>
+    <p:extLst>
+      <p:ext uri="{BB962C8B-B14F-4D97-AF65-F5344CB8AC3E}">
+        <p14:creationId xmlns:p14="http://schemas.microsoft.com/office/powerpoint/2010/main" val="3645647145"/>
+      </p:ext>
+    </p:extLst>
+  </p:cSld>
+  <p:clrMapOvr>
+    <a:masterClrMapping/>
+  </p:clrMapOvr>
+</p:sld>
+</file>
+
+<file path=ppt/slides/slide11.xml><?xml version="1.0" encoding="utf-8"?>
+<p:sld xmlns:a="http://schemas.openxmlformats.org/drawingml/2006/main" xmlns:r="http://schemas.openxmlformats.org/officeDocument/2006/relationships" xmlns:p="http://schemas.openxmlformats.org/presentationml/2006/main">
+  <p:cSld>
+    <p:spTree>
+      <p:nvGrpSpPr>
+        <p:cNvPr id="1" name=""/>
+        <p:cNvGrpSpPr/>
+        <p:nvPr/>
+      </p:nvGrpSpPr>
+      <p:grpSpPr>
+        <a:xfrm>
+          <a:off x="0" y="0"/>
+          <a:ext cx="0" cy="0"/>
+          <a:chOff x="0" y="0"/>
+          <a:chExt cx="0" cy="0"/>
+        </a:xfrm>
+      </p:grpSpPr>
+      <p:sp>
+        <p:nvSpPr>
+          <p:cNvPr id="3" name="Textplatzhalter 2">
+            <a:extLst>
+              <a:ext uri="{FF2B5EF4-FFF2-40B4-BE49-F238E27FC236}">
+                <a16:creationId xmlns:a16="http://schemas.microsoft.com/office/drawing/2014/main" id="{FAFEEEED-CDAD-46CC-946F-1878FDBB939C}"/>
+              </a:ext>
+            </a:extLst>
+          </p:cNvPr>
+          <p:cNvSpPr>
+            <a:spLocks noGrp="1"/>
+          </p:cNvSpPr>
+          <p:nvPr>
+            <p:ph type="body" sz="quarter" idx="13"/>
+          </p:nvPr>
+        </p:nvSpPr>
+        <p:spPr/>
+        <p:txBody>
+          <a:bodyPr>
+            <a:normAutofit/>
+          </a:bodyPr>
+          <a:lstStyle/>
+          <a:p>
+            <a:r>
+              <a:rPr lang="en-US" sz="2400" dirty="0"/>
+              <a:t>What are Durable Functions?</a:t>
+            </a:r>
+            <a:endParaRPr lang="de-DE" sz="2400" dirty="0"/>
+          </a:p>
+        </p:txBody>
+      </p:sp>
+      <p:sp>
+        <p:nvSpPr>
+          <p:cNvPr id="6" name="Textfeld 5">
+            <a:extLst>
+              <a:ext uri="{FF2B5EF4-FFF2-40B4-BE49-F238E27FC236}">
+                <a16:creationId xmlns:a16="http://schemas.microsoft.com/office/drawing/2014/main" id="{319D27F4-2089-49D3-A7CA-AE2AE1B2FD38}"/>
+              </a:ext>
+            </a:extLst>
+          </p:cNvPr>
+          <p:cNvSpPr txBox="1"/>
+          <p:nvPr/>
+        </p:nvSpPr>
+        <p:spPr>
+          <a:xfrm>
+            <a:off x="4982814" y="3766784"/>
+            <a:ext cx="2040835" cy="1200329"/>
+          </a:xfrm>
+          <a:prstGeom prst="rect">
+            <a:avLst/>
+          </a:prstGeom>
+          <a:noFill/>
+        </p:spPr>
+        <p:txBody>
+          <a:bodyPr wrap="square" rtlCol="0">
+            <a:spAutoFit/>
+          </a:bodyPr>
+          <a:lstStyle/>
+          <a:p>
+            <a:pPr algn="ctr"/>
+            <a:r>
+              <a:rPr lang="en-US" dirty="0">
+                <a:solidFill>
+                  <a:srgbClr val="083232"/>
+                </a:solidFill>
+              </a:rPr>
+              <a:t>Write “stateful” functions in a “</a:t>
+            </a:r>
+            <a:r>
+              <a:rPr lang="en-US" dirty="0">
+                <a:solidFill>
+                  <a:srgbClr val="5A536D"/>
+                </a:solidFill>
+              </a:rPr>
+              <a:t>serverless</a:t>
+            </a:r>
+            <a:r>
+              <a:rPr lang="en-US" dirty="0">
+                <a:solidFill>
+                  <a:srgbClr val="083232"/>
+                </a:solidFill>
+              </a:rPr>
+              <a:t>” environment</a:t>
+            </a:r>
+          </a:p>
+        </p:txBody>
+      </p:sp>
+      <p:sp>
+        <p:nvSpPr>
+          <p:cNvPr id="8" name="Textfeld 7">
+            <a:extLst>
+              <a:ext uri="{FF2B5EF4-FFF2-40B4-BE49-F238E27FC236}">
+                <a16:creationId xmlns:a16="http://schemas.microsoft.com/office/drawing/2014/main" id="{2AE5DD49-A884-4026-B173-256B4C69CD3C}"/>
+              </a:ext>
+            </a:extLst>
+          </p:cNvPr>
+          <p:cNvSpPr txBox="1"/>
+          <p:nvPr/>
+        </p:nvSpPr>
+        <p:spPr>
+          <a:xfrm>
+            <a:off x="1322585" y="3766784"/>
+            <a:ext cx="2040835" cy="646331"/>
+          </a:xfrm>
+          <a:prstGeom prst="rect">
+            <a:avLst/>
+          </a:prstGeom>
+          <a:noFill/>
+        </p:spPr>
+        <p:txBody>
+          <a:bodyPr wrap="square" rtlCol="0">
+            <a:spAutoFit/>
+          </a:bodyPr>
+          <a:lstStyle/>
+          <a:p>
+            <a:pPr algn="ctr"/>
+            <a:r>
+              <a:rPr lang="en-US" dirty="0">
+                <a:solidFill>
+                  <a:srgbClr val="083232"/>
+                </a:solidFill>
+              </a:rPr>
+              <a:t>An extension to </a:t>
+            </a:r>
+          </a:p>
+          <a:p>
+            <a:pPr algn="ctr"/>
+            <a:r>
+              <a:rPr lang="en-US" dirty="0">
+                <a:solidFill>
+                  <a:srgbClr val="5A536D"/>
+                </a:solidFill>
+              </a:rPr>
+              <a:t>Azure Functions</a:t>
+            </a:r>
+            <a:endParaRPr lang="de-DE" dirty="0">
+              <a:solidFill>
+                <a:srgbClr val="5A536D"/>
+              </a:solidFill>
+            </a:endParaRPr>
+          </a:p>
+        </p:txBody>
+      </p:sp>
+      <p:sp>
+        <p:nvSpPr>
+          <p:cNvPr id="9" name="Textfeld 8">
+            <a:extLst>
+              <a:ext uri="{FF2B5EF4-FFF2-40B4-BE49-F238E27FC236}">
+                <a16:creationId xmlns:a16="http://schemas.microsoft.com/office/drawing/2014/main" id="{9AC3AD73-C97D-47AD-A77D-28564B966E6A}"/>
+              </a:ext>
+            </a:extLst>
+          </p:cNvPr>
+          <p:cNvSpPr txBox="1"/>
+          <p:nvPr/>
+        </p:nvSpPr>
+        <p:spPr>
+          <a:xfrm>
+            <a:off x="8542620" y="3766784"/>
+            <a:ext cx="2040835" cy="646331"/>
+          </a:xfrm>
+          <a:prstGeom prst="rect">
+            <a:avLst/>
+          </a:prstGeom>
+          <a:noFill/>
+        </p:spPr>
+        <p:txBody>
+          <a:bodyPr wrap="square" rtlCol="0">
+            <a:spAutoFit/>
+          </a:bodyPr>
+          <a:lstStyle/>
+          <a:p>
+            <a:pPr algn="ctr"/>
+            <a:r>
+              <a:rPr lang="en-US" dirty="0">
+                <a:solidFill>
+                  <a:srgbClr val="083232"/>
+                </a:solidFill>
+              </a:rPr>
+              <a:t>Define workflows in code</a:t>
+            </a:r>
+          </a:p>
+        </p:txBody>
+      </p:sp>
+      <p:pic>
+        <p:nvPicPr>
+          <p:cNvPr id="14" name="Grafik 13">
+            <a:extLst>
+              <a:ext uri="{FF2B5EF4-FFF2-40B4-BE49-F238E27FC236}">
+                <a16:creationId xmlns:a16="http://schemas.microsoft.com/office/drawing/2014/main" id="{9307CF39-F736-40B9-B600-2BE3732C784E}"/>
+              </a:ext>
+            </a:extLst>
+          </p:cNvPr>
+          <p:cNvPicPr>
+            <a:picLocks noChangeAspect="1"/>
+          </p:cNvPicPr>
+          <p:nvPr/>
+        </p:nvPicPr>
+        <p:blipFill>
+          <a:blip r:embed="rId2">
+            <a:extLst>
+              <a:ext uri="{28A0092B-C50C-407E-A947-70E740481C1C}">
+                <a14:useLocalDpi xmlns:a14="http://schemas.microsoft.com/office/drawing/2010/main" val="0"/>
+              </a:ext>
+            </a:extLst>
+          </a:blip>
+          <a:stretch>
+            <a:fillRect/>
+          </a:stretch>
+        </p:blipFill>
+        <p:spPr>
+          <a:xfrm>
+            <a:off x="1365829" y="1861784"/>
+            <a:ext cx="1905000" cy="1905000"/>
+          </a:xfrm>
+          <a:prstGeom prst="rect">
+            <a:avLst/>
+          </a:prstGeom>
+        </p:spPr>
+      </p:pic>
+      <p:pic>
+        <p:nvPicPr>
+          <p:cNvPr id="16" name="Grafik 15">
+            <a:extLst>
+              <a:ext uri="{FF2B5EF4-FFF2-40B4-BE49-F238E27FC236}">
+                <a16:creationId xmlns:a16="http://schemas.microsoft.com/office/drawing/2014/main" id="{CE39393D-4893-4964-8184-CA42A6867B77}"/>
+              </a:ext>
+            </a:extLst>
+          </p:cNvPr>
+          <p:cNvPicPr>
+            <a:picLocks noChangeAspect="1"/>
+          </p:cNvPicPr>
+          <p:nvPr/>
+        </p:nvPicPr>
+        <p:blipFill>
+          <a:blip r:embed="rId3">
+            <a:extLst>
+              <a:ext uri="{28A0092B-C50C-407E-A947-70E740481C1C}">
+                <a14:useLocalDpi xmlns:a14="http://schemas.microsoft.com/office/drawing/2010/main" val="0"/>
+              </a:ext>
+            </a:extLst>
+          </a:blip>
+          <a:stretch>
+            <a:fillRect/>
+          </a:stretch>
+        </p:blipFill>
+        <p:spPr>
+          <a:xfrm>
+            <a:off x="5046815" y="1861784"/>
+            <a:ext cx="1905000" cy="1905000"/>
+          </a:xfrm>
+          <a:prstGeom prst="rect">
+            <a:avLst/>
+          </a:prstGeom>
+        </p:spPr>
+      </p:pic>
+      <p:pic>
+        <p:nvPicPr>
+          <p:cNvPr id="18" name="Grafik 17">
+            <a:extLst>
+              <a:ext uri="{FF2B5EF4-FFF2-40B4-BE49-F238E27FC236}">
+                <a16:creationId xmlns:a16="http://schemas.microsoft.com/office/drawing/2014/main" id="{EABBD10D-9A8B-4757-863C-C4F0D98CF4E4}"/>
+              </a:ext>
+            </a:extLst>
+          </p:cNvPr>
+          <p:cNvPicPr>
+            <a:picLocks noChangeAspect="1"/>
+          </p:cNvPicPr>
+          <p:nvPr/>
+        </p:nvPicPr>
+        <p:blipFill>
+          <a:blip r:embed="rId4">
+            <a:extLst>
+              <a:ext uri="{28A0092B-C50C-407E-A947-70E740481C1C}">
+                <a14:useLocalDpi xmlns:a14="http://schemas.microsoft.com/office/drawing/2010/main" val="0"/>
+              </a:ext>
+            </a:extLst>
+          </a:blip>
+          <a:stretch>
+            <a:fillRect/>
+          </a:stretch>
+        </p:blipFill>
+        <p:spPr>
+          <a:xfrm>
+            <a:off x="8635210" y="1861784"/>
+            <a:ext cx="1905000" cy="1905000"/>
+          </a:xfrm>
+          <a:prstGeom prst="rect">
+            <a:avLst/>
+          </a:prstGeom>
+        </p:spPr>
+      </p:pic>
+    </p:spTree>
+    <p:extLst>
+      <p:ext uri="{BB962C8B-B14F-4D97-AF65-F5344CB8AC3E}">
+        <p14:creationId xmlns:p14="http://schemas.microsoft.com/office/powerpoint/2010/main" val="2149780848"/>
+      </p:ext>
+    </p:extLst>
+  </p:cSld>
+  <p:clrMapOvr>
+    <a:masterClrMapping/>
+  </p:clrMapOvr>
+</p:sld>
+</file>
+
+<file path=ppt/slides/slide12.xml><?xml version="1.0" encoding="utf-8"?>
+<p:sld xmlns:a="http://schemas.openxmlformats.org/drawingml/2006/main" xmlns:r="http://schemas.openxmlformats.org/officeDocument/2006/relationships" xmlns:p="http://schemas.openxmlformats.org/presentationml/2006/main">
+  <p:cSld>
+    <p:spTree>
+      <p:nvGrpSpPr>
+        <p:cNvPr id="1" name=""/>
+        <p:cNvGrpSpPr/>
+        <p:nvPr/>
+      </p:nvGrpSpPr>
+      <p:grpSpPr>
+        <a:xfrm>
+          <a:off x="0" y="0"/>
+          <a:ext cx="0" cy="0"/>
+          <a:chOff x="0" y="0"/>
+          <a:chExt cx="0" cy="0"/>
+        </a:xfrm>
+      </p:grpSpPr>
+      <p:sp>
+        <p:nvSpPr>
+          <p:cNvPr id="3" name="Textplatzhalter 2">
+            <a:extLst>
+              <a:ext uri="{FF2B5EF4-FFF2-40B4-BE49-F238E27FC236}">
+                <a16:creationId xmlns:a16="http://schemas.microsoft.com/office/drawing/2014/main" id="{57625549-4941-4E12-AA37-2C694939FB57}"/>
+              </a:ext>
+            </a:extLst>
+          </p:cNvPr>
+          <p:cNvSpPr>
+            <a:spLocks noGrp="1"/>
+          </p:cNvSpPr>
+          <p:nvPr>
+            <p:ph type="body" sz="quarter" idx="13"/>
+          </p:nvPr>
+        </p:nvSpPr>
+        <p:spPr/>
+        <p:txBody>
+          <a:bodyPr>
+            <a:normAutofit/>
+          </a:bodyPr>
+          <a:lstStyle/>
+          <a:p>
+            <a:r>
+              <a:rPr lang="en-US" sz="2400" dirty="0"/>
               <a:t>Durable Functions Basics</a:t>
             </a:r>
             <a:endParaRPr lang="de-DE" sz="2400" dirty="0"/>
@@ -4232,7 +4685,7 @@
 </p:sld>
 </file>
 
-<file path=ppt/slides/slide11.xml><?xml version="1.0" encoding="utf-8"?>
+<file path=ppt/slides/slide13.xml><?xml version="1.0" encoding="utf-8"?>
 <p:sld xmlns:a="http://schemas.openxmlformats.org/drawingml/2006/main" xmlns:r="http://schemas.openxmlformats.org/officeDocument/2006/relationships" xmlns:p="http://schemas.openxmlformats.org/presentationml/2006/main">
   <p:cSld>
     <p:spTree>
@@ -5461,7 +5914,7 @@
 </p:sld>
 </file>
 
-<file path=ppt/slides/slide12.xml><?xml version="1.0" encoding="utf-8"?>
+<file path=ppt/slides/slide14.xml><?xml version="1.0" encoding="utf-8"?>
 <p:sld xmlns:a="http://schemas.openxmlformats.org/drawingml/2006/main" xmlns:r="http://schemas.openxmlformats.org/officeDocument/2006/relationships" xmlns:p="http://schemas.openxmlformats.org/presentationml/2006/main">
   <p:cSld>
     <p:spTree>
@@ -6242,7 +6695,7 @@
 </p:sld>
 </file>
 
-<file path=ppt/slides/slide13.xml><?xml version="1.0" encoding="utf-8"?>
+<file path=ppt/slides/slide15.xml><?xml version="1.0" encoding="utf-8"?>
 <p:sld xmlns:a="http://schemas.openxmlformats.org/drawingml/2006/main" xmlns:r="http://schemas.openxmlformats.org/officeDocument/2006/relationships" xmlns:p="http://schemas.openxmlformats.org/presentationml/2006/main">
   <p:cSld>
     <p:spTree>
@@ -7607,7 +8060,7 @@
 </p:sld>
 </file>
 
-<file path=ppt/slides/slide14.xml><?xml version="1.0" encoding="utf-8"?>
+<file path=ppt/slides/slide16.xml><?xml version="1.0" encoding="utf-8"?>
 <p:sld xmlns:a="http://schemas.openxmlformats.org/drawingml/2006/main" xmlns:r="http://schemas.openxmlformats.org/officeDocument/2006/relationships" xmlns:p="http://schemas.openxmlformats.org/presentationml/2006/main">
   <p:cSld>
     <p:spTree>
@@ -7957,7 +8410,7 @@
 </p:sld>
 </file>
 
-<file path=ppt/slides/slide15.xml><?xml version="1.0" encoding="utf-8"?>
+<file path=ppt/slides/slide17.xml><?xml version="1.0" encoding="utf-8"?>
 <p:sld xmlns:a="http://schemas.openxmlformats.org/drawingml/2006/main" xmlns:r="http://schemas.openxmlformats.org/officeDocument/2006/relationships" xmlns:p="http://schemas.openxmlformats.org/presentationml/2006/main">
   <p:cSld>
     <p:spTree>
@@ -8161,7 +8614,7 @@
 </p:sld>
 </file>
 
-<file path=ppt/slides/slide16.xml><?xml version="1.0" encoding="utf-8"?>
+<file path=ppt/slides/slide18.xml><?xml version="1.0" encoding="utf-8"?>
 <p:sld xmlns:a="http://schemas.openxmlformats.org/drawingml/2006/main" xmlns:r="http://schemas.openxmlformats.org/officeDocument/2006/relationships" xmlns:p="http://schemas.openxmlformats.org/presentationml/2006/main">
   <p:cSld>
     <p:spTree>
@@ -9518,700 +9971,6 @@
 </p:sld>
 </file>
 
-<file path=ppt/slides/slide17.xml><?xml version="1.0" encoding="utf-8"?>
-<p:sld xmlns:a="http://schemas.openxmlformats.org/drawingml/2006/main" xmlns:r="http://schemas.openxmlformats.org/officeDocument/2006/relationships" xmlns:p="http://schemas.openxmlformats.org/presentationml/2006/main">
-  <p:cSld>
-    <p:spTree>
-      <p:nvGrpSpPr>
-        <p:cNvPr id="1" name=""/>
-        <p:cNvGrpSpPr/>
-        <p:nvPr/>
-      </p:nvGrpSpPr>
-      <p:grpSpPr>
-        <a:xfrm>
-          <a:off x="0" y="0"/>
-          <a:ext cx="0" cy="0"/>
-          <a:chOff x="0" y="0"/>
-          <a:chExt cx="0" cy="0"/>
-        </a:xfrm>
-      </p:grpSpPr>
-      <p:sp>
-        <p:nvSpPr>
-          <p:cNvPr id="3" name="Textplatzhalter 2">
-            <a:extLst>
-              <a:ext uri="{FF2B5EF4-FFF2-40B4-BE49-F238E27FC236}">
-                <a16:creationId xmlns:a16="http://schemas.microsoft.com/office/drawing/2014/main" id="{57625549-4941-4E12-AA37-2C694939FB57}"/>
-              </a:ext>
-            </a:extLst>
-          </p:cNvPr>
-          <p:cNvSpPr>
-            <a:spLocks noGrp="1"/>
-          </p:cNvSpPr>
-          <p:nvPr>
-            <p:ph type="body" sz="quarter" idx="13"/>
-          </p:nvPr>
-        </p:nvSpPr>
-        <p:spPr/>
-        <p:txBody>
-          <a:bodyPr>
-            <a:normAutofit/>
-          </a:bodyPr>
-          <a:lstStyle/>
-          <a:p>
-            <a:r>
-              <a:rPr lang="en-US" sz="2400" dirty="0"/>
-              <a:t>Durable Functions State Storage</a:t>
-            </a:r>
-            <a:endParaRPr lang="de-DE" sz="2400" dirty="0"/>
-          </a:p>
-        </p:txBody>
-      </p:sp>
-      <p:cxnSp>
-        <p:nvCxnSpPr>
-          <p:cNvPr id="6" name="Gerader Verbinder 5">
-            <a:extLst>
-              <a:ext uri="{FF2B5EF4-FFF2-40B4-BE49-F238E27FC236}">
-                <a16:creationId xmlns:a16="http://schemas.microsoft.com/office/drawing/2014/main" id="{7EFA8ABD-5F72-4B46-BE3A-27B92D0D2871}"/>
-              </a:ext>
-            </a:extLst>
-          </p:cNvPr>
-          <p:cNvCxnSpPr>
-            <a:cxnSpLocks/>
-          </p:cNvCxnSpPr>
-          <p:nvPr/>
-        </p:nvCxnSpPr>
-        <p:spPr>
-          <a:xfrm>
-            <a:off x="3343788" y="1278517"/>
-            <a:ext cx="0" cy="4585570"/>
-          </a:xfrm>
-          <a:prstGeom prst="line">
-            <a:avLst/>
-          </a:prstGeom>
-          <a:ln w="25400" cap="rnd">
-            <a:solidFill>
-              <a:srgbClr val="3F3658"/>
-            </a:solidFill>
-          </a:ln>
-        </p:spPr>
-        <p:style>
-          <a:lnRef idx="1">
-            <a:schemeClr val="accent1"/>
-          </a:lnRef>
-          <a:fillRef idx="0">
-            <a:schemeClr val="accent1"/>
-          </a:fillRef>
-          <a:effectRef idx="0">
-            <a:schemeClr val="accent1"/>
-          </a:effectRef>
-          <a:fontRef idx="minor">
-            <a:schemeClr val="tx1"/>
-          </a:fontRef>
-        </p:style>
-      </p:cxnSp>
-      <p:sp>
-        <p:nvSpPr>
-          <p:cNvPr id="7" name="Textfeld 6">
-            <a:extLst>
-              <a:ext uri="{FF2B5EF4-FFF2-40B4-BE49-F238E27FC236}">
-                <a16:creationId xmlns:a16="http://schemas.microsoft.com/office/drawing/2014/main" id="{3E5CCA95-BF7A-46E4-9279-89F179D25AE6}"/>
-              </a:ext>
-            </a:extLst>
-          </p:cNvPr>
-          <p:cNvSpPr txBox="1"/>
-          <p:nvPr/>
-        </p:nvSpPr>
-        <p:spPr>
-          <a:xfrm>
-            <a:off x="3882895" y="1678476"/>
-            <a:ext cx="5673348" cy="3785652"/>
-          </a:xfrm>
-          <a:prstGeom prst="rect">
-            <a:avLst/>
-          </a:prstGeom>
-          <a:noFill/>
-        </p:spPr>
-        <p:txBody>
-          <a:bodyPr wrap="none" rtlCol="0">
-            <a:spAutoFit/>
-          </a:bodyPr>
-          <a:lstStyle/>
-          <a:p>
-            <a:r>
-              <a:rPr lang="en-US" sz="2000" b="1" dirty="0">
-                <a:solidFill>
-                  <a:srgbClr val="5A536D"/>
-                </a:solidFill>
-              </a:rPr>
-              <a:t>Durable Functions uses Azure Storage</a:t>
-            </a:r>
-          </a:p>
-          <a:p>
-            <a:endParaRPr lang="en-US" sz="2000" b="1" dirty="0">
-              <a:solidFill>
-                <a:srgbClr val="5A536D"/>
-              </a:solidFill>
-            </a:endParaRPr>
-          </a:p>
-          <a:p>
-            <a:r>
-              <a:rPr lang="en-US" sz="2000" b="1" dirty="0">
-                <a:solidFill>
-                  <a:srgbClr val="5A536D"/>
-                </a:solidFill>
-              </a:rPr>
-              <a:t>Storage Queues</a:t>
-            </a:r>
-          </a:p>
-          <a:p>
-            <a:pPr marL="800100" lvl="1" indent="-342900">
-              <a:buFont typeface="Symbol" panose="05050102010706020507" pitchFamily="18" charset="2"/>
-              <a:buChar char="-"/>
-            </a:pPr>
-            <a:r>
-              <a:rPr lang="en-US" sz="2000" dirty="0">
-                <a:solidFill>
-                  <a:srgbClr val="5A536D"/>
-                </a:solidFill>
-              </a:rPr>
-              <a:t>Messages to trigger the next function</a:t>
-            </a:r>
-          </a:p>
-          <a:p>
-            <a:endParaRPr lang="en-US" sz="2000" b="1" dirty="0">
-              <a:solidFill>
-                <a:srgbClr val="5A536D"/>
-              </a:solidFill>
-            </a:endParaRPr>
-          </a:p>
-          <a:p>
-            <a:r>
-              <a:rPr lang="en-US" sz="2000" b="1" dirty="0">
-                <a:solidFill>
-                  <a:srgbClr val="5A536D"/>
-                </a:solidFill>
-              </a:rPr>
-              <a:t>Storage Tables</a:t>
-            </a:r>
-          </a:p>
-          <a:p>
-            <a:pPr marL="800100" lvl="1" indent="-342900">
-              <a:buFont typeface="Symbol" panose="05050102010706020507" pitchFamily="18" charset="2"/>
-              <a:buChar char="-"/>
-            </a:pPr>
-            <a:r>
-              <a:rPr lang="en-US" sz="2000" dirty="0">
-                <a:solidFill>
-                  <a:srgbClr val="5A536D"/>
-                </a:solidFill>
-              </a:rPr>
-              <a:t>Store state of orchestrations</a:t>
-            </a:r>
-          </a:p>
-          <a:p>
-            <a:pPr marL="800100" lvl="1" indent="-342900">
-              <a:buFont typeface="Symbol" panose="05050102010706020507" pitchFamily="18" charset="2"/>
-              <a:buChar char="-"/>
-            </a:pPr>
-            <a:endParaRPr lang="en-US" sz="2000" dirty="0">
-              <a:solidFill>
-                <a:srgbClr val="5A536D"/>
-              </a:solidFill>
-            </a:endParaRPr>
-          </a:p>
-          <a:p>
-            <a:r>
-              <a:rPr lang="en-US" sz="2000" b="1" dirty="0">
-                <a:solidFill>
-                  <a:srgbClr val="5A536D"/>
-                </a:solidFill>
-              </a:rPr>
-              <a:t>Task Hub</a:t>
-            </a:r>
-          </a:p>
-          <a:p>
-            <a:pPr marL="800100" lvl="1" indent="-342900">
-              <a:buFont typeface="Symbol" panose="05050102010706020507" pitchFamily="18" charset="2"/>
-              <a:buChar char="-"/>
-            </a:pPr>
-            <a:r>
-              <a:rPr lang="en-US" sz="2000" dirty="0">
-                <a:solidFill>
-                  <a:srgbClr val="5A536D"/>
-                </a:solidFill>
-              </a:rPr>
-              <a:t>The storage used by Durable Functions</a:t>
-            </a:r>
-          </a:p>
-          <a:p>
-            <a:pPr marL="800100" lvl="1" indent="-342900">
-              <a:buFont typeface="Symbol" panose="05050102010706020507" pitchFamily="18" charset="2"/>
-              <a:buChar char="-"/>
-            </a:pPr>
-            <a:r>
-              <a:rPr lang="en-US" sz="2000" dirty="0">
-                <a:solidFill>
-                  <a:srgbClr val="5A536D"/>
-                </a:solidFill>
-              </a:rPr>
-              <a:t>You can use multiple task hubs</a:t>
-            </a:r>
-          </a:p>
-          <a:p>
-            <a:pPr marL="800100" lvl="1" indent="-342900">
-              <a:buFont typeface="Symbol" panose="05050102010706020507" pitchFamily="18" charset="2"/>
-              <a:buChar char="-"/>
-            </a:pPr>
-            <a:r>
-              <a:rPr lang="en-US" sz="2000" dirty="0">
-                <a:solidFill>
-                  <a:srgbClr val="5A536D"/>
-                </a:solidFill>
-              </a:rPr>
-              <a:t>They can share a storage account</a:t>
-            </a:r>
-          </a:p>
-        </p:txBody>
-      </p:sp>
-      <p:pic>
-        <p:nvPicPr>
-          <p:cNvPr id="9" name="Grafik 8">
-            <a:extLst>
-              <a:ext uri="{FF2B5EF4-FFF2-40B4-BE49-F238E27FC236}">
-                <a16:creationId xmlns:a16="http://schemas.microsoft.com/office/drawing/2014/main" id="{EBC0C6E5-A148-40A3-B8F2-DE5286CA8540}"/>
-              </a:ext>
-            </a:extLst>
-          </p:cNvPr>
-          <p:cNvPicPr>
-            <a:picLocks noChangeAspect="1"/>
-          </p:cNvPicPr>
-          <p:nvPr/>
-        </p:nvPicPr>
-        <p:blipFill>
-          <a:blip r:embed="rId2">
-            <a:extLst>
-              <a:ext uri="{28A0092B-C50C-407E-A947-70E740481C1C}">
-                <a14:useLocalDpi xmlns:a14="http://schemas.microsoft.com/office/drawing/2010/main" val="0"/>
-              </a:ext>
-            </a:extLst>
-          </a:blip>
-          <a:stretch>
-            <a:fillRect/>
-          </a:stretch>
-        </p:blipFill>
-        <p:spPr>
-          <a:xfrm>
-            <a:off x="838201" y="2476500"/>
-            <a:ext cx="1905000" cy="1905000"/>
-          </a:xfrm>
-          <a:prstGeom prst="rect">
-            <a:avLst/>
-          </a:prstGeom>
-        </p:spPr>
-      </p:pic>
-    </p:spTree>
-    <p:extLst>
-      <p:ext uri="{BB962C8B-B14F-4D97-AF65-F5344CB8AC3E}">
-        <p14:creationId xmlns:p14="http://schemas.microsoft.com/office/powerpoint/2010/main" val="127222616"/>
-      </p:ext>
-    </p:extLst>
-  </p:cSld>
-  <p:clrMapOvr>
-    <a:masterClrMapping/>
-  </p:clrMapOvr>
-</p:sld>
-</file>
-
-<file path=ppt/slides/slide18.xml><?xml version="1.0" encoding="utf-8"?>
-<p:sld xmlns:a="http://schemas.openxmlformats.org/drawingml/2006/main" xmlns:r="http://schemas.openxmlformats.org/officeDocument/2006/relationships" xmlns:p="http://schemas.openxmlformats.org/presentationml/2006/main">
-  <p:cSld>
-    <p:spTree>
-      <p:nvGrpSpPr>
-        <p:cNvPr id="1" name=""/>
-        <p:cNvGrpSpPr/>
-        <p:nvPr/>
-      </p:nvGrpSpPr>
-      <p:grpSpPr>
-        <a:xfrm>
-          <a:off x="0" y="0"/>
-          <a:ext cx="0" cy="0"/>
-          <a:chOff x="0" y="0"/>
-          <a:chExt cx="0" cy="0"/>
-        </a:xfrm>
-      </p:grpSpPr>
-      <p:sp>
-        <p:nvSpPr>
-          <p:cNvPr id="3" name="Textplatzhalter 2">
-            <a:extLst>
-              <a:ext uri="{FF2B5EF4-FFF2-40B4-BE49-F238E27FC236}">
-                <a16:creationId xmlns:a16="http://schemas.microsoft.com/office/drawing/2014/main" id="{57625549-4941-4E12-AA37-2C694939FB57}"/>
-              </a:ext>
-            </a:extLst>
-          </p:cNvPr>
-          <p:cNvSpPr>
-            <a:spLocks noGrp="1"/>
-          </p:cNvSpPr>
-          <p:nvPr>
-            <p:ph type="body" sz="quarter" idx="13"/>
-          </p:nvPr>
-        </p:nvSpPr>
-        <p:spPr/>
-        <p:txBody>
-          <a:bodyPr>
-            <a:normAutofit/>
-          </a:bodyPr>
-          <a:lstStyle/>
-          <a:p>
-            <a:r>
-              <a:rPr lang="en-US" sz="2400" dirty="0"/>
-              <a:t>Orchestrator Function Rules</a:t>
-            </a:r>
-            <a:endParaRPr lang="de-DE" sz="2400" dirty="0"/>
-          </a:p>
-        </p:txBody>
-      </p:sp>
-      <p:cxnSp>
-        <p:nvCxnSpPr>
-          <p:cNvPr id="6" name="Gerader Verbinder 5">
-            <a:extLst>
-              <a:ext uri="{FF2B5EF4-FFF2-40B4-BE49-F238E27FC236}">
-                <a16:creationId xmlns:a16="http://schemas.microsoft.com/office/drawing/2014/main" id="{7EFA8ABD-5F72-4B46-BE3A-27B92D0D2871}"/>
-              </a:ext>
-            </a:extLst>
-          </p:cNvPr>
-          <p:cNvCxnSpPr>
-            <a:cxnSpLocks/>
-          </p:cNvCxnSpPr>
-          <p:nvPr/>
-        </p:nvCxnSpPr>
-        <p:spPr>
-          <a:xfrm>
-            <a:off x="3343788" y="1278517"/>
-            <a:ext cx="0" cy="4585570"/>
-          </a:xfrm>
-          <a:prstGeom prst="line">
-            <a:avLst/>
-          </a:prstGeom>
-          <a:ln w="25400" cap="rnd">
-            <a:solidFill>
-              <a:srgbClr val="3F3658"/>
-            </a:solidFill>
-          </a:ln>
-        </p:spPr>
-        <p:style>
-          <a:lnRef idx="1">
-            <a:schemeClr val="accent1"/>
-          </a:lnRef>
-          <a:fillRef idx="0">
-            <a:schemeClr val="accent1"/>
-          </a:fillRef>
-          <a:effectRef idx="0">
-            <a:schemeClr val="accent1"/>
-          </a:effectRef>
-          <a:fontRef idx="minor">
-            <a:schemeClr val="tx1"/>
-          </a:fontRef>
-        </p:style>
-      </p:cxnSp>
-      <p:sp>
-        <p:nvSpPr>
-          <p:cNvPr id="7" name="Textfeld 6">
-            <a:extLst>
-              <a:ext uri="{FF2B5EF4-FFF2-40B4-BE49-F238E27FC236}">
-                <a16:creationId xmlns:a16="http://schemas.microsoft.com/office/drawing/2014/main" id="{3E5CCA95-BF7A-46E4-9279-89F179D25AE6}"/>
-              </a:ext>
-            </a:extLst>
-          </p:cNvPr>
-          <p:cNvSpPr txBox="1"/>
-          <p:nvPr/>
-        </p:nvSpPr>
-        <p:spPr>
-          <a:xfrm>
-            <a:off x="3882895" y="1690062"/>
-            <a:ext cx="6801862" cy="3477875"/>
-          </a:xfrm>
-          <a:prstGeom prst="rect">
-            <a:avLst/>
-          </a:prstGeom>
-          <a:noFill/>
-        </p:spPr>
-        <p:txBody>
-          <a:bodyPr wrap="none" rtlCol="0">
-            <a:spAutoFit/>
-          </a:bodyPr>
-          <a:lstStyle/>
-          <a:p>
-            <a:r>
-              <a:rPr lang="en-US" sz="2000" b="1" dirty="0">
-                <a:solidFill>
-                  <a:srgbClr val="5A536D"/>
-                </a:solidFill>
-              </a:rPr>
-              <a:t>The whole function will be “replayed</a:t>
-            </a:r>
-          </a:p>
-          <a:p>
-            <a:endParaRPr lang="en-US" sz="2000" dirty="0">
-              <a:solidFill>
-                <a:srgbClr val="5A536D"/>
-              </a:solidFill>
-            </a:endParaRPr>
-          </a:p>
-          <a:p>
-            <a:r>
-              <a:rPr lang="en-US" sz="2000" b="1" dirty="0">
-                <a:solidFill>
-                  <a:srgbClr val="5A536D"/>
-                </a:solidFill>
-              </a:rPr>
-              <a:t>Don´t</a:t>
-            </a:r>
-          </a:p>
-          <a:p>
-            <a:pPr marL="800100" lvl="1" indent="-342900">
-              <a:buFont typeface="Symbol" panose="05050102010706020507" pitchFamily="18" charset="2"/>
-              <a:buChar char="-"/>
-            </a:pPr>
-            <a:r>
-              <a:rPr lang="en-US" sz="2000" dirty="0">
-                <a:solidFill>
-                  <a:srgbClr val="5A536D"/>
-                </a:solidFill>
-              </a:rPr>
-              <a:t>No I/O to disk or network </a:t>
-            </a:r>
-          </a:p>
-          <a:p>
-            <a:pPr marL="800100" lvl="1" indent="-342900">
-              <a:buFont typeface="Symbol" panose="05050102010706020507" pitchFamily="18" charset="2"/>
-              <a:buChar char="-"/>
-            </a:pPr>
-            <a:r>
-              <a:rPr lang="en-US" sz="2000" dirty="0">
-                <a:solidFill>
-                  <a:srgbClr val="5A536D"/>
-                </a:solidFill>
-              </a:rPr>
-              <a:t>No </a:t>
-            </a:r>
-            <a:r>
-              <a:rPr lang="en-US" sz="2000" dirty="0" err="1">
-                <a:solidFill>
-                  <a:srgbClr val="5A536D"/>
-                </a:solidFill>
-              </a:rPr>
-              <a:t>Thread.Sleep</a:t>
-            </a:r>
-            <a:endParaRPr lang="en-US" sz="2000" dirty="0">
-              <a:solidFill>
-                <a:srgbClr val="5A536D"/>
-              </a:solidFill>
-            </a:endParaRPr>
-          </a:p>
-          <a:p>
-            <a:pPr marL="800100" lvl="1" indent="-342900">
-              <a:buFont typeface="Symbol" panose="05050102010706020507" pitchFamily="18" charset="2"/>
-              <a:buChar char="-"/>
-            </a:pPr>
-            <a:r>
-              <a:rPr lang="en-US" sz="2000" dirty="0">
-                <a:solidFill>
-                  <a:srgbClr val="5A536D"/>
-                </a:solidFill>
-              </a:rPr>
-              <a:t>Generate random numbers or </a:t>
-            </a:r>
-            <a:r>
-              <a:rPr lang="en-US" sz="2000" dirty="0" err="1">
-                <a:solidFill>
-                  <a:srgbClr val="5A536D"/>
-                </a:solidFill>
-              </a:rPr>
-              <a:t>Guids</a:t>
-            </a:r>
-            <a:r>
-              <a:rPr lang="en-US" sz="2000" dirty="0">
-                <a:solidFill>
-                  <a:srgbClr val="5A536D"/>
-                </a:solidFill>
-              </a:rPr>
-              <a:t> </a:t>
-            </a:r>
-          </a:p>
-          <a:p>
-            <a:pPr marL="800100" lvl="1" indent="-342900">
-              <a:buFont typeface="Symbol" panose="05050102010706020507" pitchFamily="18" charset="2"/>
-              <a:buChar char="-"/>
-            </a:pPr>
-            <a:r>
-              <a:rPr lang="en-US" sz="2000" dirty="0">
-                <a:solidFill>
-                  <a:srgbClr val="5A536D"/>
-                </a:solidFill>
-              </a:rPr>
-              <a:t>Access data stores </a:t>
-            </a:r>
-          </a:p>
-          <a:p>
-            <a:endParaRPr lang="en-US" sz="2000" b="1" dirty="0">
-              <a:solidFill>
-                <a:srgbClr val="5A536D"/>
-              </a:solidFill>
-            </a:endParaRPr>
-          </a:p>
-          <a:p>
-            <a:r>
-              <a:rPr lang="en-US" sz="2000" b="1" dirty="0">
-                <a:solidFill>
-                  <a:srgbClr val="5A536D"/>
-                </a:solidFill>
-              </a:rPr>
-              <a:t>Do not initiate async operations </a:t>
-            </a:r>
-          </a:p>
-          <a:p>
-            <a:pPr marL="914400" lvl="1" indent="-457200">
-              <a:buFont typeface="Symbol" panose="05050102010706020507" pitchFamily="18" charset="2"/>
-              <a:buChar char="-"/>
-            </a:pPr>
-            <a:r>
-              <a:rPr lang="en-US" sz="2000" dirty="0">
-                <a:solidFill>
-                  <a:srgbClr val="5A536D"/>
-                </a:solidFill>
-              </a:rPr>
-              <a:t>Except on </a:t>
-            </a:r>
-            <a:r>
-              <a:rPr lang="en-US" sz="2000" dirty="0" err="1">
-                <a:solidFill>
-                  <a:srgbClr val="5A536D"/>
-                </a:solidFill>
-              </a:rPr>
-              <a:t>DurableOrchestrationContext</a:t>
-            </a:r>
-            <a:r>
-              <a:rPr lang="en-US" sz="2000" dirty="0">
-                <a:solidFill>
-                  <a:srgbClr val="5A536D"/>
-                </a:solidFill>
-              </a:rPr>
-              <a:t> API</a:t>
-            </a:r>
-          </a:p>
-          <a:p>
-            <a:pPr marL="914400" lvl="1" indent="-457200">
-              <a:buFont typeface="Symbol" panose="05050102010706020507" pitchFamily="18" charset="2"/>
-              <a:buChar char="-"/>
-            </a:pPr>
-            <a:r>
-              <a:rPr lang="en-US" sz="2000" dirty="0">
-                <a:solidFill>
-                  <a:srgbClr val="5A536D"/>
-                </a:solidFill>
-              </a:rPr>
-              <a:t>No </a:t>
-            </a:r>
-            <a:r>
-              <a:rPr lang="en-US" sz="2000" dirty="0" err="1">
-                <a:solidFill>
-                  <a:srgbClr val="5A536D"/>
-                </a:solidFill>
-              </a:rPr>
-              <a:t>Task.Run</a:t>
-            </a:r>
-            <a:r>
-              <a:rPr lang="en-US" sz="2000" dirty="0">
-                <a:solidFill>
-                  <a:srgbClr val="5A536D"/>
-                </a:solidFill>
-              </a:rPr>
-              <a:t>, </a:t>
-            </a:r>
-            <a:r>
-              <a:rPr lang="en-US" sz="2000" dirty="0" err="1">
-                <a:solidFill>
-                  <a:srgbClr val="5A536D"/>
-                </a:solidFill>
-              </a:rPr>
-              <a:t>Task.Delay</a:t>
-            </a:r>
-            <a:r>
-              <a:rPr lang="en-US" sz="2000" dirty="0">
-                <a:solidFill>
-                  <a:srgbClr val="5A536D"/>
-                </a:solidFill>
-              </a:rPr>
-              <a:t>, </a:t>
-            </a:r>
-            <a:r>
-              <a:rPr lang="en-US" sz="2000" dirty="0" err="1">
-                <a:solidFill>
-                  <a:srgbClr val="5A536D"/>
-                </a:solidFill>
-              </a:rPr>
-              <a:t>HttpClient.SendAsync</a:t>
-            </a:r>
-            <a:r>
-              <a:rPr lang="en-US" sz="2000" dirty="0">
-                <a:solidFill>
-                  <a:srgbClr val="5A536D"/>
-                </a:solidFill>
-              </a:rPr>
-              <a:t> </a:t>
-            </a:r>
-          </a:p>
-        </p:txBody>
-      </p:sp>
-      <p:pic>
-        <p:nvPicPr>
-          <p:cNvPr id="4" name="Grafik 3">
-            <a:extLst>
-              <a:ext uri="{FF2B5EF4-FFF2-40B4-BE49-F238E27FC236}">
-                <a16:creationId xmlns:a16="http://schemas.microsoft.com/office/drawing/2014/main" id="{86E391B0-3209-4765-AF2B-2E10169E2F85}"/>
-              </a:ext>
-            </a:extLst>
-          </p:cNvPr>
-          <p:cNvPicPr>
-            <a:picLocks noChangeAspect="1"/>
-          </p:cNvPicPr>
-          <p:nvPr/>
-        </p:nvPicPr>
-        <p:blipFill>
-          <a:blip r:embed="rId2">
-            <a:extLst>
-              <a:ext uri="{28A0092B-C50C-407E-A947-70E740481C1C}">
-                <a14:useLocalDpi xmlns:a14="http://schemas.microsoft.com/office/drawing/2010/main" val="0"/>
-              </a:ext>
-            </a:extLst>
-          </a:blip>
-          <a:stretch>
-            <a:fillRect/>
-          </a:stretch>
-        </p:blipFill>
-        <p:spPr>
-          <a:xfrm>
-            <a:off x="838201" y="2476500"/>
-            <a:ext cx="1905000" cy="1905000"/>
-          </a:xfrm>
-          <a:prstGeom prst="rect">
-            <a:avLst/>
-          </a:prstGeom>
-        </p:spPr>
-      </p:pic>
-    </p:spTree>
-    <p:extLst>
-      <p:ext uri="{BB962C8B-B14F-4D97-AF65-F5344CB8AC3E}">
-        <p14:creationId xmlns:p14="http://schemas.microsoft.com/office/powerpoint/2010/main" val="1646258538"/>
-      </p:ext>
-    </p:extLst>
-  </p:cSld>
-  <p:clrMapOvr>
-    <a:masterClrMapping/>
-  </p:clrMapOvr>
-</p:sld>
-</file>
-
 <file path=ppt/slides/slide19.xml><?xml version="1.0" encoding="utf-8"?>
 <p:sld xmlns:a="http://schemas.openxmlformats.org/drawingml/2006/main" xmlns:r="http://schemas.openxmlformats.org/officeDocument/2006/relationships" xmlns:p="http://schemas.openxmlformats.org/presentationml/2006/main">
   <p:cSld>
@@ -10254,7 +10013,7 @@
           <a:p>
             <a:r>
               <a:rPr lang="en-US" sz="2400" dirty="0"/>
-              <a:t>Logging in Orchestrator Functions</a:t>
+              <a:t>Durable Functions State Storage</a:t>
             </a:r>
             <a:endParaRPr lang="de-DE" sz="2400" dirty="0"/>
           </a:p>
@@ -10317,8 +10076,8 @@
         </p:nvSpPr>
         <p:spPr>
           <a:xfrm>
-            <a:off x="3889521" y="2200271"/>
-            <a:ext cx="7212231" cy="1631216"/>
+            <a:off x="3882895" y="1678476"/>
+            <a:ext cx="5673348" cy="3785652"/>
           </a:xfrm>
           <a:prstGeom prst="rect">
             <a:avLst/>
@@ -10337,16 +10096,10 @@
                   <a:srgbClr val="5A536D"/>
                 </a:solidFill>
               </a:rPr>
-              <a:t>Use the built-in </a:t>
-            </a:r>
-            <a:r>
-              <a:rPr lang="en-US" sz="2000" b="1" dirty="0" err="1">
-                <a:solidFill>
-                  <a:srgbClr val="5A536D"/>
-                </a:solidFill>
-              </a:rPr>
-              <a:t>TraceWriter</a:t>
-            </a:r>
+              <a:t>Durable Functions uses Azure Storage</a:t>
+            </a:r>
+          </a:p>
+          <a:p>
             <a:endParaRPr lang="en-US" sz="2000" b="1" dirty="0">
               <a:solidFill>
                 <a:srgbClr val="5A536D"/>
@@ -10354,6 +10107,30 @@
             </a:endParaRPr>
           </a:p>
           <a:p>
+            <a:r>
+              <a:rPr lang="en-US" sz="2000" b="1" dirty="0">
+                <a:solidFill>
+                  <a:srgbClr val="5A536D"/>
+                </a:solidFill>
+              </a:rPr>
+              <a:t>Storage Queues</a:t>
+            </a:r>
+          </a:p>
+          <a:p>
+            <a:pPr marL="800100" lvl="1" indent="-342900">
+              <a:buFont typeface="Symbol" panose="05050102010706020507" pitchFamily="18" charset="2"/>
+              <a:buChar char="-"/>
+            </a:pPr>
+            <a:r>
+              <a:rPr lang="en-US" sz="2000" dirty="0">
+                <a:solidFill>
+                  <a:srgbClr val="5A536D"/>
+                </a:solidFill>
+              </a:rPr>
+              <a:t>Messages to trigger the next function</a:t>
+            </a:r>
+          </a:p>
+          <a:p>
             <a:endParaRPr lang="en-US" sz="2000" b="1" dirty="0">
               <a:solidFill>
                 <a:srgbClr val="5A536D"/>
@@ -10367,7 +10144,7 @@
                   <a:srgbClr val="5A536D"/>
                 </a:solidFill>
               </a:rPr>
-              <a:t>Log messages get written on every replay </a:t>
+              <a:t>Storage Tables</a:t>
             </a:r>
           </a:p>
           <a:p>
@@ -10381,16 +10158,14 @@
                   <a:srgbClr val="5A536D"/>
                 </a:solidFill>
               </a:rPr>
-              <a:t>Avoid with </a:t>
-            </a:r>
-            <a:r>
-              <a:rPr lang="en-US" sz="2000" dirty="0" err="1">
-                <a:solidFill>
-                  <a:srgbClr val="5A536D"/>
-                </a:solidFill>
-              </a:rPr>
-              <a:t>DurableOrchestrationContext.IsReplaying</a:t>
-            </a:r>
+              <a:t>Store state of orchestrations</a:t>
+            </a:r>
+          </a:p>
+          <a:p>
+            <a:pPr marL="800100" lvl="1" indent="-342900">
+              <a:buFont typeface="Symbol" panose="05050102010706020507" pitchFamily="18" charset="2"/>
+              <a:buChar char="-"/>
+            </a:pPr>
             <a:endParaRPr lang="en-US" sz="2000" dirty="0">
               <a:solidFill>
                 <a:srgbClr val="5A536D"/>
@@ -10404,22 +10179,59 @@
                   <a:srgbClr val="5A536D"/>
                 </a:solidFill>
               </a:rPr>
-              <a:t> </a:t>
-            </a:r>
-            <a:endParaRPr lang="en-US" sz="2000" dirty="0">
-              <a:solidFill>
-                <a:srgbClr val="5A536D"/>
-              </a:solidFill>
-            </a:endParaRPr>
+              <a:t>Task Hub</a:t>
+            </a:r>
+          </a:p>
+          <a:p>
+            <a:pPr marL="800100" lvl="1" indent="-342900">
+              <a:buFont typeface="Symbol" panose="05050102010706020507" pitchFamily="18" charset="2"/>
+              <a:buChar char="-"/>
+            </a:pPr>
+            <a:r>
+              <a:rPr lang="en-US" sz="2000" dirty="0">
+                <a:solidFill>
+                  <a:srgbClr val="5A536D"/>
+                </a:solidFill>
+              </a:rPr>
+              <a:t>The storage used by Durable Functions</a:t>
+            </a:r>
+          </a:p>
+          <a:p>
+            <a:pPr marL="800100" lvl="1" indent="-342900">
+              <a:buFont typeface="Symbol" panose="05050102010706020507" pitchFamily="18" charset="2"/>
+              <a:buChar char="-"/>
+            </a:pPr>
+            <a:r>
+              <a:rPr lang="en-US" sz="2000" dirty="0">
+                <a:solidFill>
+                  <a:srgbClr val="5A536D"/>
+                </a:solidFill>
+              </a:rPr>
+              <a:t>You can use multiple task hubs</a:t>
+            </a:r>
+          </a:p>
+          <a:p>
+            <a:pPr marL="800100" lvl="1" indent="-342900">
+              <a:buFont typeface="Symbol" panose="05050102010706020507" pitchFamily="18" charset="2"/>
+              <a:buChar char="-"/>
+            </a:pPr>
+            <a:r>
+              <a:rPr lang="en-US" sz="2000" dirty="0">
+                <a:solidFill>
+                  <a:srgbClr val="5A536D"/>
+                </a:solidFill>
+              </a:rPr>
+              <a:t>They can share a storage account</a:t>
+            </a:r>
           </a:p>
         </p:txBody>
       </p:sp>
       <p:pic>
         <p:nvPicPr>
-          <p:cNvPr id="5" name="Grafik 4">
-            <a:extLst>
-              <a:ext uri="{FF2B5EF4-FFF2-40B4-BE49-F238E27FC236}">
-                <a16:creationId xmlns:a16="http://schemas.microsoft.com/office/drawing/2014/main" id="{51C67E5D-B8AF-4806-9783-D3C4C2643B56}"/>
+          <p:cNvPr id="9" name="Grafik 8">
+            <a:extLst>
+              <a:ext uri="{FF2B5EF4-FFF2-40B4-BE49-F238E27FC236}">
+                <a16:creationId xmlns:a16="http://schemas.microsoft.com/office/drawing/2014/main" id="{EBC0C6E5-A148-40A3-B8F2-DE5286CA8540}"/>
               </a:ext>
             </a:extLst>
           </p:cNvPr>
@@ -10442,7 +10254,7 @@
         </p:blipFill>
         <p:spPr>
           <a:xfrm>
-            <a:off x="838201" y="2476499"/>
+            <a:off x="838201" y="2476500"/>
             <a:ext cx="1905000" cy="1905000"/>
           </a:xfrm>
           <a:prstGeom prst="rect">
@@ -10450,145 +10262,10 @@
           </a:prstGeom>
         </p:spPr>
       </p:pic>
-      <p:sp>
-        <p:nvSpPr>
-          <p:cNvPr id="8" name="Textfeld 7">
-            <a:extLst>
-              <a:ext uri="{FF2B5EF4-FFF2-40B4-BE49-F238E27FC236}">
-                <a16:creationId xmlns:a16="http://schemas.microsoft.com/office/drawing/2014/main" id="{3B7FE4B7-5507-44D5-A733-CFB830DC778E}"/>
-              </a:ext>
-            </a:extLst>
-          </p:cNvPr>
-          <p:cNvSpPr txBox="1"/>
-          <p:nvPr/>
-        </p:nvSpPr>
-        <p:spPr>
-          <a:xfrm>
-            <a:off x="3889521" y="3580867"/>
-            <a:ext cx="3621504" cy="1169551"/>
-          </a:xfrm>
-          <a:prstGeom prst="rect">
-            <a:avLst/>
-          </a:prstGeom>
-          <a:noFill/>
-          <a:ln>
-            <a:noFill/>
-          </a:ln>
-        </p:spPr>
-        <p:txBody>
-          <a:bodyPr wrap="none" rtlCol="0">
-            <a:spAutoFit/>
-          </a:bodyPr>
-          <a:lstStyle/>
-          <a:p>
-            <a:endParaRPr lang="en-US" sz="1400" dirty="0">
-              <a:latin typeface="Hasklig Medium" panose="020B0509030403020204" pitchFamily="49" charset="0"/>
-              <a:ea typeface="Hasklig Medium" panose="020B0509030403020204" pitchFamily="49" charset="0"/>
-            </a:endParaRPr>
-          </a:p>
-          <a:p>
-            <a:r>
-              <a:rPr lang="en-US" sz="1400" dirty="0">
-                <a:solidFill>
-                  <a:schemeClr val="accent5">
-                    <a:lumMod val="50000"/>
-                  </a:schemeClr>
-                </a:solidFill>
-                <a:latin typeface="Hasklig Medium" panose="020B0509030403020204" pitchFamily="49" charset="0"/>
-                <a:ea typeface="Hasklig Medium" panose="020B0509030403020204" pitchFamily="49" charset="0"/>
-              </a:rPr>
-              <a:t>if</a:t>
-            </a:r>
-            <a:r>
-              <a:rPr lang="en-US" sz="1400" dirty="0">
-                <a:latin typeface="Hasklig Medium" panose="020B0509030403020204" pitchFamily="49" charset="0"/>
-                <a:ea typeface="Hasklig Medium" panose="020B0509030403020204" pitchFamily="49" charset="0"/>
-              </a:rPr>
-              <a:t> (!</a:t>
-            </a:r>
-            <a:r>
-              <a:rPr lang="en-US" sz="1400" dirty="0" err="1">
-                <a:latin typeface="Hasklig Medium" panose="020B0509030403020204" pitchFamily="49" charset="0"/>
-                <a:ea typeface="Hasklig Medium" panose="020B0509030403020204" pitchFamily="49" charset="0"/>
-              </a:rPr>
-              <a:t>ctx.IsReplaying</a:t>
-            </a:r>
-            <a:r>
-              <a:rPr lang="en-US" sz="1400" dirty="0">
-                <a:latin typeface="Hasklig Medium" panose="020B0509030403020204" pitchFamily="49" charset="0"/>
-                <a:ea typeface="Hasklig Medium" panose="020B0509030403020204" pitchFamily="49" charset="0"/>
-              </a:rPr>
-              <a:t>)</a:t>
-            </a:r>
-          </a:p>
-          <a:p>
-            <a:r>
-              <a:rPr lang="en-US" sz="1400" dirty="0">
-                <a:latin typeface="Hasklig Medium" panose="020B0509030403020204" pitchFamily="49" charset="0"/>
-                <a:ea typeface="Hasklig Medium" panose="020B0509030403020204" pitchFamily="49" charset="0"/>
-              </a:rPr>
-              <a:t>{</a:t>
-            </a:r>
-          </a:p>
-          <a:p>
-            <a:r>
-              <a:rPr lang="en-US" sz="1400" dirty="0">
-                <a:latin typeface="Hasklig Medium" panose="020B0509030403020204" pitchFamily="49" charset="0"/>
-                <a:ea typeface="Hasklig Medium" panose="020B0509030403020204" pitchFamily="49" charset="0"/>
-              </a:rPr>
-              <a:t>  </a:t>
-            </a:r>
-            <a:r>
-              <a:rPr lang="en-US" sz="1400" dirty="0" err="1">
-                <a:latin typeface="Hasklig Medium" panose="020B0509030403020204" pitchFamily="49" charset="0"/>
-                <a:ea typeface="Hasklig Medium" panose="020B0509030403020204" pitchFamily="49" charset="0"/>
-              </a:rPr>
-              <a:t>log.Info</a:t>
-            </a:r>
-            <a:r>
-              <a:rPr lang="en-US" sz="1400" dirty="0">
-                <a:latin typeface="Hasklig Medium" panose="020B0509030403020204" pitchFamily="49" charset="0"/>
-                <a:ea typeface="Hasklig Medium" panose="020B0509030403020204" pitchFamily="49" charset="0"/>
-              </a:rPr>
-              <a:t>(</a:t>
-            </a:r>
-            <a:r>
-              <a:rPr lang="en-US" sz="1400" dirty="0">
-                <a:solidFill>
-                  <a:srgbClr val="C00000"/>
-                </a:solidFill>
-                <a:latin typeface="Hasklig Medium" panose="020B0509030403020204" pitchFamily="49" charset="0"/>
-                <a:ea typeface="Hasklig Medium" panose="020B0509030403020204" pitchFamily="49" charset="0"/>
-              </a:rPr>
-              <a:t>“Your logging text"</a:t>
-            </a:r>
-            <a:r>
-              <a:rPr lang="en-US" sz="1400" dirty="0">
-                <a:latin typeface="Hasklig Medium" panose="020B0509030403020204" pitchFamily="49" charset="0"/>
-                <a:ea typeface="Hasklig Medium" panose="020B0509030403020204" pitchFamily="49" charset="0"/>
-              </a:rPr>
-              <a:t>);</a:t>
-            </a:r>
-          </a:p>
-          <a:p>
-            <a:r>
-              <a:rPr lang="en-US" sz="1400" dirty="0">
-                <a:latin typeface="Hasklig Medium" panose="020B0509030403020204" pitchFamily="49" charset="0"/>
-                <a:ea typeface="Hasklig Medium" panose="020B0509030403020204" pitchFamily="49" charset="0"/>
-              </a:rPr>
-              <a:t>} </a:t>
-            </a:r>
-            <a:endParaRPr lang="de-DE" sz="1400" dirty="0">
-              <a:latin typeface="Hasklig Medium" panose="020B0509030403020204" pitchFamily="49" charset="0"/>
-              <a:ea typeface="Hasklig Medium" panose="020B0509030403020204" pitchFamily="49" charset="0"/>
-            </a:endParaRPr>
-          </a:p>
-        </p:txBody>
-      </p:sp>
     </p:spTree>
     <p:extLst>
       <p:ext uri="{BB962C8B-B14F-4D97-AF65-F5344CB8AC3E}">
-        <p14:creationId xmlns:p14="http://schemas.microsoft.com/office/powerpoint/2010/main" val="302443822"/>
+        <p14:creationId xmlns:p14="http://schemas.microsoft.com/office/powerpoint/2010/main" val="127222616"/>
       </p:ext>
     </p:extLst>
   </p:cSld>
@@ -10761,7 +10438,7 @@
           <a:p>
             <a:r>
               <a:rPr lang="en-US" sz="2400" dirty="0"/>
-              <a:t>Monitoring Durable Functions</a:t>
+              <a:t>Orchestrator Function Rules</a:t>
             </a:r>
             <a:endParaRPr lang="de-DE" sz="2400" dirty="0"/>
           </a:p>
@@ -10824,8 +10501,8 @@
         </p:nvSpPr>
         <p:spPr>
           <a:xfrm>
-            <a:off x="3790130" y="1678476"/>
-            <a:ext cx="6763390" cy="3785652"/>
+            <a:off x="3882895" y="1690062"/>
+            <a:ext cx="6801862" cy="3477875"/>
           </a:xfrm>
           <a:prstGeom prst="rect">
             <a:avLst/>
@@ -10844,7 +10521,24 @@
                   <a:srgbClr val="5A536D"/>
                 </a:solidFill>
               </a:rPr>
-              <a:t>Log messages stored in Table Storage</a:t>
+              <a:t>The whole function will be “replayed</a:t>
+            </a:r>
+          </a:p>
+          <a:p>
+            <a:endParaRPr lang="en-US" sz="2000" dirty="0">
+              <a:solidFill>
+                <a:srgbClr val="5A536D"/>
+              </a:solidFill>
+            </a:endParaRPr>
+          </a:p>
+          <a:p>
+            <a:r>
+              <a:rPr lang="en-US" sz="2000" b="1" dirty="0">
+                <a:solidFill>
+                  <a:srgbClr val="5A536D"/>
+                </a:solidFill>
+              </a:rPr>
+              <a:t>Don´t</a:t>
             </a:r>
           </a:p>
           <a:p>
@@ -10858,22 +10552,64 @@
                   <a:srgbClr val="5A536D"/>
                 </a:solidFill>
               </a:rPr>
-              <a:t>Invocation history and log output can be viewed </a:t>
-            </a:r>
-            <a:br>
+              <a:t>No I/O to disk or network </a:t>
+            </a:r>
+          </a:p>
+          <a:p>
+            <a:pPr marL="800100" lvl="1" indent="-342900">
+              <a:buFont typeface="Symbol" panose="05050102010706020507" pitchFamily="18" charset="2"/>
+              <a:buChar char="-"/>
+            </a:pPr>
+            <a:r>
               <a:rPr lang="en-US" sz="2000" dirty="0">
                 <a:solidFill>
                   <a:srgbClr val="5A536D"/>
                 </a:solidFill>
               </a:rPr>
-            </a:br>
+              <a:t>No </a:t>
+            </a:r>
+            <a:r>
+              <a:rPr lang="en-US" sz="2000" dirty="0" err="1">
+                <a:solidFill>
+                  <a:srgbClr val="5A536D"/>
+                </a:solidFill>
+              </a:rPr>
+              <a:t>Thread.Sleep</a:t>
+            </a:r>
+            <a:endParaRPr lang="en-US" sz="2000" dirty="0">
+              <a:solidFill>
+                <a:srgbClr val="5A536D"/>
+              </a:solidFill>
+            </a:endParaRPr>
+          </a:p>
+          <a:p>
+            <a:pPr marL="800100" lvl="1" indent="-342900">
+              <a:buFont typeface="Symbol" panose="05050102010706020507" pitchFamily="18" charset="2"/>
+              <a:buChar char="-"/>
+            </a:pPr>
             <a:r>
               <a:rPr lang="en-US" sz="2000" dirty="0">
                 <a:solidFill>
                   <a:srgbClr val="5A536D"/>
                 </a:solidFill>
               </a:rPr>
-              <a:t>in the Azure Portal for each function</a:t>
+              <a:t>Generate random numbers or </a:t>
+            </a:r>
+            <a:r>
+              <a:rPr lang="en-US" sz="2000" dirty="0" err="1">
+                <a:solidFill>
+                  <a:srgbClr val="5A536D"/>
+                </a:solidFill>
+              </a:rPr>
+              <a:t>Guids</a:t>
+            </a:r>
+            <a:r>
+              <a:rPr lang="en-US" sz="2000" dirty="0">
+                <a:solidFill>
+                  <a:srgbClr val="5A536D"/>
+                </a:solidFill>
+              </a:rPr>
+              <a:t> </a:t>
             </a:r>
           </a:p>
           <a:p>
@@ -10881,7 +10617,17 @@
               <a:buFont typeface="Symbol" panose="05050102010706020507" pitchFamily="18" charset="2"/>
               <a:buChar char="-"/>
             </a:pPr>
-            <a:endParaRPr lang="en-US" sz="2000" dirty="0">
+            <a:r>
+              <a:rPr lang="en-US" sz="2000" dirty="0">
+                <a:solidFill>
+                  <a:srgbClr val="5A536D"/>
+                </a:solidFill>
+              </a:rPr>
+              <a:t>Access data stores </a:t>
+            </a:r>
+          </a:p>
+          <a:p>
+            <a:endParaRPr lang="en-US" sz="2000" b="1" dirty="0">
               <a:solidFill>
                 <a:srgbClr val="5A536D"/>
               </a:solidFill>
@@ -10894,11 +10640,11 @@
                   <a:srgbClr val="5A536D"/>
                 </a:solidFill>
               </a:rPr>
-              <a:t>Application Insights </a:t>
-            </a:r>
-          </a:p>
-          <a:p>
-            <a:pPr marL="800100" lvl="1" indent="-342900">
+              <a:t>Do not initiate async operations </a:t>
+            </a:r>
+          </a:p>
+          <a:p>
+            <a:pPr marL="914400" lvl="1" indent="-457200">
               <a:buFont typeface="Symbol" panose="05050102010706020507" pitchFamily="18" charset="2"/>
               <a:buChar char="-"/>
             </a:pPr>
@@ -10908,86 +10654,85 @@
                   <a:srgbClr val="5A536D"/>
                 </a:solidFill>
               </a:rPr>
-              <a:t>Create an instance of Application Insights </a:t>
-            </a:r>
-          </a:p>
-          <a:p>
-            <a:pPr marL="800100" lvl="1" indent="-342900">
-              <a:buFont typeface="Symbol" panose="05050102010706020507" pitchFamily="18" charset="2"/>
-              <a:buChar char="-"/>
-            </a:pPr>
+              <a:t>Except on </a:t>
+            </a:r>
+            <a:r>
+              <a:rPr lang="en-US" sz="2000" dirty="0" err="1">
+                <a:solidFill>
+                  <a:srgbClr val="5A536D"/>
+                </a:solidFill>
+              </a:rPr>
+              <a:t>DurableOrchestrationContext</a:t>
+            </a:r>
             <a:r>
               <a:rPr lang="en-US" sz="2000" dirty="0">
                 <a:solidFill>
                   <a:srgbClr val="5A536D"/>
                 </a:solidFill>
               </a:rPr>
-              <a:t>Get the instrumentation key – </a:t>
-            </a:r>
-            <a:br>
+              <a:t> API</a:t>
+            </a:r>
+          </a:p>
+          <a:p>
+            <a:pPr marL="914400" lvl="1" indent="-457200">
+              <a:buFont typeface="Symbol" panose="05050102010706020507" pitchFamily="18" charset="2"/>
+              <a:buChar char="-"/>
+            </a:pPr>
+            <a:r>
               <a:rPr lang="en-US" sz="2000" dirty="0">
                 <a:solidFill>
                   <a:srgbClr val="5A536D"/>
                 </a:solidFill>
               </a:rPr>
-            </a:br>
+              <a:t>No </a:t>
+            </a:r>
+            <a:r>
+              <a:rPr lang="en-US" sz="2000" dirty="0" err="1">
+                <a:solidFill>
+                  <a:srgbClr val="5A536D"/>
+                </a:solidFill>
+              </a:rPr>
+              <a:t>Task.Run</a:t>
+            </a:r>
             <a:r>
               <a:rPr lang="en-US" sz="2000" dirty="0">
                 <a:solidFill>
                   <a:srgbClr val="5A536D"/>
                 </a:solidFill>
               </a:rPr>
-              <a:t>APPINSIGHTS_INSTRUMENTATIONKEY</a:t>
-            </a:r>
-          </a:p>
-          <a:p>
-            <a:pPr marL="800100" lvl="1" indent="-342900">
-              <a:buFont typeface="Symbol" panose="05050102010706020507" pitchFamily="18" charset="2"/>
-              <a:buChar char="-"/>
-            </a:pPr>
-            <a:endParaRPr lang="en-US" sz="2000" dirty="0">
-              <a:solidFill>
-                <a:srgbClr val="5A536D"/>
-              </a:solidFill>
-            </a:endParaRPr>
-          </a:p>
-          <a:p>
-            <a:r>
-              <a:rPr lang="en-US" sz="2000" b="1" dirty="0">
+              <a:t>, </a:t>
+            </a:r>
+            <a:r>
+              <a:rPr lang="en-US" sz="2000" dirty="0" err="1">
                 <a:solidFill>
                   <a:srgbClr val="5A536D"/>
                 </a:solidFill>
               </a:rPr>
-              <a:t>Custom Event Logging</a:t>
-            </a:r>
-          </a:p>
-          <a:p>
-            <a:pPr marL="800100" lvl="1" indent="-342900">
-              <a:buFont typeface="Symbol" panose="05050102010706020507" pitchFamily="18" charset="2"/>
-              <a:buChar char="-"/>
-            </a:pPr>
+              <a:t>Task.Delay</a:t>
+            </a:r>
             <a:r>
               <a:rPr lang="en-US" sz="2000" dirty="0">
                 <a:solidFill>
                   <a:srgbClr val="5A536D"/>
                 </a:solidFill>
               </a:rPr>
-              <a:t>Log a event after each activity inside a </a:t>
-            </a:r>
-            <a:br>
+              <a:t>, </a:t>
+            </a:r>
+            <a:r>
+              <a:rPr lang="en-US" sz="2000" dirty="0" err="1">
+                <a:solidFill>
+                  <a:srgbClr val="5A536D"/>
+                </a:solidFill>
+              </a:rPr>
+              <a:t>HttpClient.SendAsync</a:t>
+            </a:r>
+            <a:r>
               <a:rPr lang="en-US" sz="2000" dirty="0">
                 <a:solidFill>
                   <a:srgbClr val="5A536D"/>
                 </a:solidFill>
               </a:rPr>
-            </a:br>
-            <a:r>
-              <a:rPr lang="en-US" sz="2000" dirty="0">
-                <a:solidFill>
-                  <a:srgbClr val="5A536D"/>
-                </a:solidFill>
-              </a:rPr>
-              <a:t>SQL Server or other database</a:t>
+              <a:t> </a:t>
             </a:r>
           </a:p>
         </p:txBody>
@@ -10997,7 +10742,7 @@
           <p:cNvPr id="4" name="Grafik 3">
             <a:extLst>
               <a:ext uri="{FF2B5EF4-FFF2-40B4-BE49-F238E27FC236}">
-                <a16:creationId xmlns:a16="http://schemas.microsoft.com/office/drawing/2014/main" id="{1BDD8FC1-B245-4BBF-A717-2519CBC3C906}"/>
+                <a16:creationId xmlns:a16="http://schemas.microsoft.com/office/drawing/2014/main" id="{86E391B0-3209-4765-AF2B-2E10169E2F85}"/>
               </a:ext>
             </a:extLst>
           </p:cNvPr>
@@ -11031,7 +10776,7 @@
     </p:spTree>
     <p:extLst>
       <p:ext uri="{BB962C8B-B14F-4D97-AF65-F5344CB8AC3E}">
-        <p14:creationId xmlns:p14="http://schemas.microsoft.com/office/powerpoint/2010/main" val="366352895"/>
+        <p14:creationId xmlns:p14="http://schemas.microsoft.com/office/powerpoint/2010/main" val="1646258538"/>
       </p:ext>
     </p:extLst>
   </p:cSld>
@@ -11083,48 +10828,12 @@
           <a:p>
             <a:r>
               <a:rPr lang="en-US" sz="2400" dirty="0"/>
-              <a:t>Benefits of Durable Functions</a:t>
+              <a:t>Logging in Orchestrator Functions</a:t>
             </a:r>
             <a:endParaRPr lang="de-DE" sz="2400" dirty="0"/>
           </a:p>
         </p:txBody>
       </p:sp>
-      <p:pic>
-        <p:nvPicPr>
-          <p:cNvPr id="4" name="Grafik 3">
-            <a:extLst>
-              <a:ext uri="{FF2B5EF4-FFF2-40B4-BE49-F238E27FC236}">
-                <a16:creationId xmlns:a16="http://schemas.microsoft.com/office/drawing/2014/main" id="{F688EBDA-04D3-4F87-8C8E-763AB5547EA2}"/>
-              </a:ext>
-            </a:extLst>
-          </p:cNvPr>
-          <p:cNvPicPr>
-            <a:picLocks noChangeAspect="1"/>
-          </p:cNvPicPr>
-          <p:nvPr/>
-        </p:nvPicPr>
-        <p:blipFill>
-          <a:blip r:embed="rId2">
-            <a:extLst>
-              <a:ext uri="{28A0092B-C50C-407E-A947-70E740481C1C}">
-                <a14:useLocalDpi xmlns:a14="http://schemas.microsoft.com/office/drawing/2010/main" val="0"/>
-              </a:ext>
-            </a:extLst>
-          </a:blip>
-          <a:stretch>
-            <a:fillRect/>
-          </a:stretch>
-        </p:blipFill>
-        <p:spPr>
-          <a:xfrm>
-            <a:off x="838201" y="2476500"/>
-            <a:ext cx="1905000" cy="1905000"/>
-          </a:xfrm>
-          <a:prstGeom prst="rect">
-            <a:avLst/>
-          </a:prstGeom>
-        </p:spPr>
-      </p:pic>
       <p:cxnSp>
         <p:nvCxnSpPr>
           <p:cNvPr id="6" name="Gerader Verbinder 5">
@@ -11182,8 +10891,8 @@
         </p:nvSpPr>
         <p:spPr>
           <a:xfrm>
-            <a:off x="3882895" y="1481499"/>
-            <a:ext cx="5306261" cy="3808543"/>
+            <a:off x="3889521" y="2200271"/>
+            <a:ext cx="7212231" cy="1631216"/>
           </a:xfrm>
           <a:prstGeom prst="rect">
             <a:avLst/>
@@ -11196,12 +10905,49 @@
           </a:bodyPr>
           <a:lstStyle/>
           <a:p>
-            <a:pPr marL="342900" indent="-342900">
-              <a:lnSpc>
-                <a:spcPct val="250000"/>
-              </a:lnSpc>
-              <a:buFont typeface="+mj-lt"/>
-              <a:buAutoNum type="arabicPeriod"/>
+            <a:r>
+              <a:rPr lang="en-US" sz="2000" b="1" dirty="0">
+                <a:solidFill>
+                  <a:srgbClr val="5A536D"/>
+                </a:solidFill>
+              </a:rPr>
+              <a:t>Use the built-in </a:t>
+            </a:r>
+            <a:r>
+              <a:rPr lang="en-US" sz="2000" b="1" dirty="0" err="1">
+                <a:solidFill>
+                  <a:srgbClr val="5A536D"/>
+                </a:solidFill>
+              </a:rPr>
+              <a:t>TraceWriter</a:t>
+            </a:r>
+            <a:endParaRPr lang="en-US" sz="2000" b="1" dirty="0">
+              <a:solidFill>
+                <a:srgbClr val="5A536D"/>
+              </a:solidFill>
+            </a:endParaRPr>
+          </a:p>
+          <a:p>
+            <a:endParaRPr lang="en-US" sz="2000" b="1" dirty="0">
+              <a:solidFill>
+                <a:srgbClr val="5A536D"/>
+              </a:solidFill>
+            </a:endParaRPr>
+          </a:p>
+          <a:p>
+            <a:r>
+              <a:rPr lang="en-US" sz="2000" b="1" dirty="0">
+                <a:solidFill>
+                  <a:srgbClr val="5A536D"/>
+                </a:solidFill>
+              </a:rPr>
+              <a:t>Log messages get written on every replay </a:t>
+            </a:r>
+          </a:p>
+          <a:p>
+            <a:pPr marL="800100" lvl="1" indent="-342900">
+              <a:buFont typeface="Symbol" panose="05050102010706020507" pitchFamily="18" charset="2"/>
+              <a:buChar char="-"/>
             </a:pPr>
             <a:r>
               <a:rPr lang="en-US" sz="2000" dirty="0">
@@ -11209,83 +10955,214 @@
                   <a:srgbClr val="5A536D"/>
                 </a:solidFill>
               </a:rPr>
-              <a:t>Define workflows in code</a:t>
-            </a:r>
-          </a:p>
-          <a:p>
-            <a:pPr marL="342900" indent="-342900">
-              <a:lnSpc>
-                <a:spcPct val="250000"/>
-              </a:lnSpc>
-              <a:buFont typeface="+mj-lt"/>
-              <a:buAutoNum type="arabicPeriod"/>
-            </a:pPr>
-            <a:r>
-              <a:rPr lang="en-US" sz="2000" dirty="0">
+              <a:t>Avoid with </a:t>
+            </a:r>
+            <a:r>
+              <a:rPr lang="en-US" sz="2000" dirty="0" err="1">
                 <a:solidFill>
                   <a:srgbClr val="5A536D"/>
                 </a:solidFill>
               </a:rPr>
-              <a:t>Easy to implement complex workflows</a:t>
-            </a:r>
-          </a:p>
-          <a:p>
-            <a:pPr marL="342900" indent="-342900">
-              <a:lnSpc>
-                <a:spcPct val="250000"/>
-              </a:lnSpc>
-              <a:buFont typeface="+mj-lt"/>
-              <a:buAutoNum type="arabicPeriod"/>
-            </a:pPr>
-            <a:r>
-              <a:rPr lang="en-US" sz="2000" dirty="0">
+              <a:t>DurableOrchestrationContext.IsReplaying</a:t>
+            </a:r>
+            <a:endParaRPr lang="en-US" sz="2000" dirty="0">
+              <a:solidFill>
+                <a:srgbClr val="5A536D"/>
+              </a:solidFill>
+            </a:endParaRPr>
+          </a:p>
+          <a:p>
+            <a:r>
+              <a:rPr lang="en-US" sz="2000" b="1" dirty="0">
                 <a:solidFill>
                   <a:srgbClr val="5A536D"/>
                 </a:solidFill>
               </a:rPr>
-              <a:t>Consolidate exception handling</a:t>
-            </a:r>
-          </a:p>
-          <a:p>
-            <a:pPr marL="342900" indent="-342900">
-              <a:lnSpc>
-                <a:spcPct val="250000"/>
-              </a:lnSpc>
-              <a:buFont typeface="+mj-lt"/>
-              <a:buAutoNum type="arabicPeriod"/>
-            </a:pPr>
-            <a:r>
-              <a:rPr lang="en-US" sz="2000" dirty="0">
+              <a:t> </a:t>
+            </a:r>
+            <a:endParaRPr lang="en-US" sz="2000" dirty="0">
+              <a:solidFill>
+                <a:srgbClr val="5A536D"/>
+              </a:solidFill>
+            </a:endParaRPr>
+          </a:p>
+        </p:txBody>
+      </p:sp>
+      <p:pic>
+        <p:nvPicPr>
+          <p:cNvPr id="5" name="Grafik 4">
+            <a:extLst>
+              <a:ext uri="{FF2B5EF4-FFF2-40B4-BE49-F238E27FC236}">
+                <a16:creationId xmlns:a16="http://schemas.microsoft.com/office/drawing/2014/main" id="{51C67E5D-B8AF-4806-9783-D3C4C2643B56}"/>
+              </a:ext>
+            </a:extLst>
+          </p:cNvPr>
+          <p:cNvPicPr>
+            <a:picLocks noChangeAspect="1"/>
+          </p:cNvPicPr>
+          <p:nvPr/>
+        </p:nvPicPr>
+        <p:blipFill>
+          <a:blip r:embed="rId2">
+            <a:extLst>
+              <a:ext uri="{28A0092B-C50C-407E-A947-70E740481C1C}">
+                <a14:useLocalDpi xmlns:a14="http://schemas.microsoft.com/office/drawing/2010/main" val="0"/>
+              </a:ext>
+            </a:extLst>
+          </a:blip>
+          <a:stretch>
+            <a:fillRect/>
+          </a:stretch>
+        </p:blipFill>
+        <p:spPr>
+          <a:xfrm>
+            <a:off x="838201" y="2476499"/>
+            <a:ext cx="1905000" cy="1905000"/>
+          </a:xfrm>
+          <a:prstGeom prst="rect">
+            <a:avLst/>
+          </a:prstGeom>
+        </p:spPr>
+      </p:pic>
+      <p:sp>
+        <p:nvSpPr>
+          <p:cNvPr id="8" name="Textfeld 7">
+            <a:extLst>
+              <a:ext uri="{FF2B5EF4-FFF2-40B4-BE49-F238E27FC236}">
+                <a16:creationId xmlns:a16="http://schemas.microsoft.com/office/drawing/2014/main" id="{3B7FE4B7-5507-44D5-A733-CFB830DC778E}"/>
+              </a:ext>
+            </a:extLst>
+          </p:cNvPr>
+          <p:cNvSpPr txBox="1"/>
+          <p:nvPr/>
+        </p:nvSpPr>
+        <p:spPr>
+          <a:xfrm>
+            <a:off x="3889521" y="3580867"/>
+            <a:ext cx="3621504" cy="1169551"/>
+          </a:xfrm>
+          <a:prstGeom prst="rect">
+            <a:avLst/>
+          </a:prstGeom>
+          <a:noFill/>
+          <a:ln>
+            <a:noFill/>
+          </a:ln>
+        </p:spPr>
+        <p:txBody>
+          <a:bodyPr wrap="none" rtlCol="0">
+            <a:spAutoFit/>
+          </a:bodyPr>
+          <a:lstStyle/>
+          <a:p>
+            <a:endParaRPr lang="en-US" sz="1400" dirty="0">
+              <a:latin typeface="Hasklig Medium" panose="020B0509030403020204" pitchFamily="49" charset="0"/>
+              <a:ea typeface="Hasklig Medium" panose="020B0509030403020204" pitchFamily="49" charset="0"/>
+            </a:endParaRPr>
+          </a:p>
+          <a:p>
+            <a:r>
+              <a:rPr lang="en-US" sz="1400" dirty="0">
                 <a:solidFill>
-                  <a:srgbClr val="5A536D"/>
+                  <a:schemeClr val="accent5">
+                    <a:lumMod val="50000"/>
+                  </a:schemeClr>
                 </a:solidFill>
+                <a:latin typeface="Hasklig Medium" panose="020B0509030403020204" pitchFamily="49" charset="0"/>
+                <a:ea typeface="Hasklig Medium" panose="020B0509030403020204" pitchFamily="49" charset="0"/>
               </a:rPr>
-              <a:t>Check on progress or cancel workflow</a:t>
-            </a:r>
-          </a:p>
-          <a:p>
-            <a:pPr marL="342900" indent="-342900">
-              <a:lnSpc>
-                <a:spcPct val="250000"/>
-              </a:lnSpc>
-              <a:buFont typeface="+mj-lt"/>
-              <a:buAutoNum type="arabicPeriod"/>
-            </a:pPr>
-            <a:r>
-              <a:rPr lang="en-US" sz="2000" dirty="0">
+              <a:t>if</a:t>
+            </a:r>
+            <a:r>
+              <a:rPr lang="en-US" sz="1400" dirty="0">
+                <a:latin typeface="Hasklig Medium" panose="020B0509030403020204" pitchFamily="49" charset="0"/>
+                <a:ea typeface="Hasklig Medium" panose="020B0509030403020204" pitchFamily="49" charset="0"/>
+              </a:rPr>
+              <a:t> (!</a:t>
+            </a:r>
+            <a:r>
+              <a:rPr lang="en-US" sz="1400" dirty="0" err="1">
+                <a:latin typeface="Hasklig Medium" panose="020B0509030403020204" pitchFamily="49" charset="0"/>
+                <a:ea typeface="Hasklig Medium" panose="020B0509030403020204" pitchFamily="49" charset="0"/>
+              </a:rPr>
+              <a:t>ctx.IsReplaying</a:t>
+            </a:r>
+            <a:r>
+              <a:rPr lang="en-US" sz="1400" dirty="0">
+                <a:latin typeface="Hasklig Medium" panose="020B0509030403020204" pitchFamily="49" charset="0"/>
+                <a:ea typeface="Hasklig Medium" panose="020B0509030403020204" pitchFamily="49" charset="0"/>
+              </a:rPr>
+              <a:t>)</a:t>
+            </a:r>
+          </a:p>
+          <a:p>
+            <a:r>
+              <a:rPr lang="en-US" sz="1400" dirty="0">
+                <a:latin typeface="Hasklig Medium" panose="020B0509030403020204" pitchFamily="49" charset="0"/>
+                <a:ea typeface="Hasklig Medium" panose="020B0509030403020204" pitchFamily="49" charset="0"/>
+              </a:rPr>
+              <a:t>{</a:t>
+            </a:r>
+          </a:p>
+          <a:p>
+            <a:r>
+              <a:rPr lang="en-US" sz="1400" dirty="0">
+                <a:latin typeface="Hasklig Medium" panose="020B0509030403020204" pitchFamily="49" charset="0"/>
+                <a:ea typeface="Hasklig Medium" panose="020B0509030403020204" pitchFamily="49" charset="0"/>
+              </a:rPr>
+              <a:t>  </a:t>
+            </a:r>
+            <a:r>
+              <a:rPr lang="en-US" sz="1400" dirty="0" err="1">
+                <a:latin typeface="Hasklig Medium" panose="020B0509030403020204" pitchFamily="49" charset="0"/>
+                <a:ea typeface="Hasklig Medium" panose="020B0509030403020204" pitchFamily="49" charset="0"/>
+              </a:rPr>
+              <a:t>log.Info</a:t>
+            </a:r>
+            <a:r>
+              <a:rPr lang="en-US" sz="1400" dirty="0">
+                <a:latin typeface="Hasklig Medium" panose="020B0509030403020204" pitchFamily="49" charset="0"/>
+                <a:ea typeface="Hasklig Medium" panose="020B0509030403020204" pitchFamily="49" charset="0"/>
+              </a:rPr>
+              <a:t>(</a:t>
+            </a:r>
+            <a:r>
+              <a:rPr lang="en-US" sz="1400" dirty="0">
                 <a:solidFill>
-                  <a:srgbClr val="5A536D"/>
+                  <a:srgbClr val="C00000"/>
                 </a:solidFill>
+                <a:latin typeface="Hasklig Medium" panose="020B0509030403020204" pitchFamily="49" charset="0"/>
+                <a:ea typeface="Hasklig Medium" panose="020B0509030403020204" pitchFamily="49" charset="0"/>
               </a:rPr>
-              <a:t>Manage state for you</a:t>
-            </a:r>
+              <a:t>“Your logging text"</a:t>
+            </a:r>
+            <a:r>
+              <a:rPr lang="en-US" sz="1400" dirty="0">
+                <a:latin typeface="Hasklig Medium" panose="020B0509030403020204" pitchFamily="49" charset="0"/>
+                <a:ea typeface="Hasklig Medium" panose="020B0509030403020204" pitchFamily="49" charset="0"/>
+              </a:rPr>
+              <a:t>);</a:t>
+            </a:r>
+          </a:p>
+          <a:p>
+            <a:r>
+              <a:rPr lang="en-US" sz="1400" dirty="0">
+                <a:latin typeface="Hasklig Medium" panose="020B0509030403020204" pitchFamily="49" charset="0"/>
+                <a:ea typeface="Hasklig Medium" panose="020B0509030403020204" pitchFamily="49" charset="0"/>
+              </a:rPr>
+              <a:t>} </a:t>
+            </a:r>
+            <a:endParaRPr lang="de-DE" sz="1400" dirty="0">
+              <a:latin typeface="Hasklig Medium" panose="020B0509030403020204" pitchFamily="49" charset="0"/>
+              <a:ea typeface="Hasklig Medium" panose="020B0509030403020204" pitchFamily="49" charset="0"/>
+            </a:endParaRPr>
           </a:p>
         </p:txBody>
       </p:sp>
     </p:spTree>
     <p:extLst>
       <p:ext uri="{BB962C8B-B14F-4D97-AF65-F5344CB8AC3E}">
-        <p14:creationId xmlns:p14="http://schemas.microsoft.com/office/powerpoint/2010/main" val="2003423784"/>
+        <p14:creationId xmlns:p14="http://schemas.microsoft.com/office/powerpoint/2010/main" val="302443822"/>
       </p:ext>
     </p:extLst>
   </p:cSld>
@@ -11337,7 +11214,7 @@
           <a:p>
             <a:r>
               <a:rPr lang="en-US" sz="2400" dirty="0"/>
-              <a:t>Pains of Durable Functions</a:t>
+              <a:t>Monitoring Durable Functions</a:t>
             </a:r>
             <a:endParaRPr lang="de-DE" sz="2400" dirty="0"/>
           </a:p>
@@ -11400,6 +11277,582 @@
         </p:nvSpPr>
         <p:spPr>
           <a:xfrm>
+            <a:off x="3790130" y="1678476"/>
+            <a:ext cx="6763390" cy="3785652"/>
+          </a:xfrm>
+          <a:prstGeom prst="rect">
+            <a:avLst/>
+          </a:prstGeom>
+          <a:noFill/>
+        </p:spPr>
+        <p:txBody>
+          <a:bodyPr wrap="none" rtlCol="0">
+            <a:spAutoFit/>
+          </a:bodyPr>
+          <a:lstStyle/>
+          <a:p>
+            <a:r>
+              <a:rPr lang="en-US" sz="2000" b="1" dirty="0">
+                <a:solidFill>
+                  <a:srgbClr val="5A536D"/>
+                </a:solidFill>
+              </a:rPr>
+              <a:t>Log messages stored in Table Storage</a:t>
+            </a:r>
+          </a:p>
+          <a:p>
+            <a:pPr marL="800100" lvl="1" indent="-342900">
+              <a:buFont typeface="Symbol" panose="05050102010706020507" pitchFamily="18" charset="2"/>
+              <a:buChar char="-"/>
+            </a:pPr>
+            <a:r>
+              <a:rPr lang="en-US" sz="2000" dirty="0">
+                <a:solidFill>
+                  <a:srgbClr val="5A536D"/>
+                </a:solidFill>
+              </a:rPr>
+              <a:t>Invocation history and log output can be viewed </a:t>
+            </a:r>
+            <a:br>
+              <a:rPr lang="en-US" sz="2000" dirty="0">
+                <a:solidFill>
+                  <a:srgbClr val="5A536D"/>
+                </a:solidFill>
+              </a:rPr>
+            </a:br>
+            <a:r>
+              <a:rPr lang="en-US" sz="2000" dirty="0">
+                <a:solidFill>
+                  <a:srgbClr val="5A536D"/>
+                </a:solidFill>
+              </a:rPr>
+              <a:t>in the Azure Portal for each function</a:t>
+            </a:r>
+          </a:p>
+          <a:p>
+            <a:pPr marL="800100" lvl="1" indent="-342900">
+              <a:buFont typeface="Symbol" panose="05050102010706020507" pitchFamily="18" charset="2"/>
+              <a:buChar char="-"/>
+            </a:pPr>
+            <a:endParaRPr lang="en-US" sz="2000" dirty="0">
+              <a:solidFill>
+                <a:srgbClr val="5A536D"/>
+              </a:solidFill>
+            </a:endParaRPr>
+          </a:p>
+          <a:p>
+            <a:r>
+              <a:rPr lang="en-US" sz="2000" b="1" dirty="0">
+                <a:solidFill>
+                  <a:srgbClr val="5A536D"/>
+                </a:solidFill>
+              </a:rPr>
+              <a:t>Application Insights </a:t>
+            </a:r>
+          </a:p>
+          <a:p>
+            <a:pPr marL="800100" lvl="1" indent="-342900">
+              <a:buFont typeface="Symbol" panose="05050102010706020507" pitchFamily="18" charset="2"/>
+              <a:buChar char="-"/>
+            </a:pPr>
+            <a:r>
+              <a:rPr lang="en-US" sz="2000" dirty="0">
+                <a:solidFill>
+                  <a:srgbClr val="5A536D"/>
+                </a:solidFill>
+              </a:rPr>
+              <a:t>Create an instance of Application Insights </a:t>
+            </a:r>
+          </a:p>
+          <a:p>
+            <a:pPr marL="800100" lvl="1" indent="-342900">
+              <a:buFont typeface="Symbol" panose="05050102010706020507" pitchFamily="18" charset="2"/>
+              <a:buChar char="-"/>
+            </a:pPr>
+            <a:r>
+              <a:rPr lang="en-US" sz="2000" dirty="0">
+                <a:solidFill>
+                  <a:srgbClr val="5A536D"/>
+                </a:solidFill>
+              </a:rPr>
+              <a:t>Get the instrumentation key – </a:t>
+            </a:r>
+            <a:br>
+              <a:rPr lang="en-US" sz="2000" dirty="0">
+                <a:solidFill>
+                  <a:srgbClr val="5A536D"/>
+                </a:solidFill>
+              </a:rPr>
+            </a:br>
+            <a:r>
+              <a:rPr lang="en-US" sz="2000" dirty="0">
+                <a:solidFill>
+                  <a:srgbClr val="5A536D"/>
+                </a:solidFill>
+              </a:rPr>
+              <a:t>APPINSIGHTS_INSTRUMENTATIONKEY</a:t>
+            </a:r>
+          </a:p>
+          <a:p>
+            <a:pPr marL="800100" lvl="1" indent="-342900">
+              <a:buFont typeface="Symbol" panose="05050102010706020507" pitchFamily="18" charset="2"/>
+              <a:buChar char="-"/>
+            </a:pPr>
+            <a:endParaRPr lang="en-US" sz="2000" dirty="0">
+              <a:solidFill>
+                <a:srgbClr val="5A536D"/>
+              </a:solidFill>
+            </a:endParaRPr>
+          </a:p>
+          <a:p>
+            <a:r>
+              <a:rPr lang="en-US" sz="2000" b="1" dirty="0">
+                <a:solidFill>
+                  <a:srgbClr val="5A536D"/>
+                </a:solidFill>
+              </a:rPr>
+              <a:t>Custom Event Logging</a:t>
+            </a:r>
+          </a:p>
+          <a:p>
+            <a:pPr marL="800100" lvl="1" indent="-342900">
+              <a:buFont typeface="Symbol" panose="05050102010706020507" pitchFamily="18" charset="2"/>
+              <a:buChar char="-"/>
+            </a:pPr>
+            <a:r>
+              <a:rPr lang="en-US" sz="2000" dirty="0">
+                <a:solidFill>
+                  <a:srgbClr val="5A536D"/>
+                </a:solidFill>
+              </a:rPr>
+              <a:t>Log a event after each activity inside a </a:t>
+            </a:r>
+            <a:br>
+              <a:rPr lang="en-US" sz="2000" dirty="0">
+                <a:solidFill>
+                  <a:srgbClr val="5A536D"/>
+                </a:solidFill>
+              </a:rPr>
+            </a:br>
+            <a:r>
+              <a:rPr lang="en-US" sz="2000" dirty="0">
+                <a:solidFill>
+                  <a:srgbClr val="5A536D"/>
+                </a:solidFill>
+              </a:rPr>
+              <a:t>SQL Server or other database</a:t>
+            </a:r>
+          </a:p>
+        </p:txBody>
+      </p:sp>
+      <p:pic>
+        <p:nvPicPr>
+          <p:cNvPr id="4" name="Grafik 3">
+            <a:extLst>
+              <a:ext uri="{FF2B5EF4-FFF2-40B4-BE49-F238E27FC236}">
+                <a16:creationId xmlns:a16="http://schemas.microsoft.com/office/drawing/2014/main" id="{1BDD8FC1-B245-4BBF-A717-2519CBC3C906}"/>
+              </a:ext>
+            </a:extLst>
+          </p:cNvPr>
+          <p:cNvPicPr>
+            <a:picLocks noChangeAspect="1"/>
+          </p:cNvPicPr>
+          <p:nvPr/>
+        </p:nvPicPr>
+        <p:blipFill>
+          <a:blip r:embed="rId2">
+            <a:extLst>
+              <a:ext uri="{28A0092B-C50C-407E-A947-70E740481C1C}">
+                <a14:useLocalDpi xmlns:a14="http://schemas.microsoft.com/office/drawing/2010/main" val="0"/>
+              </a:ext>
+            </a:extLst>
+          </a:blip>
+          <a:stretch>
+            <a:fillRect/>
+          </a:stretch>
+        </p:blipFill>
+        <p:spPr>
+          <a:xfrm>
+            <a:off x="838201" y="2476500"/>
+            <a:ext cx="1905000" cy="1905000"/>
+          </a:xfrm>
+          <a:prstGeom prst="rect">
+            <a:avLst/>
+          </a:prstGeom>
+        </p:spPr>
+      </p:pic>
+    </p:spTree>
+    <p:extLst>
+      <p:ext uri="{BB962C8B-B14F-4D97-AF65-F5344CB8AC3E}">
+        <p14:creationId xmlns:p14="http://schemas.microsoft.com/office/powerpoint/2010/main" val="366352895"/>
+      </p:ext>
+    </p:extLst>
+  </p:cSld>
+  <p:clrMapOvr>
+    <a:masterClrMapping/>
+  </p:clrMapOvr>
+</p:sld>
+</file>
+
+<file path=ppt/slides/slide23.xml><?xml version="1.0" encoding="utf-8"?>
+<p:sld xmlns:a="http://schemas.openxmlformats.org/drawingml/2006/main" xmlns:r="http://schemas.openxmlformats.org/officeDocument/2006/relationships" xmlns:p="http://schemas.openxmlformats.org/presentationml/2006/main">
+  <p:cSld>
+    <p:spTree>
+      <p:nvGrpSpPr>
+        <p:cNvPr id="1" name=""/>
+        <p:cNvGrpSpPr/>
+        <p:nvPr/>
+      </p:nvGrpSpPr>
+      <p:grpSpPr>
+        <a:xfrm>
+          <a:off x="0" y="0"/>
+          <a:ext cx="0" cy="0"/>
+          <a:chOff x="0" y="0"/>
+          <a:chExt cx="0" cy="0"/>
+        </a:xfrm>
+      </p:grpSpPr>
+      <p:sp>
+        <p:nvSpPr>
+          <p:cNvPr id="3" name="Textplatzhalter 2">
+            <a:extLst>
+              <a:ext uri="{FF2B5EF4-FFF2-40B4-BE49-F238E27FC236}">
+                <a16:creationId xmlns:a16="http://schemas.microsoft.com/office/drawing/2014/main" id="{57625549-4941-4E12-AA37-2C694939FB57}"/>
+              </a:ext>
+            </a:extLst>
+          </p:cNvPr>
+          <p:cNvSpPr>
+            <a:spLocks noGrp="1"/>
+          </p:cNvSpPr>
+          <p:nvPr>
+            <p:ph type="body" sz="quarter" idx="13"/>
+          </p:nvPr>
+        </p:nvSpPr>
+        <p:spPr/>
+        <p:txBody>
+          <a:bodyPr>
+            <a:normAutofit/>
+          </a:bodyPr>
+          <a:lstStyle/>
+          <a:p>
+            <a:r>
+              <a:rPr lang="en-US" sz="2400" dirty="0"/>
+              <a:t>Benefits of Durable Functions</a:t>
+            </a:r>
+            <a:endParaRPr lang="de-DE" sz="2400" dirty="0"/>
+          </a:p>
+        </p:txBody>
+      </p:sp>
+      <p:pic>
+        <p:nvPicPr>
+          <p:cNvPr id="4" name="Grafik 3">
+            <a:extLst>
+              <a:ext uri="{FF2B5EF4-FFF2-40B4-BE49-F238E27FC236}">
+                <a16:creationId xmlns:a16="http://schemas.microsoft.com/office/drawing/2014/main" id="{F688EBDA-04D3-4F87-8C8E-763AB5547EA2}"/>
+              </a:ext>
+            </a:extLst>
+          </p:cNvPr>
+          <p:cNvPicPr>
+            <a:picLocks noChangeAspect="1"/>
+          </p:cNvPicPr>
+          <p:nvPr/>
+        </p:nvPicPr>
+        <p:blipFill>
+          <a:blip r:embed="rId2">
+            <a:extLst>
+              <a:ext uri="{28A0092B-C50C-407E-A947-70E740481C1C}">
+                <a14:useLocalDpi xmlns:a14="http://schemas.microsoft.com/office/drawing/2010/main" val="0"/>
+              </a:ext>
+            </a:extLst>
+          </a:blip>
+          <a:stretch>
+            <a:fillRect/>
+          </a:stretch>
+        </p:blipFill>
+        <p:spPr>
+          <a:xfrm>
+            <a:off x="838201" y="2476500"/>
+            <a:ext cx="1905000" cy="1905000"/>
+          </a:xfrm>
+          <a:prstGeom prst="rect">
+            <a:avLst/>
+          </a:prstGeom>
+        </p:spPr>
+      </p:pic>
+      <p:cxnSp>
+        <p:nvCxnSpPr>
+          <p:cNvPr id="6" name="Gerader Verbinder 5">
+            <a:extLst>
+              <a:ext uri="{FF2B5EF4-FFF2-40B4-BE49-F238E27FC236}">
+                <a16:creationId xmlns:a16="http://schemas.microsoft.com/office/drawing/2014/main" id="{7EFA8ABD-5F72-4B46-BE3A-27B92D0D2871}"/>
+              </a:ext>
+            </a:extLst>
+          </p:cNvPr>
+          <p:cNvCxnSpPr>
+            <a:cxnSpLocks/>
+          </p:cNvCxnSpPr>
+          <p:nvPr/>
+        </p:nvCxnSpPr>
+        <p:spPr>
+          <a:xfrm>
+            <a:off x="3343788" y="1278517"/>
+            <a:ext cx="0" cy="4585570"/>
+          </a:xfrm>
+          <a:prstGeom prst="line">
+            <a:avLst/>
+          </a:prstGeom>
+          <a:ln w="25400" cap="rnd">
+            <a:solidFill>
+              <a:srgbClr val="3F3658"/>
+            </a:solidFill>
+          </a:ln>
+        </p:spPr>
+        <p:style>
+          <a:lnRef idx="1">
+            <a:schemeClr val="accent1"/>
+          </a:lnRef>
+          <a:fillRef idx="0">
+            <a:schemeClr val="accent1"/>
+          </a:fillRef>
+          <a:effectRef idx="0">
+            <a:schemeClr val="accent1"/>
+          </a:effectRef>
+          <a:fontRef idx="minor">
+            <a:schemeClr val="tx1"/>
+          </a:fontRef>
+        </p:style>
+      </p:cxnSp>
+      <p:sp>
+        <p:nvSpPr>
+          <p:cNvPr id="7" name="Textfeld 6">
+            <a:extLst>
+              <a:ext uri="{FF2B5EF4-FFF2-40B4-BE49-F238E27FC236}">
+                <a16:creationId xmlns:a16="http://schemas.microsoft.com/office/drawing/2014/main" id="{3E5CCA95-BF7A-46E4-9279-89F179D25AE6}"/>
+              </a:ext>
+            </a:extLst>
+          </p:cNvPr>
+          <p:cNvSpPr txBox="1"/>
+          <p:nvPr/>
+        </p:nvSpPr>
+        <p:spPr>
+          <a:xfrm>
+            <a:off x="3882895" y="1481499"/>
+            <a:ext cx="5306261" cy="3808543"/>
+          </a:xfrm>
+          <a:prstGeom prst="rect">
+            <a:avLst/>
+          </a:prstGeom>
+          <a:noFill/>
+        </p:spPr>
+        <p:txBody>
+          <a:bodyPr wrap="none" rtlCol="0">
+            <a:spAutoFit/>
+          </a:bodyPr>
+          <a:lstStyle/>
+          <a:p>
+            <a:pPr marL="342900" indent="-342900">
+              <a:lnSpc>
+                <a:spcPct val="250000"/>
+              </a:lnSpc>
+              <a:buFont typeface="+mj-lt"/>
+              <a:buAutoNum type="arabicPeriod"/>
+            </a:pPr>
+            <a:r>
+              <a:rPr lang="en-US" sz="2000" dirty="0">
+                <a:solidFill>
+                  <a:srgbClr val="5A536D"/>
+                </a:solidFill>
+              </a:rPr>
+              <a:t>Define workflows in code</a:t>
+            </a:r>
+          </a:p>
+          <a:p>
+            <a:pPr marL="342900" indent="-342900">
+              <a:lnSpc>
+                <a:spcPct val="250000"/>
+              </a:lnSpc>
+              <a:buFont typeface="+mj-lt"/>
+              <a:buAutoNum type="arabicPeriod"/>
+            </a:pPr>
+            <a:r>
+              <a:rPr lang="en-US" sz="2000" dirty="0">
+                <a:solidFill>
+                  <a:srgbClr val="5A536D"/>
+                </a:solidFill>
+              </a:rPr>
+              <a:t>Easy to implement complex workflows</a:t>
+            </a:r>
+          </a:p>
+          <a:p>
+            <a:pPr marL="342900" indent="-342900">
+              <a:lnSpc>
+                <a:spcPct val="250000"/>
+              </a:lnSpc>
+              <a:buFont typeface="+mj-lt"/>
+              <a:buAutoNum type="arabicPeriod"/>
+            </a:pPr>
+            <a:r>
+              <a:rPr lang="en-US" sz="2000" dirty="0">
+                <a:solidFill>
+                  <a:srgbClr val="5A536D"/>
+                </a:solidFill>
+              </a:rPr>
+              <a:t>Consolidate exception handling</a:t>
+            </a:r>
+          </a:p>
+          <a:p>
+            <a:pPr marL="342900" indent="-342900">
+              <a:lnSpc>
+                <a:spcPct val="250000"/>
+              </a:lnSpc>
+              <a:buFont typeface="+mj-lt"/>
+              <a:buAutoNum type="arabicPeriod"/>
+            </a:pPr>
+            <a:r>
+              <a:rPr lang="en-US" sz="2000" dirty="0">
+                <a:solidFill>
+                  <a:srgbClr val="5A536D"/>
+                </a:solidFill>
+              </a:rPr>
+              <a:t>Check on progress or cancel workflow</a:t>
+            </a:r>
+          </a:p>
+          <a:p>
+            <a:pPr marL="342900" indent="-342900">
+              <a:lnSpc>
+                <a:spcPct val="250000"/>
+              </a:lnSpc>
+              <a:buFont typeface="+mj-lt"/>
+              <a:buAutoNum type="arabicPeriod"/>
+            </a:pPr>
+            <a:r>
+              <a:rPr lang="en-US" sz="2000" dirty="0">
+                <a:solidFill>
+                  <a:srgbClr val="5A536D"/>
+                </a:solidFill>
+              </a:rPr>
+              <a:t>Manage state for you</a:t>
+            </a:r>
+          </a:p>
+        </p:txBody>
+      </p:sp>
+    </p:spTree>
+    <p:extLst>
+      <p:ext uri="{BB962C8B-B14F-4D97-AF65-F5344CB8AC3E}">
+        <p14:creationId xmlns:p14="http://schemas.microsoft.com/office/powerpoint/2010/main" val="2003423784"/>
+      </p:ext>
+    </p:extLst>
+  </p:cSld>
+  <p:clrMapOvr>
+    <a:masterClrMapping/>
+  </p:clrMapOvr>
+</p:sld>
+</file>
+
+<file path=ppt/slides/slide24.xml><?xml version="1.0" encoding="utf-8"?>
+<p:sld xmlns:a="http://schemas.openxmlformats.org/drawingml/2006/main" xmlns:r="http://schemas.openxmlformats.org/officeDocument/2006/relationships" xmlns:p="http://schemas.openxmlformats.org/presentationml/2006/main">
+  <p:cSld>
+    <p:spTree>
+      <p:nvGrpSpPr>
+        <p:cNvPr id="1" name=""/>
+        <p:cNvGrpSpPr/>
+        <p:nvPr/>
+      </p:nvGrpSpPr>
+      <p:grpSpPr>
+        <a:xfrm>
+          <a:off x="0" y="0"/>
+          <a:ext cx="0" cy="0"/>
+          <a:chOff x="0" y="0"/>
+          <a:chExt cx="0" cy="0"/>
+        </a:xfrm>
+      </p:grpSpPr>
+      <p:sp>
+        <p:nvSpPr>
+          <p:cNvPr id="3" name="Textplatzhalter 2">
+            <a:extLst>
+              <a:ext uri="{FF2B5EF4-FFF2-40B4-BE49-F238E27FC236}">
+                <a16:creationId xmlns:a16="http://schemas.microsoft.com/office/drawing/2014/main" id="{57625549-4941-4E12-AA37-2C694939FB57}"/>
+              </a:ext>
+            </a:extLst>
+          </p:cNvPr>
+          <p:cNvSpPr>
+            <a:spLocks noGrp="1"/>
+          </p:cNvSpPr>
+          <p:nvPr>
+            <p:ph type="body" sz="quarter" idx="13"/>
+          </p:nvPr>
+        </p:nvSpPr>
+        <p:spPr/>
+        <p:txBody>
+          <a:bodyPr>
+            <a:normAutofit/>
+          </a:bodyPr>
+          <a:lstStyle/>
+          <a:p>
+            <a:r>
+              <a:rPr lang="en-US" sz="2400" dirty="0"/>
+              <a:t>Pains of Durable Functions</a:t>
+            </a:r>
+            <a:endParaRPr lang="de-DE" sz="2400" dirty="0"/>
+          </a:p>
+        </p:txBody>
+      </p:sp>
+      <p:cxnSp>
+        <p:nvCxnSpPr>
+          <p:cNvPr id="6" name="Gerader Verbinder 5">
+            <a:extLst>
+              <a:ext uri="{FF2B5EF4-FFF2-40B4-BE49-F238E27FC236}">
+                <a16:creationId xmlns:a16="http://schemas.microsoft.com/office/drawing/2014/main" id="{7EFA8ABD-5F72-4B46-BE3A-27B92D0D2871}"/>
+              </a:ext>
+            </a:extLst>
+          </p:cNvPr>
+          <p:cNvCxnSpPr>
+            <a:cxnSpLocks/>
+          </p:cNvCxnSpPr>
+          <p:nvPr/>
+        </p:nvCxnSpPr>
+        <p:spPr>
+          <a:xfrm>
+            <a:off x="3343788" y="1278517"/>
+            <a:ext cx="0" cy="4585570"/>
+          </a:xfrm>
+          <a:prstGeom prst="line">
+            <a:avLst/>
+          </a:prstGeom>
+          <a:ln w="25400" cap="rnd">
+            <a:solidFill>
+              <a:srgbClr val="3F3658"/>
+            </a:solidFill>
+          </a:ln>
+        </p:spPr>
+        <p:style>
+          <a:lnRef idx="1">
+            <a:schemeClr val="accent1"/>
+          </a:lnRef>
+          <a:fillRef idx="0">
+            <a:schemeClr val="accent1"/>
+          </a:fillRef>
+          <a:effectRef idx="0">
+            <a:schemeClr val="accent1"/>
+          </a:effectRef>
+          <a:fontRef idx="minor">
+            <a:schemeClr val="tx1"/>
+          </a:fontRef>
+        </p:style>
+      </p:cxnSp>
+      <p:sp>
+        <p:nvSpPr>
+          <p:cNvPr id="7" name="Textfeld 6">
+            <a:extLst>
+              <a:ext uri="{FF2B5EF4-FFF2-40B4-BE49-F238E27FC236}">
+                <a16:creationId xmlns:a16="http://schemas.microsoft.com/office/drawing/2014/main" id="{3E5CCA95-BF7A-46E4-9279-89F179D25AE6}"/>
+              </a:ext>
+            </a:extLst>
+          </p:cNvPr>
+          <p:cNvSpPr txBox="1"/>
+          <p:nvPr/>
+        </p:nvSpPr>
+        <p:spPr>
+          <a:xfrm>
             <a:off x="3882895" y="1667030"/>
             <a:ext cx="7553671" cy="3808543"/>
           </a:xfrm>
@@ -11537,6 +11990,204 @@
     <p:extLst>
       <p:ext uri="{BB962C8B-B14F-4D97-AF65-F5344CB8AC3E}">
         <p14:creationId xmlns:p14="http://schemas.microsoft.com/office/powerpoint/2010/main" val="3153771318"/>
+      </p:ext>
+    </p:extLst>
+  </p:cSld>
+  <p:clrMapOvr>
+    <a:masterClrMapping/>
+  </p:clrMapOvr>
+</p:sld>
+</file>
+
+<file path=ppt/slides/slide25.xml><?xml version="1.0" encoding="utf-8"?>
+<p:sld xmlns:a="http://schemas.openxmlformats.org/drawingml/2006/main" xmlns:r="http://schemas.openxmlformats.org/officeDocument/2006/relationships" xmlns:p="http://schemas.openxmlformats.org/presentationml/2006/main">
+  <p:cSld>
+    <p:spTree>
+      <p:nvGrpSpPr>
+        <p:cNvPr id="1" name=""/>
+        <p:cNvGrpSpPr/>
+        <p:nvPr/>
+      </p:nvGrpSpPr>
+      <p:grpSpPr>
+        <a:xfrm>
+          <a:off x="0" y="0"/>
+          <a:ext cx="0" cy="0"/>
+          <a:chOff x="0" y="0"/>
+          <a:chExt cx="0" cy="0"/>
+        </a:xfrm>
+      </p:grpSpPr>
+      <p:sp>
+        <p:nvSpPr>
+          <p:cNvPr id="3" name="Textplatzhalter 2">
+            <a:extLst>
+              <a:ext uri="{FF2B5EF4-FFF2-40B4-BE49-F238E27FC236}">
+                <a16:creationId xmlns:a16="http://schemas.microsoft.com/office/drawing/2014/main" id="{57625549-4941-4E12-AA37-2C694939FB57}"/>
+              </a:ext>
+            </a:extLst>
+          </p:cNvPr>
+          <p:cNvSpPr>
+            <a:spLocks noGrp="1"/>
+          </p:cNvSpPr>
+          <p:nvPr>
+            <p:ph type="body" sz="quarter" idx="13"/>
+          </p:nvPr>
+        </p:nvSpPr>
+        <p:spPr/>
+        <p:txBody>
+          <a:bodyPr>
+            <a:normAutofit/>
+          </a:bodyPr>
+          <a:lstStyle/>
+          <a:p>
+            <a:r>
+              <a:rPr lang="en-US" sz="2400" dirty="0"/>
+              <a:t>What's coming?</a:t>
+            </a:r>
+            <a:endParaRPr lang="de-DE" sz="2400" dirty="0"/>
+          </a:p>
+        </p:txBody>
+      </p:sp>
+      <p:cxnSp>
+        <p:nvCxnSpPr>
+          <p:cNvPr id="6" name="Gerader Verbinder 5">
+            <a:extLst>
+              <a:ext uri="{FF2B5EF4-FFF2-40B4-BE49-F238E27FC236}">
+                <a16:creationId xmlns:a16="http://schemas.microsoft.com/office/drawing/2014/main" id="{7EFA8ABD-5F72-4B46-BE3A-27B92D0D2871}"/>
+              </a:ext>
+            </a:extLst>
+          </p:cNvPr>
+          <p:cNvCxnSpPr>
+            <a:cxnSpLocks/>
+          </p:cNvCxnSpPr>
+          <p:nvPr/>
+        </p:nvCxnSpPr>
+        <p:spPr>
+          <a:xfrm>
+            <a:off x="3343788" y="1278517"/>
+            <a:ext cx="0" cy="4585570"/>
+          </a:xfrm>
+          <a:prstGeom prst="line">
+            <a:avLst/>
+          </a:prstGeom>
+          <a:ln w="25400" cap="rnd">
+            <a:solidFill>
+              <a:srgbClr val="3F3658"/>
+            </a:solidFill>
+          </a:ln>
+        </p:spPr>
+        <p:style>
+          <a:lnRef idx="1">
+            <a:schemeClr val="accent1"/>
+          </a:lnRef>
+          <a:fillRef idx="0">
+            <a:schemeClr val="accent1"/>
+          </a:fillRef>
+          <a:effectRef idx="0">
+            <a:schemeClr val="accent1"/>
+          </a:effectRef>
+          <a:fontRef idx="minor">
+            <a:schemeClr val="tx1"/>
+          </a:fontRef>
+        </p:style>
+      </p:cxnSp>
+      <p:sp>
+        <p:nvSpPr>
+          <p:cNvPr id="7" name="Textfeld 6">
+            <a:extLst>
+              <a:ext uri="{FF2B5EF4-FFF2-40B4-BE49-F238E27FC236}">
+                <a16:creationId xmlns:a16="http://schemas.microsoft.com/office/drawing/2014/main" id="{3E5CCA95-BF7A-46E4-9279-89F179D25AE6}"/>
+              </a:ext>
+            </a:extLst>
+          </p:cNvPr>
+          <p:cNvSpPr txBox="1"/>
+          <p:nvPr/>
+        </p:nvSpPr>
+        <p:spPr>
+          <a:xfrm>
+            <a:off x="3882895" y="1667030"/>
+            <a:ext cx="1032655" cy="1038554"/>
+          </a:xfrm>
+          <a:prstGeom prst="rect">
+            <a:avLst/>
+          </a:prstGeom>
+          <a:noFill/>
+        </p:spPr>
+        <p:txBody>
+          <a:bodyPr wrap="none" rtlCol="0">
+            <a:spAutoFit/>
+          </a:bodyPr>
+          <a:lstStyle/>
+          <a:p>
+            <a:r>
+              <a:rPr lang="en-US" sz="2000" dirty="0" err="1">
+                <a:solidFill>
+                  <a:srgbClr val="5A536D"/>
+                </a:solidFill>
+              </a:rPr>
+              <a:t>gdfgsd</a:t>
+            </a:r>
+            <a:endParaRPr lang="en-US" sz="2000" dirty="0">
+              <a:solidFill>
+                <a:srgbClr val="5A536D"/>
+              </a:solidFill>
+            </a:endParaRPr>
+          </a:p>
+          <a:p>
+            <a:pPr marL="342900" indent="-342900">
+              <a:lnSpc>
+                <a:spcPct val="250000"/>
+              </a:lnSpc>
+              <a:buFont typeface="+mj-lt"/>
+              <a:buAutoNum type="arabicPeriod"/>
+            </a:pPr>
+            <a:endParaRPr lang="en-US" sz="2000" dirty="0">
+              <a:solidFill>
+                <a:srgbClr val="5A536D"/>
+              </a:solidFill>
+            </a:endParaRPr>
+          </a:p>
+        </p:txBody>
+      </p:sp>
+      <p:pic>
+        <p:nvPicPr>
+          <p:cNvPr id="11" name="Grafik 10">
+            <a:extLst>
+              <a:ext uri="{FF2B5EF4-FFF2-40B4-BE49-F238E27FC236}">
+                <a16:creationId xmlns:a16="http://schemas.microsoft.com/office/drawing/2014/main" id="{8AEEEC2A-2713-4397-AC5E-4423CFEA55A1}"/>
+              </a:ext>
+            </a:extLst>
+          </p:cNvPr>
+          <p:cNvPicPr>
+            <a:picLocks noChangeAspect="1"/>
+          </p:cNvPicPr>
+          <p:nvPr/>
+        </p:nvPicPr>
+        <p:blipFill>
+          <a:blip r:embed="rId2">
+            <a:extLst>
+              <a:ext uri="{28A0092B-C50C-407E-A947-70E740481C1C}">
+                <a14:useLocalDpi xmlns:a14="http://schemas.microsoft.com/office/drawing/2010/main" val="0"/>
+              </a:ext>
+            </a:extLst>
+          </a:blip>
+          <a:stretch>
+            <a:fillRect/>
+          </a:stretch>
+        </p:blipFill>
+        <p:spPr>
+          <a:xfrm>
+            <a:off x="838201" y="2690605"/>
+            <a:ext cx="1476790" cy="1476790"/>
+          </a:xfrm>
+          <a:prstGeom prst="rect">
+            <a:avLst/>
+          </a:prstGeom>
+        </p:spPr>
+      </p:pic>
+    </p:spTree>
+    <p:extLst>
+      <p:ext uri="{BB962C8B-B14F-4D97-AF65-F5344CB8AC3E}">
+        <p14:creationId xmlns:p14="http://schemas.microsoft.com/office/powerpoint/2010/main" val="2413943835"/>
       </p:ext>
     </p:extLst>
   </p:cSld>
@@ -15179,18 +15830,247 @@
           <a:p>
             <a:r>
               <a:rPr lang="en-US" sz="2400" dirty="0"/>
-              <a:t>Azure Functions</a:t>
+              <a:t>AppService Plan vs. Consumption Plan</a:t>
             </a:r>
             <a:endParaRPr lang="de-DE" sz="2400" dirty="0"/>
           </a:p>
         </p:txBody>
       </p:sp>
+      <p:grpSp>
+        <p:nvGrpSpPr>
+          <p:cNvPr id="15" name="Gruppieren 14">
+            <a:extLst>
+              <a:ext uri="{FF2B5EF4-FFF2-40B4-BE49-F238E27FC236}">
+                <a16:creationId xmlns:a16="http://schemas.microsoft.com/office/drawing/2014/main" id="{EDCC823F-E036-4E55-B363-FBCADCBBD42D}"/>
+              </a:ext>
+            </a:extLst>
+          </p:cNvPr>
+          <p:cNvGrpSpPr/>
+          <p:nvPr/>
+        </p:nvGrpSpPr>
+        <p:grpSpPr>
+          <a:xfrm>
+            <a:off x="1588088" y="1197277"/>
+            <a:ext cx="1517370" cy="1358605"/>
+            <a:chOff x="1956352" y="1098273"/>
+            <a:chExt cx="2153479" cy="1905000"/>
+          </a:xfrm>
+        </p:grpSpPr>
+        <p:pic>
+          <p:nvPicPr>
+            <p:cNvPr id="8" name="Grafik 7">
+              <a:extLst>
+                <a:ext uri="{FF2B5EF4-FFF2-40B4-BE49-F238E27FC236}">
+                  <a16:creationId xmlns:a16="http://schemas.microsoft.com/office/drawing/2014/main" id="{66A43D63-E292-4037-A2C5-B502BCE5D950}"/>
+                </a:ext>
+              </a:extLst>
+            </p:cNvPr>
+            <p:cNvPicPr>
+              <a:picLocks noChangeAspect="1"/>
+            </p:cNvPicPr>
+            <p:nvPr/>
+          </p:nvPicPr>
+          <p:blipFill>
+            <a:blip r:embed="rId2">
+              <a:extLst>
+                <a:ext uri="{28A0092B-C50C-407E-A947-70E740481C1C}">
+                  <a14:useLocalDpi xmlns:a14="http://schemas.microsoft.com/office/drawing/2010/main" val="0"/>
+                </a:ext>
+              </a:extLst>
+            </a:blip>
+            <a:stretch>
+              <a:fillRect/>
+            </a:stretch>
+          </p:blipFill>
+          <p:spPr>
+            <a:xfrm>
+              <a:off x="1956352" y="1098273"/>
+              <a:ext cx="1905000" cy="1905000"/>
+            </a:xfrm>
+            <a:prstGeom prst="rect">
+              <a:avLst/>
+            </a:prstGeom>
+          </p:spPr>
+        </p:pic>
+        <p:pic>
+          <p:nvPicPr>
+            <p:cNvPr id="6" name="Grafik 5">
+              <a:extLst>
+                <a:ext uri="{FF2B5EF4-FFF2-40B4-BE49-F238E27FC236}">
+                  <a16:creationId xmlns:a16="http://schemas.microsoft.com/office/drawing/2014/main" id="{E31D2501-A43D-41D8-B66E-D43A94EB8428}"/>
+                </a:ext>
+              </a:extLst>
+            </p:cNvPr>
+            <p:cNvPicPr>
+              <a:picLocks noChangeAspect="1"/>
+            </p:cNvPicPr>
+            <p:nvPr/>
+          </p:nvPicPr>
+          <p:blipFill>
+            <a:blip r:embed="rId3">
+              <a:extLst>
+                <a:ext uri="{28A0092B-C50C-407E-A947-70E740481C1C}">
+                  <a14:useLocalDpi xmlns:a14="http://schemas.microsoft.com/office/drawing/2010/main" val="0"/>
+                </a:ext>
+              </a:extLst>
+            </a:blip>
+            <a:stretch>
+              <a:fillRect/>
+            </a:stretch>
+          </p:blipFill>
+          <p:spPr>
+            <a:xfrm>
+              <a:off x="2983397" y="1876839"/>
+              <a:ext cx="1126434" cy="1126434"/>
+            </a:xfrm>
+            <a:prstGeom prst="rect">
+              <a:avLst/>
+            </a:prstGeom>
+          </p:spPr>
+        </p:pic>
+      </p:grpSp>
+      <p:grpSp>
+        <p:nvGrpSpPr>
+          <p:cNvPr id="13" name="Gruppieren 12">
+            <a:extLst>
+              <a:ext uri="{FF2B5EF4-FFF2-40B4-BE49-F238E27FC236}">
+                <a16:creationId xmlns:a16="http://schemas.microsoft.com/office/drawing/2014/main" id="{4D0F5968-84F3-46E7-BD04-9B156568F9EF}"/>
+              </a:ext>
+            </a:extLst>
+          </p:cNvPr>
+          <p:cNvGrpSpPr/>
+          <p:nvPr/>
+        </p:nvGrpSpPr>
+        <p:grpSpPr>
+          <a:xfrm>
+            <a:off x="6956346" y="1031881"/>
+            <a:ext cx="1517370" cy="1524001"/>
+            <a:chOff x="7414594" y="924339"/>
+            <a:chExt cx="1905000" cy="2136914"/>
+          </a:xfrm>
+        </p:grpSpPr>
+        <p:pic>
+          <p:nvPicPr>
+            <p:cNvPr id="11" name="Grafik 10">
+              <a:extLst>
+                <a:ext uri="{FF2B5EF4-FFF2-40B4-BE49-F238E27FC236}">
+                  <a16:creationId xmlns:a16="http://schemas.microsoft.com/office/drawing/2014/main" id="{52F1573C-4A0E-4DA3-A2A3-092EF2F421E1}"/>
+                </a:ext>
+              </a:extLst>
+            </p:cNvPr>
+            <p:cNvPicPr>
+              <a:picLocks noChangeAspect="1"/>
+            </p:cNvPicPr>
+            <p:nvPr/>
+          </p:nvPicPr>
+          <p:blipFill>
+            <a:blip r:embed="rId4">
+              <a:extLst>
+                <a:ext uri="{28A0092B-C50C-407E-A947-70E740481C1C}">
+                  <a14:useLocalDpi xmlns:a14="http://schemas.microsoft.com/office/drawing/2010/main" val="0"/>
+                </a:ext>
+              </a:extLst>
+            </a:blip>
+            <a:stretch>
+              <a:fillRect/>
+            </a:stretch>
+          </p:blipFill>
+          <p:spPr>
+            <a:xfrm>
+              <a:off x="7414594" y="924339"/>
+              <a:ext cx="1905000" cy="1905000"/>
+            </a:xfrm>
+            <a:prstGeom prst="rect">
+              <a:avLst/>
+            </a:prstGeom>
+          </p:spPr>
+        </p:pic>
+        <p:pic>
+          <p:nvPicPr>
+            <p:cNvPr id="32" name="Grafik 31">
+              <a:extLst>
+                <a:ext uri="{FF2B5EF4-FFF2-40B4-BE49-F238E27FC236}">
+                  <a16:creationId xmlns:a16="http://schemas.microsoft.com/office/drawing/2014/main" id="{D0251BA6-E605-4767-923D-F145ED09F59D}"/>
+                </a:ext>
+              </a:extLst>
+            </p:cNvPr>
+            <p:cNvPicPr>
+              <a:picLocks noChangeAspect="1"/>
+            </p:cNvPicPr>
+            <p:nvPr/>
+          </p:nvPicPr>
+          <p:blipFill>
+            <a:blip r:embed="rId3">
+              <a:extLst>
+                <a:ext uri="{28A0092B-C50C-407E-A947-70E740481C1C}">
+                  <a14:useLocalDpi xmlns:a14="http://schemas.microsoft.com/office/drawing/2010/main" val="0"/>
+                </a:ext>
+              </a:extLst>
+            </a:blip>
+            <a:stretch>
+              <a:fillRect/>
+            </a:stretch>
+          </p:blipFill>
+          <p:spPr>
+            <a:xfrm>
+              <a:off x="8118615" y="1934819"/>
+              <a:ext cx="1126434" cy="1126434"/>
+            </a:xfrm>
+            <a:prstGeom prst="rect">
+              <a:avLst/>
+            </a:prstGeom>
+          </p:spPr>
+        </p:pic>
+      </p:grpSp>
+      <p:cxnSp>
+        <p:nvCxnSpPr>
+          <p:cNvPr id="33" name="Gerader Verbinder 32">
+            <a:extLst>
+              <a:ext uri="{FF2B5EF4-FFF2-40B4-BE49-F238E27FC236}">
+                <a16:creationId xmlns:a16="http://schemas.microsoft.com/office/drawing/2014/main" id="{EB9CF57D-92D5-4D3C-89AD-F0CED551AC14}"/>
+              </a:ext>
+            </a:extLst>
+          </p:cNvPr>
+          <p:cNvCxnSpPr>
+            <a:cxnSpLocks/>
+          </p:cNvCxnSpPr>
+          <p:nvPr/>
+        </p:nvCxnSpPr>
+        <p:spPr>
+          <a:xfrm>
+            <a:off x="5947839" y="2471213"/>
+            <a:ext cx="0" cy="3538648"/>
+          </a:xfrm>
+          <a:prstGeom prst="line">
+            <a:avLst/>
+          </a:prstGeom>
+          <a:ln w="25400" cap="rnd">
+            <a:solidFill>
+              <a:srgbClr val="3F3658"/>
+            </a:solidFill>
+          </a:ln>
+        </p:spPr>
+        <p:style>
+          <a:lnRef idx="1">
+            <a:schemeClr val="accent1"/>
+          </a:lnRef>
+          <a:fillRef idx="0">
+            <a:schemeClr val="accent1"/>
+          </a:fillRef>
+          <a:effectRef idx="0">
+            <a:schemeClr val="accent1"/>
+          </a:effectRef>
+          <a:fontRef idx="minor">
+            <a:schemeClr val="tx1"/>
+          </a:fontRef>
+        </p:style>
+      </p:cxnSp>
       <p:sp>
         <p:nvSpPr>
-          <p:cNvPr id="25" name="Textfeld 24">
-            <a:extLst>
-              <a:ext uri="{FF2B5EF4-FFF2-40B4-BE49-F238E27FC236}">
-                <a16:creationId xmlns:a16="http://schemas.microsoft.com/office/drawing/2014/main" id="{BFE2375B-1562-4961-9873-23936DB1493A}"/>
+          <p:cNvPr id="16" name="Textfeld 15">
+            <a:extLst>
+              <a:ext uri="{FF2B5EF4-FFF2-40B4-BE49-F238E27FC236}">
+                <a16:creationId xmlns:a16="http://schemas.microsoft.com/office/drawing/2014/main" id="{42FD6D48-EC3E-4F3D-A3AE-B5B8E15408E9}"/>
               </a:ext>
             </a:extLst>
           </p:cNvPr>
@@ -15199,8 +16079,8 @@
         </p:nvSpPr>
         <p:spPr>
           <a:xfrm>
-            <a:off x="3783495" y="2980155"/>
-            <a:ext cx="5368777" cy="369332"/>
+            <a:off x="8298634" y="1552479"/>
+            <a:ext cx="2440092" cy="400110"/>
           </a:xfrm>
           <a:prstGeom prst="rect">
             <a:avLst/>
@@ -15214,42 +16094,382 @@
           <a:lstStyle/>
           <a:p>
             <a:r>
-              <a:rPr lang="en-US" dirty="0"/>
-              <a:t>@Thomas: Kannst du </a:t>
-            </a:r>
-            <a:r>
-              <a:rPr lang="en-US" dirty="0" err="1"/>
-              <a:t>dir</a:t>
-            </a:r>
-            <a:r>
-              <a:rPr lang="en-US" dirty="0"/>
-              <a:t> das </a:t>
-            </a:r>
-            <a:r>
-              <a:rPr lang="en-US" dirty="0" err="1"/>
-              <a:t>hier</a:t>
-            </a:r>
-            <a:r>
-              <a:rPr lang="en-US" dirty="0"/>
-              <a:t> </a:t>
-            </a:r>
-            <a:r>
-              <a:rPr lang="en-US" dirty="0" err="1"/>
-              <a:t>zurecht</a:t>
-            </a:r>
-            <a:r>
-              <a:rPr lang="en-US" dirty="0"/>
-              <a:t> </a:t>
-            </a:r>
-            <a:r>
-              <a:rPr lang="en-US" dirty="0" err="1"/>
-              <a:t>bauen</a:t>
-            </a:r>
-            <a:r>
-              <a:rPr lang="en-US" dirty="0"/>
-              <a:t>?</a:t>
-            </a:r>
-            <a:endParaRPr lang="de-DE" dirty="0"/>
+              <a:rPr lang="en-US" sz="2000" dirty="0"/>
+              <a:t>Consumption Plan</a:t>
+            </a:r>
+            <a:endParaRPr lang="de-DE" sz="2000" dirty="0"/>
+          </a:p>
+        </p:txBody>
+      </p:sp>
+      <p:sp>
+        <p:nvSpPr>
+          <p:cNvPr id="40" name="Textfeld 39">
+            <a:extLst>
+              <a:ext uri="{FF2B5EF4-FFF2-40B4-BE49-F238E27FC236}">
+                <a16:creationId xmlns:a16="http://schemas.microsoft.com/office/drawing/2014/main" id="{12E0BC03-794D-4045-9E74-CD3EEC19BC12}"/>
+              </a:ext>
+            </a:extLst>
+          </p:cNvPr>
+          <p:cNvSpPr txBox="1"/>
+          <p:nvPr/>
+        </p:nvSpPr>
+        <p:spPr>
+          <a:xfrm>
+            <a:off x="2766090" y="1511128"/>
+            <a:ext cx="2140330" cy="400110"/>
+          </a:xfrm>
+          <a:prstGeom prst="rect">
+            <a:avLst/>
+          </a:prstGeom>
+          <a:noFill/>
+        </p:spPr>
+        <p:txBody>
+          <a:bodyPr wrap="none" rtlCol="0">
+            <a:spAutoFit/>
+          </a:bodyPr>
+          <a:lstStyle/>
+          <a:p>
+            <a:r>
+              <a:rPr lang="en-US" sz="2000" dirty="0"/>
+              <a:t>AppService Plan</a:t>
+            </a:r>
+            <a:endParaRPr lang="de-DE" sz="2000" dirty="0"/>
+          </a:p>
+        </p:txBody>
+      </p:sp>
+      <p:sp>
+        <p:nvSpPr>
+          <p:cNvPr id="19" name="Textfeld 18">
+            <a:extLst>
+              <a:ext uri="{FF2B5EF4-FFF2-40B4-BE49-F238E27FC236}">
+                <a16:creationId xmlns:a16="http://schemas.microsoft.com/office/drawing/2014/main" id="{9ABD12CA-8464-44CF-B361-4605C908CD5B}"/>
+              </a:ext>
+            </a:extLst>
+          </p:cNvPr>
+          <p:cNvSpPr txBox="1"/>
+          <p:nvPr/>
+        </p:nvSpPr>
+        <p:spPr>
+          <a:xfrm>
+            <a:off x="6491889" y="2842591"/>
+            <a:ext cx="3613490" cy="1754326"/>
+          </a:xfrm>
+          <a:prstGeom prst="rect">
+            <a:avLst/>
+          </a:prstGeom>
+          <a:noFill/>
+        </p:spPr>
+        <p:txBody>
+          <a:bodyPr wrap="none" rtlCol="0">
+            <a:spAutoFit/>
+          </a:bodyPr>
+          <a:lstStyle/>
+          <a:p>
+            <a:r>
+              <a:rPr lang="en-US" b="1" dirty="0">
+                <a:solidFill>
+                  <a:srgbClr val="5A536D"/>
+                </a:solidFill>
+              </a:rPr>
+              <a:t>Billing Model </a:t>
+            </a:r>
+          </a:p>
+          <a:p>
+            <a:pPr marL="742950" lvl="1" indent="-285750">
+              <a:buFont typeface="Symbol" panose="05050102010706020507" pitchFamily="18" charset="2"/>
+              <a:buChar char="-"/>
+            </a:pPr>
+            <a:r>
+              <a:rPr lang="en-US" dirty="0">
+                <a:solidFill>
+                  <a:srgbClr val="5A536D"/>
+                </a:solidFill>
+              </a:rPr>
+              <a:t>Number of executions </a:t>
+            </a:r>
+          </a:p>
+          <a:p>
+            <a:pPr marL="742950" lvl="1" indent="-285750">
+              <a:buFont typeface="Symbol" panose="05050102010706020507" pitchFamily="18" charset="2"/>
+              <a:buChar char="-"/>
+            </a:pPr>
+            <a:r>
+              <a:rPr lang="en-US" dirty="0">
+                <a:solidFill>
+                  <a:srgbClr val="5A536D"/>
+                </a:solidFill>
+              </a:rPr>
+              <a:t>CPU Time (s) x RAM (GB) </a:t>
+            </a:r>
+          </a:p>
+          <a:p>
+            <a:r>
+              <a:rPr lang="en-US" b="1" dirty="0">
+                <a:solidFill>
+                  <a:srgbClr val="5A536D"/>
+                </a:solidFill>
+              </a:rPr>
+              <a:t>Free monthly grant </a:t>
+            </a:r>
+          </a:p>
+          <a:p>
+            <a:pPr marL="742950" lvl="1" indent="-285750">
+              <a:buFont typeface="Symbol" panose="05050102010706020507" pitchFamily="18" charset="2"/>
+              <a:buChar char="-"/>
+            </a:pPr>
+            <a:r>
+              <a:rPr lang="en-US" dirty="0">
+                <a:solidFill>
+                  <a:srgbClr val="5A536D"/>
+                </a:solidFill>
+              </a:rPr>
+              <a:t>1,000,000 executions </a:t>
+            </a:r>
+          </a:p>
+          <a:p>
+            <a:pPr marL="742950" lvl="1" indent="-285750">
+              <a:buFont typeface="Symbol" panose="05050102010706020507" pitchFamily="18" charset="2"/>
+              <a:buChar char="-"/>
+            </a:pPr>
+            <a:r>
+              <a:rPr lang="en-US" dirty="0">
+                <a:solidFill>
+                  <a:srgbClr val="5A536D"/>
+                </a:solidFill>
+              </a:rPr>
+              <a:t>400,000 GB-s</a:t>
+            </a:r>
+            <a:endParaRPr lang="de-DE" dirty="0">
+              <a:solidFill>
+                <a:srgbClr val="5A536D"/>
+              </a:solidFill>
+            </a:endParaRPr>
+          </a:p>
+        </p:txBody>
+      </p:sp>
+      <p:sp>
+        <p:nvSpPr>
+          <p:cNvPr id="42" name="Textfeld 41">
+            <a:extLst>
+              <a:ext uri="{FF2B5EF4-FFF2-40B4-BE49-F238E27FC236}">
+                <a16:creationId xmlns:a16="http://schemas.microsoft.com/office/drawing/2014/main" id="{12569FEA-4B6F-415C-8803-3A36D5A4184F}"/>
+              </a:ext>
+            </a:extLst>
+          </p:cNvPr>
+          <p:cNvSpPr txBox="1"/>
+          <p:nvPr/>
+        </p:nvSpPr>
+        <p:spPr>
+          <a:xfrm>
+            <a:off x="1370945" y="2842591"/>
+            <a:ext cx="4473259" cy="2585323"/>
+          </a:xfrm>
+          <a:prstGeom prst="rect">
+            <a:avLst/>
+          </a:prstGeom>
+          <a:noFill/>
+        </p:spPr>
+        <p:txBody>
+          <a:bodyPr wrap="square" rtlCol="0">
+            <a:spAutoFit/>
+          </a:bodyPr>
+          <a:lstStyle/>
+          <a:p>
+            <a:r>
+              <a:rPr lang="en-US" b="1" dirty="0">
+                <a:solidFill>
+                  <a:srgbClr val="5A536D"/>
+                </a:solidFill>
+              </a:rPr>
+              <a:t>Regular App Service Plan </a:t>
+            </a:r>
+          </a:p>
+          <a:p>
+            <a:pPr marL="742950" lvl="1" indent="-285750">
+              <a:buFont typeface="Symbol" panose="05050102010706020507" pitchFamily="18" charset="2"/>
+              <a:buChar char="-"/>
+            </a:pPr>
+            <a:r>
+              <a:rPr lang="en-US" dirty="0">
+                <a:solidFill>
+                  <a:srgbClr val="5A536D"/>
+                </a:solidFill>
+              </a:rPr>
+              <a:t>Pay for dedicated servers </a:t>
+            </a:r>
+          </a:p>
+          <a:p>
+            <a:pPr marL="742950" lvl="1" indent="-285750">
+              <a:buFont typeface="Symbol" panose="05050102010706020507" pitchFamily="18" charset="2"/>
+              <a:buChar char="-"/>
+            </a:pPr>
+            <a:r>
+              <a:rPr lang="en-US" dirty="0">
+                <a:solidFill>
+                  <a:srgbClr val="5A536D"/>
+                </a:solidFill>
+              </a:rPr>
+              <a:t>Predictable monthly cost </a:t>
+            </a:r>
+          </a:p>
+          <a:p>
+            <a:pPr marL="742950" lvl="1" indent="-285750">
+              <a:buFont typeface="Symbol" panose="05050102010706020507" pitchFamily="18" charset="2"/>
+              <a:buChar char="-"/>
+            </a:pPr>
+            <a:r>
+              <a:rPr lang="en-US" dirty="0">
+                <a:solidFill>
+                  <a:srgbClr val="5A536D"/>
+                </a:solidFill>
+              </a:rPr>
+              <a:t>Several pricing tiers </a:t>
+            </a:r>
+          </a:p>
+          <a:p>
+            <a:pPr marL="742950" lvl="1" indent="-285750">
+              <a:buFont typeface="Symbol" panose="05050102010706020507" pitchFamily="18" charset="2"/>
+              <a:buChar char="-"/>
+            </a:pPr>
+            <a:r>
+              <a:rPr lang="en-US" dirty="0">
+                <a:solidFill>
+                  <a:srgbClr val="5A536D"/>
+                </a:solidFill>
+              </a:rPr>
+              <a:t>No function duration constraints </a:t>
+            </a:r>
+          </a:p>
+          <a:p>
+            <a:r>
+              <a:rPr lang="en-US" b="1" dirty="0">
+                <a:solidFill>
+                  <a:srgbClr val="5A536D"/>
+                </a:solidFill>
+              </a:rPr>
+              <a:t>Azure Functions premium plan </a:t>
+            </a:r>
+          </a:p>
+          <a:p>
+            <a:pPr marL="742950" lvl="1" indent="-285750">
+              <a:buFont typeface="Symbol" panose="05050102010706020507" pitchFamily="18" charset="2"/>
+              <a:buChar char="-"/>
+            </a:pPr>
+            <a:r>
+              <a:rPr lang="en-US" dirty="0" err="1">
+                <a:solidFill>
+                  <a:srgbClr val="5A536D"/>
+                </a:solidFill>
+              </a:rPr>
+              <a:t>VNet</a:t>
+            </a:r>
+            <a:r>
+              <a:rPr lang="en-US" dirty="0">
+                <a:solidFill>
+                  <a:srgbClr val="5A536D"/>
+                </a:solidFill>
+              </a:rPr>
+              <a:t> connectivity </a:t>
+            </a:r>
+          </a:p>
+          <a:p>
+            <a:pPr marL="742950" lvl="1" indent="-285750">
+              <a:buFont typeface="Symbol" panose="05050102010706020507" pitchFamily="18" charset="2"/>
+              <a:buChar char="-"/>
+            </a:pPr>
+            <a:r>
+              <a:rPr lang="en-US" dirty="0">
+                <a:solidFill>
+                  <a:srgbClr val="5A536D"/>
+                </a:solidFill>
+              </a:rPr>
+              <a:t>Improved performance </a:t>
+            </a:r>
+          </a:p>
+          <a:p>
+            <a:pPr marL="742950" lvl="1" indent="-285750">
+              <a:buFont typeface="Symbol" panose="05050102010706020507" pitchFamily="18" charset="2"/>
+              <a:buChar char="-"/>
+            </a:pPr>
+            <a:r>
+              <a:rPr lang="en-US" dirty="0">
+                <a:solidFill>
+                  <a:srgbClr val="5A536D"/>
+                </a:solidFill>
+              </a:rPr>
+              <a:t>Set min and max instances</a:t>
+            </a:r>
+            <a:endParaRPr lang="de-DE" dirty="0">
+              <a:solidFill>
+                <a:srgbClr val="5A536D"/>
+              </a:solidFill>
+            </a:endParaRPr>
+          </a:p>
+        </p:txBody>
+      </p:sp>
+      <p:sp>
+        <p:nvSpPr>
+          <p:cNvPr id="43" name="Flussdiagramm: Daten 42">
+            <a:extLst>
+              <a:ext uri="{FF2B5EF4-FFF2-40B4-BE49-F238E27FC236}">
+                <a16:creationId xmlns:a16="http://schemas.microsoft.com/office/drawing/2014/main" id="{36F8A0FF-C5BA-4B3E-AF5C-54E56F2A6282}"/>
+              </a:ext>
+            </a:extLst>
+          </p:cNvPr>
+          <p:cNvSpPr/>
+          <p:nvPr/>
+        </p:nvSpPr>
+        <p:spPr>
+          <a:xfrm rot="2639563">
+            <a:off x="4491170" y="4834258"/>
+            <a:ext cx="1382190" cy="252947"/>
+          </a:xfrm>
+          <a:prstGeom prst="flowChartInputOutput">
+            <a:avLst/>
+          </a:prstGeom>
+          <a:solidFill>
+            <a:srgbClr val="FFC000"/>
+          </a:solidFill>
+          <a:ln>
+            <a:solidFill>
+              <a:srgbClr val="FFC000"/>
+            </a:solidFill>
+          </a:ln>
+        </p:spPr>
+        <p:style>
+          <a:lnRef idx="2">
+            <a:schemeClr val="accent1">
+              <a:shade val="50000"/>
+            </a:schemeClr>
+          </a:lnRef>
+          <a:fillRef idx="1">
+            <a:schemeClr val="accent1"/>
+          </a:fillRef>
+          <a:effectRef idx="0">
+            <a:schemeClr val="accent1"/>
+          </a:effectRef>
+          <a:fontRef idx="minor">
+            <a:schemeClr val="lt1"/>
+          </a:fontRef>
+        </p:style>
+        <p:txBody>
+          <a:bodyPr rtlCol="0" anchor="ctr"/>
+          <a:lstStyle/>
+          <a:p>
+            <a:pPr algn="ctr"/>
+            <a:r>
+              <a:rPr lang="en-US" sz="1100" dirty="0">
+                <a:solidFill>
+                  <a:srgbClr val="3F3658"/>
+                </a:solidFill>
+              </a:rPr>
+              <a:t>PREVIEW</a:t>
+            </a:r>
+            <a:endParaRPr lang="de-DE" sz="1200" dirty="0">
+              <a:solidFill>
+                <a:srgbClr val="3F3658"/>
+              </a:solidFill>
+            </a:endParaRPr>
           </a:p>
         </p:txBody>
       </p:sp>
@@ -15263,6 +16483,87 @@
   <p:clrMapOvr>
     <a:masterClrMapping/>
   </p:clrMapOvr>
+  <p:timing>
+    <p:tnLst>
+      <p:par>
+        <p:cTn id="1" dur="indefinite" restart="never" nodeType="tmRoot">
+          <p:childTnLst>
+            <p:seq concurrent="1" nextAc="seek">
+              <p:cTn id="2" dur="indefinite" nodeType="mainSeq">
+                <p:childTnLst>
+                  <p:par>
+                    <p:cTn id="3" fill="hold">
+                      <p:stCondLst>
+                        <p:cond delay="indefinite"/>
+                        <p:cond evt="onBegin" delay="0">
+                          <p:tn val="2"/>
+                        </p:cond>
+                      </p:stCondLst>
+                      <p:childTnLst>
+                        <p:par>
+                          <p:cTn id="4" fill="hold">
+                            <p:stCondLst>
+                              <p:cond delay="0"/>
+                            </p:stCondLst>
+                            <p:childTnLst>
+                              <p:par>
+                                <p:cTn id="5" presetID="1" presetClass="entr" presetSubtype="0" fill="hold" grpId="0" nodeType="withEffect">
+                                  <p:stCondLst>
+                                    <p:cond delay="0"/>
+                                  </p:stCondLst>
+                                  <p:childTnLst>
+                                    <p:set>
+                                      <p:cBhvr>
+                                        <p:cTn id="6" dur="1" fill="hold">
+                                          <p:stCondLst>
+                                            <p:cond delay="0"/>
+                                          </p:stCondLst>
+                                        </p:cTn>
+                                        <p:tgtEl>
+                                          <p:spTgt spid="43"/>
+                                        </p:tgtEl>
+                                        <p:attrNameLst>
+                                          <p:attrName>style.visibility</p:attrName>
+                                        </p:attrNameLst>
+                                      </p:cBhvr>
+                                      <p:to>
+                                        <p:strVal val="visible"/>
+                                      </p:to>
+                                    </p:set>
+                                  </p:childTnLst>
+                                </p:cTn>
+                              </p:par>
+                            </p:childTnLst>
+                          </p:cTn>
+                        </p:par>
+                      </p:childTnLst>
+                    </p:cTn>
+                  </p:par>
+                </p:childTnLst>
+              </p:cTn>
+              <p:prevCondLst>
+                <p:cond evt="onPrev" delay="0">
+                  <p:tgtEl>
+                    <p:sldTgt/>
+                  </p:tgtEl>
+                </p:cond>
+              </p:prevCondLst>
+              <p:nextCondLst>
+                <p:cond evt="onNext" delay="0">
+                  <p:tgtEl>
+                    <p:sldTgt/>
+                  </p:tgtEl>
+                </p:cond>
+              </p:nextCondLst>
+            </p:seq>
+          </p:childTnLst>
+        </p:cTn>
+      </p:par>
+    </p:tnLst>
+    <p:bldLst>
+      <p:bldP spid="43" grpId="0" animBg="1"/>
+    </p:bldLst>
+  </p:timing>
 </p:sld>
 </file>
 
@@ -15308,18 +16609,97 @@
           <a:p>
             <a:r>
               <a:rPr lang="en-US" sz="2400" dirty="0"/>
-              <a:t>Demos Azure Functions</a:t>
+              <a:t>Benefits of Azure Functions</a:t>
             </a:r>
             <a:endParaRPr lang="de-DE" sz="2400" dirty="0"/>
           </a:p>
         </p:txBody>
       </p:sp>
+      <p:pic>
+        <p:nvPicPr>
+          <p:cNvPr id="4" name="Grafik 3">
+            <a:extLst>
+              <a:ext uri="{FF2B5EF4-FFF2-40B4-BE49-F238E27FC236}">
+                <a16:creationId xmlns:a16="http://schemas.microsoft.com/office/drawing/2014/main" id="{F688EBDA-04D3-4F87-8C8E-763AB5547EA2}"/>
+              </a:ext>
+            </a:extLst>
+          </p:cNvPr>
+          <p:cNvPicPr>
+            <a:picLocks noChangeAspect="1"/>
+          </p:cNvPicPr>
+          <p:nvPr/>
+        </p:nvPicPr>
+        <p:blipFill>
+          <a:blip r:embed="rId2">
+            <a:extLst>
+              <a:ext uri="{28A0092B-C50C-407E-A947-70E740481C1C}">
+                <a14:useLocalDpi xmlns:a14="http://schemas.microsoft.com/office/drawing/2010/main" val="0"/>
+              </a:ext>
+            </a:extLst>
+          </a:blip>
+          <a:stretch>
+            <a:fillRect/>
+          </a:stretch>
+        </p:blipFill>
+        <p:spPr>
+          <a:xfrm>
+            <a:off x="838201" y="2476500"/>
+            <a:ext cx="1905000" cy="1905000"/>
+          </a:xfrm>
+          <a:prstGeom prst="rect">
+            <a:avLst/>
+          </a:prstGeom>
+        </p:spPr>
+      </p:pic>
+      <p:cxnSp>
+        <p:nvCxnSpPr>
+          <p:cNvPr id="6" name="Gerader Verbinder 5">
+            <a:extLst>
+              <a:ext uri="{FF2B5EF4-FFF2-40B4-BE49-F238E27FC236}">
+                <a16:creationId xmlns:a16="http://schemas.microsoft.com/office/drawing/2014/main" id="{7EFA8ABD-5F72-4B46-BE3A-27B92D0D2871}"/>
+              </a:ext>
+            </a:extLst>
+          </p:cNvPr>
+          <p:cNvCxnSpPr>
+            <a:cxnSpLocks/>
+          </p:cNvCxnSpPr>
+          <p:nvPr/>
+        </p:nvCxnSpPr>
+        <p:spPr>
+          <a:xfrm>
+            <a:off x="3343788" y="1278517"/>
+            <a:ext cx="0" cy="4585570"/>
+          </a:xfrm>
+          <a:prstGeom prst="line">
+            <a:avLst/>
+          </a:prstGeom>
+          <a:ln w="25400" cap="rnd">
+            <a:solidFill>
+              <a:srgbClr val="3F3658"/>
+            </a:solidFill>
+          </a:ln>
+        </p:spPr>
+        <p:style>
+          <a:lnRef idx="1">
+            <a:schemeClr val="accent1"/>
+          </a:lnRef>
+          <a:fillRef idx="0">
+            <a:schemeClr val="accent1"/>
+          </a:fillRef>
+          <a:effectRef idx="0">
+            <a:schemeClr val="accent1"/>
+          </a:effectRef>
+          <a:fontRef idx="minor">
+            <a:schemeClr val="tx1"/>
+          </a:fontRef>
+        </p:style>
+      </p:cxnSp>
       <p:sp>
         <p:nvSpPr>
-          <p:cNvPr id="4" name="Textfeld 3">
-            <a:extLst>
-              <a:ext uri="{FF2B5EF4-FFF2-40B4-BE49-F238E27FC236}">
-                <a16:creationId xmlns:a16="http://schemas.microsoft.com/office/drawing/2014/main" id="{D0AD0E3B-E029-4C47-A02E-4FD8F2F1CA2A}"/>
+          <p:cNvPr id="7" name="Textfeld 6">
+            <a:extLst>
+              <a:ext uri="{FF2B5EF4-FFF2-40B4-BE49-F238E27FC236}">
+                <a16:creationId xmlns:a16="http://schemas.microsoft.com/office/drawing/2014/main" id="{3E5CCA95-BF7A-46E4-9279-89F179D25AE6}"/>
               </a:ext>
             </a:extLst>
           </p:cNvPr>
@@ -15328,8 +16708,8 @@
         </p:nvSpPr>
         <p:spPr>
           <a:xfrm>
-            <a:off x="3783495" y="2980155"/>
-            <a:ext cx="5368777" cy="369332"/>
+            <a:off x="3944376" y="1909449"/>
+            <a:ext cx="4573688" cy="3039102"/>
           </a:xfrm>
           <a:prstGeom prst="rect">
             <a:avLst/>
@@ -15342,50 +16722,79 @@
           </a:bodyPr>
           <a:lstStyle/>
           <a:p>
-            <a:r>
-              <a:rPr lang="en-US" dirty="0"/>
-              <a:t>@Thomas: Kannst du </a:t>
-            </a:r>
-            <a:r>
-              <a:rPr lang="en-US" dirty="0" err="1"/>
-              <a:t>dir</a:t>
-            </a:r>
-            <a:r>
-              <a:rPr lang="en-US" dirty="0"/>
-              <a:t> das </a:t>
-            </a:r>
-            <a:r>
-              <a:rPr lang="en-US" dirty="0" err="1"/>
-              <a:t>hier</a:t>
-            </a:r>
-            <a:r>
-              <a:rPr lang="en-US" dirty="0"/>
-              <a:t> </a:t>
-            </a:r>
-            <a:r>
-              <a:rPr lang="en-US" dirty="0" err="1"/>
-              <a:t>zurecht</a:t>
-            </a:r>
-            <a:r>
-              <a:rPr lang="en-US" dirty="0"/>
-              <a:t> </a:t>
-            </a:r>
-            <a:r>
-              <a:rPr lang="en-US" dirty="0" err="1"/>
-              <a:t>bauen</a:t>
-            </a:r>
-            <a:r>
-              <a:rPr lang="en-US" dirty="0"/>
-              <a:t>?</a:t>
-            </a:r>
-            <a:endParaRPr lang="de-DE" dirty="0"/>
+            <a:pPr marL="342900" indent="-342900">
+              <a:lnSpc>
+                <a:spcPct val="250000"/>
+              </a:lnSpc>
+              <a:buFont typeface="+mj-lt"/>
+              <a:buAutoNum type="arabicPeriod"/>
+            </a:pPr>
+            <a:r>
+              <a:rPr lang="en-US" sz="2000" dirty="0">
+                <a:solidFill>
+                  <a:srgbClr val="5A536D"/>
+                </a:solidFill>
+              </a:rPr>
+              <a:t>Rapid and simple development </a:t>
+            </a:r>
+          </a:p>
+          <a:p>
+            <a:pPr marL="342900" indent="-342900">
+              <a:lnSpc>
+                <a:spcPct val="250000"/>
+              </a:lnSpc>
+              <a:buFont typeface="+mj-lt"/>
+              <a:buAutoNum type="arabicPeriod"/>
+            </a:pPr>
+            <a:r>
+              <a:rPr lang="en-US" sz="2000" dirty="0">
+                <a:solidFill>
+                  <a:srgbClr val="5A536D"/>
+                </a:solidFill>
+              </a:rPr>
+              <a:t>All the power of Azure Web Apps </a:t>
+            </a:r>
+          </a:p>
+          <a:p>
+            <a:pPr marL="342900" indent="-342900">
+              <a:lnSpc>
+                <a:spcPct val="250000"/>
+              </a:lnSpc>
+              <a:buFont typeface="+mj-lt"/>
+              <a:buAutoNum type="arabicPeriod"/>
+            </a:pPr>
+            <a:r>
+              <a:rPr lang="en-US" sz="2000" dirty="0">
+                <a:solidFill>
+                  <a:srgbClr val="5A536D"/>
+                </a:solidFill>
+              </a:rPr>
+              <a:t>Pay for what you use</a:t>
+            </a:r>
+          </a:p>
+          <a:p>
+            <a:pPr marL="342900" indent="-342900">
+              <a:lnSpc>
+                <a:spcPct val="250000"/>
+              </a:lnSpc>
+              <a:buFont typeface="+mj-lt"/>
+              <a:buAutoNum type="arabicPeriod"/>
+            </a:pPr>
+            <a:r>
+              <a:rPr lang="en-US" sz="2000" dirty="0">
+                <a:solidFill>
+                  <a:srgbClr val="5A536D"/>
+                </a:solidFill>
+              </a:rPr>
+              <a:t>Automatic scaling</a:t>
+            </a:r>
           </a:p>
         </p:txBody>
       </p:sp>
     </p:spTree>
     <p:extLst>
       <p:ext uri="{BB962C8B-B14F-4D97-AF65-F5344CB8AC3E}">
-        <p14:creationId xmlns:p14="http://schemas.microsoft.com/office/powerpoint/2010/main" val="3645647145"/>
+        <p14:creationId xmlns:p14="http://schemas.microsoft.com/office/powerpoint/2010/main" val="4232749492"/>
       </p:ext>
     </p:extLst>
   </p:cSld>
@@ -15417,7 +16826,7 @@
           <p:cNvPr id="3" name="Textplatzhalter 2">
             <a:extLst>
               <a:ext uri="{FF2B5EF4-FFF2-40B4-BE49-F238E27FC236}">
-                <a16:creationId xmlns:a16="http://schemas.microsoft.com/office/drawing/2014/main" id="{FAFEEEED-CDAD-46CC-946F-1878FDBB939C}"/>
+                <a16:creationId xmlns:a16="http://schemas.microsoft.com/office/drawing/2014/main" id="{57625549-4941-4E12-AA37-2C694939FB57}"/>
               </a:ext>
             </a:extLst>
           </p:cNvPr>
@@ -15437,18 +16846,61 @@
           <a:p>
             <a:r>
               <a:rPr lang="en-US" sz="2400" dirty="0"/>
-              <a:t>What are Durable Functions?</a:t>
+              <a:t>Demo: Azure Functions Demo</a:t>
             </a:r>
             <a:endParaRPr lang="de-DE" sz="2400" dirty="0"/>
           </a:p>
         </p:txBody>
       </p:sp>
+      <p:cxnSp>
+        <p:nvCxnSpPr>
+          <p:cNvPr id="6" name="Gerader Verbinder 5">
+            <a:extLst>
+              <a:ext uri="{FF2B5EF4-FFF2-40B4-BE49-F238E27FC236}">
+                <a16:creationId xmlns:a16="http://schemas.microsoft.com/office/drawing/2014/main" id="{7EFA8ABD-5F72-4B46-BE3A-27B92D0D2871}"/>
+              </a:ext>
+            </a:extLst>
+          </p:cNvPr>
+          <p:cNvCxnSpPr>
+            <a:cxnSpLocks/>
+          </p:cNvCxnSpPr>
+          <p:nvPr/>
+        </p:nvCxnSpPr>
+        <p:spPr>
+          <a:xfrm>
+            <a:off x="3343788" y="1278517"/>
+            <a:ext cx="0" cy="4585570"/>
+          </a:xfrm>
+          <a:prstGeom prst="line">
+            <a:avLst/>
+          </a:prstGeom>
+          <a:ln w="25400" cap="rnd">
+            <a:solidFill>
+              <a:srgbClr val="3F3658"/>
+            </a:solidFill>
+          </a:ln>
+        </p:spPr>
+        <p:style>
+          <a:lnRef idx="1">
+            <a:schemeClr val="accent1"/>
+          </a:lnRef>
+          <a:fillRef idx="0">
+            <a:schemeClr val="accent1"/>
+          </a:fillRef>
+          <a:effectRef idx="0">
+            <a:schemeClr val="accent1"/>
+          </a:effectRef>
+          <a:fontRef idx="minor">
+            <a:schemeClr val="tx1"/>
+          </a:fontRef>
+        </p:style>
+      </p:cxnSp>
       <p:sp>
         <p:nvSpPr>
-          <p:cNvPr id="6" name="Textfeld 5">
-            <a:extLst>
-              <a:ext uri="{FF2B5EF4-FFF2-40B4-BE49-F238E27FC236}">
-                <a16:creationId xmlns:a16="http://schemas.microsoft.com/office/drawing/2014/main" id="{319D27F4-2089-49D3-A7CA-AE2AE1B2FD38}"/>
+          <p:cNvPr id="13" name="Textfeld 12">
+            <a:extLst>
+              <a:ext uri="{FF2B5EF4-FFF2-40B4-BE49-F238E27FC236}">
+                <a16:creationId xmlns:a16="http://schemas.microsoft.com/office/drawing/2014/main" id="{2F81F2AB-E65C-4B76-B7B9-679464B9904D}"/>
               </a:ext>
             </a:extLst>
           </p:cNvPr>
@@ -15457,8 +16909,8 @@
         </p:nvSpPr>
         <p:spPr>
           <a:xfrm>
-            <a:off x="4982814" y="3766784"/>
-            <a:ext cx="2040835" cy="1200329"/>
+            <a:off x="3876269" y="2476498"/>
+            <a:ext cx="7324441" cy="1500219"/>
           </a:xfrm>
           <a:prstGeom prst="rect">
             <a:avLst/>
@@ -15466,88 +16918,40 @@
           <a:noFill/>
         </p:spPr>
         <p:txBody>
-          <a:bodyPr wrap="square" rtlCol="0">
+          <a:bodyPr wrap="none" rtlCol="0">
             <a:spAutoFit/>
           </a:bodyPr>
           <a:lstStyle/>
           <a:p>
-            <a:pPr algn="ctr"/>
-            <a:r>
-              <a:rPr lang="en-US" dirty="0">
-                <a:solidFill>
-                  <a:srgbClr val="083232"/>
-                </a:solidFill>
-              </a:rPr>
-              <a:t>Write “stateful” functions in a “</a:t>
-            </a:r>
-            <a:r>
-              <a:rPr lang="en-US" dirty="0">
+            <a:pPr>
+              <a:lnSpc>
+                <a:spcPct val="250000"/>
+              </a:lnSpc>
+            </a:pPr>
+            <a:r>
+              <a:rPr lang="en-US" sz="2000" b="1" dirty="0">
                 <a:solidFill>
                   <a:srgbClr val="5A536D"/>
                 </a:solidFill>
               </a:rPr>
-              <a:t>serverless</a:t>
-            </a:r>
-            <a:r>
-              <a:rPr lang="en-US" dirty="0">
-                <a:solidFill>
-                  <a:srgbClr val="083232"/>
-                </a:solidFill>
-              </a:rPr>
-              <a:t>” environment</a:t>
-            </a:r>
-          </a:p>
-        </p:txBody>
-      </p:sp>
-      <p:sp>
-        <p:nvSpPr>
-          <p:cNvPr id="8" name="Textfeld 7">
-            <a:extLst>
-              <a:ext uri="{FF2B5EF4-FFF2-40B4-BE49-F238E27FC236}">
-                <a16:creationId xmlns:a16="http://schemas.microsoft.com/office/drawing/2014/main" id="{2AE5DD49-A884-4026-B173-256B4C69CD3C}"/>
-              </a:ext>
-            </a:extLst>
-          </p:cNvPr>
-          <p:cNvSpPr txBox="1"/>
-          <p:nvPr/>
-        </p:nvSpPr>
-        <p:spPr>
-          <a:xfrm>
-            <a:off x="1322585" y="3766784"/>
-            <a:ext cx="2040835" cy="646331"/>
-          </a:xfrm>
-          <a:prstGeom prst="rect">
-            <a:avLst/>
-          </a:prstGeom>
-          <a:noFill/>
-        </p:spPr>
-        <p:txBody>
-          <a:bodyPr wrap="square" rtlCol="0">
-            <a:spAutoFit/>
-          </a:bodyPr>
-          <a:lstStyle/>
-          <a:p>
-            <a:pPr algn="ctr"/>
-            <a:r>
-              <a:rPr lang="en-US" dirty="0">
-                <a:solidFill>
-                  <a:srgbClr val="083232"/>
-                </a:solidFill>
-              </a:rPr>
-              <a:t>An extension to </a:t>
-            </a:r>
-          </a:p>
-          <a:p>
-            <a:pPr algn="ctr"/>
-            <a:r>
-              <a:rPr lang="en-US" dirty="0">
+              <a:t>Create and deploy a Azure Function with Visual Studio</a:t>
+            </a:r>
+          </a:p>
+          <a:p>
+            <a:pPr>
+              <a:lnSpc>
+                <a:spcPct val="250000"/>
+              </a:lnSpc>
+            </a:pPr>
+            <a:r>
+              <a:rPr lang="en-US" sz="2000" b="1" dirty="0">
                 <a:solidFill>
                   <a:srgbClr val="5A536D"/>
                 </a:solidFill>
               </a:rPr>
-              <a:t>Azure Functions</a:t>
-            </a:r>
-            <a:endParaRPr lang="de-DE" dirty="0">
+              <a:t>Create a JavaScript Azure Function inside the Azure Portal</a:t>
+            </a:r>
+            <a:endParaRPr lang="en-US" sz="2000" dirty="0">
               <a:solidFill>
                 <a:srgbClr val="5A536D"/>
               </a:solidFill>
@@ -15555,52 +16959,12 @@
           </a:p>
         </p:txBody>
       </p:sp>
-      <p:sp>
-        <p:nvSpPr>
-          <p:cNvPr id="9" name="Textfeld 8">
-            <a:extLst>
-              <a:ext uri="{FF2B5EF4-FFF2-40B4-BE49-F238E27FC236}">
-                <a16:creationId xmlns:a16="http://schemas.microsoft.com/office/drawing/2014/main" id="{9AC3AD73-C97D-47AD-A77D-28564B966E6A}"/>
-              </a:ext>
-            </a:extLst>
-          </p:cNvPr>
-          <p:cNvSpPr txBox="1"/>
-          <p:nvPr/>
-        </p:nvSpPr>
-        <p:spPr>
-          <a:xfrm>
-            <a:off x="8542620" y="3766784"/>
-            <a:ext cx="2040835" cy="646331"/>
-          </a:xfrm>
-          <a:prstGeom prst="rect">
-            <a:avLst/>
-          </a:prstGeom>
-          <a:noFill/>
-        </p:spPr>
-        <p:txBody>
-          <a:bodyPr wrap="square" rtlCol="0">
-            <a:spAutoFit/>
-          </a:bodyPr>
-          <a:lstStyle/>
-          <a:p>
-            <a:pPr algn="ctr"/>
-            <a:r>
-              <a:rPr lang="en-US" dirty="0">
-                <a:solidFill>
-                  <a:srgbClr val="083232"/>
-                </a:solidFill>
-              </a:rPr>
-              <a:t>Define workflows in code</a:t>
-            </a:r>
-          </a:p>
-        </p:txBody>
-      </p:sp>
       <p:pic>
         <p:nvPicPr>
-          <p:cNvPr id="14" name="Grafik 13">
-            <a:extLst>
-              <a:ext uri="{FF2B5EF4-FFF2-40B4-BE49-F238E27FC236}">
-                <a16:creationId xmlns:a16="http://schemas.microsoft.com/office/drawing/2014/main" id="{9307CF39-F736-40B9-B600-2BE3732C784E}"/>
+          <p:cNvPr id="15" name="Grafik 14">
+            <a:extLst>
+              <a:ext uri="{FF2B5EF4-FFF2-40B4-BE49-F238E27FC236}">
+                <a16:creationId xmlns:a16="http://schemas.microsoft.com/office/drawing/2014/main" id="{75C66F34-CCD3-4F4B-97B6-673D0AF7DCCE}"/>
               </a:ext>
             </a:extLst>
           </p:cNvPr>
@@ -15623,79 +16987,7 @@
         </p:blipFill>
         <p:spPr>
           <a:xfrm>
-            <a:off x="1365829" y="1861784"/>
-            <a:ext cx="1905000" cy="1905000"/>
-          </a:xfrm>
-          <a:prstGeom prst="rect">
-            <a:avLst/>
-          </a:prstGeom>
-        </p:spPr>
-      </p:pic>
-      <p:pic>
-        <p:nvPicPr>
-          <p:cNvPr id="16" name="Grafik 15">
-            <a:extLst>
-              <a:ext uri="{FF2B5EF4-FFF2-40B4-BE49-F238E27FC236}">
-                <a16:creationId xmlns:a16="http://schemas.microsoft.com/office/drawing/2014/main" id="{CE39393D-4893-4964-8184-CA42A6867B77}"/>
-              </a:ext>
-            </a:extLst>
-          </p:cNvPr>
-          <p:cNvPicPr>
-            <a:picLocks noChangeAspect="1"/>
-          </p:cNvPicPr>
-          <p:nvPr/>
-        </p:nvPicPr>
-        <p:blipFill>
-          <a:blip r:embed="rId3">
-            <a:extLst>
-              <a:ext uri="{28A0092B-C50C-407E-A947-70E740481C1C}">
-                <a14:useLocalDpi xmlns:a14="http://schemas.microsoft.com/office/drawing/2010/main" val="0"/>
-              </a:ext>
-            </a:extLst>
-          </a:blip>
-          <a:stretch>
-            <a:fillRect/>
-          </a:stretch>
-        </p:blipFill>
-        <p:spPr>
-          <a:xfrm>
-            <a:off x="5046815" y="1861784"/>
-            <a:ext cx="1905000" cy="1905000"/>
-          </a:xfrm>
-          <a:prstGeom prst="rect">
-            <a:avLst/>
-          </a:prstGeom>
-        </p:spPr>
-      </p:pic>
-      <p:pic>
-        <p:nvPicPr>
-          <p:cNvPr id="18" name="Grafik 17">
-            <a:extLst>
-              <a:ext uri="{FF2B5EF4-FFF2-40B4-BE49-F238E27FC236}">
-                <a16:creationId xmlns:a16="http://schemas.microsoft.com/office/drawing/2014/main" id="{EABBD10D-9A8B-4757-863C-C4F0D98CF4E4}"/>
-              </a:ext>
-            </a:extLst>
-          </p:cNvPr>
-          <p:cNvPicPr>
-            <a:picLocks noChangeAspect="1"/>
-          </p:cNvPicPr>
-          <p:nvPr/>
-        </p:nvPicPr>
-        <p:blipFill>
-          <a:blip r:embed="rId4">
-            <a:extLst>
-              <a:ext uri="{28A0092B-C50C-407E-A947-70E740481C1C}">
-                <a14:useLocalDpi xmlns:a14="http://schemas.microsoft.com/office/drawing/2010/main" val="0"/>
-              </a:ext>
-            </a:extLst>
-          </a:blip>
-          <a:stretch>
-            <a:fillRect/>
-          </a:stretch>
-        </p:blipFill>
-        <p:spPr>
-          <a:xfrm>
-            <a:off x="8635210" y="1861784"/>
+            <a:off x="838201" y="2476498"/>
             <a:ext cx="1905000" cy="1905000"/>
           </a:xfrm>
           <a:prstGeom prst="rect">
@@ -15706,7 +16998,7 @@
     </p:spTree>
     <p:extLst>
       <p:ext uri="{BB962C8B-B14F-4D97-AF65-F5344CB8AC3E}">
-        <p14:creationId xmlns:p14="http://schemas.microsoft.com/office/powerpoint/2010/main" val="2149780848"/>
+        <p14:creationId xmlns:p14="http://schemas.microsoft.com/office/powerpoint/2010/main" val="2008861329"/>
       </p:ext>
     </p:extLst>
   </p:cSld>

--- a/slides/Durable_Functions.pptx
+++ b/slides/Durable_Functions.pptx
@@ -14,22 +14,25 @@
     <p:sldId id="264" r:id="rId8"/>
     <p:sldId id="283" r:id="rId9"/>
     <p:sldId id="284" r:id="rId10"/>
-    <p:sldId id="266" r:id="rId11"/>
-    <p:sldId id="261" r:id="rId12"/>
-    <p:sldId id="270" r:id="rId13"/>
-    <p:sldId id="271" r:id="rId14"/>
-    <p:sldId id="276" r:id="rId15"/>
-    <p:sldId id="280" r:id="rId16"/>
-    <p:sldId id="281" r:id="rId17"/>
-    <p:sldId id="275" r:id="rId18"/>
-    <p:sldId id="279" r:id="rId19"/>
-    <p:sldId id="274" r:id="rId20"/>
-    <p:sldId id="277" r:id="rId21"/>
-    <p:sldId id="278" r:id="rId22"/>
-    <p:sldId id="282" r:id="rId23"/>
+    <p:sldId id="261" r:id="rId11"/>
+    <p:sldId id="270" r:id="rId12"/>
+    <p:sldId id="271" r:id="rId13"/>
+    <p:sldId id="276" r:id="rId14"/>
+    <p:sldId id="280" r:id="rId15"/>
+    <p:sldId id="281" r:id="rId16"/>
+    <p:sldId id="275" r:id="rId17"/>
+    <p:sldId id="279" r:id="rId18"/>
+    <p:sldId id="274" r:id="rId19"/>
+    <p:sldId id="277" r:id="rId20"/>
+    <p:sldId id="278" r:id="rId21"/>
+    <p:sldId id="282" r:id="rId22"/>
+    <p:sldId id="286" r:id="rId23"/>
     <p:sldId id="272" r:id="rId24"/>
     <p:sldId id="273" r:id="rId25"/>
     <p:sldId id="285" r:id="rId26"/>
+    <p:sldId id="287" r:id="rId27"/>
+    <p:sldId id="288" r:id="rId28"/>
+    <p:sldId id="289" r:id="rId29"/>
   </p:sldIdLst>
   <p:sldSz cx="12192000" cy="6858000"/>
   <p:notesSz cx="6858000" cy="9144000"/>
@@ -3851,7 +3854,7 @@
           <p:cNvPr id="3" name="Textplatzhalter 2">
             <a:extLst>
               <a:ext uri="{FF2B5EF4-FFF2-40B4-BE49-F238E27FC236}">
-                <a16:creationId xmlns:a16="http://schemas.microsoft.com/office/drawing/2014/main" id="{57625549-4941-4E12-AA37-2C694939FB57}"/>
+                <a16:creationId xmlns:a16="http://schemas.microsoft.com/office/drawing/2014/main" id="{FAFEEEED-CDAD-46CC-946F-1878FDBB939C}"/>
               </a:ext>
             </a:extLst>
           </p:cNvPr>
@@ -3871,7 +3874,7 @@
           <a:p>
             <a:r>
               <a:rPr lang="en-US" sz="2400" dirty="0"/>
-              <a:t>Demos Azure Functions</a:t>
+              <a:t>What are Durable Functions?</a:t>
             </a:r>
             <a:endParaRPr lang="de-DE" sz="2400" dirty="0"/>
           </a:p>
@@ -3879,10 +3882,10 @@
       </p:sp>
       <p:sp>
         <p:nvSpPr>
-          <p:cNvPr id="4" name="Textfeld 3">
-            <a:extLst>
-              <a:ext uri="{FF2B5EF4-FFF2-40B4-BE49-F238E27FC236}">
-                <a16:creationId xmlns:a16="http://schemas.microsoft.com/office/drawing/2014/main" id="{D0AD0E3B-E029-4C47-A02E-4FD8F2F1CA2A}"/>
+          <p:cNvPr id="6" name="Textfeld 5">
+            <a:extLst>
+              <a:ext uri="{FF2B5EF4-FFF2-40B4-BE49-F238E27FC236}">
+                <a16:creationId xmlns:a16="http://schemas.microsoft.com/office/drawing/2014/main" id="{319D27F4-2089-49D3-A7CA-AE2AE1B2FD38}"/>
               </a:ext>
             </a:extLst>
           </p:cNvPr>
@@ -3891,8 +3894,8 @@
         </p:nvSpPr>
         <p:spPr>
           <a:xfrm>
-            <a:off x="3783495" y="2980155"/>
-            <a:ext cx="5368777" cy="369332"/>
+            <a:off x="4982814" y="3766784"/>
+            <a:ext cx="2040835" cy="1200329"/>
           </a:xfrm>
           <a:prstGeom prst="rect">
             <a:avLst/>
@@ -3900,55 +3903,247 @@
           <a:noFill/>
         </p:spPr>
         <p:txBody>
-          <a:bodyPr wrap="none" rtlCol="0">
+          <a:bodyPr wrap="square" rtlCol="0">
             <a:spAutoFit/>
           </a:bodyPr>
           <a:lstStyle/>
           <a:p>
-            <a:r>
-              <a:rPr lang="en-US" dirty="0"/>
-              <a:t>@Thomas: Kannst du </a:t>
-            </a:r>
-            <a:r>
-              <a:rPr lang="en-US" dirty="0" err="1"/>
-              <a:t>dir</a:t>
-            </a:r>
-            <a:r>
-              <a:rPr lang="en-US" dirty="0"/>
-              <a:t> das </a:t>
-            </a:r>
-            <a:r>
-              <a:rPr lang="en-US" dirty="0" err="1"/>
-              <a:t>hier</a:t>
-            </a:r>
-            <a:r>
-              <a:rPr lang="en-US" dirty="0"/>
-              <a:t> </a:t>
-            </a:r>
-            <a:r>
-              <a:rPr lang="en-US" dirty="0" err="1"/>
-              <a:t>zurecht</a:t>
-            </a:r>
-            <a:r>
-              <a:rPr lang="en-US" dirty="0"/>
-              <a:t> </a:t>
-            </a:r>
-            <a:r>
-              <a:rPr lang="en-US" dirty="0" err="1"/>
-              <a:t>bauen</a:t>
-            </a:r>
-            <a:r>
-              <a:rPr lang="en-US" dirty="0"/>
-              <a:t>?</a:t>
-            </a:r>
-            <a:endParaRPr lang="de-DE" dirty="0"/>
+            <a:pPr algn="ctr"/>
+            <a:r>
+              <a:rPr lang="en-US" dirty="0">
+                <a:solidFill>
+                  <a:srgbClr val="083232"/>
+                </a:solidFill>
+              </a:rPr>
+              <a:t>Write “stateful” functions in a “</a:t>
+            </a:r>
+            <a:r>
+              <a:rPr lang="en-US" dirty="0">
+                <a:solidFill>
+                  <a:srgbClr val="5A536D"/>
+                </a:solidFill>
+              </a:rPr>
+              <a:t>serverless</a:t>
+            </a:r>
+            <a:r>
+              <a:rPr lang="en-US" dirty="0">
+                <a:solidFill>
+                  <a:srgbClr val="083232"/>
+                </a:solidFill>
+              </a:rPr>
+              <a:t>” environment</a:t>
+            </a:r>
           </a:p>
         </p:txBody>
       </p:sp>
+      <p:sp>
+        <p:nvSpPr>
+          <p:cNvPr id="8" name="Textfeld 7">
+            <a:extLst>
+              <a:ext uri="{FF2B5EF4-FFF2-40B4-BE49-F238E27FC236}">
+                <a16:creationId xmlns:a16="http://schemas.microsoft.com/office/drawing/2014/main" id="{2AE5DD49-A884-4026-B173-256B4C69CD3C}"/>
+              </a:ext>
+            </a:extLst>
+          </p:cNvPr>
+          <p:cNvSpPr txBox="1"/>
+          <p:nvPr/>
+        </p:nvSpPr>
+        <p:spPr>
+          <a:xfrm>
+            <a:off x="1322585" y="3766784"/>
+            <a:ext cx="2040835" cy="646331"/>
+          </a:xfrm>
+          <a:prstGeom prst="rect">
+            <a:avLst/>
+          </a:prstGeom>
+          <a:noFill/>
+        </p:spPr>
+        <p:txBody>
+          <a:bodyPr wrap="square" rtlCol="0">
+            <a:spAutoFit/>
+          </a:bodyPr>
+          <a:lstStyle/>
+          <a:p>
+            <a:pPr algn="ctr"/>
+            <a:r>
+              <a:rPr lang="en-US" dirty="0">
+                <a:solidFill>
+                  <a:srgbClr val="083232"/>
+                </a:solidFill>
+              </a:rPr>
+              <a:t>An extension to </a:t>
+            </a:r>
+          </a:p>
+          <a:p>
+            <a:pPr algn="ctr"/>
+            <a:r>
+              <a:rPr lang="en-US" dirty="0">
+                <a:solidFill>
+                  <a:srgbClr val="5A536D"/>
+                </a:solidFill>
+              </a:rPr>
+              <a:t>Azure Functions</a:t>
+            </a:r>
+            <a:endParaRPr lang="de-DE" dirty="0">
+              <a:solidFill>
+                <a:srgbClr val="5A536D"/>
+              </a:solidFill>
+            </a:endParaRPr>
+          </a:p>
+        </p:txBody>
+      </p:sp>
+      <p:sp>
+        <p:nvSpPr>
+          <p:cNvPr id="9" name="Textfeld 8">
+            <a:extLst>
+              <a:ext uri="{FF2B5EF4-FFF2-40B4-BE49-F238E27FC236}">
+                <a16:creationId xmlns:a16="http://schemas.microsoft.com/office/drawing/2014/main" id="{9AC3AD73-C97D-47AD-A77D-28564B966E6A}"/>
+              </a:ext>
+            </a:extLst>
+          </p:cNvPr>
+          <p:cNvSpPr txBox="1"/>
+          <p:nvPr/>
+        </p:nvSpPr>
+        <p:spPr>
+          <a:xfrm>
+            <a:off x="8542620" y="3766784"/>
+            <a:ext cx="2040835" cy="646331"/>
+          </a:xfrm>
+          <a:prstGeom prst="rect">
+            <a:avLst/>
+          </a:prstGeom>
+          <a:noFill/>
+        </p:spPr>
+        <p:txBody>
+          <a:bodyPr wrap="square" rtlCol="0">
+            <a:spAutoFit/>
+          </a:bodyPr>
+          <a:lstStyle/>
+          <a:p>
+            <a:pPr algn="ctr"/>
+            <a:r>
+              <a:rPr lang="en-US" dirty="0">
+                <a:solidFill>
+                  <a:srgbClr val="083232"/>
+                </a:solidFill>
+              </a:rPr>
+              <a:t>Define workflows in code</a:t>
+            </a:r>
+          </a:p>
+        </p:txBody>
+      </p:sp>
+      <p:pic>
+        <p:nvPicPr>
+          <p:cNvPr id="14" name="Grafik 13">
+            <a:extLst>
+              <a:ext uri="{FF2B5EF4-FFF2-40B4-BE49-F238E27FC236}">
+                <a16:creationId xmlns:a16="http://schemas.microsoft.com/office/drawing/2014/main" id="{9307CF39-F736-40B9-B600-2BE3732C784E}"/>
+              </a:ext>
+            </a:extLst>
+          </p:cNvPr>
+          <p:cNvPicPr>
+            <a:picLocks noChangeAspect="1"/>
+          </p:cNvPicPr>
+          <p:nvPr/>
+        </p:nvPicPr>
+        <p:blipFill>
+          <a:blip r:embed="rId2">
+            <a:extLst>
+              <a:ext uri="{28A0092B-C50C-407E-A947-70E740481C1C}">
+                <a14:useLocalDpi xmlns:a14="http://schemas.microsoft.com/office/drawing/2010/main" val="0"/>
+              </a:ext>
+            </a:extLst>
+          </a:blip>
+          <a:stretch>
+            <a:fillRect/>
+          </a:stretch>
+        </p:blipFill>
+        <p:spPr>
+          <a:xfrm>
+            <a:off x="1365829" y="1861784"/>
+            <a:ext cx="1905000" cy="1905000"/>
+          </a:xfrm>
+          <a:prstGeom prst="rect">
+            <a:avLst/>
+          </a:prstGeom>
+        </p:spPr>
+      </p:pic>
+      <p:pic>
+        <p:nvPicPr>
+          <p:cNvPr id="16" name="Grafik 15">
+            <a:extLst>
+              <a:ext uri="{FF2B5EF4-FFF2-40B4-BE49-F238E27FC236}">
+                <a16:creationId xmlns:a16="http://schemas.microsoft.com/office/drawing/2014/main" id="{CE39393D-4893-4964-8184-CA42A6867B77}"/>
+              </a:ext>
+            </a:extLst>
+          </p:cNvPr>
+          <p:cNvPicPr>
+            <a:picLocks noChangeAspect="1"/>
+          </p:cNvPicPr>
+          <p:nvPr/>
+        </p:nvPicPr>
+        <p:blipFill>
+          <a:blip r:embed="rId3">
+            <a:extLst>
+              <a:ext uri="{28A0092B-C50C-407E-A947-70E740481C1C}">
+                <a14:useLocalDpi xmlns:a14="http://schemas.microsoft.com/office/drawing/2010/main" val="0"/>
+              </a:ext>
+            </a:extLst>
+          </a:blip>
+          <a:stretch>
+            <a:fillRect/>
+          </a:stretch>
+        </p:blipFill>
+        <p:spPr>
+          <a:xfrm>
+            <a:off x="5046815" y="1861784"/>
+            <a:ext cx="1905000" cy="1905000"/>
+          </a:xfrm>
+          <a:prstGeom prst="rect">
+            <a:avLst/>
+          </a:prstGeom>
+        </p:spPr>
+      </p:pic>
+      <p:pic>
+        <p:nvPicPr>
+          <p:cNvPr id="18" name="Grafik 17">
+            <a:extLst>
+              <a:ext uri="{FF2B5EF4-FFF2-40B4-BE49-F238E27FC236}">
+                <a16:creationId xmlns:a16="http://schemas.microsoft.com/office/drawing/2014/main" id="{EABBD10D-9A8B-4757-863C-C4F0D98CF4E4}"/>
+              </a:ext>
+            </a:extLst>
+          </p:cNvPr>
+          <p:cNvPicPr>
+            <a:picLocks noChangeAspect="1"/>
+          </p:cNvPicPr>
+          <p:nvPr/>
+        </p:nvPicPr>
+        <p:blipFill>
+          <a:blip r:embed="rId4">
+            <a:extLst>
+              <a:ext uri="{28A0092B-C50C-407E-A947-70E740481C1C}">
+                <a14:useLocalDpi xmlns:a14="http://schemas.microsoft.com/office/drawing/2010/main" val="0"/>
+              </a:ext>
+            </a:extLst>
+          </a:blip>
+          <a:stretch>
+            <a:fillRect/>
+          </a:stretch>
+        </p:blipFill>
+        <p:spPr>
+          <a:xfrm>
+            <a:off x="8635210" y="1861784"/>
+            <a:ext cx="1905000" cy="1905000"/>
+          </a:xfrm>
+          <a:prstGeom prst="rect">
+            <a:avLst/>
+          </a:prstGeom>
+        </p:spPr>
+      </p:pic>
     </p:spTree>
     <p:extLst>
       <p:ext uri="{BB962C8B-B14F-4D97-AF65-F5344CB8AC3E}">
-        <p14:creationId xmlns:p14="http://schemas.microsoft.com/office/powerpoint/2010/main" val="3645647145"/>
+        <p14:creationId xmlns:p14="http://schemas.microsoft.com/office/powerpoint/2010/main" val="2149780848"/>
       </p:ext>
     </p:extLst>
   </p:cSld>
@@ -3980,327 +4175,6 @@
           <p:cNvPr id="3" name="Textplatzhalter 2">
             <a:extLst>
               <a:ext uri="{FF2B5EF4-FFF2-40B4-BE49-F238E27FC236}">
-                <a16:creationId xmlns:a16="http://schemas.microsoft.com/office/drawing/2014/main" id="{FAFEEEED-CDAD-46CC-946F-1878FDBB939C}"/>
-              </a:ext>
-            </a:extLst>
-          </p:cNvPr>
-          <p:cNvSpPr>
-            <a:spLocks noGrp="1"/>
-          </p:cNvSpPr>
-          <p:nvPr>
-            <p:ph type="body" sz="quarter" idx="13"/>
-          </p:nvPr>
-        </p:nvSpPr>
-        <p:spPr/>
-        <p:txBody>
-          <a:bodyPr>
-            <a:normAutofit/>
-          </a:bodyPr>
-          <a:lstStyle/>
-          <a:p>
-            <a:r>
-              <a:rPr lang="en-US" sz="2400" dirty="0"/>
-              <a:t>What are Durable Functions?</a:t>
-            </a:r>
-            <a:endParaRPr lang="de-DE" sz="2400" dirty="0"/>
-          </a:p>
-        </p:txBody>
-      </p:sp>
-      <p:sp>
-        <p:nvSpPr>
-          <p:cNvPr id="6" name="Textfeld 5">
-            <a:extLst>
-              <a:ext uri="{FF2B5EF4-FFF2-40B4-BE49-F238E27FC236}">
-                <a16:creationId xmlns:a16="http://schemas.microsoft.com/office/drawing/2014/main" id="{319D27F4-2089-49D3-A7CA-AE2AE1B2FD38}"/>
-              </a:ext>
-            </a:extLst>
-          </p:cNvPr>
-          <p:cNvSpPr txBox="1"/>
-          <p:nvPr/>
-        </p:nvSpPr>
-        <p:spPr>
-          <a:xfrm>
-            <a:off x="4982814" y="3766784"/>
-            <a:ext cx="2040835" cy="1200329"/>
-          </a:xfrm>
-          <a:prstGeom prst="rect">
-            <a:avLst/>
-          </a:prstGeom>
-          <a:noFill/>
-        </p:spPr>
-        <p:txBody>
-          <a:bodyPr wrap="square" rtlCol="0">
-            <a:spAutoFit/>
-          </a:bodyPr>
-          <a:lstStyle/>
-          <a:p>
-            <a:pPr algn="ctr"/>
-            <a:r>
-              <a:rPr lang="en-US" dirty="0">
-                <a:solidFill>
-                  <a:srgbClr val="083232"/>
-                </a:solidFill>
-              </a:rPr>
-              <a:t>Write “stateful” functions in a “</a:t>
-            </a:r>
-            <a:r>
-              <a:rPr lang="en-US" dirty="0">
-                <a:solidFill>
-                  <a:srgbClr val="5A536D"/>
-                </a:solidFill>
-              </a:rPr>
-              <a:t>serverless</a:t>
-            </a:r>
-            <a:r>
-              <a:rPr lang="en-US" dirty="0">
-                <a:solidFill>
-                  <a:srgbClr val="083232"/>
-                </a:solidFill>
-              </a:rPr>
-              <a:t>” environment</a:t>
-            </a:r>
-          </a:p>
-        </p:txBody>
-      </p:sp>
-      <p:sp>
-        <p:nvSpPr>
-          <p:cNvPr id="8" name="Textfeld 7">
-            <a:extLst>
-              <a:ext uri="{FF2B5EF4-FFF2-40B4-BE49-F238E27FC236}">
-                <a16:creationId xmlns:a16="http://schemas.microsoft.com/office/drawing/2014/main" id="{2AE5DD49-A884-4026-B173-256B4C69CD3C}"/>
-              </a:ext>
-            </a:extLst>
-          </p:cNvPr>
-          <p:cNvSpPr txBox="1"/>
-          <p:nvPr/>
-        </p:nvSpPr>
-        <p:spPr>
-          <a:xfrm>
-            <a:off x="1322585" y="3766784"/>
-            <a:ext cx="2040835" cy="646331"/>
-          </a:xfrm>
-          <a:prstGeom prst="rect">
-            <a:avLst/>
-          </a:prstGeom>
-          <a:noFill/>
-        </p:spPr>
-        <p:txBody>
-          <a:bodyPr wrap="square" rtlCol="0">
-            <a:spAutoFit/>
-          </a:bodyPr>
-          <a:lstStyle/>
-          <a:p>
-            <a:pPr algn="ctr"/>
-            <a:r>
-              <a:rPr lang="en-US" dirty="0">
-                <a:solidFill>
-                  <a:srgbClr val="083232"/>
-                </a:solidFill>
-              </a:rPr>
-              <a:t>An extension to </a:t>
-            </a:r>
-          </a:p>
-          <a:p>
-            <a:pPr algn="ctr"/>
-            <a:r>
-              <a:rPr lang="en-US" dirty="0">
-                <a:solidFill>
-                  <a:srgbClr val="5A536D"/>
-                </a:solidFill>
-              </a:rPr>
-              <a:t>Azure Functions</a:t>
-            </a:r>
-            <a:endParaRPr lang="de-DE" dirty="0">
-              <a:solidFill>
-                <a:srgbClr val="5A536D"/>
-              </a:solidFill>
-            </a:endParaRPr>
-          </a:p>
-        </p:txBody>
-      </p:sp>
-      <p:sp>
-        <p:nvSpPr>
-          <p:cNvPr id="9" name="Textfeld 8">
-            <a:extLst>
-              <a:ext uri="{FF2B5EF4-FFF2-40B4-BE49-F238E27FC236}">
-                <a16:creationId xmlns:a16="http://schemas.microsoft.com/office/drawing/2014/main" id="{9AC3AD73-C97D-47AD-A77D-28564B966E6A}"/>
-              </a:ext>
-            </a:extLst>
-          </p:cNvPr>
-          <p:cNvSpPr txBox="1"/>
-          <p:nvPr/>
-        </p:nvSpPr>
-        <p:spPr>
-          <a:xfrm>
-            <a:off x="8542620" y="3766784"/>
-            <a:ext cx="2040835" cy="646331"/>
-          </a:xfrm>
-          <a:prstGeom prst="rect">
-            <a:avLst/>
-          </a:prstGeom>
-          <a:noFill/>
-        </p:spPr>
-        <p:txBody>
-          <a:bodyPr wrap="square" rtlCol="0">
-            <a:spAutoFit/>
-          </a:bodyPr>
-          <a:lstStyle/>
-          <a:p>
-            <a:pPr algn="ctr"/>
-            <a:r>
-              <a:rPr lang="en-US" dirty="0">
-                <a:solidFill>
-                  <a:srgbClr val="083232"/>
-                </a:solidFill>
-              </a:rPr>
-              <a:t>Define workflows in code</a:t>
-            </a:r>
-          </a:p>
-        </p:txBody>
-      </p:sp>
-      <p:pic>
-        <p:nvPicPr>
-          <p:cNvPr id="14" name="Grafik 13">
-            <a:extLst>
-              <a:ext uri="{FF2B5EF4-FFF2-40B4-BE49-F238E27FC236}">
-                <a16:creationId xmlns:a16="http://schemas.microsoft.com/office/drawing/2014/main" id="{9307CF39-F736-40B9-B600-2BE3732C784E}"/>
-              </a:ext>
-            </a:extLst>
-          </p:cNvPr>
-          <p:cNvPicPr>
-            <a:picLocks noChangeAspect="1"/>
-          </p:cNvPicPr>
-          <p:nvPr/>
-        </p:nvPicPr>
-        <p:blipFill>
-          <a:blip r:embed="rId2">
-            <a:extLst>
-              <a:ext uri="{28A0092B-C50C-407E-A947-70E740481C1C}">
-                <a14:useLocalDpi xmlns:a14="http://schemas.microsoft.com/office/drawing/2010/main" val="0"/>
-              </a:ext>
-            </a:extLst>
-          </a:blip>
-          <a:stretch>
-            <a:fillRect/>
-          </a:stretch>
-        </p:blipFill>
-        <p:spPr>
-          <a:xfrm>
-            <a:off x="1365829" y="1861784"/>
-            <a:ext cx="1905000" cy="1905000"/>
-          </a:xfrm>
-          <a:prstGeom prst="rect">
-            <a:avLst/>
-          </a:prstGeom>
-        </p:spPr>
-      </p:pic>
-      <p:pic>
-        <p:nvPicPr>
-          <p:cNvPr id="16" name="Grafik 15">
-            <a:extLst>
-              <a:ext uri="{FF2B5EF4-FFF2-40B4-BE49-F238E27FC236}">
-                <a16:creationId xmlns:a16="http://schemas.microsoft.com/office/drawing/2014/main" id="{CE39393D-4893-4964-8184-CA42A6867B77}"/>
-              </a:ext>
-            </a:extLst>
-          </p:cNvPr>
-          <p:cNvPicPr>
-            <a:picLocks noChangeAspect="1"/>
-          </p:cNvPicPr>
-          <p:nvPr/>
-        </p:nvPicPr>
-        <p:blipFill>
-          <a:blip r:embed="rId3">
-            <a:extLst>
-              <a:ext uri="{28A0092B-C50C-407E-A947-70E740481C1C}">
-                <a14:useLocalDpi xmlns:a14="http://schemas.microsoft.com/office/drawing/2010/main" val="0"/>
-              </a:ext>
-            </a:extLst>
-          </a:blip>
-          <a:stretch>
-            <a:fillRect/>
-          </a:stretch>
-        </p:blipFill>
-        <p:spPr>
-          <a:xfrm>
-            <a:off x="5046815" y="1861784"/>
-            <a:ext cx="1905000" cy="1905000"/>
-          </a:xfrm>
-          <a:prstGeom prst="rect">
-            <a:avLst/>
-          </a:prstGeom>
-        </p:spPr>
-      </p:pic>
-      <p:pic>
-        <p:nvPicPr>
-          <p:cNvPr id="18" name="Grafik 17">
-            <a:extLst>
-              <a:ext uri="{FF2B5EF4-FFF2-40B4-BE49-F238E27FC236}">
-                <a16:creationId xmlns:a16="http://schemas.microsoft.com/office/drawing/2014/main" id="{EABBD10D-9A8B-4757-863C-C4F0D98CF4E4}"/>
-              </a:ext>
-            </a:extLst>
-          </p:cNvPr>
-          <p:cNvPicPr>
-            <a:picLocks noChangeAspect="1"/>
-          </p:cNvPicPr>
-          <p:nvPr/>
-        </p:nvPicPr>
-        <p:blipFill>
-          <a:blip r:embed="rId4">
-            <a:extLst>
-              <a:ext uri="{28A0092B-C50C-407E-A947-70E740481C1C}">
-                <a14:useLocalDpi xmlns:a14="http://schemas.microsoft.com/office/drawing/2010/main" val="0"/>
-              </a:ext>
-            </a:extLst>
-          </a:blip>
-          <a:stretch>
-            <a:fillRect/>
-          </a:stretch>
-        </p:blipFill>
-        <p:spPr>
-          <a:xfrm>
-            <a:off x="8635210" y="1861784"/>
-            <a:ext cx="1905000" cy="1905000"/>
-          </a:xfrm>
-          <a:prstGeom prst="rect">
-            <a:avLst/>
-          </a:prstGeom>
-        </p:spPr>
-      </p:pic>
-    </p:spTree>
-    <p:extLst>
-      <p:ext uri="{BB962C8B-B14F-4D97-AF65-F5344CB8AC3E}">
-        <p14:creationId xmlns:p14="http://schemas.microsoft.com/office/powerpoint/2010/main" val="2149780848"/>
-      </p:ext>
-    </p:extLst>
-  </p:cSld>
-  <p:clrMapOvr>
-    <a:masterClrMapping/>
-  </p:clrMapOvr>
-</p:sld>
-</file>
-
-<file path=ppt/slides/slide12.xml><?xml version="1.0" encoding="utf-8"?>
-<p:sld xmlns:a="http://schemas.openxmlformats.org/drawingml/2006/main" xmlns:r="http://schemas.openxmlformats.org/officeDocument/2006/relationships" xmlns:p="http://schemas.openxmlformats.org/presentationml/2006/main">
-  <p:cSld>
-    <p:spTree>
-      <p:nvGrpSpPr>
-        <p:cNvPr id="1" name=""/>
-        <p:cNvGrpSpPr/>
-        <p:nvPr/>
-      </p:nvGrpSpPr>
-      <p:grpSpPr>
-        <a:xfrm>
-          <a:off x="0" y="0"/>
-          <a:ext cx="0" cy="0"/>
-          <a:chOff x="0" y="0"/>
-          <a:chExt cx="0" cy="0"/>
-        </a:xfrm>
-      </p:grpSpPr>
-      <p:sp>
-        <p:nvSpPr>
-          <p:cNvPr id="3" name="Textplatzhalter 2">
-            <a:extLst>
-              <a:ext uri="{FF2B5EF4-FFF2-40B4-BE49-F238E27FC236}">
                 <a16:creationId xmlns:a16="http://schemas.microsoft.com/office/drawing/2014/main" id="{57625549-4941-4E12-AA37-2C694939FB57}"/>
               </a:ext>
             </a:extLst>
@@ -4685,7 +4559,7 @@
 </p:sld>
 </file>
 
-<file path=ppt/slides/slide13.xml><?xml version="1.0" encoding="utf-8"?>
+<file path=ppt/slides/slide12.xml><?xml version="1.0" encoding="utf-8"?>
 <p:sld xmlns:a="http://schemas.openxmlformats.org/drawingml/2006/main" xmlns:r="http://schemas.openxmlformats.org/officeDocument/2006/relationships" xmlns:p="http://schemas.openxmlformats.org/presentationml/2006/main">
   <p:cSld>
     <p:spTree>
@@ -5914,7 +5788,7 @@
 </p:sld>
 </file>
 
-<file path=ppt/slides/slide14.xml><?xml version="1.0" encoding="utf-8"?>
+<file path=ppt/slides/slide13.xml><?xml version="1.0" encoding="utf-8"?>
 <p:sld xmlns:a="http://schemas.openxmlformats.org/drawingml/2006/main" xmlns:r="http://schemas.openxmlformats.org/officeDocument/2006/relationships" xmlns:p="http://schemas.openxmlformats.org/presentationml/2006/main">
   <p:cSld>
     <p:spTree>
@@ -6695,7 +6569,7 @@
 </p:sld>
 </file>
 
-<file path=ppt/slides/slide15.xml><?xml version="1.0" encoding="utf-8"?>
+<file path=ppt/slides/slide14.xml><?xml version="1.0" encoding="utf-8"?>
 <p:sld xmlns:a="http://schemas.openxmlformats.org/drawingml/2006/main" xmlns:r="http://schemas.openxmlformats.org/officeDocument/2006/relationships" xmlns:p="http://schemas.openxmlformats.org/presentationml/2006/main">
   <p:cSld>
     <p:spTree>
@@ -8060,6 +7934,320 @@
 </p:sld>
 </file>
 
+<file path=ppt/slides/slide15.xml><?xml version="1.0" encoding="utf-8"?>
+<p:sld xmlns:a="http://schemas.openxmlformats.org/drawingml/2006/main" xmlns:r="http://schemas.openxmlformats.org/officeDocument/2006/relationships" xmlns:p="http://schemas.openxmlformats.org/presentationml/2006/main">
+  <p:cSld>
+    <p:spTree>
+      <p:nvGrpSpPr>
+        <p:cNvPr id="1" name=""/>
+        <p:cNvGrpSpPr/>
+        <p:nvPr/>
+      </p:nvGrpSpPr>
+      <p:grpSpPr>
+        <a:xfrm>
+          <a:off x="0" y="0"/>
+          <a:ext cx="0" cy="0"/>
+          <a:chOff x="0" y="0"/>
+          <a:chExt cx="0" cy="0"/>
+        </a:xfrm>
+      </p:grpSpPr>
+      <p:sp>
+        <p:nvSpPr>
+          <p:cNvPr id="3" name="Textplatzhalter 2">
+            <a:extLst>
+              <a:ext uri="{FF2B5EF4-FFF2-40B4-BE49-F238E27FC236}">
+                <a16:creationId xmlns:a16="http://schemas.microsoft.com/office/drawing/2014/main" id="{57625549-4941-4E12-AA37-2C694939FB57}"/>
+              </a:ext>
+            </a:extLst>
+          </p:cNvPr>
+          <p:cNvSpPr>
+            <a:spLocks noGrp="1"/>
+          </p:cNvSpPr>
+          <p:nvPr>
+            <p:ph type="body" sz="quarter" idx="13"/>
+          </p:nvPr>
+        </p:nvSpPr>
+        <p:spPr/>
+        <p:txBody>
+          <a:bodyPr>
+            <a:normAutofit/>
+          </a:bodyPr>
+          <a:lstStyle/>
+          <a:p>
+            <a:r>
+              <a:rPr lang="en-US" sz="2400" dirty="0"/>
+              <a:t>Sending Events to Workflows</a:t>
+            </a:r>
+            <a:endParaRPr lang="de-DE" sz="2400" dirty="0"/>
+          </a:p>
+        </p:txBody>
+      </p:sp>
+      <p:cxnSp>
+        <p:nvCxnSpPr>
+          <p:cNvPr id="6" name="Gerader Verbinder 5">
+            <a:extLst>
+              <a:ext uri="{FF2B5EF4-FFF2-40B4-BE49-F238E27FC236}">
+                <a16:creationId xmlns:a16="http://schemas.microsoft.com/office/drawing/2014/main" id="{B230473C-6B74-4169-8062-6A758FE1F4AC}"/>
+              </a:ext>
+            </a:extLst>
+          </p:cNvPr>
+          <p:cNvCxnSpPr>
+            <a:cxnSpLocks/>
+          </p:cNvCxnSpPr>
+          <p:nvPr/>
+        </p:nvCxnSpPr>
+        <p:spPr>
+          <a:xfrm>
+            <a:off x="3343788" y="1278517"/>
+            <a:ext cx="0" cy="4214509"/>
+          </a:xfrm>
+          <a:prstGeom prst="line">
+            <a:avLst/>
+          </a:prstGeom>
+          <a:ln w="25400" cap="rnd">
+            <a:solidFill>
+              <a:srgbClr val="3F3658"/>
+            </a:solidFill>
+          </a:ln>
+        </p:spPr>
+        <p:style>
+          <a:lnRef idx="1">
+            <a:schemeClr val="accent1"/>
+          </a:lnRef>
+          <a:fillRef idx="0">
+            <a:schemeClr val="accent1"/>
+          </a:fillRef>
+          <a:effectRef idx="0">
+            <a:schemeClr val="accent1"/>
+          </a:effectRef>
+          <a:fontRef idx="minor">
+            <a:schemeClr val="tx1"/>
+          </a:fontRef>
+        </p:style>
+      </p:cxnSp>
+      <p:sp>
+        <p:nvSpPr>
+          <p:cNvPr id="9" name="Textfeld 8">
+            <a:extLst>
+              <a:ext uri="{FF2B5EF4-FFF2-40B4-BE49-F238E27FC236}">
+                <a16:creationId xmlns:a16="http://schemas.microsoft.com/office/drawing/2014/main" id="{2868B512-7AD0-41BB-B2FA-6D895090D1D0}"/>
+              </a:ext>
+            </a:extLst>
+          </p:cNvPr>
+          <p:cNvSpPr txBox="1"/>
+          <p:nvPr/>
+        </p:nvSpPr>
+        <p:spPr>
+          <a:xfrm>
+            <a:off x="3882895" y="2077720"/>
+            <a:ext cx="5955476" cy="2616101"/>
+          </a:xfrm>
+          <a:prstGeom prst="rect">
+            <a:avLst/>
+          </a:prstGeom>
+          <a:noFill/>
+        </p:spPr>
+        <p:txBody>
+          <a:bodyPr wrap="none" rtlCol="0">
+            <a:spAutoFit/>
+          </a:bodyPr>
+          <a:lstStyle/>
+          <a:p>
+            <a:r>
+              <a:rPr lang="en-US" sz="2000" b="1" dirty="0">
+                <a:solidFill>
+                  <a:srgbClr val="5A536D"/>
+                </a:solidFill>
+              </a:rPr>
+              <a:t>Send using the ‘</a:t>
+            </a:r>
+            <a:r>
+              <a:rPr lang="en-US" sz="2000" b="1" dirty="0" err="1">
+                <a:solidFill>
+                  <a:srgbClr val="5A536D"/>
+                </a:solidFill>
+              </a:rPr>
+              <a:t>raiseEvent</a:t>
+            </a:r>
+            <a:r>
+              <a:rPr lang="en-US" sz="2000" b="1" dirty="0">
+                <a:solidFill>
+                  <a:srgbClr val="5A536D"/>
+                </a:solidFill>
+              </a:rPr>
+              <a:t>’ API </a:t>
+            </a:r>
+          </a:p>
+          <a:p>
+            <a:pPr marL="742950" lvl="1" indent="-285750">
+              <a:buFont typeface="Symbol" panose="05050102010706020507" pitchFamily="18" charset="2"/>
+              <a:buChar char="-"/>
+            </a:pPr>
+            <a:r>
+              <a:rPr lang="en-US" dirty="0">
+                <a:solidFill>
+                  <a:srgbClr val="083232"/>
+                </a:solidFill>
+              </a:rPr>
+              <a:t>This endpoint includes a secret key </a:t>
+            </a:r>
+          </a:p>
+          <a:p>
+            <a:pPr marL="742950" lvl="1" indent="-285750">
+              <a:buFont typeface="Symbol" panose="05050102010706020507" pitchFamily="18" charset="2"/>
+              <a:buChar char="-"/>
+            </a:pPr>
+            <a:r>
+              <a:rPr lang="en-US" dirty="0">
+                <a:solidFill>
+                  <a:srgbClr val="083232"/>
+                </a:solidFill>
+              </a:rPr>
+              <a:t>You need the </a:t>
+            </a:r>
+            <a:r>
+              <a:rPr lang="en-US" dirty="0" err="1">
+                <a:solidFill>
+                  <a:srgbClr val="083232"/>
+                </a:solidFill>
+              </a:rPr>
+              <a:t>instanceId</a:t>
+            </a:r>
+            <a:r>
+              <a:rPr lang="en-US" dirty="0">
+                <a:solidFill>
+                  <a:srgbClr val="083232"/>
+                </a:solidFill>
+              </a:rPr>
+              <a:t> from the workflow</a:t>
+            </a:r>
+          </a:p>
+          <a:p>
+            <a:pPr marL="742950" lvl="1" indent="-285750">
+              <a:buFont typeface="Symbol" panose="05050102010706020507" pitchFamily="18" charset="2"/>
+              <a:buChar char="-"/>
+            </a:pPr>
+            <a:endParaRPr lang="en-US" dirty="0">
+              <a:solidFill>
+                <a:srgbClr val="083232"/>
+              </a:solidFill>
+            </a:endParaRPr>
+          </a:p>
+          <a:p>
+            <a:r>
+              <a:rPr lang="en-US" b="1" dirty="0">
+                <a:solidFill>
+                  <a:srgbClr val="083232"/>
+                </a:solidFill>
+              </a:rPr>
+              <a:t>Human interaction triggers a regular Azure Function</a:t>
+            </a:r>
+          </a:p>
+          <a:p>
+            <a:pPr marL="742950" lvl="1" indent="-285750">
+              <a:buFont typeface="Symbol" panose="05050102010706020507" pitchFamily="18" charset="2"/>
+              <a:buChar char="-"/>
+            </a:pPr>
+            <a:r>
+              <a:rPr lang="en-US" dirty="0">
+                <a:solidFill>
+                  <a:srgbClr val="083232"/>
+                </a:solidFill>
+              </a:rPr>
+              <a:t>HTTP Trigger</a:t>
+            </a:r>
+          </a:p>
+          <a:p>
+            <a:pPr marL="742950" lvl="1" indent="-285750">
+              <a:buFont typeface="Symbol" panose="05050102010706020507" pitchFamily="18" charset="2"/>
+              <a:buChar char="-"/>
+            </a:pPr>
+            <a:r>
+              <a:rPr lang="en-US" dirty="0">
+                <a:solidFill>
+                  <a:srgbClr val="083232"/>
+                </a:solidFill>
+              </a:rPr>
+              <a:t>Queue Trigger</a:t>
+            </a:r>
+          </a:p>
+          <a:p>
+            <a:pPr marL="742950" lvl="1" indent="-285750">
+              <a:buFont typeface="Symbol" panose="05050102010706020507" pitchFamily="18" charset="2"/>
+              <a:buChar char="-"/>
+            </a:pPr>
+            <a:endParaRPr lang="en-US" dirty="0">
+              <a:solidFill>
+                <a:srgbClr val="083232"/>
+              </a:solidFill>
+            </a:endParaRPr>
+          </a:p>
+          <a:p>
+            <a:r>
+              <a:rPr lang="de-DE" b="1" dirty="0" err="1">
+                <a:solidFill>
+                  <a:srgbClr val="083232"/>
+                </a:solidFill>
+              </a:rPr>
+              <a:t>DurableOrchestrationClient.RaiseEventAsync</a:t>
+            </a:r>
+            <a:endParaRPr lang="de-DE" b="1" dirty="0">
+              <a:solidFill>
+                <a:srgbClr val="083232"/>
+              </a:solidFill>
+            </a:endParaRPr>
+          </a:p>
+        </p:txBody>
+      </p:sp>
+      <p:pic>
+        <p:nvPicPr>
+          <p:cNvPr id="4" name="Grafik 3">
+            <a:extLst>
+              <a:ext uri="{FF2B5EF4-FFF2-40B4-BE49-F238E27FC236}">
+                <a16:creationId xmlns:a16="http://schemas.microsoft.com/office/drawing/2014/main" id="{3B9BCA43-9070-4A66-8297-17562E56C857}"/>
+              </a:ext>
+            </a:extLst>
+          </p:cNvPr>
+          <p:cNvPicPr>
+            <a:picLocks noChangeAspect="1"/>
+          </p:cNvPicPr>
+          <p:nvPr/>
+        </p:nvPicPr>
+        <p:blipFill>
+          <a:blip r:embed="rId2">
+            <a:extLst>
+              <a:ext uri="{28A0092B-C50C-407E-A947-70E740481C1C}">
+                <a14:useLocalDpi xmlns:a14="http://schemas.microsoft.com/office/drawing/2010/main" val="0"/>
+              </a:ext>
+            </a:extLst>
+          </a:blip>
+          <a:stretch>
+            <a:fillRect/>
+          </a:stretch>
+        </p:blipFill>
+        <p:spPr>
+          <a:xfrm>
+            <a:off x="841364" y="2476500"/>
+            <a:ext cx="1905000" cy="1905000"/>
+          </a:xfrm>
+          <a:prstGeom prst="rect">
+            <a:avLst/>
+          </a:prstGeom>
+        </p:spPr>
+      </p:pic>
+    </p:spTree>
+    <p:extLst>
+      <p:ext uri="{BB962C8B-B14F-4D97-AF65-F5344CB8AC3E}">
+        <p14:creationId xmlns:p14="http://schemas.microsoft.com/office/powerpoint/2010/main" val="3715767111"/>
+      </p:ext>
+    </p:extLst>
+  </p:cSld>
+  <p:clrMapOvr>
+    <a:masterClrMapping/>
+  </p:clrMapOvr>
+</p:sld>
+</file>
+
 <file path=ppt/slides/slide16.xml><?xml version="1.0" encoding="utf-8"?>
 <p:sld xmlns:a="http://schemas.openxmlformats.org/drawingml/2006/main" xmlns:r="http://schemas.openxmlformats.org/officeDocument/2006/relationships" xmlns:p="http://schemas.openxmlformats.org/presentationml/2006/main">
   <p:cSld>
@@ -8102,356 +8290,6 @@
           <a:p>
             <a:r>
               <a:rPr lang="en-US" sz="2400" dirty="0"/>
-              <a:t>Sending Events to Workflows</a:t>
-            </a:r>
-            <a:endParaRPr lang="de-DE" sz="2400" dirty="0"/>
-          </a:p>
-        </p:txBody>
-      </p:sp>
-      <p:cxnSp>
-        <p:nvCxnSpPr>
-          <p:cNvPr id="6" name="Gerader Verbinder 5">
-            <a:extLst>
-              <a:ext uri="{FF2B5EF4-FFF2-40B4-BE49-F238E27FC236}">
-                <a16:creationId xmlns:a16="http://schemas.microsoft.com/office/drawing/2014/main" id="{B230473C-6B74-4169-8062-6A758FE1F4AC}"/>
-              </a:ext>
-            </a:extLst>
-          </p:cNvPr>
-          <p:cNvCxnSpPr>
-            <a:cxnSpLocks/>
-          </p:cNvCxnSpPr>
-          <p:nvPr/>
-        </p:nvCxnSpPr>
-        <p:spPr>
-          <a:xfrm>
-            <a:off x="3343788" y="1278517"/>
-            <a:ext cx="0" cy="4214509"/>
-          </a:xfrm>
-          <a:prstGeom prst="line">
-            <a:avLst/>
-          </a:prstGeom>
-          <a:ln w="25400" cap="rnd">
-            <a:solidFill>
-              <a:srgbClr val="3F3658"/>
-            </a:solidFill>
-          </a:ln>
-        </p:spPr>
-        <p:style>
-          <a:lnRef idx="1">
-            <a:schemeClr val="accent1"/>
-          </a:lnRef>
-          <a:fillRef idx="0">
-            <a:schemeClr val="accent1"/>
-          </a:fillRef>
-          <a:effectRef idx="0">
-            <a:schemeClr val="accent1"/>
-          </a:effectRef>
-          <a:fontRef idx="minor">
-            <a:schemeClr val="tx1"/>
-          </a:fontRef>
-        </p:style>
-      </p:cxnSp>
-      <p:sp>
-        <p:nvSpPr>
-          <p:cNvPr id="9" name="Textfeld 8">
-            <a:extLst>
-              <a:ext uri="{FF2B5EF4-FFF2-40B4-BE49-F238E27FC236}">
-                <a16:creationId xmlns:a16="http://schemas.microsoft.com/office/drawing/2014/main" id="{2868B512-7AD0-41BB-B2FA-6D895090D1D0}"/>
-              </a:ext>
-            </a:extLst>
-          </p:cNvPr>
-          <p:cNvSpPr txBox="1"/>
-          <p:nvPr/>
-        </p:nvSpPr>
-        <p:spPr>
-          <a:xfrm>
-            <a:off x="3882895" y="2077720"/>
-            <a:ext cx="5955476" cy="2616101"/>
-          </a:xfrm>
-          <a:prstGeom prst="rect">
-            <a:avLst/>
-          </a:prstGeom>
-          <a:noFill/>
-        </p:spPr>
-        <p:txBody>
-          <a:bodyPr wrap="none" rtlCol="0">
-            <a:spAutoFit/>
-          </a:bodyPr>
-          <a:lstStyle/>
-          <a:p>
-            <a:r>
-              <a:rPr lang="en-US" sz="2000" b="1" dirty="0">
-                <a:solidFill>
-                  <a:srgbClr val="5A536D"/>
-                </a:solidFill>
-              </a:rPr>
-              <a:t>Send using the ‘</a:t>
-            </a:r>
-            <a:r>
-              <a:rPr lang="en-US" sz="2000" b="1" dirty="0" err="1">
-                <a:solidFill>
-                  <a:srgbClr val="5A536D"/>
-                </a:solidFill>
-              </a:rPr>
-              <a:t>raiseEvent</a:t>
-            </a:r>
-            <a:r>
-              <a:rPr lang="en-US" sz="2000" b="1" dirty="0">
-                <a:solidFill>
-                  <a:srgbClr val="5A536D"/>
-                </a:solidFill>
-              </a:rPr>
-              <a:t>’ API </a:t>
-            </a:r>
-          </a:p>
-          <a:p>
-            <a:pPr marL="742950" lvl="1" indent="-285750">
-              <a:buFont typeface="Symbol" panose="05050102010706020507" pitchFamily="18" charset="2"/>
-              <a:buChar char="-"/>
-            </a:pPr>
-            <a:r>
-              <a:rPr lang="en-US" dirty="0">
-                <a:solidFill>
-                  <a:srgbClr val="083232"/>
-                </a:solidFill>
-              </a:rPr>
-              <a:t>This endpoint includes a secret key </a:t>
-            </a:r>
-          </a:p>
-          <a:p>
-            <a:pPr marL="742950" lvl="1" indent="-285750">
-              <a:buFont typeface="Symbol" panose="05050102010706020507" pitchFamily="18" charset="2"/>
-              <a:buChar char="-"/>
-            </a:pPr>
-            <a:r>
-              <a:rPr lang="en-US" dirty="0">
-                <a:solidFill>
-                  <a:srgbClr val="083232"/>
-                </a:solidFill>
-              </a:rPr>
-              <a:t>You need the </a:t>
-            </a:r>
-            <a:r>
-              <a:rPr lang="en-US" dirty="0" err="1">
-                <a:solidFill>
-                  <a:srgbClr val="083232"/>
-                </a:solidFill>
-              </a:rPr>
-              <a:t>instanceId</a:t>
-            </a:r>
-            <a:r>
-              <a:rPr lang="en-US" dirty="0">
-                <a:solidFill>
-                  <a:srgbClr val="083232"/>
-                </a:solidFill>
-              </a:rPr>
-              <a:t> from the workflow</a:t>
-            </a:r>
-          </a:p>
-          <a:p>
-            <a:pPr marL="742950" lvl="1" indent="-285750">
-              <a:buFont typeface="Symbol" panose="05050102010706020507" pitchFamily="18" charset="2"/>
-              <a:buChar char="-"/>
-            </a:pPr>
-            <a:endParaRPr lang="en-US" dirty="0">
-              <a:solidFill>
-                <a:srgbClr val="083232"/>
-              </a:solidFill>
-            </a:endParaRPr>
-          </a:p>
-          <a:p>
-            <a:r>
-              <a:rPr lang="en-US" b="1" dirty="0">
-                <a:solidFill>
-                  <a:srgbClr val="083232"/>
-                </a:solidFill>
-              </a:rPr>
-              <a:t>Human interaction triggers a regular Azure Function</a:t>
-            </a:r>
-          </a:p>
-          <a:p>
-            <a:pPr marL="742950" lvl="1" indent="-285750">
-              <a:buFont typeface="Symbol" panose="05050102010706020507" pitchFamily="18" charset="2"/>
-              <a:buChar char="-"/>
-            </a:pPr>
-            <a:r>
-              <a:rPr lang="en-US" dirty="0">
-                <a:solidFill>
-                  <a:srgbClr val="083232"/>
-                </a:solidFill>
-              </a:rPr>
-              <a:t>HTTP Trigger</a:t>
-            </a:r>
-          </a:p>
-          <a:p>
-            <a:pPr marL="742950" lvl="1" indent="-285750">
-              <a:buFont typeface="Symbol" panose="05050102010706020507" pitchFamily="18" charset="2"/>
-              <a:buChar char="-"/>
-            </a:pPr>
-            <a:r>
-              <a:rPr lang="en-US" dirty="0">
-                <a:solidFill>
-                  <a:srgbClr val="083232"/>
-                </a:solidFill>
-              </a:rPr>
-              <a:t>Queue Trigger</a:t>
-            </a:r>
-          </a:p>
-          <a:p>
-            <a:pPr marL="742950" lvl="1" indent="-285750">
-              <a:buFont typeface="Symbol" panose="05050102010706020507" pitchFamily="18" charset="2"/>
-              <a:buChar char="-"/>
-            </a:pPr>
-            <a:endParaRPr lang="en-US" dirty="0">
-              <a:solidFill>
-                <a:srgbClr val="083232"/>
-              </a:solidFill>
-            </a:endParaRPr>
-          </a:p>
-          <a:p>
-            <a:r>
-              <a:rPr lang="de-DE" b="1" dirty="0" err="1">
-                <a:solidFill>
-                  <a:srgbClr val="083232"/>
-                </a:solidFill>
-              </a:rPr>
-              <a:t>DurableOrchestrationClient.RaiseEventAsync</a:t>
-            </a:r>
-            <a:endParaRPr lang="de-DE" b="1" dirty="0">
-              <a:solidFill>
-                <a:srgbClr val="083232"/>
-              </a:solidFill>
-            </a:endParaRPr>
-          </a:p>
-        </p:txBody>
-      </p:sp>
-      <p:pic>
-        <p:nvPicPr>
-          <p:cNvPr id="15" name="Grafik 14">
-            <a:extLst>
-              <a:ext uri="{FF2B5EF4-FFF2-40B4-BE49-F238E27FC236}">
-                <a16:creationId xmlns:a16="http://schemas.microsoft.com/office/drawing/2014/main" id="{EF01A897-C21A-4E6D-985D-61F7BE664A30}"/>
-              </a:ext>
-            </a:extLst>
-          </p:cNvPr>
-          <p:cNvPicPr>
-            <a:picLocks noChangeAspect="1"/>
-          </p:cNvPicPr>
-          <p:nvPr/>
-        </p:nvPicPr>
-        <p:blipFill>
-          <a:blip r:embed="rId2">
-            <a:extLst>
-              <a:ext uri="{28A0092B-C50C-407E-A947-70E740481C1C}">
-                <a14:useLocalDpi xmlns:a14="http://schemas.microsoft.com/office/drawing/2010/main" val="0"/>
-              </a:ext>
-            </a:extLst>
-          </a:blip>
-          <a:stretch>
-            <a:fillRect/>
-          </a:stretch>
-        </p:blipFill>
-        <p:spPr>
-          <a:xfrm>
-            <a:off x="9445636" y="4704522"/>
-            <a:ext cx="284922" cy="284922"/>
-          </a:xfrm>
-          <a:prstGeom prst="rect">
-            <a:avLst/>
-          </a:prstGeom>
-        </p:spPr>
-      </p:pic>
-      <p:pic>
-        <p:nvPicPr>
-          <p:cNvPr id="4" name="Grafik 3">
-            <a:extLst>
-              <a:ext uri="{FF2B5EF4-FFF2-40B4-BE49-F238E27FC236}">
-                <a16:creationId xmlns:a16="http://schemas.microsoft.com/office/drawing/2014/main" id="{3B9BCA43-9070-4A66-8297-17562E56C857}"/>
-              </a:ext>
-            </a:extLst>
-          </p:cNvPr>
-          <p:cNvPicPr>
-            <a:picLocks noChangeAspect="1"/>
-          </p:cNvPicPr>
-          <p:nvPr/>
-        </p:nvPicPr>
-        <p:blipFill>
-          <a:blip r:embed="rId3">
-            <a:extLst>
-              <a:ext uri="{28A0092B-C50C-407E-A947-70E740481C1C}">
-                <a14:useLocalDpi xmlns:a14="http://schemas.microsoft.com/office/drawing/2010/main" val="0"/>
-              </a:ext>
-            </a:extLst>
-          </a:blip>
-          <a:stretch>
-            <a:fillRect/>
-          </a:stretch>
-        </p:blipFill>
-        <p:spPr>
-          <a:xfrm>
-            <a:off x="841364" y="2476500"/>
-            <a:ext cx="1905000" cy="1905000"/>
-          </a:xfrm>
-          <a:prstGeom prst="rect">
-            <a:avLst/>
-          </a:prstGeom>
-        </p:spPr>
-      </p:pic>
-    </p:spTree>
-    <p:extLst>
-      <p:ext uri="{BB962C8B-B14F-4D97-AF65-F5344CB8AC3E}">
-        <p14:creationId xmlns:p14="http://schemas.microsoft.com/office/powerpoint/2010/main" val="3715767111"/>
-      </p:ext>
-    </p:extLst>
-  </p:cSld>
-  <p:clrMapOvr>
-    <a:masterClrMapping/>
-  </p:clrMapOvr>
-</p:sld>
-</file>
-
-<file path=ppt/slides/slide17.xml><?xml version="1.0" encoding="utf-8"?>
-<p:sld xmlns:a="http://schemas.openxmlformats.org/drawingml/2006/main" xmlns:r="http://schemas.openxmlformats.org/officeDocument/2006/relationships" xmlns:p="http://schemas.openxmlformats.org/presentationml/2006/main">
-  <p:cSld>
-    <p:spTree>
-      <p:nvGrpSpPr>
-        <p:cNvPr id="1" name=""/>
-        <p:cNvGrpSpPr/>
-        <p:nvPr/>
-      </p:nvGrpSpPr>
-      <p:grpSpPr>
-        <a:xfrm>
-          <a:off x="0" y="0"/>
-          <a:ext cx="0" cy="0"/>
-          <a:chOff x="0" y="0"/>
-          <a:chExt cx="0" cy="0"/>
-        </a:xfrm>
-      </p:grpSpPr>
-      <p:sp>
-        <p:nvSpPr>
-          <p:cNvPr id="3" name="Textplatzhalter 2">
-            <a:extLst>
-              <a:ext uri="{FF2B5EF4-FFF2-40B4-BE49-F238E27FC236}">
-                <a16:creationId xmlns:a16="http://schemas.microsoft.com/office/drawing/2014/main" id="{57625549-4941-4E12-AA37-2C694939FB57}"/>
-              </a:ext>
-            </a:extLst>
-          </p:cNvPr>
-          <p:cNvSpPr>
-            <a:spLocks noGrp="1"/>
-          </p:cNvSpPr>
-          <p:nvPr>
-            <p:ph type="body" sz="quarter" idx="13"/>
-          </p:nvPr>
-        </p:nvSpPr>
-        <p:spPr/>
-        <p:txBody>
-          <a:bodyPr>
-            <a:normAutofit/>
-          </a:bodyPr>
-          <a:lstStyle/>
-          <a:p>
-            <a:r>
-              <a:rPr lang="en-US" sz="2400" dirty="0"/>
               <a:t>Demo: Simple Durable Functions Workflow</a:t>
             </a:r>
             <a:endParaRPr lang="de-DE" sz="2400" dirty="0"/>
@@ -8614,7 +8452,7 @@
 </p:sld>
 </file>
 
-<file path=ppt/slides/slide18.xml><?xml version="1.0" encoding="utf-8"?>
+<file path=ppt/slides/slide17.xml><?xml version="1.0" encoding="utf-8"?>
 <p:sld xmlns:a="http://schemas.openxmlformats.org/drawingml/2006/main" xmlns:r="http://schemas.openxmlformats.org/officeDocument/2006/relationships" xmlns:p="http://schemas.openxmlformats.org/presentationml/2006/main">
   <p:cSld>
     <p:spTree>
@@ -9971,6 +9809,310 @@
 </p:sld>
 </file>
 
+<file path=ppt/slides/slide18.xml><?xml version="1.0" encoding="utf-8"?>
+<p:sld xmlns:a="http://schemas.openxmlformats.org/drawingml/2006/main" xmlns:r="http://schemas.openxmlformats.org/officeDocument/2006/relationships" xmlns:p="http://schemas.openxmlformats.org/presentationml/2006/main">
+  <p:cSld>
+    <p:spTree>
+      <p:nvGrpSpPr>
+        <p:cNvPr id="1" name=""/>
+        <p:cNvGrpSpPr/>
+        <p:nvPr/>
+      </p:nvGrpSpPr>
+      <p:grpSpPr>
+        <a:xfrm>
+          <a:off x="0" y="0"/>
+          <a:ext cx="0" cy="0"/>
+          <a:chOff x="0" y="0"/>
+          <a:chExt cx="0" cy="0"/>
+        </a:xfrm>
+      </p:grpSpPr>
+      <p:sp>
+        <p:nvSpPr>
+          <p:cNvPr id="3" name="Textplatzhalter 2">
+            <a:extLst>
+              <a:ext uri="{FF2B5EF4-FFF2-40B4-BE49-F238E27FC236}">
+                <a16:creationId xmlns:a16="http://schemas.microsoft.com/office/drawing/2014/main" id="{57625549-4941-4E12-AA37-2C694939FB57}"/>
+              </a:ext>
+            </a:extLst>
+          </p:cNvPr>
+          <p:cNvSpPr>
+            <a:spLocks noGrp="1"/>
+          </p:cNvSpPr>
+          <p:nvPr>
+            <p:ph type="body" sz="quarter" idx="13"/>
+          </p:nvPr>
+        </p:nvSpPr>
+        <p:spPr/>
+        <p:txBody>
+          <a:bodyPr>
+            <a:normAutofit/>
+          </a:bodyPr>
+          <a:lstStyle/>
+          <a:p>
+            <a:r>
+              <a:rPr lang="en-US" sz="2400" dirty="0"/>
+              <a:t>Durable Functions State Storage</a:t>
+            </a:r>
+            <a:endParaRPr lang="de-DE" sz="2400" dirty="0"/>
+          </a:p>
+        </p:txBody>
+      </p:sp>
+      <p:cxnSp>
+        <p:nvCxnSpPr>
+          <p:cNvPr id="6" name="Gerader Verbinder 5">
+            <a:extLst>
+              <a:ext uri="{FF2B5EF4-FFF2-40B4-BE49-F238E27FC236}">
+                <a16:creationId xmlns:a16="http://schemas.microsoft.com/office/drawing/2014/main" id="{7EFA8ABD-5F72-4B46-BE3A-27B92D0D2871}"/>
+              </a:ext>
+            </a:extLst>
+          </p:cNvPr>
+          <p:cNvCxnSpPr>
+            <a:cxnSpLocks/>
+          </p:cNvCxnSpPr>
+          <p:nvPr/>
+        </p:nvCxnSpPr>
+        <p:spPr>
+          <a:xfrm>
+            <a:off x="3343788" y="1278517"/>
+            <a:ext cx="0" cy="4585570"/>
+          </a:xfrm>
+          <a:prstGeom prst="line">
+            <a:avLst/>
+          </a:prstGeom>
+          <a:ln w="25400" cap="rnd">
+            <a:solidFill>
+              <a:srgbClr val="3F3658"/>
+            </a:solidFill>
+          </a:ln>
+        </p:spPr>
+        <p:style>
+          <a:lnRef idx="1">
+            <a:schemeClr val="accent1"/>
+          </a:lnRef>
+          <a:fillRef idx="0">
+            <a:schemeClr val="accent1"/>
+          </a:fillRef>
+          <a:effectRef idx="0">
+            <a:schemeClr val="accent1"/>
+          </a:effectRef>
+          <a:fontRef idx="minor">
+            <a:schemeClr val="tx1"/>
+          </a:fontRef>
+        </p:style>
+      </p:cxnSp>
+      <p:sp>
+        <p:nvSpPr>
+          <p:cNvPr id="7" name="Textfeld 6">
+            <a:extLst>
+              <a:ext uri="{FF2B5EF4-FFF2-40B4-BE49-F238E27FC236}">
+                <a16:creationId xmlns:a16="http://schemas.microsoft.com/office/drawing/2014/main" id="{3E5CCA95-BF7A-46E4-9279-89F179D25AE6}"/>
+              </a:ext>
+            </a:extLst>
+          </p:cNvPr>
+          <p:cNvSpPr txBox="1"/>
+          <p:nvPr/>
+        </p:nvSpPr>
+        <p:spPr>
+          <a:xfrm>
+            <a:off x="3882895" y="1678476"/>
+            <a:ext cx="5673348" cy="3785652"/>
+          </a:xfrm>
+          <a:prstGeom prst="rect">
+            <a:avLst/>
+          </a:prstGeom>
+          <a:noFill/>
+        </p:spPr>
+        <p:txBody>
+          <a:bodyPr wrap="none" rtlCol="0">
+            <a:spAutoFit/>
+          </a:bodyPr>
+          <a:lstStyle/>
+          <a:p>
+            <a:r>
+              <a:rPr lang="en-US" sz="2000" b="1" dirty="0">
+                <a:solidFill>
+                  <a:srgbClr val="5A536D"/>
+                </a:solidFill>
+              </a:rPr>
+              <a:t>Durable Functions uses Azure Storage</a:t>
+            </a:r>
+          </a:p>
+          <a:p>
+            <a:endParaRPr lang="en-US" sz="2000" b="1" dirty="0">
+              <a:solidFill>
+                <a:srgbClr val="5A536D"/>
+              </a:solidFill>
+            </a:endParaRPr>
+          </a:p>
+          <a:p>
+            <a:r>
+              <a:rPr lang="en-US" sz="2000" b="1" dirty="0">
+                <a:solidFill>
+                  <a:srgbClr val="5A536D"/>
+                </a:solidFill>
+              </a:rPr>
+              <a:t>Storage Queues</a:t>
+            </a:r>
+          </a:p>
+          <a:p>
+            <a:pPr marL="800100" lvl="1" indent="-342900">
+              <a:buFont typeface="Symbol" panose="05050102010706020507" pitchFamily="18" charset="2"/>
+              <a:buChar char="-"/>
+            </a:pPr>
+            <a:r>
+              <a:rPr lang="en-US" sz="2000" dirty="0">
+                <a:solidFill>
+                  <a:srgbClr val="5A536D"/>
+                </a:solidFill>
+              </a:rPr>
+              <a:t>Messages to trigger the next function</a:t>
+            </a:r>
+          </a:p>
+          <a:p>
+            <a:endParaRPr lang="en-US" sz="2000" b="1" dirty="0">
+              <a:solidFill>
+                <a:srgbClr val="5A536D"/>
+              </a:solidFill>
+            </a:endParaRPr>
+          </a:p>
+          <a:p>
+            <a:r>
+              <a:rPr lang="en-US" sz="2000" b="1" dirty="0">
+                <a:solidFill>
+                  <a:srgbClr val="5A536D"/>
+                </a:solidFill>
+              </a:rPr>
+              <a:t>Storage Tables</a:t>
+            </a:r>
+          </a:p>
+          <a:p>
+            <a:pPr marL="800100" lvl="1" indent="-342900">
+              <a:buFont typeface="Symbol" panose="05050102010706020507" pitchFamily="18" charset="2"/>
+              <a:buChar char="-"/>
+            </a:pPr>
+            <a:r>
+              <a:rPr lang="en-US" sz="2000" dirty="0">
+                <a:solidFill>
+                  <a:srgbClr val="5A536D"/>
+                </a:solidFill>
+              </a:rPr>
+              <a:t>Store state of orchestrations</a:t>
+            </a:r>
+          </a:p>
+          <a:p>
+            <a:pPr marL="800100" lvl="1" indent="-342900">
+              <a:buFont typeface="Symbol" panose="05050102010706020507" pitchFamily="18" charset="2"/>
+              <a:buChar char="-"/>
+            </a:pPr>
+            <a:endParaRPr lang="en-US" sz="2000" dirty="0">
+              <a:solidFill>
+                <a:srgbClr val="5A536D"/>
+              </a:solidFill>
+            </a:endParaRPr>
+          </a:p>
+          <a:p>
+            <a:r>
+              <a:rPr lang="en-US" sz="2000" b="1" dirty="0">
+                <a:solidFill>
+                  <a:srgbClr val="5A536D"/>
+                </a:solidFill>
+              </a:rPr>
+              <a:t>Task Hub</a:t>
+            </a:r>
+          </a:p>
+          <a:p>
+            <a:pPr marL="800100" lvl="1" indent="-342900">
+              <a:buFont typeface="Symbol" panose="05050102010706020507" pitchFamily="18" charset="2"/>
+              <a:buChar char="-"/>
+            </a:pPr>
+            <a:r>
+              <a:rPr lang="en-US" sz="2000" dirty="0">
+                <a:solidFill>
+                  <a:srgbClr val="5A536D"/>
+                </a:solidFill>
+              </a:rPr>
+              <a:t>The storage used by Durable Functions</a:t>
+            </a:r>
+          </a:p>
+          <a:p>
+            <a:pPr marL="800100" lvl="1" indent="-342900">
+              <a:buFont typeface="Symbol" panose="05050102010706020507" pitchFamily="18" charset="2"/>
+              <a:buChar char="-"/>
+            </a:pPr>
+            <a:r>
+              <a:rPr lang="en-US" sz="2000" dirty="0">
+                <a:solidFill>
+                  <a:srgbClr val="5A536D"/>
+                </a:solidFill>
+              </a:rPr>
+              <a:t>You can use multiple task hubs</a:t>
+            </a:r>
+          </a:p>
+          <a:p>
+            <a:pPr marL="800100" lvl="1" indent="-342900">
+              <a:buFont typeface="Symbol" panose="05050102010706020507" pitchFamily="18" charset="2"/>
+              <a:buChar char="-"/>
+            </a:pPr>
+            <a:r>
+              <a:rPr lang="en-US" sz="2000" dirty="0">
+                <a:solidFill>
+                  <a:srgbClr val="5A536D"/>
+                </a:solidFill>
+              </a:rPr>
+              <a:t>They can share a storage account</a:t>
+            </a:r>
+          </a:p>
+        </p:txBody>
+      </p:sp>
+      <p:pic>
+        <p:nvPicPr>
+          <p:cNvPr id="9" name="Grafik 8">
+            <a:extLst>
+              <a:ext uri="{FF2B5EF4-FFF2-40B4-BE49-F238E27FC236}">
+                <a16:creationId xmlns:a16="http://schemas.microsoft.com/office/drawing/2014/main" id="{EBC0C6E5-A148-40A3-B8F2-DE5286CA8540}"/>
+              </a:ext>
+            </a:extLst>
+          </p:cNvPr>
+          <p:cNvPicPr>
+            <a:picLocks noChangeAspect="1"/>
+          </p:cNvPicPr>
+          <p:nvPr/>
+        </p:nvPicPr>
+        <p:blipFill>
+          <a:blip r:embed="rId2">
+            <a:extLst>
+              <a:ext uri="{28A0092B-C50C-407E-A947-70E740481C1C}">
+                <a14:useLocalDpi xmlns:a14="http://schemas.microsoft.com/office/drawing/2010/main" val="0"/>
+              </a:ext>
+            </a:extLst>
+          </a:blip>
+          <a:stretch>
+            <a:fillRect/>
+          </a:stretch>
+        </p:blipFill>
+        <p:spPr>
+          <a:xfrm>
+            <a:off x="838201" y="2476500"/>
+            <a:ext cx="1905000" cy="1905000"/>
+          </a:xfrm>
+          <a:prstGeom prst="rect">
+            <a:avLst/>
+          </a:prstGeom>
+        </p:spPr>
+      </p:pic>
+    </p:spTree>
+    <p:extLst>
+      <p:ext uri="{BB962C8B-B14F-4D97-AF65-F5344CB8AC3E}">
+        <p14:creationId xmlns:p14="http://schemas.microsoft.com/office/powerpoint/2010/main" val="127222616"/>
+      </p:ext>
+    </p:extLst>
+  </p:cSld>
+  <p:clrMapOvr>
+    <a:masterClrMapping/>
+  </p:clrMapOvr>
+</p:sld>
+</file>
+
 <file path=ppt/slides/slide19.xml><?xml version="1.0" encoding="utf-8"?>
 <p:sld xmlns:a="http://schemas.openxmlformats.org/drawingml/2006/main" xmlns:r="http://schemas.openxmlformats.org/officeDocument/2006/relationships" xmlns:p="http://schemas.openxmlformats.org/presentationml/2006/main">
   <p:cSld>
@@ -10013,7 +10155,7 @@
           <a:p>
             <a:r>
               <a:rPr lang="en-US" sz="2400" dirty="0"/>
-              <a:t>Durable Functions State Storage</a:t>
+              <a:t>Orchestrator Function Rules</a:t>
             </a:r>
             <a:endParaRPr lang="de-DE" sz="2400" dirty="0"/>
           </a:p>
@@ -10076,8 +10218,8 @@
         </p:nvSpPr>
         <p:spPr>
           <a:xfrm>
-            <a:off x="3882895" y="1678476"/>
-            <a:ext cx="5673348" cy="3785652"/>
+            <a:off x="3882895" y="1690062"/>
+            <a:ext cx="6686446" cy="3477875"/>
           </a:xfrm>
           <a:prstGeom prst="rect">
             <a:avLst/>
@@ -10096,7 +10238,109 @@
                   <a:srgbClr val="5A536D"/>
                 </a:solidFill>
               </a:rPr>
-              <a:t>Durable Functions uses Azure Storage</a:t>
+              <a:t>The whole function will be “replayed</a:t>
+            </a:r>
+          </a:p>
+          <a:p>
+            <a:endParaRPr lang="en-US" sz="2000" dirty="0">
+              <a:solidFill>
+                <a:srgbClr val="5A536D"/>
+              </a:solidFill>
+            </a:endParaRPr>
+          </a:p>
+          <a:p>
+            <a:r>
+              <a:rPr lang="en-US" sz="2000" b="1" dirty="0">
+                <a:solidFill>
+                  <a:srgbClr val="5A536D"/>
+                </a:solidFill>
+              </a:rPr>
+              <a:t>Don´t</a:t>
+            </a:r>
+          </a:p>
+          <a:p>
+            <a:pPr marL="800100" lvl="1" indent="-342900">
+              <a:buFont typeface="Symbol" panose="05050102010706020507" pitchFamily="18" charset="2"/>
+              <a:buChar char="-"/>
+            </a:pPr>
+            <a:r>
+              <a:rPr lang="en-US" sz="2000" dirty="0">
+                <a:solidFill>
+                  <a:srgbClr val="5A536D"/>
+                </a:solidFill>
+              </a:rPr>
+              <a:t>No I/O to disk or network </a:t>
+            </a:r>
+          </a:p>
+          <a:p>
+            <a:pPr marL="800100" lvl="1" indent="-342900">
+              <a:buFont typeface="Symbol" panose="05050102010706020507" pitchFamily="18" charset="2"/>
+              <a:buChar char="-"/>
+            </a:pPr>
+            <a:r>
+              <a:rPr lang="en-US" sz="2000" dirty="0">
+                <a:solidFill>
+                  <a:srgbClr val="5A536D"/>
+                </a:solidFill>
+              </a:rPr>
+              <a:t>No </a:t>
+            </a:r>
+            <a:r>
+              <a:rPr lang="en-US" sz="2000" dirty="0" err="1">
+                <a:solidFill>
+                  <a:srgbClr val="5A536D"/>
+                </a:solidFill>
+              </a:rPr>
+              <a:t>Thread.Sleep</a:t>
+            </a:r>
+            <a:endParaRPr lang="en-US" sz="2000" dirty="0">
+              <a:solidFill>
+                <a:srgbClr val="5A536D"/>
+              </a:solidFill>
+            </a:endParaRPr>
+          </a:p>
+          <a:p>
+            <a:pPr marL="800100" lvl="1" indent="-342900">
+              <a:buFont typeface="Symbol" panose="05050102010706020507" pitchFamily="18" charset="2"/>
+              <a:buChar char="-"/>
+            </a:pPr>
+            <a:r>
+              <a:rPr lang="en-US" sz="2000" dirty="0">
+                <a:solidFill>
+                  <a:srgbClr val="5A536D"/>
+                </a:solidFill>
+              </a:rPr>
+              <a:t>Generate random numbers or </a:t>
+            </a:r>
+            <a:r>
+              <a:rPr lang="en-US" sz="2000" dirty="0" err="1">
+                <a:solidFill>
+                  <a:srgbClr val="5A536D"/>
+                </a:solidFill>
+              </a:rPr>
+              <a:t>Guids</a:t>
+            </a:r>
+            <a:r>
+              <a:rPr lang="en-US" sz="2000" dirty="0">
+                <a:solidFill>
+                  <a:srgbClr val="5A536D"/>
+                </a:solidFill>
+              </a:rPr>
+              <a:t> </a:t>
+            </a:r>
+          </a:p>
+          <a:p>
+            <a:pPr marL="800100" lvl="1" indent="-342900">
+              <a:buFont typeface="Symbol" panose="05050102010706020507" pitchFamily="18" charset="2"/>
+              <a:buChar char="-"/>
+            </a:pPr>
+            <a:r>
+              <a:rPr lang="en-US" sz="2000" dirty="0">
+                <a:solidFill>
+                  <a:srgbClr val="5A536D"/>
+                </a:solidFill>
+              </a:rPr>
+              <a:t>Access data stores </a:t>
             </a:r>
           </a:p>
           <a:p>
@@ -10113,7 +10357,7 @@
                   <a:srgbClr val="5A536D"/>
                 </a:solidFill>
               </a:rPr>
-              <a:t>Storage Queues</a:t>
+              <a:t>Do not initiate async operations </a:t>
             </a:r>
           </a:p>
           <a:p>
@@ -10127,24 +10371,23 @@
                   <a:srgbClr val="5A536D"/>
                 </a:solidFill>
               </a:rPr>
-              <a:t>Messages to trigger the next function</a:t>
-            </a:r>
-          </a:p>
-          <a:p>
-            <a:endParaRPr lang="en-US" sz="2000" b="1" dirty="0">
-              <a:solidFill>
-                <a:srgbClr val="5A536D"/>
-              </a:solidFill>
-            </a:endParaRPr>
-          </a:p>
-          <a:p>
-            <a:r>
-              <a:rPr lang="en-US" sz="2000" b="1" dirty="0">
+              <a:t>Except on </a:t>
+            </a:r>
+            <a:r>
+              <a:rPr lang="en-US" sz="2000" dirty="0" err="1">
                 <a:solidFill>
                   <a:srgbClr val="5A536D"/>
                 </a:solidFill>
               </a:rPr>
-              <a:t>Storage Tables</a:t>
+              <a:t>DurableOrchestrationContext</a:t>
+            </a:r>
+            <a:r>
+              <a:rPr lang="en-US" sz="2000" dirty="0">
+                <a:solidFill>
+                  <a:srgbClr val="5A536D"/>
+                </a:solidFill>
+              </a:rPr>
+              <a:t> API</a:t>
             </a:r>
           </a:p>
           <a:p>
@@ -10158,80 +10401,65 @@
                   <a:srgbClr val="5A536D"/>
                 </a:solidFill>
               </a:rPr>
-              <a:t>Store state of orchestrations</a:t>
-            </a:r>
-          </a:p>
-          <a:p>
-            <a:pPr marL="800100" lvl="1" indent="-342900">
-              <a:buFont typeface="Symbol" panose="05050102010706020507" pitchFamily="18" charset="2"/>
-              <a:buChar char="-"/>
-            </a:pPr>
-            <a:endParaRPr lang="en-US" sz="2000" dirty="0">
-              <a:solidFill>
-                <a:srgbClr val="5A536D"/>
-              </a:solidFill>
-            </a:endParaRPr>
-          </a:p>
-          <a:p>
-            <a:r>
-              <a:rPr lang="en-US" sz="2000" b="1" dirty="0">
+              <a:t>No </a:t>
+            </a:r>
+            <a:r>
+              <a:rPr lang="en-US" sz="2000" dirty="0" err="1">
                 <a:solidFill>
                   <a:srgbClr val="5A536D"/>
                 </a:solidFill>
               </a:rPr>
-              <a:t>Task Hub</a:t>
-            </a:r>
-          </a:p>
-          <a:p>
-            <a:pPr marL="800100" lvl="1" indent="-342900">
-              <a:buFont typeface="Symbol" panose="05050102010706020507" pitchFamily="18" charset="2"/>
-              <a:buChar char="-"/>
-            </a:pPr>
+              <a:t>Task.Run</a:t>
+            </a:r>
             <a:r>
               <a:rPr lang="en-US" sz="2000" dirty="0">
                 <a:solidFill>
                   <a:srgbClr val="5A536D"/>
                 </a:solidFill>
               </a:rPr>
-              <a:t>The storage used by Durable Functions</a:t>
-            </a:r>
-          </a:p>
-          <a:p>
-            <a:pPr marL="800100" lvl="1" indent="-342900">
-              <a:buFont typeface="Symbol" panose="05050102010706020507" pitchFamily="18" charset="2"/>
-              <a:buChar char="-"/>
-            </a:pPr>
+              <a:t>, </a:t>
+            </a:r>
+            <a:r>
+              <a:rPr lang="en-US" sz="2000" dirty="0" err="1">
+                <a:solidFill>
+                  <a:srgbClr val="5A536D"/>
+                </a:solidFill>
+              </a:rPr>
+              <a:t>Task.Delay</a:t>
+            </a:r>
             <a:r>
               <a:rPr lang="en-US" sz="2000" dirty="0">
                 <a:solidFill>
                   <a:srgbClr val="5A536D"/>
                 </a:solidFill>
               </a:rPr>
-              <a:t>You can use multiple task hubs</a:t>
-            </a:r>
-          </a:p>
-          <a:p>
-            <a:pPr marL="800100" lvl="1" indent="-342900">
-              <a:buFont typeface="Symbol" panose="05050102010706020507" pitchFamily="18" charset="2"/>
-              <a:buChar char="-"/>
-            </a:pPr>
+              <a:t>, </a:t>
+            </a:r>
+            <a:r>
+              <a:rPr lang="en-US" sz="2000" dirty="0" err="1">
+                <a:solidFill>
+                  <a:srgbClr val="5A536D"/>
+                </a:solidFill>
+              </a:rPr>
+              <a:t>HttpClient.SendAsync</a:t>
+            </a:r>
             <a:r>
               <a:rPr lang="en-US" sz="2000" dirty="0">
                 <a:solidFill>
                   <a:srgbClr val="5A536D"/>
                 </a:solidFill>
               </a:rPr>
-              <a:t>They can share a storage account</a:t>
+              <a:t> </a:t>
             </a:r>
           </a:p>
         </p:txBody>
       </p:sp>
       <p:pic>
         <p:nvPicPr>
-          <p:cNvPr id="9" name="Grafik 8">
-            <a:extLst>
-              <a:ext uri="{FF2B5EF4-FFF2-40B4-BE49-F238E27FC236}">
-                <a16:creationId xmlns:a16="http://schemas.microsoft.com/office/drawing/2014/main" id="{EBC0C6E5-A148-40A3-B8F2-DE5286CA8540}"/>
+          <p:cNvPr id="4" name="Grafik 3">
+            <a:extLst>
+              <a:ext uri="{FF2B5EF4-FFF2-40B4-BE49-F238E27FC236}">
+                <a16:creationId xmlns:a16="http://schemas.microsoft.com/office/drawing/2014/main" id="{86E391B0-3209-4765-AF2B-2E10169E2F85}"/>
               </a:ext>
             </a:extLst>
           </p:cNvPr>
@@ -10265,7 +10493,7 @@
     </p:spTree>
     <p:extLst>
       <p:ext uri="{BB962C8B-B14F-4D97-AF65-F5344CB8AC3E}">
-        <p14:creationId xmlns:p14="http://schemas.microsoft.com/office/powerpoint/2010/main" val="127222616"/>
+        <p14:creationId xmlns:p14="http://schemas.microsoft.com/office/powerpoint/2010/main" val="1646258538"/>
       </p:ext>
     </p:extLst>
   </p:cSld>
@@ -10317,72 +10545,655 @@
           <a:p>
             <a:r>
               <a:rPr lang="en-US" sz="2400" dirty="0"/>
-              <a:t>DOMUS Software AG</a:t>
+              <a:t>Who are we?</a:t>
             </a:r>
             <a:endParaRPr lang="de-DE" sz="2400" dirty="0"/>
           </a:p>
         </p:txBody>
       </p:sp>
-      <p:sp>
-        <p:nvSpPr>
-          <p:cNvPr id="2" name="Textfeld 1">
-            <a:extLst>
-              <a:ext uri="{FF2B5EF4-FFF2-40B4-BE49-F238E27FC236}">
-                <a16:creationId xmlns:a16="http://schemas.microsoft.com/office/drawing/2014/main" id="{E28DE926-5FF1-44D5-BCA3-FA6F9F0DB3BC}"/>
-              </a:ext>
-            </a:extLst>
-          </p:cNvPr>
-          <p:cNvSpPr txBox="1"/>
+      <p:cxnSp>
+        <p:nvCxnSpPr>
+          <p:cNvPr id="17" name="Gerade Verbindung mit Pfeil 16">
+            <a:extLst>
+              <a:ext uri="{FF2B5EF4-FFF2-40B4-BE49-F238E27FC236}">
+                <a16:creationId xmlns:a16="http://schemas.microsoft.com/office/drawing/2014/main" id="{F4254D5E-F2F7-4409-BE4A-322EC47813AE}"/>
+              </a:ext>
+            </a:extLst>
+          </p:cNvPr>
+          <p:cNvCxnSpPr>
+            <a:cxnSpLocks/>
+          </p:cNvCxnSpPr>
           <p:nvPr/>
-        </p:nvSpPr>
-        <p:spPr>
-          <a:xfrm>
-            <a:off x="3988904" y="3059668"/>
-            <a:ext cx="3348994" cy="369332"/>
+        </p:nvCxnSpPr>
+        <p:spPr>
+          <a:xfrm flipH="1" flipV="1">
+            <a:off x="2512094" y="2094770"/>
+            <a:ext cx="2066532" cy="1244778"/>
+          </a:xfrm>
+          <a:prstGeom prst="straightConnector1">
+            <a:avLst/>
+          </a:prstGeom>
+          <a:ln w="31750">
+            <a:solidFill>
+              <a:srgbClr val="FFC000"/>
+            </a:solidFill>
+            <a:prstDash val="dash"/>
+            <a:tailEnd type="triangle"/>
+          </a:ln>
+        </p:spPr>
+        <p:style>
+          <a:lnRef idx="1">
+            <a:schemeClr val="accent1"/>
+          </a:lnRef>
+          <a:fillRef idx="0">
+            <a:schemeClr val="accent1"/>
+          </a:fillRef>
+          <a:effectRef idx="0">
+            <a:schemeClr val="accent1"/>
+          </a:effectRef>
+          <a:fontRef idx="minor">
+            <a:schemeClr val="tx1"/>
+          </a:fontRef>
+        </p:style>
+      </p:cxnSp>
+      <p:pic>
+        <p:nvPicPr>
+          <p:cNvPr id="30" name="Grafik 29">
+            <a:extLst>
+              <a:ext uri="{FF2B5EF4-FFF2-40B4-BE49-F238E27FC236}">
+                <a16:creationId xmlns:a16="http://schemas.microsoft.com/office/drawing/2014/main" id="{29D7B4FD-6DDC-47A4-B4CA-72A051216894}"/>
+              </a:ext>
+            </a:extLst>
+          </p:cNvPr>
+          <p:cNvPicPr>
+            <a:picLocks noChangeAspect="1"/>
+          </p:cNvPicPr>
+          <p:nvPr/>
+        </p:nvPicPr>
+        <p:blipFill>
+          <a:blip r:embed="rId2">
+            <a:extLst>
+              <a:ext uri="{28A0092B-C50C-407E-A947-70E740481C1C}">
+                <a14:useLocalDpi xmlns:a14="http://schemas.microsoft.com/office/drawing/2010/main" val="0"/>
+              </a:ext>
+            </a:extLst>
+          </a:blip>
+          <a:stretch>
+            <a:fillRect/>
+          </a:stretch>
+        </p:blipFill>
+        <p:spPr>
+          <a:xfrm flipH="1">
+            <a:off x="11524100" y="-1943791"/>
+            <a:ext cx="45719" cy="45719"/>
           </a:xfrm>
           <a:prstGeom prst="rect">
             <a:avLst/>
           </a:prstGeom>
-          <a:noFill/>
-        </p:spPr>
-        <p:txBody>
-          <a:bodyPr wrap="none" rtlCol="0">
-            <a:spAutoFit/>
-          </a:bodyPr>
-          <a:lstStyle/>
-          <a:p>
-            <a:r>
-              <a:rPr lang="en-US" dirty="0"/>
-              <a:t>[</a:t>
-            </a:r>
-            <a:r>
-              <a:rPr lang="en-US" dirty="0" err="1"/>
-              <a:t>Hier</a:t>
-            </a:r>
-            <a:r>
-              <a:rPr lang="en-US" dirty="0"/>
-              <a:t> </a:t>
-            </a:r>
-            <a:r>
-              <a:rPr lang="en-US" dirty="0" err="1"/>
-              <a:t>bastel</a:t>
-            </a:r>
-            <a:r>
-              <a:rPr lang="en-US" dirty="0"/>
-              <a:t> ich gerade </a:t>
-            </a:r>
-            <a:r>
-              <a:rPr lang="en-US" dirty="0" err="1"/>
-              <a:t>etwas</a:t>
-            </a:r>
-            <a:r>
-              <a:rPr lang="en-US" dirty="0"/>
-              <a:t>]</a:t>
-            </a:r>
-            <a:endParaRPr lang="de-DE" dirty="0"/>
-          </a:p>
-        </p:txBody>
-      </p:sp>
+        </p:spPr>
+      </p:pic>
+      <p:cxnSp>
+        <p:nvCxnSpPr>
+          <p:cNvPr id="35" name="Gerade Verbindung mit Pfeil 34">
+            <a:extLst>
+              <a:ext uri="{FF2B5EF4-FFF2-40B4-BE49-F238E27FC236}">
+                <a16:creationId xmlns:a16="http://schemas.microsoft.com/office/drawing/2014/main" id="{DB1DDCC6-A3CD-45FF-A6F1-091C6485E08F}"/>
+              </a:ext>
+            </a:extLst>
+          </p:cNvPr>
+          <p:cNvCxnSpPr>
+            <a:cxnSpLocks/>
+          </p:cNvCxnSpPr>
+          <p:nvPr/>
+        </p:nvCxnSpPr>
+        <p:spPr>
+          <a:xfrm>
+            <a:off x="1557977" y="2600739"/>
+            <a:ext cx="0" cy="1857462"/>
+          </a:xfrm>
+          <a:prstGeom prst="straightConnector1">
+            <a:avLst/>
+          </a:prstGeom>
+          <a:ln w="31750">
+            <a:solidFill>
+              <a:srgbClr val="FFC000"/>
+            </a:solidFill>
+            <a:prstDash val="dash"/>
+            <a:tailEnd type="triangle"/>
+          </a:ln>
+        </p:spPr>
+        <p:style>
+          <a:lnRef idx="1">
+            <a:schemeClr val="accent1"/>
+          </a:lnRef>
+          <a:fillRef idx="0">
+            <a:schemeClr val="accent1"/>
+          </a:fillRef>
+          <a:effectRef idx="0">
+            <a:schemeClr val="accent1"/>
+          </a:effectRef>
+          <a:fontRef idx="minor">
+            <a:schemeClr val="tx1"/>
+          </a:fontRef>
+        </p:style>
+      </p:cxnSp>
+      <p:cxnSp>
+        <p:nvCxnSpPr>
+          <p:cNvPr id="56" name="Gerade Verbindung mit Pfeil 55">
+            <a:extLst>
+              <a:ext uri="{FF2B5EF4-FFF2-40B4-BE49-F238E27FC236}">
+                <a16:creationId xmlns:a16="http://schemas.microsoft.com/office/drawing/2014/main" id="{A1B3A467-ABBF-4A8C-9A7B-29A75FC70151}"/>
+              </a:ext>
+            </a:extLst>
+          </p:cNvPr>
+          <p:cNvCxnSpPr>
+            <a:cxnSpLocks/>
+          </p:cNvCxnSpPr>
+          <p:nvPr/>
+        </p:nvCxnSpPr>
+        <p:spPr>
+          <a:xfrm>
+            <a:off x="7918174" y="4815944"/>
+            <a:ext cx="1292065" cy="487304"/>
+          </a:xfrm>
+          <a:prstGeom prst="straightConnector1">
+            <a:avLst/>
+          </a:prstGeom>
+          <a:ln w="31750">
+            <a:solidFill>
+              <a:srgbClr val="FFC000"/>
+            </a:solidFill>
+            <a:prstDash val="dash"/>
+            <a:tailEnd type="triangle"/>
+          </a:ln>
+        </p:spPr>
+        <p:style>
+          <a:lnRef idx="1">
+            <a:schemeClr val="accent1"/>
+          </a:lnRef>
+          <a:fillRef idx="0">
+            <a:schemeClr val="accent1"/>
+          </a:fillRef>
+          <a:effectRef idx="0">
+            <a:schemeClr val="accent1"/>
+          </a:effectRef>
+          <a:fontRef idx="minor">
+            <a:schemeClr val="tx1"/>
+          </a:fontRef>
+        </p:style>
+      </p:cxnSp>
+      <p:pic>
+        <p:nvPicPr>
+          <p:cNvPr id="61" name="Grafik 60">
+            <a:extLst>
+              <a:ext uri="{FF2B5EF4-FFF2-40B4-BE49-F238E27FC236}">
+                <a16:creationId xmlns:a16="http://schemas.microsoft.com/office/drawing/2014/main" id="{4B721A3D-FDB0-473A-BE7A-866B807E1E8E}"/>
+              </a:ext>
+            </a:extLst>
+          </p:cNvPr>
+          <p:cNvPicPr>
+            <a:picLocks noChangeAspect="1"/>
+          </p:cNvPicPr>
+          <p:nvPr/>
+        </p:nvPicPr>
+        <p:blipFill>
+          <a:blip r:embed="rId3"/>
+          <a:stretch>
+            <a:fillRect/>
+          </a:stretch>
+        </p:blipFill>
+        <p:spPr>
+          <a:xfrm>
+            <a:off x="8933277" y="4562856"/>
+            <a:ext cx="2862308" cy="1906738"/>
+          </a:xfrm>
+          <a:prstGeom prst="rect">
+            <a:avLst/>
+          </a:prstGeom>
+        </p:spPr>
+      </p:pic>
+      <p:pic>
+        <p:nvPicPr>
+          <p:cNvPr id="63" name="Grafik 62">
+            <a:extLst>
+              <a:ext uri="{FF2B5EF4-FFF2-40B4-BE49-F238E27FC236}">
+                <a16:creationId xmlns:a16="http://schemas.microsoft.com/office/drawing/2014/main" id="{B0056BD8-F4FB-4EE8-B247-A39C973062CB}"/>
+              </a:ext>
+            </a:extLst>
+          </p:cNvPr>
+          <p:cNvPicPr>
+            <a:picLocks noChangeAspect="1"/>
+          </p:cNvPicPr>
+          <p:nvPr/>
+        </p:nvPicPr>
+        <p:blipFill>
+          <a:blip r:embed="rId4"/>
+          <a:stretch>
+            <a:fillRect/>
+          </a:stretch>
+        </p:blipFill>
+        <p:spPr>
+          <a:xfrm>
+            <a:off x="4313466" y="3470413"/>
+            <a:ext cx="3533284" cy="1744888"/>
+          </a:xfrm>
+          <a:prstGeom prst="rect">
+            <a:avLst/>
+          </a:prstGeom>
+        </p:spPr>
+      </p:pic>
+      <p:pic>
+        <p:nvPicPr>
+          <p:cNvPr id="72" name="Grafik 71">
+            <a:extLst>
+              <a:ext uri="{FF2B5EF4-FFF2-40B4-BE49-F238E27FC236}">
+                <a16:creationId xmlns:a16="http://schemas.microsoft.com/office/drawing/2014/main" id="{AC296797-3E60-43D5-B2C5-C605270370C1}"/>
+              </a:ext>
+            </a:extLst>
+          </p:cNvPr>
+          <p:cNvPicPr>
+            <a:picLocks noChangeAspect="1"/>
+          </p:cNvPicPr>
+          <p:nvPr/>
+        </p:nvPicPr>
+        <p:blipFill>
+          <a:blip r:embed="rId5"/>
+          <a:stretch>
+            <a:fillRect/>
+          </a:stretch>
+        </p:blipFill>
+        <p:spPr>
+          <a:xfrm>
+            <a:off x="644810" y="4562856"/>
+            <a:ext cx="2020845" cy="1128983"/>
+          </a:xfrm>
+          <a:prstGeom prst="rect">
+            <a:avLst/>
+          </a:prstGeom>
+        </p:spPr>
+      </p:pic>
+      <p:pic>
+        <p:nvPicPr>
+          <p:cNvPr id="77" name="Grafik 76">
+            <a:extLst>
+              <a:ext uri="{FF2B5EF4-FFF2-40B4-BE49-F238E27FC236}">
+                <a16:creationId xmlns:a16="http://schemas.microsoft.com/office/drawing/2014/main" id="{975D9FA9-FCAB-48F7-8CF6-6ED02D0B93BD}"/>
+              </a:ext>
+            </a:extLst>
+          </p:cNvPr>
+          <p:cNvPicPr>
+            <a:picLocks noChangeAspect="1"/>
+          </p:cNvPicPr>
+          <p:nvPr/>
+        </p:nvPicPr>
+        <p:blipFill>
+          <a:blip r:embed="rId6"/>
+          <a:stretch>
+            <a:fillRect/>
+          </a:stretch>
+        </p:blipFill>
+        <p:spPr>
+          <a:xfrm>
+            <a:off x="691876" y="1721215"/>
+            <a:ext cx="1614409" cy="582883"/>
+          </a:xfrm>
+          <a:prstGeom prst="rect">
+            <a:avLst/>
+          </a:prstGeom>
+        </p:spPr>
+      </p:pic>
+      <p:grpSp>
+        <p:nvGrpSpPr>
+          <p:cNvPr id="85" name="Gruppieren 84">
+            <a:extLst>
+              <a:ext uri="{FF2B5EF4-FFF2-40B4-BE49-F238E27FC236}">
+                <a16:creationId xmlns:a16="http://schemas.microsoft.com/office/drawing/2014/main" id="{3F320C55-BC81-4753-86F4-B4A262313EEE}"/>
+              </a:ext>
+            </a:extLst>
+          </p:cNvPr>
+          <p:cNvGrpSpPr/>
+          <p:nvPr/>
+        </p:nvGrpSpPr>
+        <p:grpSpPr>
+          <a:xfrm>
+            <a:off x="8933277" y="2470587"/>
+            <a:ext cx="1765154" cy="1327980"/>
+            <a:chOff x="6867115" y="1105613"/>
+            <a:chExt cx="1765154" cy="1327980"/>
+          </a:xfrm>
+        </p:grpSpPr>
+        <p:pic>
+          <p:nvPicPr>
+            <p:cNvPr id="28" name="Grafik 27">
+              <a:extLst>
+                <a:ext uri="{FF2B5EF4-FFF2-40B4-BE49-F238E27FC236}">
+                  <a16:creationId xmlns:a16="http://schemas.microsoft.com/office/drawing/2014/main" id="{11768663-05BD-45CC-BFC7-0B16D2DF2A53}"/>
+                </a:ext>
+              </a:extLst>
+            </p:cNvPr>
+            <p:cNvPicPr>
+              <a:picLocks noChangeAspect="1"/>
+            </p:cNvPicPr>
+            <p:nvPr/>
+          </p:nvPicPr>
+          <p:blipFill>
+            <a:blip r:embed="rId7">
+              <a:extLst>
+                <a:ext uri="{28A0092B-C50C-407E-A947-70E740481C1C}">
+                  <a14:useLocalDpi xmlns:a14="http://schemas.microsoft.com/office/drawing/2010/main" val="0"/>
+                </a:ext>
+              </a:extLst>
+            </a:blip>
+            <a:stretch>
+              <a:fillRect/>
+            </a:stretch>
+          </p:blipFill>
+          <p:spPr>
+            <a:xfrm>
+              <a:off x="7395438" y="1501543"/>
+              <a:ext cx="439344" cy="439344"/>
+            </a:xfrm>
+            <a:prstGeom prst="rect">
+              <a:avLst/>
+            </a:prstGeom>
+          </p:spPr>
+        </p:pic>
+        <p:pic>
+          <p:nvPicPr>
+            <p:cNvPr id="1026" name="Picture 2" descr="Bildergebnis für visual studio code logo">
+              <a:extLst>
+                <a:ext uri="{FF2B5EF4-FFF2-40B4-BE49-F238E27FC236}">
+                  <a16:creationId xmlns:a16="http://schemas.microsoft.com/office/drawing/2014/main" id="{49D12CF4-C556-47F7-9F96-4843E85C01CA}"/>
+                </a:ext>
+              </a:extLst>
+            </p:cNvPr>
+            <p:cNvPicPr>
+              <a:picLocks noChangeAspect="1" noChangeArrowheads="1"/>
+            </p:cNvPicPr>
+            <p:nvPr/>
+          </p:nvPicPr>
+          <p:blipFill>
+            <a:blip r:embed="rId8">
+              <a:extLst>
+                <a:ext uri="{28A0092B-C50C-407E-A947-70E740481C1C}">
+                  <a14:useLocalDpi xmlns:a14="http://schemas.microsoft.com/office/drawing/2010/main" val="0"/>
+                </a:ext>
+              </a:extLst>
+            </a:blip>
+            <a:srcRect/>
+            <a:stretch>
+              <a:fillRect/>
+            </a:stretch>
+          </p:blipFill>
+          <p:spPr bwMode="auto">
+            <a:xfrm>
+              <a:off x="7325425" y="1105613"/>
+              <a:ext cx="276598" cy="276598"/>
+            </a:xfrm>
+            <a:prstGeom prst="rect">
+              <a:avLst/>
+            </a:prstGeom>
+            <a:noFill/>
+            <a:extLst>
+              <a:ext uri="{909E8E84-426E-40DD-AFC4-6F175D3DCCD1}">
+                <a14:hiddenFill xmlns:a14="http://schemas.microsoft.com/office/drawing/2010/main">
+                  <a:solidFill>
+                    <a:srgbClr val="FFFFFF"/>
+                  </a:solidFill>
+                </a14:hiddenFill>
+              </a:ext>
+            </a:extLst>
+          </p:spPr>
+        </p:pic>
+        <p:pic>
+          <p:nvPicPr>
+            <p:cNvPr id="1028" name="Picture 4" descr="Bildergebnis für kubernetes logo">
+              <a:extLst>
+                <a:ext uri="{FF2B5EF4-FFF2-40B4-BE49-F238E27FC236}">
+                  <a16:creationId xmlns:a16="http://schemas.microsoft.com/office/drawing/2014/main" id="{0D03B8A9-859B-4B06-BD12-5C5B7625A487}"/>
+                </a:ext>
+              </a:extLst>
+            </p:cNvPr>
+            <p:cNvPicPr>
+              <a:picLocks noChangeAspect="1" noChangeArrowheads="1"/>
+            </p:cNvPicPr>
+            <p:nvPr/>
+          </p:nvPicPr>
+          <p:blipFill>
+            <a:blip r:embed="rId9">
+              <a:extLst>
+                <a:ext uri="{28A0092B-C50C-407E-A947-70E740481C1C}">
+                  <a14:useLocalDpi xmlns:a14="http://schemas.microsoft.com/office/drawing/2010/main" val="0"/>
+                </a:ext>
+              </a:extLst>
+            </a:blip>
+            <a:srcRect/>
+            <a:stretch>
+              <a:fillRect/>
+            </a:stretch>
+          </p:blipFill>
+          <p:spPr bwMode="auto">
+            <a:xfrm>
+              <a:off x="8297821" y="1552374"/>
+              <a:ext cx="334448" cy="324678"/>
+            </a:xfrm>
+            <a:prstGeom prst="rect">
+              <a:avLst/>
+            </a:prstGeom>
+            <a:noFill/>
+            <a:extLst>
+              <a:ext uri="{909E8E84-426E-40DD-AFC4-6F175D3DCCD1}">
+                <a14:hiddenFill xmlns:a14="http://schemas.microsoft.com/office/drawing/2010/main">
+                  <a:solidFill>
+                    <a:srgbClr val="FFFFFF"/>
+                  </a:solidFill>
+                </a14:hiddenFill>
+              </a:ext>
+            </a:extLst>
+          </p:spPr>
+        </p:pic>
+        <p:pic>
+          <p:nvPicPr>
+            <p:cNvPr id="1030" name="Picture 6" descr="Bildergebnis für vue">
+              <a:extLst>
+                <a:ext uri="{FF2B5EF4-FFF2-40B4-BE49-F238E27FC236}">
+                  <a16:creationId xmlns:a16="http://schemas.microsoft.com/office/drawing/2014/main" id="{001E86FB-DB6B-45FA-9291-6D4521597D0E}"/>
+                </a:ext>
+              </a:extLst>
+            </p:cNvPr>
+            <p:cNvPicPr>
+              <a:picLocks noChangeAspect="1" noChangeArrowheads="1"/>
+            </p:cNvPicPr>
+            <p:nvPr/>
+          </p:nvPicPr>
+          <p:blipFill>
+            <a:blip r:embed="rId10">
+              <a:extLst>
+                <a:ext uri="{28A0092B-C50C-407E-A947-70E740481C1C}">
+                  <a14:useLocalDpi xmlns:a14="http://schemas.microsoft.com/office/drawing/2010/main" val="0"/>
+                </a:ext>
+              </a:extLst>
+            </a:blip>
+            <a:srcRect/>
+            <a:stretch>
+              <a:fillRect/>
+            </a:stretch>
+          </p:blipFill>
+          <p:spPr bwMode="auto">
+            <a:xfrm flipH="1">
+              <a:off x="7954188" y="1389843"/>
+              <a:ext cx="247132" cy="247132"/>
+            </a:xfrm>
+            <a:prstGeom prst="rect">
+              <a:avLst/>
+            </a:prstGeom>
+            <a:noFill/>
+            <a:extLst>
+              <a:ext uri="{909E8E84-426E-40DD-AFC4-6F175D3DCCD1}">
+                <a14:hiddenFill xmlns:a14="http://schemas.microsoft.com/office/drawing/2010/main">
+                  <a:solidFill>
+                    <a:srgbClr val="FFFFFF"/>
+                  </a:solidFill>
+                </a14:hiddenFill>
+              </a:ext>
+            </a:extLst>
+          </p:spPr>
+        </p:pic>
+        <p:pic>
+          <p:nvPicPr>
+            <p:cNvPr id="1032" name="Picture 8" descr="Bildergebnis für react logo">
+              <a:extLst>
+                <a:ext uri="{FF2B5EF4-FFF2-40B4-BE49-F238E27FC236}">
+                  <a16:creationId xmlns:a16="http://schemas.microsoft.com/office/drawing/2014/main" id="{F33C8AB3-6963-412A-95A2-E6162D639CA6}"/>
+                </a:ext>
+              </a:extLst>
+            </p:cNvPr>
+            <p:cNvPicPr>
+              <a:picLocks noChangeAspect="1" noChangeArrowheads="1"/>
+            </p:cNvPicPr>
+            <p:nvPr/>
+          </p:nvPicPr>
+          <p:blipFill>
+            <a:blip r:embed="rId11">
+              <a:extLst>
+                <a:ext uri="{28A0092B-C50C-407E-A947-70E740481C1C}">
+                  <a14:useLocalDpi xmlns:a14="http://schemas.microsoft.com/office/drawing/2010/main" val="0"/>
+                </a:ext>
+              </a:extLst>
+            </a:blip>
+            <a:srcRect/>
+            <a:stretch>
+              <a:fillRect/>
+            </a:stretch>
+          </p:blipFill>
+          <p:spPr bwMode="auto">
+            <a:xfrm>
+              <a:off x="7713570" y="1749374"/>
+              <a:ext cx="649535" cy="459221"/>
+            </a:xfrm>
+            <a:prstGeom prst="rect">
+              <a:avLst/>
+            </a:prstGeom>
+            <a:noFill/>
+            <a:extLst>
+              <a:ext uri="{909E8E84-426E-40DD-AFC4-6F175D3DCCD1}">
+                <a14:hiddenFill xmlns:a14="http://schemas.microsoft.com/office/drawing/2010/main">
+                  <a:solidFill>
+                    <a:srgbClr val="FFFFFF"/>
+                  </a:solidFill>
+                </a14:hiddenFill>
+              </a:ext>
+            </a:extLst>
+          </p:spPr>
+        </p:pic>
+        <p:pic>
+          <p:nvPicPr>
+            <p:cNvPr id="1034" name="Picture 10" descr="Bildergebnis für terraform logo">
+              <a:extLst>
+                <a:ext uri="{FF2B5EF4-FFF2-40B4-BE49-F238E27FC236}">
+                  <a16:creationId xmlns:a16="http://schemas.microsoft.com/office/drawing/2014/main" id="{81E0CD79-456C-4471-B1FA-E737BC7BECA0}"/>
+                </a:ext>
+              </a:extLst>
+            </p:cNvPr>
+            <p:cNvPicPr>
+              <a:picLocks noChangeAspect="1" noChangeArrowheads="1"/>
+            </p:cNvPicPr>
+            <p:nvPr/>
+          </p:nvPicPr>
+          <p:blipFill>
+            <a:blip r:embed="rId12">
+              <a:extLst>
+                <a:ext uri="{28A0092B-C50C-407E-A947-70E740481C1C}">
+                  <a14:useLocalDpi xmlns:a14="http://schemas.microsoft.com/office/drawing/2010/main" val="0"/>
+                </a:ext>
+              </a:extLst>
+            </a:blip>
+            <a:srcRect/>
+            <a:stretch>
+              <a:fillRect/>
+            </a:stretch>
+          </p:blipFill>
+          <p:spPr bwMode="auto">
+            <a:xfrm>
+              <a:off x="6867115" y="1689894"/>
+              <a:ext cx="501986" cy="501986"/>
+            </a:xfrm>
+            <a:prstGeom prst="rect">
+              <a:avLst/>
+            </a:prstGeom>
+            <a:noFill/>
+            <a:extLst>
+              <a:ext uri="{909E8E84-426E-40DD-AFC4-6F175D3DCCD1}">
+                <a14:hiddenFill xmlns:a14="http://schemas.microsoft.com/office/drawing/2010/main">
+                  <a:solidFill>
+                    <a:srgbClr val="FFFFFF"/>
+                  </a:solidFill>
+                </a14:hiddenFill>
+              </a:ext>
+            </a:extLst>
+          </p:spPr>
+        </p:pic>
+        <p:pic>
+          <p:nvPicPr>
+            <p:cNvPr id="82" name="Grafik 81">
+              <a:extLst>
+                <a:ext uri="{FF2B5EF4-FFF2-40B4-BE49-F238E27FC236}">
+                  <a16:creationId xmlns:a16="http://schemas.microsoft.com/office/drawing/2014/main" id="{E779C4B2-FB3D-4BD9-9ED7-9C23BD5EF46E}"/>
+                </a:ext>
+              </a:extLst>
+            </p:cNvPr>
+            <p:cNvPicPr>
+              <a:picLocks noChangeAspect="1"/>
+            </p:cNvPicPr>
+            <p:nvPr/>
+          </p:nvPicPr>
+          <p:blipFill>
+            <a:blip r:embed="rId13"/>
+            <a:stretch>
+              <a:fillRect/>
+            </a:stretch>
+          </p:blipFill>
+          <p:spPr>
+            <a:xfrm>
+              <a:off x="7418674" y="2071752"/>
+              <a:ext cx="366698" cy="361841"/>
+            </a:xfrm>
+            <a:prstGeom prst="rect">
+              <a:avLst/>
+            </a:prstGeom>
+          </p:spPr>
+        </p:pic>
+      </p:grpSp>
+      <p:pic>
+        <p:nvPicPr>
+          <p:cNvPr id="84" name="Grafik 83">
+            <a:extLst>
+              <a:ext uri="{FF2B5EF4-FFF2-40B4-BE49-F238E27FC236}">
+                <a16:creationId xmlns:a16="http://schemas.microsoft.com/office/drawing/2014/main" id="{1EED085A-EB0E-4DF9-B512-99AD9F5240E9}"/>
+              </a:ext>
+            </a:extLst>
+          </p:cNvPr>
+          <p:cNvPicPr>
+            <a:picLocks noChangeAspect="1"/>
+          </p:cNvPicPr>
+          <p:nvPr/>
+        </p:nvPicPr>
+        <p:blipFill>
+          <a:blip r:embed="rId14"/>
+          <a:stretch>
+            <a:fillRect/>
+          </a:stretch>
+        </p:blipFill>
+        <p:spPr>
+          <a:xfrm>
+            <a:off x="8564206" y="2202179"/>
+            <a:ext cx="2565932" cy="2536467"/>
+          </a:xfrm>
+          <a:prstGeom prst="rect">
+            <a:avLst/>
+          </a:prstGeom>
+        </p:spPr>
+      </p:pic>
     </p:spTree>
     <p:extLst>
       <p:ext uri="{BB962C8B-B14F-4D97-AF65-F5344CB8AC3E}">
@@ -10393,6 +11204,324 @@
   <p:clrMapOvr>
     <a:masterClrMapping/>
   </p:clrMapOvr>
+  <p:timing>
+    <p:tnLst>
+      <p:par>
+        <p:cTn id="1" dur="indefinite" restart="never" nodeType="tmRoot">
+          <p:childTnLst>
+            <p:seq concurrent="1" nextAc="seek">
+              <p:cTn id="2" dur="indefinite" nodeType="mainSeq">
+                <p:childTnLst>
+                  <p:par>
+                    <p:cTn id="3" fill="hold">
+                      <p:stCondLst>
+                        <p:cond delay="indefinite"/>
+                      </p:stCondLst>
+                      <p:childTnLst>
+                        <p:par>
+                          <p:cTn id="4" fill="hold">
+                            <p:stCondLst>
+                              <p:cond delay="0"/>
+                            </p:stCondLst>
+                            <p:childTnLst>
+                              <p:par>
+                                <p:cTn id="5" presetID="1" presetClass="entr" presetSubtype="0" fill="hold" nodeType="clickEffect">
+                                  <p:stCondLst>
+                                    <p:cond delay="0"/>
+                                  </p:stCondLst>
+                                  <p:childTnLst>
+                                    <p:set>
+                                      <p:cBhvr>
+                                        <p:cTn id="6" dur="1" fill="hold">
+                                          <p:stCondLst>
+                                            <p:cond delay="0"/>
+                                          </p:stCondLst>
+                                        </p:cTn>
+                                        <p:tgtEl>
+                                          <p:spTgt spid="17"/>
+                                        </p:tgtEl>
+                                        <p:attrNameLst>
+                                          <p:attrName>style.visibility</p:attrName>
+                                        </p:attrNameLst>
+                                      </p:cBhvr>
+                                      <p:to>
+                                        <p:strVal val="visible"/>
+                                      </p:to>
+                                    </p:set>
+                                  </p:childTnLst>
+                                </p:cTn>
+                              </p:par>
+                              <p:par>
+                                <p:cTn id="7" presetID="1" presetClass="entr" presetSubtype="0" fill="hold" nodeType="withEffect">
+                                  <p:stCondLst>
+                                    <p:cond delay="0"/>
+                                  </p:stCondLst>
+                                  <p:childTnLst>
+                                    <p:set>
+                                      <p:cBhvr>
+                                        <p:cTn id="8" dur="1" fill="hold">
+                                          <p:stCondLst>
+                                            <p:cond delay="0"/>
+                                          </p:stCondLst>
+                                        </p:cTn>
+                                        <p:tgtEl>
+                                          <p:spTgt spid="77"/>
+                                        </p:tgtEl>
+                                        <p:attrNameLst>
+                                          <p:attrName>style.visibility</p:attrName>
+                                        </p:attrNameLst>
+                                      </p:cBhvr>
+                                      <p:to>
+                                        <p:strVal val="visible"/>
+                                      </p:to>
+                                    </p:set>
+                                  </p:childTnLst>
+                                </p:cTn>
+                              </p:par>
+                            </p:childTnLst>
+                          </p:cTn>
+                        </p:par>
+                      </p:childTnLst>
+                    </p:cTn>
+                  </p:par>
+                  <p:par>
+                    <p:cTn id="9" fill="hold">
+                      <p:stCondLst>
+                        <p:cond delay="indefinite"/>
+                      </p:stCondLst>
+                      <p:childTnLst>
+                        <p:par>
+                          <p:cTn id="10" fill="hold">
+                            <p:stCondLst>
+                              <p:cond delay="0"/>
+                            </p:stCondLst>
+                            <p:childTnLst>
+                              <p:par>
+                                <p:cTn id="11" presetID="1" presetClass="entr" presetSubtype="0" fill="hold" nodeType="clickEffect">
+                                  <p:stCondLst>
+                                    <p:cond delay="0"/>
+                                  </p:stCondLst>
+                                  <p:childTnLst>
+                                    <p:set>
+                                      <p:cBhvr>
+                                        <p:cTn id="12" dur="1" fill="hold">
+                                          <p:stCondLst>
+                                            <p:cond delay="0"/>
+                                          </p:stCondLst>
+                                        </p:cTn>
+                                        <p:tgtEl>
+                                          <p:spTgt spid="35"/>
+                                        </p:tgtEl>
+                                        <p:attrNameLst>
+                                          <p:attrName>style.visibility</p:attrName>
+                                        </p:attrNameLst>
+                                      </p:cBhvr>
+                                      <p:to>
+                                        <p:strVal val="visible"/>
+                                      </p:to>
+                                    </p:set>
+                                  </p:childTnLst>
+                                </p:cTn>
+                              </p:par>
+                              <p:par>
+                                <p:cTn id="13" presetID="1" presetClass="entr" presetSubtype="0" fill="hold" nodeType="withEffect">
+                                  <p:stCondLst>
+                                    <p:cond delay="0"/>
+                                  </p:stCondLst>
+                                  <p:childTnLst>
+                                    <p:set>
+                                      <p:cBhvr>
+                                        <p:cTn id="14" dur="1" fill="hold">
+                                          <p:stCondLst>
+                                            <p:cond delay="0"/>
+                                          </p:stCondLst>
+                                        </p:cTn>
+                                        <p:tgtEl>
+                                          <p:spTgt spid="72"/>
+                                        </p:tgtEl>
+                                        <p:attrNameLst>
+                                          <p:attrName>style.visibility</p:attrName>
+                                        </p:attrNameLst>
+                                      </p:cBhvr>
+                                      <p:to>
+                                        <p:strVal val="visible"/>
+                                      </p:to>
+                                    </p:set>
+                                  </p:childTnLst>
+                                </p:cTn>
+                              </p:par>
+                            </p:childTnLst>
+                          </p:cTn>
+                        </p:par>
+                      </p:childTnLst>
+                    </p:cTn>
+                  </p:par>
+                  <p:par>
+                    <p:cTn id="15" fill="hold">
+                      <p:stCondLst>
+                        <p:cond delay="indefinite"/>
+                      </p:stCondLst>
+                      <p:childTnLst>
+                        <p:par>
+                          <p:cTn id="16" fill="hold">
+                            <p:stCondLst>
+                              <p:cond delay="0"/>
+                            </p:stCondLst>
+                            <p:childTnLst>
+                              <p:par>
+                                <p:cTn id="17" presetID="1" presetClass="entr" presetSubtype="0" fill="hold" nodeType="clickEffect">
+                                  <p:stCondLst>
+                                    <p:cond delay="0"/>
+                                  </p:stCondLst>
+                                  <p:childTnLst>
+                                    <p:set>
+                                      <p:cBhvr>
+                                        <p:cTn id="18" dur="1" fill="hold">
+                                          <p:stCondLst>
+                                            <p:cond delay="0"/>
+                                          </p:stCondLst>
+                                        </p:cTn>
+                                        <p:tgtEl>
+                                          <p:spTgt spid="56"/>
+                                        </p:tgtEl>
+                                        <p:attrNameLst>
+                                          <p:attrName>style.visibility</p:attrName>
+                                        </p:attrNameLst>
+                                      </p:cBhvr>
+                                      <p:to>
+                                        <p:strVal val="visible"/>
+                                      </p:to>
+                                    </p:set>
+                                  </p:childTnLst>
+                                </p:cTn>
+                              </p:par>
+                              <p:par>
+                                <p:cTn id="19" presetID="1" presetClass="entr" presetSubtype="0" fill="hold" nodeType="withEffect">
+                                  <p:stCondLst>
+                                    <p:cond delay="0"/>
+                                  </p:stCondLst>
+                                  <p:childTnLst>
+                                    <p:set>
+                                      <p:cBhvr>
+                                        <p:cTn id="20" dur="1" fill="hold">
+                                          <p:stCondLst>
+                                            <p:cond delay="0"/>
+                                          </p:stCondLst>
+                                        </p:cTn>
+                                        <p:tgtEl>
+                                          <p:spTgt spid="61"/>
+                                        </p:tgtEl>
+                                        <p:attrNameLst>
+                                          <p:attrName>style.visibility</p:attrName>
+                                        </p:attrNameLst>
+                                      </p:cBhvr>
+                                      <p:to>
+                                        <p:strVal val="visible"/>
+                                      </p:to>
+                                    </p:set>
+                                  </p:childTnLst>
+                                </p:cTn>
+                              </p:par>
+                            </p:childTnLst>
+                          </p:cTn>
+                        </p:par>
+                      </p:childTnLst>
+                    </p:cTn>
+                  </p:par>
+                  <p:par>
+                    <p:cTn id="21" fill="hold">
+                      <p:stCondLst>
+                        <p:cond delay="indefinite"/>
+                      </p:stCondLst>
+                      <p:childTnLst>
+                        <p:par>
+                          <p:cTn id="22" fill="hold">
+                            <p:stCondLst>
+                              <p:cond delay="0"/>
+                            </p:stCondLst>
+                            <p:childTnLst>
+                              <p:par>
+                                <p:cTn id="23" presetID="1" presetClass="entr" presetSubtype="0" fill="hold" nodeType="clickEffect">
+                                  <p:stCondLst>
+                                    <p:cond delay="0"/>
+                                  </p:stCondLst>
+                                  <p:childTnLst>
+                                    <p:set>
+                                      <p:cBhvr>
+                                        <p:cTn id="24" dur="1" fill="hold">
+                                          <p:stCondLst>
+                                            <p:cond delay="0"/>
+                                          </p:stCondLst>
+                                        </p:cTn>
+                                        <p:tgtEl>
+                                          <p:spTgt spid="85"/>
+                                        </p:tgtEl>
+                                        <p:attrNameLst>
+                                          <p:attrName>style.visibility</p:attrName>
+                                        </p:attrNameLst>
+                                      </p:cBhvr>
+                                      <p:to>
+                                        <p:strVal val="visible"/>
+                                      </p:to>
+                                    </p:set>
+                                  </p:childTnLst>
+                                </p:cTn>
+                              </p:par>
+                              <p:par>
+                                <p:cTn id="25" presetID="1" presetClass="entr" presetSubtype="0" fill="hold" nodeType="withEffect">
+                                  <p:stCondLst>
+                                    <p:cond delay="0"/>
+                                  </p:stCondLst>
+                                  <p:childTnLst>
+                                    <p:set>
+                                      <p:cBhvr>
+                                        <p:cTn id="26" dur="1" fill="hold">
+                                          <p:stCondLst>
+                                            <p:cond delay="0"/>
+                                          </p:stCondLst>
+                                        </p:cTn>
+                                        <p:tgtEl>
+                                          <p:spTgt spid="84"/>
+                                        </p:tgtEl>
+                                        <p:attrNameLst>
+                                          <p:attrName>style.visibility</p:attrName>
+                                        </p:attrNameLst>
+                                      </p:cBhvr>
+                                      <p:to>
+                                        <p:strVal val="visible"/>
+                                      </p:to>
+                                    </p:set>
+                                  </p:childTnLst>
+                                </p:cTn>
+                              </p:par>
+                            </p:childTnLst>
+                          </p:cTn>
+                        </p:par>
+                      </p:childTnLst>
+                    </p:cTn>
+                  </p:par>
+                </p:childTnLst>
+              </p:cTn>
+              <p:prevCondLst>
+                <p:cond evt="onPrev" delay="0">
+                  <p:tgtEl>
+                    <p:sldTgt/>
+                  </p:tgtEl>
+                </p:cond>
+              </p:prevCondLst>
+              <p:nextCondLst>
+                <p:cond evt="onNext" delay="0">
+                  <p:tgtEl>
+                    <p:sldTgt/>
+                  </p:tgtEl>
+                </p:cond>
+              </p:nextCondLst>
+            </p:seq>
+          </p:childTnLst>
+        </p:cTn>
+      </p:par>
+    </p:tnLst>
+  </p:timing>
 </p:sld>
 </file>
 
@@ -10438,7 +11567,7 @@
           <a:p>
             <a:r>
               <a:rPr lang="en-US" sz="2400" dirty="0"/>
-              <a:t>Orchestrator Function Rules</a:t>
+              <a:t>Logging in Orchestrator Functions</a:t>
             </a:r>
             <a:endParaRPr lang="de-DE" sz="2400" dirty="0"/>
           </a:p>
@@ -10501,8 +11630,8 @@
         </p:nvSpPr>
         <p:spPr>
           <a:xfrm>
-            <a:off x="3882895" y="1690062"/>
-            <a:ext cx="6801862" cy="3477875"/>
+            <a:off x="3889521" y="2200271"/>
+            <a:ext cx="7212231" cy="1631216"/>
           </a:xfrm>
           <a:prstGeom prst="rect">
             <a:avLst/>
@@ -10521,10 +11650,60 @@
                   <a:srgbClr val="5A536D"/>
                 </a:solidFill>
               </a:rPr>
-              <a:t>The whole function will be “replayed</a:t>
-            </a:r>
-          </a:p>
-          <a:p>
+              <a:t>Use the built-in </a:t>
+            </a:r>
+            <a:r>
+              <a:rPr lang="en-US" sz="2000" b="1" dirty="0" err="1">
+                <a:solidFill>
+                  <a:srgbClr val="5A536D"/>
+                </a:solidFill>
+              </a:rPr>
+              <a:t>TraceWriter</a:t>
+            </a:r>
+            <a:endParaRPr lang="en-US" sz="2000" b="1" dirty="0">
+              <a:solidFill>
+                <a:srgbClr val="5A536D"/>
+              </a:solidFill>
+            </a:endParaRPr>
+          </a:p>
+          <a:p>
+            <a:endParaRPr lang="en-US" sz="2000" b="1" dirty="0">
+              <a:solidFill>
+                <a:srgbClr val="5A536D"/>
+              </a:solidFill>
+            </a:endParaRPr>
+          </a:p>
+          <a:p>
+            <a:r>
+              <a:rPr lang="en-US" sz="2000" b="1" dirty="0">
+                <a:solidFill>
+                  <a:srgbClr val="5A536D"/>
+                </a:solidFill>
+              </a:rPr>
+              <a:t>Log messages get written on every replay </a:t>
+            </a:r>
+          </a:p>
+          <a:p>
+            <a:pPr marL="800100" lvl="1" indent="-342900">
+              <a:buFont typeface="Symbol" panose="05050102010706020507" pitchFamily="18" charset="2"/>
+              <a:buChar char="-"/>
+            </a:pPr>
+            <a:r>
+              <a:rPr lang="en-US" sz="2000" dirty="0">
+                <a:solidFill>
+                  <a:srgbClr val="5A536D"/>
+                </a:solidFill>
+              </a:rPr>
+              <a:t>Avoid with </a:t>
+            </a:r>
+            <a:r>
+              <a:rPr lang="en-US" sz="2000" dirty="0" err="1">
+                <a:solidFill>
+                  <a:srgbClr val="5A536D"/>
+                </a:solidFill>
+              </a:rPr>
+              <a:t>DurableOrchestrationContext.IsReplaying</a:t>
+            </a:r>
             <a:endParaRPr lang="en-US" sz="2000" dirty="0">
               <a:solidFill>
                 <a:srgbClr val="5A536D"/>
@@ -10538,43 +11717,7 @@
                   <a:srgbClr val="5A536D"/>
                 </a:solidFill>
               </a:rPr>
-              <a:t>Don´t</a:t>
-            </a:r>
-          </a:p>
-          <a:p>
-            <a:pPr marL="800100" lvl="1" indent="-342900">
-              <a:buFont typeface="Symbol" panose="05050102010706020507" pitchFamily="18" charset="2"/>
-              <a:buChar char="-"/>
-            </a:pPr>
-            <a:r>
-              <a:rPr lang="en-US" sz="2000" dirty="0">
-                <a:solidFill>
-                  <a:srgbClr val="5A536D"/>
-                </a:solidFill>
-              </a:rPr>
-              <a:t>No I/O to disk or network </a:t>
-            </a:r>
-          </a:p>
-          <a:p>
-            <a:pPr marL="800100" lvl="1" indent="-342900">
-              <a:buFont typeface="Symbol" panose="05050102010706020507" pitchFamily="18" charset="2"/>
-              <a:buChar char="-"/>
-            </a:pPr>
-            <a:r>
-              <a:rPr lang="en-US" sz="2000" dirty="0">
-                <a:solidFill>
-                  <a:srgbClr val="5A536D"/>
-                </a:solidFill>
-              </a:rPr>
-              <a:t>No </a:t>
-            </a:r>
-            <a:r>
-              <a:rPr lang="en-US" sz="2000" dirty="0" err="1">
-                <a:solidFill>
-                  <a:srgbClr val="5A536D"/>
-                </a:solidFill>
-              </a:rPr>
-              <a:t>Thread.Sleep</a:t>
+              <a:t> </a:t>
             </a:r>
             <a:endParaRPr lang="en-US" sz="2000" dirty="0">
               <a:solidFill>
@@ -10582,167 +11725,14 @@
               </a:solidFill>
             </a:endParaRPr>
           </a:p>
-          <a:p>
-            <a:pPr marL="800100" lvl="1" indent="-342900">
-              <a:buFont typeface="Symbol" panose="05050102010706020507" pitchFamily="18" charset="2"/>
-              <a:buChar char="-"/>
-            </a:pPr>
-            <a:r>
-              <a:rPr lang="en-US" sz="2000" dirty="0">
-                <a:solidFill>
-                  <a:srgbClr val="5A536D"/>
-                </a:solidFill>
-              </a:rPr>
-              <a:t>Generate random numbers or </a:t>
-            </a:r>
-            <a:r>
-              <a:rPr lang="en-US" sz="2000" dirty="0" err="1">
-                <a:solidFill>
-                  <a:srgbClr val="5A536D"/>
-                </a:solidFill>
-              </a:rPr>
-              <a:t>Guids</a:t>
-            </a:r>
-            <a:r>
-              <a:rPr lang="en-US" sz="2000" dirty="0">
-                <a:solidFill>
-                  <a:srgbClr val="5A536D"/>
-                </a:solidFill>
-              </a:rPr>
-              <a:t> </a:t>
-            </a:r>
-          </a:p>
-          <a:p>
-            <a:pPr marL="800100" lvl="1" indent="-342900">
-              <a:buFont typeface="Symbol" panose="05050102010706020507" pitchFamily="18" charset="2"/>
-              <a:buChar char="-"/>
-            </a:pPr>
-            <a:r>
-              <a:rPr lang="en-US" sz="2000" dirty="0">
-                <a:solidFill>
-                  <a:srgbClr val="5A536D"/>
-                </a:solidFill>
-              </a:rPr>
-              <a:t>Access data stores </a:t>
-            </a:r>
-          </a:p>
-          <a:p>
-            <a:endParaRPr lang="en-US" sz="2000" b="1" dirty="0">
-              <a:solidFill>
-                <a:srgbClr val="5A536D"/>
-              </a:solidFill>
-            </a:endParaRPr>
-          </a:p>
-          <a:p>
-            <a:r>
-              <a:rPr lang="en-US" sz="2000" b="1" dirty="0">
-                <a:solidFill>
-                  <a:srgbClr val="5A536D"/>
-                </a:solidFill>
-              </a:rPr>
-              <a:t>Do not initiate async operations </a:t>
-            </a:r>
-          </a:p>
-          <a:p>
-            <a:pPr marL="914400" lvl="1" indent="-457200">
-              <a:buFont typeface="Symbol" panose="05050102010706020507" pitchFamily="18" charset="2"/>
-              <a:buChar char="-"/>
-            </a:pPr>
-            <a:r>
-              <a:rPr lang="en-US" sz="2000" dirty="0">
-                <a:solidFill>
-                  <a:srgbClr val="5A536D"/>
-                </a:solidFill>
-              </a:rPr>
-              <a:t>Except on </a:t>
-            </a:r>
-            <a:r>
-              <a:rPr lang="en-US" sz="2000" dirty="0" err="1">
-                <a:solidFill>
-                  <a:srgbClr val="5A536D"/>
-                </a:solidFill>
-              </a:rPr>
-              <a:t>DurableOrchestrationContext</a:t>
-            </a:r>
-            <a:r>
-              <a:rPr lang="en-US" sz="2000" dirty="0">
-                <a:solidFill>
-                  <a:srgbClr val="5A536D"/>
-                </a:solidFill>
-              </a:rPr>
-              <a:t> API</a:t>
-            </a:r>
-          </a:p>
-          <a:p>
-            <a:pPr marL="914400" lvl="1" indent="-457200">
-              <a:buFont typeface="Symbol" panose="05050102010706020507" pitchFamily="18" charset="2"/>
-              <a:buChar char="-"/>
-            </a:pPr>
-            <a:r>
-              <a:rPr lang="en-US" sz="2000" dirty="0">
-                <a:solidFill>
-                  <a:srgbClr val="5A536D"/>
-                </a:solidFill>
-              </a:rPr>
-              <a:t>No </a:t>
-            </a:r>
-            <a:r>
-              <a:rPr lang="en-US" sz="2000" dirty="0" err="1">
-                <a:solidFill>
-                  <a:srgbClr val="5A536D"/>
-                </a:solidFill>
-              </a:rPr>
-              <a:t>Task.Run</a:t>
-            </a:r>
-            <a:r>
-              <a:rPr lang="en-US" sz="2000" dirty="0">
-                <a:solidFill>
-                  <a:srgbClr val="5A536D"/>
-                </a:solidFill>
-              </a:rPr>
-              <a:t>, </a:t>
-            </a:r>
-            <a:r>
-              <a:rPr lang="en-US" sz="2000" dirty="0" err="1">
-                <a:solidFill>
-                  <a:srgbClr val="5A536D"/>
-                </a:solidFill>
-              </a:rPr>
-              <a:t>Task.Delay</a:t>
-            </a:r>
-            <a:r>
-              <a:rPr lang="en-US" sz="2000" dirty="0">
-                <a:solidFill>
-                  <a:srgbClr val="5A536D"/>
-                </a:solidFill>
-              </a:rPr>
-              <a:t>, </a:t>
-            </a:r>
-            <a:r>
-              <a:rPr lang="en-US" sz="2000" dirty="0" err="1">
-                <a:solidFill>
-                  <a:srgbClr val="5A536D"/>
-                </a:solidFill>
-              </a:rPr>
-              <a:t>HttpClient.SendAsync</a:t>
-            </a:r>
-            <a:r>
-              <a:rPr lang="en-US" sz="2000" dirty="0">
-                <a:solidFill>
-                  <a:srgbClr val="5A536D"/>
-                </a:solidFill>
-              </a:rPr>
-              <a:t> </a:t>
-            </a:r>
-          </a:p>
         </p:txBody>
       </p:sp>
       <p:pic>
         <p:nvPicPr>
-          <p:cNvPr id="4" name="Grafik 3">
-            <a:extLst>
-              <a:ext uri="{FF2B5EF4-FFF2-40B4-BE49-F238E27FC236}">
-                <a16:creationId xmlns:a16="http://schemas.microsoft.com/office/drawing/2014/main" id="{86E391B0-3209-4765-AF2B-2E10169E2F85}"/>
+          <p:cNvPr id="5" name="Grafik 4">
+            <a:extLst>
+              <a:ext uri="{FF2B5EF4-FFF2-40B4-BE49-F238E27FC236}">
+                <a16:creationId xmlns:a16="http://schemas.microsoft.com/office/drawing/2014/main" id="{51C67E5D-B8AF-4806-9783-D3C4C2643B56}"/>
               </a:ext>
             </a:extLst>
           </p:cNvPr>
@@ -10765,7 +11755,7 @@
         </p:blipFill>
         <p:spPr>
           <a:xfrm>
-            <a:off x="838201" y="2476500"/>
+            <a:off x="838201" y="2476499"/>
             <a:ext cx="1905000" cy="1905000"/>
           </a:xfrm>
           <a:prstGeom prst="rect">
@@ -10773,10 +11763,145 @@
           </a:prstGeom>
         </p:spPr>
       </p:pic>
+      <p:sp>
+        <p:nvSpPr>
+          <p:cNvPr id="8" name="Textfeld 7">
+            <a:extLst>
+              <a:ext uri="{FF2B5EF4-FFF2-40B4-BE49-F238E27FC236}">
+                <a16:creationId xmlns:a16="http://schemas.microsoft.com/office/drawing/2014/main" id="{3B7FE4B7-5507-44D5-A733-CFB830DC778E}"/>
+              </a:ext>
+            </a:extLst>
+          </p:cNvPr>
+          <p:cNvSpPr txBox="1"/>
+          <p:nvPr/>
+        </p:nvSpPr>
+        <p:spPr>
+          <a:xfrm>
+            <a:off x="3889521" y="3580867"/>
+            <a:ext cx="3621504" cy="1169551"/>
+          </a:xfrm>
+          <a:prstGeom prst="rect">
+            <a:avLst/>
+          </a:prstGeom>
+          <a:noFill/>
+          <a:ln>
+            <a:noFill/>
+          </a:ln>
+        </p:spPr>
+        <p:txBody>
+          <a:bodyPr wrap="none" rtlCol="0">
+            <a:spAutoFit/>
+          </a:bodyPr>
+          <a:lstStyle/>
+          <a:p>
+            <a:endParaRPr lang="en-US" sz="1400" dirty="0">
+              <a:latin typeface="Hasklig Medium" panose="020B0509030403020204" pitchFamily="49" charset="0"/>
+              <a:ea typeface="Hasklig Medium" panose="020B0509030403020204" pitchFamily="49" charset="0"/>
+            </a:endParaRPr>
+          </a:p>
+          <a:p>
+            <a:r>
+              <a:rPr lang="en-US" sz="1400" dirty="0">
+                <a:solidFill>
+                  <a:schemeClr val="accent5">
+                    <a:lumMod val="50000"/>
+                  </a:schemeClr>
+                </a:solidFill>
+                <a:latin typeface="Hasklig Medium" panose="020B0509030403020204" pitchFamily="49" charset="0"/>
+                <a:ea typeface="Hasklig Medium" panose="020B0509030403020204" pitchFamily="49" charset="0"/>
+              </a:rPr>
+              <a:t>if</a:t>
+            </a:r>
+            <a:r>
+              <a:rPr lang="en-US" sz="1400" dirty="0">
+                <a:latin typeface="Hasklig Medium" panose="020B0509030403020204" pitchFamily="49" charset="0"/>
+                <a:ea typeface="Hasklig Medium" panose="020B0509030403020204" pitchFamily="49" charset="0"/>
+              </a:rPr>
+              <a:t> (!</a:t>
+            </a:r>
+            <a:r>
+              <a:rPr lang="en-US" sz="1400" dirty="0" err="1">
+                <a:latin typeface="Hasklig Medium" panose="020B0509030403020204" pitchFamily="49" charset="0"/>
+                <a:ea typeface="Hasklig Medium" panose="020B0509030403020204" pitchFamily="49" charset="0"/>
+              </a:rPr>
+              <a:t>ctx.IsReplaying</a:t>
+            </a:r>
+            <a:r>
+              <a:rPr lang="en-US" sz="1400" dirty="0">
+                <a:latin typeface="Hasklig Medium" panose="020B0509030403020204" pitchFamily="49" charset="0"/>
+                <a:ea typeface="Hasklig Medium" panose="020B0509030403020204" pitchFamily="49" charset="0"/>
+              </a:rPr>
+              <a:t>)</a:t>
+            </a:r>
+          </a:p>
+          <a:p>
+            <a:r>
+              <a:rPr lang="en-US" sz="1400" dirty="0">
+                <a:latin typeface="Hasklig Medium" panose="020B0509030403020204" pitchFamily="49" charset="0"/>
+                <a:ea typeface="Hasklig Medium" panose="020B0509030403020204" pitchFamily="49" charset="0"/>
+              </a:rPr>
+              <a:t>{</a:t>
+            </a:r>
+          </a:p>
+          <a:p>
+            <a:r>
+              <a:rPr lang="en-US" sz="1400" dirty="0">
+                <a:latin typeface="Hasklig Medium" panose="020B0509030403020204" pitchFamily="49" charset="0"/>
+                <a:ea typeface="Hasklig Medium" panose="020B0509030403020204" pitchFamily="49" charset="0"/>
+              </a:rPr>
+              <a:t>  </a:t>
+            </a:r>
+            <a:r>
+              <a:rPr lang="en-US" sz="1400" dirty="0" err="1">
+                <a:latin typeface="Hasklig Medium" panose="020B0509030403020204" pitchFamily="49" charset="0"/>
+                <a:ea typeface="Hasklig Medium" panose="020B0509030403020204" pitchFamily="49" charset="0"/>
+              </a:rPr>
+              <a:t>log.Info</a:t>
+            </a:r>
+            <a:r>
+              <a:rPr lang="en-US" sz="1400" dirty="0">
+                <a:latin typeface="Hasklig Medium" panose="020B0509030403020204" pitchFamily="49" charset="0"/>
+                <a:ea typeface="Hasklig Medium" panose="020B0509030403020204" pitchFamily="49" charset="0"/>
+              </a:rPr>
+              <a:t>(</a:t>
+            </a:r>
+            <a:r>
+              <a:rPr lang="en-US" sz="1400" dirty="0">
+                <a:solidFill>
+                  <a:srgbClr val="C00000"/>
+                </a:solidFill>
+                <a:latin typeface="Hasklig Medium" panose="020B0509030403020204" pitchFamily="49" charset="0"/>
+                <a:ea typeface="Hasklig Medium" panose="020B0509030403020204" pitchFamily="49" charset="0"/>
+              </a:rPr>
+              <a:t>“Your logging text"</a:t>
+            </a:r>
+            <a:r>
+              <a:rPr lang="en-US" sz="1400" dirty="0">
+                <a:latin typeface="Hasklig Medium" panose="020B0509030403020204" pitchFamily="49" charset="0"/>
+                <a:ea typeface="Hasklig Medium" panose="020B0509030403020204" pitchFamily="49" charset="0"/>
+              </a:rPr>
+              <a:t>);</a:t>
+            </a:r>
+          </a:p>
+          <a:p>
+            <a:r>
+              <a:rPr lang="en-US" sz="1400" dirty="0">
+                <a:latin typeface="Hasklig Medium" panose="020B0509030403020204" pitchFamily="49" charset="0"/>
+                <a:ea typeface="Hasklig Medium" panose="020B0509030403020204" pitchFamily="49" charset="0"/>
+              </a:rPr>
+              <a:t>} </a:t>
+            </a:r>
+            <a:endParaRPr lang="de-DE" sz="1400" dirty="0">
+              <a:latin typeface="Hasklig Medium" panose="020B0509030403020204" pitchFamily="49" charset="0"/>
+              <a:ea typeface="Hasklig Medium" panose="020B0509030403020204" pitchFamily="49" charset="0"/>
+            </a:endParaRPr>
+          </a:p>
+        </p:txBody>
+      </p:sp>
     </p:spTree>
     <p:extLst>
       <p:ext uri="{BB962C8B-B14F-4D97-AF65-F5344CB8AC3E}">
-        <p14:creationId xmlns:p14="http://schemas.microsoft.com/office/powerpoint/2010/main" val="1646258538"/>
+        <p14:creationId xmlns:p14="http://schemas.microsoft.com/office/powerpoint/2010/main" val="302443822"/>
       </p:ext>
     </p:extLst>
   </p:cSld>
@@ -10828,7 +11953,7 @@
           <a:p>
             <a:r>
               <a:rPr lang="en-US" sz="2400" dirty="0"/>
-              <a:t>Logging in Orchestrator Functions</a:t>
+              <a:t>Monitoring Durable Functions</a:t>
             </a:r>
             <a:endParaRPr lang="de-DE" sz="2400" dirty="0"/>
           </a:p>
@@ -10891,8 +12016,8 @@
         </p:nvSpPr>
         <p:spPr>
           <a:xfrm>
-            <a:off x="3889521" y="2200271"/>
-            <a:ext cx="7212231" cy="1631216"/>
+            <a:off x="3790130" y="1370699"/>
+            <a:ext cx="6971780" cy="4401205"/>
           </a:xfrm>
           <a:prstGeom prst="rect">
             <a:avLst/>
@@ -10911,37 +12036,7 @@
                   <a:srgbClr val="5A536D"/>
                 </a:solidFill>
               </a:rPr>
-              <a:t>Use the built-in </a:t>
-            </a:r>
-            <a:r>
-              <a:rPr lang="en-US" sz="2000" b="1" dirty="0" err="1">
-                <a:solidFill>
-                  <a:srgbClr val="5A536D"/>
-                </a:solidFill>
-              </a:rPr>
-              <a:t>TraceWriter</a:t>
-            </a:r>
-            <a:endParaRPr lang="en-US" sz="2000" b="1" dirty="0">
-              <a:solidFill>
-                <a:srgbClr val="5A536D"/>
-              </a:solidFill>
-            </a:endParaRPr>
-          </a:p>
-          <a:p>
-            <a:endParaRPr lang="en-US" sz="2000" b="1" dirty="0">
-              <a:solidFill>
-                <a:srgbClr val="5A536D"/>
-              </a:solidFill>
-            </a:endParaRPr>
-          </a:p>
-          <a:p>
-            <a:r>
-              <a:rPr lang="en-US" sz="2000" b="1" dirty="0">
-                <a:solidFill>
-                  <a:srgbClr val="5A536D"/>
-                </a:solidFill>
-              </a:rPr>
-              <a:t>Log messages get written on every replay </a:t>
+              <a:t>Log messages stored in Table Storage</a:t>
             </a:r>
           </a:p>
           <a:p>
@@ -10955,16 +12050,29 @@
                   <a:srgbClr val="5A536D"/>
                 </a:solidFill>
               </a:rPr>
-              <a:t>Avoid with </a:t>
-            </a:r>
-            <a:r>
-              <a:rPr lang="en-US" sz="2000" dirty="0" err="1">
+              <a:t>Invocation history and log output can be viewed </a:t>
+            </a:r>
+            <a:br>
+              <a:rPr lang="en-US" sz="2000" dirty="0">
                 <a:solidFill>
                   <a:srgbClr val="5A536D"/>
                 </a:solidFill>
               </a:rPr>
-              <a:t>DurableOrchestrationContext.IsReplaying</a:t>
-            </a:r>
+            </a:br>
+            <a:r>
+              <a:rPr lang="en-US" sz="2000" dirty="0">
+                <a:solidFill>
+                  <a:srgbClr val="5A536D"/>
+                </a:solidFill>
+              </a:rPr>
+              <a:t>in the Azure Portal for each function</a:t>
+            </a:r>
+          </a:p>
+          <a:p>
+            <a:pPr marL="800100" lvl="1" indent="-342900">
+              <a:buFont typeface="Symbol" panose="05050102010706020507" pitchFamily="18" charset="2"/>
+              <a:buChar char="-"/>
+            </a:pPr>
             <a:endParaRPr lang="en-US" sz="2000" dirty="0">
               <a:solidFill>
                 <a:srgbClr val="5A536D"/>
@@ -10978,22 +12086,131 @@
                   <a:srgbClr val="5A536D"/>
                 </a:solidFill>
               </a:rPr>
-              <a:t> </a:t>
-            </a:r>
+              <a:t>Application Insights </a:t>
+            </a:r>
+          </a:p>
+          <a:p>
+            <a:pPr marL="800100" lvl="1" indent="-342900">
+              <a:buFont typeface="Symbol" panose="05050102010706020507" pitchFamily="18" charset="2"/>
+              <a:buChar char="-"/>
+            </a:pPr>
+            <a:r>
+              <a:rPr lang="en-US" sz="2000" dirty="0">
+                <a:solidFill>
+                  <a:srgbClr val="5A536D"/>
+                </a:solidFill>
+              </a:rPr>
+              <a:t>Create an instance of Application Insights </a:t>
+            </a:r>
+          </a:p>
+          <a:p>
+            <a:pPr marL="800100" lvl="1" indent="-342900">
+              <a:buFont typeface="Symbol" panose="05050102010706020507" pitchFamily="18" charset="2"/>
+              <a:buChar char="-"/>
+            </a:pPr>
+            <a:r>
+              <a:rPr lang="en-US" sz="2000" dirty="0">
+                <a:solidFill>
+                  <a:srgbClr val="5A536D"/>
+                </a:solidFill>
+              </a:rPr>
+              <a:t>Get the instrumentation key – </a:t>
+            </a:r>
+            <a:br>
+              <a:rPr lang="en-US" sz="2000" dirty="0">
+                <a:solidFill>
+                  <a:srgbClr val="5A536D"/>
+                </a:solidFill>
+              </a:rPr>
+            </a:br>
+            <a:r>
+              <a:rPr lang="en-US" sz="2000" dirty="0">
+                <a:solidFill>
+                  <a:srgbClr val="5A536D"/>
+                </a:solidFill>
+              </a:rPr>
+              <a:t>APPINSIGHTS_INSTRUMENTATIONKEY</a:t>
+            </a:r>
+          </a:p>
+          <a:p>
+            <a:pPr marL="800100" lvl="1" indent="-342900">
+              <a:buFont typeface="Symbol" panose="05050102010706020507" pitchFamily="18" charset="2"/>
+              <a:buChar char="-"/>
+            </a:pPr>
             <a:endParaRPr lang="en-US" sz="2000" dirty="0">
               <a:solidFill>
                 <a:srgbClr val="5A536D"/>
               </a:solidFill>
             </a:endParaRPr>
           </a:p>
+          <a:p>
+            <a:r>
+              <a:rPr lang="en-US" sz="2000" b="1" dirty="0">
+                <a:solidFill>
+                  <a:srgbClr val="5A536D"/>
+                </a:solidFill>
+              </a:rPr>
+              <a:t>Custom Event Logging</a:t>
+            </a:r>
+          </a:p>
+          <a:p>
+            <a:pPr marL="800100" lvl="1" indent="-342900">
+              <a:buFont typeface="Symbol" panose="05050102010706020507" pitchFamily="18" charset="2"/>
+              <a:buChar char="-"/>
+            </a:pPr>
+            <a:r>
+              <a:rPr lang="en-US" sz="2000" dirty="0">
+                <a:solidFill>
+                  <a:srgbClr val="5A536D"/>
+                </a:solidFill>
+              </a:rPr>
+              <a:t>Log a event after each activity inside a </a:t>
+            </a:r>
+            <a:br>
+              <a:rPr lang="en-US" sz="2000" dirty="0">
+                <a:solidFill>
+                  <a:srgbClr val="5A536D"/>
+                </a:solidFill>
+              </a:rPr>
+            </a:br>
+            <a:r>
+              <a:rPr lang="en-US" sz="2000" dirty="0">
+                <a:solidFill>
+                  <a:srgbClr val="5A536D"/>
+                </a:solidFill>
+              </a:rPr>
+              <a:t>SQL Server or other database</a:t>
+            </a:r>
+          </a:p>
+          <a:p>
+            <a:pPr marL="800100" lvl="1" indent="-342900">
+              <a:buFont typeface="Symbol" panose="05050102010706020507" pitchFamily="18" charset="2"/>
+              <a:buChar char="-"/>
+            </a:pPr>
+            <a:endParaRPr lang="en-US" sz="2000" dirty="0">
+              <a:solidFill>
+                <a:srgbClr val="5A536D"/>
+              </a:solidFill>
+            </a:endParaRPr>
+          </a:p>
+          <a:p>
+            <a:r>
+              <a:rPr lang="en-US" sz="2000" b="1" dirty="0">
+                <a:solidFill>
+                  <a:srgbClr val="5A536D"/>
+                </a:solidFill>
+              </a:rPr>
+              <a:t>Separate Endpoint to get the Workflow Instance Status</a:t>
+            </a:r>
+          </a:p>
         </p:txBody>
       </p:sp>
       <p:pic>
         <p:nvPicPr>
-          <p:cNvPr id="5" name="Grafik 4">
-            <a:extLst>
-              <a:ext uri="{FF2B5EF4-FFF2-40B4-BE49-F238E27FC236}">
-                <a16:creationId xmlns:a16="http://schemas.microsoft.com/office/drawing/2014/main" id="{51C67E5D-B8AF-4806-9783-D3C4C2643B56}"/>
+          <p:cNvPr id="4" name="Grafik 3">
+            <a:extLst>
+              <a:ext uri="{FF2B5EF4-FFF2-40B4-BE49-F238E27FC236}">
+                <a16:creationId xmlns:a16="http://schemas.microsoft.com/office/drawing/2014/main" id="{1BDD8FC1-B245-4BBF-A717-2519CBC3C906}"/>
               </a:ext>
             </a:extLst>
           </p:cNvPr>
@@ -11016,7 +12233,7 @@
         </p:blipFill>
         <p:spPr>
           <a:xfrm>
-            <a:off x="838201" y="2476499"/>
+            <a:off x="838201" y="2476500"/>
             <a:ext cx="1905000" cy="1905000"/>
           </a:xfrm>
           <a:prstGeom prst="rect">
@@ -11024,145 +12241,10 @@
           </a:prstGeom>
         </p:spPr>
       </p:pic>
-      <p:sp>
-        <p:nvSpPr>
-          <p:cNvPr id="8" name="Textfeld 7">
-            <a:extLst>
-              <a:ext uri="{FF2B5EF4-FFF2-40B4-BE49-F238E27FC236}">
-                <a16:creationId xmlns:a16="http://schemas.microsoft.com/office/drawing/2014/main" id="{3B7FE4B7-5507-44D5-A733-CFB830DC778E}"/>
-              </a:ext>
-            </a:extLst>
-          </p:cNvPr>
-          <p:cNvSpPr txBox="1"/>
-          <p:nvPr/>
-        </p:nvSpPr>
-        <p:spPr>
-          <a:xfrm>
-            <a:off x="3889521" y="3580867"/>
-            <a:ext cx="3621504" cy="1169551"/>
-          </a:xfrm>
-          <a:prstGeom prst="rect">
-            <a:avLst/>
-          </a:prstGeom>
-          <a:noFill/>
-          <a:ln>
-            <a:noFill/>
-          </a:ln>
-        </p:spPr>
-        <p:txBody>
-          <a:bodyPr wrap="none" rtlCol="0">
-            <a:spAutoFit/>
-          </a:bodyPr>
-          <a:lstStyle/>
-          <a:p>
-            <a:endParaRPr lang="en-US" sz="1400" dirty="0">
-              <a:latin typeface="Hasklig Medium" panose="020B0509030403020204" pitchFamily="49" charset="0"/>
-              <a:ea typeface="Hasklig Medium" panose="020B0509030403020204" pitchFamily="49" charset="0"/>
-            </a:endParaRPr>
-          </a:p>
-          <a:p>
-            <a:r>
-              <a:rPr lang="en-US" sz="1400" dirty="0">
-                <a:solidFill>
-                  <a:schemeClr val="accent5">
-                    <a:lumMod val="50000"/>
-                  </a:schemeClr>
-                </a:solidFill>
-                <a:latin typeface="Hasklig Medium" panose="020B0509030403020204" pitchFamily="49" charset="0"/>
-                <a:ea typeface="Hasklig Medium" panose="020B0509030403020204" pitchFamily="49" charset="0"/>
-              </a:rPr>
-              <a:t>if</a:t>
-            </a:r>
-            <a:r>
-              <a:rPr lang="en-US" sz="1400" dirty="0">
-                <a:latin typeface="Hasklig Medium" panose="020B0509030403020204" pitchFamily="49" charset="0"/>
-                <a:ea typeface="Hasklig Medium" panose="020B0509030403020204" pitchFamily="49" charset="0"/>
-              </a:rPr>
-              <a:t> (!</a:t>
-            </a:r>
-            <a:r>
-              <a:rPr lang="en-US" sz="1400" dirty="0" err="1">
-                <a:latin typeface="Hasklig Medium" panose="020B0509030403020204" pitchFamily="49" charset="0"/>
-                <a:ea typeface="Hasklig Medium" panose="020B0509030403020204" pitchFamily="49" charset="0"/>
-              </a:rPr>
-              <a:t>ctx.IsReplaying</a:t>
-            </a:r>
-            <a:r>
-              <a:rPr lang="en-US" sz="1400" dirty="0">
-                <a:latin typeface="Hasklig Medium" panose="020B0509030403020204" pitchFamily="49" charset="0"/>
-                <a:ea typeface="Hasklig Medium" panose="020B0509030403020204" pitchFamily="49" charset="0"/>
-              </a:rPr>
-              <a:t>)</a:t>
-            </a:r>
-          </a:p>
-          <a:p>
-            <a:r>
-              <a:rPr lang="en-US" sz="1400" dirty="0">
-                <a:latin typeface="Hasklig Medium" panose="020B0509030403020204" pitchFamily="49" charset="0"/>
-                <a:ea typeface="Hasklig Medium" panose="020B0509030403020204" pitchFamily="49" charset="0"/>
-              </a:rPr>
-              <a:t>{</a:t>
-            </a:r>
-          </a:p>
-          <a:p>
-            <a:r>
-              <a:rPr lang="en-US" sz="1400" dirty="0">
-                <a:latin typeface="Hasklig Medium" panose="020B0509030403020204" pitchFamily="49" charset="0"/>
-                <a:ea typeface="Hasklig Medium" panose="020B0509030403020204" pitchFamily="49" charset="0"/>
-              </a:rPr>
-              <a:t>  </a:t>
-            </a:r>
-            <a:r>
-              <a:rPr lang="en-US" sz="1400" dirty="0" err="1">
-                <a:latin typeface="Hasklig Medium" panose="020B0509030403020204" pitchFamily="49" charset="0"/>
-                <a:ea typeface="Hasklig Medium" panose="020B0509030403020204" pitchFamily="49" charset="0"/>
-              </a:rPr>
-              <a:t>log.Info</a:t>
-            </a:r>
-            <a:r>
-              <a:rPr lang="en-US" sz="1400" dirty="0">
-                <a:latin typeface="Hasklig Medium" panose="020B0509030403020204" pitchFamily="49" charset="0"/>
-                <a:ea typeface="Hasklig Medium" panose="020B0509030403020204" pitchFamily="49" charset="0"/>
-              </a:rPr>
-              <a:t>(</a:t>
-            </a:r>
-            <a:r>
-              <a:rPr lang="en-US" sz="1400" dirty="0">
-                <a:solidFill>
-                  <a:srgbClr val="C00000"/>
-                </a:solidFill>
-                <a:latin typeface="Hasklig Medium" panose="020B0509030403020204" pitchFamily="49" charset="0"/>
-                <a:ea typeface="Hasklig Medium" panose="020B0509030403020204" pitchFamily="49" charset="0"/>
-              </a:rPr>
-              <a:t>“Your logging text"</a:t>
-            </a:r>
-            <a:r>
-              <a:rPr lang="en-US" sz="1400" dirty="0">
-                <a:latin typeface="Hasklig Medium" panose="020B0509030403020204" pitchFamily="49" charset="0"/>
-                <a:ea typeface="Hasklig Medium" panose="020B0509030403020204" pitchFamily="49" charset="0"/>
-              </a:rPr>
-              <a:t>);</a:t>
-            </a:r>
-          </a:p>
-          <a:p>
-            <a:r>
-              <a:rPr lang="en-US" sz="1400" dirty="0">
-                <a:latin typeface="Hasklig Medium" panose="020B0509030403020204" pitchFamily="49" charset="0"/>
-                <a:ea typeface="Hasklig Medium" panose="020B0509030403020204" pitchFamily="49" charset="0"/>
-              </a:rPr>
-              <a:t>} </a:t>
-            </a:r>
-            <a:endParaRPr lang="de-DE" sz="1400" dirty="0">
-              <a:latin typeface="Hasklig Medium" panose="020B0509030403020204" pitchFamily="49" charset="0"/>
-              <a:ea typeface="Hasklig Medium" panose="020B0509030403020204" pitchFamily="49" charset="0"/>
-            </a:endParaRPr>
-          </a:p>
-        </p:txBody>
-      </p:sp>
     </p:spTree>
     <p:extLst>
       <p:ext uri="{BB962C8B-B14F-4D97-AF65-F5344CB8AC3E}">
-        <p14:creationId xmlns:p14="http://schemas.microsoft.com/office/powerpoint/2010/main" val="302443822"/>
+        <p14:creationId xmlns:p14="http://schemas.microsoft.com/office/powerpoint/2010/main" val="366352895"/>
       </p:ext>
     </p:extLst>
   </p:cSld>
@@ -11214,7 +12296,7 @@
           <a:p>
             <a:r>
               <a:rPr lang="en-US" sz="2400" dirty="0"/>
-              <a:t>Monitoring Durable Functions</a:t>
+              <a:t>Demo: Complex Durable Functions Workflow</a:t>
             </a:r>
             <a:endParaRPr lang="de-DE" sz="2400" dirty="0"/>
           </a:p>
@@ -11265,10 +12347,10 @@
       </p:cxnSp>
       <p:sp>
         <p:nvSpPr>
-          <p:cNvPr id="7" name="Textfeld 6">
-            <a:extLst>
-              <a:ext uri="{FF2B5EF4-FFF2-40B4-BE49-F238E27FC236}">
-                <a16:creationId xmlns:a16="http://schemas.microsoft.com/office/drawing/2014/main" id="{3E5CCA95-BF7A-46E4-9279-89F179D25AE6}"/>
+          <p:cNvPr id="13" name="Textfeld 12">
+            <a:extLst>
+              <a:ext uri="{FF2B5EF4-FFF2-40B4-BE49-F238E27FC236}">
+                <a16:creationId xmlns:a16="http://schemas.microsoft.com/office/drawing/2014/main" id="{2F81F2AB-E65C-4B76-B7B9-679464B9904D}"/>
               </a:ext>
             </a:extLst>
           </p:cNvPr>
@@ -11277,8 +12359,8 @@
         </p:nvSpPr>
         <p:spPr>
           <a:xfrm>
-            <a:off x="3790130" y="1678476"/>
-            <a:ext cx="6763390" cy="3785652"/>
+            <a:off x="3737121" y="2767278"/>
+            <a:ext cx="8311891" cy="1323439"/>
           </a:xfrm>
           <a:prstGeom prst="rect">
             <a:avLst/>
@@ -11297,160 +12379,59 @@
                   <a:srgbClr val="5A536D"/>
                 </a:solidFill>
               </a:rPr>
-              <a:t>Log messages stored in Table Storage</a:t>
-            </a:r>
-          </a:p>
-          <a:p>
-            <a:pPr marL="800100" lvl="1" indent="-342900">
-              <a:buFont typeface="Symbol" panose="05050102010706020507" pitchFamily="18" charset="2"/>
-              <a:buChar char="-"/>
-            </a:pPr>
-            <a:r>
-              <a:rPr lang="en-US" sz="2000" dirty="0">
+              <a:t>Voucher Audit Workflow with Fan-out/Fan-in and external events</a:t>
+            </a:r>
+            <a:br>
+              <a:rPr lang="en-US" sz="2000" b="1" dirty="0">
                 <a:solidFill>
                   <a:srgbClr val="5A536D"/>
                 </a:solidFill>
               </a:rPr>
-              <a:t>Invocation history and log output can be viewed </a:t>
-            </a:r>
+            </a:br>
             <a:br>
-              <a:rPr lang="en-US" sz="2000" dirty="0">
+              <a:rPr lang="en-US" sz="2000" b="1" dirty="0">
                 <a:solidFill>
                   <a:srgbClr val="5A536D"/>
                 </a:solidFill>
               </a:rPr>
             </a:br>
             <a:r>
-              <a:rPr lang="en-US" sz="2000" dirty="0">
+              <a:rPr lang="en-US" sz="2000" b="1" dirty="0">
                 <a:solidFill>
                   <a:srgbClr val="5A536D"/>
                 </a:solidFill>
               </a:rPr>
-              <a:t>in the Azure Portal for each function</a:t>
-            </a:r>
-          </a:p>
-          <a:p>
-            <a:pPr marL="800100" lvl="1" indent="-342900">
-              <a:buFont typeface="Symbol" panose="05050102010706020507" pitchFamily="18" charset="2"/>
-              <a:buChar char="-"/>
-            </a:pPr>
+              <a:t>Use the Storage Explorer to show the </a:t>
+            </a:r>
+            <a:br>
+              <a:rPr lang="en-US" sz="2000" b="1" dirty="0">
+                <a:solidFill>
+                  <a:srgbClr val="5A536D"/>
+                </a:solidFill>
+              </a:rPr>
+            </a:br>
+            <a:r>
+              <a:rPr lang="en-US" sz="2000" b="1" dirty="0">
+                <a:solidFill>
+                  <a:srgbClr val="5A536D"/>
+                </a:solidFill>
+              </a:rPr>
+              <a:t>insides of Durable State Storage</a:t>
+            </a:r>
             <a:endParaRPr lang="en-US" sz="2000" dirty="0">
               <a:solidFill>
                 <a:srgbClr val="5A536D"/>
               </a:solidFill>
             </a:endParaRPr>
           </a:p>
-          <a:p>
-            <a:r>
-              <a:rPr lang="en-US" sz="2000" b="1" dirty="0">
-                <a:solidFill>
-                  <a:srgbClr val="5A536D"/>
-                </a:solidFill>
-              </a:rPr>
-              <a:t>Application Insights </a:t>
-            </a:r>
-          </a:p>
-          <a:p>
-            <a:pPr marL="800100" lvl="1" indent="-342900">
-              <a:buFont typeface="Symbol" panose="05050102010706020507" pitchFamily="18" charset="2"/>
-              <a:buChar char="-"/>
-            </a:pPr>
-            <a:r>
-              <a:rPr lang="en-US" sz="2000" dirty="0">
-                <a:solidFill>
-                  <a:srgbClr val="5A536D"/>
-                </a:solidFill>
-              </a:rPr>
-              <a:t>Create an instance of Application Insights </a:t>
-            </a:r>
-          </a:p>
-          <a:p>
-            <a:pPr marL="800100" lvl="1" indent="-342900">
-              <a:buFont typeface="Symbol" panose="05050102010706020507" pitchFamily="18" charset="2"/>
-              <a:buChar char="-"/>
-            </a:pPr>
-            <a:r>
-              <a:rPr lang="en-US" sz="2000" dirty="0">
-                <a:solidFill>
-                  <a:srgbClr val="5A536D"/>
-                </a:solidFill>
-              </a:rPr>
-              <a:t>Get the instrumentation key – </a:t>
-            </a:r>
-            <a:br>
-              <a:rPr lang="en-US" sz="2000" dirty="0">
-                <a:solidFill>
-                  <a:srgbClr val="5A536D"/>
-                </a:solidFill>
-              </a:rPr>
-            </a:br>
-            <a:r>
-              <a:rPr lang="en-US" sz="2000" dirty="0">
-                <a:solidFill>
-                  <a:srgbClr val="5A536D"/>
-                </a:solidFill>
-              </a:rPr>
-              <a:t>APPINSIGHTS_INSTRUMENTATIONKEY</a:t>
-            </a:r>
-          </a:p>
-          <a:p>
-            <a:pPr marL="800100" lvl="1" indent="-342900">
-              <a:buFont typeface="Symbol" panose="05050102010706020507" pitchFamily="18" charset="2"/>
-              <a:buChar char="-"/>
-            </a:pPr>
-            <a:endParaRPr lang="en-US" sz="2000" dirty="0">
-              <a:solidFill>
-                <a:srgbClr val="5A536D"/>
-              </a:solidFill>
-            </a:endParaRPr>
-          </a:p>
-          <a:p>
-            <a:r>
-              <a:rPr lang="en-US" sz="2000" b="1" dirty="0">
-                <a:solidFill>
-                  <a:srgbClr val="5A536D"/>
-                </a:solidFill>
-              </a:rPr>
-              <a:t>Custom Event Logging</a:t>
-            </a:r>
-          </a:p>
-          <a:p>
-            <a:pPr marL="800100" lvl="1" indent="-342900">
-              <a:buFont typeface="Symbol" panose="05050102010706020507" pitchFamily="18" charset="2"/>
-              <a:buChar char="-"/>
-            </a:pPr>
-            <a:r>
-              <a:rPr lang="en-US" sz="2000" dirty="0">
-                <a:solidFill>
-                  <a:srgbClr val="5A536D"/>
-                </a:solidFill>
-              </a:rPr>
-              <a:t>Log a event after each activity inside a </a:t>
-            </a:r>
-            <a:br>
-              <a:rPr lang="en-US" sz="2000" dirty="0">
-                <a:solidFill>
-                  <a:srgbClr val="5A536D"/>
-                </a:solidFill>
-              </a:rPr>
-            </a:br>
-            <a:r>
-              <a:rPr lang="en-US" sz="2000" dirty="0">
-                <a:solidFill>
-                  <a:srgbClr val="5A536D"/>
-                </a:solidFill>
-              </a:rPr>
-              <a:t>SQL Server or other database</a:t>
-            </a:r>
-          </a:p>
         </p:txBody>
       </p:sp>
       <p:pic>
         <p:nvPicPr>
-          <p:cNvPr id="4" name="Grafik 3">
-            <a:extLst>
-              <a:ext uri="{FF2B5EF4-FFF2-40B4-BE49-F238E27FC236}">
-                <a16:creationId xmlns:a16="http://schemas.microsoft.com/office/drawing/2014/main" id="{1BDD8FC1-B245-4BBF-A717-2519CBC3C906}"/>
+          <p:cNvPr id="15" name="Grafik 14">
+            <a:extLst>
+              <a:ext uri="{FF2B5EF4-FFF2-40B4-BE49-F238E27FC236}">
+                <a16:creationId xmlns:a16="http://schemas.microsoft.com/office/drawing/2014/main" id="{75C66F34-CCD3-4F4B-97B6-673D0AF7DCCE}"/>
               </a:ext>
             </a:extLst>
           </p:cNvPr>
@@ -11473,7 +12454,7 @@
         </p:blipFill>
         <p:spPr>
           <a:xfrm>
-            <a:off x="838201" y="2476500"/>
+            <a:off x="838201" y="2476498"/>
             <a:ext cx="1905000" cy="1905000"/>
           </a:xfrm>
           <a:prstGeom prst="rect">
@@ -11484,7 +12465,7 @@
     </p:spTree>
     <p:extLst>
       <p:ext uri="{BB962C8B-B14F-4D97-AF65-F5344CB8AC3E}">
-        <p14:creationId xmlns:p14="http://schemas.microsoft.com/office/powerpoint/2010/main" val="366352895"/>
+        <p14:creationId xmlns:p14="http://schemas.microsoft.com/office/powerpoint/2010/main" val="709901595"/>
       </p:ext>
     </p:extLst>
   </p:cSld>
@@ -12104,8 +13085,8 @@
         </p:nvSpPr>
         <p:spPr>
           <a:xfrm>
-            <a:off x="3882895" y="1667030"/>
-            <a:ext cx="1032655" cy="1038554"/>
+            <a:off x="3776877" y="1951672"/>
+            <a:ext cx="7080785" cy="2954655"/>
           </a:xfrm>
           <a:prstGeom prst="rect">
             <a:avLst/>
@@ -12119,32 +13100,193 @@
           <a:lstStyle/>
           <a:p>
             <a:r>
-              <a:rPr lang="en-US" sz="2000" dirty="0" err="1">
+              <a:rPr lang="en-US" sz="2000" b="1" dirty="0">
                 <a:solidFill>
                   <a:srgbClr val="5A536D"/>
                 </a:solidFill>
               </a:rPr>
-              <a:t>gdfgsd</a:t>
-            </a:r>
-            <a:endParaRPr lang="en-US" sz="2000" dirty="0">
+              <a:t>Durable Entities</a:t>
+            </a:r>
+          </a:p>
+          <a:p>
+            <a:pPr marL="742950" lvl="1" indent="-285750">
+              <a:buFont typeface="Symbol" panose="05050102010706020507" pitchFamily="18" charset="2"/>
+              <a:buChar char="-"/>
+            </a:pPr>
+            <a:r>
+              <a:rPr lang="de-DE" dirty="0">
+                <a:solidFill>
+                  <a:srgbClr val="5A536D"/>
+                </a:solidFill>
+              </a:rPr>
+              <a:t>Entity </a:t>
+            </a:r>
+            <a:r>
+              <a:rPr lang="de-DE" dirty="0" err="1">
+                <a:solidFill>
+                  <a:srgbClr val="5A536D"/>
+                </a:solidFill>
+              </a:rPr>
+              <a:t>Functions</a:t>
+            </a:r>
+            <a:endParaRPr lang="de-DE" dirty="0">
               <a:solidFill>
                 <a:srgbClr val="5A536D"/>
               </a:solidFill>
             </a:endParaRPr>
           </a:p>
           <a:p>
-            <a:pPr marL="342900" indent="-342900">
-              <a:lnSpc>
-                <a:spcPct val="250000"/>
-              </a:lnSpc>
-              <a:buFont typeface="+mj-lt"/>
-              <a:buAutoNum type="arabicPeriod"/>
+            <a:pPr marL="742950" lvl="1" indent="-285750">
+              <a:buFont typeface="Symbol" panose="05050102010706020507" pitchFamily="18" charset="2"/>
+              <a:buChar char="-"/>
             </a:pPr>
-            <a:endParaRPr lang="en-US" sz="2000" dirty="0">
+            <a:r>
+              <a:rPr lang="de-DE" dirty="0">
+                <a:solidFill>
+                  <a:srgbClr val="5A536D"/>
+                </a:solidFill>
+              </a:rPr>
+              <a:t>Durable HTTP</a:t>
+            </a:r>
+          </a:p>
+          <a:p>
+            <a:br>
+              <a:rPr lang="de-DE" sz="2000" dirty="0">
+                <a:solidFill>
+                  <a:srgbClr val="5A536D"/>
+                </a:solidFill>
+              </a:rPr>
+            </a:br>
+            <a:r>
+              <a:rPr lang="de-DE" sz="2000" b="1" dirty="0">
+                <a:solidFill>
+                  <a:srgbClr val="5A536D"/>
+                </a:solidFill>
+              </a:rPr>
+              <a:t>Interface </a:t>
+            </a:r>
+            <a:r>
+              <a:rPr lang="de-DE" sz="2000" b="1" dirty="0" err="1">
+                <a:solidFill>
+                  <a:srgbClr val="5A536D"/>
+                </a:solidFill>
+              </a:rPr>
+              <a:t>for</a:t>
+            </a:r>
+            <a:r>
+              <a:rPr lang="de-DE" sz="2000" b="1" dirty="0">
+                <a:solidFill>
+                  <a:srgbClr val="5A536D"/>
+                </a:solidFill>
+              </a:rPr>
+              <a:t> Clients</a:t>
+            </a:r>
+            <a:endParaRPr lang="en-US" sz="2000" b="1" dirty="0">
               <a:solidFill>
                 <a:srgbClr val="5A536D"/>
               </a:solidFill>
             </a:endParaRPr>
+          </a:p>
+          <a:p>
+            <a:pPr marL="742950" lvl="1" indent="-285750">
+              <a:buFont typeface="Symbol" panose="05050102010706020507" pitchFamily="18" charset="2"/>
+              <a:buChar char="-"/>
+            </a:pPr>
+            <a:r>
+              <a:rPr lang="en-US" dirty="0">
+                <a:solidFill>
+                  <a:srgbClr val="5A536D"/>
+                </a:solidFill>
+              </a:rPr>
+              <a:t>Abstract base classes have been replaced with interfaces</a:t>
+            </a:r>
+            <a:br>
+              <a:rPr lang="en-US" dirty="0">
+                <a:solidFill>
+                  <a:srgbClr val="5A536D"/>
+                </a:solidFill>
+              </a:rPr>
+            </a:br>
+            <a:endParaRPr lang="en-US" dirty="0">
+              <a:solidFill>
+                <a:srgbClr val="5A536D"/>
+              </a:solidFill>
+            </a:endParaRPr>
+          </a:p>
+          <a:p>
+            <a:r>
+              <a:rPr lang="de-DE" b="1" dirty="0">
+                <a:solidFill>
+                  <a:srgbClr val="5A536D"/>
+                </a:solidFill>
+              </a:rPr>
+              <a:t>Alternate </a:t>
+            </a:r>
+            <a:r>
+              <a:rPr lang="de-DE" b="1" dirty="0" err="1">
+                <a:solidFill>
+                  <a:srgbClr val="5A536D"/>
+                </a:solidFill>
+              </a:rPr>
+              <a:t>storage</a:t>
+            </a:r>
+            <a:r>
+              <a:rPr lang="de-DE" b="1" dirty="0">
+                <a:solidFill>
+                  <a:srgbClr val="5A536D"/>
+                </a:solidFill>
+              </a:rPr>
+              <a:t> </a:t>
+            </a:r>
+            <a:r>
+              <a:rPr lang="de-DE" b="1" dirty="0" err="1">
+                <a:solidFill>
+                  <a:srgbClr val="5A536D"/>
+                </a:solidFill>
+              </a:rPr>
+              <a:t>providers</a:t>
+            </a:r>
+            <a:endParaRPr lang="de-DE" b="1" dirty="0">
+              <a:solidFill>
+                <a:srgbClr val="5A536D"/>
+              </a:solidFill>
+            </a:endParaRPr>
+          </a:p>
+          <a:p>
+            <a:pPr marL="742950" lvl="1" indent="-285750">
+              <a:buFont typeface="Symbol" panose="05050102010706020507" pitchFamily="18" charset="2"/>
+              <a:buChar char="-"/>
+            </a:pPr>
+            <a:r>
+              <a:rPr lang="de-DE" dirty="0">
+                <a:solidFill>
+                  <a:srgbClr val="5A536D"/>
+                </a:solidFill>
+              </a:rPr>
+              <a:t>Emulator</a:t>
+            </a:r>
+          </a:p>
+          <a:p>
+            <a:pPr marL="742950" lvl="1" indent="-285750">
+              <a:buFont typeface="Symbol" panose="05050102010706020507" pitchFamily="18" charset="2"/>
+              <a:buChar char="-"/>
+            </a:pPr>
+            <a:r>
+              <a:rPr lang="de-DE" dirty="0" err="1">
+                <a:solidFill>
+                  <a:srgbClr val="5A536D"/>
+                </a:solidFill>
+              </a:rPr>
+              <a:t>Redis</a:t>
+            </a:r>
+            <a:r>
+              <a:rPr lang="de-DE" dirty="0">
+                <a:solidFill>
+                  <a:srgbClr val="5A536D"/>
+                </a:solidFill>
+              </a:rPr>
+              <a:t> </a:t>
+            </a:r>
           </a:p>
         </p:txBody>
       </p:sp>
@@ -12184,10 +13326,971 @@
           </a:prstGeom>
         </p:spPr>
       </p:pic>
+      <p:sp>
+        <p:nvSpPr>
+          <p:cNvPr id="14" name="Flussdiagramm: Daten 13">
+            <a:extLst>
+              <a:ext uri="{FF2B5EF4-FFF2-40B4-BE49-F238E27FC236}">
+                <a16:creationId xmlns:a16="http://schemas.microsoft.com/office/drawing/2014/main" id="{7C4F39E2-3F7B-4E07-8E82-239147051037}"/>
+              </a:ext>
+            </a:extLst>
+          </p:cNvPr>
+          <p:cNvSpPr/>
+          <p:nvPr/>
+        </p:nvSpPr>
+        <p:spPr>
+          <a:xfrm rot="2012765">
+            <a:off x="10814364" y="920117"/>
+            <a:ext cx="1959937" cy="252974"/>
+          </a:xfrm>
+          <a:prstGeom prst="flowChartInputOutput">
+            <a:avLst/>
+          </a:prstGeom>
+          <a:solidFill>
+            <a:srgbClr val="FFC000"/>
+          </a:solidFill>
+          <a:ln>
+            <a:solidFill>
+              <a:srgbClr val="FFC000"/>
+            </a:solidFill>
+          </a:ln>
+        </p:spPr>
+        <p:style>
+          <a:lnRef idx="2">
+            <a:schemeClr val="accent1">
+              <a:shade val="50000"/>
+            </a:schemeClr>
+          </a:lnRef>
+          <a:fillRef idx="1">
+            <a:schemeClr val="accent1"/>
+          </a:fillRef>
+          <a:effectRef idx="0">
+            <a:schemeClr val="accent1"/>
+          </a:effectRef>
+          <a:fontRef idx="minor">
+            <a:schemeClr val="lt1"/>
+          </a:fontRef>
+        </p:style>
+        <p:txBody>
+          <a:bodyPr rtlCol="0" anchor="ctr"/>
+          <a:lstStyle/>
+          <a:p>
+            <a:pPr algn="ctr"/>
+            <a:r>
+              <a:rPr lang="en-US" sz="1100" i="1" dirty="0">
+                <a:solidFill>
+                  <a:srgbClr val="3F3658"/>
+                </a:solidFill>
+              </a:rPr>
+              <a:t>PREVIEW</a:t>
+            </a:r>
+            <a:endParaRPr lang="de-DE" sz="1200" i="1" dirty="0">
+              <a:solidFill>
+                <a:srgbClr val="3F3658"/>
+              </a:solidFill>
+            </a:endParaRPr>
+          </a:p>
+        </p:txBody>
+      </p:sp>
     </p:spTree>
     <p:extLst>
       <p:ext uri="{BB962C8B-B14F-4D97-AF65-F5344CB8AC3E}">
         <p14:creationId xmlns:p14="http://schemas.microsoft.com/office/powerpoint/2010/main" val="2413943835"/>
+      </p:ext>
+    </p:extLst>
+  </p:cSld>
+  <p:clrMapOvr>
+    <a:masterClrMapping/>
+  </p:clrMapOvr>
+  <p:timing>
+    <p:tnLst>
+      <p:par>
+        <p:cTn id="1" dur="indefinite" restart="never" nodeType="tmRoot">
+          <p:childTnLst>
+            <p:seq concurrent="1" nextAc="seek">
+              <p:cTn id="2" dur="indefinite" nodeType="mainSeq">
+                <p:childTnLst>
+                  <p:par>
+                    <p:cTn id="3" fill="hold">
+                      <p:stCondLst>
+                        <p:cond delay="indefinite"/>
+                        <p:cond evt="onBegin" delay="0">
+                          <p:tn val="2"/>
+                        </p:cond>
+                      </p:stCondLst>
+                      <p:childTnLst>
+                        <p:par>
+                          <p:cTn id="4" fill="hold">
+                            <p:stCondLst>
+                              <p:cond delay="0"/>
+                            </p:stCondLst>
+                            <p:childTnLst>
+                              <p:par>
+                                <p:cTn id="5" presetID="1" presetClass="entr" presetSubtype="0" fill="hold" grpId="0" nodeType="withEffect">
+                                  <p:stCondLst>
+                                    <p:cond delay="0"/>
+                                  </p:stCondLst>
+                                  <p:childTnLst>
+                                    <p:set>
+                                      <p:cBhvr>
+                                        <p:cTn id="6" dur="1" fill="hold">
+                                          <p:stCondLst>
+                                            <p:cond delay="0"/>
+                                          </p:stCondLst>
+                                        </p:cTn>
+                                        <p:tgtEl>
+                                          <p:spTgt spid="14"/>
+                                        </p:tgtEl>
+                                        <p:attrNameLst>
+                                          <p:attrName>style.visibility</p:attrName>
+                                        </p:attrNameLst>
+                                      </p:cBhvr>
+                                      <p:to>
+                                        <p:strVal val="visible"/>
+                                      </p:to>
+                                    </p:set>
+                                  </p:childTnLst>
+                                </p:cTn>
+                              </p:par>
+                            </p:childTnLst>
+                          </p:cTn>
+                        </p:par>
+                      </p:childTnLst>
+                    </p:cTn>
+                  </p:par>
+                </p:childTnLst>
+              </p:cTn>
+              <p:prevCondLst>
+                <p:cond evt="onPrev" delay="0">
+                  <p:tgtEl>
+                    <p:sldTgt/>
+                  </p:tgtEl>
+                </p:cond>
+              </p:prevCondLst>
+              <p:nextCondLst>
+                <p:cond evt="onNext" delay="0">
+                  <p:tgtEl>
+                    <p:sldTgt/>
+                  </p:tgtEl>
+                </p:cond>
+              </p:nextCondLst>
+            </p:seq>
+          </p:childTnLst>
+        </p:cTn>
+      </p:par>
+    </p:tnLst>
+    <p:bldLst>
+      <p:bldP spid="14" grpId="0" animBg="1"/>
+    </p:bldLst>
+  </p:timing>
+</p:sld>
+</file>
+
+<file path=ppt/slides/slide26.xml><?xml version="1.0" encoding="utf-8"?>
+<p:sld xmlns:a="http://schemas.openxmlformats.org/drawingml/2006/main" xmlns:r="http://schemas.openxmlformats.org/officeDocument/2006/relationships" xmlns:p="http://schemas.openxmlformats.org/presentationml/2006/main">
+  <p:cSld>
+    <p:spTree>
+      <p:nvGrpSpPr>
+        <p:cNvPr id="1" name=""/>
+        <p:cNvGrpSpPr/>
+        <p:nvPr/>
+      </p:nvGrpSpPr>
+      <p:grpSpPr>
+        <a:xfrm>
+          <a:off x="0" y="0"/>
+          <a:ext cx="0" cy="0"/>
+          <a:chOff x="0" y="0"/>
+          <a:chExt cx="0" cy="0"/>
+        </a:xfrm>
+      </p:grpSpPr>
+      <p:sp>
+        <p:nvSpPr>
+          <p:cNvPr id="3" name="Textplatzhalter 2">
+            <a:extLst>
+              <a:ext uri="{FF2B5EF4-FFF2-40B4-BE49-F238E27FC236}">
+                <a16:creationId xmlns:a16="http://schemas.microsoft.com/office/drawing/2014/main" id="{57625549-4941-4E12-AA37-2C694939FB57}"/>
+              </a:ext>
+            </a:extLst>
+          </p:cNvPr>
+          <p:cNvSpPr>
+            <a:spLocks noGrp="1"/>
+          </p:cNvSpPr>
+          <p:nvPr>
+            <p:ph type="body" sz="quarter" idx="13"/>
+          </p:nvPr>
+        </p:nvSpPr>
+        <p:spPr/>
+        <p:txBody>
+          <a:bodyPr>
+            <a:normAutofit/>
+          </a:bodyPr>
+          <a:lstStyle/>
+          <a:p>
+            <a:r>
+              <a:rPr lang="en-US" sz="2400" dirty="0"/>
+              <a:t>Demo: What’s coming in Durable Functions 2.0</a:t>
+            </a:r>
+            <a:endParaRPr lang="de-DE" sz="2400" dirty="0"/>
+          </a:p>
+        </p:txBody>
+      </p:sp>
+      <p:cxnSp>
+        <p:nvCxnSpPr>
+          <p:cNvPr id="6" name="Gerader Verbinder 5">
+            <a:extLst>
+              <a:ext uri="{FF2B5EF4-FFF2-40B4-BE49-F238E27FC236}">
+                <a16:creationId xmlns:a16="http://schemas.microsoft.com/office/drawing/2014/main" id="{7EFA8ABD-5F72-4B46-BE3A-27B92D0D2871}"/>
+              </a:ext>
+            </a:extLst>
+          </p:cNvPr>
+          <p:cNvCxnSpPr>
+            <a:cxnSpLocks/>
+          </p:cNvCxnSpPr>
+          <p:nvPr/>
+        </p:nvCxnSpPr>
+        <p:spPr>
+          <a:xfrm>
+            <a:off x="3343788" y="1278517"/>
+            <a:ext cx="0" cy="4585570"/>
+          </a:xfrm>
+          <a:prstGeom prst="line">
+            <a:avLst/>
+          </a:prstGeom>
+          <a:ln w="25400" cap="rnd">
+            <a:solidFill>
+              <a:srgbClr val="3F3658"/>
+            </a:solidFill>
+          </a:ln>
+        </p:spPr>
+        <p:style>
+          <a:lnRef idx="1">
+            <a:schemeClr val="accent1"/>
+          </a:lnRef>
+          <a:fillRef idx="0">
+            <a:schemeClr val="accent1"/>
+          </a:fillRef>
+          <a:effectRef idx="0">
+            <a:schemeClr val="accent1"/>
+          </a:effectRef>
+          <a:fontRef idx="minor">
+            <a:schemeClr val="tx1"/>
+          </a:fontRef>
+        </p:style>
+      </p:cxnSp>
+      <p:sp>
+        <p:nvSpPr>
+          <p:cNvPr id="13" name="Textfeld 12">
+            <a:extLst>
+              <a:ext uri="{FF2B5EF4-FFF2-40B4-BE49-F238E27FC236}">
+                <a16:creationId xmlns:a16="http://schemas.microsoft.com/office/drawing/2014/main" id="{2F81F2AB-E65C-4B76-B7B9-679464B9904D}"/>
+              </a:ext>
+            </a:extLst>
+          </p:cNvPr>
+          <p:cNvSpPr txBox="1"/>
+          <p:nvPr/>
+        </p:nvSpPr>
+        <p:spPr>
+          <a:xfrm>
+            <a:off x="3737121" y="2921166"/>
+            <a:ext cx="5990743" cy="1015663"/>
+          </a:xfrm>
+          <a:prstGeom prst="rect">
+            <a:avLst/>
+          </a:prstGeom>
+          <a:noFill/>
+        </p:spPr>
+        <p:txBody>
+          <a:bodyPr wrap="none" rtlCol="0">
+            <a:spAutoFit/>
+          </a:bodyPr>
+          <a:lstStyle/>
+          <a:p>
+            <a:r>
+              <a:rPr lang="en-US" sz="2000" b="1" dirty="0">
+                <a:solidFill>
+                  <a:srgbClr val="5A536D"/>
+                </a:solidFill>
+              </a:rPr>
+              <a:t>Durable Entities in a simple Approval Workflow</a:t>
+            </a:r>
+            <a:br>
+              <a:rPr lang="en-US" sz="2000" b="1" dirty="0">
+                <a:solidFill>
+                  <a:srgbClr val="5A536D"/>
+                </a:solidFill>
+              </a:rPr>
+            </a:br>
+            <a:br>
+              <a:rPr lang="en-US" sz="2000" b="1" dirty="0">
+                <a:solidFill>
+                  <a:srgbClr val="5A536D"/>
+                </a:solidFill>
+              </a:rPr>
+            </a:br>
+            <a:r>
+              <a:rPr lang="en-US" sz="2000" b="1" dirty="0">
+                <a:solidFill>
+                  <a:srgbClr val="5A536D"/>
+                </a:solidFill>
+              </a:rPr>
+              <a:t>Durable Entities HTTP API</a:t>
+            </a:r>
+            <a:endParaRPr lang="en-US" sz="2000" dirty="0">
+              <a:solidFill>
+                <a:srgbClr val="5A536D"/>
+              </a:solidFill>
+            </a:endParaRPr>
+          </a:p>
+        </p:txBody>
+      </p:sp>
+      <p:pic>
+        <p:nvPicPr>
+          <p:cNvPr id="15" name="Grafik 14">
+            <a:extLst>
+              <a:ext uri="{FF2B5EF4-FFF2-40B4-BE49-F238E27FC236}">
+                <a16:creationId xmlns:a16="http://schemas.microsoft.com/office/drawing/2014/main" id="{75C66F34-CCD3-4F4B-97B6-673D0AF7DCCE}"/>
+              </a:ext>
+            </a:extLst>
+          </p:cNvPr>
+          <p:cNvPicPr>
+            <a:picLocks noChangeAspect="1"/>
+          </p:cNvPicPr>
+          <p:nvPr/>
+        </p:nvPicPr>
+        <p:blipFill>
+          <a:blip r:embed="rId2">
+            <a:extLst>
+              <a:ext uri="{28A0092B-C50C-407E-A947-70E740481C1C}">
+                <a14:useLocalDpi xmlns:a14="http://schemas.microsoft.com/office/drawing/2010/main" val="0"/>
+              </a:ext>
+            </a:extLst>
+          </a:blip>
+          <a:stretch>
+            <a:fillRect/>
+          </a:stretch>
+        </p:blipFill>
+        <p:spPr>
+          <a:xfrm>
+            <a:off x="838201" y="2476498"/>
+            <a:ext cx="1905000" cy="1905000"/>
+          </a:xfrm>
+          <a:prstGeom prst="rect">
+            <a:avLst/>
+          </a:prstGeom>
+        </p:spPr>
+      </p:pic>
+    </p:spTree>
+    <p:extLst>
+      <p:ext uri="{BB962C8B-B14F-4D97-AF65-F5344CB8AC3E}">
+        <p14:creationId xmlns:p14="http://schemas.microsoft.com/office/powerpoint/2010/main" val="172913590"/>
+      </p:ext>
+    </p:extLst>
+  </p:cSld>
+  <p:clrMapOvr>
+    <a:masterClrMapping/>
+  </p:clrMapOvr>
+</p:sld>
+</file>
+
+<file path=ppt/slides/slide27.xml><?xml version="1.0" encoding="utf-8"?>
+<p:sld xmlns:a="http://schemas.openxmlformats.org/drawingml/2006/main" xmlns:r="http://schemas.openxmlformats.org/officeDocument/2006/relationships" xmlns:p="http://schemas.openxmlformats.org/presentationml/2006/main">
+  <p:cSld>
+    <p:spTree>
+      <p:nvGrpSpPr>
+        <p:cNvPr id="1" name=""/>
+        <p:cNvGrpSpPr/>
+        <p:nvPr/>
+      </p:nvGrpSpPr>
+      <p:grpSpPr>
+        <a:xfrm>
+          <a:off x="0" y="0"/>
+          <a:ext cx="0" cy="0"/>
+          <a:chOff x="0" y="0"/>
+          <a:chExt cx="0" cy="0"/>
+        </a:xfrm>
+      </p:grpSpPr>
+      <p:sp>
+        <p:nvSpPr>
+          <p:cNvPr id="3" name="Textplatzhalter 2">
+            <a:extLst>
+              <a:ext uri="{FF2B5EF4-FFF2-40B4-BE49-F238E27FC236}">
+                <a16:creationId xmlns:a16="http://schemas.microsoft.com/office/drawing/2014/main" id="{57625549-4941-4E12-AA37-2C694939FB57}"/>
+              </a:ext>
+            </a:extLst>
+          </p:cNvPr>
+          <p:cNvSpPr>
+            <a:spLocks noGrp="1"/>
+          </p:cNvSpPr>
+          <p:nvPr>
+            <p:ph type="body" sz="quarter" idx="13"/>
+          </p:nvPr>
+        </p:nvSpPr>
+        <p:spPr/>
+        <p:txBody>
+          <a:bodyPr>
+            <a:normAutofit/>
+          </a:bodyPr>
+          <a:lstStyle/>
+          <a:p>
+            <a:r>
+              <a:rPr lang="en-US" sz="2400" dirty="0"/>
+              <a:t>How to fail with Serverless</a:t>
+            </a:r>
+            <a:endParaRPr lang="de-DE" sz="2400" dirty="0"/>
+          </a:p>
+        </p:txBody>
+      </p:sp>
+      <p:sp>
+        <p:nvSpPr>
+          <p:cNvPr id="7" name="Textfeld 6">
+            <a:extLst>
+              <a:ext uri="{FF2B5EF4-FFF2-40B4-BE49-F238E27FC236}">
+                <a16:creationId xmlns:a16="http://schemas.microsoft.com/office/drawing/2014/main" id="{3E5CCA95-BF7A-46E4-9279-89F179D25AE6}"/>
+              </a:ext>
+            </a:extLst>
+          </p:cNvPr>
+          <p:cNvSpPr txBox="1"/>
+          <p:nvPr/>
+        </p:nvSpPr>
+        <p:spPr>
+          <a:xfrm>
+            <a:off x="1081382" y="3700533"/>
+            <a:ext cx="2626039" cy="707886"/>
+          </a:xfrm>
+          <a:prstGeom prst="rect">
+            <a:avLst/>
+          </a:prstGeom>
+          <a:noFill/>
+        </p:spPr>
+        <p:txBody>
+          <a:bodyPr wrap="none" rtlCol="0">
+            <a:spAutoFit/>
+          </a:bodyPr>
+          <a:lstStyle/>
+          <a:p>
+            <a:pPr algn="ctr"/>
+            <a:r>
+              <a:rPr lang="en-US" sz="2000" dirty="0">
+                <a:solidFill>
+                  <a:srgbClr val="5A536D"/>
+                </a:solidFill>
+              </a:rPr>
+              <a:t>Serverless </a:t>
+            </a:r>
+            <a:r>
+              <a:rPr lang="en-US" sz="2000" dirty="0" err="1">
+                <a:solidFill>
+                  <a:srgbClr val="5A536D"/>
+                </a:solidFill>
+              </a:rPr>
+              <a:t>pwned</a:t>
+            </a:r>
+            <a:r>
+              <a:rPr lang="en-US" sz="2000" dirty="0">
+                <a:solidFill>
+                  <a:srgbClr val="5A536D"/>
+                </a:solidFill>
+              </a:rPr>
+              <a:t> </a:t>
+            </a:r>
+            <a:br>
+              <a:rPr lang="en-US" sz="2000" dirty="0">
+                <a:solidFill>
+                  <a:srgbClr val="5A536D"/>
+                </a:solidFill>
+              </a:rPr>
+            </a:br>
+            <a:r>
+              <a:rPr lang="en-US" sz="2000" dirty="0">
+                <a:solidFill>
+                  <a:srgbClr val="5A536D"/>
+                </a:solidFill>
+              </a:rPr>
+              <a:t>the “</a:t>
+            </a:r>
+            <a:r>
+              <a:rPr lang="en-US" sz="2000" dirty="0" err="1">
+                <a:solidFill>
+                  <a:srgbClr val="5A536D"/>
+                </a:solidFill>
+              </a:rPr>
+              <a:t>Serverful</a:t>
+            </a:r>
+            <a:r>
+              <a:rPr lang="en-US" sz="2000" dirty="0">
+                <a:solidFill>
+                  <a:srgbClr val="5A536D"/>
+                </a:solidFill>
+              </a:rPr>
+              <a:t>” world</a:t>
+            </a:r>
+          </a:p>
+        </p:txBody>
+      </p:sp>
+      <p:pic>
+        <p:nvPicPr>
+          <p:cNvPr id="15" name="Grafik 14">
+            <a:extLst>
+              <a:ext uri="{FF2B5EF4-FFF2-40B4-BE49-F238E27FC236}">
+                <a16:creationId xmlns:a16="http://schemas.microsoft.com/office/drawing/2014/main" id="{B72106E0-881A-4282-9113-4BD9EA63CE0F}"/>
+              </a:ext>
+            </a:extLst>
+          </p:cNvPr>
+          <p:cNvPicPr>
+            <a:picLocks noChangeAspect="1"/>
+          </p:cNvPicPr>
+          <p:nvPr/>
+        </p:nvPicPr>
+        <p:blipFill>
+          <a:blip r:embed="rId2">
+            <a:extLst>
+              <a:ext uri="{28A0092B-C50C-407E-A947-70E740481C1C}">
+                <a14:useLocalDpi xmlns:a14="http://schemas.microsoft.com/office/drawing/2010/main" val="0"/>
+              </a:ext>
+            </a:extLst>
+          </a:blip>
+          <a:stretch>
+            <a:fillRect/>
+          </a:stretch>
+        </p:blipFill>
+        <p:spPr>
+          <a:xfrm>
+            <a:off x="1937202" y="2514600"/>
+            <a:ext cx="914400" cy="914400"/>
+          </a:xfrm>
+          <a:prstGeom prst="rect">
+            <a:avLst/>
+          </a:prstGeom>
+        </p:spPr>
+      </p:pic>
+      <p:pic>
+        <p:nvPicPr>
+          <p:cNvPr id="17" name="Grafik 16">
+            <a:extLst>
+              <a:ext uri="{FF2B5EF4-FFF2-40B4-BE49-F238E27FC236}">
+                <a16:creationId xmlns:a16="http://schemas.microsoft.com/office/drawing/2014/main" id="{927A056C-DD06-4FFF-AB05-7A3D3A3BDA82}"/>
+              </a:ext>
+            </a:extLst>
+          </p:cNvPr>
+          <p:cNvPicPr>
+            <a:picLocks noChangeAspect="1"/>
+          </p:cNvPicPr>
+          <p:nvPr/>
+        </p:nvPicPr>
+        <p:blipFill>
+          <a:blip r:embed="rId3">
+            <a:extLst>
+              <a:ext uri="{28A0092B-C50C-407E-A947-70E740481C1C}">
+                <a14:useLocalDpi xmlns:a14="http://schemas.microsoft.com/office/drawing/2010/main" val="0"/>
+              </a:ext>
+            </a:extLst>
+          </a:blip>
+          <a:stretch>
+            <a:fillRect/>
+          </a:stretch>
+        </p:blipFill>
+        <p:spPr>
+          <a:xfrm>
+            <a:off x="5711687" y="2514600"/>
+            <a:ext cx="914400" cy="914400"/>
+          </a:xfrm>
+          <a:prstGeom prst="rect">
+            <a:avLst/>
+          </a:prstGeom>
+        </p:spPr>
+      </p:pic>
+      <p:sp>
+        <p:nvSpPr>
+          <p:cNvPr id="18" name="Textfeld 17">
+            <a:extLst>
+              <a:ext uri="{FF2B5EF4-FFF2-40B4-BE49-F238E27FC236}">
+                <a16:creationId xmlns:a16="http://schemas.microsoft.com/office/drawing/2014/main" id="{29C9CFD3-C9C9-42E3-9B9D-EBAFC19EECC4}"/>
+              </a:ext>
+            </a:extLst>
+          </p:cNvPr>
+          <p:cNvSpPr txBox="1"/>
+          <p:nvPr/>
+        </p:nvSpPr>
+        <p:spPr>
+          <a:xfrm>
+            <a:off x="4673125" y="3700533"/>
+            <a:ext cx="2991524" cy="707886"/>
+          </a:xfrm>
+          <a:prstGeom prst="rect">
+            <a:avLst/>
+          </a:prstGeom>
+          <a:noFill/>
+        </p:spPr>
+        <p:txBody>
+          <a:bodyPr wrap="none" rtlCol="0">
+            <a:spAutoFit/>
+          </a:bodyPr>
+          <a:lstStyle/>
+          <a:p>
+            <a:pPr algn="ctr"/>
+            <a:r>
+              <a:rPr lang="en-US" sz="2000" dirty="0">
+                <a:solidFill>
+                  <a:srgbClr val="5A536D"/>
+                </a:solidFill>
+              </a:rPr>
+              <a:t>Long running functions </a:t>
+            </a:r>
+            <a:br>
+              <a:rPr lang="en-US" sz="2000" dirty="0">
+                <a:solidFill>
+                  <a:srgbClr val="5A536D"/>
+                </a:solidFill>
+              </a:rPr>
+            </a:br>
+            <a:r>
+              <a:rPr lang="en-US" sz="2000" dirty="0">
+                <a:solidFill>
+                  <a:srgbClr val="5A536D"/>
+                </a:solidFill>
+              </a:rPr>
+              <a:t>make poor.</a:t>
+            </a:r>
+          </a:p>
+        </p:txBody>
+      </p:sp>
+      <p:pic>
+        <p:nvPicPr>
+          <p:cNvPr id="20" name="Grafik 19">
+            <a:extLst>
+              <a:ext uri="{FF2B5EF4-FFF2-40B4-BE49-F238E27FC236}">
+                <a16:creationId xmlns:a16="http://schemas.microsoft.com/office/drawing/2014/main" id="{009044F6-205D-450F-8082-1AA32F93FB89}"/>
+              </a:ext>
+            </a:extLst>
+          </p:cNvPr>
+          <p:cNvPicPr>
+            <a:picLocks noChangeAspect="1"/>
+          </p:cNvPicPr>
+          <p:nvPr/>
+        </p:nvPicPr>
+        <p:blipFill>
+          <a:blip r:embed="rId4">
+            <a:extLst>
+              <a:ext uri="{28A0092B-C50C-407E-A947-70E740481C1C}">
+                <a14:useLocalDpi xmlns:a14="http://schemas.microsoft.com/office/drawing/2010/main" val="0"/>
+              </a:ext>
+            </a:extLst>
+          </a:blip>
+          <a:stretch>
+            <a:fillRect/>
+          </a:stretch>
+        </p:blipFill>
+        <p:spPr>
+          <a:xfrm>
+            <a:off x="9614452" y="2514600"/>
+            <a:ext cx="914400" cy="914400"/>
+          </a:xfrm>
+          <a:prstGeom prst="rect">
+            <a:avLst/>
+          </a:prstGeom>
+        </p:spPr>
+      </p:pic>
+    </p:spTree>
+    <p:extLst>
+      <p:ext uri="{BB962C8B-B14F-4D97-AF65-F5344CB8AC3E}">
+        <p14:creationId xmlns:p14="http://schemas.microsoft.com/office/powerpoint/2010/main" val="1725922902"/>
+      </p:ext>
+    </p:extLst>
+  </p:cSld>
+  <p:clrMapOvr>
+    <a:masterClrMapping/>
+  </p:clrMapOvr>
+</p:sld>
+</file>
+
+<file path=ppt/slides/slide28.xml><?xml version="1.0" encoding="utf-8"?>
+<p:sld xmlns:a="http://schemas.openxmlformats.org/drawingml/2006/main" xmlns:r="http://schemas.openxmlformats.org/officeDocument/2006/relationships" xmlns:p="http://schemas.openxmlformats.org/presentationml/2006/main">
+  <p:cSld>
+    <p:spTree>
+      <p:nvGrpSpPr>
+        <p:cNvPr id="1" name=""/>
+        <p:cNvGrpSpPr/>
+        <p:nvPr/>
+      </p:nvGrpSpPr>
+      <p:grpSpPr>
+        <a:xfrm>
+          <a:off x="0" y="0"/>
+          <a:ext cx="0" cy="0"/>
+          <a:chOff x="0" y="0"/>
+          <a:chExt cx="0" cy="0"/>
+        </a:xfrm>
+      </p:grpSpPr>
+      <p:sp>
+        <p:nvSpPr>
+          <p:cNvPr id="3" name="Textplatzhalter 2">
+            <a:extLst>
+              <a:ext uri="{FF2B5EF4-FFF2-40B4-BE49-F238E27FC236}">
+                <a16:creationId xmlns:a16="http://schemas.microsoft.com/office/drawing/2014/main" id="{57625549-4941-4E12-AA37-2C694939FB57}"/>
+              </a:ext>
+            </a:extLst>
+          </p:cNvPr>
+          <p:cNvSpPr>
+            <a:spLocks noGrp="1"/>
+          </p:cNvSpPr>
+          <p:nvPr>
+            <p:ph type="body" sz="quarter" idx="13"/>
+          </p:nvPr>
+        </p:nvSpPr>
+        <p:spPr/>
+        <p:txBody>
+          <a:bodyPr>
+            <a:normAutofit/>
+          </a:bodyPr>
+          <a:lstStyle/>
+          <a:p>
+            <a:r>
+              <a:rPr lang="en-US" sz="2400" dirty="0"/>
+              <a:t>Resources</a:t>
+            </a:r>
+            <a:endParaRPr lang="de-DE" sz="2400" dirty="0"/>
+          </a:p>
+        </p:txBody>
+      </p:sp>
+      <p:cxnSp>
+        <p:nvCxnSpPr>
+          <p:cNvPr id="6" name="Gerader Verbinder 5">
+            <a:extLst>
+              <a:ext uri="{FF2B5EF4-FFF2-40B4-BE49-F238E27FC236}">
+                <a16:creationId xmlns:a16="http://schemas.microsoft.com/office/drawing/2014/main" id="{7EFA8ABD-5F72-4B46-BE3A-27B92D0D2871}"/>
+              </a:ext>
+            </a:extLst>
+          </p:cNvPr>
+          <p:cNvCxnSpPr>
+            <a:cxnSpLocks/>
+          </p:cNvCxnSpPr>
+          <p:nvPr/>
+        </p:nvCxnSpPr>
+        <p:spPr>
+          <a:xfrm>
+            <a:off x="3343788" y="1278517"/>
+            <a:ext cx="0" cy="4585570"/>
+          </a:xfrm>
+          <a:prstGeom prst="line">
+            <a:avLst/>
+          </a:prstGeom>
+          <a:ln w="25400" cap="rnd">
+            <a:solidFill>
+              <a:srgbClr val="3F3658"/>
+            </a:solidFill>
+          </a:ln>
+        </p:spPr>
+        <p:style>
+          <a:lnRef idx="1">
+            <a:schemeClr val="accent1"/>
+          </a:lnRef>
+          <a:fillRef idx="0">
+            <a:schemeClr val="accent1"/>
+          </a:fillRef>
+          <a:effectRef idx="0">
+            <a:schemeClr val="accent1"/>
+          </a:effectRef>
+          <a:fontRef idx="minor">
+            <a:schemeClr val="tx1"/>
+          </a:fontRef>
+        </p:style>
+      </p:cxnSp>
+      <p:sp>
+        <p:nvSpPr>
+          <p:cNvPr id="7" name="Textfeld 6">
+            <a:extLst>
+              <a:ext uri="{FF2B5EF4-FFF2-40B4-BE49-F238E27FC236}">
+                <a16:creationId xmlns:a16="http://schemas.microsoft.com/office/drawing/2014/main" id="{3E5CCA95-BF7A-46E4-9279-89F179D25AE6}"/>
+              </a:ext>
+            </a:extLst>
+          </p:cNvPr>
+          <p:cNvSpPr txBox="1"/>
+          <p:nvPr/>
+        </p:nvSpPr>
+        <p:spPr>
+          <a:xfrm>
+            <a:off x="3882895" y="1890116"/>
+            <a:ext cx="7972054" cy="3077766"/>
+          </a:xfrm>
+          <a:prstGeom prst="rect">
+            <a:avLst/>
+          </a:prstGeom>
+          <a:noFill/>
+        </p:spPr>
+        <p:txBody>
+          <a:bodyPr wrap="none" rtlCol="0">
+            <a:spAutoFit/>
+          </a:bodyPr>
+          <a:lstStyle/>
+          <a:p>
+            <a:r>
+              <a:rPr lang="en-US" sz="2000" dirty="0">
+                <a:solidFill>
+                  <a:srgbClr val="5A536D"/>
+                </a:solidFill>
+              </a:rPr>
+              <a:t>Durable Functions Documentation</a:t>
+            </a:r>
+            <a:br>
+              <a:rPr lang="en-US" sz="2000" dirty="0">
+                <a:solidFill>
+                  <a:srgbClr val="5A536D"/>
+                </a:solidFill>
+              </a:rPr>
+            </a:br>
+            <a:r>
+              <a:rPr lang="de-DE" sz="1400" dirty="0">
+                <a:hlinkClick r:id="rId2"/>
+              </a:rPr>
+              <a:t>https://docs.microsoft.com/azure/azure-functions/durable/</a:t>
+            </a:r>
+            <a:endParaRPr lang="en-US" sz="1400" dirty="0">
+              <a:solidFill>
+                <a:srgbClr val="5A536D"/>
+              </a:solidFill>
+            </a:endParaRPr>
+          </a:p>
+          <a:p>
+            <a:endParaRPr lang="en-US" sz="2000" dirty="0">
+              <a:solidFill>
+                <a:srgbClr val="5A536D"/>
+              </a:solidFill>
+            </a:endParaRPr>
+          </a:p>
+          <a:p>
+            <a:r>
+              <a:rPr lang="en-US" sz="2000" dirty="0">
+                <a:solidFill>
+                  <a:srgbClr val="5A536D"/>
+                </a:solidFill>
+              </a:rPr>
+              <a:t>Our GitHub Repo </a:t>
+            </a:r>
+          </a:p>
+          <a:p>
+            <a:r>
+              <a:rPr lang="de-DE" sz="1400" u="sng" dirty="0">
+                <a:hlinkClick r:id="rId3"/>
+              </a:rPr>
+              <a:t>https://github.com/thoemmi/DurableFunctionsMeetupRosenheim</a:t>
+            </a:r>
+            <a:endParaRPr lang="en-US" sz="2000" dirty="0">
+              <a:solidFill>
+                <a:srgbClr val="5A536D"/>
+              </a:solidFill>
+            </a:endParaRPr>
+          </a:p>
+          <a:p>
+            <a:endParaRPr lang="en-US" sz="2000" dirty="0">
+              <a:solidFill>
+                <a:srgbClr val="5A536D"/>
+              </a:solidFill>
+            </a:endParaRPr>
+          </a:p>
+          <a:p>
+            <a:r>
+              <a:rPr lang="en-US" sz="2000" dirty="0">
+                <a:solidFill>
+                  <a:srgbClr val="5A536D"/>
+                </a:solidFill>
+              </a:rPr>
+              <a:t>Durable Dungeon</a:t>
+            </a:r>
+            <a:br>
+              <a:rPr lang="en-US" sz="2000" dirty="0">
+                <a:solidFill>
+                  <a:srgbClr val="5A536D"/>
+                </a:solidFill>
+              </a:rPr>
+            </a:br>
+            <a:r>
+              <a:rPr lang="de-DE" sz="1400" dirty="0">
+                <a:hlinkClick r:id="rId4"/>
+              </a:rPr>
+              <a:t>https://github.com/JeremyLikness/DurableDungeon</a:t>
+            </a:r>
+            <a:endParaRPr lang="en-US" sz="2000" dirty="0">
+              <a:solidFill>
+                <a:srgbClr val="5A536D"/>
+              </a:solidFill>
+            </a:endParaRPr>
+          </a:p>
+          <a:p>
+            <a:endParaRPr lang="en-US" sz="2000" dirty="0">
+              <a:solidFill>
+                <a:srgbClr val="5A536D"/>
+              </a:solidFill>
+            </a:endParaRPr>
+          </a:p>
+          <a:p>
+            <a:r>
+              <a:rPr lang="en-US" sz="2000" dirty="0">
+                <a:solidFill>
+                  <a:srgbClr val="5A536D"/>
+                </a:solidFill>
+              </a:rPr>
+              <a:t>Deployment strategies from Tsuyoshi Ushio</a:t>
+            </a:r>
+            <a:br>
+              <a:rPr lang="en-US" sz="2000" dirty="0">
+                <a:solidFill>
+                  <a:srgbClr val="5A536D"/>
+                </a:solidFill>
+              </a:rPr>
+            </a:br>
+            <a:r>
+              <a:rPr lang="de-DE" sz="1200" dirty="0">
+                <a:hlinkClick r:id="rId5"/>
+              </a:rPr>
+              <a:t>https://medium.com/@tsuyoshiushio/durable-functions-blue-green-deployment-strategies-ed25509ecd60</a:t>
+            </a:r>
+            <a:endParaRPr lang="en-US" sz="2000" dirty="0">
+              <a:solidFill>
+                <a:srgbClr val="5A536D"/>
+              </a:solidFill>
+            </a:endParaRPr>
+          </a:p>
+        </p:txBody>
+      </p:sp>
+      <p:pic>
+        <p:nvPicPr>
+          <p:cNvPr id="4" name="Grafik 3">
+            <a:extLst>
+              <a:ext uri="{FF2B5EF4-FFF2-40B4-BE49-F238E27FC236}">
+                <a16:creationId xmlns:a16="http://schemas.microsoft.com/office/drawing/2014/main" id="{734A3C87-C8F5-4882-A19F-71ACDB9530AA}"/>
+              </a:ext>
+            </a:extLst>
+          </p:cNvPr>
+          <p:cNvPicPr>
+            <a:picLocks noChangeAspect="1"/>
+          </p:cNvPicPr>
+          <p:nvPr/>
+        </p:nvPicPr>
+        <p:blipFill>
+          <a:blip r:embed="rId6">
+            <a:extLst>
+              <a:ext uri="{28A0092B-C50C-407E-A947-70E740481C1C}">
+                <a14:useLocalDpi xmlns:a14="http://schemas.microsoft.com/office/drawing/2010/main" val="0"/>
+              </a:ext>
+            </a:extLst>
+          </a:blip>
+          <a:stretch>
+            <a:fillRect/>
+          </a:stretch>
+        </p:blipFill>
+        <p:spPr>
+          <a:xfrm>
+            <a:off x="838201" y="2773434"/>
+            <a:ext cx="1311131" cy="1311131"/>
+          </a:xfrm>
+          <a:prstGeom prst="rect">
+            <a:avLst/>
+          </a:prstGeom>
+        </p:spPr>
+      </p:pic>
+    </p:spTree>
+    <p:extLst>
+      <p:ext uri="{BB962C8B-B14F-4D97-AF65-F5344CB8AC3E}">
+        <p14:creationId xmlns:p14="http://schemas.microsoft.com/office/powerpoint/2010/main" val="525365128"/>
       </p:ext>
     </p:extLst>
   </p:cSld>
@@ -14929,7 +17032,7 @@
           <p:nvPr/>
         </p:nvSpPr>
         <p:spPr>
-          <a:xfrm rot="2639563">
+          <a:xfrm rot="2363934">
             <a:off x="9992790" y="2160059"/>
             <a:ext cx="1485395" cy="241867"/>
           </a:xfrm>
@@ -14967,14 +17070,14 @@
           <a:p>
             <a:pPr algn="ctr"/>
             <a:r>
-              <a:rPr lang="en-US" sz="1200" dirty="0">
+              <a:rPr lang="en-US" sz="1200" i="1" dirty="0">
                 <a:solidFill>
                   <a:srgbClr val="3F3658"/>
                 </a:solidFill>
               </a:rPr>
               <a:t>PREVIEW</a:t>
             </a:r>
-            <a:endParaRPr lang="de-DE" sz="1200" dirty="0">
+            <a:endParaRPr lang="de-DE" sz="1200" i="1" dirty="0">
               <a:solidFill>
                 <a:srgbClr val="3F3658"/>
               </a:solidFill>
@@ -15830,7 +17933,7 @@
           <a:p>
             <a:r>
               <a:rPr lang="en-US" sz="2400" dirty="0"/>
-              <a:t>AppService Plan vs. Consumption Plan</a:t>
+              <a:t>AppService vs. Consumption Plan</a:t>
             </a:r>
             <a:endParaRPr lang="de-DE" sz="2400" dirty="0"/>
           </a:p>
@@ -16262,7 +18365,7 @@
         <p:spPr>
           <a:xfrm>
             <a:off x="1370945" y="2842591"/>
-            <a:ext cx="4473259" cy="2585323"/>
+            <a:ext cx="4473259" cy="2862322"/>
           </a:xfrm>
           <a:prstGeom prst="rect">
             <a:avLst/>
@@ -16397,13 +18500,22 @@
                   <a:srgbClr val="5A536D"/>
                 </a:solidFill>
               </a:rPr>
+              <a:t>Warmup Function</a:t>
+            </a:r>
+          </a:p>
+          <a:p>
+            <a:pPr marL="742950" lvl="1" indent="-285750">
+              <a:buFont typeface="Symbol" panose="05050102010706020507" pitchFamily="18" charset="2"/>
+              <a:buChar char="-"/>
+            </a:pPr>
+            <a:r>
+              <a:rPr lang="en-US" dirty="0">
+                <a:solidFill>
+                  <a:srgbClr val="5A536D"/>
+                </a:solidFill>
+              </a:rPr>
               <a:t>Set min and max instances</a:t>
             </a:r>
-            <a:endParaRPr lang="de-DE" dirty="0">
-              <a:solidFill>
-                <a:srgbClr val="5A536D"/>
-              </a:solidFill>
-            </a:endParaRPr>
           </a:p>
         </p:txBody>
       </p:sp>
@@ -16421,8 +18533,8 @@
         </p:nvSpPr>
         <p:spPr>
           <a:xfrm rot="2639563">
-            <a:off x="4491170" y="4834258"/>
-            <a:ext cx="1382190" cy="252947"/>
+            <a:off x="4593108" y="4904531"/>
+            <a:ext cx="1353068" cy="252947"/>
           </a:xfrm>
           <a:prstGeom prst="flowChartInputOutput">
             <a:avLst/>
@@ -16458,14 +18570,14 @@
           <a:p>
             <a:pPr algn="ctr"/>
             <a:r>
-              <a:rPr lang="en-US" sz="1100" dirty="0">
+              <a:rPr lang="en-US" sz="1100" i="1" dirty="0">
                 <a:solidFill>
                   <a:srgbClr val="3F3658"/>
                 </a:solidFill>
               </a:rPr>
               <a:t>PREVIEW</a:t>
             </a:r>
-            <a:endParaRPr lang="de-DE" sz="1200" dirty="0">
+            <a:endParaRPr lang="de-DE" sz="1200" i="1" dirty="0">
               <a:solidFill>
                 <a:srgbClr val="3F3658"/>
               </a:solidFill>
@@ -16910,7 +19022,7 @@
         <p:spPr>
           <a:xfrm>
             <a:off x="3876269" y="2476498"/>
-            <a:ext cx="7324441" cy="1500219"/>
+            <a:ext cx="7420621" cy="1500219"/>
           </a:xfrm>
           <a:prstGeom prst="rect">
             <a:avLst/>
@@ -16949,7 +19061,23 @@
                   <a:srgbClr val="5A536D"/>
                 </a:solidFill>
               </a:rPr>
-              <a:t>Create a JavaScript Azure Function inside the Azure Portal</a:t>
+              <a:t>Create a </a:t>
+            </a:r>
+            <a:r>
+              <a:rPr lang="en-US" sz="2000" b="1" dirty="0" err="1">
+                <a:solidFill>
+                  <a:srgbClr val="5A536D"/>
+                </a:solidFill>
+              </a:rPr>
+              <a:t>Powershell</a:t>
+            </a:r>
+            <a:r>
+              <a:rPr lang="en-US" sz="2000" b="1" dirty="0">
+                <a:solidFill>
+                  <a:srgbClr val="5A536D"/>
+                </a:solidFill>
+              </a:rPr>
+              <a:t> Azure Function inside the Azure Portal</a:t>
             </a:r>
             <a:endParaRPr lang="en-US" sz="2000" dirty="0">
               <a:solidFill>

--- a/slides/Durable_Functions.pptx
+++ b/slides/Durable_Functions.pptx
@@ -10551,51 +10551,6 @@
           </a:p>
         </p:txBody>
       </p:sp>
-      <p:cxnSp>
-        <p:nvCxnSpPr>
-          <p:cNvPr id="17" name="Gerade Verbindung mit Pfeil 16">
-            <a:extLst>
-              <a:ext uri="{FF2B5EF4-FFF2-40B4-BE49-F238E27FC236}">
-                <a16:creationId xmlns:a16="http://schemas.microsoft.com/office/drawing/2014/main" id="{F4254D5E-F2F7-4409-BE4A-322EC47813AE}"/>
-              </a:ext>
-            </a:extLst>
-          </p:cNvPr>
-          <p:cNvCxnSpPr>
-            <a:cxnSpLocks/>
-          </p:cNvCxnSpPr>
-          <p:nvPr/>
-        </p:nvCxnSpPr>
-        <p:spPr>
-          <a:xfrm flipH="1" flipV="1">
-            <a:off x="2512094" y="2094770"/>
-            <a:ext cx="2066532" cy="1244778"/>
-          </a:xfrm>
-          <a:prstGeom prst="straightConnector1">
-            <a:avLst/>
-          </a:prstGeom>
-          <a:ln w="31750">
-            <a:solidFill>
-              <a:srgbClr val="FFC000"/>
-            </a:solidFill>
-            <a:prstDash val="dash"/>
-            <a:tailEnd type="triangle"/>
-          </a:ln>
-        </p:spPr>
-        <p:style>
-          <a:lnRef idx="1">
-            <a:schemeClr val="accent1"/>
-          </a:lnRef>
-          <a:fillRef idx="0">
-            <a:schemeClr val="accent1"/>
-          </a:fillRef>
-          <a:effectRef idx="0">
-            <a:schemeClr val="accent1"/>
-          </a:effectRef>
-          <a:fontRef idx="minor">
-            <a:schemeClr val="tx1"/>
-          </a:fontRef>
-        </p:style>
-      </p:cxnSp>
       <p:pic>
         <p:nvPicPr>
           <p:cNvPr id="30" name="Grafik 29">
@@ -10632,96 +10587,6 @@
           </a:prstGeom>
         </p:spPr>
       </p:pic>
-      <p:cxnSp>
-        <p:nvCxnSpPr>
-          <p:cNvPr id="35" name="Gerade Verbindung mit Pfeil 34">
-            <a:extLst>
-              <a:ext uri="{FF2B5EF4-FFF2-40B4-BE49-F238E27FC236}">
-                <a16:creationId xmlns:a16="http://schemas.microsoft.com/office/drawing/2014/main" id="{DB1DDCC6-A3CD-45FF-A6F1-091C6485E08F}"/>
-              </a:ext>
-            </a:extLst>
-          </p:cNvPr>
-          <p:cNvCxnSpPr>
-            <a:cxnSpLocks/>
-          </p:cNvCxnSpPr>
-          <p:nvPr/>
-        </p:nvCxnSpPr>
-        <p:spPr>
-          <a:xfrm>
-            <a:off x="1557977" y="2600739"/>
-            <a:ext cx="0" cy="1857462"/>
-          </a:xfrm>
-          <a:prstGeom prst="straightConnector1">
-            <a:avLst/>
-          </a:prstGeom>
-          <a:ln w="31750">
-            <a:solidFill>
-              <a:srgbClr val="FFC000"/>
-            </a:solidFill>
-            <a:prstDash val="dash"/>
-            <a:tailEnd type="triangle"/>
-          </a:ln>
-        </p:spPr>
-        <p:style>
-          <a:lnRef idx="1">
-            <a:schemeClr val="accent1"/>
-          </a:lnRef>
-          <a:fillRef idx="0">
-            <a:schemeClr val="accent1"/>
-          </a:fillRef>
-          <a:effectRef idx="0">
-            <a:schemeClr val="accent1"/>
-          </a:effectRef>
-          <a:fontRef idx="minor">
-            <a:schemeClr val="tx1"/>
-          </a:fontRef>
-        </p:style>
-      </p:cxnSp>
-      <p:cxnSp>
-        <p:nvCxnSpPr>
-          <p:cNvPr id="56" name="Gerade Verbindung mit Pfeil 55">
-            <a:extLst>
-              <a:ext uri="{FF2B5EF4-FFF2-40B4-BE49-F238E27FC236}">
-                <a16:creationId xmlns:a16="http://schemas.microsoft.com/office/drawing/2014/main" id="{A1B3A467-ABBF-4A8C-9A7B-29A75FC70151}"/>
-              </a:ext>
-            </a:extLst>
-          </p:cNvPr>
-          <p:cNvCxnSpPr>
-            <a:cxnSpLocks/>
-          </p:cNvCxnSpPr>
-          <p:nvPr/>
-        </p:nvCxnSpPr>
-        <p:spPr>
-          <a:xfrm>
-            <a:off x="7918174" y="4815944"/>
-            <a:ext cx="1292065" cy="487304"/>
-          </a:xfrm>
-          <a:prstGeom prst="straightConnector1">
-            <a:avLst/>
-          </a:prstGeom>
-          <a:ln w="31750">
-            <a:solidFill>
-              <a:srgbClr val="FFC000"/>
-            </a:solidFill>
-            <a:prstDash val="dash"/>
-            <a:tailEnd type="triangle"/>
-          </a:ln>
-        </p:spPr>
-        <p:style>
-          <a:lnRef idx="1">
-            <a:schemeClr val="accent1"/>
-          </a:lnRef>
-          <a:fillRef idx="0">
-            <a:schemeClr val="accent1"/>
-          </a:fillRef>
-          <a:effectRef idx="0">
-            <a:schemeClr val="accent1"/>
-          </a:effectRef>
-          <a:fontRef idx="minor">
-            <a:schemeClr val="tx1"/>
-          </a:fontRef>
-        </p:style>
-      </p:cxnSp>
       <p:pic>
         <p:nvPicPr>
           <p:cNvPr id="61" name="Grafik 60">
@@ -10804,7 +10669,7 @@
         </p:blipFill>
         <p:spPr>
           <a:xfrm>
-            <a:off x="644810" y="4562856"/>
+            <a:off x="426744" y="3338552"/>
             <a:ext cx="2020845" cy="1128983"/>
           </a:xfrm>
           <a:prstGeom prst="rect">
@@ -10834,7 +10699,7 @@
         </p:blipFill>
         <p:spPr>
           <a:xfrm>
-            <a:off x="691876" y="1721215"/>
+            <a:off x="2557317" y="1345850"/>
             <a:ext cx="1614409" cy="582883"/>
           </a:xfrm>
           <a:prstGeom prst="rect">
@@ -11194,6 +11059,306 @@
           </a:prstGeom>
         </p:spPr>
       </p:pic>
+      <p:sp>
+        <p:nvSpPr>
+          <p:cNvPr id="11" name="Freihandform: Form 10">
+            <a:extLst>
+              <a:ext uri="{FF2B5EF4-FFF2-40B4-BE49-F238E27FC236}">
+                <a16:creationId xmlns:a16="http://schemas.microsoft.com/office/drawing/2014/main" id="{66C49116-7A19-40ED-BFC9-A2E7A2465979}"/>
+              </a:ext>
+            </a:extLst>
+          </p:cNvPr>
+          <p:cNvSpPr/>
+          <p:nvPr/>
+        </p:nvSpPr>
+        <p:spPr>
+          <a:xfrm>
+            <a:off x="4330688" y="1637293"/>
+            <a:ext cx="1780027" cy="1645891"/>
+          </a:xfrm>
+          <a:custGeom>
+            <a:avLst/>
+            <a:gdLst>
+              <a:gd name="connsiteX0" fmla="*/ 3279648 w 3279648"/>
+              <a:gd name="connsiteY0" fmla="*/ 1456944 h 1456944"/>
+              <a:gd name="connsiteX1" fmla="*/ 1908048 w 3279648"/>
+              <a:gd name="connsiteY1" fmla="*/ 292608 h 1456944"/>
+              <a:gd name="connsiteX2" fmla="*/ 0 w 3279648"/>
+              <a:gd name="connsiteY2" fmla="*/ 0 h 1456944"/>
+            </a:gdLst>
+            <a:ahLst/>
+            <a:cxnLst>
+              <a:cxn ang="0">
+                <a:pos x="connsiteX0" y="connsiteY0"/>
+              </a:cxn>
+              <a:cxn ang="0">
+                <a:pos x="connsiteX1" y="connsiteY1"/>
+              </a:cxn>
+              <a:cxn ang="0">
+                <a:pos x="connsiteX2" y="connsiteY2"/>
+              </a:cxn>
+            </a:cxnLst>
+            <a:rect l="l" t="t" r="r" b="b"/>
+            <a:pathLst>
+              <a:path w="3279648" h="1456944">
+                <a:moveTo>
+                  <a:pt x="3279648" y="1456944"/>
+                </a:moveTo>
+                <a:cubicBezTo>
+                  <a:pt x="2867152" y="996188"/>
+                  <a:pt x="2454656" y="535432"/>
+                  <a:pt x="1908048" y="292608"/>
+                </a:cubicBezTo>
+                <a:cubicBezTo>
+                  <a:pt x="1361440" y="49784"/>
+                  <a:pt x="177800" y="16256"/>
+                  <a:pt x="0" y="0"/>
+                </a:cubicBezTo>
+              </a:path>
+            </a:pathLst>
+          </a:custGeom>
+          <a:noFill/>
+          <a:ln w="38100">
+            <a:solidFill>
+              <a:srgbClr val="FFC000"/>
+            </a:solidFill>
+            <a:prstDash val="sysDash"/>
+            <a:headEnd type="none" w="med" len="med"/>
+            <a:tailEnd type="arrow" w="med" len="med"/>
+          </a:ln>
+          <a:effectLst>
+            <a:outerShdw blurRad="50800" dist="38100" dir="2700000" algn="tl" rotWithShape="0">
+              <a:prstClr val="black">
+                <a:alpha val="40000"/>
+              </a:prstClr>
+            </a:outerShdw>
+          </a:effectLst>
+        </p:spPr>
+        <p:style>
+          <a:lnRef idx="2">
+            <a:schemeClr val="accent1">
+              <a:shade val="50000"/>
+            </a:schemeClr>
+          </a:lnRef>
+          <a:fillRef idx="1">
+            <a:schemeClr val="accent1"/>
+          </a:fillRef>
+          <a:effectRef idx="0">
+            <a:schemeClr val="accent1"/>
+          </a:effectRef>
+          <a:fontRef idx="minor">
+            <a:schemeClr val="lt1"/>
+          </a:fontRef>
+        </p:style>
+        <p:txBody>
+          <a:bodyPr rtlCol="0" anchor="ctr"/>
+          <a:lstStyle/>
+          <a:p>
+            <a:pPr algn="ctr"/>
+            <a:endParaRPr lang="de-DE"/>
+          </a:p>
+        </p:txBody>
+      </p:sp>
+      <p:sp>
+        <p:nvSpPr>
+          <p:cNvPr id="12" name="Freihandform: Form 11">
+            <a:extLst>
+              <a:ext uri="{FF2B5EF4-FFF2-40B4-BE49-F238E27FC236}">
+                <a16:creationId xmlns:a16="http://schemas.microsoft.com/office/drawing/2014/main" id="{C081FA48-4DF9-4B40-8D18-9AF11E8057DE}"/>
+              </a:ext>
+            </a:extLst>
+          </p:cNvPr>
+          <p:cNvSpPr/>
+          <p:nvPr/>
+        </p:nvSpPr>
+        <p:spPr>
+          <a:xfrm>
+            <a:off x="1362457" y="1637292"/>
+            <a:ext cx="924532" cy="1521254"/>
+          </a:xfrm>
+          <a:custGeom>
+            <a:avLst/>
+            <a:gdLst>
+              <a:gd name="connsiteX0" fmla="*/ 1018259 w 1018259"/>
+              <a:gd name="connsiteY0" fmla="*/ 0 h 1682496"/>
+              <a:gd name="connsiteX1" fmla="*/ 280643 w 1018259"/>
+              <a:gd name="connsiteY1" fmla="*/ 420624 h 1682496"/>
+              <a:gd name="connsiteX2" fmla="*/ 227 w 1018259"/>
+              <a:gd name="connsiteY2" fmla="*/ 1682496 h 1682496"/>
+            </a:gdLst>
+            <a:ahLst/>
+            <a:cxnLst>
+              <a:cxn ang="0">
+                <a:pos x="connsiteX0" y="connsiteY0"/>
+              </a:cxn>
+              <a:cxn ang="0">
+                <a:pos x="connsiteX1" y="connsiteY1"/>
+              </a:cxn>
+              <a:cxn ang="0">
+                <a:pos x="connsiteX2" y="connsiteY2"/>
+              </a:cxn>
+            </a:cxnLst>
+            <a:rect l="l" t="t" r="r" b="b"/>
+            <a:pathLst>
+              <a:path w="1018259" h="1682496">
+                <a:moveTo>
+                  <a:pt x="1018259" y="0"/>
+                </a:moveTo>
+                <a:cubicBezTo>
+                  <a:pt x="734287" y="70104"/>
+                  <a:pt x="450315" y="140208"/>
+                  <a:pt x="280643" y="420624"/>
+                </a:cubicBezTo>
+                <a:cubicBezTo>
+                  <a:pt x="110971" y="701040"/>
+                  <a:pt x="-5869" y="1575816"/>
+                  <a:pt x="227" y="1682496"/>
+                </a:cubicBezTo>
+              </a:path>
+            </a:pathLst>
+          </a:custGeom>
+          <a:noFill/>
+          <a:ln w="38100">
+            <a:solidFill>
+              <a:srgbClr val="FFC000"/>
+            </a:solidFill>
+            <a:prstDash val="sysDash"/>
+            <a:headEnd type="none" w="med" len="med"/>
+            <a:tailEnd type="arrow" w="med" len="med"/>
+          </a:ln>
+          <a:effectLst>
+            <a:outerShdw blurRad="50800" dist="38100" dir="2700000" algn="tl" rotWithShape="0">
+              <a:prstClr val="black">
+                <a:alpha val="40000"/>
+              </a:prstClr>
+            </a:outerShdw>
+          </a:effectLst>
+        </p:spPr>
+        <p:style>
+          <a:lnRef idx="2">
+            <a:schemeClr val="accent1">
+              <a:shade val="50000"/>
+            </a:schemeClr>
+          </a:lnRef>
+          <a:fillRef idx="1">
+            <a:schemeClr val="accent1"/>
+          </a:fillRef>
+          <a:effectRef idx="0">
+            <a:schemeClr val="accent1"/>
+          </a:effectRef>
+          <a:fontRef idx="minor">
+            <a:schemeClr val="lt1"/>
+          </a:fontRef>
+        </p:style>
+        <p:txBody>
+          <a:bodyPr rtlCol="0" anchor="ctr"/>
+          <a:lstStyle/>
+          <a:p>
+            <a:pPr algn="ctr"/>
+            <a:endParaRPr lang="de-DE"/>
+          </a:p>
+        </p:txBody>
+      </p:sp>
+      <p:sp>
+        <p:nvSpPr>
+          <p:cNvPr id="13" name="Freihandform: Form 12">
+            <a:extLst>
+              <a:ext uri="{FF2B5EF4-FFF2-40B4-BE49-F238E27FC236}">
+                <a16:creationId xmlns:a16="http://schemas.microsoft.com/office/drawing/2014/main" id="{54483AF0-2B0F-4484-99FD-3560BF0BF73D}"/>
+              </a:ext>
+            </a:extLst>
+          </p:cNvPr>
+          <p:cNvSpPr/>
+          <p:nvPr/>
+        </p:nvSpPr>
+        <p:spPr>
+          <a:xfrm>
+            <a:off x="6644305" y="5372525"/>
+            <a:ext cx="2565933" cy="550516"/>
+          </a:xfrm>
+          <a:custGeom>
+            <a:avLst/>
+            <a:gdLst>
+              <a:gd name="connsiteX0" fmla="*/ 0 w 3249168"/>
+              <a:gd name="connsiteY0" fmla="*/ 0 h 780288"/>
+              <a:gd name="connsiteX1" fmla="*/ 633984 w 3249168"/>
+              <a:gd name="connsiteY1" fmla="*/ 609600 h 780288"/>
+              <a:gd name="connsiteX2" fmla="*/ 3249168 w 3249168"/>
+              <a:gd name="connsiteY2" fmla="*/ 780288 h 780288"/>
+            </a:gdLst>
+            <a:ahLst/>
+            <a:cxnLst>
+              <a:cxn ang="0">
+                <a:pos x="connsiteX0" y="connsiteY0"/>
+              </a:cxn>
+              <a:cxn ang="0">
+                <a:pos x="connsiteX1" y="connsiteY1"/>
+              </a:cxn>
+              <a:cxn ang="0">
+                <a:pos x="connsiteX2" y="connsiteY2"/>
+              </a:cxn>
+            </a:cxnLst>
+            <a:rect l="l" t="t" r="r" b="b"/>
+            <a:pathLst>
+              <a:path w="3249168" h="780288">
+                <a:moveTo>
+                  <a:pt x="0" y="0"/>
+                </a:moveTo>
+                <a:cubicBezTo>
+                  <a:pt x="46228" y="239776"/>
+                  <a:pt x="92456" y="479552"/>
+                  <a:pt x="633984" y="609600"/>
+                </a:cubicBezTo>
+                <a:cubicBezTo>
+                  <a:pt x="1175512" y="739648"/>
+                  <a:pt x="2812288" y="700024"/>
+                  <a:pt x="3249168" y="780288"/>
+                </a:cubicBezTo>
+              </a:path>
+            </a:pathLst>
+          </a:custGeom>
+          <a:noFill/>
+          <a:ln w="38100">
+            <a:solidFill>
+              <a:srgbClr val="FFC000"/>
+            </a:solidFill>
+            <a:prstDash val="sysDash"/>
+            <a:headEnd type="none" w="med" len="med"/>
+            <a:tailEnd type="arrow" w="med" len="med"/>
+          </a:ln>
+          <a:effectLst>
+            <a:outerShdw blurRad="50800" dist="38100" dir="2700000" algn="tl" rotWithShape="0">
+              <a:prstClr val="black">
+                <a:alpha val="40000"/>
+              </a:prstClr>
+            </a:outerShdw>
+          </a:effectLst>
+        </p:spPr>
+        <p:style>
+          <a:lnRef idx="2">
+            <a:schemeClr val="accent1">
+              <a:shade val="50000"/>
+            </a:schemeClr>
+          </a:lnRef>
+          <a:fillRef idx="1">
+            <a:schemeClr val="accent1"/>
+          </a:fillRef>
+          <a:effectRef idx="0">
+            <a:schemeClr val="accent1"/>
+          </a:effectRef>
+          <a:fontRef idx="minor">
+            <a:schemeClr val="lt1"/>
+          </a:fontRef>
+        </p:style>
+        <p:txBody>
+          <a:bodyPr rtlCol="0" anchor="ctr"/>
+          <a:lstStyle/>
+          <a:p>
+            <a:pPr algn="ctr"/>
+            <a:endParaRPr lang="de-DE"/>
+          </a:p>
+        </p:txBody>
+      </p:sp>
     </p:spTree>
     <p:extLst>
       <p:ext uri="{BB962C8B-B14F-4D97-AF65-F5344CB8AC3E}">
@@ -11216,6 +11381,9 @@
                     <p:cTn id="3" fill="hold">
                       <p:stCondLst>
                         <p:cond delay="indefinite"/>
+                        <p:cond evt="onBegin" delay="0">
+                          <p:tn val="2"/>
+                        </p:cond>
                       </p:stCondLst>
                       <p:childTnLst>
                         <p:par>
@@ -11225,7 +11393,7 @@
                             </p:stCondLst>
                             <p:childTnLst>
                               <p:par>
-                                <p:cTn id="5" presetID="1" presetClass="entr" presetSubtype="0" fill="hold" nodeType="clickEffect">
+                                <p:cTn id="5" presetID="1" presetClass="entr" presetSubtype="0" fill="hold" nodeType="withEffect">
                                   <p:stCondLst>
                                     <p:cond delay="0"/>
                                   </p:stCondLst>
@@ -11238,7 +11406,7 @@
                                           </p:stCondLst>
                                         </p:cTn>
                                         <p:tgtEl>
-                                          <p:spTgt spid="17"/>
+                                          <p:spTgt spid="77"/>
                                         </p:tgtEl>
                                         <p:attrNameLst>
                                           <p:attrName>style.visibility</p:attrName>
@@ -11265,52 +11433,7 @@
                                           </p:stCondLst>
                                         </p:cTn>
                                         <p:tgtEl>
-                                          <p:spTgt spid="77"/>
-                                        </p:tgtEl>
-                                        <p:attrNameLst>
-                                          <p:attrName>style.visibility</p:attrName>
-                                        </p:attrNameLst>
-                                      </p:cBhvr>
-                                      <p:to>
-                                        <p:strVal val="visible"/>
-                                      </p:to>
-                                    </p:set>
-                                  </p:childTnLst>
-                                </p:cTn>
-                              </p:par>
-                            </p:childTnLst>
-                          </p:cTn>
-                        </p:par>
-                      </p:childTnLst>
-                    </p:cTn>
-                  </p:par>
-                  <p:par>
-                    <p:cTn id="9" fill="hold">
-                      <p:stCondLst>
-                        <p:cond delay="indefinite"/>
-                      </p:stCondLst>
-                      <p:childTnLst>
-                        <p:par>
-                          <p:cTn id="10" fill="hold">
-                            <p:stCondLst>
-                              <p:cond delay="0"/>
-                            </p:stCondLst>
-                            <p:childTnLst>
-                              <p:par>
-                                <p:cTn id="11" presetID="1" presetClass="entr" presetSubtype="0" fill="hold" nodeType="clickEffect">
-                                  <p:stCondLst>
-                                    <p:cond delay="0"/>
-                                  </p:stCondLst>
-                                  <p:childTnLst>
-                                    <p:set>
-                                      <p:cBhvr>
-                                        <p:cTn id="12" dur="1" fill="hold">
-                                          <p:stCondLst>
-                                            <p:cond delay="0"/>
-                                          </p:stCondLst>
-                                        </p:cTn>
-                                        <p:tgtEl>
-                                          <p:spTgt spid="35"/>
+                                          <p:spTgt spid="72"/>
                                         </p:tgtEl>
                                         <p:attrNameLst>
                                           <p:attrName>style.visibility</p:attrName>
@@ -11324,86 +11447,14 @@
                                 </p:cTn>
                               </p:par>
                               <p:par>
-                                <p:cTn id="13" presetID="1" presetClass="entr" presetSubtype="0" fill="hold" nodeType="withEffect">
+                                <p:cTn id="9" presetID="1" presetClass="entr" presetSubtype="0" fill="hold" nodeType="withEffect">
                                   <p:stCondLst>
                                     <p:cond delay="0"/>
                                   </p:stCondLst>
                                   <p:childTnLst>
                                     <p:set>
                                       <p:cBhvr>
-                                        <p:cTn id="14" dur="1" fill="hold">
-                                          <p:stCondLst>
-                                            <p:cond delay="0"/>
-                                          </p:stCondLst>
-                                        </p:cTn>
-                                        <p:tgtEl>
-                                          <p:spTgt spid="72"/>
-                                        </p:tgtEl>
-                                        <p:attrNameLst>
-                                          <p:attrName>style.visibility</p:attrName>
-                                        </p:attrNameLst>
-                                      </p:cBhvr>
-                                      <p:to>
-                                        <p:strVal val="visible"/>
-                                      </p:to>
-                                    </p:set>
-                                  </p:childTnLst>
-                                </p:cTn>
-                              </p:par>
-                            </p:childTnLst>
-                          </p:cTn>
-                        </p:par>
-                      </p:childTnLst>
-                    </p:cTn>
-                  </p:par>
-                  <p:par>
-                    <p:cTn id="15" fill="hold">
-                      <p:stCondLst>
-                        <p:cond delay="indefinite"/>
-                      </p:stCondLst>
-                      <p:childTnLst>
-                        <p:par>
-                          <p:cTn id="16" fill="hold">
-                            <p:stCondLst>
-                              <p:cond delay="0"/>
-                            </p:stCondLst>
-                            <p:childTnLst>
-                              <p:par>
-                                <p:cTn id="17" presetID="1" presetClass="entr" presetSubtype="0" fill="hold" nodeType="clickEffect">
-                                  <p:stCondLst>
-                                    <p:cond delay="0"/>
-                                  </p:stCondLst>
-                                  <p:childTnLst>
-                                    <p:set>
-                                      <p:cBhvr>
-                                        <p:cTn id="18" dur="1" fill="hold">
-                                          <p:stCondLst>
-                                            <p:cond delay="0"/>
-                                          </p:stCondLst>
-                                        </p:cTn>
-                                        <p:tgtEl>
-                                          <p:spTgt spid="56"/>
-                                        </p:tgtEl>
-                                        <p:attrNameLst>
-                                          <p:attrName>style.visibility</p:attrName>
-                                        </p:attrNameLst>
-                                      </p:cBhvr>
-                                      <p:to>
-                                        <p:strVal val="visible"/>
-                                      </p:to>
-                                    </p:set>
-                                  </p:childTnLst>
-                                </p:cTn>
-                              </p:par>
-                              <p:par>
-                                <p:cTn id="19" presetID="1" presetClass="entr" presetSubtype="0" fill="hold" nodeType="withEffect">
-                                  <p:stCondLst>
-                                    <p:cond delay="0"/>
-                                  </p:stCondLst>
-                                  <p:childTnLst>
-                                    <p:set>
-                                      <p:cBhvr>
-                                        <p:cTn id="20" dur="1" fill="hold">
+                                        <p:cTn id="10" dur="1" fill="hold">
                                           <p:stCondLst>
                                             <p:cond delay="0"/>
                                           </p:stCondLst>
@@ -11429,26 +11480,26 @@
                     </p:cTn>
                   </p:par>
                   <p:par>
-                    <p:cTn id="21" fill="hold">
+                    <p:cTn id="11" fill="hold">
                       <p:stCondLst>
                         <p:cond delay="indefinite"/>
                       </p:stCondLst>
                       <p:childTnLst>
                         <p:par>
-                          <p:cTn id="22" fill="hold">
+                          <p:cTn id="12" fill="hold">
                             <p:stCondLst>
                               <p:cond delay="0"/>
                             </p:stCondLst>
                             <p:childTnLst>
                               <p:par>
-                                <p:cTn id="23" presetID="1" presetClass="entr" presetSubtype="0" fill="hold" nodeType="clickEffect">
+                                <p:cTn id="13" presetID="1" presetClass="entr" presetSubtype="0" fill="hold" nodeType="clickEffect">
                                   <p:stCondLst>
                                     <p:cond delay="0"/>
                                   </p:stCondLst>
                                   <p:childTnLst>
                                     <p:set>
                                       <p:cBhvr>
-                                        <p:cTn id="24" dur="1" fill="hold">
+                                        <p:cTn id="14" dur="1" fill="hold">
                                           <p:stCondLst>
                                             <p:cond delay="0"/>
                                           </p:stCondLst>
@@ -11468,14 +11519,14 @@
                                 </p:cTn>
                               </p:par>
                               <p:par>
-                                <p:cTn id="25" presetID="1" presetClass="entr" presetSubtype="0" fill="hold" nodeType="withEffect">
+                                <p:cTn id="15" presetID="1" presetClass="entr" presetSubtype="0" fill="hold" nodeType="withEffect">
                                   <p:stCondLst>
                                     <p:cond delay="0"/>
                                   </p:stCondLst>
                                   <p:childTnLst>
                                     <p:set>
                                       <p:cBhvr>
-                                        <p:cTn id="26" dur="1" fill="hold">
+                                        <p:cTn id="16" dur="1" fill="hold">
                                           <p:stCondLst>
                                             <p:cond delay="0"/>
                                           </p:stCondLst>

--- a/slides/Durable_Functions.pptx
+++ b/slides/Durable_Functions.pptx
@@ -7,32 +7,33 @@
   <p:sldIdLst>
     <p:sldId id="258" r:id="rId2"/>
     <p:sldId id="259" r:id="rId3"/>
-    <p:sldId id="260" r:id="rId4"/>
-    <p:sldId id="269" r:id="rId5"/>
-    <p:sldId id="265" r:id="rId6"/>
-    <p:sldId id="268" r:id="rId7"/>
-    <p:sldId id="264" r:id="rId8"/>
-    <p:sldId id="283" r:id="rId9"/>
-    <p:sldId id="284" r:id="rId10"/>
-    <p:sldId id="261" r:id="rId11"/>
-    <p:sldId id="270" r:id="rId12"/>
-    <p:sldId id="271" r:id="rId13"/>
-    <p:sldId id="276" r:id="rId14"/>
-    <p:sldId id="280" r:id="rId15"/>
-    <p:sldId id="281" r:id="rId16"/>
-    <p:sldId id="275" r:id="rId17"/>
-    <p:sldId id="279" r:id="rId18"/>
-    <p:sldId id="274" r:id="rId19"/>
-    <p:sldId id="277" r:id="rId20"/>
-    <p:sldId id="278" r:id="rId21"/>
-    <p:sldId id="282" r:id="rId22"/>
-    <p:sldId id="286" r:id="rId23"/>
-    <p:sldId id="272" r:id="rId24"/>
-    <p:sldId id="273" r:id="rId25"/>
-    <p:sldId id="285" r:id="rId26"/>
-    <p:sldId id="287" r:id="rId27"/>
-    <p:sldId id="288" r:id="rId28"/>
-    <p:sldId id="289" r:id="rId29"/>
+    <p:sldId id="290" r:id="rId4"/>
+    <p:sldId id="260" r:id="rId5"/>
+    <p:sldId id="269" r:id="rId6"/>
+    <p:sldId id="265" r:id="rId7"/>
+    <p:sldId id="268" r:id="rId8"/>
+    <p:sldId id="264" r:id="rId9"/>
+    <p:sldId id="283" r:id="rId10"/>
+    <p:sldId id="284" r:id="rId11"/>
+    <p:sldId id="261" r:id="rId12"/>
+    <p:sldId id="270" r:id="rId13"/>
+    <p:sldId id="271" r:id="rId14"/>
+    <p:sldId id="276" r:id="rId15"/>
+    <p:sldId id="280" r:id="rId16"/>
+    <p:sldId id="281" r:id="rId17"/>
+    <p:sldId id="275" r:id="rId18"/>
+    <p:sldId id="279" r:id="rId19"/>
+    <p:sldId id="274" r:id="rId20"/>
+    <p:sldId id="277" r:id="rId21"/>
+    <p:sldId id="278" r:id="rId22"/>
+    <p:sldId id="282" r:id="rId23"/>
+    <p:sldId id="286" r:id="rId24"/>
+    <p:sldId id="272" r:id="rId25"/>
+    <p:sldId id="273" r:id="rId26"/>
+    <p:sldId id="285" r:id="rId27"/>
+    <p:sldId id="287" r:id="rId28"/>
+    <p:sldId id="288" r:id="rId29"/>
+    <p:sldId id="289" r:id="rId30"/>
   </p:sldIdLst>
   <p:sldSz cx="12192000" cy="6858000"/>
   <p:notesSz cx="6858000" cy="9144000"/>
@@ -288,7 +289,7 @@
           <a:p>
             <a:fld id="{505B6713-0874-4A1F-BF3A-D2E2FC566D1E}" type="datetimeFigureOut">
               <a:rPr lang="en-US" smtClean="0"/>
-              <a:t>10/31/2019</a:t>
+              <a:t>11/3/2019</a:t>
             </a:fld>
             <a:endParaRPr lang="en-US"/>
           </a:p>
@@ -551,7 +552,7 @@
           <a:p>
             <a:fld id="{505B6713-0874-4A1F-BF3A-D2E2FC566D1E}" type="datetimeFigureOut">
               <a:rPr lang="en-US" smtClean="0"/>
-              <a:t>10/31/2019</a:t>
+              <a:t>11/3/2019</a:t>
             </a:fld>
             <a:endParaRPr lang="en-US"/>
           </a:p>
@@ -761,7 +762,7 @@
           <a:p>
             <a:fld id="{505B6713-0874-4A1F-BF3A-D2E2FC566D1E}" type="datetimeFigureOut">
               <a:rPr lang="en-US" smtClean="0"/>
-              <a:t>10/31/2019</a:t>
+              <a:t>11/3/2019</a:t>
             </a:fld>
             <a:endParaRPr lang="en-US"/>
           </a:p>
@@ -937,7 +938,7 @@
           <a:p>
             <a:fld id="{505B6713-0874-4A1F-BF3A-D2E2FC566D1E}" type="datetimeFigureOut">
               <a:rPr lang="en-US" smtClean="0"/>
-              <a:t>10/31/2019</a:t>
+              <a:t>11/3/2019</a:t>
             </a:fld>
             <a:endParaRPr lang="en-US"/>
           </a:p>
@@ -1316,7 +1317,7 @@
           <a:p>
             <a:fld id="{505B6713-0874-4A1F-BF3A-D2E2FC566D1E}" type="datetimeFigureOut">
               <a:rPr lang="en-US" smtClean="0"/>
-              <a:t>10/31/2019</a:t>
+              <a:t>11/3/2019</a:t>
             </a:fld>
             <a:endParaRPr lang="en-US"/>
           </a:p>
@@ -1584,7 +1585,7 @@
           <a:p>
             <a:fld id="{505B6713-0874-4A1F-BF3A-D2E2FC566D1E}" type="datetimeFigureOut">
               <a:rPr lang="en-US" smtClean="0"/>
-              <a:t>10/31/2019</a:t>
+              <a:t>11/3/2019</a:t>
             </a:fld>
             <a:endParaRPr lang="en-US"/>
           </a:p>
@@ -1999,7 +2000,7 @@
           <a:p>
             <a:fld id="{505B6713-0874-4A1F-BF3A-D2E2FC566D1E}" type="datetimeFigureOut">
               <a:rPr lang="en-US" smtClean="0"/>
-              <a:t>10/31/2019</a:t>
+              <a:t>11/3/2019</a:t>
             </a:fld>
             <a:endParaRPr lang="en-US"/>
           </a:p>
@@ -2141,7 +2142,7 @@
           <a:p>
             <a:fld id="{505B6713-0874-4A1F-BF3A-D2E2FC566D1E}" type="datetimeFigureOut">
               <a:rPr lang="en-US" smtClean="0"/>
-              <a:t>10/31/2019</a:t>
+              <a:t>11/3/2019</a:t>
             </a:fld>
             <a:endParaRPr lang="en-US"/>
           </a:p>
@@ -2254,7 +2255,7 @@
           <a:p>
             <a:fld id="{505B6713-0874-4A1F-BF3A-D2E2FC566D1E}" type="datetimeFigureOut">
               <a:rPr lang="en-US" smtClean="0"/>
-              <a:t>10/31/2019</a:t>
+              <a:t>11/3/2019</a:t>
             </a:fld>
             <a:endParaRPr lang="en-US"/>
           </a:p>
@@ -2567,7 +2568,7 @@
           <a:p>
             <a:fld id="{505B6713-0874-4A1F-BF3A-D2E2FC566D1E}" type="datetimeFigureOut">
               <a:rPr lang="en-US" smtClean="0"/>
-              <a:t>10/31/2019</a:t>
+              <a:t>11/3/2019</a:t>
             </a:fld>
             <a:endParaRPr lang="en-US"/>
           </a:p>
@@ -2856,7 +2857,7 @@
           <a:p>
             <a:fld id="{505B6713-0874-4A1F-BF3A-D2E2FC566D1E}" type="datetimeFigureOut">
               <a:rPr lang="en-US" smtClean="0"/>
-              <a:t>10/31/2019</a:t>
+              <a:t>11/3/2019</a:t>
             </a:fld>
             <a:endParaRPr lang="en-US"/>
           </a:p>
@@ -3102,7 +3103,7 @@
           <a:p>
             <a:fld id="{505B6713-0874-4A1F-BF3A-D2E2FC566D1E}" type="datetimeFigureOut">
               <a:rPr lang="en-US" smtClean="0"/>
-              <a:t>10/31/2019</a:t>
+              <a:t>11/3/2019</a:t>
             </a:fld>
             <a:endParaRPr lang="en-US"/>
           </a:p>
@@ -3745,8 +3746,8 @@
         </p:nvSpPr>
         <p:spPr>
           <a:xfrm>
-            <a:off x="8744977" y="4831742"/>
-            <a:ext cx="2517036" cy="1169551"/>
+            <a:off x="8278371" y="4844241"/>
+            <a:ext cx="3477234" cy="1169551"/>
           </a:xfrm>
           <a:prstGeom prst="rect">
             <a:avLst/>
@@ -3767,7 +3768,7 @@
           <a:p>
             <a:r>
               <a:rPr lang="en-US" sz="1600" dirty="0"/>
-              <a:t>[TITLE]</a:t>
+              <a:t>DEVOPS &amp; BACKEND DEVELOPER</a:t>
             </a:r>
           </a:p>
           <a:p>
@@ -3811,7 +3812,7 @@
         </p:blipFill>
         <p:spPr>
           <a:xfrm>
-            <a:off x="7392769" y="4772396"/>
+            <a:off x="6926163" y="4784895"/>
             <a:ext cx="1275743" cy="1275743"/>
           </a:xfrm>
           <a:prstGeom prst="rect">
@@ -3854,7 +3855,7 @@
           <p:cNvPr id="3" name="Textplatzhalter 2">
             <a:extLst>
               <a:ext uri="{FF2B5EF4-FFF2-40B4-BE49-F238E27FC236}">
-                <a16:creationId xmlns:a16="http://schemas.microsoft.com/office/drawing/2014/main" id="{FAFEEEED-CDAD-46CC-946F-1878FDBB939C}"/>
+                <a16:creationId xmlns:a16="http://schemas.microsoft.com/office/drawing/2014/main" id="{57625549-4941-4E12-AA37-2C694939FB57}"/>
               </a:ext>
             </a:extLst>
           </p:cNvPr>
@@ -3874,18 +3875,61 @@
           <a:p>
             <a:r>
               <a:rPr lang="en-US" sz="2400" dirty="0"/>
-              <a:t>What are Durable Functions?</a:t>
+              <a:t>Demo: Azure Functions Demo</a:t>
             </a:r>
             <a:endParaRPr lang="de-DE" sz="2400" dirty="0"/>
           </a:p>
         </p:txBody>
       </p:sp>
+      <p:cxnSp>
+        <p:nvCxnSpPr>
+          <p:cNvPr id="6" name="Gerader Verbinder 5">
+            <a:extLst>
+              <a:ext uri="{FF2B5EF4-FFF2-40B4-BE49-F238E27FC236}">
+                <a16:creationId xmlns:a16="http://schemas.microsoft.com/office/drawing/2014/main" id="{7EFA8ABD-5F72-4B46-BE3A-27B92D0D2871}"/>
+              </a:ext>
+            </a:extLst>
+          </p:cNvPr>
+          <p:cNvCxnSpPr>
+            <a:cxnSpLocks/>
+          </p:cNvCxnSpPr>
+          <p:nvPr/>
+        </p:nvCxnSpPr>
+        <p:spPr>
+          <a:xfrm>
+            <a:off x="3343788" y="1278517"/>
+            <a:ext cx="0" cy="4585570"/>
+          </a:xfrm>
+          <a:prstGeom prst="line">
+            <a:avLst/>
+          </a:prstGeom>
+          <a:ln w="25400" cap="rnd">
+            <a:solidFill>
+              <a:srgbClr val="3F3658"/>
+            </a:solidFill>
+          </a:ln>
+        </p:spPr>
+        <p:style>
+          <a:lnRef idx="1">
+            <a:schemeClr val="accent1"/>
+          </a:lnRef>
+          <a:fillRef idx="0">
+            <a:schemeClr val="accent1"/>
+          </a:fillRef>
+          <a:effectRef idx="0">
+            <a:schemeClr val="accent1"/>
+          </a:effectRef>
+          <a:fontRef idx="minor">
+            <a:schemeClr val="tx1"/>
+          </a:fontRef>
+        </p:style>
+      </p:cxnSp>
       <p:sp>
         <p:nvSpPr>
-          <p:cNvPr id="6" name="Textfeld 5">
-            <a:extLst>
-              <a:ext uri="{FF2B5EF4-FFF2-40B4-BE49-F238E27FC236}">
-                <a16:creationId xmlns:a16="http://schemas.microsoft.com/office/drawing/2014/main" id="{319D27F4-2089-49D3-A7CA-AE2AE1B2FD38}"/>
+          <p:cNvPr id="13" name="Textfeld 12">
+            <a:extLst>
+              <a:ext uri="{FF2B5EF4-FFF2-40B4-BE49-F238E27FC236}">
+                <a16:creationId xmlns:a16="http://schemas.microsoft.com/office/drawing/2014/main" id="{2F81F2AB-E65C-4B76-B7B9-679464B9904D}"/>
               </a:ext>
             </a:extLst>
           </p:cNvPr>
@@ -3894,8 +3938,8 @@
         </p:nvSpPr>
         <p:spPr>
           <a:xfrm>
-            <a:off x="4982814" y="3766784"/>
-            <a:ext cx="2040835" cy="1200329"/>
+            <a:off x="3876269" y="2476498"/>
+            <a:ext cx="7420621" cy="1500219"/>
           </a:xfrm>
           <a:prstGeom prst="rect">
             <a:avLst/>
@@ -3903,88 +3947,56 @@
           <a:noFill/>
         </p:spPr>
         <p:txBody>
-          <a:bodyPr wrap="square" rtlCol="0">
+          <a:bodyPr wrap="none" rtlCol="0">
             <a:spAutoFit/>
           </a:bodyPr>
           <a:lstStyle/>
           <a:p>
-            <a:pPr algn="ctr"/>
-            <a:r>
-              <a:rPr lang="en-US" dirty="0">
-                <a:solidFill>
-                  <a:srgbClr val="083232"/>
-                </a:solidFill>
-              </a:rPr>
-              <a:t>Write “stateful” functions in a “</a:t>
-            </a:r>
-            <a:r>
-              <a:rPr lang="en-US" dirty="0">
+            <a:pPr>
+              <a:lnSpc>
+                <a:spcPct val="250000"/>
+              </a:lnSpc>
+            </a:pPr>
+            <a:r>
+              <a:rPr lang="en-US" sz="2000" b="1" dirty="0">
                 <a:solidFill>
                   <a:srgbClr val="5A536D"/>
                 </a:solidFill>
               </a:rPr>
-              <a:t>serverless</a:t>
-            </a:r>
-            <a:r>
-              <a:rPr lang="en-US" dirty="0">
-                <a:solidFill>
-                  <a:srgbClr val="083232"/>
-                </a:solidFill>
-              </a:rPr>
-              <a:t>” environment</a:t>
-            </a:r>
-          </a:p>
-        </p:txBody>
-      </p:sp>
-      <p:sp>
-        <p:nvSpPr>
-          <p:cNvPr id="8" name="Textfeld 7">
-            <a:extLst>
-              <a:ext uri="{FF2B5EF4-FFF2-40B4-BE49-F238E27FC236}">
-                <a16:creationId xmlns:a16="http://schemas.microsoft.com/office/drawing/2014/main" id="{2AE5DD49-A884-4026-B173-256B4C69CD3C}"/>
-              </a:ext>
-            </a:extLst>
-          </p:cNvPr>
-          <p:cNvSpPr txBox="1"/>
-          <p:nvPr/>
-        </p:nvSpPr>
-        <p:spPr>
-          <a:xfrm>
-            <a:off x="1322585" y="3766784"/>
-            <a:ext cx="2040835" cy="646331"/>
-          </a:xfrm>
-          <a:prstGeom prst="rect">
-            <a:avLst/>
-          </a:prstGeom>
-          <a:noFill/>
-        </p:spPr>
-        <p:txBody>
-          <a:bodyPr wrap="square" rtlCol="0">
-            <a:spAutoFit/>
-          </a:bodyPr>
-          <a:lstStyle/>
-          <a:p>
-            <a:pPr algn="ctr"/>
-            <a:r>
-              <a:rPr lang="en-US" dirty="0">
-                <a:solidFill>
-                  <a:srgbClr val="083232"/>
-                </a:solidFill>
-              </a:rPr>
-              <a:t>An extension to </a:t>
-            </a:r>
-          </a:p>
-          <a:p>
-            <a:pPr algn="ctr"/>
-            <a:r>
-              <a:rPr lang="en-US" dirty="0">
+              <a:t>Create and deploy a Azure Function with Visual Studio</a:t>
+            </a:r>
+          </a:p>
+          <a:p>
+            <a:pPr>
+              <a:lnSpc>
+                <a:spcPct val="250000"/>
+              </a:lnSpc>
+            </a:pPr>
+            <a:r>
+              <a:rPr lang="en-US" sz="2000" b="1" dirty="0">
                 <a:solidFill>
                   <a:srgbClr val="5A536D"/>
                 </a:solidFill>
               </a:rPr>
-              <a:t>Azure Functions</a:t>
-            </a:r>
-            <a:endParaRPr lang="de-DE" dirty="0">
+              <a:t>Create a </a:t>
+            </a:r>
+            <a:r>
+              <a:rPr lang="en-US" sz="2000" b="1" dirty="0" err="1">
+                <a:solidFill>
+                  <a:srgbClr val="5A536D"/>
+                </a:solidFill>
+              </a:rPr>
+              <a:t>Powershell</a:t>
+            </a:r>
+            <a:r>
+              <a:rPr lang="en-US" sz="2000" b="1" dirty="0">
+                <a:solidFill>
+                  <a:srgbClr val="5A536D"/>
+                </a:solidFill>
+              </a:rPr>
+              <a:t> Azure Function inside the Azure Portal</a:t>
+            </a:r>
+            <a:endParaRPr lang="en-US" sz="2000" dirty="0">
               <a:solidFill>
                 <a:srgbClr val="5A536D"/>
               </a:solidFill>
@@ -3992,52 +4004,12 @@
           </a:p>
         </p:txBody>
       </p:sp>
-      <p:sp>
-        <p:nvSpPr>
-          <p:cNvPr id="9" name="Textfeld 8">
-            <a:extLst>
-              <a:ext uri="{FF2B5EF4-FFF2-40B4-BE49-F238E27FC236}">
-                <a16:creationId xmlns:a16="http://schemas.microsoft.com/office/drawing/2014/main" id="{9AC3AD73-C97D-47AD-A77D-28564B966E6A}"/>
-              </a:ext>
-            </a:extLst>
-          </p:cNvPr>
-          <p:cNvSpPr txBox="1"/>
-          <p:nvPr/>
-        </p:nvSpPr>
-        <p:spPr>
-          <a:xfrm>
-            <a:off x="8542620" y="3766784"/>
-            <a:ext cx="2040835" cy="646331"/>
-          </a:xfrm>
-          <a:prstGeom prst="rect">
-            <a:avLst/>
-          </a:prstGeom>
-          <a:noFill/>
-        </p:spPr>
-        <p:txBody>
-          <a:bodyPr wrap="square" rtlCol="0">
-            <a:spAutoFit/>
-          </a:bodyPr>
-          <a:lstStyle/>
-          <a:p>
-            <a:pPr algn="ctr"/>
-            <a:r>
-              <a:rPr lang="en-US" dirty="0">
-                <a:solidFill>
-                  <a:srgbClr val="083232"/>
-                </a:solidFill>
-              </a:rPr>
-              <a:t>Define workflows in code</a:t>
-            </a:r>
-          </a:p>
-        </p:txBody>
-      </p:sp>
       <p:pic>
         <p:nvPicPr>
-          <p:cNvPr id="14" name="Grafik 13">
-            <a:extLst>
-              <a:ext uri="{FF2B5EF4-FFF2-40B4-BE49-F238E27FC236}">
-                <a16:creationId xmlns:a16="http://schemas.microsoft.com/office/drawing/2014/main" id="{9307CF39-F736-40B9-B600-2BE3732C784E}"/>
+          <p:cNvPr id="15" name="Grafik 14">
+            <a:extLst>
+              <a:ext uri="{FF2B5EF4-FFF2-40B4-BE49-F238E27FC236}">
+                <a16:creationId xmlns:a16="http://schemas.microsoft.com/office/drawing/2014/main" id="{75C66F34-CCD3-4F4B-97B6-673D0AF7DCCE}"/>
               </a:ext>
             </a:extLst>
           </p:cNvPr>
@@ -4060,79 +4032,7 @@
         </p:blipFill>
         <p:spPr>
           <a:xfrm>
-            <a:off x="1365829" y="1861784"/>
-            <a:ext cx="1905000" cy="1905000"/>
-          </a:xfrm>
-          <a:prstGeom prst="rect">
-            <a:avLst/>
-          </a:prstGeom>
-        </p:spPr>
-      </p:pic>
-      <p:pic>
-        <p:nvPicPr>
-          <p:cNvPr id="16" name="Grafik 15">
-            <a:extLst>
-              <a:ext uri="{FF2B5EF4-FFF2-40B4-BE49-F238E27FC236}">
-                <a16:creationId xmlns:a16="http://schemas.microsoft.com/office/drawing/2014/main" id="{CE39393D-4893-4964-8184-CA42A6867B77}"/>
-              </a:ext>
-            </a:extLst>
-          </p:cNvPr>
-          <p:cNvPicPr>
-            <a:picLocks noChangeAspect="1"/>
-          </p:cNvPicPr>
-          <p:nvPr/>
-        </p:nvPicPr>
-        <p:blipFill>
-          <a:blip r:embed="rId3">
-            <a:extLst>
-              <a:ext uri="{28A0092B-C50C-407E-A947-70E740481C1C}">
-                <a14:useLocalDpi xmlns:a14="http://schemas.microsoft.com/office/drawing/2010/main" val="0"/>
-              </a:ext>
-            </a:extLst>
-          </a:blip>
-          <a:stretch>
-            <a:fillRect/>
-          </a:stretch>
-        </p:blipFill>
-        <p:spPr>
-          <a:xfrm>
-            <a:off x="5046815" y="1861784"/>
-            <a:ext cx="1905000" cy="1905000"/>
-          </a:xfrm>
-          <a:prstGeom prst="rect">
-            <a:avLst/>
-          </a:prstGeom>
-        </p:spPr>
-      </p:pic>
-      <p:pic>
-        <p:nvPicPr>
-          <p:cNvPr id="18" name="Grafik 17">
-            <a:extLst>
-              <a:ext uri="{FF2B5EF4-FFF2-40B4-BE49-F238E27FC236}">
-                <a16:creationId xmlns:a16="http://schemas.microsoft.com/office/drawing/2014/main" id="{EABBD10D-9A8B-4757-863C-C4F0D98CF4E4}"/>
-              </a:ext>
-            </a:extLst>
-          </p:cNvPr>
-          <p:cNvPicPr>
-            <a:picLocks noChangeAspect="1"/>
-          </p:cNvPicPr>
-          <p:nvPr/>
-        </p:nvPicPr>
-        <p:blipFill>
-          <a:blip r:embed="rId4">
-            <a:extLst>
-              <a:ext uri="{28A0092B-C50C-407E-A947-70E740481C1C}">
-                <a14:useLocalDpi xmlns:a14="http://schemas.microsoft.com/office/drawing/2010/main" val="0"/>
-              </a:ext>
-            </a:extLst>
-          </a:blip>
-          <a:stretch>
-            <a:fillRect/>
-          </a:stretch>
-        </p:blipFill>
-        <p:spPr>
-          <a:xfrm>
-            <a:off x="8635210" y="1861784"/>
+            <a:off x="838201" y="2476498"/>
             <a:ext cx="1905000" cy="1905000"/>
           </a:xfrm>
           <a:prstGeom prst="rect">
@@ -4143,7 +4043,7 @@
     </p:spTree>
     <p:extLst>
       <p:ext uri="{BB962C8B-B14F-4D97-AF65-F5344CB8AC3E}">
-        <p14:creationId xmlns:p14="http://schemas.microsoft.com/office/powerpoint/2010/main" val="2149780848"/>
+        <p14:creationId xmlns:p14="http://schemas.microsoft.com/office/powerpoint/2010/main" val="2008861329"/>
       </p:ext>
     </p:extLst>
   </p:cSld>
@@ -4175,6 +4075,327 @@
           <p:cNvPr id="3" name="Textplatzhalter 2">
             <a:extLst>
               <a:ext uri="{FF2B5EF4-FFF2-40B4-BE49-F238E27FC236}">
+                <a16:creationId xmlns:a16="http://schemas.microsoft.com/office/drawing/2014/main" id="{FAFEEEED-CDAD-46CC-946F-1878FDBB939C}"/>
+              </a:ext>
+            </a:extLst>
+          </p:cNvPr>
+          <p:cNvSpPr>
+            <a:spLocks noGrp="1"/>
+          </p:cNvSpPr>
+          <p:nvPr>
+            <p:ph type="body" sz="quarter" idx="13"/>
+          </p:nvPr>
+        </p:nvSpPr>
+        <p:spPr/>
+        <p:txBody>
+          <a:bodyPr>
+            <a:normAutofit/>
+          </a:bodyPr>
+          <a:lstStyle/>
+          <a:p>
+            <a:r>
+              <a:rPr lang="en-US" sz="2400" dirty="0"/>
+              <a:t>What are Durable Functions?</a:t>
+            </a:r>
+            <a:endParaRPr lang="de-DE" sz="2400" dirty="0"/>
+          </a:p>
+        </p:txBody>
+      </p:sp>
+      <p:sp>
+        <p:nvSpPr>
+          <p:cNvPr id="6" name="Textfeld 5">
+            <a:extLst>
+              <a:ext uri="{FF2B5EF4-FFF2-40B4-BE49-F238E27FC236}">
+                <a16:creationId xmlns:a16="http://schemas.microsoft.com/office/drawing/2014/main" id="{319D27F4-2089-49D3-A7CA-AE2AE1B2FD38}"/>
+              </a:ext>
+            </a:extLst>
+          </p:cNvPr>
+          <p:cNvSpPr txBox="1"/>
+          <p:nvPr/>
+        </p:nvSpPr>
+        <p:spPr>
+          <a:xfrm>
+            <a:off x="4982814" y="3766784"/>
+            <a:ext cx="2040835" cy="1200329"/>
+          </a:xfrm>
+          <a:prstGeom prst="rect">
+            <a:avLst/>
+          </a:prstGeom>
+          <a:noFill/>
+        </p:spPr>
+        <p:txBody>
+          <a:bodyPr wrap="square" rtlCol="0">
+            <a:spAutoFit/>
+          </a:bodyPr>
+          <a:lstStyle/>
+          <a:p>
+            <a:pPr algn="ctr"/>
+            <a:r>
+              <a:rPr lang="en-US" dirty="0">
+                <a:solidFill>
+                  <a:srgbClr val="083232"/>
+                </a:solidFill>
+              </a:rPr>
+              <a:t>Write “stateful” functions in a “</a:t>
+            </a:r>
+            <a:r>
+              <a:rPr lang="en-US" dirty="0">
+                <a:solidFill>
+                  <a:srgbClr val="5A536D"/>
+                </a:solidFill>
+              </a:rPr>
+              <a:t>serverless</a:t>
+            </a:r>
+            <a:r>
+              <a:rPr lang="en-US" dirty="0">
+                <a:solidFill>
+                  <a:srgbClr val="083232"/>
+                </a:solidFill>
+              </a:rPr>
+              <a:t>” environment</a:t>
+            </a:r>
+          </a:p>
+        </p:txBody>
+      </p:sp>
+      <p:sp>
+        <p:nvSpPr>
+          <p:cNvPr id="8" name="Textfeld 7">
+            <a:extLst>
+              <a:ext uri="{FF2B5EF4-FFF2-40B4-BE49-F238E27FC236}">
+                <a16:creationId xmlns:a16="http://schemas.microsoft.com/office/drawing/2014/main" id="{2AE5DD49-A884-4026-B173-256B4C69CD3C}"/>
+              </a:ext>
+            </a:extLst>
+          </p:cNvPr>
+          <p:cNvSpPr txBox="1"/>
+          <p:nvPr/>
+        </p:nvSpPr>
+        <p:spPr>
+          <a:xfrm>
+            <a:off x="1322585" y="3766784"/>
+            <a:ext cx="2040835" cy="646331"/>
+          </a:xfrm>
+          <a:prstGeom prst="rect">
+            <a:avLst/>
+          </a:prstGeom>
+          <a:noFill/>
+        </p:spPr>
+        <p:txBody>
+          <a:bodyPr wrap="square" rtlCol="0">
+            <a:spAutoFit/>
+          </a:bodyPr>
+          <a:lstStyle/>
+          <a:p>
+            <a:pPr algn="ctr"/>
+            <a:r>
+              <a:rPr lang="en-US" dirty="0">
+                <a:solidFill>
+                  <a:srgbClr val="083232"/>
+                </a:solidFill>
+              </a:rPr>
+              <a:t>An extension to </a:t>
+            </a:r>
+          </a:p>
+          <a:p>
+            <a:pPr algn="ctr"/>
+            <a:r>
+              <a:rPr lang="en-US" dirty="0">
+                <a:solidFill>
+                  <a:srgbClr val="5A536D"/>
+                </a:solidFill>
+              </a:rPr>
+              <a:t>Azure Functions</a:t>
+            </a:r>
+            <a:endParaRPr lang="de-DE" dirty="0">
+              <a:solidFill>
+                <a:srgbClr val="5A536D"/>
+              </a:solidFill>
+            </a:endParaRPr>
+          </a:p>
+        </p:txBody>
+      </p:sp>
+      <p:sp>
+        <p:nvSpPr>
+          <p:cNvPr id="9" name="Textfeld 8">
+            <a:extLst>
+              <a:ext uri="{FF2B5EF4-FFF2-40B4-BE49-F238E27FC236}">
+                <a16:creationId xmlns:a16="http://schemas.microsoft.com/office/drawing/2014/main" id="{9AC3AD73-C97D-47AD-A77D-28564B966E6A}"/>
+              </a:ext>
+            </a:extLst>
+          </p:cNvPr>
+          <p:cNvSpPr txBox="1"/>
+          <p:nvPr/>
+        </p:nvSpPr>
+        <p:spPr>
+          <a:xfrm>
+            <a:off x="8542620" y="3766784"/>
+            <a:ext cx="2040835" cy="646331"/>
+          </a:xfrm>
+          <a:prstGeom prst="rect">
+            <a:avLst/>
+          </a:prstGeom>
+          <a:noFill/>
+        </p:spPr>
+        <p:txBody>
+          <a:bodyPr wrap="square" rtlCol="0">
+            <a:spAutoFit/>
+          </a:bodyPr>
+          <a:lstStyle/>
+          <a:p>
+            <a:pPr algn="ctr"/>
+            <a:r>
+              <a:rPr lang="en-US" dirty="0">
+                <a:solidFill>
+                  <a:srgbClr val="083232"/>
+                </a:solidFill>
+              </a:rPr>
+              <a:t>Define workflows in code</a:t>
+            </a:r>
+          </a:p>
+        </p:txBody>
+      </p:sp>
+      <p:pic>
+        <p:nvPicPr>
+          <p:cNvPr id="14" name="Grafik 13">
+            <a:extLst>
+              <a:ext uri="{FF2B5EF4-FFF2-40B4-BE49-F238E27FC236}">
+                <a16:creationId xmlns:a16="http://schemas.microsoft.com/office/drawing/2014/main" id="{9307CF39-F736-40B9-B600-2BE3732C784E}"/>
+              </a:ext>
+            </a:extLst>
+          </p:cNvPr>
+          <p:cNvPicPr>
+            <a:picLocks noChangeAspect="1"/>
+          </p:cNvPicPr>
+          <p:nvPr/>
+        </p:nvPicPr>
+        <p:blipFill>
+          <a:blip r:embed="rId2">
+            <a:extLst>
+              <a:ext uri="{28A0092B-C50C-407E-A947-70E740481C1C}">
+                <a14:useLocalDpi xmlns:a14="http://schemas.microsoft.com/office/drawing/2010/main" val="0"/>
+              </a:ext>
+            </a:extLst>
+          </a:blip>
+          <a:stretch>
+            <a:fillRect/>
+          </a:stretch>
+        </p:blipFill>
+        <p:spPr>
+          <a:xfrm>
+            <a:off x="1365829" y="1861784"/>
+            <a:ext cx="1905000" cy="1905000"/>
+          </a:xfrm>
+          <a:prstGeom prst="rect">
+            <a:avLst/>
+          </a:prstGeom>
+        </p:spPr>
+      </p:pic>
+      <p:pic>
+        <p:nvPicPr>
+          <p:cNvPr id="16" name="Grafik 15">
+            <a:extLst>
+              <a:ext uri="{FF2B5EF4-FFF2-40B4-BE49-F238E27FC236}">
+                <a16:creationId xmlns:a16="http://schemas.microsoft.com/office/drawing/2014/main" id="{CE39393D-4893-4964-8184-CA42A6867B77}"/>
+              </a:ext>
+            </a:extLst>
+          </p:cNvPr>
+          <p:cNvPicPr>
+            <a:picLocks noChangeAspect="1"/>
+          </p:cNvPicPr>
+          <p:nvPr/>
+        </p:nvPicPr>
+        <p:blipFill>
+          <a:blip r:embed="rId3">
+            <a:extLst>
+              <a:ext uri="{28A0092B-C50C-407E-A947-70E740481C1C}">
+                <a14:useLocalDpi xmlns:a14="http://schemas.microsoft.com/office/drawing/2010/main" val="0"/>
+              </a:ext>
+            </a:extLst>
+          </a:blip>
+          <a:stretch>
+            <a:fillRect/>
+          </a:stretch>
+        </p:blipFill>
+        <p:spPr>
+          <a:xfrm>
+            <a:off x="5046815" y="1861784"/>
+            <a:ext cx="1905000" cy="1905000"/>
+          </a:xfrm>
+          <a:prstGeom prst="rect">
+            <a:avLst/>
+          </a:prstGeom>
+        </p:spPr>
+      </p:pic>
+      <p:pic>
+        <p:nvPicPr>
+          <p:cNvPr id="18" name="Grafik 17">
+            <a:extLst>
+              <a:ext uri="{FF2B5EF4-FFF2-40B4-BE49-F238E27FC236}">
+                <a16:creationId xmlns:a16="http://schemas.microsoft.com/office/drawing/2014/main" id="{EABBD10D-9A8B-4757-863C-C4F0D98CF4E4}"/>
+              </a:ext>
+            </a:extLst>
+          </p:cNvPr>
+          <p:cNvPicPr>
+            <a:picLocks noChangeAspect="1"/>
+          </p:cNvPicPr>
+          <p:nvPr/>
+        </p:nvPicPr>
+        <p:blipFill>
+          <a:blip r:embed="rId4">
+            <a:extLst>
+              <a:ext uri="{28A0092B-C50C-407E-A947-70E740481C1C}">
+                <a14:useLocalDpi xmlns:a14="http://schemas.microsoft.com/office/drawing/2010/main" val="0"/>
+              </a:ext>
+            </a:extLst>
+          </a:blip>
+          <a:stretch>
+            <a:fillRect/>
+          </a:stretch>
+        </p:blipFill>
+        <p:spPr>
+          <a:xfrm>
+            <a:off x="8635210" y="1861784"/>
+            <a:ext cx="1905000" cy="1905000"/>
+          </a:xfrm>
+          <a:prstGeom prst="rect">
+            <a:avLst/>
+          </a:prstGeom>
+        </p:spPr>
+      </p:pic>
+    </p:spTree>
+    <p:extLst>
+      <p:ext uri="{BB962C8B-B14F-4D97-AF65-F5344CB8AC3E}">
+        <p14:creationId xmlns:p14="http://schemas.microsoft.com/office/powerpoint/2010/main" val="2149780848"/>
+      </p:ext>
+    </p:extLst>
+  </p:cSld>
+  <p:clrMapOvr>
+    <a:masterClrMapping/>
+  </p:clrMapOvr>
+</p:sld>
+</file>
+
+<file path=ppt/slides/slide12.xml><?xml version="1.0" encoding="utf-8"?>
+<p:sld xmlns:a="http://schemas.openxmlformats.org/drawingml/2006/main" xmlns:r="http://schemas.openxmlformats.org/officeDocument/2006/relationships" xmlns:p="http://schemas.openxmlformats.org/presentationml/2006/main">
+  <p:cSld>
+    <p:spTree>
+      <p:nvGrpSpPr>
+        <p:cNvPr id="1" name=""/>
+        <p:cNvGrpSpPr/>
+        <p:nvPr/>
+      </p:nvGrpSpPr>
+      <p:grpSpPr>
+        <a:xfrm>
+          <a:off x="0" y="0"/>
+          <a:ext cx="0" cy="0"/>
+          <a:chOff x="0" y="0"/>
+          <a:chExt cx="0" cy="0"/>
+        </a:xfrm>
+      </p:grpSpPr>
+      <p:sp>
+        <p:nvSpPr>
+          <p:cNvPr id="3" name="Textplatzhalter 2">
+            <a:extLst>
+              <a:ext uri="{FF2B5EF4-FFF2-40B4-BE49-F238E27FC236}">
                 <a16:creationId xmlns:a16="http://schemas.microsoft.com/office/drawing/2014/main" id="{57625549-4941-4E12-AA37-2C694939FB57}"/>
               </a:ext>
             </a:extLst>
@@ -4559,7 +4780,7 @@
 </p:sld>
 </file>
 
-<file path=ppt/slides/slide12.xml><?xml version="1.0" encoding="utf-8"?>
+<file path=ppt/slides/slide13.xml><?xml version="1.0" encoding="utf-8"?>
 <p:sld xmlns:a="http://schemas.openxmlformats.org/drawingml/2006/main" xmlns:r="http://schemas.openxmlformats.org/officeDocument/2006/relationships" xmlns:p="http://schemas.openxmlformats.org/presentationml/2006/main">
   <p:cSld>
     <p:spTree>
@@ -5788,7 +6009,7 @@
 </p:sld>
 </file>
 
-<file path=ppt/slides/slide13.xml><?xml version="1.0" encoding="utf-8"?>
+<file path=ppt/slides/slide14.xml><?xml version="1.0" encoding="utf-8"?>
 <p:sld xmlns:a="http://schemas.openxmlformats.org/drawingml/2006/main" xmlns:r="http://schemas.openxmlformats.org/officeDocument/2006/relationships" xmlns:p="http://schemas.openxmlformats.org/presentationml/2006/main">
   <p:cSld>
     <p:spTree>
@@ -6569,7 +6790,7 @@
 </p:sld>
 </file>
 
-<file path=ppt/slides/slide14.xml><?xml version="1.0" encoding="utf-8"?>
+<file path=ppt/slides/slide15.xml><?xml version="1.0" encoding="utf-8"?>
 <p:sld xmlns:a="http://schemas.openxmlformats.org/drawingml/2006/main" xmlns:r="http://schemas.openxmlformats.org/officeDocument/2006/relationships" xmlns:p="http://schemas.openxmlformats.org/presentationml/2006/main">
   <p:cSld>
     <p:spTree>
@@ -7934,320 +8155,6 @@
 </p:sld>
 </file>
 
-<file path=ppt/slides/slide15.xml><?xml version="1.0" encoding="utf-8"?>
-<p:sld xmlns:a="http://schemas.openxmlformats.org/drawingml/2006/main" xmlns:r="http://schemas.openxmlformats.org/officeDocument/2006/relationships" xmlns:p="http://schemas.openxmlformats.org/presentationml/2006/main">
-  <p:cSld>
-    <p:spTree>
-      <p:nvGrpSpPr>
-        <p:cNvPr id="1" name=""/>
-        <p:cNvGrpSpPr/>
-        <p:nvPr/>
-      </p:nvGrpSpPr>
-      <p:grpSpPr>
-        <a:xfrm>
-          <a:off x="0" y="0"/>
-          <a:ext cx="0" cy="0"/>
-          <a:chOff x="0" y="0"/>
-          <a:chExt cx="0" cy="0"/>
-        </a:xfrm>
-      </p:grpSpPr>
-      <p:sp>
-        <p:nvSpPr>
-          <p:cNvPr id="3" name="Textplatzhalter 2">
-            <a:extLst>
-              <a:ext uri="{FF2B5EF4-FFF2-40B4-BE49-F238E27FC236}">
-                <a16:creationId xmlns:a16="http://schemas.microsoft.com/office/drawing/2014/main" id="{57625549-4941-4E12-AA37-2C694939FB57}"/>
-              </a:ext>
-            </a:extLst>
-          </p:cNvPr>
-          <p:cNvSpPr>
-            <a:spLocks noGrp="1"/>
-          </p:cNvSpPr>
-          <p:nvPr>
-            <p:ph type="body" sz="quarter" idx="13"/>
-          </p:nvPr>
-        </p:nvSpPr>
-        <p:spPr/>
-        <p:txBody>
-          <a:bodyPr>
-            <a:normAutofit/>
-          </a:bodyPr>
-          <a:lstStyle/>
-          <a:p>
-            <a:r>
-              <a:rPr lang="en-US" sz="2400" dirty="0"/>
-              <a:t>Sending Events to Workflows</a:t>
-            </a:r>
-            <a:endParaRPr lang="de-DE" sz="2400" dirty="0"/>
-          </a:p>
-        </p:txBody>
-      </p:sp>
-      <p:cxnSp>
-        <p:nvCxnSpPr>
-          <p:cNvPr id="6" name="Gerader Verbinder 5">
-            <a:extLst>
-              <a:ext uri="{FF2B5EF4-FFF2-40B4-BE49-F238E27FC236}">
-                <a16:creationId xmlns:a16="http://schemas.microsoft.com/office/drawing/2014/main" id="{B230473C-6B74-4169-8062-6A758FE1F4AC}"/>
-              </a:ext>
-            </a:extLst>
-          </p:cNvPr>
-          <p:cNvCxnSpPr>
-            <a:cxnSpLocks/>
-          </p:cNvCxnSpPr>
-          <p:nvPr/>
-        </p:nvCxnSpPr>
-        <p:spPr>
-          <a:xfrm>
-            <a:off x="3343788" y="1278517"/>
-            <a:ext cx="0" cy="4214509"/>
-          </a:xfrm>
-          <a:prstGeom prst="line">
-            <a:avLst/>
-          </a:prstGeom>
-          <a:ln w="25400" cap="rnd">
-            <a:solidFill>
-              <a:srgbClr val="3F3658"/>
-            </a:solidFill>
-          </a:ln>
-        </p:spPr>
-        <p:style>
-          <a:lnRef idx="1">
-            <a:schemeClr val="accent1"/>
-          </a:lnRef>
-          <a:fillRef idx="0">
-            <a:schemeClr val="accent1"/>
-          </a:fillRef>
-          <a:effectRef idx="0">
-            <a:schemeClr val="accent1"/>
-          </a:effectRef>
-          <a:fontRef idx="minor">
-            <a:schemeClr val="tx1"/>
-          </a:fontRef>
-        </p:style>
-      </p:cxnSp>
-      <p:sp>
-        <p:nvSpPr>
-          <p:cNvPr id="9" name="Textfeld 8">
-            <a:extLst>
-              <a:ext uri="{FF2B5EF4-FFF2-40B4-BE49-F238E27FC236}">
-                <a16:creationId xmlns:a16="http://schemas.microsoft.com/office/drawing/2014/main" id="{2868B512-7AD0-41BB-B2FA-6D895090D1D0}"/>
-              </a:ext>
-            </a:extLst>
-          </p:cNvPr>
-          <p:cNvSpPr txBox="1"/>
-          <p:nvPr/>
-        </p:nvSpPr>
-        <p:spPr>
-          <a:xfrm>
-            <a:off x="3882895" y="2077720"/>
-            <a:ext cx="5955476" cy="2616101"/>
-          </a:xfrm>
-          <a:prstGeom prst="rect">
-            <a:avLst/>
-          </a:prstGeom>
-          <a:noFill/>
-        </p:spPr>
-        <p:txBody>
-          <a:bodyPr wrap="none" rtlCol="0">
-            <a:spAutoFit/>
-          </a:bodyPr>
-          <a:lstStyle/>
-          <a:p>
-            <a:r>
-              <a:rPr lang="en-US" sz="2000" b="1" dirty="0">
-                <a:solidFill>
-                  <a:srgbClr val="5A536D"/>
-                </a:solidFill>
-              </a:rPr>
-              <a:t>Send using the ‘</a:t>
-            </a:r>
-            <a:r>
-              <a:rPr lang="en-US" sz="2000" b="1" dirty="0" err="1">
-                <a:solidFill>
-                  <a:srgbClr val="5A536D"/>
-                </a:solidFill>
-              </a:rPr>
-              <a:t>raiseEvent</a:t>
-            </a:r>
-            <a:r>
-              <a:rPr lang="en-US" sz="2000" b="1" dirty="0">
-                <a:solidFill>
-                  <a:srgbClr val="5A536D"/>
-                </a:solidFill>
-              </a:rPr>
-              <a:t>’ API </a:t>
-            </a:r>
-          </a:p>
-          <a:p>
-            <a:pPr marL="742950" lvl="1" indent="-285750">
-              <a:buFont typeface="Symbol" panose="05050102010706020507" pitchFamily="18" charset="2"/>
-              <a:buChar char="-"/>
-            </a:pPr>
-            <a:r>
-              <a:rPr lang="en-US" dirty="0">
-                <a:solidFill>
-                  <a:srgbClr val="083232"/>
-                </a:solidFill>
-              </a:rPr>
-              <a:t>This endpoint includes a secret key </a:t>
-            </a:r>
-          </a:p>
-          <a:p>
-            <a:pPr marL="742950" lvl="1" indent="-285750">
-              <a:buFont typeface="Symbol" panose="05050102010706020507" pitchFamily="18" charset="2"/>
-              <a:buChar char="-"/>
-            </a:pPr>
-            <a:r>
-              <a:rPr lang="en-US" dirty="0">
-                <a:solidFill>
-                  <a:srgbClr val="083232"/>
-                </a:solidFill>
-              </a:rPr>
-              <a:t>You need the </a:t>
-            </a:r>
-            <a:r>
-              <a:rPr lang="en-US" dirty="0" err="1">
-                <a:solidFill>
-                  <a:srgbClr val="083232"/>
-                </a:solidFill>
-              </a:rPr>
-              <a:t>instanceId</a:t>
-            </a:r>
-            <a:r>
-              <a:rPr lang="en-US" dirty="0">
-                <a:solidFill>
-                  <a:srgbClr val="083232"/>
-                </a:solidFill>
-              </a:rPr>
-              <a:t> from the workflow</a:t>
-            </a:r>
-          </a:p>
-          <a:p>
-            <a:pPr marL="742950" lvl="1" indent="-285750">
-              <a:buFont typeface="Symbol" panose="05050102010706020507" pitchFamily="18" charset="2"/>
-              <a:buChar char="-"/>
-            </a:pPr>
-            <a:endParaRPr lang="en-US" dirty="0">
-              <a:solidFill>
-                <a:srgbClr val="083232"/>
-              </a:solidFill>
-            </a:endParaRPr>
-          </a:p>
-          <a:p>
-            <a:r>
-              <a:rPr lang="en-US" b="1" dirty="0">
-                <a:solidFill>
-                  <a:srgbClr val="083232"/>
-                </a:solidFill>
-              </a:rPr>
-              <a:t>Human interaction triggers a regular Azure Function</a:t>
-            </a:r>
-          </a:p>
-          <a:p>
-            <a:pPr marL="742950" lvl="1" indent="-285750">
-              <a:buFont typeface="Symbol" panose="05050102010706020507" pitchFamily="18" charset="2"/>
-              <a:buChar char="-"/>
-            </a:pPr>
-            <a:r>
-              <a:rPr lang="en-US" dirty="0">
-                <a:solidFill>
-                  <a:srgbClr val="083232"/>
-                </a:solidFill>
-              </a:rPr>
-              <a:t>HTTP Trigger</a:t>
-            </a:r>
-          </a:p>
-          <a:p>
-            <a:pPr marL="742950" lvl="1" indent="-285750">
-              <a:buFont typeface="Symbol" panose="05050102010706020507" pitchFamily="18" charset="2"/>
-              <a:buChar char="-"/>
-            </a:pPr>
-            <a:r>
-              <a:rPr lang="en-US" dirty="0">
-                <a:solidFill>
-                  <a:srgbClr val="083232"/>
-                </a:solidFill>
-              </a:rPr>
-              <a:t>Queue Trigger</a:t>
-            </a:r>
-          </a:p>
-          <a:p>
-            <a:pPr marL="742950" lvl="1" indent="-285750">
-              <a:buFont typeface="Symbol" panose="05050102010706020507" pitchFamily="18" charset="2"/>
-              <a:buChar char="-"/>
-            </a:pPr>
-            <a:endParaRPr lang="en-US" dirty="0">
-              <a:solidFill>
-                <a:srgbClr val="083232"/>
-              </a:solidFill>
-            </a:endParaRPr>
-          </a:p>
-          <a:p>
-            <a:r>
-              <a:rPr lang="de-DE" b="1" dirty="0" err="1">
-                <a:solidFill>
-                  <a:srgbClr val="083232"/>
-                </a:solidFill>
-              </a:rPr>
-              <a:t>DurableOrchestrationClient.RaiseEventAsync</a:t>
-            </a:r>
-            <a:endParaRPr lang="de-DE" b="1" dirty="0">
-              <a:solidFill>
-                <a:srgbClr val="083232"/>
-              </a:solidFill>
-            </a:endParaRPr>
-          </a:p>
-        </p:txBody>
-      </p:sp>
-      <p:pic>
-        <p:nvPicPr>
-          <p:cNvPr id="4" name="Grafik 3">
-            <a:extLst>
-              <a:ext uri="{FF2B5EF4-FFF2-40B4-BE49-F238E27FC236}">
-                <a16:creationId xmlns:a16="http://schemas.microsoft.com/office/drawing/2014/main" id="{3B9BCA43-9070-4A66-8297-17562E56C857}"/>
-              </a:ext>
-            </a:extLst>
-          </p:cNvPr>
-          <p:cNvPicPr>
-            <a:picLocks noChangeAspect="1"/>
-          </p:cNvPicPr>
-          <p:nvPr/>
-        </p:nvPicPr>
-        <p:blipFill>
-          <a:blip r:embed="rId2">
-            <a:extLst>
-              <a:ext uri="{28A0092B-C50C-407E-A947-70E740481C1C}">
-                <a14:useLocalDpi xmlns:a14="http://schemas.microsoft.com/office/drawing/2010/main" val="0"/>
-              </a:ext>
-            </a:extLst>
-          </a:blip>
-          <a:stretch>
-            <a:fillRect/>
-          </a:stretch>
-        </p:blipFill>
-        <p:spPr>
-          <a:xfrm>
-            <a:off x="841364" y="2476500"/>
-            <a:ext cx="1905000" cy="1905000"/>
-          </a:xfrm>
-          <a:prstGeom prst="rect">
-            <a:avLst/>
-          </a:prstGeom>
-        </p:spPr>
-      </p:pic>
-    </p:spTree>
-    <p:extLst>
-      <p:ext uri="{BB962C8B-B14F-4D97-AF65-F5344CB8AC3E}">
-        <p14:creationId xmlns:p14="http://schemas.microsoft.com/office/powerpoint/2010/main" val="3715767111"/>
-      </p:ext>
-    </p:extLst>
-  </p:cSld>
-  <p:clrMapOvr>
-    <a:masterClrMapping/>
-  </p:clrMapOvr>
-</p:sld>
-</file>
-
 <file path=ppt/slides/slide16.xml><?xml version="1.0" encoding="utf-8"?>
 <p:sld xmlns:a="http://schemas.openxmlformats.org/drawingml/2006/main" xmlns:r="http://schemas.openxmlformats.org/officeDocument/2006/relationships" xmlns:p="http://schemas.openxmlformats.org/presentationml/2006/main">
   <p:cSld>
@@ -8290,6 +8197,320 @@
           <a:p>
             <a:r>
               <a:rPr lang="en-US" sz="2400" dirty="0"/>
+              <a:t>Sending Events to Workflows</a:t>
+            </a:r>
+            <a:endParaRPr lang="de-DE" sz="2400" dirty="0"/>
+          </a:p>
+        </p:txBody>
+      </p:sp>
+      <p:cxnSp>
+        <p:nvCxnSpPr>
+          <p:cNvPr id="6" name="Gerader Verbinder 5">
+            <a:extLst>
+              <a:ext uri="{FF2B5EF4-FFF2-40B4-BE49-F238E27FC236}">
+                <a16:creationId xmlns:a16="http://schemas.microsoft.com/office/drawing/2014/main" id="{B230473C-6B74-4169-8062-6A758FE1F4AC}"/>
+              </a:ext>
+            </a:extLst>
+          </p:cNvPr>
+          <p:cNvCxnSpPr>
+            <a:cxnSpLocks/>
+          </p:cNvCxnSpPr>
+          <p:nvPr/>
+        </p:nvCxnSpPr>
+        <p:spPr>
+          <a:xfrm>
+            <a:off x="3343788" y="1278517"/>
+            <a:ext cx="0" cy="4214509"/>
+          </a:xfrm>
+          <a:prstGeom prst="line">
+            <a:avLst/>
+          </a:prstGeom>
+          <a:ln w="25400" cap="rnd">
+            <a:solidFill>
+              <a:srgbClr val="3F3658"/>
+            </a:solidFill>
+          </a:ln>
+        </p:spPr>
+        <p:style>
+          <a:lnRef idx="1">
+            <a:schemeClr val="accent1"/>
+          </a:lnRef>
+          <a:fillRef idx="0">
+            <a:schemeClr val="accent1"/>
+          </a:fillRef>
+          <a:effectRef idx="0">
+            <a:schemeClr val="accent1"/>
+          </a:effectRef>
+          <a:fontRef idx="minor">
+            <a:schemeClr val="tx1"/>
+          </a:fontRef>
+        </p:style>
+      </p:cxnSp>
+      <p:sp>
+        <p:nvSpPr>
+          <p:cNvPr id="9" name="Textfeld 8">
+            <a:extLst>
+              <a:ext uri="{FF2B5EF4-FFF2-40B4-BE49-F238E27FC236}">
+                <a16:creationId xmlns:a16="http://schemas.microsoft.com/office/drawing/2014/main" id="{2868B512-7AD0-41BB-B2FA-6D895090D1D0}"/>
+              </a:ext>
+            </a:extLst>
+          </p:cNvPr>
+          <p:cNvSpPr txBox="1"/>
+          <p:nvPr/>
+        </p:nvSpPr>
+        <p:spPr>
+          <a:xfrm>
+            <a:off x="3882895" y="2077720"/>
+            <a:ext cx="5955476" cy="2616101"/>
+          </a:xfrm>
+          <a:prstGeom prst="rect">
+            <a:avLst/>
+          </a:prstGeom>
+          <a:noFill/>
+        </p:spPr>
+        <p:txBody>
+          <a:bodyPr wrap="none" rtlCol="0">
+            <a:spAutoFit/>
+          </a:bodyPr>
+          <a:lstStyle/>
+          <a:p>
+            <a:r>
+              <a:rPr lang="en-US" sz="2000" b="1" dirty="0">
+                <a:solidFill>
+                  <a:srgbClr val="5A536D"/>
+                </a:solidFill>
+              </a:rPr>
+              <a:t>Send using the ‘</a:t>
+            </a:r>
+            <a:r>
+              <a:rPr lang="en-US" sz="2000" b="1" dirty="0" err="1">
+                <a:solidFill>
+                  <a:srgbClr val="5A536D"/>
+                </a:solidFill>
+              </a:rPr>
+              <a:t>raiseEvent</a:t>
+            </a:r>
+            <a:r>
+              <a:rPr lang="en-US" sz="2000" b="1" dirty="0">
+                <a:solidFill>
+                  <a:srgbClr val="5A536D"/>
+                </a:solidFill>
+              </a:rPr>
+              <a:t>’ API </a:t>
+            </a:r>
+          </a:p>
+          <a:p>
+            <a:pPr marL="742950" lvl="1" indent="-285750">
+              <a:buFont typeface="Symbol" panose="05050102010706020507" pitchFamily="18" charset="2"/>
+              <a:buChar char="-"/>
+            </a:pPr>
+            <a:r>
+              <a:rPr lang="en-US" dirty="0">
+                <a:solidFill>
+                  <a:srgbClr val="083232"/>
+                </a:solidFill>
+              </a:rPr>
+              <a:t>This endpoint includes a secret key </a:t>
+            </a:r>
+          </a:p>
+          <a:p>
+            <a:pPr marL="742950" lvl="1" indent="-285750">
+              <a:buFont typeface="Symbol" panose="05050102010706020507" pitchFamily="18" charset="2"/>
+              <a:buChar char="-"/>
+            </a:pPr>
+            <a:r>
+              <a:rPr lang="en-US" dirty="0">
+                <a:solidFill>
+                  <a:srgbClr val="083232"/>
+                </a:solidFill>
+              </a:rPr>
+              <a:t>You need the </a:t>
+            </a:r>
+            <a:r>
+              <a:rPr lang="en-US" dirty="0" err="1">
+                <a:solidFill>
+                  <a:srgbClr val="083232"/>
+                </a:solidFill>
+              </a:rPr>
+              <a:t>instanceId</a:t>
+            </a:r>
+            <a:r>
+              <a:rPr lang="en-US" dirty="0">
+                <a:solidFill>
+                  <a:srgbClr val="083232"/>
+                </a:solidFill>
+              </a:rPr>
+              <a:t> from the workflow</a:t>
+            </a:r>
+          </a:p>
+          <a:p>
+            <a:pPr marL="742950" lvl="1" indent="-285750">
+              <a:buFont typeface="Symbol" panose="05050102010706020507" pitchFamily="18" charset="2"/>
+              <a:buChar char="-"/>
+            </a:pPr>
+            <a:endParaRPr lang="en-US" dirty="0">
+              <a:solidFill>
+                <a:srgbClr val="083232"/>
+              </a:solidFill>
+            </a:endParaRPr>
+          </a:p>
+          <a:p>
+            <a:r>
+              <a:rPr lang="en-US" b="1" dirty="0">
+                <a:solidFill>
+                  <a:srgbClr val="083232"/>
+                </a:solidFill>
+              </a:rPr>
+              <a:t>Human interaction triggers a regular Azure Function</a:t>
+            </a:r>
+          </a:p>
+          <a:p>
+            <a:pPr marL="742950" lvl="1" indent="-285750">
+              <a:buFont typeface="Symbol" panose="05050102010706020507" pitchFamily="18" charset="2"/>
+              <a:buChar char="-"/>
+            </a:pPr>
+            <a:r>
+              <a:rPr lang="en-US" dirty="0">
+                <a:solidFill>
+                  <a:srgbClr val="083232"/>
+                </a:solidFill>
+              </a:rPr>
+              <a:t>HTTP Trigger</a:t>
+            </a:r>
+          </a:p>
+          <a:p>
+            <a:pPr marL="742950" lvl="1" indent="-285750">
+              <a:buFont typeface="Symbol" panose="05050102010706020507" pitchFamily="18" charset="2"/>
+              <a:buChar char="-"/>
+            </a:pPr>
+            <a:r>
+              <a:rPr lang="en-US" dirty="0">
+                <a:solidFill>
+                  <a:srgbClr val="083232"/>
+                </a:solidFill>
+              </a:rPr>
+              <a:t>Queue Trigger</a:t>
+            </a:r>
+          </a:p>
+          <a:p>
+            <a:pPr marL="742950" lvl="1" indent="-285750">
+              <a:buFont typeface="Symbol" panose="05050102010706020507" pitchFamily="18" charset="2"/>
+              <a:buChar char="-"/>
+            </a:pPr>
+            <a:endParaRPr lang="en-US" dirty="0">
+              <a:solidFill>
+                <a:srgbClr val="083232"/>
+              </a:solidFill>
+            </a:endParaRPr>
+          </a:p>
+          <a:p>
+            <a:r>
+              <a:rPr lang="de-DE" b="1" dirty="0" err="1">
+                <a:solidFill>
+                  <a:srgbClr val="083232"/>
+                </a:solidFill>
+              </a:rPr>
+              <a:t>DurableOrchestrationClient.RaiseEventAsync</a:t>
+            </a:r>
+            <a:endParaRPr lang="de-DE" b="1" dirty="0">
+              <a:solidFill>
+                <a:srgbClr val="083232"/>
+              </a:solidFill>
+            </a:endParaRPr>
+          </a:p>
+        </p:txBody>
+      </p:sp>
+      <p:pic>
+        <p:nvPicPr>
+          <p:cNvPr id="4" name="Grafik 3">
+            <a:extLst>
+              <a:ext uri="{FF2B5EF4-FFF2-40B4-BE49-F238E27FC236}">
+                <a16:creationId xmlns:a16="http://schemas.microsoft.com/office/drawing/2014/main" id="{3B9BCA43-9070-4A66-8297-17562E56C857}"/>
+              </a:ext>
+            </a:extLst>
+          </p:cNvPr>
+          <p:cNvPicPr>
+            <a:picLocks noChangeAspect="1"/>
+          </p:cNvPicPr>
+          <p:nvPr/>
+        </p:nvPicPr>
+        <p:blipFill>
+          <a:blip r:embed="rId2">
+            <a:extLst>
+              <a:ext uri="{28A0092B-C50C-407E-A947-70E740481C1C}">
+                <a14:useLocalDpi xmlns:a14="http://schemas.microsoft.com/office/drawing/2010/main" val="0"/>
+              </a:ext>
+            </a:extLst>
+          </a:blip>
+          <a:stretch>
+            <a:fillRect/>
+          </a:stretch>
+        </p:blipFill>
+        <p:spPr>
+          <a:xfrm>
+            <a:off x="841364" y="2476500"/>
+            <a:ext cx="1905000" cy="1905000"/>
+          </a:xfrm>
+          <a:prstGeom prst="rect">
+            <a:avLst/>
+          </a:prstGeom>
+        </p:spPr>
+      </p:pic>
+    </p:spTree>
+    <p:extLst>
+      <p:ext uri="{BB962C8B-B14F-4D97-AF65-F5344CB8AC3E}">
+        <p14:creationId xmlns:p14="http://schemas.microsoft.com/office/powerpoint/2010/main" val="3715767111"/>
+      </p:ext>
+    </p:extLst>
+  </p:cSld>
+  <p:clrMapOvr>
+    <a:masterClrMapping/>
+  </p:clrMapOvr>
+</p:sld>
+</file>
+
+<file path=ppt/slides/slide17.xml><?xml version="1.0" encoding="utf-8"?>
+<p:sld xmlns:a="http://schemas.openxmlformats.org/drawingml/2006/main" xmlns:r="http://schemas.openxmlformats.org/officeDocument/2006/relationships" xmlns:p="http://schemas.openxmlformats.org/presentationml/2006/main">
+  <p:cSld>
+    <p:spTree>
+      <p:nvGrpSpPr>
+        <p:cNvPr id="1" name=""/>
+        <p:cNvGrpSpPr/>
+        <p:nvPr/>
+      </p:nvGrpSpPr>
+      <p:grpSpPr>
+        <a:xfrm>
+          <a:off x="0" y="0"/>
+          <a:ext cx="0" cy="0"/>
+          <a:chOff x="0" y="0"/>
+          <a:chExt cx="0" cy="0"/>
+        </a:xfrm>
+      </p:grpSpPr>
+      <p:sp>
+        <p:nvSpPr>
+          <p:cNvPr id="3" name="Textplatzhalter 2">
+            <a:extLst>
+              <a:ext uri="{FF2B5EF4-FFF2-40B4-BE49-F238E27FC236}">
+                <a16:creationId xmlns:a16="http://schemas.microsoft.com/office/drawing/2014/main" id="{57625549-4941-4E12-AA37-2C694939FB57}"/>
+              </a:ext>
+            </a:extLst>
+          </p:cNvPr>
+          <p:cNvSpPr>
+            <a:spLocks noGrp="1"/>
+          </p:cNvSpPr>
+          <p:nvPr>
+            <p:ph type="body" sz="quarter" idx="13"/>
+          </p:nvPr>
+        </p:nvSpPr>
+        <p:spPr/>
+        <p:txBody>
+          <a:bodyPr>
+            <a:normAutofit/>
+          </a:bodyPr>
+          <a:lstStyle/>
+          <a:p>
+            <a:r>
+              <a:rPr lang="en-US" sz="2400" dirty="0"/>
               <a:t>Demo: Simple Durable Functions Workflow</a:t>
             </a:r>
             <a:endParaRPr lang="de-DE" sz="2400" dirty="0"/>
@@ -8452,7 +8673,7 @@
 </p:sld>
 </file>
 
-<file path=ppt/slides/slide17.xml><?xml version="1.0" encoding="utf-8"?>
+<file path=ppt/slides/slide18.xml><?xml version="1.0" encoding="utf-8"?>
 <p:sld xmlns:a="http://schemas.openxmlformats.org/drawingml/2006/main" xmlns:r="http://schemas.openxmlformats.org/officeDocument/2006/relationships" xmlns:p="http://schemas.openxmlformats.org/presentationml/2006/main">
   <p:cSld>
     <p:spTree>
@@ -9809,310 +10030,6 @@
 </p:sld>
 </file>
 
-<file path=ppt/slides/slide18.xml><?xml version="1.0" encoding="utf-8"?>
-<p:sld xmlns:a="http://schemas.openxmlformats.org/drawingml/2006/main" xmlns:r="http://schemas.openxmlformats.org/officeDocument/2006/relationships" xmlns:p="http://schemas.openxmlformats.org/presentationml/2006/main">
-  <p:cSld>
-    <p:spTree>
-      <p:nvGrpSpPr>
-        <p:cNvPr id="1" name=""/>
-        <p:cNvGrpSpPr/>
-        <p:nvPr/>
-      </p:nvGrpSpPr>
-      <p:grpSpPr>
-        <a:xfrm>
-          <a:off x="0" y="0"/>
-          <a:ext cx="0" cy="0"/>
-          <a:chOff x="0" y="0"/>
-          <a:chExt cx="0" cy="0"/>
-        </a:xfrm>
-      </p:grpSpPr>
-      <p:sp>
-        <p:nvSpPr>
-          <p:cNvPr id="3" name="Textplatzhalter 2">
-            <a:extLst>
-              <a:ext uri="{FF2B5EF4-FFF2-40B4-BE49-F238E27FC236}">
-                <a16:creationId xmlns:a16="http://schemas.microsoft.com/office/drawing/2014/main" id="{57625549-4941-4E12-AA37-2C694939FB57}"/>
-              </a:ext>
-            </a:extLst>
-          </p:cNvPr>
-          <p:cNvSpPr>
-            <a:spLocks noGrp="1"/>
-          </p:cNvSpPr>
-          <p:nvPr>
-            <p:ph type="body" sz="quarter" idx="13"/>
-          </p:nvPr>
-        </p:nvSpPr>
-        <p:spPr/>
-        <p:txBody>
-          <a:bodyPr>
-            <a:normAutofit/>
-          </a:bodyPr>
-          <a:lstStyle/>
-          <a:p>
-            <a:r>
-              <a:rPr lang="en-US" sz="2400" dirty="0"/>
-              <a:t>Durable Functions State Storage</a:t>
-            </a:r>
-            <a:endParaRPr lang="de-DE" sz="2400" dirty="0"/>
-          </a:p>
-        </p:txBody>
-      </p:sp>
-      <p:cxnSp>
-        <p:nvCxnSpPr>
-          <p:cNvPr id="6" name="Gerader Verbinder 5">
-            <a:extLst>
-              <a:ext uri="{FF2B5EF4-FFF2-40B4-BE49-F238E27FC236}">
-                <a16:creationId xmlns:a16="http://schemas.microsoft.com/office/drawing/2014/main" id="{7EFA8ABD-5F72-4B46-BE3A-27B92D0D2871}"/>
-              </a:ext>
-            </a:extLst>
-          </p:cNvPr>
-          <p:cNvCxnSpPr>
-            <a:cxnSpLocks/>
-          </p:cNvCxnSpPr>
-          <p:nvPr/>
-        </p:nvCxnSpPr>
-        <p:spPr>
-          <a:xfrm>
-            <a:off x="3343788" y="1278517"/>
-            <a:ext cx="0" cy="4585570"/>
-          </a:xfrm>
-          <a:prstGeom prst="line">
-            <a:avLst/>
-          </a:prstGeom>
-          <a:ln w="25400" cap="rnd">
-            <a:solidFill>
-              <a:srgbClr val="3F3658"/>
-            </a:solidFill>
-          </a:ln>
-        </p:spPr>
-        <p:style>
-          <a:lnRef idx="1">
-            <a:schemeClr val="accent1"/>
-          </a:lnRef>
-          <a:fillRef idx="0">
-            <a:schemeClr val="accent1"/>
-          </a:fillRef>
-          <a:effectRef idx="0">
-            <a:schemeClr val="accent1"/>
-          </a:effectRef>
-          <a:fontRef idx="minor">
-            <a:schemeClr val="tx1"/>
-          </a:fontRef>
-        </p:style>
-      </p:cxnSp>
-      <p:sp>
-        <p:nvSpPr>
-          <p:cNvPr id="7" name="Textfeld 6">
-            <a:extLst>
-              <a:ext uri="{FF2B5EF4-FFF2-40B4-BE49-F238E27FC236}">
-                <a16:creationId xmlns:a16="http://schemas.microsoft.com/office/drawing/2014/main" id="{3E5CCA95-BF7A-46E4-9279-89F179D25AE6}"/>
-              </a:ext>
-            </a:extLst>
-          </p:cNvPr>
-          <p:cNvSpPr txBox="1"/>
-          <p:nvPr/>
-        </p:nvSpPr>
-        <p:spPr>
-          <a:xfrm>
-            <a:off x="3882895" y="1678476"/>
-            <a:ext cx="5673348" cy="3785652"/>
-          </a:xfrm>
-          <a:prstGeom prst="rect">
-            <a:avLst/>
-          </a:prstGeom>
-          <a:noFill/>
-        </p:spPr>
-        <p:txBody>
-          <a:bodyPr wrap="none" rtlCol="0">
-            <a:spAutoFit/>
-          </a:bodyPr>
-          <a:lstStyle/>
-          <a:p>
-            <a:r>
-              <a:rPr lang="en-US" sz="2000" b="1" dirty="0">
-                <a:solidFill>
-                  <a:srgbClr val="5A536D"/>
-                </a:solidFill>
-              </a:rPr>
-              <a:t>Durable Functions uses Azure Storage</a:t>
-            </a:r>
-          </a:p>
-          <a:p>
-            <a:endParaRPr lang="en-US" sz="2000" b="1" dirty="0">
-              <a:solidFill>
-                <a:srgbClr val="5A536D"/>
-              </a:solidFill>
-            </a:endParaRPr>
-          </a:p>
-          <a:p>
-            <a:r>
-              <a:rPr lang="en-US" sz="2000" b="1" dirty="0">
-                <a:solidFill>
-                  <a:srgbClr val="5A536D"/>
-                </a:solidFill>
-              </a:rPr>
-              <a:t>Storage Queues</a:t>
-            </a:r>
-          </a:p>
-          <a:p>
-            <a:pPr marL="800100" lvl="1" indent="-342900">
-              <a:buFont typeface="Symbol" panose="05050102010706020507" pitchFamily="18" charset="2"/>
-              <a:buChar char="-"/>
-            </a:pPr>
-            <a:r>
-              <a:rPr lang="en-US" sz="2000" dirty="0">
-                <a:solidFill>
-                  <a:srgbClr val="5A536D"/>
-                </a:solidFill>
-              </a:rPr>
-              <a:t>Messages to trigger the next function</a:t>
-            </a:r>
-          </a:p>
-          <a:p>
-            <a:endParaRPr lang="en-US" sz="2000" b="1" dirty="0">
-              <a:solidFill>
-                <a:srgbClr val="5A536D"/>
-              </a:solidFill>
-            </a:endParaRPr>
-          </a:p>
-          <a:p>
-            <a:r>
-              <a:rPr lang="en-US" sz="2000" b="1" dirty="0">
-                <a:solidFill>
-                  <a:srgbClr val="5A536D"/>
-                </a:solidFill>
-              </a:rPr>
-              <a:t>Storage Tables</a:t>
-            </a:r>
-          </a:p>
-          <a:p>
-            <a:pPr marL="800100" lvl="1" indent="-342900">
-              <a:buFont typeface="Symbol" panose="05050102010706020507" pitchFamily="18" charset="2"/>
-              <a:buChar char="-"/>
-            </a:pPr>
-            <a:r>
-              <a:rPr lang="en-US" sz="2000" dirty="0">
-                <a:solidFill>
-                  <a:srgbClr val="5A536D"/>
-                </a:solidFill>
-              </a:rPr>
-              <a:t>Store state of orchestrations</a:t>
-            </a:r>
-          </a:p>
-          <a:p>
-            <a:pPr marL="800100" lvl="1" indent="-342900">
-              <a:buFont typeface="Symbol" panose="05050102010706020507" pitchFamily="18" charset="2"/>
-              <a:buChar char="-"/>
-            </a:pPr>
-            <a:endParaRPr lang="en-US" sz="2000" dirty="0">
-              <a:solidFill>
-                <a:srgbClr val="5A536D"/>
-              </a:solidFill>
-            </a:endParaRPr>
-          </a:p>
-          <a:p>
-            <a:r>
-              <a:rPr lang="en-US" sz="2000" b="1" dirty="0">
-                <a:solidFill>
-                  <a:srgbClr val="5A536D"/>
-                </a:solidFill>
-              </a:rPr>
-              <a:t>Task Hub</a:t>
-            </a:r>
-          </a:p>
-          <a:p>
-            <a:pPr marL="800100" lvl="1" indent="-342900">
-              <a:buFont typeface="Symbol" panose="05050102010706020507" pitchFamily="18" charset="2"/>
-              <a:buChar char="-"/>
-            </a:pPr>
-            <a:r>
-              <a:rPr lang="en-US" sz="2000" dirty="0">
-                <a:solidFill>
-                  <a:srgbClr val="5A536D"/>
-                </a:solidFill>
-              </a:rPr>
-              <a:t>The storage used by Durable Functions</a:t>
-            </a:r>
-          </a:p>
-          <a:p>
-            <a:pPr marL="800100" lvl="1" indent="-342900">
-              <a:buFont typeface="Symbol" panose="05050102010706020507" pitchFamily="18" charset="2"/>
-              <a:buChar char="-"/>
-            </a:pPr>
-            <a:r>
-              <a:rPr lang="en-US" sz="2000" dirty="0">
-                <a:solidFill>
-                  <a:srgbClr val="5A536D"/>
-                </a:solidFill>
-              </a:rPr>
-              <a:t>You can use multiple task hubs</a:t>
-            </a:r>
-          </a:p>
-          <a:p>
-            <a:pPr marL="800100" lvl="1" indent="-342900">
-              <a:buFont typeface="Symbol" panose="05050102010706020507" pitchFamily="18" charset="2"/>
-              <a:buChar char="-"/>
-            </a:pPr>
-            <a:r>
-              <a:rPr lang="en-US" sz="2000" dirty="0">
-                <a:solidFill>
-                  <a:srgbClr val="5A536D"/>
-                </a:solidFill>
-              </a:rPr>
-              <a:t>They can share a storage account</a:t>
-            </a:r>
-          </a:p>
-        </p:txBody>
-      </p:sp>
-      <p:pic>
-        <p:nvPicPr>
-          <p:cNvPr id="9" name="Grafik 8">
-            <a:extLst>
-              <a:ext uri="{FF2B5EF4-FFF2-40B4-BE49-F238E27FC236}">
-                <a16:creationId xmlns:a16="http://schemas.microsoft.com/office/drawing/2014/main" id="{EBC0C6E5-A148-40A3-B8F2-DE5286CA8540}"/>
-              </a:ext>
-            </a:extLst>
-          </p:cNvPr>
-          <p:cNvPicPr>
-            <a:picLocks noChangeAspect="1"/>
-          </p:cNvPicPr>
-          <p:nvPr/>
-        </p:nvPicPr>
-        <p:blipFill>
-          <a:blip r:embed="rId2">
-            <a:extLst>
-              <a:ext uri="{28A0092B-C50C-407E-A947-70E740481C1C}">
-                <a14:useLocalDpi xmlns:a14="http://schemas.microsoft.com/office/drawing/2010/main" val="0"/>
-              </a:ext>
-            </a:extLst>
-          </a:blip>
-          <a:stretch>
-            <a:fillRect/>
-          </a:stretch>
-        </p:blipFill>
-        <p:spPr>
-          <a:xfrm>
-            <a:off x="838201" y="2476500"/>
-            <a:ext cx="1905000" cy="1905000"/>
-          </a:xfrm>
-          <a:prstGeom prst="rect">
-            <a:avLst/>
-          </a:prstGeom>
-        </p:spPr>
-      </p:pic>
-    </p:spTree>
-    <p:extLst>
-      <p:ext uri="{BB962C8B-B14F-4D97-AF65-F5344CB8AC3E}">
-        <p14:creationId xmlns:p14="http://schemas.microsoft.com/office/powerpoint/2010/main" val="127222616"/>
-      </p:ext>
-    </p:extLst>
-  </p:cSld>
-  <p:clrMapOvr>
-    <a:masterClrMapping/>
-  </p:clrMapOvr>
-</p:sld>
-</file>
-
 <file path=ppt/slides/slide19.xml><?xml version="1.0" encoding="utf-8"?>
 <p:sld xmlns:a="http://schemas.openxmlformats.org/drawingml/2006/main" xmlns:r="http://schemas.openxmlformats.org/officeDocument/2006/relationships" xmlns:p="http://schemas.openxmlformats.org/presentationml/2006/main">
   <p:cSld>
@@ -10155,7 +10072,7 @@
           <a:p>
             <a:r>
               <a:rPr lang="en-US" sz="2400" dirty="0"/>
-              <a:t>Orchestrator Function Rules</a:t>
+              <a:t>Durable Functions State Storage</a:t>
             </a:r>
             <a:endParaRPr lang="de-DE" sz="2400" dirty="0"/>
           </a:p>
@@ -10218,8 +10135,8 @@
         </p:nvSpPr>
         <p:spPr>
           <a:xfrm>
-            <a:off x="3882895" y="1690062"/>
-            <a:ext cx="6686446" cy="3477875"/>
+            <a:off x="3882895" y="1678476"/>
+            <a:ext cx="5673348" cy="3785652"/>
           </a:xfrm>
           <a:prstGeom prst="rect">
             <a:avLst/>
@@ -10238,10 +10155,76 @@
                   <a:srgbClr val="5A536D"/>
                 </a:solidFill>
               </a:rPr>
-              <a:t>The whole function will be “replayed</a:t>
-            </a:r>
-          </a:p>
-          <a:p>
+              <a:t>Durable Functions uses Azure Storage</a:t>
+            </a:r>
+          </a:p>
+          <a:p>
+            <a:endParaRPr lang="en-US" sz="2000" b="1" dirty="0">
+              <a:solidFill>
+                <a:srgbClr val="5A536D"/>
+              </a:solidFill>
+            </a:endParaRPr>
+          </a:p>
+          <a:p>
+            <a:r>
+              <a:rPr lang="en-US" sz="2000" b="1" dirty="0">
+                <a:solidFill>
+                  <a:srgbClr val="5A536D"/>
+                </a:solidFill>
+              </a:rPr>
+              <a:t>Storage Queues</a:t>
+            </a:r>
+          </a:p>
+          <a:p>
+            <a:pPr marL="800100" lvl="1" indent="-342900">
+              <a:buFont typeface="Symbol" panose="05050102010706020507" pitchFamily="18" charset="2"/>
+              <a:buChar char="-"/>
+            </a:pPr>
+            <a:r>
+              <a:rPr lang="en-US" sz="2000" dirty="0">
+                <a:solidFill>
+                  <a:srgbClr val="5A536D"/>
+                </a:solidFill>
+              </a:rPr>
+              <a:t>Messages to trigger the next function</a:t>
+            </a:r>
+          </a:p>
+          <a:p>
+            <a:endParaRPr lang="en-US" sz="2000" b="1" dirty="0">
+              <a:solidFill>
+                <a:srgbClr val="5A536D"/>
+              </a:solidFill>
+            </a:endParaRPr>
+          </a:p>
+          <a:p>
+            <a:r>
+              <a:rPr lang="en-US" sz="2000" b="1" dirty="0">
+                <a:solidFill>
+                  <a:srgbClr val="5A536D"/>
+                </a:solidFill>
+              </a:rPr>
+              <a:t>Storage Tables</a:t>
+            </a:r>
+          </a:p>
+          <a:p>
+            <a:pPr marL="800100" lvl="1" indent="-342900">
+              <a:buFont typeface="Symbol" panose="05050102010706020507" pitchFamily="18" charset="2"/>
+              <a:buChar char="-"/>
+            </a:pPr>
+            <a:r>
+              <a:rPr lang="en-US" sz="2000" dirty="0">
+                <a:solidFill>
+                  <a:srgbClr val="5A536D"/>
+                </a:solidFill>
+              </a:rPr>
+              <a:t>Store state of orchestrations</a:t>
+            </a:r>
+          </a:p>
+          <a:p>
+            <a:pPr marL="800100" lvl="1" indent="-342900">
+              <a:buFont typeface="Symbol" panose="05050102010706020507" pitchFamily="18" charset="2"/>
+              <a:buChar char="-"/>
+            </a:pPr>
             <a:endParaRPr lang="en-US" sz="2000" dirty="0">
               <a:solidFill>
                 <a:srgbClr val="5A536D"/>
@@ -10255,7 +10238,7 @@
                   <a:srgbClr val="5A536D"/>
                 </a:solidFill>
               </a:rPr>
-              <a:t>Don´t</a:t>
+              <a:t>Task Hub</a:t>
             </a:r>
           </a:p>
           <a:p>
@@ -10269,7 +10252,7 @@
                   <a:srgbClr val="5A536D"/>
                 </a:solidFill>
               </a:rPr>
-              <a:t>No I/O to disk or network </a:t>
+              <a:t>The storage used by Durable Functions</a:t>
             </a:r>
           </a:p>
           <a:p>
@@ -10283,21 +10266,8 @@
                   <a:srgbClr val="5A536D"/>
                 </a:solidFill>
               </a:rPr>
-              <a:t>No </a:t>
-            </a:r>
-            <a:r>
-              <a:rPr lang="en-US" sz="2000" dirty="0" err="1">
-                <a:solidFill>
-                  <a:srgbClr val="5A536D"/>
-                </a:solidFill>
-              </a:rPr>
-              <a:t>Thread.Sleep</a:t>
-            </a:r>
-            <a:endParaRPr lang="en-US" sz="2000" dirty="0">
-              <a:solidFill>
-                <a:srgbClr val="5A536D"/>
-              </a:solidFill>
-            </a:endParaRPr>
+              <a:t>You can use multiple task hubs</a:t>
+            </a:r>
           </a:p>
           <a:p>
             <a:pPr marL="800100" lvl="1" indent="-342900">
@@ -10310,156 +10280,17 @@
                   <a:srgbClr val="5A536D"/>
                 </a:solidFill>
               </a:rPr>
-              <a:t>Generate random numbers or </a:t>
-            </a:r>
-            <a:r>
-              <a:rPr lang="en-US" sz="2000" dirty="0" err="1">
-                <a:solidFill>
-                  <a:srgbClr val="5A536D"/>
-                </a:solidFill>
-              </a:rPr>
-              <a:t>Guids</a:t>
-            </a:r>
-            <a:r>
-              <a:rPr lang="en-US" sz="2000" dirty="0">
-                <a:solidFill>
-                  <a:srgbClr val="5A536D"/>
-                </a:solidFill>
-              </a:rPr>
-              <a:t> </a:t>
-            </a:r>
-          </a:p>
-          <a:p>
-            <a:pPr marL="800100" lvl="1" indent="-342900">
-              <a:buFont typeface="Symbol" panose="05050102010706020507" pitchFamily="18" charset="2"/>
-              <a:buChar char="-"/>
-            </a:pPr>
-            <a:r>
-              <a:rPr lang="en-US" sz="2000" dirty="0">
-                <a:solidFill>
-                  <a:srgbClr val="5A536D"/>
-                </a:solidFill>
-              </a:rPr>
-              <a:t>Access data stores </a:t>
-            </a:r>
-          </a:p>
-          <a:p>
-            <a:endParaRPr lang="en-US" sz="2000" b="1" dirty="0">
-              <a:solidFill>
-                <a:srgbClr val="5A536D"/>
-              </a:solidFill>
-            </a:endParaRPr>
-          </a:p>
-          <a:p>
-            <a:r>
-              <a:rPr lang="en-US" sz="2000" b="1" dirty="0">
-                <a:solidFill>
-                  <a:srgbClr val="5A536D"/>
-                </a:solidFill>
-              </a:rPr>
-              <a:t>Do not initiate async operations </a:t>
-            </a:r>
-          </a:p>
-          <a:p>
-            <a:pPr marL="800100" lvl="1" indent="-342900">
-              <a:buFont typeface="Symbol" panose="05050102010706020507" pitchFamily="18" charset="2"/>
-              <a:buChar char="-"/>
-            </a:pPr>
-            <a:r>
-              <a:rPr lang="en-US" sz="2000" dirty="0">
-                <a:solidFill>
-                  <a:srgbClr val="5A536D"/>
-                </a:solidFill>
-              </a:rPr>
-              <a:t>Except on </a:t>
-            </a:r>
-            <a:r>
-              <a:rPr lang="en-US" sz="2000" dirty="0" err="1">
-                <a:solidFill>
-                  <a:srgbClr val="5A536D"/>
-                </a:solidFill>
-              </a:rPr>
-              <a:t>DurableOrchestrationContext</a:t>
-            </a:r>
-            <a:r>
-              <a:rPr lang="en-US" sz="2000" dirty="0">
-                <a:solidFill>
-                  <a:srgbClr val="5A536D"/>
-                </a:solidFill>
-              </a:rPr>
-              <a:t> API</a:t>
-            </a:r>
-          </a:p>
-          <a:p>
-            <a:pPr marL="800100" lvl="1" indent="-342900">
-              <a:buFont typeface="Symbol" panose="05050102010706020507" pitchFamily="18" charset="2"/>
-              <a:buChar char="-"/>
-            </a:pPr>
-            <a:r>
-              <a:rPr lang="en-US" sz="2000" dirty="0">
-                <a:solidFill>
-                  <a:srgbClr val="5A536D"/>
-                </a:solidFill>
-              </a:rPr>
-              <a:t>No </a:t>
-            </a:r>
-            <a:r>
-              <a:rPr lang="en-US" sz="2000" dirty="0" err="1">
-                <a:solidFill>
-                  <a:srgbClr val="5A536D"/>
-                </a:solidFill>
-              </a:rPr>
-              <a:t>Task.Run</a:t>
-            </a:r>
-            <a:r>
-              <a:rPr lang="en-US" sz="2000" dirty="0">
-                <a:solidFill>
-                  <a:srgbClr val="5A536D"/>
-                </a:solidFill>
-              </a:rPr>
-              <a:t>, </a:t>
-            </a:r>
-            <a:r>
-              <a:rPr lang="en-US" sz="2000" dirty="0" err="1">
-                <a:solidFill>
-                  <a:srgbClr val="5A536D"/>
-                </a:solidFill>
-              </a:rPr>
-              <a:t>Task.Delay</a:t>
-            </a:r>
-            <a:r>
-              <a:rPr lang="en-US" sz="2000" dirty="0">
-                <a:solidFill>
-                  <a:srgbClr val="5A536D"/>
-                </a:solidFill>
-              </a:rPr>
-              <a:t>, </a:t>
-            </a:r>
-            <a:r>
-              <a:rPr lang="en-US" sz="2000" dirty="0" err="1">
-                <a:solidFill>
-                  <a:srgbClr val="5A536D"/>
-                </a:solidFill>
-              </a:rPr>
-              <a:t>HttpClient.SendAsync</a:t>
-            </a:r>
-            <a:r>
-              <a:rPr lang="en-US" sz="2000" dirty="0">
-                <a:solidFill>
-                  <a:srgbClr val="5A536D"/>
-                </a:solidFill>
-              </a:rPr>
-              <a:t> </a:t>
+              <a:t>They can share a storage account</a:t>
             </a:r>
           </a:p>
         </p:txBody>
       </p:sp>
       <p:pic>
         <p:nvPicPr>
-          <p:cNvPr id="4" name="Grafik 3">
-            <a:extLst>
-              <a:ext uri="{FF2B5EF4-FFF2-40B4-BE49-F238E27FC236}">
-                <a16:creationId xmlns:a16="http://schemas.microsoft.com/office/drawing/2014/main" id="{86E391B0-3209-4765-AF2B-2E10169E2F85}"/>
+          <p:cNvPr id="9" name="Grafik 8">
+            <a:extLst>
+              <a:ext uri="{FF2B5EF4-FFF2-40B4-BE49-F238E27FC236}">
+                <a16:creationId xmlns:a16="http://schemas.microsoft.com/office/drawing/2014/main" id="{EBC0C6E5-A148-40A3-B8F2-DE5286CA8540}"/>
               </a:ext>
             </a:extLst>
           </p:cNvPr>
@@ -10493,7 +10324,7 @@
     </p:spTree>
     <p:extLst>
       <p:ext uri="{BB962C8B-B14F-4D97-AF65-F5344CB8AC3E}">
-        <p14:creationId xmlns:p14="http://schemas.microsoft.com/office/powerpoint/2010/main" val="1646258538"/>
+        <p14:creationId xmlns:p14="http://schemas.microsoft.com/office/powerpoint/2010/main" val="127222616"/>
       </p:ext>
     </p:extLst>
   </p:cSld>
@@ -11618,7 +11449,7 @@
           <a:p>
             <a:r>
               <a:rPr lang="en-US" sz="2400" dirty="0"/>
-              <a:t>Logging in Orchestrator Functions</a:t>
+              <a:t>Orchestrator Function Rules</a:t>
             </a:r>
             <a:endParaRPr lang="de-DE" sz="2400" dirty="0"/>
           </a:p>
@@ -11681,8 +11512,8 @@
         </p:nvSpPr>
         <p:spPr>
           <a:xfrm>
-            <a:off x="3889521" y="2200271"/>
-            <a:ext cx="7212231" cy="1631216"/>
+            <a:off x="3882895" y="1690062"/>
+            <a:ext cx="6686446" cy="3477875"/>
           </a:xfrm>
           <a:prstGeom prst="rect">
             <a:avLst/>
@@ -11701,16 +11532,112 @@
                   <a:srgbClr val="5A536D"/>
                 </a:solidFill>
               </a:rPr>
-              <a:t>Use the built-in </a:t>
-            </a:r>
-            <a:r>
-              <a:rPr lang="en-US" sz="2000" b="1" dirty="0" err="1">
+              <a:t>The whole function will be “replayed</a:t>
+            </a:r>
+          </a:p>
+          <a:p>
+            <a:endParaRPr lang="en-US" sz="2000" dirty="0">
+              <a:solidFill>
+                <a:srgbClr val="5A536D"/>
+              </a:solidFill>
+            </a:endParaRPr>
+          </a:p>
+          <a:p>
+            <a:r>
+              <a:rPr lang="en-US" sz="2000" b="1" dirty="0">
                 <a:solidFill>
                   <a:srgbClr val="5A536D"/>
                 </a:solidFill>
               </a:rPr>
-              <a:t>TraceWriter</a:t>
-            </a:r>
+              <a:t>Don´t</a:t>
+            </a:r>
+          </a:p>
+          <a:p>
+            <a:pPr marL="800100" lvl="1" indent="-342900">
+              <a:buFont typeface="Symbol" panose="05050102010706020507" pitchFamily="18" charset="2"/>
+              <a:buChar char="-"/>
+            </a:pPr>
+            <a:r>
+              <a:rPr lang="en-US" sz="2000" dirty="0">
+                <a:solidFill>
+                  <a:srgbClr val="5A536D"/>
+                </a:solidFill>
+              </a:rPr>
+              <a:t>No I/O to disk or network </a:t>
+            </a:r>
+          </a:p>
+          <a:p>
+            <a:pPr marL="800100" lvl="1" indent="-342900">
+              <a:buFont typeface="Symbol" panose="05050102010706020507" pitchFamily="18" charset="2"/>
+              <a:buChar char="-"/>
+            </a:pPr>
+            <a:r>
+              <a:rPr lang="en-US" sz="2000" dirty="0">
+                <a:solidFill>
+                  <a:srgbClr val="5A536D"/>
+                </a:solidFill>
+              </a:rPr>
+              <a:t>No </a:t>
+            </a:r>
+            <a:r>
+              <a:rPr lang="en-US" sz="2000" dirty="0" err="1">
+                <a:solidFill>
+                  <a:srgbClr val="5A536D"/>
+                </a:solidFill>
+              </a:rPr>
+              <a:t>Thread.Sleep</a:t>
+            </a:r>
+            <a:endParaRPr lang="en-US" sz="2000" dirty="0">
+              <a:solidFill>
+                <a:srgbClr val="5A536D"/>
+              </a:solidFill>
+            </a:endParaRPr>
+          </a:p>
+          <a:p>
+            <a:pPr marL="800100" lvl="1" indent="-342900">
+              <a:buFont typeface="Symbol" panose="05050102010706020507" pitchFamily="18" charset="2"/>
+              <a:buChar char="-"/>
+            </a:pPr>
+            <a:r>
+              <a:rPr lang="en-US" sz="2000" dirty="0">
+                <a:solidFill>
+                  <a:srgbClr val="5A536D"/>
+                </a:solidFill>
+              </a:rPr>
+              <a:t>Generate random numbers or </a:t>
+            </a:r>
+            <a:r>
+              <a:rPr lang="en-US" sz="2000" dirty="0" err="1">
+                <a:solidFill>
+                  <a:srgbClr val="5A536D"/>
+                </a:solidFill>
+              </a:rPr>
+              <a:t>Guids</a:t>
+            </a:r>
+            <a:r>
+              <a:rPr lang="en-US" sz="2000" dirty="0">
+                <a:solidFill>
+                  <a:srgbClr val="5A536D"/>
+                </a:solidFill>
+              </a:rPr>
+              <a:t> </a:t>
+            </a:r>
+          </a:p>
+          <a:p>
+            <a:pPr marL="800100" lvl="1" indent="-342900">
+              <a:buFont typeface="Symbol" panose="05050102010706020507" pitchFamily="18" charset="2"/>
+              <a:buChar char="-"/>
+            </a:pPr>
+            <a:r>
+              <a:rPr lang="en-US" sz="2000" dirty="0">
+                <a:solidFill>
+                  <a:srgbClr val="5A536D"/>
+                </a:solidFill>
+              </a:rPr>
+              <a:t>Access data stores </a:t>
+            </a:r>
+          </a:p>
+          <a:p>
             <a:endParaRPr lang="en-US" sz="2000" b="1" dirty="0">
               <a:solidFill>
                 <a:srgbClr val="5A536D"/>
@@ -11718,20 +11645,13 @@
             </a:endParaRPr>
           </a:p>
           <a:p>
-            <a:endParaRPr lang="en-US" sz="2000" b="1" dirty="0">
-              <a:solidFill>
-                <a:srgbClr val="5A536D"/>
-              </a:solidFill>
-            </a:endParaRPr>
-          </a:p>
-          <a:p>
             <a:r>
               <a:rPr lang="en-US" sz="2000" b="1" dirty="0">
                 <a:solidFill>
                   <a:srgbClr val="5A536D"/>
                 </a:solidFill>
               </a:rPr>
-              <a:t>Log messages get written on every replay </a:t>
+              <a:t>Do not initiate async operations </a:t>
             </a:r>
           </a:p>
           <a:p>
@@ -11745,7 +11665,7 @@
                   <a:srgbClr val="5A536D"/>
                 </a:solidFill>
               </a:rPr>
-              <a:t>Avoid with </a:t>
+              <a:t>Except on </a:t>
             </a:r>
             <a:r>
               <a:rPr lang="en-US" sz="2000" dirty="0" err="1">
@@ -11753,37 +11673,87 @@
                   <a:srgbClr val="5A536D"/>
                 </a:solidFill>
               </a:rPr>
-              <a:t>DurableOrchestrationContext.IsReplaying</a:t>
-            </a:r>
-            <a:endParaRPr lang="en-US" sz="2000" dirty="0">
-              <a:solidFill>
-                <a:srgbClr val="5A536D"/>
-              </a:solidFill>
-            </a:endParaRPr>
-          </a:p>
-          <a:p>
-            <a:r>
-              <a:rPr lang="en-US" sz="2000" b="1" dirty="0">
+              <a:t>DurableOrchestrationContext</a:t>
+            </a:r>
+            <a:r>
+              <a:rPr lang="en-US" sz="2000" dirty="0">
                 <a:solidFill>
                   <a:srgbClr val="5A536D"/>
                 </a:solidFill>
               </a:rPr>
+              <a:t> API</a:t>
+            </a:r>
+          </a:p>
+          <a:p>
+            <a:pPr marL="800100" lvl="1" indent="-342900">
+              <a:buFont typeface="Symbol" panose="05050102010706020507" pitchFamily="18" charset="2"/>
+              <a:buChar char="-"/>
+            </a:pPr>
+            <a:r>
+              <a:rPr lang="en-US" sz="2000" dirty="0">
+                <a:solidFill>
+                  <a:srgbClr val="5A536D"/>
+                </a:solidFill>
+              </a:rPr>
+              <a:t>No </a:t>
+            </a:r>
+            <a:r>
+              <a:rPr lang="en-US" sz="2000" dirty="0" err="1">
+                <a:solidFill>
+                  <a:srgbClr val="5A536D"/>
+                </a:solidFill>
+              </a:rPr>
+              <a:t>Task.Run</a:t>
+            </a:r>
+            <a:r>
+              <a:rPr lang="en-US" sz="2000" dirty="0">
+                <a:solidFill>
+                  <a:srgbClr val="5A536D"/>
+                </a:solidFill>
+              </a:rPr>
+              <a:t>, </a:t>
+            </a:r>
+            <a:r>
+              <a:rPr lang="en-US" sz="2000" dirty="0" err="1">
+                <a:solidFill>
+                  <a:srgbClr val="5A536D"/>
+                </a:solidFill>
+              </a:rPr>
+              <a:t>Task.Delay</a:t>
+            </a:r>
+            <a:r>
+              <a:rPr lang="en-US" sz="2000" dirty="0">
+                <a:solidFill>
+                  <a:srgbClr val="5A536D"/>
+                </a:solidFill>
+              </a:rPr>
+              <a:t>, </a:t>
+            </a:r>
+            <a:r>
+              <a:rPr lang="en-US" sz="2000" dirty="0" err="1">
+                <a:solidFill>
+                  <a:srgbClr val="5A536D"/>
+                </a:solidFill>
+              </a:rPr>
+              <a:t>HttpClient.SendAsync</a:t>
+            </a:r>
+            <a:r>
+              <a:rPr lang="en-US" sz="2000" dirty="0">
+                <a:solidFill>
+                  <a:srgbClr val="5A536D"/>
+                </a:solidFill>
+              </a:rPr>
               <a:t> </a:t>
             </a:r>
-            <a:endParaRPr lang="en-US" sz="2000" dirty="0">
-              <a:solidFill>
-                <a:srgbClr val="5A536D"/>
-              </a:solidFill>
-            </a:endParaRPr>
           </a:p>
         </p:txBody>
       </p:sp>
       <p:pic>
         <p:nvPicPr>
-          <p:cNvPr id="5" name="Grafik 4">
-            <a:extLst>
-              <a:ext uri="{FF2B5EF4-FFF2-40B4-BE49-F238E27FC236}">
-                <a16:creationId xmlns:a16="http://schemas.microsoft.com/office/drawing/2014/main" id="{51C67E5D-B8AF-4806-9783-D3C4C2643B56}"/>
+          <p:cNvPr id="4" name="Grafik 3">
+            <a:extLst>
+              <a:ext uri="{FF2B5EF4-FFF2-40B4-BE49-F238E27FC236}">
+                <a16:creationId xmlns:a16="http://schemas.microsoft.com/office/drawing/2014/main" id="{86E391B0-3209-4765-AF2B-2E10169E2F85}"/>
               </a:ext>
             </a:extLst>
           </p:cNvPr>
@@ -11806,7 +11776,7 @@
         </p:blipFill>
         <p:spPr>
           <a:xfrm>
-            <a:off x="838201" y="2476499"/>
+            <a:off x="838201" y="2476500"/>
             <a:ext cx="1905000" cy="1905000"/>
           </a:xfrm>
           <a:prstGeom prst="rect">
@@ -11814,145 +11784,10 @@
           </a:prstGeom>
         </p:spPr>
       </p:pic>
-      <p:sp>
-        <p:nvSpPr>
-          <p:cNvPr id="8" name="Textfeld 7">
-            <a:extLst>
-              <a:ext uri="{FF2B5EF4-FFF2-40B4-BE49-F238E27FC236}">
-                <a16:creationId xmlns:a16="http://schemas.microsoft.com/office/drawing/2014/main" id="{3B7FE4B7-5507-44D5-A733-CFB830DC778E}"/>
-              </a:ext>
-            </a:extLst>
-          </p:cNvPr>
-          <p:cNvSpPr txBox="1"/>
-          <p:nvPr/>
-        </p:nvSpPr>
-        <p:spPr>
-          <a:xfrm>
-            <a:off x="3889521" y="3580867"/>
-            <a:ext cx="3621504" cy="1169551"/>
-          </a:xfrm>
-          <a:prstGeom prst="rect">
-            <a:avLst/>
-          </a:prstGeom>
-          <a:noFill/>
-          <a:ln>
-            <a:noFill/>
-          </a:ln>
-        </p:spPr>
-        <p:txBody>
-          <a:bodyPr wrap="none" rtlCol="0">
-            <a:spAutoFit/>
-          </a:bodyPr>
-          <a:lstStyle/>
-          <a:p>
-            <a:endParaRPr lang="en-US" sz="1400" dirty="0">
-              <a:latin typeface="Hasklig Medium" panose="020B0509030403020204" pitchFamily="49" charset="0"/>
-              <a:ea typeface="Hasklig Medium" panose="020B0509030403020204" pitchFamily="49" charset="0"/>
-            </a:endParaRPr>
-          </a:p>
-          <a:p>
-            <a:r>
-              <a:rPr lang="en-US" sz="1400" dirty="0">
-                <a:solidFill>
-                  <a:schemeClr val="accent5">
-                    <a:lumMod val="50000"/>
-                  </a:schemeClr>
-                </a:solidFill>
-                <a:latin typeface="Hasklig Medium" panose="020B0509030403020204" pitchFamily="49" charset="0"/>
-                <a:ea typeface="Hasklig Medium" panose="020B0509030403020204" pitchFamily="49" charset="0"/>
-              </a:rPr>
-              <a:t>if</a:t>
-            </a:r>
-            <a:r>
-              <a:rPr lang="en-US" sz="1400" dirty="0">
-                <a:latin typeface="Hasklig Medium" panose="020B0509030403020204" pitchFamily="49" charset="0"/>
-                <a:ea typeface="Hasklig Medium" panose="020B0509030403020204" pitchFamily="49" charset="0"/>
-              </a:rPr>
-              <a:t> (!</a:t>
-            </a:r>
-            <a:r>
-              <a:rPr lang="en-US" sz="1400" dirty="0" err="1">
-                <a:latin typeface="Hasklig Medium" panose="020B0509030403020204" pitchFamily="49" charset="0"/>
-                <a:ea typeface="Hasklig Medium" panose="020B0509030403020204" pitchFamily="49" charset="0"/>
-              </a:rPr>
-              <a:t>ctx.IsReplaying</a:t>
-            </a:r>
-            <a:r>
-              <a:rPr lang="en-US" sz="1400" dirty="0">
-                <a:latin typeface="Hasklig Medium" panose="020B0509030403020204" pitchFamily="49" charset="0"/>
-                <a:ea typeface="Hasklig Medium" panose="020B0509030403020204" pitchFamily="49" charset="0"/>
-              </a:rPr>
-              <a:t>)</a:t>
-            </a:r>
-          </a:p>
-          <a:p>
-            <a:r>
-              <a:rPr lang="en-US" sz="1400" dirty="0">
-                <a:latin typeface="Hasklig Medium" panose="020B0509030403020204" pitchFamily="49" charset="0"/>
-                <a:ea typeface="Hasklig Medium" panose="020B0509030403020204" pitchFamily="49" charset="0"/>
-              </a:rPr>
-              <a:t>{</a:t>
-            </a:r>
-          </a:p>
-          <a:p>
-            <a:r>
-              <a:rPr lang="en-US" sz="1400" dirty="0">
-                <a:latin typeface="Hasklig Medium" panose="020B0509030403020204" pitchFamily="49" charset="0"/>
-                <a:ea typeface="Hasklig Medium" panose="020B0509030403020204" pitchFamily="49" charset="0"/>
-              </a:rPr>
-              <a:t>  </a:t>
-            </a:r>
-            <a:r>
-              <a:rPr lang="en-US" sz="1400" dirty="0" err="1">
-                <a:latin typeface="Hasklig Medium" panose="020B0509030403020204" pitchFamily="49" charset="0"/>
-                <a:ea typeface="Hasklig Medium" panose="020B0509030403020204" pitchFamily="49" charset="0"/>
-              </a:rPr>
-              <a:t>log.Info</a:t>
-            </a:r>
-            <a:r>
-              <a:rPr lang="en-US" sz="1400" dirty="0">
-                <a:latin typeface="Hasklig Medium" panose="020B0509030403020204" pitchFamily="49" charset="0"/>
-                <a:ea typeface="Hasklig Medium" panose="020B0509030403020204" pitchFamily="49" charset="0"/>
-              </a:rPr>
-              <a:t>(</a:t>
-            </a:r>
-            <a:r>
-              <a:rPr lang="en-US" sz="1400" dirty="0">
-                <a:solidFill>
-                  <a:srgbClr val="C00000"/>
-                </a:solidFill>
-                <a:latin typeface="Hasklig Medium" panose="020B0509030403020204" pitchFamily="49" charset="0"/>
-                <a:ea typeface="Hasklig Medium" panose="020B0509030403020204" pitchFamily="49" charset="0"/>
-              </a:rPr>
-              <a:t>“Your logging text"</a:t>
-            </a:r>
-            <a:r>
-              <a:rPr lang="en-US" sz="1400" dirty="0">
-                <a:latin typeface="Hasklig Medium" panose="020B0509030403020204" pitchFamily="49" charset="0"/>
-                <a:ea typeface="Hasklig Medium" panose="020B0509030403020204" pitchFamily="49" charset="0"/>
-              </a:rPr>
-              <a:t>);</a:t>
-            </a:r>
-          </a:p>
-          <a:p>
-            <a:r>
-              <a:rPr lang="en-US" sz="1400" dirty="0">
-                <a:latin typeface="Hasklig Medium" panose="020B0509030403020204" pitchFamily="49" charset="0"/>
-                <a:ea typeface="Hasklig Medium" panose="020B0509030403020204" pitchFamily="49" charset="0"/>
-              </a:rPr>
-              <a:t>} </a:t>
-            </a:r>
-            <a:endParaRPr lang="de-DE" sz="1400" dirty="0">
-              <a:latin typeface="Hasklig Medium" panose="020B0509030403020204" pitchFamily="49" charset="0"/>
-              <a:ea typeface="Hasklig Medium" panose="020B0509030403020204" pitchFamily="49" charset="0"/>
-            </a:endParaRPr>
-          </a:p>
-        </p:txBody>
-      </p:sp>
     </p:spTree>
     <p:extLst>
       <p:ext uri="{BB962C8B-B14F-4D97-AF65-F5344CB8AC3E}">
-        <p14:creationId xmlns:p14="http://schemas.microsoft.com/office/powerpoint/2010/main" val="302443822"/>
+        <p14:creationId xmlns:p14="http://schemas.microsoft.com/office/powerpoint/2010/main" val="1646258538"/>
       </p:ext>
     </p:extLst>
   </p:cSld>
@@ -12004,7 +11839,7 @@
           <a:p>
             <a:r>
               <a:rPr lang="en-US" sz="2400" dirty="0"/>
-              <a:t>Monitoring Durable Functions</a:t>
+              <a:t>Logging in Orchestrator Functions</a:t>
             </a:r>
             <a:endParaRPr lang="de-DE" sz="2400" dirty="0"/>
           </a:p>
@@ -12067,8 +11902,8 @@
         </p:nvSpPr>
         <p:spPr>
           <a:xfrm>
-            <a:off x="3790130" y="1370699"/>
-            <a:ext cx="6971780" cy="4401205"/>
+            <a:off x="3889521" y="2200271"/>
+            <a:ext cx="7212231" cy="1631216"/>
           </a:xfrm>
           <a:prstGeom prst="rect">
             <a:avLst/>
@@ -12087,7 +11922,37 @@
                   <a:srgbClr val="5A536D"/>
                 </a:solidFill>
               </a:rPr>
-              <a:t>Log messages stored in Table Storage</a:t>
+              <a:t>Use the built-in </a:t>
+            </a:r>
+            <a:r>
+              <a:rPr lang="en-US" sz="2000" b="1" dirty="0" err="1">
+                <a:solidFill>
+                  <a:srgbClr val="5A536D"/>
+                </a:solidFill>
+              </a:rPr>
+              <a:t>TraceWriter</a:t>
+            </a:r>
+            <a:endParaRPr lang="en-US" sz="2000" b="1" dirty="0">
+              <a:solidFill>
+                <a:srgbClr val="5A536D"/>
+              </a:solidFill>
+            </a:endParaRPr>
+          </a:p>
+          <a:p>
+            <a:endParaRPr lang="en-US" sz="2000" b="1" dirty="0">
+              <a:solidFill>
+                <a:srgbClr val="5A536D"/>
+              </a:solidFill>
+            </a:endParaRPr>
+          </a:p>
+          <a:p>
+            <a:r>
+              <a:rPr lang="en-US" sz="2000" b="1" dirty="0">
+                <a:solidFill>
+                  <a:srgbClr val="5A536D"/>
+                </a:solidFill>
+              </a:rPr>
+              <a:t>Log messages get written on every replay </a:t>
             </a:r>
           </a:p>
           <a:p>
@@ -12101,29 +11966,16 @@
                   <a:srgbClr val="5A536D"/>
                 </a:solidFill>
               </a:rPr>
-              <a:t>Invocation history and log output can be viewed </a:t>
-            </a:r>
-            <a:br>
-              <a:rPr lang="en-US" sz="2000" dirty="0">
+              <a:t>Avoid with </a:t>
+            </a:r>
+            <a:r>
+              <a:rPr lang="en-US" sz="2000" dirty="0" err="1">
                 <a:solidFill>
                   <a:srgbClr val="5A536D"/>
                 </a:solidFill>
               </a:rPr>
-            </a:br>
-            <a:r>
-              <a:rPr lang="en-US" sz="2000" dirty="0">
-                <a:solidFill>
-                  <a:srgbClr val="5A536D"/>
-                </a:solidFill>
-              </a:rPr>
-              <a:t>in the Azure Portal for each function</a:t>
-            </a:r>
-          </a:p>
-          <a:p>
-            <a:pPr marL="800100" lvl="1" indent="-342900">
-              <a:buFont typeface="Symbol" panose="05050102010706020507" pitchFamily="18" charset="2"/>
-              <a:buChar char="-"/>
-            </a:pPr>
+              <a:t>DurableOrchestrationContext.IsReplaying</a:t>
+            </a:r>
             <a:endParaRPr lang="en-US" sz="2000" dirty="0">
               <a:solidFill>
                 <a:srgbClr val="5A536D"/>
@@ -12137,131 +11989,22 @@
                   <a:srgbClr val="5A536D"/>
                 </a:solidFill>
               </a:rPr>
-              <a:t>Application Insights </a:t>
-            </a:r>
-          </a:p>
-          <a:p>
-            <a:pPr marL="800100" lvl="1" indent="-342900">
-              <a:buFont typeface="Symbol" panose="05050102010706020507" pitchFamily="18" charset="2"/>
-              <a:buChar char="-"/>
-            </a:pPr>
-            <a:r>
-              <a:rPr lang="en-US" sz="2000" dirty="0">
-                <a:solidFill>
-                  <a:srgbClr val="5A536D"/>
-                </a:solidFill>
-              </a:rPr>
-              <a:t>Create an instance of Application Insights </a:t>
-            </a:r>
-          </a:p>
-          <a:p>
-            <a:pPr marL="800100" lvl="1" indent="-342900">
-              <a:buFont typeface="Symbol" panose="05050102010706020507" pitchFamily="18" charset="2"/>
-              <a:buChar char="-"/>
-            </a:pPr>
-            <a:r>
-              <a:rPr lang="en-US" sz="2000" dirty="0">
-                <a:solidFill>
-                  <a:srgbClr val="5A536D"/>
-                </a:solidFill>
-              </a:rPr>
-              <a:t>Get the instrumentation key – </a:t>
-            </a:r>
-            <a:br>
-              <a:rPr lang="en-US" sz="2000" dirty="0">
-                <a:solidFill>
-                  <a:srgbClr val="5A536D"/>
-                </a:solidFill>
-              </a:rPr>
-            </a:br>
-            <a:r>
-              <a:rPr lang="en-US" sz="2000" dirty="0">
-                <a:solidFill>
-                  <a:srgbClr val="5A536D"/>
-                </a:solidFill>
-              </a:rPr>
-              <a:t>APPINSIGHTS_INSTRUMENTATIONKEY</a:t>
-            </a:r>
-          </a:p>
-          <a:p>
-            <a:pPr marL="800100" lvl="1" indent="-342900">
-              <a:buFont typeface="Symbol" panose="05050102010706020507" pitchFamily="18" charset="2"/>
-              <a:buChar char="-"/>
-            </a:pPr>
+              <a:t> </a:t>
+            </a:r>
             <a:endParaRPr lang="en-US" sz="2000" dirty="0">
               <a:solidFill>
                 <a:srgbClr val="5A536D"/>
               </a:solidFill>
             </a:endParaRPr>
           </a:p>
-          <a:p>
-            <a:r>
-              <a:rPr lang="en-US" sz="2000" b="1" dirty="0">
-                <a:solidFill>
-                  <a:srgbClr val="5A536D"/>
-                </a:solidFill>
-              </a:rPr>
-              <a:t>Custom Event Logging</a:t>
-            </a:r>
-          </a:p>
-          <a:p>
-            <a:pPr marL="800100" lvl="1" indent="-342900">
-              <a:buFont typeface="Symbol" panose="05050102010706020507" pitchFamily="18" charset="2"/>
-              <a:buChar char="-"/>
-            </a:pPr>
-            <a:r>
-              <a:rPr lang="en-US" sz="2000" dirty="0">
-                <a:solidFill>
-                  <a:srgbClr val="5A536D"/>
-                </a:solidFill>
-              </a:rPr>
-              <a:t>Log a event after each activity inside a </a:t>
-            </a:r>
-            <a:br>
-              <a:rPr lang="en-US" sz="2000" dirty="0">
-                <a:solidFill>
-                  <a:srgbClr val="5A536D"/>
-                </a:solidFill>
-              </a:rPr>
-            </a:br>
-            <a:r>
-              <a:rPr lang="en-US" sz="2000" dirty="0">
-                <a:solidFill>
-                  <a:srgbClr val="5A536D"/>
-                </a:solidFill>
-              </a:rPr>
-              <a:t>SQL Server or other database</a:t>
-            </a:r>
-          </a:p>
-          <a:p>
-            <a:pPr marL="800100" lvl="1" indent="-342900">
-              <a:buFont typeface="Symbol" panose="05050102010706020507" pitchFamily="18" charset="2"/>
-              <a:buChar char="-"/>
-            </a:pPr>
-            <a:endParaRPr lang="en-US" sz="2000" dirty="0">
-              <a:solidFill>
-                <a:srgbClr val="5A536D"/>
-              </a:solidFill>
-            </a:endParaRPr>
-          </a:p>
-          <a:p>
-            <a:r>
-              <a:rPr lang="en-US" sz="2000" b="1" dirty="0">
-                <a:solidFill>
-                  <a:srgbClr val="5A536D"/>
-                </a:solidFill>
-              </a:rPr>
-              <a:t>Separate Endpoint to get the Workflow Instance Status</a:t>
-            </a:r>
-          </a:p>
         </p:txBody>
       </p:sp>
       <p:pic>
         <p:nvPicPr>
-          <p:cNvPr id="4" name="Grafik 3">
-            <a:extLst>
-              <a:ext uri="{FF2B5EF4-FFF2-40B4-BE49-F238E27FC236}">
-                <a16:creationId xmlns:a16="http://schemas.microsoft.com/office/drawing/2014/main" id="{1BDD8FC1-B245-4BBF-A717-2519CBC3C906}"/>
+          <p:cNvPr id="5" name="Grafik 4">
+            <a:extLst>
+              <a:ext uri="{FF2B5EF4-FFF2-40B4-BE49-F238E27FC236}">
+                <a16:creationId xmlns:a16="http://schemas.microsoft.com/office/drawing/2014/main" id="{51C67E5D-B8AF-4806-9783-D3C4C2643B56}"/>
               </a:ext>
             </a:extLst>
           </p:cNvPr>
@@ -12284,7 +12027,7 @@
         </p:blipFill>
         <p:spPr>
           <a:xfrm>
-            <a:off x="838201" y="2476500"/>
+            <a:off x="838201" y="2476499"/>
             <a:ext cx="1905000" cy="1905000"/>
           </a:xfrm>
           <a:prstGeom prst="rect">
@@ -12292,10 +12035,145 @@
           </a:prstGeom>
         </p:spPr>
       </p:pic>
+      <p:sp>
+        <p:nvSpPr>
+          <p:cNvPr id="8" name="Textfeld 7">
+            <a:extLst>
+              <a:ext uri="{FF2B5EF4-FFF2-40B4-BE49-F238E27FC236}">
+                <a16:creationId xmlns:a16="http://schemas.microsoft.com/office/drawing/2014/main" id="{3B7FE4B7-5507-44D5-A733-CFB830DC778E}"/>
+              </a:ext>
+            </a:extLst>
+          </p:cNvPr>
+          <p:cNvSpPr txBox="1"/>
+          <p:nvPr/>
+        </p:nvSpPr>
+        <p:spPr>
+          <a:xfrm>
+            <a:off x="3889521" y="3580867"/>
+            <a:ext cx="3621504" cy="1169551"/>
+          </a:xfrm>
+          <a:prstGeom prst="rect">
+            <a:avLst/>
+          </a:prstGeom>
+          <a:noFill/>
+          <a:ln>
+            <a:noFill/>
+          </a:ln>
+        </p:spPr>
+        <p:txBody>
+          <a:bodyPr wrap="none" rtlCol="0">
+            <a:spAutoFit/>
+          </a:bodyPr>
+          <a:lstStyle/>
+          <a:p>
+            <a:endParaRPr lang="en-US" sz="1400" dirty="0">
+              <a:latin typeface="Hasklig Medium" panose="020B0509030403020204" pitchFamily="49" charset="0"/>
+              <a:ea typeface="Hasklig Medium" panose="020B0509030403020204" pitchFamily="49" charset="0"/>
+            </a:endParaRPr>
+          </a:p>
+          <a:p>
+            <a:r>
+              <a:rPr lang="en-US" sz="1400" dirty="0">
+                <a:solidFill>
+                  <a:schemeClr val="accent5">
+                    <a:lumMod val="50000"/>
+                  </a:schemeClr>
+                </a:solidFill>
+                <a:latin typeface="Hasklig Medium" panose="020B0509030403020204" pitchFamily="49" charset="0"/>
+                <a:ea typeface="Hasklig Medium" panose="020B0509030403020204" pitchFamily="49" charset="0"/>
+              </a:rPr>
+              <a:t>if</a:t>
+            </a:r>
+            <a:r>
+              <a:rPr lang="en-US" sz="1400" dirty="0">
+                <a:latin typeface="Hasklig Medium" panose="020B0509030403020204" pitchFamily="49" charset="0"/>
+                <a:ea typeface="Hasklig Medium" panose="020B0509030403020204" pitchFamily="49" charset="0"/>
+              </a:rPr>
+              <a:t> (!</a:t>
+            </a:r>
+            <a:r>
+              <a:rPr lang="en-US" sz="1400" dirty="0" err="1">
+                <a:latin typeface="Hasklig Medium" panose="020B0509030403020204" pitchFamily="49" charset="0"/>
+                <a:ea typeface="Hasklig Medium" panose="020B0509030403020204" pitchFamily="49" charset="0"/>
+              </a:rPr>
+              <a:t>ctx.IsReplaying</a:t>
+            </a:r>
+            <a:r>
+              <a:rPr lang="en-US" sz="1400" dirty="0">
+                <a:latin typeface="Hasklig Medium" panose="020B0509030403020204" pitchFamily="49" charset="0"/>
+                <a:ea typeface="Hasklig Medium" panose="020B0509030403020204" pitchFamily="49" charset="0"/>
+              </a:rPr>
+              <a:t>)</a:t>
+            </a:r>
+          </a:p>
+          <a:p>
+            <a:r>
+              <a:rPr lang="en-US" sz="1400" dirty="0">
+                <a:latin typeface="Hasklig Medium" panose="020B0509030403020204" pitchFamily="49" charset="0"/>
+                <a:ea typeface="Hasklig Medium" panose="020B0509030403020204" pitchFamily="49" charset="0"/>
+              </a:rPr>
+              <a:t>{</a:t>
+            </a:r>
+          </a:p>
+          <a:p>
+            <a:r>
+              <a:rPr lang="en-US" sz="1400" dirty="0">
+                <a:latin typeface="Hasklig Medium" panose="020B0509030403020204" pitchFamily="49" charset="0"/>
+                <a:ea typeface="Hasklig Medium" panose="020B0509030403020204" pitchFamily="49" charset="0"/>
+              </a:rPr>
+              <a:t>  </a:t>
+            </a:r>
+            <a:r>
+              <a:rPr lang="en-US" sz="1400" dirty="0" err="1">
+                <a:latin typeface="Hasklig Medium" panose="020B0509030403020204" pitchFamily="49" charset="0"/>
+                <a:ea typeface="Hasklig Medium" panose="020B0509030403020204" pitchFamily="49" charset="0"/>
+              </a:rPr>
+              <a:t>log.Info</a:t>
+            </a:r>
+            <a:r>
+              <a:rPr lang="en-US" sz="1400" dirty="0">
+                <a:latin typeface="Hasklig Medium" panose="020B0509030403020204" pitchFamily="49" charset="0"/>
+                <a:ea typeface="Hasklig Medium" panose="020B0509030403020204" pitchFamily="49" charset="0"/>
+              </a:rPr>
+              <a:t>(</a:t>
+            </a:r>
+            <a:r>
+              <a:rPr lang="en-US" sz="1400" dirty="0">
+                <a:solidFill>
+                  <a:srgbClr val="C00000"/>
+                </a:solidFill>
+                <a:latin typeface="Hasklig Medium" panose="020B0509030403020204" pitchFamily="49" charset="0"/>
+                <a:ea typeface="Hasklig Medium" panose="020B0509030403020204" pitchFamily="49" charset="0"/>
+              </a:rPr>
+              <a:t>“Your logging text"</a:t>
+            </a:r>
+            <a:r>
+              <a:rPr lang="en-US" sz="1400" dirty="0">
+                <a:latin typeface="Hasklig Medium" panose="020B0509030403020204" pitchFamily="49" charset="0"/>
+                <a:ea typeface="Hasklig Medium" panose="020B0509030403020204" pitchFamily="49" charset="0"/>
+              </a:rPr>
+              <a:t>);</a:t>
+            </a:r>
+          </a:p>
+          <a:p>
+            <a:r>
+              <a:rPr lang="en-US" sz="1400" dirty="0">
+                <a:latin typeface="Hasklig Medium" panose="020B0509030403020204" pitchFamily="49" charset="0"/>
+                <a:ea typeface="Hasklig Medium" panose="020B0509030403020204" pitchFamily="49" charset="0"/>
+              </a:rPr>
+              <a:t>} </a:t>
+            </a:r>
+            <a:endParaRPr lang="de-DE" sz="1400" dirty="0">
+              <a:latin typeface="Hasklig Medium" panose="020B0509030403020204" pitchFamily="49" charset="0"/>
+              <a:ea typeface="Hasklig Medium" panose="020B0509030403020204" pitchFamily="49" charset="0"/>
+            </a:endParaRPr>
+          </a:p>
+        </p:txBody>
+      </p:sp>
     </p:spTree>
     <p:extLst>
       <p:ext uri="{BB962C8B-B14F-4D97-AF65-F5344CB8AC3E}">
-        <p14:creationId xmlns:p14="http://schemas.microsoft.com/office/powerpoint/2010/main" val="366352895"/>
+        <p14:creationId xmlns:p14="http://schemas.microsoft.com/office/powerpoint/2010/main" val="302443822"/>
       </p:ext>
     </p:extLst>
   </p:cSld>
@@ -12347,7 +12225,7 @@
           <a:p>
             <a:r>
               <a:rPr lang="en-US" sz="2400" dirty="0"/>
-              <a:t>Demo: Complex Durable Functions Workflow</a:t>
+              <a:t>Monitoring Durable Functions</a:t>
             </a:r>
             <a:endParaRPr lang="de-DE" sz="2400" dirty="0"/>
           </a:p>
@@ -12398,10 +12276,10 @@
       </p:cxnSp>
       <p:sp>
         <p:nvSpPr>
-          <p:cNvPr id="13" name="Textfeld 12">
-            <a:extLst>
-              <a:ext uri="{FF2B5EF4-FFF2-40B4-BE49-F238E27FC236}">
-                <a16:creationId xmlns:a16="http://schemas.microsoft.com/office/drawing/2014/main" id="{2F81F2AB-E65C-4B76-B7B9-679464B9904D}"/>
+          <p:cNvPr id="7" name="Textfeld 6">
+            <a:extLst>
+              <a:ext uri="{FF2B5EF4-FFF2-40B4-BE49-F238E27FC236}">
+                <a16:creationId xmlns:a16="http://schemas.microsoft.com/office/drawing/2014/main" id="{3E5CCA95-BF7A-46E4-9279-89F179D25AE6}"/>
               </a:ext>
             </a:extLst>
           </p:cNvPr>
@@ -12410,8 +12288,8 @@
         </p:nvSpPr>
         <p:spPr>
           <a:xfrm>
-            <a:off x="3737121" y="2767278"/>
-            <a:ext cx="8311891" cy="1323439"/>
+            <a:off x="3790130" y="1370699"/>
+            <a:ext cx="6971780" cy="4401205"/>
           </a:xfrm>
           <a:prstGeom prst="rect">
             <a:avLst/>
@@ -12430,59 +12308,181 @@
                   <a:srgbClr val="5A536D"/>
                 </a:solidFill>
               </a:rPr>
-              <a:t>Voucher Audit Workflow with Fan-out/Fan-in and external events</a:t>
+              <a:t>Log messages stored in Table Storage</a:t>
+            </a:r>
+          </a:p>
+          <a:p>
+            <a:pPr marL="800100" lvl="1" indent="-342900">
+              <a:buFont typeface="Symbol" panose="05050102010706020507" pitchFamily="18" charset="2"/>
+              <a:buChar char="-"/>
+            </a:pPr>
+            <a:r>
+              <a:rPr lang="en-US" sz="2000" dirty="0">
+                <a:solidFill>
+                  <a:srgbClr val="5A536D"/>
+                </a:solidFill>
+              </a:rPr>
+              <a:t>Invocation history and log output can be viewed </a:t>
             </a:r>
             <a:br>
-              <a:rPr lang="en-US" sz="2000" b="1" dirty="0">
+              <a:rPr lang="en-US" sz="2000" dirty="0">
                 <a:solidFill>
                   <a:srgbClr val="5A536D"/>
                 </a:solidFill>
               </a:rPr>
             </a:br>
-            <a:br>
-              <a:rPr lang="en-US" sz="2000" b="1" dirty="0">
+            <a:r>
+              <a:rPr lang="en-US" sz="2000" dirty="0">
                 <a:solidFill>
                   <a:srgbClr val="5A536D"/>
                 </a:solidFill>
               </a:rPr>
-            </a:br>
-            <a:r>
-              <a:rPr lang="en-US" sz="2000" b="1" dirty="0">
-                <a:solidFill>
-                  <a:srgbClr val="5A536D"/>
-                </a:solidFill>
-              </a:rPr>
-              <a:t>Use the Storage Explorer to show the </a:t>
-            </a:r>
-            <a:br>
-              <a:rPr lang="en-US" sz="2000" b="1" dirty="0">
-                <a:solidFill>
-                  <a:srgbClr val="5A536D"/>
-                </a:solidFill>
-              </a:rPr>
-            </a:br>
-            <a:r>
-              <a:rPr lang="en-US" sz="2000" b="1" dirty="0">
-                <a:solidFill>
-                  <a:srgbClr val="5A536D"/>
-                </a:solidFill>
-              </a:rPr>
-              <a:t>insides of Durable State Storage</a:t>
-            </a:r>
+              <a:t>in the Azure Portal for each function</a:t>
+            </a:r>
+          </a:p>
+          <a:p>
+            <a:pPr marL="800100" lvl="1" indent="-342900">
+              <a:buFont typeface="Symbol" panose="05050102010706020507" pitchFamily="18" charset="2"/>
+              <a:buChar char="-"/>
+            </a:pPr>
             <a:endParaRPr lang="en-US" sz="2000" dirty="0">
               <a:solidFill>
                 <a:srgbClr val="5A536D"/>
               </a:solidFill>
             </a:endParaRPr>
           </a:p>
+          <a:p>
+            <a:r>
+              <a:rPr lang="en-US" sz="2000" b="1" dirty="0">
+                <a:solidFill>
+                  <a:srgbClr val="5A536D"/>
+                </a:solidFill>
+              </a:rPr>
+              <a:t>Application Insights </a:t>
+            </a:r>
+          </a:p>
+          <a:p>
+            <a:pPr marL="800100" lvl="1" indent="-342900">
+              <a:buFont typeface="Symbol" panose="05050102010706020507" pitchFamily="18" charset="2"/>
+              <a:buChar char="-"/>
+            </a:pPr>
+            <a:r>
+              <a:rPr lang="en-US" sz="2000" dirty="0">
+                <a:solidFill>
+                  <a:srgbClr val="5A536D"/>
+                </a:solidFill>
+              </a:rPr>
+              <a:t>Create an instance of Application Insights </a:t>
+            </a:r>
+          </a:p>
+          <a:p>
+            <a:pPr marL="800100" lvl="1" indent="-342900">
+              <a:buFont typeface="Symbol" panose="05050102010706020507" pitchFamily="18" charset="2"/>
+              <a:buChar char="-"/>
+            </a:pPr>
+            <a:r>
+              <a:rPr lang="en-US" sz="2000" dirty="0">
+                <a:solidFill>
+                  <a:srgbClr val="5A536D"/>
+                </a:solidFill>
+              </a:rPr>
+              <a:t>Get the instrumentation key – </a:t>
+            </a:r>
+            <a:br>
+              <a:rPr lang="en-US" sz="2000" dirty="0">
+                <a:solidFill>
+                  <a:srgbClr val="5A536D"/>
+                </a:solidFill>
+              </a:rPr>
+            </a:br>
+            <a:r>
+              <a:rPr lang="en-US" sz="2000" dirty="0">
+                <a:solidFill>
+                  <a:srgbClr val="5A536D"/>
+                </a:solidFill>
+              </a:rPr>
+              <a:t>APPINSIGHTS_INSTRUMENTATIONKEY</a:t>
+            </a:r>
+          </a:p>
+          <a:p>
+            <a:pPr marL="800100" lvl="1" indent="-342900">
+              <a:buFont typeface="Symbol" panose="05050102010706020507" pitchFamily="18" charset="2"/>
+              <a:buChar char="-"/>
+            </a:pPr>
+            <a:endParaRPr lang="en-US" sz="2000" dirty="0">
+              <a:solidFill>
+                <a:srgbClr val="5A536D"/>
+              </a:solidFill>
+            </a:endParaRPr>
+          </a:p>
+          <a:p>
+            <a:r>
+              <a:rPr lang="en-US" sz="2000" b="1" dirty="0">
+                <a:solidFill>
+                  <a:srgbClr val="5A536D"/>
+                </a:solidFill>
+              </a:rPr>
+              <a:t>Custom Event Logging</a:t>
+            </a:r>
+          </a:p>
+          <a:p>
+            <a:pPr marL="800100" lvl="1" indent="-342900">
+              <a:buFont typeface="Symbol" panose="05050102010706020507" pitchFamily="18" charset="2"/>
+              <a:buChar char="-"/>
+            </a:pPr>
+            <a:r>
+              <a:rPr lang="en-US" sz="2000" dirty="0">
+                <a:solidFill>
+                  <a:srgbClr val="5A536D"/>
+                </a:solidFill>
+              </a:rPr>
+              <a:t>Log a event after each activity inside a </a:t>
+            </a:r>
+            <a:br>
+              <a:rPr lang="en-US" sz="2000" dirty="0">
+                <a:solidFill>
+                  <a:srgbClr val="5A536D"/>
+                </a:solidFill>
+              </a:rPr>
+            </a:br>
+            <a:r>
+              <a:rPr lang="en-US" sz="2000" dirty="0">
+                <a:solidFill>
+                  <a:srgbClr val="5A536D"/>
+                </a:solidFill>
+              </a:rPr>
+              <a:t>SQL Server or other database</a:t>
+            </a:r>
+          </a:p>
+          <a:p>
+            <a:pPr marL="800100" lvl="1" indent="-342900">
+              <a:buFont typeface="Symbol" panose="05050102010706020507" pitchFamily="18" charset="2"/>
+              <a:buChar char="-"/>
+            </a:pPr>
+            <a:endParaRPr lang="en-US" sz="2000" dirty="0">
+              <a:solidFill>
+                <a:srgbClr val="5A536D"/>
+              </a:solidFill>
+            </a:endParaRPr>
+          </a:p>
+          <a:p>
+            <a:r>
+              <a:rPr lang="en-US" sz="2000" b="1" dirty="0">
+                <a:solidFill>
+                  <a:srgbClr val="5A536D"/>
+                </a:solidFill>
+              </a:rPr>
+              <a:t>Separate Endpoint to get the Workflow Instance Status</a:t>
+            </a:r>
+          </a:p>
         </p:txBody>
       </p:sp>
       <p:pic>
         <p:nvPicPr>
-          <p:cNvPr id="15" name="Grafik 14">
-            <a:extLst>
-              <a:ext uri="{FF2B5EF4-FFF2-40B4-BE49-F238E27FC236}">
-                <a16:creationId xmlns:a16="http://schemas.microsoft.com/office/drawing/2014/main" id="{75C66F34-CCD3-4F4B-97B6-673D0AF7DCCE}"/>
+          <p:cNvPr id="4" name="Grafik 3">
+            <a:extLst>
+              <a:ext uri="{FF2B5EF4-FFF2-40B4-BE49-F238E27FC236}">
+                <a16:creationId xmlns:a16="http://schemas.microsoft.com/office/drawing/2014/main" id="{1BDD8FC1-B245-4BBF-A717-2519CBC3C906}"/>
               </a:ext>
             </a:extLst>
           </p:cNvPr>
@@ -12505,7 +12505,7 @@
         </p:blipFill>
         <p:spPr>
           <a:xfrm>
-            <a:off x="838201" y="2476498"/>
+            <a:off x="838201" y="2476500"/>
             <a:ext cx="1905000" cy="1905000"/>
           </a:xfrm>
           <a:prstGeom prst="rect">
@@ -12516,7 +12516,7 @@
     </p:spTree>
     <p:extLst>
       <p:ext uri="{BB962C8B-B14F-4D97-AF65-F5344CB8AC3E}">
-        <p14:creationId xmlns:p14="http://schemas.microsoft.com/office/powerpoint/2010/main" val="709901595"/>
+        <p14:creationId xmlns:p14="http://schemas.microsoft.com/office/powerpoint/2010/main" val="366352895"/>
       </p:ext>
     </p:extLst>
   </p:cSld>
@@ -12568,48 +12568,12 @@
           <a:p>
             <a:r>
               <a:rPr lang="en-US" sz="2400" dirty="0"/>
-              <a:t>Benefits of Durable Functions</a:t>
+              <a:t>Demo: Complex Durable Functions Workflow</a:t>
             </a:r>
             <a:endParaRPr lang="de-DE" sz="2400" dirty="0"/>
           </a:p>
         </p:txBody>
       </p:sp>
-      <p:pic>
-        <p:nvPicPr>
-          <p:cNvPr id="4" name="Grafik 3">
-            <a:extLst>
-              <a:ext uri="{FF2B5EF4-FFF2-40B4-BE49-F238E27FC236}">
-                <a16:creationId xmlns:a16="http://schemas.microsoft.com/office/drawing/2014/main" id="{F688EBDA-04D3-4F87-8C8E-763AB5547EA2}"/>
-              </a:ext>
-            </a:extLst>
-          </p:cNvPr>
-          <p:cNvPicPr>
-            <a:picLocks noChangeAspect="1"/>
-          </p:cNvPicPr>
-          <p:nvPr/>
-        </p:nvPicPr>
-        <p:blipFill>
-          <a:blip r:embed="rId2">
-            <a:extLst>
-              <a:ext uri="{28A0092B-C50C-407E-A947-70E740481C1C}">
-                <a14:useLocalDpi xmlns:a14="http://schemas.microsoft.com/office/drawing/2010/main" val="0"/>
-              </a:ext>
-            </a:extLst>
-          </a:blip>
-          <a:stretch>
-            <a:fillRect/>
-          </a:stretch>
-        </p:blipFill>
-        <p:spPr>
-          <a:xfrm>
-            <a:off x="838201" y="2476500"/>
-            <a:ext cx="1905000" cy="1905000"/>
-          </a:xfrm>
-          <a:prstGeom prst="rect">
-            <a:avLst/>
-          </a:prstGeom>
-        </p:spPr>
-      </p:pic>
       <p:cxnSp>
         <p:nvCxnSpPr>
           <p:cNvPr id="6" name="Gerader Verbinder 5">
@@ -12655,10 +12619,10 @@
       </p:cxnSp>
       <p:sp>
         <p:nvSpPr>
-          <p:cNvPr id="7" name="Textfeld 6">
-            <a:extLst>
-              <a:ext uri="{FF2B5EF4-FFF2-40B4-BE49-F238E27FC236}">
-                <a16:creationId xmlns:a16="http://schemas.microsoft.com/office/drawing/2014/main" id="{3E5CCA95-BF7A-46E4-9279-89F179D25AE6}"/>
+          <p:cNvPr id="13" name="Textfeld 12">
+            <a:extLst>
+              <a:ext uri="{FF2B5EF4-FFF2-40B4-BE49-F238E27FC236}">
+                <a16:creationId xmlns:a16="http://schemas.microsoft.com/office/drawing/2014/main" id="{2F81F2AB-E65C-4B76-B7B9-679464B9904D}"/>
               </a:ext>
             </a:extLst>
           </p:cNvPr>
@@ -12667,8 +12631,8 @@
         </p:nvSpPr>
         <p:spPr>
           <a:xfrm>
-            <a:off x="3882895" y="1481499"/>
-            <a:ext cx="5306261" cy="3808543"/>
+            <a:off x="3737121" y="2767278"/>
+            <a:ext cx="8311891" cy="1323439"/>
           </a:xfrm>
           <a:prstGeom prst="rect">
             <a:avLst/>
@@ -12681,96 +12645,99 @@
           </a:bodyPr>
           <a:lstStyle/>
           <a:p>
-            <a:pPr marL="342900" indent="-342900">
-              <a:lnSpc>
-                <a:spcPct val="250000"/>
-              </a:lnSpc>
-              <a:buFont typeface="+mj-lt"/>
-              <a:buAutoNum type="arabicPeriod"/>
-            </a:pPr>
-            <a:r>
-              <a:rPr lang="en-US" sz="2000" dirty="0">
+            <a:r>
+              <a:rPr lang="en-US" sz="2000" b="1" dirty="0">
                 <a:solidFill>
                   <a:srgbClr val="5A536D"/>
                 </a:solidFill>
               </a:rPr>
-              <a:t>Define workflows in code</a:t>
-            </a:r>
-          </a:p>
-          <a:p>
-            <a:pPr marL="342900" indent="-342900">
-              <a:lnSpc>
-                <a:spcPct val="250000"/>
-              </a:lnSpc>
-              <a:buFont typeface="+mj-lt"/>
-              <a:buAutoNum type="arabicPeriod"/>
-            </a:pPr>
-            <a:r>
-              <a:rPr lang="en-US" sz="2000" dirty="0">
+              <a:t>Voucher Audit Workflow with Fan-out/Fan-in and external events</a:t>
+            </a:r>
+            <a:br>
+              <a:rPr lang="en-US" sz="2000" b="1" dirty="0">
                 <a:solidFill>
                   <a:srgbClr val="5A536D"/>
                 </a:solidFill>
               </a:rPr>
-              <a:t>Easy to implement complex workflows</a:t>
-            </a:r>
-          </a:p>
-          <a:p>
-            <a:pPr marL="342900" indent="-342900">
-              <a:lnSpc>
-                <a:spcPct val="250000"/>
-              </a:lnSpc>
-              <a:buFont typeface="+mj-lt"/>
-              <a:buAutoNum type="arabicPeriod"/>
-            </a:pPr>
-            <a:r>
-              <a:rPr lang="en-US" sz="2000" dirty="0">
+            </a:br>
+            <a:br>
+              <a:rPr lang="en-US" sz="2000" b="1" dirty="0">
                 <a:solidFill>
                   <a:srgbClr val="5A536D"/>
                 </a:solidFill>
               </a:rPr>
-              <a:t>Consolidate exception handling</a:t>
-            </a:r>
-          </a:p>
-          <a:p>
-            <a:pPr marL="342900" indent="-342900">
-              <a:lnSpc>
-                <a:spcPct val="250000"/>
-              </a:lnSpc>
-              <a:buFont typeface="+mj-lt"/>
-              <a:buAutoNum type="arabicPeriod"/>
-            </a:pPr>
-            <a:r>
-              <a:rPr lang="en-US" sz="2000" dirty="0">
+            </a:br>
+            <a:r>
+              <a:rPr lang="en-US" sz="2000" b="1" dirty="0">
                 <a:solidFill>
                   <a:srgbClr val="5A536D"/>
                 </a:solidFill>
               </a:rPr>
-              <a:t>Check on progress or cancel workflow</a:t>
-            </a:r>
-          </a:p>
-          <a:p>
-            <a:pPr marL="342900" indent="-342900">
-              <a:lnSpc>
-                <a:spcPct val="250000"/>
-              </a:lnSpc>
-              <a:buFont typeface="+mj-lt"/>
-              <a:buAutoNum type="arabicPeriod"/>
-            </a:pPr>
-            <a:r>
-              <a:rPr lang="en-US" sz="2000" dirty="0">
+              <a:t>Use the Storage Explorer to show the </a:t>
+            </a:r>
+            <a:br>
+              <a:rPr lang="en-US" sz="2000" b="1" dirty="0">
                 <a:solidFill>
                   <a:srgbClr val="5A536D"/>
                 </a:solidFill>
               </a:rPr>
-              <a:t>Manage state for you</a:t>
-            </a:r>
+            </a:br>
+            <a:r>
+              <a:rPr lang="en-US" sz="2000" b="1" dirty="0">
+                <a:solidFill>
+                  <a:srgbClr val="5A536D"/>
+                </a:solidFill>
+              </a:rPr>
+              <a:t>insides of Durable State Storage</a:t>
+            </a:r>
+            <a:endParaRPr lang="en-US" sz="2000" dirty="0">
+              <a:solidFill>
+                <a:srgbClr val="5A536D"/>
+              </a:solidFill>
+            </a:endParaRPr>
           </a:p>
         </p:txBody>
       </p:sp>
+      <p:pic>
+        <p:nvPicPr>
+          <p:cNvPr id="15" name="Grafik 14">
+            <a:extLst>
+              <a:ext uri="{FF2B5EF4-FFF2-40B4-BE49-F238E27FC236}">
+                <a16:creationId xmlns:a16="http://schemas.microsoft.com/office/drawing/2014/main" id="{75C66F34-CCD3-4F4B-97B6-673D0AF7DCCE}"/>
+              </a:ext>
+            </a:extLst>
+          </p:cNvPr>
+          <p:cNvPicPr>
+            <a:picLocks noChangeAspect="1"/>
+          </p:cNvPicPr>
+          <p:nvPr/>
+        </p:nvPicPr>
+        <p:blipFill>
+          <a:blip r:embed="rId2">
+            <a:extLst>
+              <a:ext uri="{28A0092B-C50C-407E-A947-70E740481C1C}">
+                <a14:useLocalDpi xmlns:a14="http://schemas.microsoft.com/office/drawing/2010/main" val="0"/>
+              </a:ext>
+            </a:extLst>
+          </a:blip>
+          <a:stretch>
+            <a:fillRect/>
+          </a:stretch>
+        </p:blipFill>
+        <p:spPr>
+          <a:xfrm>
+            <a:off x="838201" y="2476498"/>
+            <a:ext cx="1905000" cy="1905000"/>
+          </a:xfrm>
+          <a:prstGeom prst="rect">
+            <a:avLst/>
+          </a:prstGeom>
+        </p:spPr>
+      </p:pic>
     </p:spTree>
     <p:extLst>
       <p:ext uri="{BB962C8B-B14F-4D97-AF65-F5344CB8AC3E}">
-        <p14:creationId xmlns:p14="http://schemas.microsoft.com/office/powerpoint/2010/main" val="2003423784"/>
+        <p14:creationId xmlns:p14="http://schemas.microsoft.com/office/powerpoint/2010/main" val="709901595"/>
       </p:ext>
     </p:extLst>
   </p:cSld>
@@ -12822,12 +12789,48 @@
           <a:p>
             <a:r>
               <a:rPr lang="en-US" sz="2400" dirty="0"/>
-              <a:t>Pains of Durable Functions</a:t>
+              <a:t>Benefits of Durable Functions</a:t>
             </a:r>
             <a:endParaRPr lang="de-DE" sz="2400" dirty="0"/>
           </a:p>
         </p:txBody>
       </p:sp>
+      <p:pic>
+        <p:nvPicPr>
+          <p:cNvPr id="4" name="Grafik 3">
+            <a:extLst>
+              <a:ext uri="{FF2B5EF4-FFF2-40B4-BE49-F238E27FC236}">
+                <a16:creationId xmlns:a16="http://schemas.microsoft.com/office/drawing/2014/main" id="{F688EBDA-04D3-4F87-8C8E-763AB5547EA2}"/>
+              </a:ext>
+            </a:extLst>
+          </p:cNvPr>
+          <p:cNvPicPr>
+            <a:picLocks noChangeAspect="1"/>
+          </p:cNvPicPr>
+          <p:nvPr/>
+        </p:nvPicPr>
+        <p:blipFill>
+          <a:blip r:embed="rId2">
+            <a:extLst>
+              <a:ext uri="{28A0092B-C50C-407E-A947-70E740481C1C}">
+                <a14:useLocalDpi xmlns:a14="http://schemas.microsoft.com/office/drawing/2010/main" val="0"/>
+              </a:ext>
+            </a:extLst>
+          </a:blip>
+          <a:stretch>
+            <a:fillRect/>
+          </a:stretch>
+        </p:blipFill>
+        <p:spPr>
+          <a:xfrm>
+            <a:off x="838201" y="2476500"/>
+            <a:ext cx="1905000" cy="1905000"/>
+          </a:xfrm>
+          <a:prstGeom prst="rect">
+            <a:avLst/>
+          </a:prstGeom>
+        </p:spPr>
+      </p:pic>
       <p:cxnSp>
         <p:nvCxnSpPr>
           <p:cNvPr id="6" name="Gerader Verbinder 5">
@@ -12885,6 +12888,224 @@
         </p:nvSpPr>
         <p:spPr>
           <a:xfrm>
+            <a:off x="3882895" y="1481499"/>
+            <a:ext cx="5306261" cy="3808543"/>
+          </a:xfrm>
+          <a:prstGeom prst="rect">
+            <a:avLst/>
+          </a:prstGeom>
+          <a:noFill/>
+        </p:spPr>
+        <p:txBody>
+          <a:bodyPr wrap="none" rtlCol="0">
+            <a:spAutoFit/>
+          </a:bodyPr>
+          <a:lstStyle/>
+          <a:p>
+            <a:pPr marL="342900" indent="-342900">
+              <a:lnSpc>
+                <a:spcPct val="250000"/>
+              </a:lnSpc>
+              <a:buFont typeface="+mj-lt"/>
+              <a:buAutoNum type="arabicPeriod"/>
+            </a:pPr>
+            <a:r>
+              <a:rPr lang="en-US" sz="2000" dirty="0">
+                <a:solidFill>
+                  <a:srgbClr val="5A536D"/>
+                </a:solidFill>
+              </a:rPr>
+              <a:t>Define workflows in code</a:t>
+            </a:r>
+          </a:p>
+          <a:p>
+            <a:pPr marL="342900" indent="-342900">
+              <a:lnSpc>
+                <a:spcPct val="250000"/>
+              </a:lnSpc>
+              <a:buFont typeface="+mj-lt"/>
+              <a:buAutoNum type="arabicPeriod"/>
+            </a:pPr>
+            <a:r>
+              <a:rPr lang="en-US" sz="2000" dirty="0">
+                <a:solidFill>
+                  <a:srgbClr val="5A536D"/>
+                </a:solidFill>
+              </a:rPr>
+              <a:t>Easy to implement complex workflows</a:t>
+            </a:r>
+          </a:p>
+          <a:p>
+            <a:pPr marL="342900" indent="-342900">
+              <a:lnSpc>
+                <a:spcPct val="250000"/>
+              </a:lnSpc>
+              <a:buFont typeface="+mj-lt"/>
+              <a:buAutoNum type="arabicPeriod"/>
+            </a:pPr>
+            <a:r>
+              <a:rPr lang="en-US" sz="2000" dirty="0">
+                <a:solidFill>
+                  <a:srgbClr val="5A536D"/>
+                </a:solidFill>
+              </a:rPr>
+              <a:t>Consolidate exception handling</a:t>
+            </a:r>
+          </a:p>
+          <a:p>
+            <a:pPr marL="342900" indent="-342900">
+              <a:lnSpc>
+                <a:spcPct val="250000"/>
+              </a:lnSpc>
+              <a:buFont typeface="+mj-lt"/>
+              <a:buAutoNum type="arabicPeriod"/>
+            </a:pPr>
+            <a:r>
+              <a:rPr lang="en-US" sz="2000" dirty="0">
+                <a:solidFill>
+                  <a:srgbClr val="5A536D"/>
+                </a:solidFill>
+              </a:rPr>
+              <a:t>Check on progress or cancel workflow</a:t>
+            </a:r>
+          </a:p>
+          <a:p>
+            <a:pPr marL="342900" indent="-342900">
+              <a:lnSpc>
+                <a:spcPct val="250000"/>
+              </a:lnSpc>
+              <a:buFont typeface="+mj-lt"/>
+              <a:buAutoNum type="arabicPeriod"/>
+            </a:pPr>
+            <a:r>
+              <a:rPr lang="en-US" sz="2000" dirty="0">
+                <a:solidFill>
+                  <a:srgbClr val="5A536D"/>
+                </a:solidFill>
+              </a:rPr>
+              <a:t>Manage state for you</a:t>
+            </a:r>
+          </a:p>
+        </p:txBody>
+      </p:sp>
+    </p:spTree>
+    <p:extLst>
+      <p:ext uri="{BB962C8B-B14F-4D97-AF65-F5344CB8AC3E}">
+        <p14:creationId xmlns:p14="http://schemas.microsoft.com/office/powerpoint/2010/main" val="2003423784"/>
+      </p:ext>
+    </p:extLst>
+  </p:cSld>
+  <p:clrMapOvr>
+    <a:masterClrMapping/>
+  </p:clrMapOvr>
+</p:sld>
+</file>
+
+<file path=ppt/slides/slide25.xml><?xml version="1.0" encoding="utf-8"?>
+<p:sld xmlns:a="http://schemas.openxmlformats.org/drawingml/2006/main" xmlns:r="http://schemas.openxmlformats.org/officeDocument/2006/relationships" xmlns:p="http://schemas.openxmlformats.org/presentationml/2006/main">
+  <p:cSld>
+    <p:spTree>
+      <p:nvGrpSpPr>
+        <p:cNvPr id="1" name=""/>
+        <p:cNvGrpSpPr/>
+        <p:nvPr/>
+      </p:nvGrpSpPr>
+      <p:grpSpPr>
+        <a:xfrm>
+          <a:off x="0" y="0"/>
+          <a:ext cx="0" cy="0"/>
+          <a:chOff x="0" y="0"/>
+          <a:chExt cx="0" cy="0"/>
+        </a:xfrm>
+      </p:grpSpPr>
+      <p:sp>
+        <p:nvSpPr>
+          <p:cNvPr id="3" name="Textplatzhalter 2">
+            <a:extLst>
+              <a:ext uri="{FF2B5EF4-FFF2-40B4-BE49-F238E27FC236}">
+                <a16:creationId xmlns:a16="http://schemas.microsoft.com/office/drawing/2014/main" id="{57625549-4941-4E12-AA37-2C694939FB57}"/>
+              </a:ext>
+            </a:extLst>
+          </p:cNvPr>
+          <p:cNvSpPr>
+            <a:spLocks noGrp="1"/>
+          </p:cNvSpPr>
+          <p:nvPr>
+            <p:ph type="body" sz="quarter" idx="13"/>
+          </p:nvPr>
+        </p:nvSpPr>
+        <p:spPr/>
+        <p:txBody>
+          <a:bodyPr>
+            <a:normAutofit/>
+          </a:bodyPr>
+          <a:lstStyle/>
+          <a:p>
+            <a:r>
+              <a:rPr lang="en-US" sz="2400" dirty="0"/>
+              <a:t>Pains of Durable Functions</a:t>
+            </a:r>
+            <a:endParaRPr lang="de-DE" sz="2400" dirty="0"/>
+          </a:p>
+        </p:txBody>
+      </p:sp>
+      <p:cxnSp>
+        <p:nvCxnSpPr>
+          <p:cNvPr id="6" name="Gerader Verbinder 5">
+            <a:extLst>
+              <a:ext uri="{FF2B5EF4-FFF2-40B4-BE49-F238E27FC236}">
+                <a16:creationId xmlns:a16="http://schemas.microsoft.com/office/drawing/2014/main" id="{7EFA8ABD-5F72-4B46-BE3A-27B92D0D2871}"/>
+              </a:ext>
+            </a:extLst>
+          </p:cNvPr>
+          <p:cNvCxnSpPr>
+            <a:cxnSpLocks/>
+          </p:cNvCxnSpPr>
+          <p:nvPr/>
+        </p:nvCxnSpPr>
+        <p:spPr>
+          <a:xfrm>
+            <a:off x="3343788" y="1278517"/>
+            <a:ext cx="0" cy="4585570"/>
+          </a:xfrm>
+          <a:prstGeom prst="line">
+            <a:avLst/>
+          </a:prstGeom>
+          <a:ln w="25400" cap="rnd">
+            <a:solidFill>
+              <a:srgbClr val="3F3658"/>
+            </a:solidFill>
+          </a:ln>
+        </p:spPr>
+        <p:style>
+          <a:lnRef idx="1">
+            <a:schemeClr val="accent1"/>
+          </a:lnRef>
+          <a:fillRef idx="0">
+            <a:schemeClr val="accent1"/>
+          </a:fillRef>
+          <a:effectRef idx="0">
+            <a:schemeClr val="accent1"/>
+          </a:effectRef>
+          <a:fontRef idx="minor">
+            <a:schemeClr val="tx1"/>
+          </a:fontRef>
+        </p:style>
+      </p:cxnSp>
+      <p:sp>
+        <p:nvSpPr>
+          <p:cNvPr id="7" name="Textfeld 6">
+            <a:extLst>
+              <a:ext uri="{FF2B5EF4-FFF2-40B4-BE49-F238E27FC236}">
+                <a16:creationId xmlns:a16="http://schemas.microsoft.com/office/drawing/2014/main" id="{3E5CCA95-BF7A-46E4-9279-89F179D25AE6}"/>
+              </a:ext>
+            </a:extLst>
+          </p:cNvPr>
+          <p:cNvSpPr txBox="1"/>
+          <p:nvPr/>
+        </p:nvSpPr>
+        <p:spPr>
+          <a:xfrm>
             <a:off x="3882895" y="1667030"/>
             <a:ext cx="7553671" cy="3808543"/>
           </a:xfrm>
@@ -13031,7 +13252,7 @@
 </p:sld>
 </file>
 
-<file path=ppt/slides/slide25.xml><?xml version="1.0" encoding="utf-8"?>
+<file path=ppt/slides/slide26.xml><?xml version="1.0" encoding="utf-8"?>
 <p:sld xmlns:a="http://schemas.openxmlformats.org/drawingml/2006/main" xmlns:r="http://schemas.openxmlformats.org/officeDocument/2006/relationships" xmlns:p="http://schemas.openxmlformats.org/presentationml/2006/main">
   <p:cSld>
     <p:spTree>
@@ -13537,212 +13758,6 @@
 </p:sld>
 </file>
 
-<file path=ppt/slides/slide26.xml><?xml version="1.0" encoding="utf-8"?>
-<p:sld xmlns:a="http://schemas.openxmlformats.org/drawingml/2006/main" xmlns:r="http://schemas.openxmlformats.org/officeDocument/2006/relationships" xmlns:p="http://schemas.openxmlformats.org/presentationml/2006/main">
-  <p:cSld>
-    <p:spTree>
-      <p:nvGrpSpPr>
-        <p:cNvPr id="1" name=""/>
-        <p:cNvGrpSpPr/>
-        <p:nvPr/>
-      </p:nvGrpSpPr>
-      <p:grpSpPr>
-        <a:xfrm>
-          <a:off x="0" y="0"/>
-          <a:ext cx="0" cy="0"/>
-          <a:chOff x="0" y="0"/>
-          <a:chExt cx="0" cy="0"/>
-        </a:xfrm>
-      </p:grpSpPr>
-      <p:sp>
-        <p:nvSpPr>
-          <p:cNvPr id="3" name="Textplatzhalter 2">
-            <a:extLst>
-              <a:ext uri="{FF2B5EF4-FFF2-40B4-BE49-F238E27FC236}">
-                <a16:creationId xmlns:a16="http://schemas.microsoft.com/office/drawing/2014/main" id="{57625549-4941-4E12-AA37-2C694939FB57}"/>
-              </a:ext>
-            </a:extLst>
-          </p:cNvPr>
-          <p:cNvSpPr>
-            <a:spLocks noGrp="1"/>
-          </p:cNvSpPr>
-          <p:nvPr>
-            <p:ph type="body" sz="quarter" idx="13"/>
-          </p:nvPr>
-        </p:nvSpPr>
-        <p:spPr/>
-        <p:txBody>
-          <a:bodyPr>
-            <a:normAutofit/>
-          </a:bodyPr>
-          <a:lstStyle/>
-          <a:p>
-            <a:r>
-              <a:rPr lang="en-US" sz="2400" dirty="0"/>
-              <a:t>Demo: What’s coming in Durable Functions 2.0</a:t>
-            </a:r>
-            <a:endParaRPr lang="de-DE" sz="2400" dirty="0"/>
-          </a:p>
-        </p:txBody>
-      </p:sp>
-      <p:cxnSp>
-        <p:nvCxnSpPr>
-          <p:cNvPr id="6" name="Gerader Verbinder 5">
-            <a:extLst>
-              <a:ext uri="{FF2B5EF4-FFF2-40B4-BE49-F238E27FC236}">
-                <a16:creationId xmlns:a16="http://schemas.microsoft.com/office/drawing/2014/main" id="{7EFA8ABD-5F72-4B46-BE3A-27B92D0D2871}"/>
-              </a:ext>
-            </a:extLst>
-          </p:cNvPr>
-          <p:cNvCxnSpPr>
-            <a:cxnSpLocks/>
-          </p:cNvCxnSpPr>
-          <p:nvPr/>
-        </p:nvCxnSpPr>
-        <p:spPr>
-          <a:xfrm>
-            <a:off x="3343788" y="1278517"/>
-            <a:ext cx="0" cy="4585570"/>
-          </a:xfrm>
-          <a:prstGeom prst="line">
-            <a:avLst/>
-          </a:prstGeom>
-          <a:ln w="25400" cap="rnd">
-            <a:solidFill>
-              <a:srgbClr val="3F3658"/>
-            </a:solidFill>
-          </a:ln>
-        </p:spPr>
-        <p:style>
-          <a:lnRef idx="1">
-            <a:schemeClr val="accent1"/>
-          </a:lnRef>
-          <a:fillRef idx="0">
-            <a:schemeClr val="accent1"/>
-          </a:fillRef>
-          <a:effectRef idx="0">
-            <a:schemeClr val="accent1"/>
-          </a:effectRef>
-          <a:fontRef idx="minor">
-            <a:schemeClr val="tx1"/>
-          </a:fontRef>
-        </p:style>
-      </p:cxnSp>
-      <p:sp>
-        <p:nvSpPr>
-          <p:cNvPr id="13" name="Textfeld 12">
-            <a:extLst>
-              <a:ext uri="{FF2B5EF4-FFF2-40B4-BE49-F238E27FC236}">
-                <a16:creationId xmlns:a16="http://schemas.microsoft.com/office/drawing/2014/main" id="{2F81F2AB-E65C-4B76-B7B9-679464B9904D}"/>
-              </a:ext>
-            </a:extLst>
-          </p:cNvPr>
-          <p:cNvSpPr txBox="1"/>
-          <p:nvPr/>
-        </p:nvSpPr>
-        <p:spPr>
-          <a:xfrm>
-            <a:off x="3737121" y="2921166"/>
-            <a:ext cx="5990743" cy="1015663"/>
-          </a:xfrm>
-          <a:prstGeom prst="rect">
-            <a:avLst/>
-          </a:prstGeom>
-          <a:noFill/>
-        </p:spPr>
-        <p:txBody>
-          <a:bodyPr wrap="none" rtlCol="0">
-            <a:spAutoFit/>
-          </a:bodyPr>
-          <a:lstStyle/>
-          <a:p>
-            <a:r>
-              <a:rPr lang="en-US" sz="2000" b="1" dirty="0">
-                <a:solidFill>
-                  <a:srgbClr val="5A536D"/>
-                </a:solidFill>
-              </a:rPr>
-              <a:t>Durable Entities in a simple Approval Workflow</a:t>
-            </a:r>
-            <a:br>
-              <a:rPr lang="en-US" sz="2000" b="1" dirty="0">
-                <a:solidFill>
-                  <a:srgbClr val="5A536D"/>
-                </a:solidFill>
-              </a:rPr>
-            </a:br>
-            <a:br>
-              <a:rPr lang="en-US" sz="2000" b="1" dirty="0">
-                <a:solidFill>
-                  <a:srgbClr val="5A536D"/>
-                </a:solidFill>
-              </a:rPr>
-            </a:br>
-            <a:r>
-              <a:rPr lang="en-US" sz="2000" b="1" dirty="0">
-                <a:solidFill>
-                  <a:srgbClr val="5A536D"/>
-                </a:solidFill>
-              </a:rPr>
-              <a:t>Durable Entities HTTP API</a:t>
-            </a:r>
-            <a:endParaRPr lang="en-US" sz="2000" dirty="0">
-              <a:solidFill>
-                <a:srgbClr val="5A536D"/>
-              </a:solidFill>
-            </a:endParaRPr>
-          </a:p>
-        </p:txBody>
-      </p:sp>
-      <p:pic>
-        <p:nvPicPr>
-          <p:cNvPr id="15" name="Grafik 14">
-            <a:extLst>
-              <a:ext uri="{FF2B5EF4-FFF2-40B4-BE49-F238E27FC236}">
-                <a16:creationId xmlns:a16="http://schemas.microsoft.com/office/drawing/2014/main" id="{75C66F34-CCD3-4F4B-97B6-673D0AF7DCCE}"/>
-              </a:ext>
-            </a:extLst>
-          </p:cNvPr>
-          <p:cNvPicPr>
-            <a:picLocks noChangeAspect="1"/>
-          </p:cNvPicPr>
-          <p:nvPr/>
-        </p:nvPicPr>
-        <p:blipFill>
-          <a:blip r:embed="rId2">
-            <a:extLst>
-              <a:ext uri="{28A0092B-C50C-407E-A947-70E740481C1C}">
-                <a14:useLocalDpi xmlns:a14="http://schemas.microsoft.com/office/drawing/2010/main" val="0"/>
-              </a:ext>
-            </a:extLst>
-          </a:blip>
-          <a:stretch>
-            <a:fillRect/>
-          </a:stretch>
-        </p:blipFill>
-        <p:spPr>
-          <a:xfrm>
-            <a:off x="838201" y="2476498"/>
-            <a:ext cx="1905000" cy="1905000"/>
-          </a:xfrm>
-          <a:prstGeom prst="rect">
-            <a:avLst/>
-          </a:prstGeom>
-        </p:spPr>
-      </p:pic>
-    </p:spTree>
-    <p:extLst>
-      <p:ext uri="{BB962C8B-B14F-4D97-AF65-F5344CB8AC3E}">
-        <p14:creationId xmlns:p14="http://schemas.microsoft.com/office/powerpoint/2010/main" val="172913590"/>
-      </p:ext>
-    </p:extLst>
-  </p:cSld>
-  <p:clrMapOvr>
-    <a:masterClrMapping/>
-  </p:clrMapOvr>
-</p:sld>
-</file>
-
 <file path=ppt/slides/slide27.xml><?xml version="1.0" encoding="utf-8"?>
 <p:sld xmlns:a="http://schemas.openxmlformats.org/drawingml/2006/main" xmlns:r="http://schemas.openxmlformats.org/officeDocument/2006/relationships" xmlns:p="http://schemas.openxmlformats.org/presentationml/2006/main">
   <p:cSld>
@@ -13785,18 +13800,61 @@
           <a:p>
             <a:r>
               <a:rPr lang="en-US" sz="2400" dirty="0"/>
-              <a:t>How to fail with Serverless</a:t>
+              <a:t>Demo: What’s coming in Durable Functions 2.0</a:t>
             </a:r>
             <a:endParaRPr lang="de-DE" sz="2400" dirty="0"/>
           </a:p>
         </p:txBody>
       </p:sp>
+      <p:cxnSp>
+        <p:nvCxnSpPr>
+          <p:cNvPr id="6" name="Gerader Verbinder 5">
+            <a:extLst>
+              <a:ext uri="{FF2B5EF4-FFF2-40B4-BE49-F238E27FC236}">
+                <a16:creationId xmlns:a16="http://schemas.microsoft.com/office/drawing/2014/main" id="{7EFA8ABD-5F72-4B46-BE3A-27B92D0D2871}"/>
+              </a:ext>
+            </a:extLst>
+          </p:cNvPr>
+          <p:cNvCxnSpPr>
+            <a:cxnSpLocks/>
+          </p:cNvCxnSpPr>
+          <p:nvPr/>
+        </p:nvCxnSpPr>
+        <p:spPr>
+          <a:xfrm>
+            <a:off x="3343788" y="1278517"/>
+            <a:ext cx="0" cy="4585570"/>
+          </a:xfrm>
+          <a:prstGeom prst="line">
+            <a:avLst/>
+          </a:prstGeom>
+          <a:ln w="25400" cap="rnd">
+            <a:solidFill>
+              <a:srgbClr val="3F3658"/>
+            </a:solidFill>
+          </a:ln>
+        </p:spPr>
+        <p:style>
+          <a:lnRef idx="1">
+            <a:schemeClr val="accent1"/>
+          </a:lnRef>
+          <a:fillRef idx="0">
+            <a:schemeClr val="accent1"/>
+          </a:fillRef>
+          <a:effectRef idx="0">
+            <a:schemeClr val="accent1"/>
+          </a:effectRef>
+          <a:fontRef idx="minor">
+            <a:schemeClr val="tx1"/>
+          </a:fontRef>
+        </p:style>
+      </p:cxnSp>
       <p:sp>
         <p:nvSpPr>
-          <p:cNvPr id="7" name="Textfeld 6">
-            <a:extLst>
-              <a:ext uri="{FF2B5EF4-FFF2-40B4-BE49-F238E27FC236}">
-                <a16:creationId xmlns:a16="http://schemas.microsoft.com/office/drawing/2014/main" id="{3E5CCA95-BF7A-46E4-9279-89F179D25AE6}"/>
+          <p:cNvPr id="13" name="Textfeld 12">
+            <a:extLst>
+              <a:ext uri="{FF2B5EF4-FFF2-40B4-BE49-F238E27FC236}">
+                <a16:creationId xmlns:a16="http://schemas.microsoft.com/office/drawing/2014/main" id="{2F81F2AB-E65C-4B76-B7B9-679464B9904D}"/>
               </a:ext>
             </a:extLst>
           </p:cNvPr>
@@ -13805,8 +13863,8 @@
         </p:nvSpPr>
         <p:spPr>
           <a:xfrm>
-            <a:off x="1081382" y="3700533"/>
-            <a:ext cx="2626039" cy="707886"/>
+            <a:off x="3737121" y="2921166"/>
+            <a:ext cx="5990743" cy="1015663"/>
           </a:xfrm>
           <a:prstGeom prst="rect">
             <a:avLst/>
@@ -13819,62 +13877,41 @@
           </a:bodyPr>
           <a:lstStyle/>
           <a:p>
-            <a:pPr algn="ctr"/>
-            <a:r>
-              <a:rPr lang="en-US" sz="2000" dirty="0">
+            <a:r>
+              <a:rPr lang="en-US" sz="2000" b="1" dirty="0">
                 <a:solidFill>
                   <a:srgbClr val="5A536D"/>
                 </a:solidFill>
               </a:rPr>
-              <a:t>Serverless </a:t>
-            </a:r>
-            <a:r>
-              <a:rPr lang="en-US" sz="2000" dirty="0" err="1">
+              <a:t>Durable Entities in a simple Approval Workflow</a:t>
+            </a:r>
+            <a:br>
+              <a:rPr lang="en-US" sz="2000" b="1" dirty="0">
                 <a:solidFill>
                   <a:srgbClr val="5A536D"/>
                 </a:solidFill>
               </a:rPr>
-              <a:t>pwned</a:t>
-            </a:r>
-            <a:r>
-              <a:rPr lang="en-US" sz="2000" dirty="0">
+            </a:br>
+            <a:br>
+              <a:rPr lang="en-US" sz="2000" b="1" dirty="0">
                 <a:solidFill>
                   <a:srgbClr val="5A536D"/>
                 </a:solidFill>
               </a:rPr>
-              <a:t> </a:t>
-            </a:r>
-            <a:br>
-              <a:rPr lang="en-US" sz="2000" dirty="0">
+            </a:br>
+            <a:r>
+              <a:rPr lang="en-US" sz="2000" b="1" dirty="0">
                 <a:solidFill>
                   <a:srgbClr val="5A536D"/>
                 </a:solidFill>
               </a:rPr>
-            </a:br>
-            <a:r>
-              <a:rPr lang="en-US" sz="2000" dirty="0">
-                <a:solidFill>
-                  <a:srgbClr val="5A536D"/>
-                </a:solidFill>
-              </a:rPr>
-              <a:t>the “</a:t>
-            </a:r>
-            <a:r>
-              <a:rPr lang="en-US" sz="2000" dirty="0" err="1">
-                <a:solidFill>
-                  <a:srgbClr val="5A536D"/>
-                </a:solidFill>
-              </a:rPr>
-              <a:t>Serverful</a:t>
-            </a:r>
-            <a:r>
-              <a:rPr lang="en-US" sz="2000" dirty="0">
-                <a:solidFill>
-                  <a:srgbClr val="5A536D"/>
-                </a:solidFill>
-              </a:rPr>
-              <a:t>” world</a:t>
-            </a:r>
+              <a:t>Durable Entities HTTP API</a:t>
+            </a:r>
+            <a:endParaRPr lang="en-US" sz="2000" dirty="0">
+              <a:solidFill>
+                <a:srgbClr val="5A536D"/>
+              </a:solidFill>
+            </a:endParaRPr>
           </a:p>
         </p:txBody>
       </p:sp>
@@ -13883,7 +13920,7 @@
           <p:cNvPr id="15" name="Grafik 14">
             <a:extLst>
               <a:ext uri="{FF2B5EF4-FFF2-40B4-BE49-F238E27FC236}">
-                <a16:creationId xmlns:a16="http://schemas.microsoft.com/office/drawing/2014/main" id="{B72106E0-881A-4282-9113-4BD9EA63CE0F}"/>
+                <a16:creationId xmlns:a16="http://schemas.microsoft.com/office/drawing/2014/main" id="{75C66F34-CCD3-4F4B-97B6-673D0AF7DCCE}"/>
               </a:ext>
             </a:extLst>
           </p:cNvPr>
@@ -13906,135 +13943,8 @@
         </p:blipFill>
         <p:spPr>
           <a:xfrm>
-            <a:off x="1937202" y="2514600"/>
-            <a:ext cx="914400" cy="914400"/>
-          </a:xfrm>
-          <a:prstGeom prst="rect">
-            <a:avLst/>
-          </a:prstGeom>
-        </p:spPr>
-      </p:pic>
-      <p:pic>
-        <p:nvPicPr>
-          <p:cNvPr id="17" name="Grafik 16">
-            <a:extLst>
-              <a:ext uri="{FF2B5EF4-FFF2-40B4-BE49-F238E27FC236}">
-                <a16:creationId xmlns:a16="http://schemas.microsoft.com/office/drawing/2014/main" id="{927A056C-DD06-4FFF-AB05-7A3D3A3BDA82}"/>
-              </a:ext>
-            </a:extLst>
-          </p:cNvPr>
-          <p:cNvPicPr>
-            <a:picLocks noChangeAspect="1"/>
-          </p:cNvPicPr>
-          <p:nvPr/>
-        </p:nvPicPr>
-        <p:blipFill>
-          <a:blip r:embed="rId3">
-            <a:extLst>
-              <a:ext uri="{28A0092B-C50C-407E-A947-70E740481C1C}">
-                <a14:useLocalDpi xmlns:a14="http://schemas.microsoft.com/office/drawing/2010/main" val="0"/>
-              </a:ext>
-            </a:extLst>
-          </a:blip>
-          <a:stretch>
-            <a:fillRect/>
-          </a:stretch>
-        </p:blipFill>
-        <p:spPr>
-          <a:xfrm>
-            <a:off x="5711687" y="2514600"/>
-            <a:ext cx="914400" cy="914400"/>
-          </a:xfrm>
-          <a:prstGeom prst="rect">
-            <a:avLst/>
-          </a:prstGeom>
-        </p:spPr>
-      </p:pic>
-      <p:sp>
-        <p:nvSpPr>
-          <p:cNvPr id="18" name="Textfeld 17">
-            <a:extLst>
-              <a:ext uri="{FF2B5EF4-FFF2-40B4-BE49-F238E27FC236}">
-                <a16:creationId xmlns:a16="http://schemas.microsoft.com/office/drawing/2014/main" id="{29C9CFD3-C9C9-42E3-9B9D-EBAFC19EECC4}"/>
-              </a:ext>
-            </a:extLst>
-          </p:cNvPr>
-          <p:cNvSpPr txBox="1"/>
-          <p:nvPr/>
-        </p:nvSpPr>
-        <p:spPr>
-          <a:xfrm>
-            <a:off x="4673125" y="3700533"/>
-            <a:ext cx="2991524" cy="707886"/>
-          </a:xfrm>
-          <a:prstGeom prst="rect">
-            <a:avLst/>
-          </a:prstGeom>
-          <a:noFill/>
-        </p:spPr>
-        <p:txBody>
-          <a:bodyPr wrap="none" rtlCol="0">
-            <a:spAutoFit/>
-          </a:bodyPr>
-          <a:lstStyle/>
-          <a:p>
-            <a:pPr algn="ctr"/>
-            <a:r>
-              <a:rPr lang="en-US" sz="2000" dirty="0">
-                <a:solidFill>
-                  <a:srgbClr val="5A536D"/>
-                </a:solidFill>
-              </a:rPr>
-              <a:t>Long running functions </a:t>
-            </a:r>
-            <a:br>
-              <a:rPr lang="en-US" sz="2000" dirty="0">
-                <a:solidFill>
-                  <a:srgbClr val="5A536D"/>
-                </a:solidFill>
-              </a:rPr>
-            </a:br>
-            <a:r>
-              <a:rPr lang="en-US" sz="2000" dirty="0">
-                <a:solidFill>
-                  <a:srgbClr val="5A536D"/>
-                </a:solidFill>
-              </a:rPr>
-              <a:t>make poor.</a:t>
-            </a:r>
-          </a:p>
-        </p:txBody>
-      </p:sp>
-      <p:pic>
-        <p:nvPicPr>
-          <p:cNvPr id="20" name="Grafik 19">
-            <a:extLst>
-              <a:ext uri="{FF2B5EF4-FFF2-40B4-BE49-F238E27FC236}">
-                <a16:creationId xmlns:a16="http://schemas.microsoft.com/office/drawing/2014/main" id="{009044F6-205D-450F-8082-1AA32F93FB89}"/>
-              </a:ext>
-            </a:extLst>
-          </p:cNvPr>
-          <p:cNvPicPr>
-            <a:picLocks noChangeAspect="1"/>
-          </p:cNvPicPr>
-          <p:nvPr/>
-        </p:nvPicPr>
-        <p:blipFill>
-          <a:blip r:embed="rId4">
-            <a:extLst>
-              <a:ext uri="{28A0092B-C50C-407E-A947-70E740481C1C}">
-                <a14:useLocalDpi xmlns:a14="http://schemas.microsoft.com/office/drawing/2010/main" val="0"/>
-              </a:ext>
-            </a:extLst>
-          </a:blip>
-          <a:stretch>
-            <a:fillRect/>
-          </a:stretch>
-        </p:blipFill>
-        <p:spPr>
-          <a:xfrm>
-            <a:off x="9614452" y="2514600"/>
-            <a:ext cx="914400" cy="914400"/>
+            <a:off x="838201" y="2476498"/>
+            <a:ext cx="1905000" cy="1905000"/>
           </a:xfrm>
           <a:prstGeom prst="rect">
             <a:avLst/>
@@ -14044,7 +13954,7 @@
     </p:spTree>
     <p:extLst>
       <p:ext uri="{BB962C8B-B14F-4D97-AF65-F5344CB8AC3E}">
-        <p14:creationId xmlns:p14="http://schemas.microsoft.com/office/powerpoint/2010/main" val="1725922902"/>
+        <p14:creationId xmlns:p14="http://schemas.microsoft.com/office/powerpoint/2010/main" val="172913590"/>
       </p:ext>
     </p:extLst>
   </p:cSld>
@@ -14096,6 +14006,317 @@
           <a:p>
             <a:r>
               <a:rPr lang="en-US" sz="2400" dirty="0"/>
+              <a:t>How to fail with Serverless</a:t>
+            </a:r>
+            <a:endParaRPr lang="de-DE" sz="2400" dirty="0"/>
+          </a:p>
+        </p:txBody>
+      </p:sp>
+      <p:sp>
+        <p:nvSpPr>
+          <p:cNvPr id="7" name="Textfeld 6">
+            <a:extLst>
+              <a:ext uri="{FF2B5EF4-FFF2-40B4-BE49-F238E27FC236}">
+                <a16:creationId xmlns:a16="http://schemas.microsoft.com/office/drawing/2014/main" id="{3E5CCA95-BF7A-46E4-9279-89F179D25AE6}"/>
+              </a:ext>
+            </a:extLst>
+          </p:cNvPr>
+          <p:cNvSpPr txBox="1"/>
+          <p:nvPr/>
+        </p:nvSpPr>
+        <p:spPr>
+          <a:xfrm>
+            <a:off x="1081382" y="3700533"/>
+            <a:ext cx="2626039" cy="707886"/>
+          </a:xfrm>
+          <a:prstGeom prst="rect">
+            <a:avLst/>
+          </a:prstGeom>
+          <a:noFill/>
+        </p:spPr>
+        <p:txBody>
+          <a:bodyPr wrap="none" rtlCol="0">
+            <a:spAutoFit/>
+          </a:bodyPr>
+          <a:lstStyle/>
+          <a:p>
+            <a:pPr algn="ctr"/>
+            <a:r>
+              <a:rPr lang="en-US" sz="2000" dirty="0">
+                <a:solidFill>
+                  <a:srgbClr val="5A536D"/>
+                </a:solidFill>
+              </a:rPr>
+              <a:t>Serverless </a:t>
+            </a:r>
+            <a:r>
+              <a:rPr lang="en-US" sz="2000" dirty="0" err="1">
+                <a:solidFill>
+                  <a:srgbClr val="5A536D"/>
+                </a:solidFill>
+              </a:rPr>
+              <a:t>pwned</a:t>
+            </a:r>
+            <a:r>
+              <a:rPr lang="en-US" sz="2000" dirty="0">
+                <a:solidFill>
+                  <a:srgbClr val="5A536D"/>
+                </a:solidFill>
+              </a:rPr>
+              <a:t> </a:t>
+            </a:r>
+            <a:br>
+              <a:rPr lang="en-US" sz="2000" dirty="0">
+                <a:solidFill>
+                  <a:srgbClr val="5A536D"/>
+                </a:solidFill>
+              </a:rPr>
+            </a:br>
+            <a:r>
+              <a:rPr lang="en-US" sz="2000" dirty="0">
+                <a:solidFill>
+                  <a:srgbClr val="5A536D"/>
+                </a:solidFill>
+              </a:rPr>
+              <a:t>the “</a:t>
+            </a:r>
+            <a:r>
+              <a:rPr lang="en-US" sz="2000" dirty="0" err="1">
+                <a:solidFill>
+                  <a:srgbClr val="5A536D"/>
+                </a:solidFill>
+              </a:rPr>
+              <a:t>Serverful</a:t>
+            </a:r>
+            <a:r>
+              <a:rPr lang="en-US" sz="2000" dirty="0">
+                <a:solidFill>
+                  <a:srgbClr val="5A536D"/>
+                </a:solidFill>
+              </a:rPr>
+              <a:t>” world</a:t>
+            </a:r>
+          </a:p>
+        </p:txBody>
+      </p:sp>
+      <p:pic>
+        <p:nvPicPr>
+          <p:cNvPr id="15" name="Grafik 14">
+            <a:extLst>
+              <a:ext uri="{FF2B5EF4-FFF2-40B4-BE49-F238E27FC236}">
+                <a16:creationId xmlns:a16="http://schemas.microsoft.com/office/drawing/2014/main" id="{B72106E0-881A-4282-9113-4BD9EA63CE0F}"/>
+              </a:ext>
+            </a:extLst>
+          </p:cNvPr>
+          <p:cNvPicPr>
+            <a:picLocks noChangeAspect="1"/>
+          </p:cNvPicPr>
+          <p:nvPr/>
+        </p:nvPicPr>
+        <p:blipFill>
+          <a:blip r:embed="rId2">
+            <a:extLst>
+              <a:ext uri="{28A0092B-C50C-407E-A947-70E740481C1C}">
+                <a14:useLocalDpi xmlns:a14="http://schemas.microsoft.com/office/drawing/2010/main" val="0"/>
+              </a:ext>
+            </a:extLst>
+          </a:blip>
+          <a:stretch>
+            <a:fillRect/>
+          </a:stretch>
+        </p:blipFill>
+        <p:spPr>
+          <a:xfrm>
+            <a:off x="1937202" y="2514600"/>
+            <a:ext cx="914400" cy="914400"/>
+          </a:xfrm>
+          <a:prstGeom prst="rect">
+            <a:avLst/>
+          </a:prstGeom>
+        </p:spPr>
+      </p:pic>
+      <p:pic>
+        <p:nvPicPr>
+          <p:cNvPr id="17" name="Grafik 16">
+            <a:extLst>
+              <a:ext uri="{FF2B5EF4-FFF2-40B4-BE49-F238E27FC236}">
+                <a16:creationId xmlns:a16="http://schemas.microsoft.com/office/drawing/2014/main" id="{927A056C-DD06-4FFF-AB05-7A3D3A3BDA82}"/>
+              </a:ext>
+            </a:extLst>
+          </p:cNvPr>
+          <p:cNvPicPr>
+            <a:picLocks noChangeAspect="1"/>
+          </p:cNvPicPr>
+          <p:nvPr/>
+        </p:nvPicPr>
+        <p:blipFill>
+          <a:blip r:embed="rId3">
+            <a:extLst>
+              <a:ext uri="{28A0092B-C50C-407E-A947-70E740481C1C}">
+                <a14:useLocalDpi xmlns:a14="http://schemas.microsoft.com/office/drawing/2010/main" val="0"/>
+              </a:ext>
+            </a:extLst>
+          </a:blip>
+          <a:stretch>
+            <a:fillRect/>
+          </a:stretch>
+        </p:blipFill>
+        <p:spPr>
+          <a:xfrm>
+            <a:off x="5711687" y="2514600"/>
+            <a:ext cx="914400" cy="914400"/>
+          </a:xfrm>
+          <a:prstGeom prst="rect">
+            <a:avLst/>
+          </a:prstGeom>
+        </p:spPr>
+      </p:pic>
+      <p:sp>
+        <p:nvSpPr>
+          <p:cNvPr id="18" name="Textfeld 17">
+            <a:extLst>
+              <a:ext uri="{FF2B5EF4-FFF2-40B4-BE49-F238E27FC236}">
+                <a16:creationId xmlns:a16="http://schemas.microsoft.com/office/drawing/2014/main" id="{29C9CFD3-C9C9-42E3-9B9D-EBAFC19EECC4}"/>
+              </a:ext>
+            </a:extLst>
+          </p:cNvPr>
+          <p:cNvSpPr txBox="1"/>
+          <p:nvPr/>
+        </p:nvSpPr>
+        <p:spPr>
+          <a:xfrm>
+            <a:off x="4673125" y="3700533"/>
+            <a:ext cx="2991524" cy="707886"/>
+          </a:xfrm>
+          <a:prstGeom prst="rect">
+            <a:avLst/>
+          </a:prstGeom>
+          <a:noFill/>
+        </p:spPr>
+        <p:txBody>
+          <a:bodyPr wrap="none" rtlCol="0">
+            <a:spAutoFit/>
+          </a:bodyPr>
+          <a:lstStyle/>
+          <a:p>
+            <a:pPr algn="ctr"/>
+            <a:r>
+              <a:rPr lang="en-US" sz="2000" dirty="0">
+                <a:solidFill>
+                  <a:srgbClr val="5A536D"/>
+                </a:solidFill>
+              </a:rPr>
+              <a:t>Long running functions </a:t>
+            </a:r>
+            <a:br>
+              <a:rPr lang="en-US" sz="2000" dirty="0">
+                <a:solidFill>
+                  <a:srgbClr val="5A536D"/>
+                </a:solidFill>
+              </a:rPr>
+            </a:br>
+            <a:r>
+              <a:rPr lang="en-US" sz="2000" dirty="0">
+                <a:solidFill>
+                  <a:srgbClr val="5A536D"/>
+                </a:solidFill>
+              </a:rPr>
+              <a:t>make poor.</a:t>
+            </a:r>
+          </a:p>
+        </p:txBody>
+      </p:sp>
+      <p:pic>
+        <p:nvPicPr>
+          <p:cNvPr id="20" name="Grafik 19">
+            <a:extLst>
+              <a:ext uri="{FF2B5EF4-FFF2-40B4-BE49-F238E27FC236}">
+                <a16:creationId xmlns:a16="http://schemas.microsoft.com/office/drawing/2014/main" id="{009044F6-205D-450F-8082-1AA32F93FB89}"/>
+              </a:ext>
+            </a:extLst>
+          </p:cNvPr>
+          <p:cNvPicPr>
+            <a:picLocks noChangeAspect="1"/>
+          </p:cNvPicPr>
+          <p:nvPr/>
+        </p:nvPicPr>
+        <p:blipFill>
+          <a:blip r:embed="rId4">
+            <a:extLst>
+              <a:ext uri="{28A0092B-C50C-407E-A947-70E740481C1C}">
+                <a14:useLocalDpi xmlns:a14="http://schemas.microsoft.com/office/drawing/2010/main" val="0"/>
+              </a:ext>
+            </a:extLst>
+          </a:blip>
+          <a:stretch>
+            <a:fillRect/>
+          </a:stretch>
+        </p:blipFill>
+        <p:spPr>
+          <a:xfrm>
+            <a:off x="9614452" y="2514600"/>
+            <a:ext cx="914400" cy="914400"/>
+          </a:xfrm>
+          <a:prstGeom prst="rect">
+            <a:avLst/>
+          </a:prstGeom>
+        </p:spPr>
+      </p:pic>
+    </p:spTree>
+    <p:extLst>
+      <p:ext uri="{BB962C8B-B14F-4D97-AF65-F5344CB8AC3E}">
+        <p14:creationId xmlns:p14="http://schemas.microsoft.com/office/powerpoint/2010/main" val="1725922902"/>
+      </p:ext>
+    </p:extLst>
+  </p:cSld>
+  <p:clrMapOvr>
+    <a:masterClrMapping/>
+  </p:clrMapOvr>
+</p:sld>
+</file>
+
+<file path=ppt/slides/slide29.xml><?xml version="1.0" encoding="utf-8"?>
+<p:sld xmlns:a="http://schemas.openxmlformats.org/drawingml/2006/main" xmlns:r="http://schemas.openxmlformats.org/officeDocument/2006/relationships" xmlns:p="http://schemas.openxmlformats.org/presentationml/2006/main">
+  <p:cSld>
+    <p:spTree>
+      <p:nvGrpSpPr>
+        <p:cNvPr id="1" name=""/>
+        <p:cNvGrpSpPr/>
+        <p:nvPr/>
+      </p:nvGrpSpPr>
+      <p:grpSpPr>
+        <a:xfrm>
+          <a:off x="0" y="0"/>
+          <a:ext cx="0" cy="0"/>
+          <a:chOff x="0" y="0"/>
+          <a:chExt cx="0" cy="0"/>
+        </a:xfrm>
+      </p:grpSpPr>
+      <p:sp>
+        <p:nvSpPr>
+          <p:cNvPr id="3" name="Textplatzhalter 2">
+            <a:extLst>
+              <a:ext uri="{FF2B5EF4-FFF2-40B4-BE49-F238E27FC236}">
+                <a16:creationId xmlns:a16="http://schemas.microsoft.com/office/drawing/2014/main" id="{57625549-4941-4E12-AA37-2C694939FB57}"/>
+              </a:ext>
+            </a:extLst>
+          </p:cNvPr>
+          <p:cNvSpPr>
+            <a:spLocks noGrp="1"/>
+          </p:cNvSpPr>
+          <p:nvPr>
+            <p:ph type="body" sz="quarter" idx="13"/>
+          </p:nvPr>
+        </p:nvSpPr>
+        <p:spPr/>
+        <p:txBody>
+          <a:bodyPr>
+            <a:normAutofit/>
+          </a:bodyPr>
+          <a:lstStyle/>
+          <a:p>
+            <a:r>
+              <a:rPr lang="en-US" sz="2400" dirty="0"/>
               <a:t>Resources</a:t>
             </a:r>
             <a:endParaRPr lang="de-DE" sz="2400" dirty="0"/>
@@ -14352,6 +14573,91 @@
 </file>
 
 <file path=ppt/slides/slide3.xml><?xml version="1.0" encoding="utf-8"?>
+<p:sld xmlns:a="http://schemas.openxmlformats.org/drawingml/2006/main" xmlns:r="http://schemas.openxmlformats.org/officeDocument/2006/relationships" xmlns:p="http://schemas.openxmlformats.org/presentationml/2006/main">
+  <p:cSld>
+    <p:spTree>
+      <p:nvGrpSpPr>
+        <p:cNvPr id="1" name=""/>
+        <p:cNvGrpSpPr/>
+        <p:nvPr/>
+      </p:nvGrpSpPr>
+      <p:grpSpPr>
+        <a:xfrm>
+          <a:off x="0" y="0"/>
+          <a:ext cx="0" cy="0"/>
+          <a:chOff x="0" y="0"/>
+          <a:chExt cx="0" cy="0"/>
+        </a:xfrm>
+      </p:grpSpPr>
+      <p:sp>
+        <p:nvSpPr>
+          <p:cNvPr id="3" name="Textplatzhalter 2">
+            <a:extLst>
+              <a:ext uri="{FF2B5EF4-FFF2-40B4-BE49-F238E27FC236}">
+                <a16:creationId xmlns:a16="http://schemas.microsoft.com/office/drawing/2014/main" id="{6132C334-1A3E-4287-95E9-6DAF707500FF}"/>
+              </a:ext>
+            </a:extLst>
+          </p:cNvPr>
+          <p:cNvSpPr>
+            <a:spLocks noGrp="1"/>
+          </p:cNvSpPr>
+          <p:nvPr>
+            <p:ph type="body" sz="quarter" idx="13"/>
+          </p:nvPr>
+        </p:nvSpPr>
+        <p:spPr/>
+        <p:txBody>
+          <a:bodyPr/>
+          <a:lstStyle/>
+          <a:p>
+            <a:endParaRPr lang="de-DE" dirty="0"/>
+          </a:p>
+        </p:txBody>
+      </p:sp>
+      <p:pic>
+        <p:nvPicPr>
+          <p:cNvPr id="4" name="Grafik 3">
+            <a:extLst>
+              <a:ext uri="{FF2B5EF4-FFF2-40B4-BE49-F238E27FC236}">
+                <a16:creationId xmlns:a16="http://schemas.microsoft.com/office/drawing/2014/main" id="{980BEB57-7F44-46B0-822D-C526DA87D0D0}"/>
+              </a:ext>
+            </a:extLst>
+          </p:cNvPr>
+          <p:cNvPicPr>
+            <a:picLocks noChangeAspect="1"/>
+          </p:cNvPicPr>
+          <p:nvPr/>
+        </p:nvPicPr>
+        <p:blipFill>
+          <a:blip r:embed="rId2"/>
+          <a:stretch>
+            <a:fillRect/>
+          </a:stretch>
+        </p:blipFill>
+        <p:spPr>
+          <a:xfrm>
+            <a:off x="1925374" y="1138164"/>
+            <a:ext cx="8858450" cy="5188412"/>
+          </a:xfrm>
+          <a:prstGeom prst="rect">
+            <a:avLst/>
+          </a:prstGeom>
+        </p:spPr>
+      </p:pic>
+    </p:spTree>
+    <p:extLst>
+      <p:ext uri="{BB962C8B-B14F-4D97-AF65-F5344CB8AC3E}">
+        <p14:creationId xmlns:p14="http://schemas.microsoft.com/office/powerpoint/2010/main" val="2956367868"/>
+      </p:ext>
+    </p:extLst>
+  </p:cSld>
+  <p:clrMapOvr>
+    <a:masterClrMapping/>
+  </p:clrMapOvr>
+</p:sld>
+</file>
+
+<file path=ppt/slides/slide4.xml><?xml version="1.0" encoding="utf-8"?>
 <p:sld xmlns:a="http://schemas.openxmlformats.org/drawingml/2006/main" xmlns:r="http://schemas.openxmlformats.org/officeDocument/2006/relationships" xmlns:p="http://schemas.openxmlformats.org/presentationml/2006/main">
   <p:cSld>
     <p:spTree>
@@ -16251,7 +16557,7 @@
 </p:sld>
 </file>
 
-<file path=ppt/slides/slide4.xml><?xml version="1.0" encoding="utf-8"?>
+<file path=ppt/slides/slide5.xml><?xml version="1.0" encoding="utf-8"?>
 <p:sld xmlns:a="http://schemas.openxmlformats.org/drawingml/2006/main" xmlns:r="http://schemas.openxmlformats.org/officeDocument/2006/relationships" xmlns:p="http://schemas.openxmlformats.org/presentationml/2006/main">
   <p:cSld>
     <p:spTree>
@@ -16591,7 +16897,7 @@
 </p:sld>
 </file>
 
-<file path=ppt/slides/slide5.xml><?xml version="1.0" encoding="utf-8"?>
+<file path=ppt/slides/slide6.xml><?xml version="1.0" encoding="utf-8"?>
 <p:sld xmlns:a="http://schemas.openxmlformats.org/drawingml/2006/main" xmlns:r="http://schemas.openxmlformats.org/officeDocument/2006/relationships" xmlns:p="http://schemas.openxmlformats.org/presentationml/2006/main">
   <p:cSld>
     <p:spTree>
@@ -17512,7 +17818,7 @@
 </p:sld>
 </file>
 
-<file path=ppt/slides/slide6.xml><?xml version="1.0" encoding="utf-8"?>
+<file path=ppt/slides/slide7.xml><?xml version="1.0" encoding="utf-8"?>
 <p:sld xmlns:a="http://schemas.openxmlformats.org/drawingml/2006/main" xmlns:r="http://schemas.openxmlformats.org/officeDocument/2006/relationships" xmlns:p="http://schemas.openxmlformats.org/presentationml/2006/main">
   <p:cSld>
     <p:spTree>
@@ -17942,7 +18248,7 @@
 </p:sld>
 </file>
 
-<file path=ppt/slides/slide7.xml><?xml version="1.0" encoding="utf-8"?>
+<file path=ppt/slides/slide8.xml><?xml version="1.0" encoding="utf-8"?>
 <p:sld xmlns:a="http://schemas.openxmlformats.org/drawingml/2006/main" xmlns:r="http://schemas.openxmlformats.org/officeDocument/2006/relationships" xmlns:p="http://schemas.openxmlformats.org/presentationml/2006/main">
   <p:cSld>
     <p:spTree>
@@ -18730,243 +19036,6 @@
 </p:sld>
 </file>
 
-<file path=ppt/slides/slide8.xml><?xml version="1.0" encoding="utf-8"?>
-<p:sld xmlns:a="http://schemas.openxmlformats.org/drawingml/2006/main" xmlns:r="http://schemas.openxmlformats.org/officeDocument/2006/relationships" xmlns:p="http://schemas.openxmlformats.org/presentationml/2006/main">
-  <p:cSld>
-    <p:spTree>
-      <p:nvGrpSpPr>
-        <p:cNvPr id="1" name=""/>
-        <p:cNvGrpSpPr/>
-        <p:nvPr/>
-      </p:nvGrpSpPr>
-      <p:grpSpPr>
-        <a:xfrm>
-          <a:off x="0" y="0"/>
-          <a:ext cx="0" cy="0"/>
-          <a:chOff x="0" y="0"/>
-          <a:chExt cx="0" cy="0"/>
-        </a:xfrm>
-      </p:grpSpPr>
-      <p:sp>
-        <p:nvSpPr>
-          <p:cNvPr id="3" name="Textplatzhalter 2">
-            <a:extLst>
-              <a:ext uri="{FF2B5EF4-FFF2-40B4-BE49-F238E27FC236}">
-                <a16:creationId xmlns:a16="http://schemas.microsoft.com/office/drawing/2014/main" id="{57625549-4941-4E12-AA37-2C694939FB57}"/>
-              </a:ext>
-            </a:extLst>
-          </p:cNvPr>
-          <p:cNvSpPr>
-            <a:spLocks noGrp="1"/>
-          </p:cNvSpPr>
-          <p:nvPr>
-            <p:ph type="body" sz="quarter" idx="13"/>
-          </p:nvPr>
-        </p:nvSpPr>
-        <p:spPr/>
-        <p:txBody>
-          <a:bodyPr>
-            <a:normAutofit/>
-          </a:bodyPr>
-          <a:lstStyle/>
-          <a:p>
-            <a:r>
-              <a:rPr lang="en-US" sz="2400" dirty="0"/>
-              <a:t>Benefits of Azure Functions</a:t>
-            </a:r>
-            <a:endParaRPr lang="de-DE" sz="2400" dirty="0"/>
-          </a:p>
-        </p:txBody>
-      </p:sp>
-      <p:pic>
-        <p:nvPicPr>
-          <p:cNvPr id="4" name="Grafik 3">
-            <a:extLst>
-              <a:ext uri="{FF2B5EF4-FFF2-40B4-BE49-F238E27FC236}">
-                <a16:creationId xmlns:a16="http://schemas.microsoft.com/office/drawing/2014/main" id="{F688EBDA-04D3-4F87-8C8E-763AB5547EA2}"/>
-              </a:ext>
-            </a:extLst>
-          </p:cNvPr>
-          <p:cNvPicPr>
-            <a:picLocks noChangeAspect="1"/>
-          </p:cNvPicPr>
-          <p:nvPr/>
-        </p:nvPicPr>
-        <p:blipFill>
-          <a:blip r:embed="rId2">
-            <a:extLst>
-              <a:ext uri="{28A0092B-C50C-407E-A947-70E740481C1C}">
-                <a14:useLocalDpi xmlns:a14="http://schemas.microsoft.com/office/drawing/2010/main" val="0"/>
-              </a:ext>
-            </a:extLst>
-          </a:blip>
-          <a:stretch>
-            <a:fillRect/>
-          </a:stretch>
-        </p:blipFill>
-        <p:spPr>
-          <a:xfrm>
-            <a:off x="838201" y="2476500"/>
-            <a:ext cx="1905000" cy="1905000"/>
-          </a:xfrm>
-          <a:prstGeom prst="rect">
-            <a:avLst/>
-          </a:prstGeom>
-        </p:spPr>
-      </p:pic>
-      <p:cxnSp>
-        <p:nvCxnSpPr>
-          <p:cNvPr id="6" name="Gerader Verbinder 5">
-            <a:extLst>
-              <a:ext uri="{FF2B5EF4-FFF2-40B4-BE49-F238E27FC236}">
-                <a16:creationId xmlns:a16="http://schemas.microsoft.com/office/drawing/2014/main" id="{7EFA8ABD-5F72-4B46-BE3A-27B92D0D2871}"/>
-              </a:ext>
-            </a:extLst>
-          </p:cNvPr>
-          <p:cNvCxnSpPr>
-            <a:cxnSpLocks/>
-          </p:cNvCxnSpPr>
-          <p:nvPr/>
-        </p:nvCxnSpPr>
-        <p:spPr>
-          <a:xfrm>
-            <a:off x="3343788" y="1278517"/>
-            <a:ext cx="0" cy="4585570"/>
-          </a:xfrm>
-          <a:prstGeom prst="line">
-            <a:avLst/>
-          </a:prstGeom>
-          <a:ln w="25400" cap="rnd">
-            <a:solidFill>
-              <a:srgbClr val="3F3658"/>
-            </a:solidFill>
-          </a:ln>
-        </p:spPr>
-        <p:style>
-          <a:lnRef idx="1">
-            <a:schemeClr val="accent1"/>
-          </a:lnRef>
-          <a:fillRef idx="0">
-            <a:schemeClr val="accent1"/>
-          </a:fillRef>
-          <a:effectRef idx="0">
-            <a:schemeClr val="accent1"/>
-          </a:effectRef>
-          <a:fontRef idx="minor">
-            <a:schemeClr val="tx1"/>
-          </a:fontRef>
-        </p:style>
-      </p:cxnSp>
-      <p:sp>
-        <p:nvSpPr>
-          <p:cNvPr id="7" name="Textfeld 6">
-            <a:extLst>
-              <a:ext uri="{FF2B5EF4-FFF2-40B4-BE49-F238E27FC236}">
-                <a16:creationId xmlns:a16="http://schemas.microsoft.com/office/drawing/2014/main" id="{3E5CCA95-BF7A-46E4-9279-89F179D25AE6}"/>
-              </a:ext>
-            </a:extLst>
-          </p:cNvPr>
-          <p:cNvSpPr txBox="1"/>
-          <p:nvPr/>
-        </p:nvSpPr>
-        <p:spPr>
-          <a:xfrm>
-            <a:off x="3944376" y="1909449"/>
-            <a:ext cx="4573688" cy="3039102"/>
-          </a:xfrm>
-          <a:prstGeom prst="rect">
-            <a:avLst/>
-          </a:prstGeom>
-          <a:noFill/>
-        </p:spPr>
-        <p:txBody>
-          <a:bodyPr wrap="none" rtlCol="0">
-            <a:spAutoFit/>
-          </a:bodyPr>
-          <a:lstStyle/>
-          <a:p>
-            <a:pPr marL="342900" indent="-342900">
-              <a:lnSpc>
-                <a:spcPct val="250000"/>
-              </a:lnSpc>
-              <a:buFont typeface="+mj-lt"/>
-              <a:buAutoNum type="arabicPeriod"/>
-            </a:pPr>
-            <a:r>
-              <a:rPr lang="en-US" sz="2000" dirty="0">
-                <a:solidFill>
-                  <a:srgbClr val="5A536D"/>
-                </a:solidFill>
-              </a:rPr>
-              <a:t>Rapid and simple development </a:t>
-            </a:r>
-          </a:p>
-          <a:p>
-            <a:pPr marL="342900" indent="-342900">
-              <a:lnSpc>
-                <a:spcPct val="250000"/>
-              </a:lnSpc>
-              <a:buFont typeface="+mj-lt"/>
-              <a:buAutoNum type="arabicPeriod"/>
-            </a:pPr>
-            <a:r>
-              <a:rPr lang="en-US" sz="2000" dirty="0">
-                <a:solidFill>
-                  <a:srgbClr val="5A536D"/>
-                </a:solidFill>
-              </a:rPr>
-              <a:t>All the power of Azure Web Apps </a:t>
-            </a:r>
-          </a:p>
-          <a:p>
-            <a:pPr marL="342900" indent="-342900">
-              <a:lnSpc>
-                <a:spcPct val="250000"/>
-              </a:lnSpc>
-              <a:buFont typeface="+mj-lt"/>
-              <a:buAutoNum type="arabicPeriod"/>
-            </a:pPr>
-            <a:r>
-              <a:rPr lang="en-US" sz="2000" dirty="0">
-                <a:solidFill>
-                  <a:srgbClr val="5A536D"/>
-                </a:solidFill>
-              </a:rPr>
-              <a:t>Pay for what you use</a:t>
-            </a:r>
-          </a:p>
-          <a:p>
-            <a:pPr marL="342900" indent="-342900">
-              <a:lnSpc>
-                <a:spcPct val="250000"/>
-              </a:lnSpc>
-              <a:buFont typeface="+mj-lt"/>
-              <a:buAutoNum type="arabicPeriod"/>
-            </a:pPr>
-            <a:r>
-              <a:rPr lang="en-US" sz="2000" dirty="0">
-                <a:solidFill>
-                  <a:srgbClr val="5A536D"/>
-                </a:solidFill>
-              </a:rPr>
-              <a:t>Automatic scaling</a:t>
-            </a:r>
-          </a:p>
-        </p:txBody>
-      </p:sp>
-    </p:spTree>
-    <p:extLst>
-      <p:ext uri="{BB962C8B-B14F-4D97-AF65-F5344CB8AC3E}">
-        <p14:creationId xmlns:p14="http://schemas.microsoft.com/office/powerpoint/2010/main" val="4232749492"/>
-      </p:ext>
-    </p:extLst>
-  </p:cSld>
-  <p:clrMapOvr>
-    <a:masterClrMapping/>
-  </p:clrMapOvr>
-</p:sld>
-</file>
-
 <file path=ppt/slides/slide9.xml><?xml version="1.0" encoding="utf-8"?>
 <p:sld xmlns:a="http://schemas.openxmlformats.org/drawingml/2006/main" xmlns:r="http://schemas.openxmlformats.org/officeDocument/2006/relationships" xmlns:p="http://schemas.openxmlformats.org/presentationml/2006/main">
   <p:cSld>
@@ -19009,12 +19078,48 @@
           <a:p>
             <a:r>
               <a:rPr lang="en-US" sz="2400" dirty="0"/>
-              <a:t>Demo: Azure Functions Demo</a:t>
+              <a:t>Benefits of Azure Functions</a:t>
             </a:r>
             <a:endParaRPr lang="de-DE" sz="2400" dirty="0"/>
           </a:p>
         </p:txBody>
       </p:sp>
+      <p:pic>
+        <p:nvPicPr>
+          <p:cNvPr id="4" name="Grafik 3">
+            <a:extLst>
+              <a:ext uri="{FF2B5EF4-FFF2-40B4-BE49-F238E27FC236}">
+                <a16:creationId xmlns:a16="http://schemas.microsoft.com/office/drawing/2014/main" id="{F688EBDA-04D3-4F87-8C8E-763AB5547EA2}"/>
+              </a:ext>
+            </a:extLst>
+          </p:cNvPr>
+          <p:cNvPicPr>
+            <a:picLocks noChangeAspect="1"/>
+          </p:cNvPicPr>
+          <p:nvPr/>
+        </p:nvPicPr>
+        <p:blipFill>
+          <a:blip r:embed="rId2">
+            <a:extLst>
+              <a:ext uri="{28A0092B-C50C-407E-A947-70E740481C1C}">
+                <a14:useLocalDpi xmlns:a14="http://schemas.microsoft.com/office/drawing/2010/main" val="0"/>
+              </a:ext>
+            </a:extLst>
+          </a:blip>
+          <a:stretch>
+            <a:fillRect/>
+          </a:stretch>
+        </p:blipFill>
+        <p:spPr>
+          <a:xfrm>
+            <a:off x="838201" y="2476500"/>
+            <a:ext cx="1905000" cy="1905000"/>
+          </a:xfrm>
+          <a:prstGeom prst="rect">
+            <a:avLst/>
+          </a:prstGeom>
+        </p:spPr>
+      </p:pic>
       <p:cxnSp>
         <p:nvCxnSpPr>
           <p:cNvPr id="6" name="Gerader Verbinder 5">
@@ -19060,10 +19165,10 @@
       </p:cxnSp>
       <p:sp>
         <p:nvSpPr>
-          <p:cNvPr id="13" name="Textfeld 12">
-            <a:extLst>
-              <a:ext uri="{FF2B5EF4-FFF2-40B4-BE49-F238E27FC236}">
-                <a16:creationId xmlns:a16="http://schemas.microsoft.com/office/drawing/2014/main" id="{2F81F2AB-E65C-4B76-B7B9-679464B9904D}"/>
+          <p:cNvPr id="7" name="Textfeld 6">
+            <a:extLst>
+              <a:ext uri="{FF2B5EF4-FFF2-40B4-BE49-F238E27FC236}">
+                <a16:creationId xmlns:a16="http://schemas.microsoft.com/office/drawing/2014/main" id="{3E5CCA95-BF7A-46E4-9279-89F179D25AE6}"/>
               </a:ext>
             </a:extLst>
           </p:cNvPr>
@@ -19072,8 +19177,8 @@
         </p:nvSpPr>
         <p:spPr>
           <a:xfrm>
-            <a:off x="3876269" y="2476498"/>
-            <a:ext cx="7420621" cy="1500219"/>
+            <a:off x="3944376" y="1909449"/>
+            <a:ext cx="4573688" cy="3039102"/>
           </a:xfrm>
           <a:prstGeom prst="rect">
             <a:avLst/>
@@ -19086,98 +19191,79 @@
           </a:bodyPr>
           <a:lstStyle/>
           <a:p>
-            <a:pPr>
+            <a:pPr marL="342900" indent="-342900">
               <a:lnSpc>
                 <a:spcPct val="250000"/>
               </a:lnSpc>
+              <a:buFont typeface="+mj-lt"/>
+              <a:buAutoNum type="arabicPeriod"/>
             </a:pPr>
             <a:r>
-              <a:rPr lang="en-US" sz="2000" b="1" dirty="0">
+              <a:rPr lang="en-US" sz="2000" dirty="0">
                 <a:solidFill>
                   <a:srgbClr val="5A536D"/>
                 </a:solidFill>
               </a:rPr>
-              <a:t>Create and deploy a Azure Function with Visual Studio</a:t>
-            </a:r>
-          </a:p>
-          <a:p>
-            <a:pPr>
+              <a:t>Rapid and simple development </a:t>
+            </a:r>
+          </a:p>
+          <a:p>
+            <a:pPr marL="342900" indent="-342900">
               <a:lnSpc>
                 <a:spcPct val="250000"/>
               </a:lnSpc>
+              <a:buFont typeface="+mj-lt"/>
+              <a:buAutoNum type="arabicPeriod"/>
             </a:pPr>
             <a:r>
-              <a:rPr lang="en-US" sz="2000" b="1" dirty="0">
+              <a:rPr lang="en-US" sz="2000" dirty="0">
                 <a:solidFill>
                   <a:srgbClr val="5A536D"/>
                 </a:solidFill>
               </a:rPr>
-              <a:t>Create a </a:t>
-            </a:r>
-            <a:r>
-              <a:rPr lang="en-US" sz="2000" b="1" dirty="0" err="1">
+              <a:t>All the power of Azure Web Apps </a:t>
+            </a:r>
+          </a:p>
+          <a:p>
+            <a:pPr marL="342900" indent="-342900">
+              <a:lnSpc>
+                <a:spcPct val="250000"/>
+              </a:lnSpc>
+              <a:buFont typeface="+mj-lt"/>
+              <a:buAutoNum type="arabicPeriod"/>
+            </a:pPr>
+            <a:r>
+              <a:rPr lang="en-US" sz="2000" dirty="0">
                 <a:solidFill>
                   <a:srgbClr val="5A536D"/>
                 </a:solidFill>
               </a:rPr>
-              <a:t>Powershell</a:t>
-            </a:r>
-            <a:r>
-              <a:rPr lang="en-US" sz="2000" b="1" dirty="0">
+              <a:t>Pay for what you use</a:t>
+            </a:r>
+          </a:p>
+          <a:p>
+            <a:pPr marL="342900" indent="-342900">
+              <a:lnSpc>
+                <a:spcPct val="250000"/>
+              </a:lnSpc>
+              <a:buFont typeface="+mj-lt"/>
+              <a:buAutoNum type="arabicPeriod"/>
+            </a:pPr>
+            <a:r>
+              <a:rPr lang="en-US" sz="2000" dirty="0">
                 <a:solidFill>
                   <a:srgbClr val="5A536D"/>
                 </a:solidFill>
               </a:rPr>
-              <a:t> Azure Function inside the Azure Portal</a:t>
-            </a:r>
-            <a:endParaRPr lang="en-US" sz="2000" dirty="0">
-              <a:solidFill>
-                <a:srgbClr val="5A536D"/>
-              </a:solidFill>
-            </a:endParaRPr>
+              <a:t>Automatic scaling</a:t>
+            </a:r>
           </a:p>
         </p:txBody>
       </p:sp>
-      <p:pic>
-        <p:nvPicPr>
-          <p:cNvPr id="15" name="Grafik 14">
-            <a:extLst>
-              <a:ext uri="{FF2B5EF4-FFF2-40B4-BE49-F238E27FC236}">
-                <a16:creationId xmlns:a16="http://schemas.microsoft.com/office/drawing/2014/main" id="{75C66F34-CCD3-4F4B-97B6-673D0AF7DCCE}"/>
-              </a:ext>
-            </a:extLst>
-          </p:cNvPr>
-          <p:cNvPicPr>
-            <a:picLocks noChangeAspect="1"/>
-          </p:cNvPicPr>
-          <p:nvPr/>
-        </p:nvPicPr>
-        <p:blipFill>
-          <a:blip r:embed="rId2">
-            <a:extLst>
-              <a:ext uri="{28A0092B-C50C-407E-A947-70E740481C1C}">
-                <a14:useLocalDpi xmlns:a14="http://schemas.microsoft.com/office/drawing/2010/main" val="0"/>
-              </a:ext>
-            </a:extLst>
-          </a:blip>
-          <a:stretch>
-            <a:fillRect/>
-          </a:stretch>
-        </p:blipFill>
-        <p:spPr>
-          <a:xfrm>
-            <a:off x="838201" y="2476498"/>
-            <a:ext cx="1905000" cy="1905000"/>
-          </a:xfrm>
-          <a:prstGeom prst="rect">
-            <a:avLst/>
-          </a:prstGeom>
-        </p:spPr>
-      </p:pic>
     </p:spTree>
     <p:extLst>
       <p:ext uri="{BB962C8B-B14F-4D97-AF65-F5344CB8AC3E}">
-        <p14:creationId xmlns:p14="http://schemas.microsoft.com/office/powerpoint/2010/main" val="2008861329"/>
+        <p14:creationId xmlns:p14="http://schemas.microsoft.com/office/powerpoint/2010/main" val="4232749492"/>
       </p:ext>
     </p:extLst>
   </p:cSld>

--- a/slides/Durable_Functions.pptx
+++ b/slides/Durable_Functions.pptx
@@ -5499,7 +5499,7 @@
                             </p:stCondLst>
                             <p:childTnLst>
                               <p:par>
-                                <p:cTn id="5" presetID="22" presetClass="entr" presetSubtype="4" fill="hold" nodeType="clickEffect">
+                                <p:cTn id="5" presetID="22" presetClass="entr" presetSubtype="8" fill="hold" nodeType="clickEffect">
                                   <p:stCondLst>
                                     <p:cond delay="0"/>
                                   </p:stCondLst>
@@ -5522,7 +5522,7 @@
                                         <p:strVal val="visible"/>
                                       </p:to>
                                     </p:set>
-                                    <p:animEffect transition="in" filter="wipe(down)">
+                                    <p:animEffect transition="in" filter="wipe(left)">
                                       <p:cBhvr>
                                         <p:cTn id="7" dur="500"/>
                                         <p:tgtEl>
@@ -5534,7 +5534,7 @@
                                 </p:cTn>
                               </p:par>
                               <p:par>
-                                <p:cTn id="8" presetID="22" presetClass="entr" presetSubtype="4" fill="hold" grpId="0" nodeType="withEffect">
+                                <p:cTn id="8" presetID="22" presetClass="entr" presetSubtype="8" fill="hold" grpId="0" nodeType="withEffect">
                                   <p:stCondLst>
                                     <p:cond delay="0"/>
                                   </p:stCondLst>
@@ -5557,7 +5557,7 @@
                                         <p:strVal val="visible"/>
                                       </p:to>
                                     </p:set>
-                                    <p:animEffect transition="in" filter="wipe(down)">
+                                    <p:animEffect transition="in" filter="wipe(left)">
                                       <p:cBhvr>
                                         <p:cTn id="10" dur="500"/>
                                         <p:tgtEl>
@@ -5604,7 +5604,7 @@
                                 </p:cTn>
                               </p:par>
                               <p:par>
-                                <p:cTn id="14" presetID="22" presetClass="entr" presetSubtype="4" fill="hold" nodeType="withEffect">
+                                <p:cTn id="14" presetID="22" presetClass="entr" presetSubtype="8" fill="hold" nodeType="withEffect">
                                   <p:stCondLst>
                                     <p:cond delay="0"/>
                                   </p:stCondLst>
@@ -5627,7 +5627,7 @@
                                         <p:strVal val="visible"/>
                                       </p:to>
                                     </p:set>
-                                    <p:animEffect transition="in" filter="wipe(down)">
+                                    <p:animEffect transition="in" filter="wipe(left)">
                                       <p:cBhvr>
                                         <p:cTn id="16" dur="500"/>
                                         <p:tgtEl>
@@ -5657,7 +5657,7 @@
                             </p:stCondLst>
                             <p:childTnLst>
                               <p:par>
-                                <p:cTn id="19" presetID="22" presetClass="entr" presetSubtype="4" fill="hold" nodeType="clickEffect">
+                                <p:cTn id="19" presetID="22" presetClass="entr" presetSubtype="8" fill="hold" nodeType="clickEffect">
                                   <p:stCondLst>
                                     <p:cond delay="0"/>
                                   </p:stCondLst>
@@ -5680,7 +5680,7 @@
                                         <p:strVal val="visible"/>
                                       </p:to>
                                     </p:set>
-                                    <p:animEffect transition="in" filter="wipe(down)">
+                                    <p:animEffect transition="in" filter="wipe(left)">
                                       <p:cBhvr>
                                         <p:cTn id="21" dur="500"/>
                                         <p:tgtEl>
@@ -5692,7 +5692,7 @@
                                 </p:cTn>
                               </p:par>
                               <p:par>
-                                <p:cTn id="22" presetID="22" presetClass="entr" presetSubtype="4" fill="hold" nodeType="withEffect">
+                                <p:cTn id="22" presetID="22" presetClass="entr" presetSubtype="8" fill="hold" nodeType="withEffect">
                                   <p:stCondLst>
                                     <p:cond delay="0"/>
                                   </p:stCondLst>
@@ -5715,7 +5715,7 @@
                                         <p:strVal val="visible"/>
                                       </p:to>
                                     </p:set>
-                                    <p:animEffect transition="in" filter="wipe(down)">
+                                    <p:animEffect transition="in" filter="wipe(left)">
                                       <p:cBhvr>
                                         <p:cTn id="24" dur="500"/>
                                         <p:tgtEl>
@@ -5727,7 +5727,7 @@
                                 </p:cTn>
                               </p:par>
                               <p:par>
-                                <p:cTn id="25" presetID="22" presetClass="entr" presetSubtype="4" fill="hold" grpId="0" nodeType="withEffect">
+                                <p:cTn id="25" presetID="22" presetClass="entr" presetSubtype="8" fill="hold" grpId="0" nodeType="withEffect">
                                   <p:stCondLst>
                                     <p:cond delay="0"/>
                                   </p:stCondLst>
@@ -5750,7 +5750,7 @@
                                         <p:strVal val="visible"/>
                                       </p:to>
                                     </p:set>
-                                    <p:animEffect transition="in" filter="wipe(down)">
+                                    <p:animEffect transition="in" filter="wipe(left)">
                                       <p:cBhvr>
                                         <p:cTn id="27" dur="500"/>
                                         <p:tgtEl>
@@ -5762,7 +5762,7 @@
                                 </p:cTn>
                               </p:par>
                               <p:par>
-                                <p:cTn id="28" presetID="22" presetClass="entr" presetSubtype="4" fill="hold" grpId="0" nodeType="withEffect">
+                                <p:cTn id="28" presetID="22" presetClass="entr" presetSubtype="8" fill="hold" grpId="0" nodeType="withEffect">
                                   <p:stCondLst>
                                     <p:cond delay="0"/>
                                   </p:stCondLst>
@@ -5785,7 +5785,7 @@
                                         <p:strVal val="visible"/>
                                       </p:to>
                                     </p:set>
-                                    <p:animEffect transition="in" filter="wipe(down)">
+                                    <p:animEffect transition="in" filter="wipe(left)">
                                       <p:cBhvr>
                                         <p:cTn id="30" dur="500"/>
                                         <p:tgtEl>
@@ -5797,7 +5797,7 @@
                                 </p:cTn>
                               </p:par>
                               <p:par>
-                                <p:cTn id="31" presetID="22" presetClass="entr" presetSubtype="4" fill="hold" nodeType="withEffect">
+                                <p:cTn id="31" presetID="22" presetClass="entr" presetSubtype="8" fill="hold" nodeType="withEffect">
                                   <p:stCondLst>
                                     <p:cond delay="0"/>
                                   </p:stCondLst>
@@ -5820,7 +5820,7 @@
                                         <p:strVal val="visible"/>
                                       </p:to>
                                     </p:set>
-                                    <p:animEffect transition="in" filter="wipe(down)">
+                                    <p:animEffect transition="in" filter="wipe(left)">
                                       <p:cBhvr>
                                         <p:cTn id="33" dur="500"/>
                                         <p:tgtEl>
@@ -5832,7 +5832,7 @@
                                 </p:cTn>
                               </p:par>
                               <p:par>
-                                <p:cTn id="34" presetID="22" presetClass="entr" presetSubtype="4" fill="hold" nodeType="withEffect">
+                                <p:cTn id="34" presetID="22" presetClass="entr" presetSubtype="8" fill="hold" nodeType="withEffect">
                                   <p:stCondLst>
                                     <p:cond delay="0"/>
                                   </p:stCondLst>
@@ -5855,7 +5855,7 @@
                                         <p:strVal val="visible"/>
                                       </p:to>
                                     </p:set>
-                                    <p:animEffect transition="in" filter="wipe(down)">
+                                    <p:animEffect transition="in" filter="wipe(left)">
                                       <p:cBhvr>
                                         <p:cTn id="36" dur="500"/>
                                         <p:tgtEl>
@@ -5867,7 +5867,7 @@
                                 </p:cTn>
                               </p:par>
                               <p:par>
-                                <p:cTn id="37" presetID="22" presetClass="entr" presetSubtype="4" fill="hold" nodeType="withEffect">
+                                <p:cTn id="37" presetID="22" presetClass="entr" presetSubtype="8" fill="hold" nodeType="withEffect">
                                   <p:stCondLst>
                                     <p:cond delay="0"/>
                                   </p:stCondLst>
@@ -5890,7 +5890,7 @@
                                         <p:strVal val="visible"/>
                                       </p:to>
                                     </p:set>
-                                    <p:animEffect transition="in" filter="wipe(down)">
+                                    <p:animEffect transition="in" filter="wipe(left)">
                                       <p:cBhvr>
                                         <p:cTn id="39" dur="500"/>
                                         <p:tgtEl>
@@ -5902,7 +5902,7 @@
                                 </p:cTn>
                               </p:par>
                               <p:par>
-                                <p:cTn id="40" presetID="22" presetClass="entr" presetSubtype="4" fill="hold" nodeType="withEffect">
+                                <p:cTn id="40" presetID="22" presetClass="entr" presetSubtype="8" fill="hold" nodeType="withEffect">
                                   <p:stCondLst>
                                     <p:cond delay="0"/>
                                   </p:stCondLst>
@@ -5925,7 +5925,7 @@
                                         <p:strVal val="visible"/>
                                       </p:to>
                                     </p:set>
-                                    <p:animEffect transition="in" filter="wipe(down)">
+                                    <p:animEffect transition="in" filter="wipe(left)">
                                       <p:cBhvr>
                                         <p:cTn id="42" dur="500"/>
                                         <p:tgtEl>
@@ -5937,7 +5937,7 @@
                                 </p:cTn>
                               </p:par>
                               <p:par>
-                                <p:cTn id="43" presetID="22" presetClass="entr" presetSubtype="4" fill="hold" grpId="0" nodeType="withEffect">
+                                <p:cTn id="43" presetID="22" presetClass="entr" presetSubtype="8" fill="hold" grpId="0" nodeType="withEffect">
                                   <p:stCondLst>
                                     <p:cond delay="0"/>
                                   </p:stCondLst>
@@ -5960,7 +5960,7 @@
                                         <p:strVal val="visible"/>
                                       </p:to>
                                     </p:set>
-                                    <p:animEffect transition="in" filter="wipe(down)">
+                                    <p:animEffect transition="in" filter="wipe(left)">
                                       <p:cBhvr>
                                         <p:cTn id="45" dur="500"/>
                                         <p:tgtEl>
@@ -9453,7 +9453,7 @@
                             </p:stCondLst>
                             <p:childTnLst>
                               <p:par>
-                                <p:cTn id="5" presetID="22" presetClass="entr" presetSubtype="4" fill="hold" nodeType="clickEffect">
+                                <p:cTn id="5" presetID="22" presetClass="entr" presetSubtype="8" fill="hold" nodeType="clickEffect">
                                   <p:stCondLst>
                                     <p:cond delay="0"/>
                                   </p:stCondLst>
@@ -9476,7 +9476,7 @@
                                         <p:strVal val="visible"/>
                                       </p:to>
                                     </p:set>
-                                    <p:animEffect transition="in" filter="wipe(down)">
+                                    <p:animEffect transition="in" filter="wipe(left)">
                                       <p:cBhvr>
                                         <p:cTn id="7" dur="500"/>
                                         <p:tgtEl>
@@ -9488,7 +9488,7 @@
                                 </p:cTn>
                               </p:par>
                               <p:par>
-                                <p:cTn id="8" presetID="22" presetClass="entr" presetSubtype="4" fill="hold" nodeType="withEffect">
+                                <p:cTn id="8" presetID="22" presetClass="entr" presetSubtype="8" fill="hold" nodeType="withEffect">
                                   <p:stCondLst>
                                     <p:cond delay="0"/>
                                   </p:stCondLst>
@@ -9511,7 +9511,7 @@
                                         <p:strVal val="visible"/>
                                       </p:to>
                                     </p:set>
-                                    <p:animEffect transition="in" filter="wipe(down)">
+                                    <p:animEffect transition="in" filter="wipe(left)">
                                       <p:cBhvr>
                                         <p:cTn id="10" dur="500"/>
                                         <p:tgtEl>
@@ -9523,7 +9523,7 @@
                                 </p:cTn>
                               </p:par>
                               <p:par>
-                                <p:cTn id="11" presetID="22" presetClass="entr" presetSubtype="4" fill="hold" nodeType="withEffect">
+                                <p:cTn id="11" presetID="22" presetClass="entr" presetSubtype="8" fill="hold" nodeType="withEffect">
                                   <p:stCondLst>
                                     <p:cond delay="0"/>
                                   </p:stCondLst>
@@ -9546,7 +9546,7 @@
                                         <p:strVal val="visible"/>
                                       </p:to>
                                     </p:set>
-                                    <p:animEffect transition="in" filter="wipe(down)">
+                                    <p:animEffect transition="in" filter="wipe(left)">
                                       <p:cBhvr>
                                         <p:cTn id="13" dur="500"/>
                                         <p:tgtEl>
@@ -9558,7 +9558,7 @@
                                 </p:cTn>
                               </p:par>
                               <p:par>
-                                <p:cTn id="14" presetID="22" presetClass="entr" presetSubtype="4" fill="hold" nodeType="withEffect">
+                                <p:cTn id="14" presetID="22" presetClass="entr" presetSubtype="8" fill="hold" nodeType="withEffect">
                                   <p:stCondLst>
                                     <p:cond delay="0"/>
                                   </p:stCondLst>
@@ -9581,7 +9581,7 @@
                                         <p:strVal val="visible"/>
                                       </p:to>
                                     </p:set>
-                                    <p:animEffect transition="in" filter="wipe(down)">
+                                    <p:animEffect transition="in" filter="wipe(left)">
                                       <p:cBhvr>
                                         <p:cTn id="16" dur="500"/>
                                         <p:tgtEl>
@@ -9593,7 +9593,7 @@
                                 </p:cTn>
                               </p:par>
                               <p:par>
-                                <p:cTn id="17" presetID="22" presetClass="entr" presetSubtype="4" fill="hold" grpId="0" nodeType="withEffect">
+                                <p:cTn id="17" presetID="22" presetClass="entr" presetSubtype="8" fill="hold" grpId="0" nodeType="withEffect">
                                   <p:stCondLst>
                                     <p:cond delay="0"/>
                                   </p:stCondLst>
@@ -9616,7 +9616,7 @@
                                         <p:strVal val="visible"/>
                                       </p:to>
                                     </p:set>
-                                    <p:animEffect transition="in" filter="wipe(down)">
+                                    <p:animEffect transition="in" filter="wipe(left)">
                                       <p:cBhvr>
                                         <p:cTn id="19" dur="500"/>
                                         <p:tgtEl>
@@ -9786,7 +9786,7 @@
                             </p:stCondLst>
                             <p:childTnLst>
                               <p:par>
-                                <p:cTn id="34" presetID="22" presetClass="entr" presetSubtype="4" fill="hold" nodeType="clickEffect">
+                                <p:cTn id="34" presetID="22" presetClass="entr" presetSubtype="8" fill="hold" nodeType="clickEffect">
                                   <p:stCondLst>
                                     <p:cond delay="0"/>
                                   </p:stCondLst>
@@ -9809,7 +9809,7 @@
                                         <p:strVal val="visible"/>
                                       </p:to>
                                     </p:set>
-                                    <p:animEffect transition="in" filter="wipe(down)">
+                                    <p:animEffect transition="in" filter="wipe(left)">
                                       <p:cBhvr>
                                         <p:cTn id="36" dur="500"/>
                                         <p:tgtEl>
@@ -9821,7 +9821,7 @@
                                 </p:cTn>
                               </p:par>
                               <p:par>
-                                <p:cTn id="37" presetID="22" presetClass="entr" presetSubtype="4" fill="hold" nodeType="withEffect">
+                                <p:cTn id="37" presetID="22" presetClass="entr" presetSubtype="8" fill="hold" nodeType="withEffect">
                                   <p:stCondLst>
                                     <p:cond delay="0"/>
                                   </p:stCondLst>
@@ -9844,7 +9844,7 @@
                                         <p:strVal val="visible"/>
                                       </p:to>
                                     </p:set>
-                                    <p:animEffect transition="in" filter="wipe(down)">
+                                    <p:animEffect transition="in" filter="wipe(left)">
                                       <p:cBhvr>
                                         <p:cTn id="39" dur="500"/>
                                         <p:tgtEl>
@@ -9856,7 +9856,7 @@
                                 </p:cTn>
                               </p:par>
                               <p:par>
-                                <p:cTn id="40" presetID="22" presetClass="entr" presetSubtype="4" fill="hold" nodeType="withEffect">
+                                <p:cTn id="40" presetID="22" presetClass="entr" presetSubtype="8" fill="hold" nodeType="withEffect">
                                   <p:stCondLst>
                                     <p:cond delay="0"/>
                                   </p:stCondLst>
@@ -9879,7 +9879,7 @@
                                         <p:strVal val="visible"/>
                                       </p:to>
                                     </p:set>
-                                    <p:animEffect transition="in" filter="wipe(down)">
+                                    <p:animEffect transition="in" filter="wipe(left)">
                                       <p:cBhvr>
                                         <p:cTn id="42" dur="500"/>
                                         <p:tgtEl>
@@ -9891,7 +9891,7 @@
                                 </p:cTn>
                               </p:par>
                               <p:par>
-                                <p:cTn id="43" presetID="22" presetClass="entr" presetSubtype="4" fill="hold" nodeType="withEffect">
+                                <p:cTn id="43" presetID="22" presetClass="entr" presetSubtype="8" fill="hold" nodeType="withEffect">
                                   <p:stCondLst>
                                     <p:cond delay="0"/>
                                   </p:stCondLst>
@@ -9914,7 +9914,7 @@
                                         <p:strVal val="visible"/>
                                       </p:to>
                                     </p:set>
-                                    <p:animEffect transition="in" filter="wipe(down)">
+                                    <p:animEffect transition="in" filter="wipe(left)">
                                       <p:cBhvr>
                                         <p:cTn id="45" dur="500"/>
                                         <p:tgtEl>
@@ -9926,7 +9926,7 @@
                                 </p:cTn>
                               </p:par>
                               <p:par>
-                                <p:cTn id="46" presetID="22" presetClass="entr" presetSubtype="4" fill="hold" nodeType="withEffect">
+                                <p:cTn id="46" presetID="22" presetClass="entr" presetSubtype="8" fill="hold" nodeType="withEffect">
                                   <p:stCondLst>
                                     <p:cond delay="0"/>
                                   </p:stCondLst>
@@ -9949,7 +9949,7 @@
                                         <p:strVal val="visible"/>
                                       </p:to>
                                     </p:set>
-                                    <p:animEffect transition="in" filter="wipe(down)">
+                                    <p:animEffect transition="in" filter="wipe(left)">
                                       <p:cBhvr>
                                         <p:cTn id="48" dur="500"/>
                                         <p:tgtEl>
@@ -9961,7 +9961,7 @@
                                 </p:cTn>
                               </p:par>
                               <p:par>
-                                <p:cTn id="49" presetID="22" presetClass="entr" presetSubtype="4" fill="hold" grpId="0" nodeType="withEffect">
+                                <p:cTn id="49" presetID="22" presetClass="entr" presetSubtype="8" fill="hold" grpId="0" nodeType="withEffect">
                                   <p:stCondLst>
                                     <p:cond delay="0"/>
                                   </p:stCondLst>
@@ -9984,7 +9984,7 @@
                                         <p:strVal val="visible"/>
                                       </p:to>
                                     </p:set>
-                                    <p:animEffect transition="in" filter="wipe(down)">
+                                    <p:animEffect transition="in" filter="wipe(left)">
                                       <p:cBhvr>
                                         <p:cTn id="51" dur="500"/>
                                         <p:tgtEl>
@@ -10892,106 +10892,6 @@
       </p:pic>
       <p:sp>
         <p:nvSpPr>
-          <p:cNvPr id="11" name="Freihandform: Form 10">
-            <a:extLst>
-              <a:ext uri="{FF2B5EF4-FFF2-40B4-BE49-F238E27FC236}">
-                <a16:creationId xmlns:a16="http://schemas.microsoft.com/office/drawing/2014/main" id="{66C49116-7A19-40ED-BFC9-A2E7A2465979}"/>
-              </a:ext>
-            </a:extLst>
-          </p:cNvPr>
-          <p:cNvSpPr/>
-          <p:nvPr/>
-        </p:nvSpPr>
-        <p:spPr>
-          <a:xfrm>
-            <a:off x="4330688" y="1637293"/>
-            <a:ext cx="1780027" cy="1645891"/>
-          </a:xfrm>
-          <a:custGeom>
-            <a:avLst/>
-            <a:gdLst>
-              <a:gd name="connsiteX0" fmla="*/ 3279648 w 3279648"/>
-              <a:gd name="connsiteY0" fmla="*/ 1456944 h 1456944"/>
-              <a:gd name="connsiteX1" fmla="*/ 1908048 w 3279648"/>
-              <a:gd name="connsiteY1" fmla="*/ 292608 h 1456944"/>
-              <a:gd name="connsiteX2" fmla="*/ 0 w 3279648"/>
-              <a:gd name="connsiteY2" fmla="*/ 0 h 1456944"/>
-            </a:gdLst>
-            <a:ahLst/>
-            <a:cxnLst>
-              <a:cxn ang="0">
-                <a:pos x="connsiteX0" y="connsiteY0"/>
-              </a:cxn>
-              <a:cxn ang="0">
-                <a:pos x="connsiteX1" y="connsiteY1"/>
-              </a:cxn>
-              <a:cxn ang="0">
-                <a:pos x="connsiteX2" y="connsiteY2"/>
-              </a:cxn>
-            </a:cxnLst>
-            <a:rect l="l" t="t" r="r" b="b"/>
-            <a:pathLst>
-              <a:path w="3279648" h="1456944">
-                <a:moveTo>
-                  <a:pt x="3279648" y="1456944"/>
-                </a:moveTo>
-                <a:cubicBezTo>
-                  <a:pt x="2867152" y="996188"/>
-                  <a:pt x="2454656" y="535432"/>
-                  <a:pt x="1908048" y="292608"/>
-                </a:cubicBezTo>
-                <a:cubicBezTo>
-                  <a:pt x="1361440" y="49784"/>
-                  <a:pt x="177800" y="16256"/>
-                  <a:pt x="0" y="0"/>
-                </a:cubicBezTo>
-              </a:path>
-            </a:pathLst>
-          </a:custGeom>
-          <a:noFill/>
-          <a:ln w="38100">
-            <a:solidFill>
-              <a:srgbClr val="FFC000"/>
-            </a:solidFill>
-            <a:prstDash val="sysDash"/>
-            <a:headEnd type="none" w="med" len="med"/>
-            <a:tailEnd type="arrow" w="med" len="med"/>
-          </a:ln>
-          <a:effectLst>
-            <a:outerShdw blurRad="50800" dist="38100" dir="2700000" algn="tl" rotWithShape="0">
-              <a:prstClr val="black">
-                <a:alpha val="40000"/>
-              </a:prstClr>
-            </a:outerShdw>
-          </a:effectLst>
-        </p:spPr>
-        <p:style>
-          <a:lnRef idx="2">
-            <a:schemeClr val="accent1">
-              <a:shade val="50000"/>
-            </a:schemeClr>
-          </a:lnRef>
-          <a:fillRef idx="1">
-            <a:schemeClr val="accent1"/>
-          </a:fillRef>
-          <a:effectRef idx="0">
-            <a:schemeClr val="accent1"/>
-          </a:effectRef>
-          <a:fontRef idx="minor">
-            <a:schemeClr val="lt1"/>
-          </a:fontRef>
-        </p:style>
-        <p:txBody>
-          <a:bodyPr rtlCol="0" anchor="ctr"/>
-          <a:lstStyle/>
-          <a:p>
-            <a:pPr algn="ctr"/>
-            <a:endParaRPr lang="de-DE"/>
-          </a:p>
-        </p:txBody>
-      </p:sp>
-      <p:sp>
-        <p:nvSpPr>
           <p:cNvPr id="12" name="Freihandform: Form 11">
             <a:extLst>
               <a:ext uri="{FF2B5EF4-FFF2-40B4-BE49-F238E27FC236}">
@@ -11190,6 +11090,116 @@
           </a:p>
         </p:txBody>
       </p:sp>
+      <p:sp>
+        <p:nvSpPr>
+          <p:cNvPr id="5" name="Freihandform: Form 4">
+            <a:extLst>
+              <a:ext uri="{FF2B5EF4-FFF2-40B4-BE49-F238E27FC236}">
+                <a16:creationId xmlns:a16="http://schemas.microsoft.com/office/drawing/2014/main" id="{E83F0FEF-4ABB-4615-8F74-CAD3514929AA}"/>
+              </a:ext>
+            </a:extLst>
+          </p:cNvPr>
+          <p:cNvSpPr/>
+          <p:nvPr/>
+        </p:nvSpPr>
+        <p:spPr>
+          <a:xfrm>
+            <a:off x="4313465" y="1608668"/>
+            <a:ext cx="1974691" cy="1697193"/>
+          </a:xfrm>
+          <a:custGeom>
+            <a:avLst/>
+            <a:gdLst>
+              <a:gd name="connsiteX0" fmla="*/ 0 w 1868556"/>
+              <a:gd name="connsiteY0" fmla="*/ 1803 h 1393281"/>
+              <a:gd name="connsiteX1" fmla="*/ 742121 w 1868556"/>
+              <a:gd name="connsiteY1" fmla="*/ 94568 h 1393281"/>
+              <a:gd name="connsiteX2" fmla="*/ 1457739 w 1868556"/>
+              <a:gd name="connsiteY2" fmla="*/ 611403 h 1393281"/>
+              <a:gd name="connsiteX3" fmla="*/ 1868556 w 1868556"/>
+              <a:gd name="connsiteY3" fmla="*/ 1393281 h 1393281"/>
+            </a:gdLst>
+            <a:ahLst/>
+            <a:cxnLst>
+              <a:cxn ang="0">
+                <a:pos x="connsiteX0" y="connsiteY0"/>
+              </a:cxn>
+              <a:cxn ang="0">
+                <a:pos x="connsiteX1" y="connsiteY1"/>
+              </a:cxn>
+              <a:cxn ang="0">
+                <a:pos x="connsiteX2" y="connsiteY2"/>
+              </a:cxn>
+              <a:cxn ang="0">
+                <a:pos x="connsiteX3" y="connsiteY3"/>
+              </a:cxn>
+            </a:cxnLst>
+            <a:rect l="l" t="t" r="r" b="b"/>
+            <a:pathLst>
+              <a:path w="1868556" h="1393281">
+                <a:moveTo>
+                  <a:pt x="0" y="1803"/>
+                </a:moveTo>
+                <a:cubicBezTo>
+                  <a:pt x="249582" y="-2615"/>
+                  <a:pt x="499165" y="-7032"/>
+                  <a:pt x="742121" y="94568"/>
+                </a:cubicBezTo>
+                <a:cubicBezTo>
+                  <a:pt x="985078" y="196168"/>
+                  <a:pt x="1270000" y="394951"/>
+                  <a:pt x="1457739" y="611403"/>
+                </a:cubicBezTo>
+                <a:cubicBezTo>
+                  <a:pt x="1645478" y="827855"/>
+                  <a:pt x="1757017" y="1110568"/>
+                  <a:pt x="1868556" y="1393281"/>
+                </a:cubicBezTo>
+              </a:path>
+            </a:pathLst>
+          </a:custGeom>
+          <a:noFill/>
+          <a:ln w="38100">
+            <a:solidFill>
+              <a:srgbClr val="FFC000"/>
+            </a:solidFill>
+            <a:prstDash val="sysDash"/>
+            <a:headEnd type="none" w="med" len="med"/>
+            <a:tailEnd type="arrow" w="med" len="med"/>
+          </a:ln>
+          <a:effectLst>
+            <a:outerShdw blurRad="50800" dist="38100" dir="5400000" algn="t" rotWithShape="0">
+              <a:prstClr val="black">
+                <a:alpha val="40000"/>
+              </a:prstClr>
+            </a:outerShdw>
+          </a:effectLst>
+        </p:spPr>
+        <p:style>
+          <a:lnRef idx="2">
+            <a:schemeClr val="accent1">
+              <a:shade val="50000"/>
+            </a:schemeClr>
+          </a:lnRef>
+          <a:fillRef idx="1">
+            <a:schemeClr val="accent1"/>
+          </a:fillRef>
+          <a:effectRef idx="0">
+            <a:schemeClr val="accent1"/>
+          </a:effectRef>
+          <a:fontRef idx="minor">
+            <a:schemeClr val="lt1"/>
+          </a:fontRef>
+        </p:style>
+        <p:txBody>
+          <a:bodyPr rtlCol="0" anchor="ctr"/>
+          <a:lstStyle/>
+          <a:p>
+            <a:pPr algn="ctr"/>
+            <a:endParaRPr lang="de-DE"/>
+          </a:p>
+        </p:txBody>
+      </p:sp>
     </p:spTree>
     <p:extLst>
       <p:ext uri="{BB962C8B-B14F-4D97-AF65-F5344CB8AC3E}">
@@ -11212,9 +11222,6 @@
                     <p:cTn id="3" fill="hold">
                       <p:stCondLst>
                         <p:cond delay="indefinite"/>
-                        <p:cond evt="onBegin" delay="0">
-                          <p:tn val="2"/>
-                        </p:cond>
                       </p:stCondLst>
                       <p:childTnLst>
                         <p:par>
@@ -11224,7 +11231,7 @@
                             </p:stCondLst>
                             <p:childTnLst>
                               <p:par>
-                                <p:cTn id="5" presetID="1" presetClass="entr" presetSubtype="0" fill="hold" nodeType="withEffect">
+                                <p:cTn id="5" presetID="22" presetClass="entr" presetSubtype="1" fill="hold" grpId="0" nodeType="clickEffect">
                                   <p:stCondLst>
                                     <p:cond delay="0"/>
                                   </p:stCondLst>
@@ -11237,7 +11244,7 @@
                                           </p:stCondLst>
                                         </p:cTn>
                                         <p:tgtEl>
-                                          <p:spTgt spid="77"/>
+                                          <p:spTgt spid="12"/>
                                         </p:tgtEl>
                                         <p:attrNameLst>
                                           <p:attrName>style.visibility</p:attrName>
@@ -11247,18 +11254,26 @@
                                         <p:strVal val="visible"/>
                                       </p:to>
                                     </p:set>
+                                    <p:animEffect transition="in" filter="wipe(up)">
+                                      <p:cBhvr>
+                                        <p:cTn id="7" dur="500"/>
+                                        <p:tgtEl>
+                                          <p:spTgt spid="12"/>
+                                        </p:tgtEl>
+                                      </p:cBhvr>
+                                    </p:animEffect>
                                   </p:childTnLst>
                                 </p:cTn>
                               </p:par>
                               <p:par>
-                                <p:cTn id="7" presetID="1" presetClass="entr" presetSubtype="0" fill="hold" nodeType="withEffect">
+                                <p:cTn id="8" presetID="22" presetClass="entr" presetSubtype="1" fill="hold" nodeType="withEffect">
                                   <p:stCondLst>
                                     <p:cond delay="0"/>
                                   </p:stCondLst>
                                   <p:childTnLst>
                                     <p:set>
                                       <p:cBhvr>
-                                        <p:cTn id="8" dur="1" fill="hold">
+                                        <p:cTn id="9" dur="1" fill="hold">
                                           <p:stCondLst>
                                             <p:cond delay="0"/>
                                           </p:stCondLst>
@@ -11274,33 +11289,14 @@
                                         <p:strVal val="visible"/>
                                       </p:to>
                                     </p:set>
-                                  </p:childTnLst>
-                                </p:cTn>
-                              </p:par>
-                              <p:par>
-                                <p:cTn id="9" presetID="1" presetClass="entr" presetSubtype="0" fill="hold" nodeType="withEffect">
-                                  <p:stCondLst>
-                                    <p:cond delay="0"/>
-                                  </p:stCondLst>
-                                  <p:childTnLst>
-                                    <p:set>
+                                    <p:animEffect transition="in" filter="wipe(up)">
                                       <p:cBhvr>
-                                        <p:cTn id="10" dur="1" fill="hold">
-                                          <p:stCondLst>
-                                            <p:cond delay="0"/>
-                                          </p:stCondLst>
-                                        </p:cTn>
+                                        <p:cTn id="10" dur="500"/>
                                         <p:tgtEl>
-                                          <p:spTgt spid="61"/>
+                                          <p:spTgt spid="72"/>
                                         </p:tgtEl>
-                                        <p:attrNameLst>
-                                          <p:attrName>style.visibility</p:attrName>
-                                        </p:attrNameLst>
                                       </p:cBhvr>
-                                      <p:to>
-                                        <p:strVal val="visible"/>
-                                      </p:to>
-                                    </p:set>
+                                    </p:animEffect>
                                   </p:childTnLst>
                                 </p:cTn>
                               </p:par>
@@ -11323,7 +11319,7 @@
                             </p:stCondLst>
                             <p:childTnLst>
                               <p:par>
-                                <p:cTn id="13" presetID="1" presetClass="entr" presetSubtype="0" fill="hold" nodeType="clickEffect">
+                                <p:cTn id="13" presetID="22" presetClass="entr" presetSubtype="1" fill="hold" grpId="0" nodeType="clickEffect">
                                   <p:stCondLst>
                                     <p:cond delay="0"/>
                                   </p:stCondLst>
@@ -11331,6 +11327,182 @@
                                     <p:set>
                                       <p:cBhvr>
                                         <p:cTn id="14" dur="1" fill="hold">
+                                          <p:stCondLst>
+                                            <p:cond delay="0"/>
+                                          </p:stCondLst>
+                                        </p:cTn>
+                                        <p:tgtEl>
+                                          <p:spTgt spid="5"/>
+                                        </p:tgtEl>
+                                        <p:attrNameLst>
+                                          <p:attrName>style.visibility</p:attrName>
+                                        </p:attrNameLst>
+                                      </p:cBhvr>
+                                      <p:to>
+                                        <p:strVal val="visible"/>
+                                      </p:to>
+                                    </p:set>
+                                    <p:animEffect transition="in" filter="wipe(up)">
+                                      <p:cBhvr>
+                                        <p:cTn id="15" dur="500"/>
+                                        <p:tgtEl>
+                                          <p:spTgt spid="5"/>
+                                        </p:tgtEl>
+                                      </p:cBhvr>
+                                    </p:animEffect>
+                                  </p:childTnLst>
+                                </p:cTn>
+                              </p:par>
+                              <p:par>
+                                <p:cTn id="16" presetID="22" presetClass="entr" presetSubtype="1" fill="hold" nodeType="withEffect">
+                                  <p:stCondLst>
+                                    <p:cond delay="0"/>
+                                  </p:stCondLst>
+                                  <p:childTnLst>
+                                    <p:set>
+                                      <p:cBhvr>
+                                        <p:cTn id="17" dur="1" fill="hold">
+                                          <p:stCondLst>
+                                            <p:cond delay="0"/>
+                                          </p:stCondLst>
+                                        </p:cTn>
+                                        <p:tgtEl>
+                                          <p:spTgt spid="63"/>
+                                        </p:tgtEl>
+                                        <p:attrNameLst>
+                                          <p:attrName>style.visibility</p:attrName>
+                                        </p:attrNameLst>
+                                      </p:cBhvr>
+                                      <p:to>
+                                        <p:strVal val="visible"/>
+                                      </p:to>
+                                    </p:set>
+                                    <p:animEffect transition="in" filter="wipe(up)">
+                                      <p:cBhvr>
+                                        <p:cTn id="18" dur="500"/>
+                                        <p:tgtEl>
+                                          <p:spTgt spid="63"/>
+                                        </p:tgtEl>
+                                      </p:cBhvr>
+                                    </p:animEffect>
+                                  </p:childTnLst>
+                                </p:cTn>
+                              </p:par>
+                            </p:childTnLst>
+                          </p:cTn>
+                        </p:par>
+                      </p:childTnLst>
+                    </p:cTn>
+                  </p:par>
+                  <p:par>
+                    <p:cTn id="19" fill="hold">
+                      <p:stCondLst>
+                        <p:cond delay="indefinite"/>
+                      </p:stCondLst>
+                      <p:childTnLst>
+                        <p:par>
+                          <p:cTn id="20" fill="hold">
+                            <p:stCondLst>
+                              <p:cond delay="0"/>
+                            </p:stCondLst>
+                            <p:childTnLst>
+                              <p:par>
+                                <p:cTn id="21" presetID="22" presetClass="entr" presetSubtype="8" fill="hold" grpId="0" nodeType="clickEffect">
+                                  <p:stCondLst>
+                                    <p:cond delay="0"/>
+                                  </p:stCondLst>
+                                  <p:childTnLst>
+                                    <p:set>
+                                      <p:cBhvr>
+                                        <p:cTn id="22" dur="1" fill="hold">
+                                          <p:stCondLst>
+                                            <p:cond delay="0"/>
+                                          </p:stCondLst>
+                                        </p:cTn>
+                                        <p:tgtEl>
+                                          <p:spTgt spid="13"/>
+                                        </p:tgtEl>
+                                        <p:attrNameLst>
+                                          <p:attrName>style.visibility</p:attrName>
+                                        </p:attrNameLst>
+                                      </p:cBhvr>
+                                      <p:to>
+                                        <p:strVal val="visible"/>
+                                      </p:to>
+                                    </p:set>
+                                    <p:animEffect transition="in" filter="wipe(left)">
+                                      <p:cBhvr>
+                                        <p:cTn id="23" dur="500"/>
+                                        <p:tgtEl>
+                                          <p:spTgt spid="13"/>
+                                        </p:tgtEl>
+                                      </p:cBhvr>
+                                    </p:animEffect>
+                                  </p:childTnLst>
+                                </p:cTn>
+                              </p:par>
+                              <p:par>
+                                <p:cTn id="24" presetID="22" presetClass="entr" presetSubtype="8" fill="hold" nodeType="withEffect">
+                                  <p:stCondLst>
+                                    <p:cond delay="0"/>
+                                  </p:stCondLst>
+                                  <p:childTnLst>
+                                    <p:set>
+                                      <p:cBhvr>
+                                        <p:cTn id="25" dur="1" fill="hold">
+                                          <p:stCondLst>
+                                            <p:cond delay="0"/>
+                                          </p:stCondLst>
+                                        </p:cTn>
+                                        <p:tgtEl>
+                                          <p:spTgt spid="61"/>
+                                        </p:tgtEl>
+                                        <p:attrNameLst>
+                                          <p:attrName>style.visibility</p:attrName>
+                                        </p:attrNameLst>
+                                      </p:cBhvr>
+                                      <p:to>
+                                        <p:strVal val="visible"/>
+                                      </p:to>
+                                    </p:set>
+                                    <p:animEffect transition="in" filter="wipe(left)">
+                                      <p:cBhvr>
+                                        <p:cTn id="26" dur="500"/>
+                                        <p:tgtEl>
+                                          <p:spTgt spid="61"/>
+                                        </p:tgtEl>
+                                      </p:cBhvr>
+                                    </p:animEffect>
+                                  </p:childTnLst>
+                                </p:cTn>
+                              </p:par>
+                            </p:childTnLst>
+                          </p:cTn>
+                        </p:par>
+                      </p:childTnLst>
+                    </p:cTn>
+                  </p:par>
+                  <p:par>
+                    <p:cTn id="27" fill="hold">
+                      <p:stCondLst>
+                        <p:cond delay="indefinite"/>
+                      </p:stCondLst>
+                      <p:childTnLst>
+                        <p:par>
+                          <p:cTn id="28" fill="hold">
+                            <p:stCondLst>
+                              <p:cond delay="0"/>
+                            </p:stCondLst>
+                            <p:childTnLst>
+                              <p:par>
+                                <p:cTn id="29" presetID="10" presetClass="entr" presetSubtype="0" fill="hold" nodeType="clickEffect">
+                                  <p:stCondLst>
+                                    <p:cond delay="0"/>
+                                  </p:stCondLst>
+                                  <p:childTnLst>
+                                    <p:set>
+                                      <p:cBhvr>
+                                        <p:cTn id="30" dur="1" fill="hold">
                                           <p:stCondLst>
                                             <p:cond delay="0"/>
                                           </p:stCondLst>
@@ -11346,18 +11518,26 @@
                                         <p:strVal val="visible"/>
                                       </p:to>
                                     </p:set>
+                                    <p:animEffect transition="in" filter="fade">
+                                      <p:cBhvr>
+                                        <p:cTn id="31" dur="500"/>
+                                        <p:tgtEl>
+                                          <p:spTgt spid="85"/>
+                                        </p:tgtEl>
+                                      </p:cBhvr>
+                                    </p:animEffect>
                                   </p:childTnLst>
                                 </p:cTn>
                               </p:par>
                               <p:par>
-                                <p:cTn id="15" presetID="1" presetClass="entr" presetSubtype="0" fill="hold" nodeType="withEffect">
+                                <p:cTn id="32" presetID="10" presetClass="entr" presetSubtype="0" fill="hold" nodeType="withEffect">
                                   <p:stCondLst>
                                     <p:cond delay="0"/>
                                   </p:stCondLst>
                                   <p:childTnLst>
                                     <p:set>
                                       <p:cBhvr>
-                                        <p:cTn id="16" dur="1" fill="hold">
+                                        <p:cTn id="33" dur="1" fill="hold">
                                           <p:stCondLst>
                                             <p:cond delay="0"/>
                                           </p:stCondLst>
@@ -11373,6 +11553,14 @@
                                         <p:strVal val="visible"/>
                                       </p:to>
                                     </p:set>
+                                    <p:animEffect transition="in" filter="fade">
+                                      <p:cBhvr>
+                                        <p:cTn id="34" dur="500"/>
+                                        <p:tgtEl>
+                                          <p:spTgt spid="84"/>
+                                        </p:tgtEl>
+                                      </p:cBhvr>
+                                    </p:animEffect>
                                   </p:childTnLst>
                                 </p:cTn>
                               </p:par>
@@ -11403,6 +11591,11 @@
         </p:cTn>
       </p:par>
     </p:tnLst>
+    <p:bldLst>
+      <p:bldP spid="12" grpId="0" animBg="1"/>
+      <p:bldP spid="13" grpId="0" animBg="1"/>
+      <p:bldP spid="5" grpId="0" animBg="1"/>
+    </p:bldLst>
   </p:timing>
 </p:sld>
 </file>
@@ -17452,369 +17645,6 @@
   <p:clrMapOvr>
     <a:masterClrMapping/>
   </p:clrMapOvr>
-  <p:timing>
-    <p:tnLst>
-      <p:par>
-        <p:cTn id="1" dur="indefinite" restart="never" nodeType="tmRoot">
-          <p:childTnLst>
-            <p:seq concurrent="1" nextAc="seek">
-              <p:cTn id="2" dur="indefinite" nodeType="mainSeq">
-                <p:childTnLst>
-                  <p:par>
-                    <p:cTn id="3" fill="hold">
-                      <p:stCondLst>
-                        <p:cond delay="indefinite"/>
-                      </p:stCondLst>
-                      <p:childTnLst>
-                        <p:par>
-                          <p:cTn id="4" fill="hold">
-                            <p:stCondLst>
-                              <p:cond delay="0"/>
-                            </p:stCondLst>
-                            <p:childTnLst>
-                              <p:par>
-                                <p:cTn id="5" presetID="1" presetClass="entr" presetSubtype="0" fill="hold" nodeType="clickEffect">
-                                  <p:stCondLst>
-                                    <p:cond delay="0"/>
-                                  </p:stCondLst>
-                                  <p:childTnLst>
-                                    <p:set>
-                                      <p:cBhvr>
-                                        <p:cTn id="6" dur="1" fill="hold">
-                                          <p:stCondLst>
-                                            <p:cond delay="0"/>
-                                          </p:stCondLst>
-                                        </p:cTn>
-                                        <p:tgtEl>
-                                          <p:spTgt spid="4"/>
-                                        </p:tgtEl>
-                                        <p:attrNameLst>
-                                          <p:attrName>style.visibility</p:attrName>
-                                        </p:attrNameLst>
-                                      </p:cBhvr>
-                                      <p:to>
-                                        <p:strVal val="visible"/>
-                                      </p:to>
-                                    </p:set>
-                                  </p:childTnLst>
-                                </p:cTn>
-                              </p:par>
-                              <p:par>
-                                <p:cTn id="7" presetID="1" presetClass="entr" presetSubtype="0" fill="hold" grpId="0" nodeType="withEffect">
-                                  <p:stCondLst>
-                                    <p:cond delay="0"/>
-                                  </p:stCondLst>
-                                  <p:childTnLst>
-                                    <p:set>
-                                      <p:cBhvr>
-                                        <p:cTn id="8" dur="1" fill="hold">
-                                          <p:stCondLst>
-                                            <p:cond delay="0"/>
-                                          </p:stCondLst>
-                                        </p:cTn>
-                                        <p:tgtEl>
-                                          <p:spTgt spid="27"/>
-                                        </p:tgtEl>
-                                        <p:attrNameLst>
-                                          <p:attrName>style.visibility</p:attrName>
-                                        </p:attrNameLst>
-                                      </p:cBhvr>
-                                      <p:to>
-                                        <p:strVal val="visible"/>
-                                      </p:to>
-                                    </p:set>
-                                  </p:childTnLst>
-                                </p:cTn>
-                              </p:par>
-                              <p:par>
-                                <p:cTn id="9" presetID="1" presetClass="entr" presetSubtype="0" fill="hold" grpId="0" nodeType="withEffect">
-                                  <p:stCondLst>
-                                    <p:cond delay="0"/>
-                                  </p:stCondLst>
-                                  <p:childTnLst>
-                                    <p:set>
-                                      <p:cBhvr>
-                                        <p:cTn id="10" dur="1" fill="hold">
-                                          <p:stCondLst>
-                                            <p:cond delay="0"/>
-                                          </p:stCondLst>
-                                        </p:cTn>
-                                        <p:tgtEl>
-                                          <p:spTgt spid="35"/>
-                                        </p:tgtEl>
-                                        <p:attrNameLst>
-                                          <p:attrName>style.visibility</p:attrName>
-                                        </p:attrNameLst>
-                                      </p:cBhvr>
-                                      <p:to>
-                                        <p:strVal val="visible"/>
-                                      </p:to>
-                                    </p:set>
-                                  </p:childTnLst>
-                                </p:cTn>
-                              </p:par>
-                            </p:childTnLst>
-                          </p:cTn>
-                        </p:par>
-                      </p:childTnLst>
-                    </p:cTn>
-                  </p:par>
-                  <p:par>
-                    <p:cTn id="11" fill="hold">
-                      <p:stCondLst>
-                        <p:cond delay="indefinite"/>
-                      </p:stCondLst>
-                      <p:childTnLst>
-                        <p:par>
-                          <p:cTn id="12" fill="hold">
-                            <p:stCondLst>
-                              <p:cond delay="0"/>
-                            </p:stCondLst>
-                            <p:childTnLst>
-                              <p:par>
-                                <p:cTn id="13" presetID="1" presetClass="entr" presetSubtype="0" fill="hold" nodeType="clickEffect">
-                                  <p:stCondLst>
-                                    <p:cond delay="0"/>
-                                  </p:stCondLst>
-                                  <p:childTnLst>
-                                    <p:set>
-                                      <p:cBhvr>
-                                        <p:cTn id="14" dur="1" fill="hold">
-                                          <p:stCondLst>
-                                            <p:cond delay="0"/>
-                                          </p:stCondLst>
-                                        </p:cTn>
-                                        <p:tgtEl>
-                                          <p:spTgt spid="6"/>
-                                        </p:tgtEl>
-                                        <p:attrNameLst>
-                                          <p:attrName>style.visibility</p:attrName>
-                                        </p:attrNameLst>
-                                      </p:cBhvr>
-                                      <p:to>
-                                        <p:strVal val="visible"/>
-                                      </p:to>
-                                    </p:set>
-                                  </p:childTnLst>
-                                </p:cTn>
-                              </p:par>
-                              <p:par>
-                                <p:cTn id="15" presetID="1" presetClass="entr" presetSubtype="0" fill="hold" grpId="0" nodeType="withEffect">
-                                  <p:stCondLst>
-                                    <p:cond delay="0"/>
-                                  </p:stCondLst>
-                                  <p:childTnLst>
-                                    <p:set>
-                                      <p:cBhvr>
-                                        <p:cTn id="16" dur="1" fill="hold">
-                                          <p:stCondLst>
-                                            <p:cond delay="0"/>
-                                          </p:stCondLst>
-                                        </p:cTn>
-                                        <p:tgtEl>
-                                          <p:spTgt spid="29"/>
-                                        </p:tgtEl>
-                                        <p:attrNameLst>
-                                          <p:attrName>style.visibility</p:attrName>
-                                        </p:attrNameLst>
-                                      </p:cBhvr>
-                                      <p:to>
-                                        <p:strVal val="visible"/>
-                                      </p:to>
-                                    </p:set>
-                                  </p:childTnLst>
-                                </p:cTn>
-                              </p:par>
-                              <p:par>
-                                <p:cTn id="17" presetID="1" presetClass="entr" presetSubtype="0" fill="hold" grpId="0" nodeType="withEffect">
-                                  <p:stCondLst>
-                                    <p:cond delay="0"/>
-                                  </p:stCondLst>
-                                  <p:childTnLst>
-                                    <p:set>
-                                      <p:cBhvr>
-                                        <p:cTn id="18" dur="1" fill="hold">
-                                          <p:stCondLst>
-                                            <p:cond delay="0"/>
-                                          </p:stCondLst>
-                                        </p:cTn>
-                                        <p:tgtEl>
-                                          <p:spTgt spid="36"/>
-                                        </p:tgtEl>
-                                        <p:attrNameLst>
-                                          <p:attrName>style.visibility</p:attrName>
-                                        </p:attrNameLst>
-                                      </p:cBhvr>
-                                      <p:to>
-                                        <p:strVal val="visible"/>
-                                      </p:to>
-                                    </p:set>
-                                  </p:childTnLst>
-                                </p:cTn>
-                              </p:par>
-                            </p:childTnLst>
-                          </p:cTn>
-                        </p:par>
-                      </p:childTnLst>
-                    </p:cTn>
-                  </p:par>
-                  <p:par>
-                    <p:cTn id="19" fill="hold">
-                      <p:stCondLst>
-                        <p:cond delay="indefinite"/>
-                      </p:stCondLst>
-                      <p:childTnLst>
-                        <p:par>
-                          <p:cTn id="20" fill="hold">
-                            <p:stCondLst>
-                              <p:cond delay="0"/>
-                            </p:stCondLst>
-                            <p:childTnLst>
-                              <p:par>
-                                <p:cTn id="21" presetID="1" presetClass="entr" presetSubtype="0" fill="hold" nodeType="clickEffect">
-                                  <p:stCondLst>
-                                    <p:cond delay="0"/>
-                                  </p:stCondLst>
-                                  <p:childTnLst>
-                                    <p:set>
-                                      <p:cBhvr>
-                                        <p:cTn id="22" dur="1" fill="hold">
-                                          <p:stCondLst>
-                                            <p:cond delay="0"/>
-                                          </p:stCondLst>
-                                        </p:cTn>
-                                        <p:tgtEl>
-                                          <p:spTgt spid="11"/>
-                                        </p:tgtEl>
-                                        <p:attrNameLst>
-                                          <p:attrName>style.visibility</p:attrName>
-                                        </p:attrNameLst>
-                                      </p:cBhvr>
-                                      <p:to>
-                                        <p:strVal val="visible"/>
-                                      </p:to>
-                                    </p:set>
-                                  </p:childTnLst>
-                                </p:cTn>
-                              </p:par>
-                              <p:par>
-                                <p:cTn id="23" presetID="1" presetClass="entr" presetSubtype="0" fill="hold" grpId="0" nodeType="withEffect">
-                                  <p:stCondLst>
-                                    <p:cond delay="0"/>
-                                  </p:stCondLst>
-                                  <p:childTnLst>
-                                    <p:set>
-                                      <p:cBhvr>
-                                        <p:cTn id="24" dur="1" fill="hold">
-                                          <p:stCondLst>
-                                            <p:cond delay="0"/>
-                                          </p:stCondLst>
-                                        </p:cTn>
-                                        <p:tgtEl>
-                                          <p:spTgt spid="31"/>
-                                        </p:tgtEl>
-                                        <p:attrNameLst>
-                                          <p:attrName>style.visibility</p:attrName>
-                                        </p:attrNameLst>
-                                      </p:cBhvr>
-                                      <p:to>
-                                        <p:strVal val="visible"/>
-                                      </p:to>
-                                    </p:set>
-                                  </p:childTnLst>
-                                </p:cTn>
-                              </p:par>
-                              <p:par>
-                                <p:cTn id="25" presetID="1" presetClass="entr" presetSubtype="0" fill="hold" grpId="0" nodeType="withEffect">
-                                  <p:stCondLst>
-                                    <p:cond delay="0"/>
-                                  </p:stCondLst>
-                                  <p:childTnLst>
-                                    <p:set>
-                                      <p:cBhvr>
-                                        <p:cTn id="26" dur="1" fill="hold">
-                                          <p:stCondLst>
-                                            <p:cond delay="0"/>
-                                          </p:stCondLst>
-                                        </p:cTn>
-                                        <p:tgtEl>
-                                          <p:spTgt spid="37"/>
-                                        </p:tgtEl>
-                                        <p:attrNameLst>
-                                          <p:attrName>style.visibility</p:attrName>
-                                        </p:attrNameLst>
-                                      </p:cBhvr>
-                                      <p:to>
-                                        <p:strVal val="visible"/>
-                                      </p:to>
-                                    </p:set>
-                                  </p:childTnLst>
-                                </p:cTn>
-                              </p:par>
-                              <p:par>
-                                <p:cTn id="27" presetID="1" presetClass="entr" presetSubtype="0" fill="hold" grpId="0" nodeType="withEffect">
-                                  <p:stCondLst>
-                                    <p:cond delay="0"/>
-                                  </p:stCondLst>
-                                  <p:childTnLst>
-                                    <p:set>
-                                      <p:cBhvr>
-                                        <p:cTn id="28" dur="1" fill="hold">
-                                          <p:stCondLst>
-                                            <p:cond delay="0"/>
-                                          </p:stCondLst>
-                                        </p:cTn>
-                                        <p:tgtEl>
-                                          <p:spTgt spid="20"/>
-                                        </p:tgtEl>
-                                        <p:attrNameLst>
-                                          <p:attrName>style.visibility</p:attrName>
-                                        </p:attrNameLst>
-                                      </p:cBhvr>
-                                      <p:to>
-                                        <p:strVal val="visible"/>
-                                      </p:to>
-                                    </p:set>
-                                  </p:childTnLst>
-                                </p:cTn>
-                              </p:par>
-                            </p:childTnLst>
-                          </p:cTn>
-                        </p:par>
-                      </p:childTnLst>
-                    </p:cTn>
-                  </p:par>
-                </p:childTnLst>
-              </p:cTn>
-              <p:prevCondLst>
-                <p:cond evt="onPrev" delay="0">
-                  <p:tgtEl>
-                    <p:sldTgt/>
-                  </p:tgtEl>
-                </p:cond>
-              </p:prevCondLst>
-              <p:nextCondLst>
-                <p:cond evt="onNext" delay="0">
-                  <p:tgtEl>
-                    <p:sldTgt/>
-                  </p:tgtEl>
-                </p:cond>
-              </p:nextCondLst>
-            </p:seq>
-          </p:childTnLst>
-        </p:cTn>
-      </p:par>
-    </p:tnLst>
-    <p:bldLst>
-      <p:bldP spid="27" grpId="0"/>
-      <p:bldP spid="29" grpId="0"/>
-      <p:bldP spid="31" grpId="0"/>
-      <p:bldP spid="35" grpId="0"/>
-      <p:bldP spid="36" grpId="0"/>
-      <p:bldP spid="37" grpId="0"/>
-      <p:bldP spid="20" grpId="0" animBg="1"/>
-    </p:bldLst>
-  </p:timing>
 </p:sld>
 </file>
 

--- a/slides/Durable_Functions.pptx
+++ b/slides/Durable_Functions.pptx
@@ -17882,8 +17882,8 @@
         </p:nvSpPr>
         <p:spPr>
           <a:xfrm>
-            <a:off x="8542620" y="3766784"/>
-            <a:ext cx="2040835" cy="1477328"/>
+            <a:off x="7625371" y="3766784"/>
+            <a:ext cx="4011168" cy="2585323"/>
           </a:xfrm>
           <a:prstGeom prst="rect">
             <a:avLst/>
@@ -17925,7 +17925,7 @@
                   <a:srgbClr val="083232"/>
                 </a:solidFill>
               </a:rPr>
-              <a:t>Blob Storage</a:t>
+              <a:t>Azure Storage (Queue/Blob)</a:t>
             </a:r>
           </a:p>
           <a:p>
@@ -17954,6 +17954,73 @@
               </a:rPr>
               <a:t>SendGrid</a:t>
             </a:r>
+          </a:p>
+          <a:p>
+            <a:pPr algn="ctr"/>
+            <a:r>
+              <a:rPr lang="en-US" dirty="0">
+                <a:solidFill>
+                  <a:srgbClr val="083232"/>
+                </a:solidFill>
+              </a:rPr>
+              <a:t>HTTP</a:t>
+            </a:r>
+          </a:p>
+          <a:p>
+            <a:pPr algn="ctr"/>
+            <a:r>
+              <a:rPr lang="en-US" dirty="0" err="1">
+                <a:solidFill>
+                  <a:srgbClr val="083232"/>
+                </a:solidFill>
+              </a:rPr>
+              <a:t>SignalR</a:t>
+            </a:r>
+            <a:endParaRPr lang="en-US" dirty="0">
+              <a:solidFill>
+                <a:srgbClr val="083232"/>
+              </a:solidFill>
+            </a:endParaRPr>
+          </a:p>
+          <a:p>
+            <a:pPr algn="ctr"/>
+            <a:r>
+              <a:rPr lang="en-US" dirty="0" err="1">
+                <a:solidFill>
+                  <a:srgbClr val="083232"/>
+                </a:solidFill>
+              </a:rPr>
+              <a:t>ServiceBus</a:t>
+            </a:r>
+            <a:endParaRPr lang="en-US" dirty="0">
+              <a:solidFill>
+                <a:srgbClr val="083232"/>
+              </a:solidFill>
+            </a:endParaRPr>
+          </a:p>
+          <a:p>
+            <a:pPr algn="ctr"/>
+            <a:r>
+              <a:rPr lang="en-US" dirty="0">
+                <a:solidFill>
+                  <a:srgbClr val="083232"/>
+                </a:solidFill>
+              </a:rPr>
+              <a:t>… und 12 </a:t>
+            </a:r>
+            <a:r>
+              <a:rPr lang="en-US" dirty="0" err="1">
+                <a:solidFill>
+                  <a:srgbClr val="083232"/>
+                </a:solidFill>
+              </a:rPr>
+              <a:t>weitere</a:t>
+            </a:r>
+            <a:endParaRPr lang="en-US" dirty="0">
+              <a:solidFill>
+                <a:srgbClr val="083232"/>
+              </a:solidFill>
+            </a:endParaRPr>
           </a:p>
         </p:txBody>
       </p:sp>

--- a/slides/Durable_Functions.pptx
+++ b/slides/Durable_Functions.pptx
@@ -343,7 +343,7 @@
           <a:p>
             <a:fld id="{59482732-5796-4502-BB3A-1405B904608F}" type="slidenum">
               <a:rPr lang="en-US" smtClean="0"/>
-              <a:t>‹Nr.›</a:t>
+              <a:t>‹#›</a:t>
             </a:fld>
             <a:endParaRPr lang="en-US"/>
           </a:p>
@@ -606,7 +606,7 @@
           <a:p>
             <a:fld id="{59482732-5796-4502-BB3A-1405B904608F}" type="slidenum">
               <a:rPr lang="en-US" smtClean="0"/>
-              <a:t>‹Nr.›</a:t>
+              <a:t>‹#›</a:t>
             </a:fld>
             <a:endParaRPr lang="en-US"/>
           </a:p>
@@ -816,7 +816,7 @@
           <a:p>
             <a:fld id="{59482732-5796-4502-BB3A-1405B904608F}" type="slidenum">
               <a:rPr lang="en-US" smtClean="0"/>
-              <a:t>‹Nr.›</a:t>
+              <a:t>‹#›</a:t>
             </a:fld>
             <a:endParaRPr lang="en-US"/>
           </a:p>
@@ -992,7 +992,7 @@
           <a:p>
             <a:fld id="{59482732-5796-4502-BB3A-1405B904608F}" type="slidenum">
               <a:rPr lang="en-US" smtClean="0"/>
-              <a:t>‹Nr.›</a:t>
+              <a:t>‹#›</a:t>
             </a:fld>
             <a:endParaRPr lang="en-US"/>
           </a:p>
@@ -1371,7 +1371,7 @@
           <a:p>
             <a:fld id="{59482732-5796-4502-BB3A-1405B904608F}" type="slidenum">
               <a:rPr lang="en-US" smtClean="0"/>
-              <a:t>‹Nr.›</a:t>
+              <a:t>‹#›</a:t>
             </a:fld>
             <a:endParaRPr lang="en-US"/>
           </a:p>
@@ -1639,7 +1639,7 @@
           <a:p>
             <a:fld id="{59482732-5796-4502-BB3A-1405B904608F}" type="slidenum">
               <a:rPr lang="en-US" smtClean="0"/>
-              <a:t>‹Nr.›</a:t>
+              <a:t>‹#›</a:t>
             </a:fld>
             <a:endParaRPr lang="en-US"/>
           </a:p>
@@ -2054,7 +2054,7 @@
           <a:p>
             <a:fld id="{59482732-5796-4502-BB3A-1405B904608F}" type="slidenum">
               <a:rPr lang="en-US" smtClean="0"/>
-              <a:t>‹Nr.›</a:t>
+              <a:t>‹#›</a:t>
             </a:fld>
             <a:endParaRPr lang="en-US"/>
           </a:p>
@@ -2196,7 +2196,7 @@
           <a:p>
             <a:fld id="{59482732-5796-4502-BB3A-1405B904608F}" type="slidenum">
               <a:rPr lang="en-US" smtClean="0"/>
-              <a:t>‹Nr.›</a:t>
+              <a:t>‹#›</a:t>
             </a:fld>
             <a:endParaRPr lang="en-US"/>
           </a:p>
@@ -2309,7 +2309,7 @@
           <a:p>
             <a:fld id="{59482732-5796-4502-BB3A-1405B904608F}" type="slidenum">
               <a:rPr lang="en-US" smtClean="0"/>
-              <a:t>‹Nr.›</a:t>
+              <a:t>‹#›</a:t>
             </a:fld>
             <a:endParaRPr lang="en-US"/>
           </a:p>
@@ -2622,7 +2622,7 @@
           <a:p>
             <a:fld id="{59482732-5796-4502-BB3A-1405B904608F}" type="slidenum">
               <a:rPr lang="en-US" smtClean="0"/>
-              <a:t>‹Nr.›</a:t>
+              <a:t>‹#›</a:t>
             </a:fld>
             <a:endParaRPr lang="en-US"/>
           </a:p>
@@ -2911,7 +2911,7 @@
           <a:p>
             <a:fld id="{59482732-5796-4502-BB3A-1405B904608F}" type="slidenum">
               <a:rPr lang="en-US" smtClean="0"/>
-              <a:t>‹Nr.›</a:t>
+              <a:t>‹#›</a:t>
             </a:fld>
             <a:endParaRPr lang="en-US"/>
           </a:p>
@@ -3193,7 +3193,7 @@
           <a:p>
             <a:fld id="{59482732-5796-4502-BB3A-1405B904608F}" type="slidenum">
               <a:rPr lang="en-US" smtClean="0"/>
-              <a:t>‹Nr.›</a:t>
+              <a:t>‹#›</a:t>
             </a:fld>
             <a:endParaRPr lang="en-US"/>
           </a:p>
@@ -3568,7 +3568,7 @@
             </a:br>
             <a:r>
               <a:rPr lang="en-US" sz="4000" dirty="0"/>
-              <a:t>Azure Durable Function</a:t>
+              <a:t>Azure Durable Functions</a:t>
             </a:r>
             <a:endParaRPr lang="en-US" sz="4800" dirty="0"/>
           </a:p>
@@ -3939,7 +3939,7 @@
         <p:spPr>
           <a:xfrm>
             <a:off x="3876269" y="2476498"/>
-            <a:ext cx="7420621" cy="1500219"/>
+            <a:ext cx="7532447" cy="1497782"/>
           </a:xfrm>
           <a:prstGeom prst="rect">
             <a:avLst/>
@@ -3963,7 +3963,7 @@
                   <a:srgbClr val="5A536D"/>
                 </a:solidFill>
               </a:rPr>
-              <a:t>Create and deploy a Azure Function with Visual Studio</a:t>
+              <a:t>Create an Azure Function inside the Azure Portal</a:t>
             </a:r>
           </a:p>
           <a:p>
@@ -3978,29 +3978,8 @@
                   <a:srgbClr val="5A536D"/>
                 </a:solidFill>
               </a:rPr>
-              <a:t>Create a </a:t>
-            </a:r>
-            <a:r>
-              <a:rPr lang="en-US" sz="2000" b="1" dirty="0" err="1">
-                <a:solidFill>
-                  <a:srgbClr val="5A536D"/>
-                </a:solidFill>
-              </a:rPr>
-              <a:t>Powershell</a:t>
-            </a:r>
-            <a:r>
-              <a:rPr lang="en-US" sz="2000" b="1" dirty="0">
-                <a:solidFill>
-                  <a:srgbClr val="5A536D"/>
-                </a:solidFill>
-              </a:rPr>
-              <a:t> Azure Function inside the Azure Portal</a:t>
-            </a:r>
-            <a:endParaRPr lang="en-US" sz="2000" dirty="0">
-              <a:solidFill>
-                <a:srgbClr val="5A536D"/>
-              </a:solidFill>
-            </a:endParaRPr>
+              <a:t>Create and deploy an Azure Function with Visual Studio Code</a:t>
+            </a:r>
           </a:p>
         </p:txBody>
       </p:sp>
@@ -12629,7 +12608,7 @@
                   <a:srgbClr val="5A536D"/>
                 </a:solidFill>
               </a:rPr>
-              <a:t>Log a event after each activity inside a </a:t>
+              <a:t>Log an event after each activity inside a </a:t>
             </a:r>
             <a:br>
               <a:rPr lang="en-US" sz="2000" dirty="0">
@@ -13551,7 +13530,7 @@
         <p:spPr>
           <a:xfrm>
             <a:off x="3776877" y="1951672"/>
-            <a:ext cx="7080785" cy="2954655"/>
+            <a:ext cx="6856364" cy="2985433"/>
           </a:xfrm>
           <a:prstGeom prst="rect">
             <a:avLst/>
@@ -13680,42 +13659,13 @@
           </a:p>
           <a:p>
             <a:r>
-              <a:rPr lang="de-DE" b="1" dirty="0">
+              <a:rPr lang="de-DE" sz="2000" b="1" dirty="0">
                 <a:solidFill>
                   <a:srgbClr val="5A536D"/>
                 </a:solidFill>
               </a:rPr>
-              <a:t>Alternate </a:t>
-            </a:r>
-            <a:r>
-              <a:rPr lang="de-DE" b="1" dirty="0" err="1">
-                <a:solidFill>
-                  <a:srgbClr val="5A536D"/>
-                </a:solidFill>
-              </a:rPr>
-              <a:t>storage</a:t>
-            </a:r>
-            <a:r>
-              <a:rPr lang="de-DE" b="1" dirty="0">
-                <a:solidFill>
-                  <a:srgbClr val="5A536D"/>
-                </a:solidFill>
-              </a:rPr>
-              <a:t> </a:t>
-            </a:r>
-            <a:r>
-              <a:rPr lang="de-DE" b="1" dirty="0" err="1">
-                <a:solidFill>
-                  <a:srgbClr val="5A536D"/>
-                </a:solidFill>
-              </a:rPr>
-              <a:t>providers</a:t>
-            </a:r>
-            <a:endParaRPr lang="de-DE" b="1" dirty="0">
-              <a:solidFill>
-                <a:srgbClr val="5A536D"/>
-              </a:solidFill>
-            </a:endParaRPr>
+              <a:t>Alternate Storage Providers</a:t>
+            </a:r>
           </a:p>
           <a:p>
             <a:pPr marL="742950" lvl="1" indent="-285750">
@@ -17708,8 +17658,8 @@
         </p:nvSpPr>
         <p:spPr>
           <a:xfrm>
-            <a:off x="4982814" y="3766784"/>
-            <a:ext cx="2040835" cy="1477328"/>
+            <a:off x="4566630" y="3766784"/>
+            <a:ext cx="2892949" cy="2031325"/>
           </a:xfrm>
           <a:prstGeom prst="rect">
             <a:avLst/>
@@ -17762,7 +17712,7 @@
                   <a:srgbClr val="083232"/>
                 </a:solidFill>
               </a:rPr>
-              <a:t>JavaScript</a:t>
+              <a:t>JavaScript, TypeScript</a:t>
             </a:r>
           </a:p>
           <a:p>
@@ -17774,6 +17724,36 @@
                 </a:solidFill>
               </a:rPr>
               <a:t>Java</a:t>
+            </a:r>
+            <a:br>
+              <a:rPr lang="en-US" dirty="0">
+                <a:solidFill>
+                  <a:srgbClr val="083232"/>
+                </a:solidFill>
+              </a:rPr>
+            </a:br>
+            <a:r>
+              <a:rPr lang="en-US" dirty="0">
+                <a:solidFill>
+                  <a:srgbClr val="083232"/>
+                </a:solidFill>
+              </a:rPr>
+              <a:t>PowerShell</a:t>
+            </a:r>
+            <a:br>
+              <a:rPr lang="en-US" dirty="0">
+                <a:solidFill>
+                  <a:srgbClr val="083232"/>
+                </a:solidFill>
+              </a:rPr>
+            </a:br>
+            <a:r>
+              <a:rPr lang="en-US" dirty="0">
+                <a:solidFill>
+                  <a:srgbClr val="083232"/>
+                </a:solidFill>
+              </a:rPr>
+              <a:t>Python</a:t>
             </a:r>
           </a:p>
         </p:txBody>
@@ -17793,7 +17773,7 @@
         <p:spPr>
           <a:xfrm>
             <a:off x="1322585" y="3766784"/>
-            <a:ext cx="2040835" cy="1477328"/>
+            <a:ext cx="2040835" cy="1754326"/>
           </a:xfrm>
           <a:prstGeom prst="rect">
             <a:avLst/>
@@ -17860,6 +17840,17 @@
               </a:rPr>
               <a:t>HTTP Trigger</a:t>
             </a:r>
+          </a:p>
+          <a:p>
+            <a:pPr algn="ctr"/>
+            <a:r>
+              <a:rPr lang="en-US" dirty="0">
+                <a:solidFill>
+                  <a:srgbClr val="083232"/>
+                </a:solidFill>
+              </a:rPr>
+              <a:t>…</a:t>
+            </a:r>
             <a:endParaRPr lang="de-DE" dirty="0">
               <a:solidFill>
                 <a:srgbClr val="5A536D"/>
@@ -17936,7 +17927,7 @@
                   <a:srgbClr val="083232"/>
                 </a:solidFill>
               </a:rPr>
-              <a:t>CosmosDb</a:t>
+              <a:t>CosmosDB</a:t>
             </a:r>
             <a:endParaRPr lang="en-US" dirty="0">
               <a:solidFill>

--- a/slides/Durable_Functions.pptx
+++ b/slides/Durable_Functions.pptx
@@ -289,7 +289,7 @@
           <a:p>
             <a:fld id="{505B6713-0874-4A1F-BF3A-D2E2FC566D1E}" type="datetimeFigureOut">
               <a:rPr lang="en-US" smtClean="0"/>
-              <a:t>11/3/2019</a:t>
+              <a:t>11/4/2019</a:t>
             </a:fld>
             <a:endParaRPr lang="en-US"/>
           </a:p>
@@ -552,7 +552,7 @@
           <a:p>
             <a:fld id="{505B6713-0874-4A1F-BF3A-D2E2FC566D1E}" type="datetimeFigureOut">
               <a:rPr lang="en-US" smtClean="0"/>
-              <a:t>11/3/2019</a:t>
+              <a:t>11/4/2019</a:t>
             </a:fld>
             <a:endParaRPr lang="en-US"/>
           </a:p>
@@ -762,7 +762,7 @@
           <a:p>
             <a:fld id="{505B6713-0874-4A1F-BF3A-D2E2FC566D1E}" type="datetimeFigureOut">
               <a:rPr lang="en-US" smtClean="0"/>
-              <a:t>11/3/2019</a:t>
+              <a:t>11/4/2019</a:t>
             </a:fld>
             <a:endParaRPr lang="en-US"/>
           </a:p>
@@ -938,7 +938,7 @@
           <a:p>
             <a:fld id="{505B6713-0874-4A1F-BF3A-D2E2FC566D1E}" type="datetimeFigureOut">
               <a:rPr lang="en-US" smtClean="0"/>
-              <a:t>11/3/2019</a:t>
+              <a:t>11/4/2019</a:t>
             </a:fld>
             <a:endParaRPr lang="en-US"/>
           </a:p>
@@ -1317,7 +1317,7 @@
           <a:p>
             <a:fld id="{505B6713-0874-4A1F-BF3A-D2E2FC566D1E}" type="datetimeFigureOut">
               <a:rPr lang="en-US" smtClean="0"/>
-              <a:t>11/3/2019</a:t>
+              <a:t>11/4/2019</a:t>
             </a:fld>
             <a:endParaRPr lang="en-US"/>
           </a:p>
@@ -1585,7 +1585,7 @@
           <a:p>
             <a:fld id="{505B6713-0874-4A1F-BF3A-D2E2FC566D1E}" type="datetimeFigureOut">
               <a:rPr lang="en-US" smtClean="0"/>
-              <a:t>11/3/2019</a:t>
+              <a:t>11/4/2019</a:t>
             </a:fld>
             <a:endParaRPr lang="en-US"/>
           </a:p>
@@ -2000,7 +2000,7 @@
           <a:p>
             <a:fld id="{505B6713-0874-4A1F-BF3A-D2E2FC566D1E}" type="datetimeFigureOut">
               <a:rPr lang="en-US" smtClean="0"/>
-              <a:t>11/3/2019</a:t>
+              <a:t>11/4/2019</a:t>
             </a:fld>
             <a:endParaRPr lang="en-US"/>
           </a:p>
@@ -2142,7 +2142,7 @@
           <a:p>
             <a:fld id="{505B6713-0874-4A1F-BF3A-D2E2FC566D1E}" type="datetimeFigureOut">
               <a:rPr lang="en-US" smtClean="0"/>
-              <a:t>11/3/2019</a:t>
+              <a:t>11/4/2019</a:t>
             </a:fld>
             <a:endParaRPr lang="en-US"/>
           </a:p>
@@ -2255,7 +2255,7 @@
           <a:p>
             <a:fld id="{505B6713-0874-4A1F-BF3A-D2E2FC566D1E}" type="datetimeFigureOut">
               <a:rPr lang="en-US" smtClean="0"/>
-              <a:t>11/3/2019</a:t>
+              <a:t>11/4/2019</a:t>
             </a:fld>
             <a:endParaRPr lang="en-US"/>
           </a:p>
@@ -2568,7 +2568,7 @@
           <a:p>
             <a:fld id="{505B6713-0874-4A1F-BF3A-D2E2FC566D1E}" type="datetimeFigureOut">
               <a:rPr lang="en-US" smtClean="0"/>
-              <a:t>11/3/2019</a:t>
+              <a:t>11/4/2019</a:t>
             </a:fld>
             <a:endParaRPr lang="en-US"/>
           </a:p>
@@ -2857,7 +2857,7 @@
           <a:p>
             <a:fld id="{505B6713-0874-4A1F-BF3A-D2E2FC566D1E}" type="datetimeFigureOut">
               <a:rPr lang="en-US" smtClean="0"/>
-              <a:t>11/3/2019</a:t>
+              <a:t>11/4/2019</a:t>
             </a:fld>
             <a:endParaRPr lang="en-US"/>
           </a:p>
@@ -3103,7 +3103,7 @@
           <a:p>
             <a:fld id="{505B6713-0874-4A1F-BF3A-D2E2FC566D1E}" type="datetimeFigureOut">
               <a:rPr lang="en-US" smtClean="0"/>
-              <a:t>11/3/2019</a:t>
+              <a:t>11/4/2019</a:t>
             </a:fld>
             <a:endParaRPr lang="en-US"/>
           </a:p>
@@ -3792,10 +3792,10 @@
       </p:sp>
       <p:pic>
         <p:nvPicPr>
-          <p:cNvPr id="12" name="Grafik 11">
-            <a:extLst>
-              <a:ext uri="{FF2B5EF4-FFF2-40B4-BE49-F238E27FC236}">
-                <a16:creationId xmlns:a16="http://schemas.microsoft.com/office/drawing/2014/main" id="{E861DC5D-0D23-474A-9184-46F225B01201}"/>
+          <p:cNvPr id="7" name="Picture 6">
+            <a:extLst>
+              <a:ext uri="{FF2B5EF4-FFF2-40B4-BE49-F238E27FC236}">
+                <a16:creationId xmlns:a16="http://schemas.microsoft.com/office/drawing/2014/main" id="{181B0B66-926D-4FF1-A702-BCCD6E631DB3}"/>
               </a:ext>
             </a:extLst>
           </p:cNvPr>
@@ -3812,8 +3812,8 @@
         </p:blipFill>
         <p:spPr>
           <a:xfrm>
-            <a:off x="6926163" y="4784895"/>
-            <a:ext cx="1275743" cy="1275743"/>
+            <a:off x="6926163" y="4831045"/>
+            <a:ext cx="1229593" cy="1229593"/>
           </a:xfrm>
           <a:prstGeom prst="rect">
             <a:avLst/>

--- a/slides/Durable_Functions.pptx
+++ b/slides/Durable_Functions.pptx
@@ -33,7 +33,7 @@
     <p:sldId id="285" r:id="rId27"/>
     <p:sldId id="287" r:id="rId28"/>
     <p:sldId id="288" r:id="rId29"/>
-    <p:sldId id="289" r:id="rId30"/>
+    <p:sldId id="291" r:id="rId30"/>
   </p:sldIdLst>
   <p:sldSz cx="12192000" cy="6858000"/>
   <p:notesSz cx="6858000" cy="9144000"/>
@@ -343,7 +343,7 @@
           <a:p>
             <a:fld id="{59482732-5796-4502-BB3A-1405B904608F}" type="slidenum">
               <a:rPr lang="en-US" smtClean="0"/>
-              <a:t>‹#›</a:t>
+              <a:t>‹Nr.›</a:t>
             </a:fld>
             <a:endParaRPr lang="en-US"/>
           </a:p>
@@ -606,7 +606,7 @@
           <a:p>
             <a:fld id="{59482732-5796-4502-BB3A-1405B904608F}" type="slidenum">
               <a:rPr lang="en-US" smtClean="0"/>
-              <a:t>‹#›</a:t>
+              <a:t>‹Nr.›</a:t>
             </a:fld>
             <a:endParaRPr lang="en-US"/>
           </a:p>
@@ -816,7 +816,7 @@
           <a:p>
             <a:fld id="{59482732-5796-4502-BB3A-1405B904608F}" type="slidenum">
               <a:rPr lang="en-US" smtClean="0"/>
-              <a:t>‹#›</a:t>
+              <a:t>‹Nr.›</a:t>
             </a:fld>
             <a:endParaRPr lang="en-US"/>
           </a:p>
@@ -992,7 +992,7 @@
           <a:p>
             <a:fld id="{59482732-5796-4502-BB3A-1405B904608F}" type="slidenum">
               <a:rPr lang="en-US" smtClean="0"/>
-              <a:t>‹#›</a:t>
+              <a:t>‹Nr.›</a:t>
             </a:fld>
             <a:endParaRPr lang="en-US"/>
           </a:p>
@@ -1371,7 +1371,7 @@
           <a:p>
             <a:fld id="{59482732-5796-4502-BB3A-1405B904608F}" type="slidenum">
               <a:rPr lang="en-US" smtClean="0"/>
-              <a:t>‹#›</a:t>
+              <a:t>‹Nr.›</a:t>
             </a:fld>
             <a:endParaRPr lang="en-US"/>
           </a:p>
@@ -1639,7 +1639,7 @@
           <a:p>
             <a:fld id="{59482732-5796-4502-BB3A-1405B904608F}" type="slidenum">
               <a:rPr lang="en-US" smtClean="0"/>
-              <a:t>‹#›</a:t>
+              <a:t>‹Nr.›</a:t>
             </a:fld>
             <a:endParaRPr lang="en-US"/>
           </a:p>
@@ -2054,7 +2054,7 @@
           <a:p>
             <a:fld id="{59482732-5796-4502-BB3A-1405B904608F}" type="slidenum">
               <a:rPr lang="en-US" smtClean="0"/>
-              <a:t>‹#›</a:t>
+              <a:t>‹Nr.›</a:t>
             </a:fld>
             <a:endParaRPr lang="en-US"/>
           </a:p>
@@ -2196,7 +2196,7 @@
           <a:p>
             <a:fld id="{59482732-5796-4502-BB3A-1405B904608F}" type="slidenum">
               <a:rPr lang="en-US" smtClean="0"/>
-              <a:t>‹#›</a:t>
+              <a:t>‹Nr.›</a:t>
             </a:fld>
             <a:endParaRPr lang="en-US"/>
           </a:p>
@@ -2309,7 +2309,7 @@
           <a:p>
             <a:fld id="{59482732-5796-4502-BB3A-1405B904608F}" type="slidenum">
               <a:rPr lang="en-US" smtClean="0"/>
-              <a:t>‹#›</a:t>
+              <a:t>‹Nr.›</a:t>
             </a:fld>
             <a:endParaRPr lang="en-US"/>
           </a:p>
@@ -2622,7 +2622,7 @@
           <a:p>
             <a:fld id="{59482732-5796-4502-BB3A-1405B904608F}" type="slidenum">
               <a:rPr lang="en-US" smtClean="0"/>
-              <a:t>‹#›</a:t>
+              <a:t>‹Nr.›</a:t>
             </a:fld>
             <a:endParaRPr lang="en-US"/>
           </a:p>
@@ -2911,7 +2911,7 @@
           <a:p>
             <a:fld id="{59482732-5796-4502-BB3A-1405B904608F}" type="slidenum">
               <a:rPr lang="en-US" smtClean="0"/>
-              <a:t>‹#›</a:t>
+              <a:t>‹Nr.›</a:t>
             </a:fld>
             <a:endParaRPr lang="en-US"/>
           </a:p>
@@ -3193,7 +3193,7 @@
           <a:p>
             <a:fld id="{59482732-5796-4502-BB3A-1405B904608F}" type="slidenum">
               <a:rPr lang="en-US" smtClean="0"/>
-              <a:t>‹#›</a:t>
+              <a:t>‹Nr.›</a:t>
             </a:fld>
             <a:endParaRPr lang="en-US"/>
           </a:p>
@@ -14523,8 +14523,8 @@
         </p:nvSpPr>
         <p:spPr>
           <a:xfrm>
-            <a:off x="3882895" y="1890116"/>
-            <a:ext cx="7972054" cy="3077766"/>
+            <a:off x="3817912" y="1416866"/>
+            <a:ext cx="7972054" cy="4308872"/>
           </a:xfrm>
           <a:prstGeom prst="rect">
             <a:avLst/>
@@ -14536,6 +14536,72 @@
             <a:spAutoFit/>
           </a:bodyPr>
           <a:lstStyle/>
+          <a:p>
+            <a:r>
+              <a:rPr lang="en-US" sz="2000" b="1" u="sng" dirty="0">
+                <a:solidFill>
+                  <a:srgbClr val="5A536D"/>
+                </a:solidFill>
+              </a:rPr>
+              <a:t>Contact via Twitter:</a:t>
+            </a:r>
+          </a:p>
+          <a:p>
+            <a:r>
+              <a:rPr lang="de-DE" sz="2000" dirty="0">
+                <a:solidFill>
+                  <a:srgbClr val="5A536D"/>
+                </a:solidFill>
+              </a:rPr>
+              <a:t>@</a:t>
+            </a:r>
+            <a:r>
+              <a:rPr lang="de-DE" sz="2000" dirty="0" err="1">
+                <a:solidFill>
+                  <a:srgbClr val="5A536D"/>
+                </a:solidFill>
+              </a:rPr>
+              <a:t>roeb</a:t>
+            </a:r>
+            <a:r>
+              <a:rPr lang="de-DE" sz="2000" dirty="0">
+                <a:solidFill>
+                  <a:srgbClr val="5A536D"/>
+                </a:solidFill>
+              </a:rPr>
+              <a:t> and @</a:t>
+            </a:r>
+            <a:r>
+              <a:rPr lang="de-DE" sz="2000" dirty="0" err="1">
+                <a:solidFill>
+                  <a:srgbClr val="5A536D"/>
+                </a:solidFill>
+              </a:rPr>
+              <a:t>thoemmi</a:t>
+            </a:r>
+            <a:endParaRPr lang="en-US" sz="2000" dirty="0">
+              <a:solidFill>
+                <a:srgbClr val="5A536D"/>
+              </a:solidFill>
+            </a:endParaRPr>
+          </a:p>
+          <a:p>
+            <a:endParaRPr lang="en-US" sz="2000" dirty="0">
+              <a:solidFill>
+                <a:srgbClr val="5A536D"/>
+              </a:solidFill>
+            </a:endParaRPr>
+          </a:p>
+          <a:p>
+            <a:r>
+              <a:rPr lang="en-US" sz="2000" b="1" u="sng" dirty="0">
+                <a:solidFill>
+                  <a:srgbClr val="5A536D"/>
+                </a:solidFill>
+              </a:rPr>
+              <a:t>Resources:</a:t>
+            </a:r>
+          </a:p>
           <a:p>
             <a:r>
               <a:rPr lang="en-US" sz="2000" dirty="0">
@@ -14705,7 +14771,7 @@
     </p:spTree>
     <p:extLst>
       <p:ext uri="{BB962C8B-B14F-4D97-AF65-F5344CB8AC3E}">
-        <p14:creationId xmlns:p14="http://schemas.microsoft.com/office/powerpoint/2010/main" val="525365128"/>
+        <p14:creationId xmlns:p14="http://schemas.microsoft.com/office/powerpoint/2010/main" val="961420894"/>
       </p:ext>
     </p:extLst>
   </p:cSld>
